--- a/2022-07-20 Dotnet Foundation Summit 2022/ABP-DNF-Summit-2022.pptx
+++ b/2022-07-20 Dotnet Foundation Summit 2022/ABP-DNF-Summit-2022.pptx
@@ -3930,6 +3930,13 @@
           <a:prstGeom prst="rect">
             <a:avLst/>
           </a:prstGeom>
+          <a:ln w="12700">
+            <a:solidFill>
+              <a:schemeClr val="bg1">
+                <a:lumMod val="50000"/>
+              </a:schemeClr>
+            </a:solidFill>
+          </a:ln>
         </p:spPr>
       </p:pic>
       <p:pic>
@@ -4396,6 +4403,53 @@
           <a:xfrm>
             <a:off x="5576776" y="3749061"/>
             <a:ext cx="355076" cy="405801"/>
+          </a:xfrm>
+          <a:prstGeom prst="rect">
+            <a:avLst/>
+          </a:prstGeom>
+          <a:noFill/>
+          <a:extLst>
+            <a:ext uri="{909E8E84-426E-40DD-AFC4-6F175D3DCCD1}">
+              <a14:hiddenFill xmlns:a14="http://schemas.microsoft.com/office/drawing/2010/main">
+                <a:solidFill>
+                  <a:srgbClr val="FFFFFF"/>
+                </a:solidFill>
+              </a14:hiddenFill>
+            </a:ext>
+          </a:extLst>
+        </p:spPr>
+      </p:pic>
+      <p:pic>
+        <p:nvPicPr>
+          <p:cNvPr id="3" name="Picture 2" descr="Microsoft Visual Studio - Vikipedi">
+            <a:extLst>
+              <a:ext uri="{FF2B5EF4-FFF2-40B4-BE49-F238E27FC236}">
+                <a16:creationId xmlns:a16="http://schemas.microsoft.com/office/drawing/2014/main" id="{8782E0A1-0C6F-49D6-CA8A-8F44C6D2E075}"/>
+              </a:ext>
+            </a:extLst>
+          </p:cNvPr>
+          <p:cNvPicPr>
+            <a:picLocks noChangeAspect="1" noChangeArrowheads="1"/>
+          </p:cNvPicPr>
+          <p:nvPr/>
+        </p:nvPicPr>
+        <p:blipFill>
+          <a:blip r:embed="rId7">
+            <a:extLst>
+              <a:ext uri="{28A0092B-C50C-407E-A947-70E740481C1C}">
+                <a14:useLocalDpi xmlns:a14="http://schemas.microsoft.com/office/drawing/2010/main" val="0"/>
+              </a:ext>
+            </a:extLst>
+          </a:blip>
+          <a:srcRect/>
+          <a:stretch>
+            <a:fillRect/>
+          </a:stretch>
+        </p:blipFill>
+        <p:spPr bwMode="auto">
+          <a:xfrm>
+            <a:off x="4128940" y="4401694"/>
+            <a:ext cx="761836" cy="761836"/>
           </a:xfrm>
           <a:prstGeom prst="rect">
             <a:avLst/>
@@ -4485,7 +4539,7 @@
                 <a:latin typeface="Euclid Circular B" panose="020B0504000000000000" pitchFamily="34" charset="0"/>
                 <a:ea typeface="Euclid Circular B" panose="020B0504000000000000" pitchFamily="34" charset="0"/>
               </a:rPr>
-              <a:t>Solution Template: Problems</a:t>
+              <a:t>Solution Template: Pains</a:t>
             </a:r>
           </a:p>
         </p:txBody>

--- a/2022-07-20 Dotnet Foundation Summit 2022/ABP-DNF-Summit-2022.pptx
+++ b/2022-07-20 Dotnet Foundation Summit 2022/ABP-DNF-Summit-2022.pptx
@@ -267,7 +267,7 @@
           <a:p>
             <a:fld id="{2A14C9FE-EBC3-45D3-899C-58AAF4F8AF71}" type="datetimeFigureOut">
               <a:rPr lang="en-US" smtClean="0"/>
-              <a:t>26-Jun-22</a:t>
+              <a:t>11-Jul-22</a:t>
             </a:fld>
             <a:endParaRPr lang="en-US"/>
           </a:p>
@@ -465,7 +465,7 @@
           <a:p>
             <a:fld id="{2A14C9FE-EBC3-45D3-899C-58AAF4F8AF71}" type="datetimeFigureOut">
               <a:rPr lang="en-US" smtClean="0"/>
-              <a:t>26-Jun-22</a:t>
+              <a:t>11-Jul-22</a:t>
             </a:fld>
             <a:endParaRPr lang="en-US"/>
           </a:p>
@@ -673,7 +673,7 @@
           <a:p>
             <a:fld id="{2A14C9FE-EBC3-45D3-899C-58AAF4F8AF71}" type="datetimeFigureOut">
               <a:rPr lang="en-US" smtClean="0"/>
-              <a:t>26-Jun-22</a:t>
+              <a:t>11-Jul-22</a:t>
             </a:fld>
             <a:endParaRPr lang="en-US"/>
           </a:p>
@@ -871,7 +871,7 @@
           <a:p>
             <a:fld id="{2A14C9FE-EBC3-45D3-899C-58AAF4F8AF71}" type="datetimeFigureOut">
               <a:rPr lang="en-US" smtClean="0"/>
-              <a:t>26-Jun-22</a:t>
+              <a:t>11-Jul-22</a:t>
             </a:fld>
             <a:endParaRPr lang="en-US"/>
           </a:p>
@@ -1146,7 +1146,7 @@
           <a:p>
             <a:fld id="{2A14C9FE-EBC3-45D3-899C-58AAF4F8AF71}" type="datetimeFigureOut">
               <a:rPr lang="en-US" smtClean="0"/>
-              <a:t>26-Jun-22</a:t>
+              <a:t>11-Jul-22</a:t>
             </a:fld>
             <a:endParaRPr lang="en-US"/>
           </a:p>
@@ -1411,7 +1411,7 @@
           <a:p>
             <a:fld id="{2A14C9FE-EBC3-45D3-899C-58AAF4F8AF71}" type="datetimeFigureOut">
               <a:rPr lang="en-US" smtClean="0"/>
-              <a:t>26-Jun-22</a:t>
+              <a:t>11-Jul-22</a:t>
             </a:fld>
             <a:endParaRPr lang="en-US"/>
           </a:p>
@@ -1823,7 +1823,7 @@
           <a:p>
             <a:fld id="{2A14C9FE-EBC3-45D3-899C-58AAF4F8AF71}" type="datetimeFigureOut">
               <a:rPr lang="en-US" smtClean="0"/>
-              <a:t>26-Jun-22</a:t>
+              <a:t>11-Jul-22</a:t>
             </a:fld>
             <a:endParaRPr lang="en-US"/>
           </a:p>
@@ -1964,7 +1964,7 @@
           <a:p>
             <a:fld id="{2A14C9FE-EBC3-45D3-899C-58AAF4F8AF71}" type="datetimeFigureOut">
               <a:rPr lang="en-US" smtClean="0"/>
-              <a:t>26-Jun-22</a:t>
+              <a:t>11-Jul-22</a:t>
             </a:fld>
             <a:endParaRPr lang="en-US"/>
           </a:p>
@@ -2077,7 +2077,7 @@
           <a:p>
             <a:fld id="{2A14C9FE-EBC3-45D3-899C-58AAF4F8AF71}" type="datetimeFigureOut">
               <a:rPr lang="en-US" smtClean="0"/>
-              <a:t>26-Jun-22</a:t>
+              <a:t>11-Jul-22</a:t>
             </a:fld>
             <a:endParaRPr lang="en-US"/>
           </a:p>
@@ -2388,7 +2388,7 @@
           <a:p>
             <a:fld id="{2A14C9FE-EBC3-45D3-899C-58AAF4F8AF71}" type="datetimeFigureOut">
               <a:rPr lang="en-US" smtClean="0"/>
-              <a:t>26-Jun-22</a:t>
+              <a:t>11-Jul-22</a:t>
             </a:fld>
             <a:endParaRPr lang="en-US"/>
           </a:p>
@@ -2676,7 +2676,7 @@
           <a:p>
             <a:fld id="{2A14C9FE-EBC3-45D3-899C-58AAF4F8AF71}" type="datetimeFigureOut">
               <a:rPr lang="en-US" smtClean="0"/>
-              <a:t>26-Jun-22</a:t>
+              <a:t>11-Jul-22</a:t>
             </a:fld>
             <a:endParaRPr lang="en-US"/>
           </a:p>
@@ -2917,7 +2917,7 @@
           <a:p>
             <a:fld id="{2A14C9FE-EBC3-45D3-899C-58AAF4F8AF71}" type="datetimeFigureOut">
               <a:rPr lang="en-US" smtClean="0"/>
-              <a:t>26-Jun-22</a:t>
+              <a:t>11-Jul-22</a:t>
             </a:fld>
             <a:endParaRPr lang="en-US"/>
           </a:p>
@@ -4610,6 +4610,30 @@
               <a:t>from solutions to the template.</a:t>
             </a:r>
           </a:p>
+          <a:p>
+            <a:pPr lvl="1"/>
+            <a:r>
+              <a:rPr lang="en-US" dirty="0">
+                <a:latin typeface="Euclid Circular B" panose="020B0504000000000000" pitchFamily="34" charset="0"/>
+                <a:ea typeface="Euclid Circular B" panose="020B0504000000000000" pitchFamily="34" charset="0"/>
+              </a:rPr>
+              <a:t>Also apply the same fix and improvements to </a:t>
+            </a:r>
+            <a:r>
+              <a:rPr lang="en-US" b="1" dirty="0">
+                <a:latin typeface="Euclid Circular B" panose="020B0504000000000000" pitchFamily="34" charset="0"/>
+                <a:ea typeface="Euclid Circular B" panose="020B0504000000000000" pitchFamily="34" charset="0"/>
+              </a:rPr>
+              <a:t>all the solutions </a:t>
+            </a:r>
+            <a:r>
+              <a:rPr lang="en-US" dirty="0">
+                <a:latin typeface="Euclid Circular B" panose="020B0504000000000000" pitchFamily="34" charset="0"/>
+                <a:ea typeface="Euclid Circular B" panose="020B0504000000000000" pitchFamily="34" charset="0"/>
+              </a:rPr>
+              <a:t>created by that solution template!</a:t>
+            </a:r>
+          </a:p>
         </p:txBody>
       </p:sp>
     </p:spTree>
@@ -4685,7 +4709,7 @@
                 <a:latin typeface="Euclid Circular B" panose="020B0504000000000000" pitchFamily="34" charset="0"/>
                 <a:ea typeface="Euclid Circular B" panose="020B0504000000000000" pitchFamily="34" charset="0"/>
               </a:rPr>
-              <a:t>Topic title</a:t>
+              <a:t>Solution Template: Shortcomings</a:t>
             </a:r>
           </a:p>
         </p:txBody>
@@ -4708,15 +4732,225 @@
         </p:nvSpPr>
         <p:spPr/>
         <p:txBody>
-          <a:bodyPr/>
-          <a:lstStyle/>
-          <a:p>
+          <a:bodyPr>
+            <a:normAutofit fontScale="92500" lnSpcReduction="20000"/>
+          </a:bodyPr>
+          <a:lstStyle/>
+          <a:p>
+            <a:pPr marL="0" indent="0">
+              <a:buNone/>
+            </a:pPr>
+            <a:r>
+              <a:rPr lang="en-US" b="1" u="sng" dirty="0">
+                <a:latin typeface="Euclid Circular B" panose="020B0504000000000000" pitchFamily="34" charset="0"/>
+                <a:ea typeface="Euclid Circular B" panose="020B0504000000000000" pitchFamily="34" charset="0"/>
+              </a:rPr>
+              <a:t>Duplications across different solutions</a:t>
+            </a:r>
+          </a:p>
+          <a:p>
+            <a:r>
+              <a:rPr lang="en-US" b="1" dirty="0">
+                <a:latin typeface="Euclid Circular B" panose="020B0504000000000000" pitchFamily="34" charset="0"/>
+                <a:ea typeface="Euclid Circular B" panose="020B0504000000000000" pitchFamily="34" charset="0"/>
+              </a:rPr>
+              <a:t>Configuring</a:t>
+            </a:r>
             <a:r>
               <a:rPr lang="en-US" dirty="0">
                 <a:latin typeface="Euclid Circular B" panose="020B0504000000000000" pitchFamily="34" charset="0"/>
                 <a:ea typeface="Euclid Circular B" panose="020B0504000000000000" pitchFamily="34" charset="0"/>
               </a:rPr>
-              <a:t>Content</a:t>
+              <a:t>, fine-tuning or </a:t>
+            </a:r>
+            <a:r>
+              <a:rPr lang="en-US" b="1" dirty="0">
+                <a:latin typeface="Euclid Circular B" panose="020B0504000000000000" pitchFamily="34" charset="0"/>
+                <a:ea typeface="Euclid Circular B" panose="020B0504000000000000" pitchFamily="34" charset="0"/>
+              </a:rPr>
+              <a:t>abstracting </a:t>
+            </a:r>
+            <a:r>
+              <a:rPr lang="en-US" dirty="0">
+                <a:latin typeface="Euclid Circular B" panose="020B0504000000000000" pitchFamily="34" charset="0"/>
+                <a:ea typeface="Euclid Circular B" panose="020B0504000000000000" pitchFamily="34" charset="0"/>
+              </a:rPr>
+              <a:t>3</a:t>
+            </a:r>
+            <a:r>
+              <a:rPr lang="en-US" baseline="30000" dirty="0">
+                <a:latin typeface="Euclid Circular B" panose="020B0504000000000000" pitchFamily="34" charset="0"/>
+                <a:ea typeface="Euclid Circular B" panose="020B0504000000000000" pitchFamily="34" charset="0"/>
+              </a:rPr>
+              <a:t>rd</a:t>
+            </a:r>
+            <a:r>
+              <a:rPr lang="en-US" dirty="0">
+                <a:latin typeface="Euclid Circular B" panose="020B0504000000000000" pitchFamily="34" charset="0"/>
+                <a:ea typeface="Euclid Circular B" panose="020B0504000000000000" pitchFamily="34" charset="0"/>
+              </a:rPr>
+              <a:t>-party libraries</a:t>
+            </a:r>
+          </a:p>
+          <a:p>
+            <a:r>
+              <a:rPr lang="en-US" dirty="0">
+                <a:latin typeface="Euclid Circular B" panose="020B0504000000000000" pitchFamily="34" charset="0"/>
+                <a:ea typeface="Euclid Circular B" panose="020B0504000000000000" pitchFamily="34" charset="0"/>
+              </a:rPr>
+              <a:t>Classes, conventions, code-parts </a:t>
+            </a:r>
+            <a:r>
+              <a:rPr lang="en-US" b="1" dirty="0">
+                <a:latin typeface="Euclid Circular B" panose="020B0504000000000000" pitchFamily="34" charset="0"/>
+                <a:ea typeface="Euclid Circular B" panose="020B0504000000000000" pitchFamily="34" charset="0"/>
+              </a:rPr>
+              <a:t>similar in every project</a:t>
+            </a:r>
+          </a:p>
+          <a:p>
+            <a:r>
+              <a:rPr lang="en-US" dirty="0">
+                <a:latin typeface="Euclid Circular B" panose="020B0504000000000000" pitchFamily="34" charset="0"/>
+                <a:ea typeface="Euclid Circular B" panose="020B0504000000000000" pitchFamily="34" charset="0"/>
+              </a:rPr>
+              <a:t>Helpers, </a:t>
+            </a:r>
+            <a:r>
+              <a:rPr lang="en-US" b="1" dirty="0">
+                <a:latin typeface="Euclid Circular B" panose="020B0504000000000000" pitchFamily="34" charset="0"/>
+                <a:ea typeface="Euclid Circular B" panose="020B0504000000000000" pitchFamily="34" charset="0"/>
+              </a:rPr>
+              <a:t>base classes</a:t>
+            </a:r>
+            <a:r>
+              <a:rPr lang="en-US" dirty="0">
+                <a:latin typeface="Euclid Circular B" panose="020B0504000000000000" pitchFamily="34" charset="0"/>
+                <a:ea typeface="Euclid Circular B" panose="020B0504000000000000" pitchFamily="34" charset="0"/>
+              </a:rPr>
+              <a:t>, extension methods, ASP.NET Core filters (exception handling, audit logging,…)</a:t>
+            </a:r>
+          </a:p>
+          <a:p>
+            <a:r>
+              <a:rPr lang="en-US" dirty="0">
+                <a:latin typeface="Euclid Circular B" panose="020B0504000000000000" pitchFamily="34" charset="0"/>
+                <a:ea typeface="Euclid Circular B" panose="020B0504000000000000" pitchFamily="34" charset="0"/>
+              </a:rPr>
+              <a:t>Generic </a:t>
+            </a:r>
+            <a:r>
+              <a:rPr lang="en-US" b="1" dirty="0">
+                <a:latin typeface="Euclid Circular B" panose="020B0504000000000000" pitchFamily="34" charset="0"/>
+                <a:ea typeface="Euclid Circular B" panose="020B0504000000000000" pitchFamily="34" charset="0"/>
+              </a:rPr>
+              <a:t>infrastructure features</a:t>
+            </a:r>
+            <a:r>
+              <a:rPr lang="en-US" dirty="0">
+                <a:latin typeface="Euclid Circular B" panose="020B0504000000000000" pitchFamily="34" charset="0"/>
+                <a:ea typeface="Euclid Circular B" panose="020B0504000000000000" pitchFamily="34" charset="0"/>
+              </a:rPr>
+              <a:t>, like multi-tenancy, BLOB storing, email sending,…</a:t>
+            </a:r>
+          </a:p>
+          <a:p>
+            <a:r>
+              <a:rPr lang="en-US" dirty="0">
+                <a:latin typeface="Euclid Circular B" panose="020B0504000000000000" pitchFamily="34" charset="0"/>
+                <a:ea typeface="Euclid Circular B" panose="020B0504000000000000" pitchFamily="34" charset="0"/>
+              </a:rPr>
+              <a:t>Generic </a:t>
+            </a:r>
+            <a:r>
+              <a:rPr lang="en-US" b="1" dirty="0">
+                <a:latin typeface="Euclid Circular B" panose="020B0504000000000000" pitchFamily="34" charset="0"/>
+                <a:ea typeface="Euclid Circular B" panose="020B0504000000000000" pitchFamily="34" charset="0"/>
+              </a:rPr>
+              <a:t>repositories</a:t>
+            </a:r>
+            <a:r>
+              <a:rPr lang="en-US" dirty="0">
+                <a:latin typeface="Euclid Circular B" panose="020B0504000000000000" pitchFamily="34" charset="0"/>
+                <a:ea typeface="Euclid Circular B" panose="020B0504000000000000" pitchFamily="34" charset="0"/>
+              </a:rPr>
+              <a:t>, base </a:t>
+            </a:r>
+            <a:r>
+              <a:rPr lang="en-US" b="1" dirty="0">
+                <a:latin typeface="Euclid Circular B" panose="020B0504000000000000" pitchFamily="34" charset="0"/>
+                <a:ea typeface="Euclid Circular B" panose="020B0504000000000000" pitchFamily="34" charset="0"/>
+              </a:rPr>
+              <a:t>entities</a:t>
+            </a:r>
+            <a:r>
+              <a:rPr lang="en-US" dirty="0">
+                <a:latin typeface="Euclid Circular B" panose="020B0504000000000000" pitchFamily="34" charset="0"/>
+                <a:ea typeface="Euclid Circular B" panose="020B0504000000000000" pitchFamily="34" charset="0"/>
+              </a:rPr>
+              <a:t>, </a:t>
+            </a:r>
+            <a:r>
+              <a:rPr lang="en-US" b="1" dirty="0">
+                <a:latin typeface="Euclid Circular B" panose="020B0504000000000000" pitchFamily="34" charset="0"/>
+                <a:ea typeface="Euclid Circular B" panose="020B0504000000000000" pitchFamily="34" charset="0"/>
+              </a:rPr>
+              <a:t>unit of work</a:t>
+            </a:r>
+            <a:r>
+              <a:rPr lang="en-US" dirty="0">
+                <a:latin typeface="Euclid Circular B" panose="020B0504000000000000" pitchFamily="34" charset="0"/>
+                <a:ea typeface="Euclid Circular B" panose="020B0504000000000000" pitchFamily="34" charset="0"/>
+              </a:rPr>
+              <a:t>,…</a:t>
+            </a:r>
+          </a:p>
+          <a:p>
+            <a:pPr marL="0" indent="0">
+              <a:buNone/>
+            </a:pPr>
+            <a:endParaRPr lang="en-US" dirty="0">
+              <a:latin typeface="Euclid Circular B" panose="020B0504000000000000" pitchFamily="34" charset="0"/>
+              <a:ea typeface="Euclid Circular B" panose="020B0504000000000000" pitchFamily="34" charset="0"/>
+            </a:endParaRPr>
+          </a:p>
+          <a:p>
+            <a:pPr marL="0" indent="0" algn="ctr">
+              <a:buNone/>
+            </a:pPr>
+            <a:r>
+              <a:rPr lang="en-US" b="1" dirty="0">
+                <a:latin typeface="Euclid Circular B" panose="020B0504000000000000" pitchFamily="34" charset="0"/>
+                <a:ea typeface="Euclid Circular B" panose="020B0504000000000000" pitchFamily="34" charset="0"/>
+              </a:rPr>
+              <a:t>A solution contains know-how, not only for the business, but also related to the </a:t>
+            </a:r>
+            <a:r>
+              <a:rPr lang="en-US" b="1" dirty="0">
+                <a:solidFill>
+                  <a:srgbClr val="FF0000"/>
+                </a:solidFill>
+                <a:latin typeface="Euclid Circular B" panose="020B0504000000000000" pitchFamily="34" charset="0"/>
+                <a:ea typeface="Euclid Circular B" panose="020B0504000000000000" pitchFamily="34" charset="0"/>
+              </a:rPr>
+              <a:t>infrastructure</a:t>
+            </a:r>
+            <a:r>
+              <a:rPr lang="en-US" b="1" dirty="0">
+                <a:latin typeface="Euclid Circular B" panose="020B0504000000000000" pitchFamily="34" charset="0"/>
+                <a:ea typeface="Euclid Circular B" panose="020B0504000000000000" pitchFamily="34" charset="0"/>
+              </a:rPr>
+              <a:t> and </a:t>
+            </a:r>
+            <a:r>
+              <a:rPr lang="en-US" b="1" dirty="0">
+                <a:solidFill>
+                  <a:srgbClr val="FF0000"/>
+                </a:solidFill>
+                <a:latin typeface="Euclid Circular B" panose="020B0504000000000000" pitchFamily="34" charset="0"/>
+                <a:ea typeface="Euclid Circular B" panose="020B0504000000000000" pitchFamily="34" charset="0"/>
+              </a:rPr>
+              <a:t>architecture</a:t>
             </a:r>
           </a:p>
         </p:txBody>
@@ -4794,38 +5028,588 @@
                 <a:latin typeface="Euclid Circular B" panose="020B0504000000000000" pitchFamily="34" charset="0"/>
                 <a:ea typeface="Euclid Circular B" panose="020B0504000000000000" pitchFamily="34" charset="0"/>
               </a:rPr>
-              <a:t>Topic title</a:t>
-            </a:r>
-          </a:p>
-        </p:txBody>
-      </p:sp>
-      <p:sp>
-        <p:nvSpPr>
-          <p:cNvPr id="3" name="Content Placeholder 2">
-            <a:extLst>
-              <a:ext uri="{FF2B5EF4-FFF2-40B4-BE49-F238E27FC236}">
-                <a16:creationId xmlns:a16="http://schemas.microsoft.com/office/drawing/2014/main" id="{891C7693-D3DF-4635-96F4-97F3B4136FDF}"/>
-              </a:ext>
-            </a:extLst>
-          </p:cNvPr>
-          <p:cNvSpPr>
-            <a:spLocks noGrp="1"/>
-          </p:cNvSpPr>
-          <p:nvPr>
-            <p:ph idx="1"/>
-          </p:nvPr>
-        </p:nvSpPr>
-        <p:spPr/>
-        <p:txBody>
-          <a:bodyPr/>
-          <a:lstStyle/>
-          <a:p>
-            <a:r>
-              <a:rPr lang="en-US" dirty="0">
-                <a:latin typeface="Euclid Circular B" panose="020B0504000000000000" pitchFamily="34" charset="0"/>
-                <a:ea typeface="Euclid Circular B" panose="020B0504000000000000" pitchFamily="34" charset="0"/>
-              </a:rPr>
-              <a:t>Content</a:t>
+              <a:t>The ASP.NET Boilerplate Project</a:t>
+            </a:r>
+          </a:p>
+        </p:txBody>
+      </p:sp>
+      <p:pic>
+        <p:nvPicPr>
+          <p:cNvPr id="6" name="Picture 5">
+            <a:extLst>
+              <a:ext uri="{FF2B5EF4-FFF2-40B4-BE49-F238E27FC236}">
+                <a16:creationId xmlns:a16="http://schemas.microsoft.com/office/drawing/2014/main" id="{86A75719-9DE0-3E3D-AE98-2F03C5A934AD}"/>
+              </a:ext>
+            </a:extLst>
+          </p:cNvPr>
+          <p:cNvPicPr>
+            <a:picLocks noChangeAspect="1"/>
+          </p:cNvPicPr>
+          <p:nvPr/>
+        </p:nvPicPr>
+        <p:blipFill>
+          <a:blip r:embed="rId3"/>
+          <a:stretch>
+            <a:fillRect/>
+          </a:stretch>
+        </p:blipFill>
+        <p:spPr>
+          <a:xfrm>
+            <a:off x="673542" y="2003644"/>
+            <a:ext cx="2819400" cy="1729426"/>
+          </a:xfrm>
+          <a:prstGeom prst="rect">
+            <a:avLst/>
+          </a:prstGeom>
+          <a:ln w="12700">
+            <a:solidFill>
+              <a:schemeClr val="bg1">
+                <a:lumMod val="50000"/>
+              </a:schemeClr>
+            </a:solidFill>
+          </a:ln>
+        </p:spPr>
+      </p:pic>
+      <p:pic>
+        <p:nvPicPr>
+          <p:cNvPr id="1026" name="Picture 2" descr="logo">
+            <a:extLst>
+              <a:ext uri="{FF2B5EF4-FFF2-40B4-BE49-F238E27FC236}">
+                <a16:creationId xmlns:a16="http://schemas.microsoft.com/office/drawing/2014/main" id="{FAFDEE79-1EC3-0332-855D-668ABFA5261F}"/>
+              </a:ext>
+            </a:extLst>
+          </p:cNvPr>
+          <p:cNvPicPr>
+            <a:picLocks noChangeAspect="1" noChangeArrowheads="1"/>
+          </p:cNvPicPr>
+          <p:nvPr/>
+        </p:nvPicPr>
+        <p:blipFill>
+          <a:blip r:embed="rId4">
+            <a:extLst>
+              <a:ext uri="{28A0092B-C50C-407E-A947-70E740481C1C}">
+                <a14:useLocalDpi xmlns:a14="http://schemas.microsoft.com/office/drawing/2010/main" val="0"/>
+              </a:ext>
+            </a:extLst>
+          </a:blip>
+          <a:srcRect/>
+          <a:stretch>
+            <a:fillRect/>
+          </a:stretch>
+        </p:blipFill>
+        <p:spPr bwMode="auto">
+          <a:xfrm>
+            <a:off x="8514851" y="1683521"/>
+            <a:ext cx="3048000" cy="1276350"/>
+          </a:xfrm>
+          <a:prstGeom prst="rect">
+            <a:avLst/>
+          </a:prstGeom>
+          <a:noFill/>
+          <a:extLst>
+            <a:ext uri="{909E8E84-426E-40DD-AFC4-6F175D3DCCD1}">
+              <a14:hiddenFill xmlns:a14="http://schemas.microsoft.com/office/drawing/2010/main">
+                <a:solidFill>
+                  <a:srgbClr val="FFFFFF"/>
+                </a:solidFill>
+              </a14:hiddenFill>
+            </a:ext>
+          </a:extLst>
+        </p:spPr>
+      </p:pic>
+      <p:sp>
+        <p:nvSpPr>
+          <p:cNvPr id="9" name="TextBox 8">
+            <a:extLst>
+              <a:ext uri="{FF2B5EF4-FFF2-40B4-BE49-F238E27FC236}">
+                <a16:creationId xmlns:a16="http://schemas.microsoft.com/office/drawing/2014/main" id="{9CC20961-2844-114C-E9E2-62FE392557D9}"/>
+              </a:ext>
+            </a:extLst>
+          </p:cNvPr>
+          <p:cNvSpPr txBox="1"/>
+          <p:nvPr/>
+        </p:nvSpPr>
+        <p:spPr>
+          <a:xfrm>
+            <a:off x="8350193" y="2959871"/>
+            <a:ext cx="3377316" cy="861774"/>
+          </a:xfrm>
+          <a:prstGeom prst="rect">
+            <a:avLst/>
+          </a:prstGeom>
+          <a:noFill/>
+        </p:spPr>
+        <p:txBody>
+          <a:bodyPr wrap="square">
+            <a:spAutoFit/>
+          </a:bodyPr>
+          <a:lstStyle/>
+          <a:p>
+            <a:pPr algn="ctr"/>
+            <a:r>
+              <a:rPr lang="en-US" b="1" i="0" dirty="0">
+                <a:solidFill>
+                  <a:srgbClr val="1A1A1A"/>
+                </a:solidFill>
+                <a:effectLst/>
+                <a:latin typeface="Roboto" panose="02000000000000000000" pitchFamily="2" charset="0"/>
+              </a:rPr>
+              <a:t>Web Application Framework</a:t>
+            </a:r>
+          </a:p>
+          <a:p>
+            <a:pPr algn="ctr"/>
+            <a:r>
+              <a:rPr lang="en-US" sz="1600" b="0" i="0" cap="all" dirty="0">
+                <a:solidFill>
+                  <a:srgbClr val="1A1A1A"/>
+                </a:solidFill>
+                <a:effectLst/>
+                <a:latin typeface="Roboto" panose="02000000000000000000" pitchFamily="2" charset="0"/>
+              </a:rPr>
+              <a:t>A STRONG INFRASTRUCTURE FOR MODERN WEB APPLICATIONS</a:t>
+            </a:r>
+          </a:p>
+        </p:txBody>
+      </p:sp>
+      <p:pic>
+        <p:nvPicPr>
+          <p:cNvPr id="1030" name="Picture 6" descr="NuGet ve .NET kitaplıkları | Microsoft Docs">
+            <a:extLst>
+              <a:ext uri="{FF2B5EF4-FFF2-40B4-BE49-F238E27FC236}">
+                <a16:creationId xmlns:a16="http://schemas.microsoft.com/office/drawing/2014/main" id="{93882A58-B80F-9656-C103-2ED63B5534C1}"/>
+              </a:ext>
+            </a:extLst>
+          </p:cNvPr>
+          <p:cNvPicPr>
+            <a:picLocks noChangeAspect="1" noChangeArrowheads="1"/>
+          </p:cNvPicPr>
+          <p:nvPr/>
+        </p:nvPicPr>
+        <p:blipFill>
+          <a:blip r:embed="rId5">
+            <a:extLst>
+              <a:ext uri="{28A0092B-C50C-407E-A947-70E740481C1C}">
+                <a14:useLocalDpi xmlns:a14="http://schemas.microsoft.com/office/drawing/2010/main" val="0"/>
+              </a:ext>
+            </a:extLst>
+          </a:blip>
+          <a:srcRect/>
+          <a:stretch>
+            <a:fillRect/>
+          </a:stretch>
+        </p:blipFill>
+        <p:spPr bwMode="auto">
+          <a:xfrm>
+            <a:off x="4782790" y="2368722"/>
+            <a:ext cx="2284178" cy="694514"/>
+          </a:xfrm>
+          <a:prstGeom prst="rect">
+            <a:avLst/>
+          </a:prstGeom>
+          <a:noFill/>
+          <a:extLst>
+            <a:ext uri="{909E8E84-426E-40DD-AFC4-6F175D3DCCD1}">
+              <a14:hiddenFill xmlns:a14="http://schemas.microsoft.com/office/drawing/2010/main">
+                <a:solidFill>
+                  <a:srgbClr val="FFFFFF"/>
+                </a:solidFill>
+              </a14:hiddenFill>
+            </a:ext>
+          </a:extLst>
+        </p:spPr>
+      </p:pic>
+      <p:sp>
+        <p:nvSpPr>
+          <p:cNvPr id="10" name="TextBox 9">
+            <a:extLst>
+              <a:ext uri="{FF2B5EF4-FFF2-40B4-BE49-F238E27FC236}">
+                <a16:creationId xmlns:a16="http://schemas.microsoft.com/office/drawing/2014/main" id="{18575BA2-853C-B8C1-DC8A-EF49EBEAC518}"/>
+              </a:ext>
+            </a:extLst>
+          </p:cNvPr>
+          <p:cNvSpPr txBox="1"/>
+          <p:nvPr/>
+        </p:nvSpPr>
+        <p:spPr>
+          <a:xfrm>
+            <a:off x="4853906" y="3063236"/>
+            <a:ext cx="2320764" cy="369332"/>
+          </a:xfrm>
+          <a:prstGeom prst="rect">
+            <a:avLst/>
+          </a:prstGeom>
+          <a:noFill/>
+        </p:spPr>
+        <p:txBody>
+          <a:bodyPr wrap="none" rtlCol="0">
+            <a:spAutoFit/>
+          </a:bodyPr>
+          <a:lstStyle/>
+          <a:p>
+            <a:r>
+              <a:rPr lang="en-US" dirty="0"/>
+              <a:t>10s of NuGet packages</a:t>
+            </a:r>
+          </a:p>
+        </p:txBody>
+      </p:sp>
+      <p:sp>
+        <p:nvSpPr>
+          <p:cNvPr id="13" name="TextBox 12">
+            <a:extLst>
+              <a:ext uri="{FF2B5EF4-FFF2-40B4-BE49-F238E27FC236}">
+                <a16:creationId xmlns:a16="http://schemas.microsoft.com/office/drawing/2014/main" id="{D3296947-6563-D0F3-0D7D-4D3CA41F9096}"/>
+              </a:ext>
+            </a:extLst>
+          </p:cNvPr>
+          <p:cNvSpPr txBox="1"/>
+          <p:nvPr/>
+        </p:nvSpPr>
+        <p:spPr>
+          <a:xfrm>
+            <a:off x="604015" y="3779656"/>
+            <a:ext cx="2961260" cy="400110"/>
+          </a:xfrm>
+          <a:prstGeom prst="rect">
+            <a:avLst/>
+          </a:prstGeom>
+          <a:noFill/>
+        </p:spPr>
+        <p:txBody>
+          <a:bodyPr wrap="none" rtlCol="0">
+            <a:spAutoFit/>
+          </a:bodyPr>
+          <a:lstStyle/>
+          <a:p>
+            <a:r>
+              <a:rPr lang="en-US" sz="2000" dirty="0"/>
+              <a:t>Startup solution templates</a:t>
+            </a:r>
+          </a:p>
+        </p:txBody>
+      </p:sp>
+      <p:sp>
+        <p:nvSpPr>
+          <p:cNvPr id="12" name="TextBox 11">
+            <a:extLst>
+              <a:ext uri="{FF2B5EF4-FFF2-40B4-BE49-F238E27FC236}">
+                <a16:creationId xmlns:a16="http://schemas.microsoft.com/office/drawing/2014/main" id="{4C5E0F2B-BBF6-B8B7-9E8C-3409CA988A81}"/>
+              </a:ext>
+            </a:extLst>
+          </p:cNvPr>
+          <p:cNvSpPr txBox="1"/>
+          <p:nvPr/>
+        </p:nvSpPr>
+        <p:spPr>
+          <a:xfrm>
+            <a:off x="3660577" y="1794078"/>
+            <a:ext cx="950901" cy="1938992"/>
+          </a:xfrm>
+          <a:prstGeom prst="rect">
+            <a:avLst/>
+          </a:prstGeom>
+          <a:noFill/>
+        </p:spPr>
+        <p:txBody>
+          <a:bodyPr wrap="none" rtlCol="0">
+            <a:spAutoFit/>
+          </a:bodyPr>
+          <a:lstStyle/>
+          <a:p>
+            <a:r>
+              <a:rPr lang="en-US" sz="12000" dirty="0">
+                <a:solidFill>
+                  <a:srgbClr val="00B050"/>
+                </a:solidFill>
+              </a:rPr>
+              <a:t>+</a:t>
+            </a:r>
+          </a:p>
+        </p:txBody>
+      </p:sp>
+      <p:sp>
+        <p:nvSpPr>
+          <p:cNvPr id="16" name="TextBox 15">
+            <a:extLst>
+              <a:ext uri="{FF2B5EF4-FFF2-40B4-BE49-F238E27FC236}">
+                <a16:creationId xmlns:a16="http://schemas.microsoft.com/office/drawing/2014/main" id="{A7450B64-2AAF-A20E-2EB0-4F4689AA1488}"/>
+              </a:ext>
+            </a:extLst>
+          </p:cNvPr>
+          <p:cNvSpPr txBox="1"/>
+          <p:nvPr/>
+        </p:nvSpPr>
+        <p:spPr>
+          <a:xfrm>
+            <a:off x="7231626" y="1706729"/>
+            <a:ext cx="950901" cy="1938992"/>
+          </a:xfrm>
+          <a:prstGeom prst="rect">
+            <a:avLst/>
+          </a:prstGeom>
+          <a:noFill/>
+        </p:spPr>
+        <p:txBody>
+          <a:bodyPr wrap="none" rtlCol="0">
+            <a:spAutoFit/>
+          </a:bodyPr>
+          <a:lstStyle/>
+          <a:p>
+            <a:r>
+              <a:rPr lang="en-US" sz="12000" dirty="0">
+                <a:solidFill>
+                  <a:srgbClr val="00B050"/>
+                </a:solidFill>
+              </a:rPr>
+              <a:t>=</a:t>
+            </a:r>
+          </a:p>
+        </p:txBody>
+      </p:sp>
+      <p:pic>
+        <p:nvPicPr>
+          <p:cNvPr id="1032" name="Picture 8">
+            <a:extLst>
+              <a:ext uri="{FF2B5EF4-FFF2-40B4-BE49-F238E27FC236}">
+                <a16:creationId xmlns:a16="http://schemas.microsoft.com/office/drawing/2014/main" id="{59EF3EC5-AB4F-9DF5-4FC0-BA8B959D2484}"/>
+              </a:ext>
+            </a:extLst>
+          </p:cNvPr>
+          <p:cNvPicPr>
+            <a:picLocks noChangeAspect="1" noChangeArrowheads="1"/>
+          </p:cNvPicPr>
+          <p:nvPr/>
+        </p:nvPicPr>
+        <p:blipFill>
+          <a:blip r:embed="rId6">
+            <a:extLst>
+              <a:ext uri="{28A0092B-C50C-407E-A947-70E740481C1C}">
+                <a14:useLocalDpi xmlns:a14="http://schemas.microsoft.com/office/drawing/2010/main" val="0"/>
+              </a:ext>
+            </a:extLst>
+          </a:blip>
+          <a:srcRect/>
+          <a:stretch>
+            <a:fillRect/>
+          </a:stretch>
+        </p:blipFill>
+        <p:spPr bwMode="auto">
+          <a:xfrm>
+            <a:off x="1172160" y="4339065"/>
+            <a:ext cx="1332506" cy="344728"/>
+          </a:xfrm>
+          <a:prstGeom prst="rect">
+            <a:avLst/>
+          </a:prstGeom>
+          <a:noFill/>
+          <a:extLst>
+            <a:ext uri="{909E8E84-426E-40DD-AFC4-6F175D3DCCD1}">
+              <a14:hiddenFill xmlns:a14="http://schemas.microsoft.com/office/drawing/2010/main">
+                <a:solidFill>
+                  <a:srgbClr val="FFFFFF"/>
+                </a:solidFill>
+              </a14:hiddenFill>
+            </a:ext>
+          </a:extLst>
+        </p:spPr>
+      </p:pic>
+      <p:pic>
+        <p:nvPicPr>
+          <p:cNvPr id="1034" name="Picture 10">
+            <a:extLst>
+              <a:ext uri="{FF2B5EF4-FFF2-40B4-BE49-F238E27FC236}">
+                <a16:creationId xmlns:a16="http://schemas.microsoft.com/office/drawing/2014/main" id="{01E456A3-34B5-2E94-917C-26E591CD8127}"/>
+              </a:ext>
+            </a:extLst>
+          </p:cNvPr>
+          <p:cNvPicPr>
+            <a:picLocks noChangeAspect="1" noChangeArrowheads="1"/>
+          </p:cNvPicPr>
+          <p:nvPr/>
+        </p:nvPicPr>
+        <p:blipFill>
+          <a:blip r:embed="rId7">
+            <a:extLst>
+              <a:ext uri="{28A0092B-C50C-407E-A947-70E740481C1C}">
+                <a14:useLocalDpi xmlns:a14="http://schemas.microsoft.com/office/drawing/2010/main" val="0"/>
+              </a:ext>
+            </a:extLst>
+          </a:blip>
+          <a:srcRect/>
+          <a:stretch>
+            <a:fillRect/>
+          </a:stretch>
+        </p:blipFill>
+        <p:spPr bwMode="auto">
+          <a:xfrm>
+            <a:off x="953876" y="4771532"/>
+            <a:ext cx="1548309" cy="400558"/>
+          </a:xfrm>
+          <a:prstGeom prst="rect">
+            <a:avLst/>
+          </a:prstGeom>
+          <a:noFill/>
+          <a:extLst>
+            <a:ext uri="{909E8E84-426E-40DD-AFC4-6F175D3DCCD1}">
+              <a14:hiddenFill xmlns:a14="http://schemas.microsoft.com/office/drawing/2010/main">
+                <a:solidFill>
+                  <a:srgbClr val="FFFFFF"/>
+                </a:solidFill>
+              </a14:hiddenFill>
+            </a:ext>
+          </a:extLst>
+        </p:spPr>
+      </p:pic>
+      <p:pic>
+        <p:nvPicPr>
+          <p:cNvPr id="1036" name="Picture 12">
+            <a:extLst>
+              <a:ext uri="{FF2B5EF4-FFF2-40B4-BE49-F238E27FC236}">
+                <a16:creationId xmlns:a16="http://schemas.microsoft.com/office/drawing/2014/main" id="{E0FD2763-4A01-B9AA-2D2B-2C21F618F3F3}"/>
+              </a:ext>
+            </a:extLst>
+          </p:cNvPr>
+          <p:cNvPicPr>
+            <a:picLocks noChangeAspect="1" noChangeArrowheads="1"/>
+          </p:cNvPicPr>
+          <p:nvPr/>
+        </p:nvPicPr>
+        <p:blipFill>
+          <a:blip r:embed="rId8">
+            <a:extLst>
+              <a:ext uri="{28A0092B-C50C-407E-A947-70E740481C1C}">
+                <a14:useLocalDpi xmlns:a14="http://schemas.microsoft.com/office/drawing/2010/main" val="0"/>
+              </a:ext>
+            </a:extLst>
+          </a:blip>
+          <a:srcRect/>
+          <a:stretch>
+            <a:fillRect/>
+          </a:stretch>
+        </p:blipFill>
+        <p:spPr bwMode="auto">
+          <a:xfrm>
+            <a:off x="1172162" y="5227852"/>
+            <a:ext cx="1253987" cy="349026"/>
+          </a:xfrm>
+          <a:prstGeom prst="rect">
+            <a:avLst/>
+          </a:prstGeom>
+          <a:noFill/>
+          <a:extLst>
+            <a:ext uri="{909E8E84-426E-40DD-AFC4-6F175D3DCCD1}">
+              <a14:hiddenFill xmlns:a14="http://schemas.microsoft.com/office/drawing/2010/main">
+                <a:solidFill>
+                  <a:srgbClr val="FFFFFF"/>
+                </a:solidFill>
+              </a14:hiddenFill>
+            </a:ext>
+          </a:extLst>
+        </p:spPr>
+      </p:pic>
+      <p:sp>
+        <p:nvSpPr>
+          <p:cNvPr id="20" name="TextBox 19">
+            <a:extLst>
+              <a:ext uri="{FF2B5EF4-FFF2-40B4-BE49-F238E27FC236}">
+                <a16:creationId xmlns:a16="http://schemas.microsoft.com/office/drawing/2014/main" id="{2C815DAD-7792-5BAC-18FA-3BE7B5C4AE08}"/>
+              </a:ext>
+            </a:extLst>
+          </p:cNvPr>
+          <p:cNvSpPr txBox="1"/>
+          <p:nvPr/>
+        </p:nvSpPr>
+        <p:spPr>
+          <a:xfrm>
+            <a:off x="1153776" y="5632640"/>
+            <a:ext cx="2137636" cy="400110"/>
+          </a:xfrm>
+          <a:prstGeom prst="rect">
+            <a:avLst/>
+          </a:prstGeom>
+          <a:noFill/>
+        </p:spPr>
+        <p:txBody>
+          <a:bodyPr wrap="none" rtlCol="0">
+            <a:spAutoFit/>
+          </a:bodyPr>
+          <a:lstStyle/>
+          <a:p>
+            <a:r>
+              <a:rPr lang="en-US" sz="2000" dirty="0"/>
+              <a:t>MVC (Razor Pages)</a:t>
+            </a:r>
+          </a:p>
+        </p:txBody>
+      </p:sp>
+      <p:sp>
+        <p:nvSpPr>
+          <p:cNvPr id="21" name="TextBox 20">
+            <a:extLst>
+              <a:ext uri="{FF2B5EF4-FFF2-40B4-BE49-F238E27FC236}">
+                <a16:creationId xmlns:a16="http://schemas.microsoft.com/office/drawing/2014/main" id="{088432F1-7E1F-1FC7-B263-27443CE633EC}"/>
+              </a:ext>
+            </a:extLst>
+          </p:cNvPr>
+          <p:cNvSpPr txBox="1"/>
+          <p:nvPr/>
+        </p:nvSpPr>
+        <p:spPr>
+          <a:xfrm>
+            <a:off x="8514851" y="4233147"/>
+            <a:ext cx="3328598" cy="1477328"/>
+          </a:xfrm>
+          <a:prstGeom prst="rect">
+            <a:avLst/>
+          </a:prstGeom>
+          <a:noFill/>
+        </p:spPr>
+        <p:txBody>
+          <a:bodyPr wrap="square" rtlCol="0">
+            <a:spAutoFit/>
+          </a:bodyPr>
+          <a:lstStyle/>
+          <a:p>
+            <a:pPr marL="285750" indent="-285750">
+              <a:buFont typeface="Arial" panose="020B0604020202020204" pitchFamily="34" charset="0"/>
+              <a:buChar char="•"/>
+            </a:pPr>
+            <a:r>
+              <a:rPr lang="en-US" b="1" dirty="0"/>
+              <a:t>9 years</a:t>
+            </a:r>
+            <a:r>
+              <a:rPr lang="en-US" dirty="0"/>
+              <a:t> of active development (still going on)</a:t>
+            </a:r>
+          </a:p>
+          <a:p>
+            <a:pPr marL="285750" indent="-285750">
+              <a:buFont typeface="Arial" panose="020B0604020202020204" pitchFamily="34" charset="0"/>
+              <a:buChar char="•"/>
+            </a:pPr>
+            <a:r>
+              <a:rPr lang="en-US" b="1" dirty="0"/>
+              <a:t>10K Stars</a:t>
+            </a:r>
+            <a:r>
+              <a:rPr lang="en-US" dirty="0"/>
+              <a:t>, 172 contributors, 230 releases</a:t>
+            </a:r>
+          </a:p>
+          <a:p>
+            <a:pPr marL="285750" indent="-285750">
+              <a:buFont typeface="Arial" panose="020B0604020202020204" pitchFamily="34" charset="0"/>
+              <a:buChar char="•"/>
+            </a:pPr>
+            <a:r>
+              <a:rPr lang="en-US" b="1" dirty="0"/>
+              <a:t>5,000</a:t>
+            </a:r>
+            <a:r>
+              <a:rPr lang="en-US" dirty="0"/>
+              <a:t> issues, 1,200 PRs closed</a:t>
             </a:r>
           </a:p>
         </p:txBody>

--- a/2022-07-20 Dotnet Foundation Summit 2022/ABP-DNF-Summit-2022.pptx
+++ b/2022-07-20 Dotnet Foundation Summit 2022/ABP-DNF-Summit-2022.pptx
@@ -12,8 +12,15 @@
     <p:sldId id="260" r:id="rId6"/>
     <p:sldId id="261" r:id="rId7"/>
     <p:sldId id="262" r:id="rId8"/>
-    <p:sldId id="263" r:id="rId9"/>
-    <p:sldId id="264" r:id="rId10"/>
+    <p:sldId id="264" r:id="rId9"/>
+    <p:sldId id="263" r:id="rId10"/>
+    <p:sldId id="266" r:id="rId11"/>
+    <p:sldId id="267" r:id="rId12"/>
+    <p:sldId id="268" r:id="rId13"/>
+    <p:sldId id="269" r:id="rId14"/>
+    <p:sldId id="270" r:id="rId15"/>
+    <p:sldId id="271" r:id="rId16"/>
+    <p:sldId id="272" r:id="rId17"/>
   </p:sldIdLst>
   <p:sldSz cx="12192000" cy="6858000"/>
   <p:notesSz cx="6858000" cy="9144000"/>
@@ -3455,6 +3462,769 @@
 </p:sld>
 </file>
 
+<file path=ppt/slides/slide10.xml><?xml version="1.0" encoding="utf-8"?>
+<p:sld xmlns:a="http://schemas.openxmlformats.org/drawingml/2006/main" xmlns:r="http://schemas.openxmlformats.org/officeDocument/2006/relationships" xmlns:p="http://schemas.openxmlformats.org/presentationml/2006/main">
+  <p:cSld>
+    <p:bg>
+      <p:bgPr>
+        <a:blipFill dpi="0" rotWithShape="1">
+          <a:blip r:embed="rId2">
+            <a:lum/>
+          </a:blip>
+          <a:srcRect/>
+          <a:stretch>
+            <a:fillRect/>
+          </a:stretch>
+        </a:blipFill>
+        <a:effectLst/>
+      </p:bgPr>
+    </p:bg>
+    <p:spTree>
+      <p:nvGrpSpPr>
+        <p:cNvPr id="1" name=""/>
+        <p:cNvGrpSpPr/>
+        <p:nvPr/>
+      </p:nvGrpSpPr>
+      <p:grpSpPr>
+        <a:xfrm>
+          <a:off x="0" y="0"/>
+          <a:ext cx="0" cy="0"/>
+          <a:chOff x="0" y="0"/>
+          <a:chExt cx="0" cy="0"/>
+        </a:xfrm>
+      </p:grpSpPr>
+      <p:sp>
+        <p:nvSpPr>
+          <p:cNvPr id="2" name="Title 1">
+            <a:extLst>
+              <a:ext uri="{FF2B5EF4-FFF2-40B4-BE49-F238E27FC236}">
+                <a16:creationId xmlns:a16="http://schemas.microsoft.com/office/drawing/2014/main" id="{55E11F08-6CA0-48F1-AD67-97430DDA07F0}"/>
+              </a:ext>
+            </a:extLst>
+          </p:cNvPr>
+          <p:cNvSpPr>
+            <a:spLocks noGrp="1"/>
+          </p:cNvSpPr>
+          <p:nvPr>
+            <p:ph type="title"/>
+          </p:nvPr>
+        </p:nvSpPr>
+        <p:spPr/>
+        <p:txBody>
+          <a:bodyPr/>
+          <a:lstStyle/>
+          <a:p>
+            <a:r>
+              <a:rPr lang="en-US" b="1" dirty="0">
+                <a:solidFill>
+                  <a:srgbClr val="292D33"/>
+                </a:solidFill>
+                <a:latin typeface="Euclid Circular B" panose="020B0504000000000000" pitchFamily="34" charset="0"/>
+                <a:ea typeface="Euclid Circular B" panose="020B0504000000000000" pitchFamily="34" charset="0"/>
+              </a:rPr>
+              <a:t>Topic title</a:t>
+            </a:r>
+          </a:p>
+        </p:txBody>
+      </p:sp>
+      <p:sp>
+        <p:nvSpPr>
+          <p:cNvPr id="3" name="Content Placeholder 2">
+            <a:extLst>
+              <a:ext uri="{FF2B5EF4-FFF2-40B4-BE49-F238E27FC236}">
+                <a16:creationId xmlns:a16="http://schemas.microsoft.com/office/drawing/2014/main" id="{891C7693-D3DF-4635-96F4-97F3B4136FDF}"/>
+              </a:ext>
+            </a:extLst>
+          </p:cNvPr>
+          <p:cNvSpPr>
+            <a:spLocks noGrp="1"/>
+          </p:cNvSpPr>
+          <p:nvPr>
+            <p:ph idx="1"/>
+          </p:nvPr>
+        </p:nvSpPr>
+        <p:spPr/>
+        <p:txBody>
+          <a:bodyPr/>
+          <a:lstStyle/>
+          <a:p>
+            <a:r>
+              <a:rPr lang="en-US" dirty="0">
+                <a:latin typeface="Euclid Circular B" panose="020B0504000000000000" pitchFamily="34" charset="0"/>
+                <a:ea typeface="Euclid Circular B" panose="020B0504000000000000" pitchFamily="34" charset="0"/>
+              </a:rPr>
+              <a:t>Content</a:t>
+            </a:r>
+          </a:p>
+        </p:txBody>
+      </p:sp>
+    </p:spTree>
+    <p:extLst>
+      <p:ext uri="{BB962C8B-B14F-4D97-AF65-F5344CB8AC3E}">
+        <p14:creationId xmlns:p14="http://schemas.microsoft.com/office/powerpoint/2010/main" val="2499641439"/>
+      </p:ext>
+    </p:extLst>
+  </p:cSld>
+  <p:clrMapOvr>
+    <a:masterClrMapping/>
+  </p:clrMapOvr>
+</p:sld>
+</file>
+
+<file path=ppt/slides/slide11.xml><?xml version="1.0" encoding="utf-8"?>
+<p:sld xmlns:a="http://schemas.openxmlformats.org/drawingml/2006/main" xmlns:r="http://schemas.openxmlformats.org/officeDocument/2006/relationships" xmlns:p="http://schemas.openxmlformats.org/presentationml/2006/main">
+  <p:cSld>
+    <p:bg>
+      <p:bgPr>
+        <a:blipFill dpi="0" rotWithShape="1">
+          <a:blip r:embed="rId2">
+            <a:lum/>
+          </a:blip>
+          <a:srcRect/>
+          <a:stretch>
+            <a:fillRect/>
+          </a:stretch>
+        </a:blipFill>
+        <a:effectLst/>
+      </p:bgPr>
+    </p:bg>
+    <p:spTree>
+      <p:nvGrpSpPr>
+        <p:cNvPr id="1" name=""/>
+        <p:cNvGrpSpPr/>
+        <p:nvPr/>
+      </p:nvGrpSpPr>
+      <p:grpSpPr>
+        <a:xfrm>
+          <a:off x="0" y="0"/>
+          <a:ext cx="0" cy="0"/>
+          <a:chOff x="0" y="0"/>
+          <a:chExt cx="0" cy="0"/>
+        </a:xfrm>
+      </p:grpSpPr>
+      <p:sp>
+        <p:nvSpPr>
+          <p:cNvPr id="2" name="Title 1">
+            <a:extLst>
+              <a:ext uri="{FF2B5EF4-FFF2-40B4-BE49-F238E27FC236}">
+                <a16:creationId xmlns:a16="http://schemas.microsoft.com/office/drawing/2014/main" id="{55E11F08-6CA0-48F1-AD67-97430DDA07F0}"/>
+              </a:ext>
+            </a:extLst>
+          </p:cNvPr>
+          <p:cNvSpPr>
+            <a:spLocks noGrp="1"/>
+          </p:cNvSpPr>
+          <p:nvPr>
+            <p:ph type="title"/>
+          </p:nvPr>
+        </p:nvSpPr>
+        <p:spPr/>
+        <p:txBody>
+          <a:bodyPr/>
+          <a:lstStyle/>
+          <a:p>
+            <a:r>
+              <a:rPr lang="en-US" b="1" dirty="0">
+                <a:solidFill>
+                  <a:srgbClr val="292D33"/>
+                </a:solidFill>
+                <a:latin typeface="Euclid Circular B" panose="020B0504000000000000" pitchFamily="34" charset="0"/>
+                <a:ea typeface="Euclid Circular B" panose="020B0504000000000000" pitchFamily="34" charset="0"/>
+              </a:rPr>
+              <a:t>Topic title</a:t>
+            </a:r>
+          </a:p>
+        </p:txBody>
+      </p:sp>
+      <p:sp>
+        <p:nvSpPr>
+          <p:cNvPr id="3" name="Content Placeholder 2">
+            <a:extLst>
+              <a:ext uri="{FF2B5EF4-FFF2-40B4-BE49-F238E27FC236}">
+                <a16:creationId xmlns:a16="http://schemas.microsoft.com/office/drawing/2014/main" id="{891C7693-D3DF-4635-96F4-97F3B4136FDF}"/>
+              </a:ext>
+            </a:extLst>
+          </p:cNvPr>
+          <p:cNvSpPr>
+            <a:spLocks noGrp="1"/>
+          </p:cNvSpPr>
+          <p:nvPr>
+            <p:ph idx="1"/>
+          </p:nvPr>
+        </p:nvSpPr>
+        <p:spPr/>
+        <p:txBody>
+          <a:bodyPr/>
+          <a:lstStyle/>
+          <a:p>
+            <a:r>
+              <a:rPr lang="en-US" dirty="0">
+                <a:latin typeface="Euclid Circular B" panose="020B0504000000000000" pitchFamily="34" charset="0"/>
+                <a:ea typeface="Euclid Circular B" panose="020B0504000000000000" pitchFamily="34" charset="0"/>
+              </a:rPr>
+              <a:t>Content</a:t>
+            </a:r>
+          </a:p>
+        </p:txBody>
+      </p:sp>
+    </p:spTree>
+    <p:extLst>
+      <p:ext uri="{BB962C8B-B14F-4D97-AF65-F5344CB8AC3E}">
+        <p14:creationId xmlns:p14="http://schemas.microsoft.com/office/powerpoint/2010/main" val="1426089774"/>
+      </p:ext>
+    </p:extLst>
+  </p:cSld>
+  <p:clrMapOvr>
+    <a:masterClrMapping/>
+  </p:clrMapOvr>
+</p:sld>
+</file>
+
+<file path=ppt/slides/slide12.xml><?xml version="1.0" encoding="utf-8"?>
+<p:sld xmlns:a="http://schemas.openxmlformats.org/drawingml/2006/main" xmlns:r="http://schemas.openxmlformats.org/officeDocument/2006/relationships" xmlns:p="http://schemas.openxmlformats.org/presentationml/2006/main">
+  <p:cSld>
+    <p:bg>
+      <p:bgPr>
+        <a:blipFill dpi="0" rotWithShape="1">
+          <a:blip r:embed="rId2">
+            <a:lum/>
+          </a:blip>
+          <a:srcRect/>
+          <a:stretch>
+            <a:fillRect/>
+          </a:stretch>
+        </a:blipFill>
+        <a:effectLst/>
+      </p:bgPr>
+    </p:bg>
+    <p:spTree>
+      <p:nvGrpSpPr>
+        <p:cNvPr id="1" name=""/>
+        <p:cNvGrpSpPr/>
+        <p:nvPr/>
+      </p:nvGrpSpPr>
+      <p:grpSpPr>
+        <a:xfrm>
+          <a:off x="0" y="0"/>
+          <a:ext cx="0" cy="0"/>
+          <a:chOff x="0" y="0"/>
+          <a:chExt cx="0" cy="0"/>
+        </a:xfrm>
+      </p:grpSpPr>
+      <p:sp>
+        <p:nvSpPr>
+          <p:cNvPr id="2" name="Title 1">
+            <a:extLst>
+              <a:ext uri="{FF2B5EF4-FFF2-40B4-BE49-F238E27FC236}">
+                <a16:creationId xmlns:a16="http://schemas.microsoft.com/office/drawing/2014/main" id="{55E11F08-6CA0-48F1-AD67-97430DDA07F0}"/>
+              </a:ext>
+            </a:extLst>
+          </p:cNvPr>
+          <p:cNvSpPr>
+            <a:spLocks noGrp="1"/>
+          </p:cNvSpPr>
+          <p:nvPr>
+            <p:ph type="title"/>
+          </p:nvPr>
+        </p:nvSpPr>
+        <p:spPr/>
+        <p:txBody>
+          <a:bodyPr/>
+          <a:lstStyle/>
+          <a:p>
+            <a:r>
+              <a:rPr lang="en-US" b="1" dirty="0">
+                <a:solidFill>
+                  <a:srgbClr val="292D33"/>
+                </a:solidFill>
+                <a:latin typeface="Euclid Circular B" panose="020B0504000000000000" pitchFamily="34" charset="0"/>
+                <a:ea typeface="Euclid Circular B" panose="020B0504000000000000" pitchFamily="34" charset="0"/>
+              </a:rPr>
+              <a:t>Topic title</a:t>
+            </a:r>
+          </a:p>
+        </p:txBody>
+      </p:sp>
+      <p:sp>
+        <p:nvSpPr>
+          <p:cNvPr id="3" name="Content Placeholder 2">
+            <a:extLst>
+              <a:ext uri="{FF2B5EF4-FFF2-40B4-BE49-F238E27FC236}">
+                <a16:creationId xmlns:a16="http://schemas.microsoft.com/office/drawing/2014/main" id="{891C7693-D3DF-4635-96F4-97F3B4136FDF}"/>
+              </a:ext>
+            </a:extLst>
+          </p:cNvPr>
+          <p:cNvSpPr>
+            <a:spLocks noGrp="1"/>
+          </p:cNvSpPr>
+          <p:nvPr>
+            <p:ph idx="1"/>
+          </p:nvPr>
+        </p:nvSpPr>
+        <p:spPr/>
+        <p:txBody>
+          <a:bodyPr/>
+          <a:lstStyle/>
+          <a:p>
+            <a:r>
+              <a:rPr lang="en-US" dirty="0">
+                <a:latin typeface="Euclid Circular B" panose="020B0504000000000000" pitchFamily="34" charset="0"/>
+                <a:ea typeface="Euclid Circular B" panose="020B0504000000000000" pitchFamily="34" charset="0"/>
+              </a:rPr>
+              <a:t>Content</a:t>
+            </a:r>
+          </a:p>
+        </p:txBody>
+      </p:sp>
+    </p:spTree>
+    <p:extLst>
+      <p:ext uri="{BB962C8B-B14F-4D97-AF65-F5344CB8AC3E}">
+        <p14:creationId xmlns:p14="http://schemas.microsoft.com/office/powerpoint/2010/main" val="1964785213"/>
+      </p:ext>
+    </p:extLst>
+  </p:cSld>
+  <p:clrMapOvr>
+    <a:masterClrMapping/>
+  </p:clrMapOvr>
+</p:sld>
+</file>
+
+<file path=ppt/slides/slide13.xml><?xml version="1.0" encoding="utf-8"?>
+<p:sld xmlns:a="http://schemas.openxmlformats.org/drawingml/2006/main" xmlns:r="http://schemas.openxmlformats.org/officeDocument/2006/relationships" xmlns:p="http://schemas.openxmlformats.org/presentationml/2006/main">
+  <p:cSld>
+    <p:bg>
+      <p:bgPr>
+        <a:blipFill dpi="0" rotWithShape="1">
+          <a:blip r:embed="rId2">
+            <a:lum/>
+          </a:blip>
+          <a:srcRect/>
+          <a:stretch>
+            <a:fillRect/>
+          </a:stretch>
+        </a:blipFill>
+        <a:effectLst/>
+      </p:bgPr>
+    </p:bg>
+    <p:spTree>
+      <p:nvGrpSpPr>
+        <p:cNvPr id="1" name=""/>
+        <p:cNvGrpSpPr/>
+        <p:nvPr/>
+      </p:nvGrpSpPr>
+      <p:grpSpPr>
+        <a:xfrm>
+          <a:off x="0" y="0"/>
+          <a:ext cx="0" cy="0"/>
+          <a:chOff x="0" y="0"/>
+          <a:chExt cx="0" cy="0"/>
+        </a:xfrm>
+      </p:grpSpPr>
+      <p:sp>
+        <p:nvSpPr>
+          <p:cNvPr id="2" name="Title 1">
+            <a:extLst>
+              <a:ext uri="{FF2B5EF4-FFF2-40B4-BE49-F238E27FC236}">
+                <a16:creationId xmlns:a16="http://schemas.microsoft.com/office/drawing/2014/main" id="{55E11F08-6CA0-48F1-AD67-97430DDA07F0}"/>
+              </a:ext>
+            </a:extLst>
+          </p:cNvPr>
+          <p:cNvSpPr>
+            <a:spLocks noGrp="1"/>
+          </p:cNvSpPr>
+          <p:nvPr>
+            <p:ph type="title"/>
+          </p:nvPr>
+        </p:nvSpPr>
+        <p:spPr/>
+        <p:txBody>
+          <a:bodyPr/>
+          <a:lstStyle/>
+          <a:p>
+            <a:r>
+              <a:rPr lang="en-US" b="1" dirty="0">
+                <a:solidFill>
+                  <a:srgbClr val="292D33"/>
+                </a:solidFill>
+                <a:latin typeface="Euclid Circular B" panose="020B0504000000000000" pitchFamily="34" charset="0"/>
+                <a:ea typeface="Euclid Circular B" panose="020B0504000000000000" pitchFamily="34" charset="0"/>
+              </a:rPr>
+              <a:t>Topic title</a:t>
+            </a:r>
+          </a:p>
+        </p:txBody>
+      </p:sp>
+      <p:sp>
+        <p:nvSpPr>
+          <p:cNvPr id="3" name="Content Placeholder 2">
+            <a:extLst>
+              <a:ext uri="{FF2B5EF4-FFF2-40B4-BE49-F238E27FC236}">
+                <a16:creationId xmlns:a16="http://schemas.microsoft.com/office/drawing/2014/main" id="{891C7693-D3DF-4635-96F4-97F3B4136FDF}"/>
+              </a:ext>
+            </a:extLst>
+          </p:cNvPr>
+          <p:cNvSpPr>
+            <a:spLocks noGrp="1"/>
+          </p:cNvSpPr>
+          <p:nvPr>
+            <p:ph idx="1"/>
+          </p:nvPr>
+        </p:nvSpPr>
+        <p:spPr/>
+        <p:txBody>
+          <a:bodyPr/>
+          <a:lstStyle/>
+          <a:p>
+            <a:r>
+              <a:rPr lang="en-US" dirty="0">
+                <a:latin typeface="Euclid Circular B" panose="020B0504000000000000" pitchFamily="34" charset="0"/>
+                <a:ea typeface="Euclid Circular B" panose="020B0504000000000000" pitchFamily="34" charset="0"/>
+              </a:rPr>
+              <a:t>Content</a:t>
+            </a:r>
+          </a:p>
+        </p:txBody>
+      </p:sp>
+    </p:spTree>
+    <p:extLst>
+      <p:ext uri="{BB962C8B-B14F-4D97-AF65-F5344CB8AC3E}">
+        <p14:creationId xmlns:p14="http://schemas.microsoft.com/office/powerpoint/2010/main" val="182170450"/>
+      </p:ext>
+    </p:extLst>
+  </p:cSld>
+  <p:clrMapOvr>
+    <a:masterClrMapping/>
+  </p:clrMapOvr>
+</p:sld>
+</file>
+
+<file path=ppt/slides/slide14.xml><?xml version="1.0" encoding="utf-8"?>
+<p:sld xmlns:a="http://schemas.openxmlformats.org/drawingml/2006/main" xmlns:r="http://schemas.openxmlformats.org/officeDocument/2006/relationships" xmlns:p="http://schemas.openxmlformats.org/presentationml/2006/main">
+  <p:cSld>
+    <p:bg>
+      <p:bgPr>
+        <a:blipFill dpi="0" rotWithShape="1">
+          <a:blip r:embed="rId2">
+            <a:lum/>
+          </a:blip>
+          <a:srcRect/>
+          <a:stretch>
+            <a:fillRect/>
+          </a:stretch>
+        </a:blipFill>
+        <a:effectLst/>
+      </p:bgPr>
+    </p:bg>
+    <p:spTree>
+      <p:nvGrpSpPr>
+        <p:cNvPr id="1" name=""/>
+        <p:cNvGrpSpPr/>
+        <p:nvPr/>
+      </p:nvGrpSpPr>
+      <p:grpSpPr>
+        <a:xfrm>
+          <a:off x="0" y="0"/>
+          <a:ext cx="0" cy="0"/>
+          <a:chOff x="0" y="0"/>
+          <a:chExt cx="0" cy="0"/>
+        </a:xfrm>
+      </p:grpSpPr>
+      <p:sp>
+        <p:nvSpPr>
+          <p:cNvPr id="2" name="Title 1">
+            <a:extLst>
+              <a:ext uri="{FF2B5EF4-FFF2-40B4-BE49-F238E27FC236}">
+                <a16:creationId xmlns:a16="http://schemas.microsoft.com/office/drawing/2014/main" id="{55E11F08-6CA0-48F1-AD67-97430DDA07F0}"/>
+              </a:ext>
+            </a:extLst>
+          </p:cNvPr>
+          <p:cNvSpPr>
+            <a:spLocks noGrp="1"/>
+          </p:cNvSpPr>
+          <p:nvPr>
+            <p:ph type="title"/>
+          </p:nvPr>
+        </p:nvSpPr>
+        <p:spPr/>
+        <p:txBody>
+          <a:bodyPr/>
+          <a:lstStyle/>
+          <a:p>
+            <a:r>
+              <a:rPr lang="en-US" b="1" dirty="0">
+                <a:solidFill>
+                  <a:srgbClr val="292D33"/>
+                </a:solidFill>
+                <a:latin typeface="Euclid Circular B" panose="020B0504000000000000" pitchFamily="34" charset="0"/>
+                <a:ea typeface="Euclid Circular B" panose="020B0504000000000000" pitchFamily="34" charset="0"/>
+              </a:rPr>
+              <a:t>Topic title</a:t>
+            </a:r>
+          </a:p>
+        </p:txBody>
+      </p:sp>
+      <p:sp>
+        <p:nvSpPr>
+          <p:cNvPr id="3" name="Content Placeholder 2">
+            <a:extLst>
+              <a:ext uri="{FF2B5EF4-FFF2-40B4-BE49-F238E27FC236}">
+                <a16:creationId xmlns:a16="http://schemas.microsoft.com/office/drawing/2014/main" id="{891C7693-D3DF-4635-96F4-97F3B4136FDF}"/>
+              </a:ext>
+            </a:extLst>
+          </p:cNvPr>
+          <p:cNvSpPr>
+            <a:spLocks noGrp="1"/>
+          </p:cNvSpPr>
+          <p:nvPr>
+            <p:ph idx="1"/>
+          </p:nvPr>
+        </p:nvSpPr>
+        <p:spPr/>
+        <p:txBody>
+          <a:bodyPr/>
+          <a:lstStyle/>
+          <a:p>
+            <a:r>
+              <a:rPr lang="en-US" dirty="0">
+                <a:latin typeface="Euclid Circular B" panose="020B0504000000000000" pitchFamily="34" charset="0"/>
+                <a:ea typeface="Euclid Circular B" panose="020B0504000000000000" pitchFamily="34" charset="0"/>
+              </a:rPr>
+              <a:t>Content</a:t>
+            </a:r>
+          </a:p>
+        </p:txBody>
+      </p:sp>
+    </p:spTree>
+    <p:extLst>
+      <p:ext uri="{BB962C8B-B14F-4D97-AF65-F5344CB8AC3E}">
+        <p14:creationId xmlns:p14="http://schemas.microsoft.com/office/powerpoint/2010/main" val="3319722409"/>
+      </p:ext>
+    </p:extLst>
+  </p:cSld>
+  <p:clrMapOvr>
+    <a:masterClrMapping/>
+  </p:clrMapOvr>
+</p:sld>
+</file>
+
+<file path=ppt/slides/slide15.xml><?xml version="1.0" encoding="utf-8"?>
+<p:sld xmlns:a="http://schemas.openxmlformats.org/drawingml/2006/main" xmlns:r="http://schemas.openxmlformats.org/officeDocument/2006/relationships" xmlns:p="http://schemas.openxmlformats.org/presentationml/2006/main">
+  <p:cSld>
+    <p:bg>
+      <p:bgPr>
+        <a:blipFill dpi="0" rotWithShape="1">
+          <a:blip r:embed="rId2">
+            <a:lum/>
+          </a:blip>
+          <a:srcRect/>
+          <a:stretch>
+            <a:fillRect/>
+          </a:stretch>
+        </a:blipFill>
+        <a:effectLst/>
+      </p:bgPr>
+    </p:bg>
+    <p:spTree>
+      <p:nvGrpSpPr>
+        <p:cNvPr id="1" name=""/>
+        <p:cNvGrpSpPr/>
+        <p:nvPr/>
+      </p:nvGrpSpPr>
+      <p:grpSpPr>
+        <a:xfrm>
+          <a:off x="0" y="0"/>
+          <a:ext cx="0" cy="0"/>
+          <a:chOff x="0" y="0"/>
+          <a:chExt cx="0" cy="0"/>
+        </a:xfrm>
+      </p:grpSpPr>
+      <p:sp>
+        <p:nvSpPr>
+          <p:cNvPr id="2" name="Title 1">
+            <a:extLst>
+              <a:ext uri="{FF2B5EF4-FFF2-40B4-BE49-F238E27FC236}">
+                <a16:creationId xmlns:a16="http://schemas.microsoft.com/office/drawing/2014/main" id="{55E11F08-6CA0-48F1-AD67-97430DDA07F0}"/>
+              </a:ext>
+            </a:extLst>
+          </p:cNvPr>
+          <p:cNvSpPr>
+            <a:spLocks noGrp="1"/>
+          </p:cNvSpPr>
+          <p:nvPr>
+            <p:ph type="title"/>
+          </p:nvPr>
+        </p:nvSpPr>
+        <p:spPr/>
+        <p:txBody>
+          <a:bodyPr/>
+          <a:lstStyle/>
+          <a:p>
+            <a:r>
+              <a:rPr lang="en-US" b="1" dirty="0">
+                <a:solidFill>
+                  <a:srgbClr val="292D33"/>
+                </a:solidFill>
+                <a:latin typeface="Euclid Circular B" panose="020B0504000000000000" pitchFamily="34" charset="0"/>
+                <a:ea typeface="Euclid Circular B" panose="020B0504000000000000" pitchFamily="34" charset="0"/>
+              </a:rPr>
+              <a:t>Topic title</a:t>
+            </a:r>
+          </a:p>
+        </p:txBody>
+      </p:sp>
+      <p:sp>
+        <p:nvSpPr>
+          <p:cNvPr id="3" name="Content Placeholder 2">
+            <a:extLst>
+              <a:ext uri="{FF2B5EF4-FFF2-40B4-BE49-F238E27FC236}">
+                <a16:creationId xmlns:a16="http://schemas.microsoft.com/office/drawing/2014/main" id="{891C7693-D3DF-4635-96F4-97F3B4136FDF}"/>
+              </a:ext>
+            </a:extLst>
+          </p:cNvPr>
+          <p:cNvSpPr>
+            <a:spLocks noGrp="1"/>
+          </p:cNvSpPr>
+          <p:nvPr>
+            <p:ph idx="1"/>
+          </p:nvPr>
+        </p:nvSpPr>
+        <p:spPr/>
+        <p:txBody>
+          <a:bodyPr/>
+          <a:lstStyle/>
+          <a:p>
+            <a:r>
+              <a:rPr lang="en-US" dirty="0">
+                <a:latin typeface="Euclid Circular B" panose="020B0504000000000000" pitchFamily="34" charset="0"/>
+                <a:ea typeface="Euclid Circular B" panose="020B0504000000000000" pitchFamily="34" charset="0"/>
+              </a:rPr>
+              <a:t>Content</a:t>
+            </a:r>
+          </a:p>
+        </p:txBody>
+      </p:sp>
+    </p:spTree>
+    <p:extLst>
+      <p:ext uri="{BB962C8B-B14F-4D97-AF65-F5344CB8AC3E}">
+        <p14:creationId xmlns:p14="http://schemas.microsoft.com/office/powerpoint/2010/main" val="3722396271"/>
+      </p:ext>
+    </p:extLst>
+  </p:cSld>
+  <p:clrMapOvr>
+    <a:masterClrMapping/>
+  </p:clrMapOvr>
+</p:sld>
+</file>
+
+<file path=ppt/slides/slide16.xml><?xml version="1.0" encoding="utf-8"?>
+<p:sld xmlns:a="http://schemas.openxmlformats.org/drawingml/2006/main" xmlns:r="http://schemas.openxmlformats.org/officeDocument/2006/relationships" xmlns:p="http://schemas.openxmlformats.org/presentationml/2006/main">
+  <p:cSld>
+    <p:bg>
+      <p:bgPr>
+        <a:blipFill dpi="0" rotWithShape="1">
+          <a:blip r:embed="rId2">
+            <a:lum/>
+          </a:blip>
+          <a:srcRect/>
+          <a:stretch>
+            <a:fillRect/>
+          </a:stretch>
+        </a:blipFill>
+        <a:effectLst/>
+      </p:bgPr>
+    </p:bg>
+    <p:spTree>
+      <p:nvGrpSpPr>
+        <p:cNvPr id="1" name=""/>
+        <p:cNvGrpSpPr/>
+        <p:nvPr/>
+      </p:nvGrpSpPr>
+      <p:grpSpPr>
+        <a:xfrm>
+          <a:off x="0" y="0"/>
+          <a:ext cx="0" cy="0"/>
+          <a:chOff x="0" y="0"/>
+          <a:chExt cx="0" cy="0"/>
+        </a:xfrm>
+      </p:grpSpPr>
+      <p:sp>
+        <p:nvSpPr>
+          <p:cNvPr id="2" name="Title 1">
+            <a:extLst>
+              <a:ext uri="{FF2B5EF4-FFF2-40B4-BE49-F238E27FC236}">
+                <a16:creationId xmlns:a16="http://schemas.microsoft.com/office/drawing/2014/main" id="{55E11F08-6CA0-48F1-AD67-97430DDA07F0}"/>
+              </a:ext>
+            </a:extLst>
+          </p:cNvPr>
+          <p:cNvSpPr>
+            <a:spLocks noGrp="1"/>
+          </p:cNvSpPr>
+          <p:nvPr>
+            <p:ph type="title"/>
+          </p:nvPr>
+        </p:nvSpPr>
+        <p:spPr/>
+        <p:txBody>
+          <a:bodyPr/>
+          <a:lstStyle/>
+          <a:p>
+            <a:r>
+              <a:rPr lang="en-US" b="1" dirty="0">
+                <a:solidFill>
+                  <a:srgbClr val="292D33"/>
+                </a:solidFill>
+                <a:latin typeface="Euclid Circular B" panose="020B0504000000000000" pitchFamily="34" charset="0"/>
+                <a:ea typeface="Euclid Circular B" panose="020B0504000000000000" pitchFamily="34" charset="0"/>
+              </a:rPr>
+              <a:t>Topic title</a:t>
+            </a:r>
+          </a:p>
+        </p:txBody>
+      </p:sp>
+      <p:sp>
+        <p:nvSpPr>
+          <p:cNvPr id="3" name="Content Placeholder 2">
+            <a:extLst>
+              <a:ext uri="{FF2B5EF4-FFF2-40B4-BE49-F238E27FC236}">
+                <a16:creationId xmlns:a16="http://schemas.microsoft.com/office/drawing/2014/main" id="{891C7693-D3DF-4635-96F4-97F3B4136FDF}"/>
+              </a:ext>
+            </a:extLst>
+          </p:cNvPr>
+          <p:cNvSpPr>
+            <a:spLocks noGrp="1"/>
+          </p:cNvSpPr>
+          <p:nvPr>
+            <p:ph idx="1"/>
+          </p:nvPr>
+        </p:nvSpPr>
+        <p:spPr/>
+        <p:txBody>
+          <a:bodyPr/>
+          <a:lstStyle/>
+          <a:p>
+            <a:r>
+              <a:rPr lang="en-US" dirty="0">
+                <a:latin typeface="Euclid Circular B" panose="020B0504000000000000" pitchFamily="34" charset="0"/>
+                <a:ea typeface="Euclid Circular B" panose="020B0504000000000000" pitchFamily="34" charset="0"/>
+              </a:rPr>
+              <a:t>Content</a:t>
+            </a:r>
+          </a:p>
+        </p:txBody>
+      </p:sp>
+    </p:spTree>
+    <p:extLst>
+      <p:ext uri="{BB962C8B-B14F-4D97-AF65-F5344CB8AC3E}">
+        <p14:creationId xmlns:p14="http://schemas.microsoft.com/office/powerpoint/2010/main" val="3375947038"/>
+      </p:ext>
+    </p:extLst>
+  </p:cSld>
+  <p:clrMapOvr>
+    <a:masterClrMapping/>
+  </p:clrMapOvr>
+</p:sld>
+</file>
+
 <file path=ppt/slides/slide2.xml><?xml version="1.0" encoding="utf-8"?>
 <p:sld xmlns:a="http://schemas.openxmlformats.org/drawingml/2006/main" xmlns:r="http://schemas.openxmlformats.org/officeDocument/2006/relationships" xmlns:p="http://schemas.openxmlformats.org/presentationml/2006/main">
   <p:cSld>
@@ -5687,7 +6457,7 @@
                 <a:latin typeface="Euclid Circular B" panose="020B0504000000000000" pitchFamily="34" charset="0"/>
                 <a:ea typeface="Euclid Circular B" panose="020B0504000000000000" pitchFamily="34" charset="0"/>
               </a:rPr>
-              <a:t>Topic title</a:t>
+              <a:t>Generic Application Requirements</a:t>
             </a:r>
           </a:p>
         </p:txBody>
@@ -5708,17 +6478,163 @@
             <p:ph idx="1"/>
           </p:nvPr>
         </p:nvSpPr>
-        <p:spPr/>
-        <p:txBody>
-          <a:bodyPr/>
-          <a:lstStyle/>
-          <a:p>
+        <p:spPr>
+          <a:xfrm>
+            <a:off x="838199" y="1825625"/>
+            <a:ext cx="11009243" cy="4351338"/>
+          </a:xfrm>
+        </p:spPr>
+        <p:txBody>
+          <a:bodyPr>
+            <a:normAutofit fontScale="92500" lnSpcReduction="20000"/>
+          </a:bodyPr>
+          <a:lstStyle/>
+          <a:p>
+            <a:pPr marL="0" indent="0">
+              <a:buNone/>
+            </a:pPr>
             <a:r>
               <a:rPr lang="en-US" dirty="0">
                 <a:latin typeface="Euclid Circular B" panose="020B0504000000000000" pitchFamily="34" charset="0"/>
                 <a:ea typeface="Euclid Circular B" panose="020B0504000000000000" pitchFamily="34" charset="0"/>
               </a:rPr>
-              <a:t>Content</a:t>
+              <a:t>Most applications have common non-business related, generic application features</a:t>
+            </a:r>
+          </a:p>
+          <a:p>
+            <a:pPr marL="0" indent="0">
+              <a:buNone/>
+            </a:pPr>
+            <a:endParaRPr lang="en-US" dirty="0">
+              <a:latin typeface="Euclid Circular B" panose="020B0504000000000000" pitchFamily="34" charset="0"/>
+              <a:ea typeface="Euclid Circular B" panose="020B0504000000000000" pitchFamily="34" charset="0"/>
+            </a:endParaRPr>
+          </a:p>
+          <a:p>
+            <a:r>
+              <a:rPr lang="en-US" b="1" dirty="0">
+                <a:latin typeface="Euclid Circular B" panose="020B0504000000000000" pitchFamily="34" charset="0"/>
+                <a:ea typeface="Euclid Circular B" panose="020B0504000000000000" pitchFamily="34" charset="0"/>
+              </a:rPr>
+              <a:t>Account</a:t>
+            </a:r>
+            <a:r>
+              <a:rPr lang="en-US" dirty="0">
+                <a:latin typeface="Euclid Circular B" panose="020B0504000000000000" pitchFamily="34" charset="0"/>
+                <a:ea typeface="Euclid Circular B" panose="020B0504000000000000" pitchFamily="34" charset="0"/>
+              </a:rPr>
+              <a:t>: Login, register, two-factor auth, forgot password,…</a:t>
+            </a:r>
+          </a:p>
+          <a:p>
+            <a:r>
+              <a:rPr lang="en-US" b="1" dirty="0">
+                <a:latin typeface="Euclid Circular B" panose="020B0504000000000000" pitchFamily="34" charset="0"/>
+                <a:ea typeface="Euclid Circular B" panose="020B0504000000000000" pitchFamily="34" charset="0"/>
+              </a:rPr>
+              <a:t>Identity</a:t>
+            </a:r>
+            <a:r>
+              <a:rPr lang="en-US" dirty="0">
+                <a:latin typeface="Euclid Circular B" panose="020B0504000000000000" pitchFamily="34" charset="0"/>
+                <a:ea typeface="Euclid Circular B" panose="020B0504000000000000" pitchFamily="34" charset="0"/>
+              </a:rPr>
+              <a:t>: Users, roles, organization units, permissions,…</a:t>
+            </a:r>
+          </a:p>
+          <a:p>
+            <a:r>
+              <a:rPr lang="en-US" b="1" dirty="0">
+                <a:latin typeface="Euclid Circular B" panose="020B0504000000000000" pitchFamily="34" charset="0"/>
+                <a:ea typeface="Euclid Circular B" panose="020B0504000000000000" pitchFamily="34" charset="0"/>
+              </a:rPr>
+              <a:t>SaaS</a:t>
+            </a:r>
+            <a:r>
+              <a:rPr lang="en-US" dirty="0">
+                <a:latin typeface="Euclid Circular B" panose="020B0504000000000000" pitchFamily="34" charset="0"/>
+                <a:ea typeface="Euclid Circular B" panose="020B0504000000000000" pitchFamily="34" charset="0"/>
+              </a:rPr>
+              <a:t>: Tenants, packages, subscriptions</a:t>
+            </a:r>
+          </a:p>
+          <a:p>
+            <a:r>
+              <a:rPr lang="en-US" b="1" dirty="0">
+                <a:latin typeface="Euclid Circular B" panose="020B0504000000000000" pitchFamily="34" charset="0"/>
+                <a:ea typeface="Euclid Circular B" panose="020B0504000000000000" pitchFamily="34" charset="0"/>
+              </a:rPr>
+              <a:t>Audit Log Reports</a:t>
+            </a:r>
+            <a:r>
+              <a:rPr lang="en-US" dirty="0">
+                <a:latin typeface="Euclid Circular B" panose="020B0504000000000000" pitchFamily="34" charset="0"/>
+                <a:ea typeface="Euclid Circular B" panose="020B0504000000000000" pitchFamily="34" charset="0"/>
+              </a:rPr>
+              <a:t>: Trace and report user interactions</a:t>
+            </a:r>
+          </a:p>
+          <a:p>
+            <a:r>
+              <a:rPr lang="en-US" b="1" dirty="0">
+                <a:latin typeface="Euclid Circular B" panose="020B0504000000000000" pitchFamily="34" charset="0"/>
+                <a:ea typeface="Euclid Circular B" panose="020B0504000000000000" pitchFamily="34" charset="0"/>
+              </a:rPr>
+              <a:t>GDPR</a:t>
+            </a:r>
+            <a:r>
+              <a:rPr lang="en-US" dirty="0">
+                <a:latin typeface="Euclid Circular B" panose="020B0504000000000000" pitchFamily="34" charset="0"/>
+                <a:ea typeface="Euclid Circular B" panose="020B0504000000000000" pitchFamily="34" charset="0"/>
+              </a:rPr>
+              <a:t>: Download, delete user data, cookie consent,…</a:t>
+            </a:r>
+          </a:p>
+          <a:p>
+            <a:r>
+              <a:rPr lang="en-US" b="1" dirty="0">
+                <a:latin typeface="Euclid Circular B" panose="020B0504000000000000" pitchFamily="34" charset="0"/>
+                <a:ea typeface="Euclid Circular B" panose="020B0504000000000000" pitchFamily="34" charset="0"/>
+              </a:rPr>
+              <a:t>Payment</a:t>
+            </a:r>
+            <a:r>
+              <a:rPr lang="en-US" dirty="0">
+                <a:latin typeface="Euclid Circular B" panose="020B0504000000000000" pitchFamily="34" charset="0"/>
+                <a:ea typeface="Euclid Circular B" panose="020B0504000000000000" pitchFamily="34" charset="0"/>
+              </a:rPr>
+              <a:t>: Gateway integrations, checkout, basket,…</a:t>
+            </a:r>
+          </a:p>
+          <a:p>
+            <a:pPr marL="0" indent="0">
+              <a:buNone/>
+            </a:pPr>
+            <a:endParaRPr lang="en-US" dirty="0">
+              <a:latin typeface="Euclid Circular B" panose="020B0504000000000000" pitchFamily="34" charset="0"/>
+              <a:ea typeface="Euclid Circular B" panose="020B0504000000000000" pitchFamily="34" charset="0"/>
+            </a:endParaRPr>
+          </a:p>
+          <a:p>
+            <a:pPr marL="0" indent="0" algn="ctr">
+              <a:buNone/>
+            </a:pPr>
+            <a:r>
+              <a:rPr lang="en-US" b="1" dirty="0">
+                <a:latin typeface="Euclid Circular B" panose="020B0504000000000000" pitchFamily="34" charset="0"/>
+                <a:ea typeface="Euclid Circular B" panose="020B0504000000000000" pitchFamily="34" charset="0"/>
+              </a:rPr>
+              <a:t>We need a system to support that kind of </a:t>
+            </a:r>
+            <a:r>
+              <a:rPr lang="en-US" b="1" dirty="0">
+                <a:solidFill>
+                  <a:srgbClr val="FF0000"/>
+                </a:solidFill>
+                <a:latin typeface="Euclid Circular B" panose="020B0504000000000000" pitchFamily="34" charset="0"/>
+                <a:ea typeface="Euclid Circular B" panose="020B0504000000000000" pitchFamily="34" charset="0"/>
+              </a:rPr>
+              <a:t>complex modularity</a:t>
             </a:r>
           </a:p>
         </p:txBody>
@@ -5796,7 +6712,7 @@
                 <a:latin typeface="Euclid Circular B" panose="020B0504000000000000" pitchFamily="34" charset="0"/>
                 <a:ea typeface="Euclid Circular B" panose="020B0504000000000000" pitchFamily="34" charset="0"/>
               </a:rPr>
-              <a:t>Topic title</a:t>
+              <a:t>Evolution of ASP.NET Boilerplate</a:t>
             </a:r>
           </a:p>
         </p:txBody>
@@ -5817,25 +6733,131 @@
             <p:ph idx="1"/>
           </p:nvPr>
         </p:nvSpPr>
-        <p:spPr/>
-        <p:txBody>
-          <a:bodyPr/>
-          <a:lstStyle/>
-          <a:p>
-            <a:r>
-              <a:rPr lang="en-US" dirty="0">
-                <a:latin typeface="Euclid Circular B" panose="020B0504000000000000" pitchFamily="34" charset="0"/>
-                <a:ea typeface="Euclid Circular B" panose="020B0504000000000000" pitchFamily="34" charset="0"/>
-              </a:rPr>
-              <a:t>Content</a:t>
-            </a:r>
-          </a:p>
-        </p:txBody>
-      </p:sp>
+        <p:spPr>
+          <a:xfrm>
+            <a:off x="838200" y="1825626"/>
+            <a:ext cx="10515600" cy="1871732"/>
+          </a:xfrm>
+        </p:spPr>
+        <p:txBody>
+          <a:bodyPr>
+            <a:normAutofit/>
+          </a:bodyPr>
+          <a:lstStyle/>
+          <a:p>
+            <a:r>
+              <a:rPr lang="en-US" sz="2400" b="1" dirty="0">
+                <a:latin typeface="Euclid Circular B" panose="020B0504000000000000" pitchFamily="34" charset="0"/>
+                <a:ea typeface="Euclid Circular B" panose="020B0504000000000000" pitchFamily="34" charset="0"/>
+              </a:rPr>
+              <a:t>Microservices </a:t>
+            </a:r>
+            <a:r>
+              <a:rPr lang="en-US" sz="2400" dirty="0">
+                <a:latin typeface="Euclid Circular B" panose="020B0504000000000000" pitchFamily="34" charset="0"/>
+                <a:ea typeface="Euclid Circular B" panose="020B0504000000000000" pitchFamily="34" charset="0"/>
+              </a:rPr>
+              <a:t>(Distributed event bus, inter-microservice calls)</a:t>
+            </a:r>
+          </a:p>
+          <a:p>
+            <a:r>
+              <a:rPr lang="en-US" sz="2400" b="1" dirty="0">
+                <a:latin typeface="Euclid Circular B" panose="020B0504000000000000" pitchFamily="34" charset="0"/>
+                <a:ea typeface="Euclid Circular B" panose="020B0504000000000000" pitchFamily="34" charset="0"/>
+              </a:rPr>
+              <a:t>Polyglot persistence </a:t>
+            </a:r>
+            <a:r>
+              <a:rPr lang="en-US" sz="2400" dirty="0">
+                <a:latin typeface="Euclid Circular B" panose="020B0504000000000000" pitchFamily="34" charset="0"/>
+                <a:ea typeface="Euclid Circular B" panose="020B0504000000000000" pitchFamily="34" charset="0"/>
+              </a:rPr>
+              <a:t>(Built-in EF Core &amp; MongoDB support)</a:t>
+            </a:r>
+          </a:p>
+          <a:p>
+            <a:r>
+              <a:rPr lang="en-US" sz="2400" b="1" dirty="0">
+                <a:latin typeface="Euclid Circular B" panose="020B0504000000000000" pitchFamily="34" charset="0"/>
+                <a:ea typeface="Euclid Circular B" panose="020B0504000000000000" pitchFamily="34" charset="0"/>
+              </a:rPr>
+              <a:t>Complete modularity</a:t>
+            </a:r>
+            <a:r>
+              <a:rPr lang="en-US" sz="2400" dirty="0">
+                <a:latin typeface="Euclid Circular B" panose="020B0504000000000000" pitchFamily="34" charset="0"/>
+                <a:ea typeface="Euclid Circular B" panose="020B0504000000000000" pitchFamily="34" charset="0"/>
+              </a:rPr>
+              <a:t> (microservice-compatible modules)</a:t>
+            </a:r>
+          </a:p>
+          <a:p>
+            <a:r>
+              <a:rPr lang="en-US" sz="2400" dirty="0">
+                <a:latin typeface="Euclid Circular B" panose="020B0504000000000000" pitchFamily="34" charset="0"/>
+                <a:ea typeface="Euclid Circular B" panose="020B0504000000000000" pitchFamily="34" charset="0"/>
+              </a:rPr>
+              <a:t>Introduction of </a:t>
+            </a:r>
+            <a:r>
+              <a:rPr lang="en-US" sz="2400" b="1" dirty="0">
+                <a:latin typeface="Euclid Circular B" panose="020B0504000000000000" pitchFamily="34" charset="0"/>
+                <a:ea typeface="Euclid Circular B" panose="020B0504000000000000" pitchFamily="34" charset="0"/>
+              </a:rPr>
+              <a:t>ASP.NET Core</a:t>
+            </a:r>
+            <a:r>
+              <a:rPr lang="en-US" sz="2400" dirty="0">
+                <a:latin typeface="Euclid Circular B" panose="020B0504000000000000" pitchFamily="34" charset="0"/>
+                <a:ea typeface="Euclid Circular B" panose="020B0504000000000000" pitchFamily="34" charset="0"/>
+              </a:rPr>
+              <a:t> &amp; </a:t>
+            </a:r>
+            <a:r>
+              <a:rPr lang="en-US" sz="2400" b="1" dirty="0">
+                <a:latin typeface="Euclid Circular B" panose="020B0504000000000000" pitchFamily="34" charset="0"/>
+                <a:ea typeface="Euclid Circular B" panose="020B0504000000000000" pitchFamily="34" charset="0"/>
+              </a:rPr>
+              <a:t>EF Core</a:t>
+            </a:r>
+          </a:p>
+        </p:txBody>
+      </p:sp>
+      <p:pic>
+        <p:nvPicPr>
+          <p:cNvPr id="9" name="Picture 8">
+            <a:extLst>
+              <a:ext uri="{FF2B5EF4-FFF2-40B4-BE49-F238E27FC236}">
+                <a16:creationId xmlns:a16="http://schemas.microsoft.com/office/drawing/2014/main" id="{A416D9A5-A3CC-C8D9-55F5-341CDCC6E250}"/>
+              </a:ext>
+            </a:extLst>
+          </p:cNvPr>
+          <p:cNvPicPr>
+            <a:picLocks noChangeAspect="1"/>
+          </p:cNvPicPr>
+          <p:nvPr/>
+        </p:nvPicPr>
+        <p:blipFill>
+          <a:blip r:embed="rId3"/>
+          <a:stretch>
+            <a:fillRect/>
+          </a:stretch>
+        </p:blipFill>
+        <p:spPr>
+          <a:xfrm>
+            <a:off x="2023880" y="3826473"/>
+            <a:ext cx="8144240" cy="2666402"/>
+          </a:xfrm>
+          <a:prstGeom prst="rect">
+            <a:avLst/>
+          </a:prstGeom>
+        </p:spPr>
+      </p:pic>
     </p:spTree>
     <p:extLst>
       <p:ext uri="{BB962C8B-B14F-4D97-AF65-F5344CB8AC3E}">
-        <p14:creationId xmlns:p14="http://schemas.microsoft.com/office/powerpoint/2010/main" val="2094153484"/>
+        <p14:creationId xmlns:p14="http://schemas.microsoft.com/office/powerpoint/2010/main" val="541461225"/>
       </p:ext>
     </p:extLst>
   </p:cSld>
@@ -5905,38 +6927,483 @@
                 <a:latin typeface="Euclid Circular B" panose="020B0504000000000000" pitchFamily="34" charset="0"/>
                 <a:ea typeface="Euclid Circular B" panose="020B0504000000000000" pitchFamily="34" charset="0"/>
               </a:rPr>
-              <a:t>Topic title</a:t>
-            </a:r>
-          </a:p>
-        </p:txBody>
-      </p:sp>
-      <p:sp>
-        <p:nvSpPr>
-          <p:cNvPr id="3" name="Content Placeholder 2">
-            <a:extLst>
-              <a:ext uri="{FF2B5EF4-FFF2-40B4-BE49-F238E27FC236}">
-                <a16:creationId xmlns:a16="http://schemas.microsoft.com/office/drawing/2014/main" id="{891C7693-D3DF-4635-96F4-97F3B4136FDF}"/>
-              </a:ext>
-            </a:extLst>
-          </p:cNvPr>
-          <p:cNvSpPr>
-            <a:spLocks noGrp="1"/>
-          </p:cNvSpPr>
-          <p:nvPr>
-            <p:ph idx="1"/>
-          </p:nvPr>
-        </p:nvSpPr>
-        <p:spPr/>
-        <p:txBody>
-          <a:bodyPr/>
-          <a:lstStyle/>
-          <a:p>
-            <a:r>
-              <a:rPr lang="en-US" dirty="0">
-                <a:latin typeface="Euclid Circular B" panose="020B0504000000000000" pitchFamily="34" charset="0"/>
-                <a:ea typeface="Euclid Circular B" panose="020B0504000000000000" pitchFamily="34" charset="0"/>
-              </a:rPr>
-              <a:t>Content</a:t>
+              <a:t>The </a:t>
+            </a:r>
+            <a:r>
+              <a:rPr lang="en-US" b="1" dirty="0">
+                <a:solidFill>
+                  <a:srgbClr val="C00000"/>
+                </a:solidFill>
+                <a:latin typeface="Euclid Circular B" panose="020B0504000000000000" pitchFamily="34" charset="0"/>
+                <a:ea typeface="Euclid Circular B" panose="020B0504000000000000" pitchFamily="34" charset="0"/>
+              </a:rPr>
+              <a:t>ABP.IO</a:t>
+            </a:r>
+            <a:r>
+              <a:rPr lang="en-US" b="1" dirty="0">
+                <a:solidFill>
+                  <a:srgbClr val="292D33"/>
+                </a:solidFill>
+                <a:latin typeface="Euclid Circular B" panose="020B0504000000000000" pitchFamily="34" charset="0"/>
+                <a:ea typeface="Euclid Circular B" panose="020B0504000000000000" pitchFamily="34" charset="0"/>
+              </a:rPr>
+              <a:t> Platform</a:t>
+            </a:r>
+          </a:p>
+        </p:txBody>
+      </p:sp>
+      <p:pic>
+        <p:nvPicPr>
+          <p:cNvPr id="9" name="Picture 8" descr="A picture containing text, transport, vector graphics&#10;&#10;Description automatically generated">
+            <a:extLst>
+              <a:ext uri="{FF2B5EF4-FFF2-40B4-BE49-F238E27FC236}">
+                <a16:creationId xmlns:a16="http://schemas.microsoft.com/office/drawing/2014/main" id="{52DD8EDF-272D-D448-3965-05167CBF520B}"/>
+              </a:ext>
+            </a:extLst>
+          </p:cNvPr>
+          <p:cNvPicPr>
+            <a:picLocks noChangeAspect="1"/>
+          </p:cNvPicPr>
+          <p:nvPr/>
+        </p:nvPicPr>
+        <p:blipFill>
+          <a:blip r:embed="rId3">
+            <a:extLst>
+              <a:ext uri="{28A0092B-C50C-407E-A947-70E740481C1C}">
+                <a14:useLocalDpi xmlns:a14="http://schemas.microsoft.com/office/drawing/2010/main" val="0"/>
+              </a:ext>
+            </a:extLst>
+          </a:blip>
+          <a:stretch>
+            <a:fillRect/>
+          </a:stretch>
+        </p:blipFill>
+        <p:spPr>
+          <a:xfrm>
+            <a:off x="5346714" y="3315405"/>
+            <a:ext cx="1498572" cy="1498572"/>
+          </a:xfrm>
+          <a:prstGeom prst="rect">
+            <a:avLst/>
+          </a:prstGeom>
+        </p:spPr>
+      </p:pic>
+      <p:sp>
+        <p:nvSpPr>
+          <p:cNvPr id="14" name="Rectangle 13">
+            <a:extLst>
+              <a:ext uri="{FF2B5EF4-FFF2-40B4-BE49-F238E27FC236}">
+                <a16:creationId xmlns:a16="http://schemas.microsoft.com/office/drawing/2014/main" id="{E2579FCB-673A-5F4C-B82C-FCAFB90462A1}"/>
+              </a:ext>
+            </a:extLst>
+          </p:cNvPr>
+          <p:cNvSpPr/>
+          <p:nvPr/>
+        </p:nvSpPr>
+        <p:spPr>
+          <a:xfrm>
+            <a:off x="3592478" y="3156202"/>
+            <a:ext cx="1918066" cy="446634"/>
+          </a:xfrm>
+          <a:prstGeom prst="rect">
+            <a:avLst/>
+          </a:prstGeom>
+          <a:solidFill>
+            <a:schemeClr val="bg1"/>
+          </a:solidFill>
+          <a:ln>
+            <a:solidFill>
+              <a:schemeClr val="tx1">
+                <a:lumMod val="50000"/>
+                <a:lumOff val="50000"/>
+              </a:schemeClr>
+            </a:solidFill>
+          </a:ln>
+        </p:spPr>
+        <p:style>
+          <a:lnRef idx="2">
+            <a:schemeClr val="accent1">
+              <a:shade val="50000"/>
+            </a:schemeClr>
+          </a:lnRef>
+          <a:fillRef idx="1">
+            <a:schemeClr val="accent1"/>
+          </a:fillRef>
+          <a:effectRef idx="0">
+            <a:schemeClr val="accent1"/>
+          </a:effectRef>
+          <a:fontRef idx="minor">
+            <a:schemeClr val="lt1"/>
+          </a:fontRef>
+        </p:style>
+        <p:txBody>
+          <a:bodyPr rtlCol="0" anchor="ctr"/>
+          <a:lstStyle/>
+          <a:p>
+            <a:pPr algn="r"/>
+            <a:r>
+              <a:rPr lang="en-US" sz="2400" dirty="0">
+                <a:solidFill>
+                  <a:schemeClr val="bg2">
+                    <a:lumMod val="25000"/>
+                  </a:schemeClr>
+                </a:solidFill>
+              </a:rPr>
+              <a:t>Framework</a:t>
+            </a:r>
+          </a:p>
+        </p:txBody>
+      </p:sp>
+      <p:pic>
+        <p:nvPicPr>
+          <p:cNvPr id="18" name="Picture 17" descr="Icon&#10;&#10;Description automatically generated">
+            <a:extLst>
+              <a:ext uri="{FF2B5EF4-FFF2-40B4-BE49-F238E27FC236}">
+                <a16:creationId xmlns:a16="http://schemas.microsoft.com/office/drawing/2014/main" id="{A7615AC8-59D9-BC1E-135E-A13465CDB65F}"/>
+              </a:ext>
+            </a:extLst>
+          </p:cNvPr>
+          <p:cNvPicPr>
+            <a:picLocks noChangeAspect="1"/>
+          </p:cNvPicPr>
+          <p:nvPr/>
+        </p:nvPicPr>
+        <p:blipFill>
+          <a:blip r:embed="rId4">
+            <a:extLst>
+              <a:ext uri="{28A0092B-C50C-407E-A947-70E740481C1C}">
+                <a14:useLocalDpi xmlns:a14="http://schemas.microsoft.com/office/drawing/2010/main" val="0"/>
+              </a:ext>
+            </a:extLst>
+          </a:blip>
+          <a:stretch>
+            <a:fillRect/>
+          </a:stretch>
+        </p:blipFill>
+        <p:spPr>
+          <a:xfrm>
+            <a:off x="3640182" y="3196956"/>
+            <a:ext cx="365125" cy="365125"/>
+          </a:xfrm>
+          <a:prstGeom prst="rect">
+            <a:avLst/>
+          </a:prstGeom>
+        </p:spPr>
+      </p:pic>
+      <p:sp>
+        <p:nvSpPr>
+          <p:cNvPr id="20" name="Rectangle 19">
+            <a:extLst>
+              <a:ext uri="{FF2B5EF4-FFF2-40B4-BE49-F238E27FC236}">
+                <a16:creationId xmlns:a16="http://schemas.microsoft.com/office/drawing/2014/main" id="{EF5DC047-B127-CCDF-25FD-F7FE5A862B12}"/>
+              </a:ext>
+            </a:extLst>
+          </p:cNvPr>
+          <p:cNvSpPr/>
+          <p:nvPr/>
+        </p:nvSpPr>
+        <p:spPr>
+          <a:xfrm>
+            <a:off x="6681458" y="3156202"/>
+            <a:ext cx="1991909" cy="446634"/>
+          </a:xfrm>
+          <a:prstGeom prst="rect">
+            <a:avLst/>
+          </a:prstGeom>
+          <a:solidFill>
+            <a:srgbClr val="292D33"/>
+          </a:solidFill>
+          <a:ln>
+            <a:solidFill>
+              <a:schemeClr val="tx1">
+                <a:lumMod val="50000"/>
+                <a:lumOff val="50000"/>
+              </a:schemeClr>
+            </a:solidFill>
+          </a:ln>
+        </p:spPr>
+        <p:style>
+          <a:lnRef idx="2">
+            <a:schemeClr val="accent1">
+              <a:shade val="50000"/>
+            </a:schemeClr>
+          </a:lnRef>
+          <a:fillRef idx="1">
+            <a:schemeClr val="accent1"/>
+          </a:fillRef>
+          <a:effectRef idx="0">
+            <a:schemeClr val="accent1"/>
+          </a:effectRef>
+          <a:fontRef idx="minor">
+            <a:schemeClr val="lt1"/>
+          </a:fontRef>
+        </p:style>
+        <p:txBody>
+          <a:bodyPr rtlCol="0" anchor="ctr"/>
+          <a:lstStyle/>
+          <a:p>
+            <a:pPr algn="r"/>
+            <a:r>
+              <a:rPr lang="en-US" sz="2400" dirty="0">
+                <a:solidFill>
+                  <a:schemeClr val="bg1"/>
+                </a:solidFill>
+              </a:rPr>
+              <a:t>Commercial</a:t>
+            </a:r>
+          </a:p>
+        </p:txBody>
+      </p:sp>
+      <p:pic>
+        <p:nvPicPr>
+          <p:cNvPr id="22" name="Picture 21" descr="Icon&#10;&#10;Description automatically generated">
+            <a:extLst>
+              <a:ext uri="{FF2B5EF4-FFF2-40B4-BE49-F238E27FC236}">
+                <a16:creationId xmlns:a16="http://schemas.microsoft.com/office/drawing/2014/main" id="{7D030039-9F06-29B5-AB6C-18FE192955B2}"/>
+              </a:ext>
+            </a:extLst>
+          </p:cNvPr>
+          <p:cNvPicPr>
+            <a:picLocks noChangeAspect="1"/>
+          </p:cNvPicPr>
+          <p:nvPr/>
+        </p:nvPicPr>
+        <p:blipFill>
+          <a:blip r:embed="rId5">
+            <a:extLst>
+              <a:ext uri="{28A0092B-C50C-407E-A947-70E740481C1C}">
+                <a14:useLocalDpi xmlns:a14="http://schemas.microsoft.com/office/drawing/2010/main" val="0"/>
+              </a:ext>
+            </a:extLst>
+          </a:blip>
+          <a:stretch>
+            <a:fillRect/>
+          </a:stretch>
+        </p:blipFill>
+        <p:spPr>
+          <a:xfrm>
+            <a:off x="6740087" y="3203470"/>
+            <a:ext cx="358612" cy="358612"/>
+          </a:xfrm>
+          <a:prstGeom prst="rect">
+            <a:avLst/>
+          </a:prstGeom>
+          <a:solidFill>
+            <a:srgbClr val="292D33"/>
+          </a:solidFill>
+        </p:spPr>
+      </p:pic>
+      <p:sp>
+        <p:nvSpPr>
+          <p:cNvPr id="24" name="Rectangle 23">
+            <a:extLst>
+              <a:ext uri="{FF2B5EF4-FFF2-40B4-BE49-F238E27FC236}">
+                <a16:creationId xmlns:a16="http://schemas.microsoft.com/office/drawing/2014/main" id="{1DB78FEE-C224-37D6-8079-15344AD6C6B9}"/>
+              </a:ext>
+            </a:extLst>
+          </p:cNvPr>
+          <p:cNvSpPr/>
+          <p:nvPr/>
+        </p:nvSpPr>
+        <p:spPr>
+          <a:xfrm>
+            <a:off x="5123497" y="4590660"/>
+            <a:ext cx="1991909" cy="446634"/>
+          </a:xfrm>
+          <a:prstGeom prst="rect">
+            <a:avLst/>
+          </a:prstGeom>
+          <a:solidFill>
+            <a:srgbClr val="586EC4"/>
+          </a:solidFill>
+          <a:ln>
+            <a:solidFill>
+              <a:schemeClr val="tx1">
+                <a:lumMod val="50000"/>
+                <a:lumOff val="50000"/>
+              </a:schemeClr>
+            </a:solidFill>
+          </a:ln>
+        </p:spPr>
+        <p:style>
+          <a:lnRef idx="2">
+            <a:schemeClr val="accent1">
+              <a:shade val="50000"/>
+            </a:schemeClr>
+          </a:lnRef>
+          <a:fillRef idx="1">
+            <a:schemeClr val="accent1"/>
+          </a:fillRef>
+          <a:effectRef idx="0">
+            <a:schemeClr val="accent1"/>
+          </a:effectRef>
+          <a:fontRef idx="minor">
+            <a:schemeClr val="lt1"/>
+          </a:fontRef>
+        </p:style>
+        <p:txBody>
+          <a:bodyPr rtlCol="0" anchor="ctr"/>
+          <a:lstStyle/>
+          <a:p>
+            <a:pPr algn="r"/>
+            <a:r>
+              <a:rPr lang="en-US" sz="2400" dirty="0">
+                <a:solidFill>
+                  <a:schemeClr val="bg1"/>
+                </a:solidFill>
+              </a:rPr>
+              <a:t>Community</a:t>
+            </a:r>
+          </a:p>
+        </p:txBody>
+      </p:sp>
+      <p:pic>
+        <p:nvPicPr>
+          <p:cNvPr id="26" name="Picture 25" descr="Icon&#10;&#10;Description automatically generated">
+            <a:extLst>
+              <a:ext uri="{FF2B5EF4-FFF2-40B4-BE49-F238E27FC236}">
+                <a16:creationId xmlns:a16="http://schemas.microsoft.com/office/drawing/2014/main" id="{4E9AA284-1F4A-473F-0DCF-E57346732A9D}"/>
+              </a:ext>
+            </a:extLst>
+          </p:cNvPr>
+          <p:cNvPicPr>
+            <a:picLocks noChangeAspect="1"/>
+          </p:cNvPicPr>
+          <p:nvPr/>
+        </p:nvPicPr>
+        <p:blipFill>
+          <a:blip r:embed="rId6">
+            <a:extLst>
+              <a:ext uri="{28A0092B-C50C-407E-A947-70E740481C1C}">
+                <a14:useLocalDpi xmlns:a14="http://schemas.microsoft.com/office/drawing/2010/main" val="0"/>
+              </a:ext>
+            </a:extLst>
+          </a:blip>
+          <a:stretch>
+            <a:fillRect/>
+          </a:stretch>
+        </p:blipFill>
+        <p:spPr>
+          <a:xfrm>
+            <a:off x="5160616" y="4633090"/>
+            <a:ext cx="373380" cy="373380"/>
+          </a:xfrm>
+          <a:prstGeom prst="rect">
+            <a:avLst/>
+          </a:prstGeom>
+        </p:spPr>
+      </p:pic>
+      <p:pic>
+        <p:nvPicPr>
+          <p:cNvPr id="28" name="Picture 27">
+            <a:extLst>
+              <a:ext uri="{FF2B5EF4-FFF2-40B4-BE49-F238E27FC236}">
+                <a16:creationId xmlns:a16="http://schemas.microsoft.com/office/drawing/2014/main" id="{1D413DDF-7616-E089-A548-A87E10EB0AA7}"/>
+              </a:ext>
+            </a:extLst>
+          </p:cNvPr>
+          <p:cNvPicPr>
+            <a:picLocks noChangeAspect="1"/>
+          </p:cNvPicPr>
+          <p:nvPr/>
+        </p:nvPicPr>
+        <p:blipFill>
+          <a:blip r:embed="rId7">
+            <a:extLst>
+              <a:ext uri="{28A0092B-C50C-407E-A947-70E740481C1C}">
+                <a14:useLocalDpi xmlns:a14="http://schemas.microsoft.com/office/drawing/2010/main" val="0"/>
+              </a:ext>
+            </a:extLst>
+          </a:blip>
+          <a:stretch>
+            <a:fillRect/>
+          </a:stretch>
+        </p:blipFill>
+        <p:spPr>
+          <a:xfrm>
+            <a:off x="4853055" y="1428356"/>
+            <a:ext cx="609524" cy="609524"/>
+          </a:xfrm>
+          <a:prstGeom prst="rect">
+            <a:avLst/>
+          </a:prstGeom>
+        </p:spPr>
+      </p:pic>
+      <p:pic>
+        <p:nvPicPr>
+          <p:cNvPr id="30" name="Picture 29">
+            <a:extLst>
+              <a:ext uri="{FF2B5EF4-FFF2-40B4-BE49-F238E27FC236}">
+                <a16:creationId xmlns:a16="http://schemas.microsoft.com/office/drawing/2014/main" id="{86E646AB-B831-262B-1C61-BBD988807472}"/>
+              </a:ext>
+            </a:extLst>
+          </p:cNvPr>
+          <p:cNvPicPr>
+            <a:picLocks noChangeAspect="1"/>
+          </p:cNvPicPr>
+          <p:nvPr/>
+        </p:nvPicPr>
+        <p:blipFill>
+          <a:blip r:embed="rId8">
+            <a:extLst>
+              <a:ext uri="{28A0092B-C50C-407E-A947-70E740481C1C}">
+                <a14:useLocalDpi xmlns:a14="http://schemas.microsoft.com/office/drawing/2010/main" val="0"/>
+              </a:ext>
+            </a:extLst>
+          </a:blip>
+          <a:stretch>
+            <a:fillRect/>
+          </a:stretch>
+        </p:blipFill>
+        <p:spPr>
+          <a:xfrm>
+            <a:off x="4404328" y="1508755"/>
+            <a:ext cx="354457" cy="354457"/>
+          </a:xfrm>
+          <a:prstGeom prst="rect">
+            <a:avLst/>
+          </a:prstGeom>
+        </p:spPr>
+      </p:pic>
+      <p:sp>
+        <p:nvSpPr>
+          <p:cNvPr id="31" name="TextBox 30">
+            <a:extLst>
+              <a:ext uri="{FF2B5EF4-FFF2-40B4-BE49-F238E27FC236}">
+                <a16:creationId xmlns:a16="http://schemas.microsoft.com/office/drawing/2014/main" id="{31708CC4-637C-834D-9C53-8772D159C649}"/>
+              </a:ext>
+            </a:extLst>
+          </p:cNvPr>
+          <p:cNvSpPr txBox="1"/>
+          <p:nvPr/>
+        </p:nvSpPr>
+        <p:spPr>
+          <a:xfrm>
+            <a:off x="4404328" y="1868725"/>
+            <a:ext cx="1129668" cy="584775"/>
+          </a:xfrm>
+          <a:prstGeom prst="rect">
+            <a:avLst/>
+          </a:prstGeom>
+          <a:noFill/>
+        </p:spPr>
+        <p:txBody>
+          <a:bodyPr wrap="none" rtlCol="0">
+            <a:spAutoFit/>
+          </a:bodyPr>
+          <a:lstStyle/>
+          <a:p>
+            <a:pPr algn="ctr"/>
+            <a:r>
+              <a:rPr lang="en-US" sz="1600" dirty="0"/>
+              <a:t>Framework</a:t>
+            </a:r>
+            <a:br>
+              <a:rPr lang="en-US" sz="1600" dirty="0"/>
+            </a:br>
+            <a:r>
+              <a:rPr lang="en-US" sz="1600" dirty="0"/>
+              <a:t>Packages</a:t>
             </a:r>
           </a:p>
         </p:txBody>
@@ -5944,7 +7411,7 @@
     </p:spTree>
     <p:extLst>
       <p:ext uri="{BB962C8B-B14F-4D97-AF65-F5344CB8AC3E}">
-        <p14:creationId xmlns:p14="http://schemas.microsoft.com/office/powerpoint/2010/main" val="541461225"/>
+        <p14:creationId xmlns:p14="http://schemas.microsoft.com/office/powerpoint/2010/main" val="2094153484"/>
       </p:ext>
     </p:extLst>
   </p:cSld>

--- a/2022-07-20 Dotnet Foundation Summit 2022/ABP-DNF-Summit-2022.pptx
+++ b/2022-07-20 Dotnet Foundation Summit 2022/ABP-DNF-Summit-2022.pptx
@@ -7408,6 +7408,814 @@
           </a:p>
         </p:txBody>
       </p:sp>
+      <p:pic>
+        <p:nvPicPr>
+          <p:cNvPr id="33" name="Picture 32">
+            <a:extLst>
+              <a:ext uri="{FF2B5EF4-FFF2-40B4-BE49-F238E27FC236}">
+                <a16:creationId xmlns:a16="http://schemas.microsoft.com/office/drawing/2014/main" id="{4048ACA9-6F10-8CED-6280-EDB77B903D39}"/>
+              </a:ext>
+            </a:extLst>
+          </p:cNvPr>
+          <p:cNvPicPr>
+            <a:picLocks noChangeAspect="1"/>
+          </p:cNvPicPr>
+          <p:nvPr/>
+        </p:nvPicPr>
+        <p:blipFill>
+          <a:blip r:embed="rId9">
+            <a:extLst>
+              <a:ext uri="{28A0092B-C50C-407E-A947-70E740481C1C}">
+                <a14:useLocalDpi xmlns:a14="http://schemas.microsoft.com/office/drawing/2010/main" val="0"/>
+              </a:ext>
+            </a:extLst>
+          </a:blip>
+          <a:stretch>
+            <a:fillRect/>
+          </a:stretch>
+        </p:blipFill>
+        <p:spPr>
+          <a:xfrm>
+            <a:off x="2924828" y="1767222"/>
+            <a:ext cx="429057" cy="429057"/>
+          </a:xfrm>
+          <a:prstGeom prst="rect">
+            <a:avLst/>
+          </a:prstGeom>
+        </p:spPr>
+      </p:pic>
+      <p:sp>
+        <p:nvSpPr>
+          <p:cNvPr id="35" name="TextBox 34">
+            <a:extLst>
+              <a:ext uri="{FF2B5EF4-FFF2-40B4-BE49-F238E27FC236}">
+                <a16:creationId xmlns:a16="http://schemas.microsoft.com/office/drawing/2014/main" id="{319E82D3-9739-D676-91B1-83C388162637}"/>
+              </a:ext>
+            </a:extLst>
+          </p:cNvPr>
+          <p:cNvSpPr txBox="1"/>
+          <p:nvPr/>
+        </p:nvSpPr>
+        <p:spPr>
+          <a:xfrm>
+            <a:off x="3278877" y="1704902"/>
+            <a:ext cx="1031181" cy="584775"/>
+          </a:xfrm>
+          <a:prstGeom prst="rect">
+            <a:avLst/>
+          </a:prstGeom>
+          <a:noFill/>
+        </p:spPr>
+        <p:txBody>
+          <a:bodyPr wrap="none" rtlCol="0">
+            <a:spAutoFit/>
+          </a:bodyPr>
+          <a:lstStyle/>
+          <a:p>
+            <a:r>
+              <a:rPr lang="en-US" sz="1600" dirty="0"/>
+              <a:t>Startup</a:t>
+            </a:r>
+            <a:br>
+              <a:rPr lang="en-US" sz="1600" dirty="0"/>
+            </a:br>
+            <a:r>
+              <a:rPr lang="en-US" sz="1600" dirty="0"/>
+              <a:t>Templates</a:t>
+            </a:r>
+          </a:p>
+        </p:txBody>
+      </p:sp>
+      <p:pic>
+        <p:nvPicPr>
+          <p:cNvPr id="36" name="Picture 35" descr="A picture containing text, outdoor, sign, white&#10;&#10;Description automatically generated">
+            <a:extLst>
+              <a:ext uri="{FF2B5EF4-FFF2-40B4-BE49-F238E27FC236}">
+                <a16:creationId xmlns:a16="http://schemas.microsoft.com/office/drawing/2014/main" id="{B6F0ADE1-9DCF-5FBF-AF42-347F5945E38C}"/>
+              </a:ext>
+            </a:extLst>
+          </p:cNvPr>
+          <p:cNvPicPr>
+            <a:picLocks noChangeAspect="1"/>
+          </p:cNvPicPr>
+          <p:nvPr/>
+        </p:nvPicPr>
+        <p:blipFill>
+          <a:blip r:embed="rId10">
+            <a:extLst>
+              <a:ext uri="{28A0092B-C50C-407E-A947-70E740481C1C}">
+                <a14:useLocalDpi xmlns:a14="http://schemas.microsoft.com/office/drawing/2010/main" val="0"/>
+              </a:ext>
+            </a:extLst>
+          </a:blip>
+          <a:stretch>
+            <a:fillRect/>
+          </a:stretch>
+        </p:blipFill>
+        <p:spPr>
+          <a:xfrm>
+            <a:off x="1977408" y="1985518"/>
+            <a:ext cx="838986" cy="838986"/>
+          </a:xfrm>
+          <a:prstGeom prst="rect">
+            <a:avLst/>
+          </a:prstGeom>
+        </p:spPr>
+      </p:pic>
+      <p:sp>
+        <p:nvSpPr>
+          <p:cNvPr id="38" name="TextBox 37">
+            <a:extLst>
+              <a:ext uri="{FF2B5EF4-FFF2-40B4-BE49-F238E27FC236}">
+                <a16:creationId xmlns:a16="http://schemas.microsoft.com/office/drawing/2014/main" id="{4EC04FB9-45D8-387F-86BE-7C6A68F0FEB9}"/>
+              </a:ext>
+            </a:extLst>
+          </p:cNvPr>
+          <p:cNvSpPr txBox="1"/>
+          <p:nvPr/>
+        </p:nvSpPr>
+        <p:spPr>
+          <a:xfrm>
+            <a:off x="2199991" y="2522818"/>
+            <a:ext cx="431528" cy="338554"/>
+          </a:xfrm>
+          <a:prstGeom prst="rect">
+            <a:avLst/>
+          </a:prstGeom>
+          <a:noFill/>
+        </p:spPr>
+        <p:txBody>
+          <a:bodyPr wrap="none" rtlCol="0">
+            <a:spAutoFit/>
+          </a:bodyPr>
+          <a:lstStyle/>
+          <a:p>
+            <a:r>
+              <a:rPr lang="en-US" sz="1600" dirty="0"/>
+              <a:t>CLI</a:t>
+            </a:r>
+          </a:p>
+        </p:txBody>
+      </p:sp>
+      <p:sp>
+        <p:nvSpPr>
+          <p:cNvPr id="39" name="TextBox 38">
+            <a:extLst>
+              <a:ext uri="{FF2B5EF4-FFF2-40B4-BE49-F238E27FC236}">
+                <a16:creationId xmlns:a16="http://schemas.microsoft.com/office/drawing/2014/main" id="{C5D67B13-1904-E1DD-C9E2-2467F0F02A10}"/>
+              </a:ext>
+            </a:extLst>
+          </p:cNvPr>
+          <p:cNvSpPr txBox="1"/>
+          <p:nvPr/>
+        </p:nvSpPr>
+        <p:spPr>
+          <a:xfrm>
+            <a:off x="2057397" y="4102205"/>
+            <a:ext cx="968022" cy="338554"/>
+          </a:xfrm>
+          <a:prstGeom prst="rect">
+            <a:avLst/>
+          </a:prstGeom>
+          <a:noFill/>
+        </p:spPr>
+        <p:txBody>
+          <a:bodyPr wrap="none" rtlCol="0">
+            <a:spAutoFit/>
+          </a:bodyPr>
+          <a:lstStyle/>
+          <a:p>
+            <a:r>
+              <a:rPr lang="en-US" sz="1600" dirty="0"/>
+              <a:t>Examples</a:t>
+            </a:r>
+          </a:p>
+        </p:txBody>
+      </p:sp>
+      <p:sp>
+        <p:nvSpPr>
+          <p:cNvPr id="40" name="TextBox 39">
+            <a:extLst>
+              <a:ext uri="{FF2B5EF4-FFF2-40B4-BE49-F238E27FC236}">
+                <a16:creationId xmlns:a16="http://schemas.microsoft.com/office/drawing/2014/main" id="{268A9999-3F28-14F5-C6EE-979F2AA6BD9C}"/>
+              </a:ext>
+            </a:extLst>
+          </p:cNvPr>
+          <p:cNvSpPr txBox="1"/>
+          <p:nvPr/>
+        </p:nvSpPr>
+        <p:spPr>
+          <a:xfrm>
+            <a:off x="1328983" y="3562081"/>
+            <a:ext cx="1382110" cy="338554"/>
+          </a:xfrm>
+          <a:prstGeom prst="rect">
+            <a:avLst/>
+          </a:prstGeom>
+          <a:noFill/>
+        </p:spPr>
+        <p:txBody>
+          <a:bodyPr wrap="none" rtlCol="0">
+            <a:spAutoFit/>
+          </a:bodyPr>
+          <a:lstStyle/>
+          <a:p>
+            <a:r>
+              <a:rPr lang="en-US" sz="1600" dirty="0"/>
+              <a:t>Basic Modules</a:t>
+            </a:r>
+          </a:p>
+        </p:txBody>
+      </p:sp>
+      <p:sp>
+        <p:nvSpPr>
+          <p:cNvPr id="41" name="TextBox 40">
+            <a:extLst>
+              <a:ext uri="{FF2B5EF4-FFF2-40B4-BE49-F238E27FC236}">
+                <a16:creationId xmlns:a16="http://schemas.microsoft.com/office/drawing/2014/main" id="{DEF08E0C-6835-145A-23C7-DD0E50A9E4C2}"/>
+              </a:ext>
+            </a:extLst>
+          </p:cNvPr>
+          <p:cNvSpPr txBox="1"/>
+          <p:nvPr/>
+        </p:nvSpPr>
+        <p:spPr>
+          <a:xfrm>
+            <a:off x="1328983" y="2986925"/>
+            <a:ext cx="1309974" cy="338554"/>
+          </a:xfrm>
+          <a:prstGeom prst="rect">
+            <a:avLst/>
+          </a:prstGeom>
+          <a:noFill/>
+        </p:spPr>
+        <p:txBody>
+          <a:bodyPr wrap="none" rtlCol="0">
+            <a:spAutoFit/>
+          </a:bodyPr>
+          <a:lstStyle/>
+          <a:p>
+            <a:r>
+              <a:rPr lang="en-US" sz="1600" dirty="0"/>
+              <a:t>Basic Themes</a:t>
+            </a:r>
+          </a:p>
+        </p:txBody>
+      </p:sp>
+      <p:sp>
+        <p:nvSpPr>
+          <p:cNvPr id="42" name="TextBox 41">
+            <a:extLst>
+              <a:ext uri="{FF2B5EF4-FFF2-40B4-BE49-F238E27FC236}">
+                <a16:creationId xmlns:a16="http://schemas.microsoft.com/office/drawing/2014/main" id="{36B7C0C2-B31D-1D54-90BD-2C888D65FDDF}"/>
+              </a:ext>
+            </a:extLst>
+          </p:cNvPr>
+          <p:cNvSpPr txBox="1"/>
+          <p:nvPr/>
+        </p:nvSpPr>
+        <p:spPr>
+          <a:xfrm>
+            <a:off x="3523569" y="4102205"/>
+            <a:ext cx="1393330" cy="338554"/>
+          </a:xfrm>
+          <a:prstGeom prst="rect">
+            <a:avLst/>
+          </a:prstGeom>
+          <a:noFill/>
+        </p:spPr>
+        <p:txBody>
+          <a:bodyPr wrap="none" rtlCol="0">
+            <a:spAutoFit/>
+          </a:bodyPr>
+          <a:lstStyle/>
+          <a:p>
+            <a:r>
+              <a:rPr lang="en-US" sz="1600" dirty="0"/>
+              <a:t>Docs &amp; Guides</a:t>
+            </a:r>
+          </a:p>
+        </p:txBody>
+      </p:sp>
+      <p:pic>
+        <p:nvPicPr>
+          <p:cNvPr id="43" name="Picture 42">
+            <a:extLst>
+              <a:ext uri="{FF2B5EF4-FFF2-40B4-BE49-F238E27FC236}">
+                <a16:creationId xmlns:a16="http://schemas.microsoft.com/office/drawing/2014/main" id="{80FAE611-B81C-DF46-39F2-117F20563B1B}"/>
+              </a:ext>
+            </a:extLst>
+          </p:cNvPr>
+          <p:cNvPicPr>
+            <a:picLocks noChangeAspect="1"/>
+          </p:cNvPicPr>
+          <p:nvPr/>
+        </p:nvPicPr>
+        <p:blipFill>
+          <a:blip r:embed="rId11">
+            <a:extLst>
+              <a:ext uri="{28A0092B-C50C-407E-A947-70E740481C1C}">
+                <a14:useLocalDpi xmlns:a14="http://schemas.microsoft.com/office/drawing/2010/main" val="0"/>
+              </a:ext>
+            </a:extLst>
+          </a:blip>
+          <a:stretch>
+            <a:fillRect/>
+          </a:stretch>
+        </p:blipFill>
+        <p:spPr>
+          <a:xfrm>
+            <a:off x="3233704" y="4121954"/>
+            <a:ext cx="318805" cy="318805"/>
+          </a:xfrm>
+          <a:prstGeom prst="rect">
+            <a:avLst/>
+          </a:prstGeom>
+        </p:spPr>
+      </p:pic>
+      <p:pic>
+        <p:nvPicPr>
+          <p:cNvPr id="45" name="Picture 44">
+            <a:extLst>
+              <a:ext uri="{FF2B5EF4-FFF2-40B4-BE49-F238E27FC236}">
+                <a16:creationId xmlns:a16="http://schemas.microsoft.com/office/drawing/2014/main" id="{8704B5EE-E29E-BFBA-6DA0-DD7C8AC83057}"/>
+              </a:ext>
+            </a:extLst>
+          </p:cNvPr>
+          <p:cNvPicPr>
+            <a:picLocks noChangeAspect="1"/>
+          </p:cNvPicPr>
+          <p:nvPr/>
+        </p:nvPicPr>
+        <p:blipFill>
+          <a:blip r:embed="rId12">
+            <a:extLst>
+              <a:ext uri="{28A0092B-C50C-407E-A947-70E740481C1C}">
+                <a14:useLocalDpi xmlns:a14="http://schemas.microsoft.com/office/drawing/2010/main" val="0"/>
+              </a:ext>
+            </a:extLst>
+          </a:blip>
+          <a:stretch>
+            <a:fillRect/>
+          </a:stretch>
+        </p:blipFill>
+        <p:spPr>
+          <a:xfrm>
+            <a:off x="1806130" y="4121506"/>
+            <a:ext cx="327789" cy="327789"/>
+          </a:xfrm>
+          <a:prstGeom prst="rect">
+            <a:avLst/>
+          </a:prstGeom>
+        </p:spPr>
+      </p:pic>
+      <p:pic>
+        <p:nvPicPr>
+          <p:cNvPr id="47" name="Picture 46">
+            <a:extLst>
+              <a:ext uri="{FF2B5EF4-FFF2-40B4-BE49-F238E27FC236}">
+                <a16:creationId xmlns:a16="http://schemas.microsoft.com/office/drawing/2014/main" id="{F515E3C4-C945-C025-65EC-478A85603FE8}"/>
+              </a:ext>
+            </a:extLst>
+          </p:cNvPr>
+          <p:cNvPicPr>
+            <a:picLocks noChangeAspect="1"/>
+          </p:cNvPicPr>
+          <p:nvPr/>
+        </p:nvPicPr>
+        <p:blipFill>
+          <a:blip r:embed="rId13">
+            <a:extLst>
+              <a:ext uri="{28A0092B-C50C-407E-A947-70E740481C1C}">
+                <a14:useLocalDpi xmlns:a14="http://schemas.microsoft.com/office/drawing/2010/main" val="0"/>
+              </a:ext>
+            </a:extLst>
+          </a:blip>
+          <a:stretch>
+            <a:fillRect/>
+          </a:stretch>
+        </p:blipFill>
+        <p:spPr>
+          <a:xfrm>
+            <a:off x="1090210" y="3005779"/>
+            <a:ext cx="304762" cy="304762"/>
+          </a:xfrm>
+          <a:prstGeom prst="rect">
+            <a:avLst/>
+          </a:prstGeom>
+        </p:spPr>
+      </p:pic>
+      <p:pic>
+        <p:nvPicPr>
+          <p:cNvPr id="49" name="Picture 48">
+            <a:extLst>
+              <a:ext uri="{FF2B5EF4-FFF2-40B4-BE49-F238E27FC236}">
+                <a16:creationId xmlns:a16="http://schemas.microsoft.com/office/drawing/2014/main" id="{F052D6AE-8D0C-DCB9-ADA8-D805F15EE9AE}"/>
+              </a:ext>
+            </a:extLst>
+          </p:cNvPr>
+          <p:cNvPicPr>
+            <a:picLocks noChangeAspect="1"/>
+          </p:cNvPicPr>
+          <p:nvPr/>
+        </p:nvPicPr>
+        <p:blipFill>
+          <a:blip r:embed="rId14">
+            <a:extLst>
+              <a:ext uri="{28A0092B-C50C-407E-A947-70E740481C1C}">
+                <a14:useLocalDpi xmlns:a14="http://schemas.microsoft.com/office/drawing/2010/main" val="0"/>
+              </a:ext>
+            </a:extLst>
+          </a:blip>
+          <a:stretch>
+            <a:fillRect/>
+          </a:stretch>
+        </p:blipFill>
+        <p:spPr>
+          <a:xfrm>
+            <a:off x="1092168" y="3550125"/>
+            <a:ext cx="338554" cy="338554"/>
+          </a:xfrm>
+          <a:prstGeom prst="rect">
+            <a:avLst/>
+          </a:prstGeom>
+        </p:spPr>
+      </p:pic>
+      <p:pic>
+        <p:nvPicPr>
+          <p:cNvPr id="51" name="Picture 50" descr="A picture containing text, clock, gauge, dark&#10;&#10;Description automatically generated">
+            <a:extLst>
+              <a:ext uri="{FF2B5EF4-FFF2-40B4-BE49-F238E27FC236}">
+                <a16:creationId xmlns:a16="http://schemas.microsoft.com/office/drawing/2014/main" id="{70FEBE9D-8AB1-3385-E43C-8D6464C50261}"/>
+              </a:ext>
+            </a:extLst>
+          </p:cNvPr>
+          <p:cNvPicPr>
+            <a:picLocks noChangeAspect="1"/>
+          </p:cNvPicPr>
+          <p:nvPr/>
+        </p:nvPicPr>
+        <p:blipFill>
+          <a:blip r:embed="rId15">
+            <a:extLst>
+              <a:ext uri="{28A0092B-C50C-407E-A947-70E740481C1C}">
+                <a14:useLocalDpi xmlns:a14="http://schemas.microsoft.com/office/drawing/2010/main" val="0"/>
+              </a:ext>
+            </a:extLst>
+          </a:blip>
+          <a:stretch>
+            <a:fillRect/>
+          </a:stretch>
+        </p:blipFill>
+        <p:spPr>
+          <a:xfrm>
+            <a:off x="384643" y="4827176"/>
+            <a:ext cx="1236768" cy="242504"/>
+          </a:xfrm>
+          <a:prstGeom prst="rect">
+            <a:avLst/>
+          </a:prstGeom>
+        </p:spPr>
+      </p:pic>
+      <p:sp>
+        <p:nvSpPr>
+          <p:cNvPr id="53" name="TextBox 52">
+            <a:extLst>
+              <a:ext uri="{FF2B5EF4-FFF2-40B4-BE49-F238E27FC236}">
+                <a16:creationId xmlns:a16="http://schemas.microsoft.com/office/drawing/2014/main" id="{AB8160AC-FBE3-6957-AF4C-BD8B557E99AF}"/>
+              </a:ext>
+            </a:extLst>
+          </p:cNvPr>
+          <p:cNvSpPr txBox="1"/>
+          <p:nvPr/>
+        </p:nvSpPr>
+        <p:spPr>
+          <a:xfrm>
+            <a:off x="291935" y="5191170"/>
+            <a:ext cx="1422184" cy="369332"/>
+          </a:xfrm>
+          <a:prstGeom prst="rect">
+            <a:avLst/>
+          </a:prstGeom>
+          <a:noFill/>
+        </p:spPr>
+        <p:txBody>
+          <a:bodyPr wrap="none" rtlCol="0">
+            <a:spAutoFit/>
+          </a:bodyPr>
+          <a:lstStyle/>
+          <a:p>
+            <a:r>
+              <a:rPr lang="en-US" dirty="0" err="1"/>
+              <a:t>eShopOnAbp</a:t>
+            </a:r>
+            <a:endParaRPr lang="en-US" dirty="0"/>
+          </a:p>
+        </p:txBody>
+      </p:sp>
+      <p:pic>
+        <p:nvPicPr>
+          <p:cNvPr id="54" name="Picture 53">
+            <a:extLst>
+              <a:ext uri="{FF2B5EF4-FFF2-40B4-BE49-F238E27FC236}">
+                <a16:creationId xmlns:a16="http://schemas.microsoft.com/office/drawing/2014/main" id="{98324553-C016-C90A-E9E2-83EDC977088B}"/>
+              </a:ext>
+            </a:extLst>
+          </p:cNvPr>
+          <p:cNvPicPr>
+            <a:picLocks noChangeAspect="1"/>
+          </p:cNvPicPr>
+          <p:nvPr/>
+        </p:nvPicPr>
+        <p:blipFill>
+          <a:blip r:embed="rId9">
+            <a:extLst>
+              <a:ext uri="{28A0092B-C50C-407E-A947-70E740481C1C}">
+                <a14:useLocalDpi xmlns:a14="http://schemas.microsoft.com/office/drawing/2010/main" val="0"/>
+              </a:ext>
+            </a:extLst>
+          </a:blip>
+          <a:stretch>
+            <a:fillRect/>
+          </a:stretch>
+        </p:blipFill>
+        <p:spPr>
+          <a:xfrm>
+            <a:off x="7970864" y="1824016"/>
+            <a:ext cx="429057" cy="429057"/>
+          </a:xfrm>
+          <a:prstGeom prst="rect">
+            <a:avLst/>
+          </a:prstGeom>
+        </p:spPr>
+      </p:pic>
+      <p:sp>
+        <p:nvSpPr>
+          <p:cNvPr id="55" name="TextBox 54">
+            <a:extLst>
+              <a:ext uri="{FF2B5EF4-FFF2-40B4-BE49-F238E27FC236}">
+                <a16:creationId xmlns:a16="http://schemas.microsoft.com/office/drawing/2014/main" id="{35CD9D66-002E-10E4-54BD-FE37F028A65D}"/>
+              </a:ext>
+            </a:extLst>
+          </p:cNvPr>
+          <p:cNvSpPr txBox="1"/>
+          <p:nvPr/>
+        </p:nvSpPr>
+        <p:spPr>
+          <a:xfrm>
+            <a:off x="8324913" y="1761696"/>
+            <a:ext cx="1301575" cy="584775"/>
+          </a:xfrm>
+          <a:prstGeom prst="rect">
+            <a:avLst/>
+          </a:prstGeom>
+          <a:noFill/>
+        </p:spPr>
+        <p:txBody>
+          <a:bodyPr wrap="none" rtlCol="0">
+            <a:spAutoFit/>
+          </a:bodyPr>
+          <a:lstStyle/>
+          <a:p>
+            <a:r>
+              <a:rPr lang="en-US" sz="1600" dirty="0"/>
+              <a:t>More Startup</a:t>
+            </a:r>
+            <a:br>
+              <a:rPr lang="en-US" sz="1600" dirty="0"/>
+            </a:br>
+            <a:r>
+              <a:rPr lang="en-US" sz="1600" dirty="0"/>
+              <a:t>Templates</a:t>
+            </a:r>
+          </a:p>
+        </p:txBody>
+      </p:sp>
+      <p:sp>
+        <p:nvSpPr>
+          <p:cNvPr id="56" name="TextBox 55">
+            <a:extLst>
+              <a:ext uri="{FF2B5EF4-FFF2-40B4-BE49-F238E27FC236}">
+                <a16:creationId xmlns:a16="http://schemas.microsoft.com/office/drawing/2014/main" id="{06A718A4-0094-A5C2-FBBB-74B25C4A5C16}"/>
+              </a:ext>
+            </a:extLst>
+          </p:cNvPr>
+          <p:cNvSpPr txBox="1"/>
+          <p:nvPr/>
+        </p:nvSpPr>
+        <p:spPr>
+          <a:xfrm>
+            <a:off x="9990051" y="3223527"/>
+            <a:ext cx="1242520" cy="338554"/>
+          </a:xfrm>
+          <a:prstGeom prst="rect">
+            <a:avLst/>
+          </a:prstGeom>
+          <a:noFill/>
+        </p:spPr>
+        <p:txBody>
+          <a:bodyPr wrap="none" rtlCol="0">
+            <a:spAutoFit/>
+          </a:bodyPr>
+          <a:lstStyle/>
+          <a:p>
+            <a:r>
+              <a:rPr lang="en-US" sz="1600" dirty="0"/>
+              <a:t>Pro Modules</a:t>
+            </a:r>
+          </a:p>
+        </p:txBody>
+      </p:sp>
+      <p:sp>
+        <p:nvSpPr>
+          <p:cNvPr id="57" name="TextBox 56">
+            <a:extLst>
+              <a:ext uri="{FF2B5EF4-FFF2-40B4-BE49-F238E27FC236}">
+                <a16:creationId xmlns:a16="http://schemas.microsoft.com/office/drawing/2014/main" id="{6C7E2690-AB86-F9C3-7318-F7C75D56BCCD}"/>
+              </a:ext>
+            </a:extLst>
+          </p:cNvPr>
+          <p:cNvSpPr txBox="1"/>
+          <p:nvPr/>
+        </p:nvSpPr>
+        <p:spPr>
+          <a:xfrm>
+            <a:off x="9992009" y="2526545"/>
+            <a:ext cx="1170385" cy="338554"/>
+          </a:xfrm>
+          <a:prstGeom prst="rect">
+            <a:avLst/>
+          </a:prstGeom>
+          <a:noFill/>
+        </p:spPr>
+        <p:txBody>
+          <a:bodyPr wrap="none" rtlCol="0">
+            <a:spAutoFit/>
+          </a:bodyPr>
+          <a:lstStyle/>
+          <a:p>
+            <a:r>
+              <a:rPr lang="en-US" sz="1600" dirty="0"/>
+              <a:t>Pro Themes</a:t>
+            </a:r>
+          </a:p>
+        </p:txBody>
+      </p:sp>
+      <p:pic>
+        <p:nvPicPr>
+          <p:cNvPr id="58" name="Picture 57">
+            <a:extLst>
+              <a:ext uri="{FF2B5EF4-FFF2-40B4-BE49-F238E27FC236}">
+                <a16:creationId xmlns:a16="http://schemas.microsoft.com/office/drawing/2014/main" id="{50E4C759-4524-0D5F-2E70-540DB43950EE}"/>
+              </a:ext>
+            </a:extLst>
+          </p:cNvPr>
+          <p:cNvPicPr>
+            <a:picLocks noChangeAspect="1"/>
+          </p:cNvPicPr>
+          <p:nvPr/>
+        </p:nvPicPr>
+        <p:blipFill>
+          <a:blip r:embed="rId13">
+            <a:extLst>
+              <a:ext uri="{28A0092B-C50C-407E-A947-70E740481C1C}">
+                <a14:useLocalDpi xmlns:a14="http://schemas.microsoft.com/office/drawing/2010/main" val="0"/>
+              </a:ext>
+            </a:extLst>
+          </a:blip>
+          <a:stretch>
+            <a:fillRect/>
+          </a:stretch>
+        </p:blipFill>
+        <p:spPr>
+          <a:xfrm>
+            <a:off x="9753236" y="2545399"/>
+            <a:ext cx="304762" cy="304762"/>
+          </a:xfrm>
+          <a:prstGeom prst="rect">
+            <a:avLst/>
+          </a:prstGeom>
+        </p:spPr>
+      </p:pic>
+      <p:pic>
+        <p:nvPicPr>
+          <p:cNvPr id="59" name="Picture 58">
+            <a:extLst>
+              <a:ext uri="{FF2B5EF4-FFF2-40B4-BE49-F238E27FC236}">
+                <a16:creationId xmlns:a16="http://schemas.microsoft.com/office/drawing/2014/main" id="{D137FDB4-5074-FF8E-DBF4-C052A5AF70F4}"/>
+              </a:ext>
+            </a:extLst>
+          </p:cNvPr>
+          <p:cNvPicPr>
+            <a:picLocks noChangeAspect="1"/>
+          </p:cNvPicPr>
+          <p:nvPr/>
+        </p:nvPicPr>
+        <p:blipFill>
+          <a:blip r:embed="rId14">
+            <a:extLst>
+              <a:ext uri="{28A0092B-C50C-407E-A947-70E740481C1C}">
+                <a14:useLocalDpi xmlns:a14="http://schemas.microsoft.com/office/drawing/2010/main" val="0"/>
+              </a:ext>
+            </a:extLst>
+          </a:blip>
+          <a:stretch>
+            <a:fillRect/>
+          </a:stretch>
+        </p:blipFill>
+        <p:spPr>
+          <a:xfrm>
+            <a:off x="9753236" y="3211571"/>
+            <a:ext cx="338554" cy="338554"/>
+          </a:xfrm>
+          <a:prstGeom prst="rect">
+            <a:avLst/>
+          </a:prstGeom>
+        </p:spPr>
+      </p:pic>
+      <p:pic>
+        <p:nvPicPr>
+          <p:cNvPr id="61" name="Picture 60" descr="Icon&#10;&#10;Description automatically generated">
+            <a:extLst>
+              <a:ext uri="{FF2B5EF4-FFF2-40B4-BE49-F238E27FC236}">
+                <a16:creationId xmlns:a16="http://schemas.microsoft.com/office/drawing/2014/main" id="{D762CEC6-6FA5-BBB5-7878-041C64D0E508}"/>
+              </a:ext>
+            </a:extLst>
+          </p:cNvPr>
+          <p:cNvPicPr>
+            <a:picLocks noChangeAspect="1"/>
+          </p:cNvPicPr>
+          <p:nvPr/>
+        </p:nvPicPr>
+        <p:blipFill>
+          <a:blip r:embed="rId16">
+            <a:extLst>
+              <a:ext uri="{28A0092B-C50C-407E-A947-70E740481C1C}">
+                <a14:useLocalDpi xmlns:a14="http://schemas.microsoft.com/office/drawing/2010/main" val="0"/>
+              </a:ext>
+            </a:extLst>
+          </a:blip>
+          <a:stretch>
+            <a:fillRect/>
+          </a:stretch>
+        </p:blipFill>
+        <p:spPr>
+          <a:xfrm>
+            <a:off x="9375692" y="3843543"/>
+            <a:ext cx="1364611" cy="304763"/>
+          </a:xfrm>
+          <a:prstGeom prst="rect">
+            <a:avLst/>
+          </a:prstGeom>
+        </p:spPr>
+      </p:pic>
+      <p:pic>
+        <p:nvPicPr>
+          <p:cNvPr id="2052" name="Picture 4">
+            <a:extLst>
+              <a:ext uri="{FF2B5EF4-FFF2-40B4-BE49-F238E27FC236}">
+                <a16:creationId xmlns:a16="http://schemas.microsoft.com/office/drawing/2014/main" id="{86169AB9-8257-F125-6D0C-8282D366478B}"/>
+              </a:ext>
+            </a:extLst>
+          </p:cNvPr>
+          <p:cNvPicPr>
+            <a:picLocks noChangeAspect="1" noChangeArrowheads="1"/>
+          </p:cNvPicPr>
+          <p:nvPr/>
+        </p:nvPicPr>
+        <p:blipFill>
+          <a:blip r:embed="rId17">
+            <a:extLst>
+              <a:ext uri="{28A0092B-C50C-407E-A947-70E740481C1C}">
+                <a14:useLocalDpi xmlns:a14="http://schemas.microsoft.com/office/drawing/2010/main" val="0"/>
+              </a:ext>
+            </a:extLst>
+          </a:blip>
+          <a:srcRect/>
+          <a:stretch>
+            <a:fillRect/>
+          </a:stretch>
+        </p:blipFill>
+        <p:spPr bwMode="auto">
+          <a:xfrm>
+            <a:off x="8584761" y="4449295"/>
+            <a:ext cx="1501114" cy="309242"/>
+          </a:xfrm>
+          <a:prstGeom prst="rect">
+            <a:avLst/>
+          </a:prstGeom>
+          <a:noFill/>
+          <a:extLst>
+            <a:ext uri="{909E8E84-426E-40DD-AFC4-6F175D3DCCD1}">
+              <a14:hiddenFill xmlns:a14="http://schemas.microsoft.com/office/drawing/2010/main">
+                <a:solidFill>
+                  <a:srgbClr val="FFFFFF"/>
+                </a:solidFill>
+              </a14:hiddenFill>
+            </a:ext>
+          </a:extLst>
+        </p:spPr>
+      </p:pic>
     </p:spTree>
     <p:extLst>
       <p:ext uri="{BB962C8B-B14F-4D97-AF65-F5344CB8AC3E}">

--- a/2022-07-20 Dotnet Foundation Summit 2022/ABP-DNF-Summit-2022.pptx
+++ b/2022-07-20 Dotnet Foundation Summit 2022/ABP-DNF-Summit-2022.pptx
@@ -6980,7 +6980,7 @@
         </p:blipFill>
         <p:spPr>
           <a:xfrm>
-            <a:off x="5346714" y="3315405"/>
+            <a:off x="5601239" y="3362540"/>
             <a:ext cx="1498572" cy="1498572"/>
           </a:xfrm>
           <a:prstGeom prst="rect">
@@ -7002,7 +7002,7 @@
         </p:nvSpPr>
         <p:spPr>
           <a:xfrm>
-            <a:off x="3592478" y="3156202"/>
+            <a:off x="3847003" y="3203337"/>
             <a:ext cx="1918066" cy="446634"/>
           </a:xfrm>
           <a:prstGeom prst="rect">
@@ -7082,7 +7082,7 @@
         </p:blipFill>
         <p:spPr>
           <a:xfrm>
-            <a:off x="3640182" y="3196956"/>
+            <a:off x="3894707" y="3244091"/>
             <a:ext cx="365125" cy="365125"/>
           </a:xfrm>
           <a:prstGeom prst="rect">
@@ -7104,7 +7104,7 @@
         </p:nvSpPr>
         <p:spPr>
           <a:xfrm>
-            <a:off x="6681458" y="3156202"/>
+            <a:off x="6935983" y="3203337"/>
             <a:ext cx="1991909" cy="446634"/>
           </a:xfrm>
           <a:prstGeom prst="rect">
@@ -7182,7 +7182,7 @@
         </p:blipFill>
         <p:spPr>
           <a:xfrm>
-            <a:off x="6740087" y="3203470"/>
+            <a:off x="6994612" y="3250605"/>
             <a:ext cx="358612" cy="358612"/>
           </a:xfrm>
           <a:prstGeom prst="rect">
@@ -7207,7 +7207,7 @@
         </p:nvSpPr>
         <p:spPr>
           <a:xfrm>
-            <a:off x="5123497" y="4590660"/>
+            <a:off x="5378022" y="4637795"/>
             <a:ext cx="1991909" cy="446634"/>
           </a:xfrm>
           <a:prstGeom prst="rect">
@@ -7285,7 +7285,7 @@
         </p:blipFill>
         <p:spPr>
           <a:xfrm>
-            <a:off x="5160616" y="4633090"/>
+            <a:off x="5415141" y="4680225"/>
             <a:ext cx="373380" cy="373380"/>
           </a:xfrm>
           <a:prstGeom prst="rect">
@@ -7321,7 +7321,7 @@
         </p:blipFill>
         <p:spPr>
           <a:xfrm>
-            <a:off x="4853055" y="1428356"/>
+            <a:off x="5107580" y="1475491"/>
             <a:ext cx="609524" cy="609524"/>
           </a:xfrm>
           <a:prstGeom prst="rect">
@@ -7357,7 +7357,7 @@
         </p:blipFill>
         <p:spPr>
           <a:xfrm>
-            <a:off x="4404328" y="1508755"/>
+            <a:off x="4658853" y="1555890"/>
             <a:ext cx="354457" cy="354457"/>
           </a:xfrm>
           <a:prstGeom prst="rect">
@@ -7379,7 +7379,7 @@
         </p:nvSpPr>
         <p:spPr>
           <a:xfrm>
-            <a:off x="4404328" y="1868725"/>
+            <a:off x="4658853" y="1915860"/>
             <a:ext cx="1129668" cy="584775"/>
           </a:xfrm>
           <a:prstGeom prst="rect">
@@ -7436,7 +7436,7 @@
         </p:blipFill>
         <p:spPr>
           <a:xfrm>
-            <a:off x="2924828" y="1767222"/>
+            <a:off x="3179353" y="1814357"/>
             <a:ext cx="429057" cy="429057"/>
           </a:xfrm>
           <a:prstGeom prst="rect">
@@ -7458,7 +7458,7 @@
         </p:nvSpPr>
         <p:spPr>
           <a:xfrm>
-            <a:off x="3278877" y="1704902"/>
+            <a:off x="3533402" y="1752037"/>
             <a:ext cx="1031181" cy="584775"/>
           </a:xfrm>
           <a:prstGeom prst="rect">
@@ -7514,7 +7514,7 @@
         </p:blipFill>
         <p:spPr>
           <a:xfrm>
-            <a:off x="1977408" y="1985518"/>
+            <a:off x="2231933" y="2032653"/>
             <a:ext cx="838986" cy="838986"/>
           </a:xfrm>
           <a:prstGeom prst="rect">
@@ -7536,7 +7536,7 @@
         </p:nvSpPr>
         <p:spPr>
           <a:xfrm>
-            <a:off x="2199991" y="2522818"/>
+            <a:off x="2454516" y="2569953"/>
             <a:ext cx="431528" cy="338554"/>
           </a:xfrm>
           <a:prstGeom prst="rect">
@@ -7571,7 +7571,7 @@
         </p:nvSpPr>
         <p:spPr>
           <a:xfrm>
-            <a:off x="2057397" y="4102205"/>
+            <a:off x="2311922" y="4149340"/>
             <a:ext cx="968022" cy="338554"/>
           </a:xfrm>
           <a:prstGeom prst="rect">
@@ -7606,7 +7606,7 @@
         </p:nvSpPr>
         <p:spPr>
           <a:xfrm>
-            <a:off x="1328983" y="3562081"/>
+            <a:off x="1583508" y="3609216"/>
             <a:ext cx="1382110" cy="338554"/>
           </a:xfrm>
           <a:prstGeom prst="rect">
@@ -7641,7 +7641,7 @@
         </p:nvSpPr>
         <p:spPr>
           <a:xfrm>
-            <a:off x="1328983" y="2986925"/>
+            <a:off x="1583508" y="3034060"/>
             <a:ext cx="1309974" cy="338554"/>
           </a:xfrm>
           <a:prstGeom prst="rect">
@@ -7676,8 +7676,8 @@
         </p:nvSpPr>
         <p:spPr>
           <a:xfrm>
-            <a:off x="3523569" y="4102205"/>
-            <a:ext cx="1393330" cy="338554"/>
+            <a:off x="3778094" y="4149340"/>
+            <a:ext cx="1320874" cy="338554"/>
           </a:xfrm>
           <a:prstGeom prst="rect">
             <a:avLst/>
@@ -7692,7 +7692,7 @@
           <a:p>
             <a:r>
               <a:rPr lang="en-US" sz="1600" dirty="0"/>
-              <a:t>Docs &amp; Guides</a:t>
+              <a:t>Docs &amp; Books</a:t>
             </a:r>
           </a:p>
         </p:txBody>
@@ -7725,7 +7725,7 @@
         </p:blipFill>
         <p:spPr>
           <a:xfrm>
-            <a:off x="3233704" y="4121954"/>
+            <a:off x="3488229" y="4169089"/>
             <a:ext cx="318805" cy="318805"/>
           </a:xfrm>
           <a:prstGeom prst="rect">
@@ -7761,7 +7761,7 @@
         </p:blipFill>
         <p:spPr>
           <a:xfrm>
-            <a:off x="1806130" y="4121506"/>
+            <a:off x="2060655" y="4168641"/>
             <a:ext cx="327789" cy="327789"/>
           </a:xfrm>
           <a:prstGeom prst="rect">
@@ -7797,7 +7797,7 @@
         </p:blipFill>
         <p:spPr>
           <a:xfrm>
-            <a:off x="1090210" y="3005779"/>
+            <a:off x="1344735" y="3052914"/>
             <a:ext cx="304762" cy="304762"/>
           </a:xfrm>
           <a:prstGeom prst="rect">
@@ -7833,7 +7833,7 @@
         </p:blipFill>
         <p:spPr>
           <a:xfrm>
-            <a:off x="1092168" y="3550125"/>
+            <a:off x="1346693" y="3597260"/>
             <a:ext cx="338554" cy="338554"/>
           </a:xfrm>
           <a:prstGeom prst="rect">
@@ -7869,7 +7869,7 @@
         </p:blipFill>
         <p:spPr>
           <a:xfrm>
-            <a:off x="384643" y="4827176"/>
+            <a:off x="544898" y="4874311"/>
             <a:ext cx="1236768" cy="242504"/>
           </a:xfrm>
           <a:prstGeom prst="rect">
@@ -7891,7 +7891,7 @@
         </p:nvSpPr>
         <p:spPr>
           <a:xfrm>
-            <a:off x="291935" y="5191170"/>
+            <a:off x="640730" y="5238305"/>
             <a:ext cx="1422184" cy="369332"/>
           </a:xfrm>
           <a:prstGeom prst="rect">
@@ -7941,7 +7941,7 @@
         </p:blipFill>
         <p:spPr>
           <a:xfrm>
-            <a:off x="7970864" y="1824016"/>
+            <a:off x="8225389" y="1871151"/>
             <a:ext cx="429057" cy="429057"/>
           </a:xfrm>
           <a:prstGeom prst="rect">
@@ -7963,7 +7963,7 @@
         </p:nvSpPr>
         <p:spPr>
           <a:xfrm>
-            <a:off x="8324913" y="1761696"/>
+            <a:off x="8579438" y="1808831"/>
             <a:ext cx="1301575" cy="584775"/>
           </a:xfrm>
           <a:prstGeom prst="rect">
@@ -8005,7 +8005,7 @@
         </p:nvSpPr>
         <p:spPr>
           <a:xfrm>
-            <a:off x="9990051" y="3223527"/>
+            <a:off x="10244576" y="3270662"/>
             <a:ext cx="1242520" cy="338554"/>
           </a:xfrm>
           <a:prstGeom prst="rect">
@@ -8040,7 +8040,7 @@
         </p:nvSpPr>
         <p:spPr>
           <a:xfrm>
-            <a:off x="9992009" y="2526545"/>
+            <a:off x="10246534" y="2573680"/>
             <a:ext cx="1170385" cy="338554"/>
           </a:xfrm>
           <a:prstGeom prst="rect">
@@ -8089,7 +8089,7 @@
         </p:blipFill>
         <p:spPr>
           <a:xfrm>
-            <a:off x="9753236" y="2545399"/>
+            <a:off x="10007761" y="2592534"/>
             <a:ext cx="304762" cy="304762"/>
           </a:xfrm>
           <a:prstGeom prst="rect">
@@ -8125,7 +8125,7 @@
         </p:blipFill>
         <p:spPr>
           <a:xfrm>
-            <a:off x="9753236" y="3211571"/>
+            <a:off x="10007761" y="3258706"/>
             <a:ext cx="338554" cy="338554"/>
           </a:xfrm>
           <a:prstGeom prst="rect">
@@ -8161,7 +8161,7 @@
         </p:blipFill>
         <p:spPr>
           <a:xfrm>
-            <a:off x="9375692" y="3843543"/>
+            <a:off x="9630217" y="3890678"/>
             <a:ext cx="1364611" cy="304763"/>
           </a:xfrm>
           <a:prstGeom prst="rect">
@@ -8198,7 +8198,7 @@
         </p:blipFill>
         <p:spPr bwMode="auto">
           <a:xfrm>
-            <a:off x="8584761" y="4449295"/>
+            <a:off x="9386044" y="4496430"/>
             <a:ext cx="1501114" cy="309242"/>
           </a:xfrm>
           <a:prstGeom prst="rect">
@@ -8216,6 +8216,1355 @@
           </a:extLst>
         </p:spPr>
       </p:pic>
+      <p:sp>
+        <p:nvSpPr>
+          <p:cNvPr id="66" name="TextBox 65">
+            <a:extLst>
+              <a:ext uri="{FF2B5EF4-FFF2-40B4-BE49-F238E27FC236}">
+                <a16:creationId xmlns:a16="http://schemas.microsoft.com/office/drawing/2014/main" id="{7D64477C-4656-8C5D-4656-0D84361FAB90}"/>
+              </a:ext>
+            </a:extLst>
+          </p:cNvPr>
+          <p:cNvSpPr txBox="1"/>
+          <p:nvPr/>
+        </p:nvSpPr>
+        <p:spPr>
+          <a:xfrm>
+            <a:off x="4208001" y="4957038"/>
+            <a:ext cx="728982" cy="338554"/>
+          </a:xfrm>
+          <a:prstGeom prst="rect">
+            <a:avLst/>
+          </a:prstGeom>
+          <a:noFill/>
+        </p:spPr>
+        <p:txBody>
+          <a:bodyPr wrap="none" rtlCol="0">
+            <a:spAutoFit/>
+          </a:bodyPr>
+          <a:lstStyle/>
+          <a:p>
+            <a:r>
+              <a:rPr lang="en-US" sz="1600" dirty="0"/>
+              <a:t>Events</a:t>
+            </a:r>
+          </a:p>
+        </p:txBody>
+      </p:sp>
+      <p:sp>
+        <p:nvSpPr>
+          <p:cNvPr id="67" name="TextBox 66">
+            <a:extLst>
+              <a:ext uri="{FF2B5EF4-FFF2-40B4-BE49-F238E27FC236}">
+                <a16:creationId xmlns:a16="http://schemas.microsoft.com/office/drawing/2014/main" id="{3BECD44A-80AD-970E-4AC2-734BF5DDB824}"/>
+              </a:ext>
+            </a:extLst>
+          </p:cNvPr>
+          <p:cNvSpPr txBox="1"/>
+          <p:nvPr/>
+        </p:nvSpPr>
+        <p:spPr>
+          <a:xfrm>
+            <a:off x="4535400" y="5527857"/>
+            <a:ext cx="806631" cy="338554"/>
+          </a:xfrm>
+          <a:prstGeom prst="rect">
+            <a:avLst/>
+          </a:prstGeom>
+          <a:noFill/>
+        </p:spPr>
+        <p:txBody>
+          <a:bodyPr wrap="none" rtlCol="0">
+            <a:spAutoFit/>
+          </a:bodyPr>
+          <a:lstStyle/>
+          <a:p>
+            <a:r>
+              <a:rPr lang="en-US" sz="1600" dirty="0"/>
+              <a:t>Articles</a:t>
+            </a:r>
+          </a:p>
+        </p:txBody>
+      </p:sp>
+      <p:sp>
+        <p:nvSpPr>
+          <p:cNvPr id="68" name="TextBox 67">
+            <a:extLst>
+              <a:ext uri="{FF2B5EF4-FFF2-40B4-BE49-F238E27FC236}">
+                <a16:creationId xmlns:a16="http://schemas.microsoft.com/office/drawing/2014/main" id="{838F7CD1-197D-31B7-60D1-8EEA2B56B21F}"/>
+              </a:ext>
+            </a:extLst>
+          </p:cNvPr>
+          <p:cNvSpPr txBox="1"/>
+          <p:nvPr/>
+        </p:nvSpPr>
+        <p:spPr>
+          <a:xfrm>
+            <a:off x="6063908" y="5648472"/>
+            <a:ext cx="897746" cy="584775"/>
+          </a:xfrm>
+          <a:prstGeom prst="rect">
+            <a:avLst/>
+          </a:prstGeom>
+          <a:noFill/>
+        </p:spPr>
+        <p:txBody>
+          <a:bodyPr wrap="none" rtlCol="0">
+            <a:spAutoFit/>
+          </a:bodyPr>
+          <a:lstStyle/>
+          <a:p>
+            <a:r>
+              <a:rPr lang="en-US" sz="1600" dirty="0"/>
+              <a:t>Video</a:t>
+            </a:r>
+            <a:br>
+              <a:rPr lang="en-US" sz="1600" dirty="0"/>
+            </a:br>
+            <a:r>
+              <a:rPr lang="en-US" sz="1600" dirty="0"/>
+              <a:t>Tutorials</a:t>
+            </a:r>
+          </a:p>
+        </p:txBody>
+      </p:sp>
+      <p:sp>
+        <p:nvSpPr>
+          <p:cNvPr id="69" name="TextBox 68">
+            <a:extLst>
+              <a:ext uri="{FF2B5EF4-FFF2-40B4-BE49-F238E27FC236}">
+                <a16:creationId xmlns:a16="http://schemas.microsoft.com/office/drawing/2014/main" id="{3B2B43E6-A1A7-1869-83DF-D1A497742B03}"/>
+              </a:ext>
+            </a:extLst>
+          </p:cNvPr>
+          <p:cNvSpPr txBox="1"/>
+          <p:nvPr/>
+        </p:nvSpPr>
+        <p:spPr>
+          <a:xfrm>
+            <a:off x="8065695" y="5141704"/>
+            <a:ext cx="808491" cy="338554"/>
+          </a:xfrm>
+          <a:prstGeom prst="rect">
+            <a:avLst/>
+          </a:prstGeom>
+          <a:noFill/>
+        </p:spPr>
+        <p:txBody>
+          <a:bodyPr wrap="none" rtlCol="0">
+            <a:spAutoFit/>
+          </a:bodyPr>
+          <a:lstStyle/>
+          <a:p>
+            <a:r>
+              <a:rPr lang="en-US" sz="1600" dirty="0"/>
+              <a:t>Discord</a:t>
+            </a:r>
+          </a:p>
+        </p:txBody>
+      </p:sp>
+      <p:sp>
+        <p:nvSpPr>
+          <p:cNvPr id="70" name="TextBox 69">
+            <a:extLst>
+              <a:ext uri="{FF2B5EF4-FFF2-40B4-BE49-F238E27FC236}">
+                <a16:creationId xmlns:a16="http://schemas.microsoft.com/office/drawing/2014/main" id="{190F98AA-E941-A907-3897-E21E9EBFBA1C}"/>
+              </a:ext>
+            </a:extLst>
+          </p:cNvPr>
+          <p:cNvSpPr txBox="1"/>
+          <p:nvPr/>
+        </p:nvSpPr>
+        <p:spPr>
+          <a:xfrm>
+            <a:off x="7299946" y="5607637"/>
+            <a:ext cx="548548" cy="338554"/>
+          </a:xfrm>
+          <a:prstGeom prst="rect">
+            <a:avLst/>
+          </a:prstGeom>
+          <a:noFill/>
+        </p:spPr>
+        <p:txBody>
+          <a:bodyPr wrap="none" rtlCol="0">
+            <a:spAutoFit/>
+          </a:bodyPr>
+          <a:lstStyle/>
+          <a:p>
+            <a:r>
+              <a:rPr lang="en-US" sz="1600" dirty="0"/>
+              <a:t>Blog</a:t>
+            </a:r>
+          </a:p>
+        </p:txBody>
+      </p:sp>
+      <p:pic>
+        <p:nvPicPr>
+          <p:cNvPr id="65" name="Picture 64">
+            <a:extLst>
+              <a:ext uri="{FF2B5EF4-FFF2-40B4-BE49-F238E27FC236}">
+                <a16:creationId xmlns:a16="http://schemas.microsoft.com/office/drawing/2014/main" id="{2733E291-6F6D-6073-ED08-E2653DE9D511}"/>
+              </a:ext>
+            </a:extLst>
+          </p:cNvPr>
+          <p:cNvPicPr>
+            <a:picLocks noChangeAspect="1"/>
+          </p:cNvPicPr>
+          <p:nvPr/>
+        </p:nvPicPr>
+        <p:blipFill>
+          <a:blip r:embed="rId18">
+            <a:extLst>
+              <a:ext uri="{28A0092B-C50C-407E-A947-70E740481C1C}">
+                <a14:useLocalDpi xmlns:a14="http://schemas.microsoft.com/office/drawing/2010/main" val="0"/>
+              </a:ext>
+            </a:extLst>
+          </a:blip>
+          <a:stretch>
+            <a:fillRect/>
+          </a:stretch>
+        </p:blipFill>
+        <p:spPr>
+          <a:xfrm>
+            <a:off x="3905290" y="4941649"/>
+            <a:ext cx="369332" cy="369332"/>
+          </a:xfrm>
+          <a:prstGeom prst="rect">
+            <a:avLst/>
+          </a:prstGeom>
+        </p:spPr>
+      </p:pic>
+      <p:pic>
+        <p:nvPicPr>
+          <p:cNvPr id="72" name="Picture 71">
+            <a:extLst>
+              <a:ext uri="{FF2B5EF4-FFF2-40B4-BE49-F238E27FC236}">
+                <a16:creationId xmlns:a16="http://schemas.microsoft.com/office/drawing/2014/main" id="{2CAE5A5D-829E-DA61-57D9-D2C5A830D10F}"/>
+              </a:ext>
+            </a:extLst>
+          </p:cNvPr>
+          <p:cNvPicPr>
+            <a:picLocks noChangeAspect="1"/>
+          </p:cNvPicPr>
+          <p:nvPr/>
+        </p:nvPicPr>
+        <p:blipFill>
+          <a:blip r:embed="rId19">
+            <a:extLst>
+              <a:ext uri="{28A0092B-C50C-407E-A947-70E740481C1C}">
+                <a14:useLocalDpi xmlns:a14="http://schemas.microsoft.com/office/drawing/2010/main" val="0"/>
+              </a:ext>
+            </a:extLst>
+          </a:blip>
+          <a:stretch>
+            <a:fillRect/>
+          </a:stretch>
+        </p:blipFill>
+        <p:spPr>
+          <a:xfrm>
+            <a:off x="4254634" y="5527857"/>
+            <a:ext cx="369332" cy="369332"/>
+          </a:xfrm>
+          <a:prstGeom prst="rect">
+            <a:avLst/>
+          </a:prstGeom>
+        </p:spPr>
+      </p:pic>
+      <p:pic>
+        <p:nvPicPr>
+          <p:cNvPr id="74" name="Picture 73">
+            <a:extLst>
+              <a:ext uri="{FF2B5EF4-FFF2-40B4-BE49-F238E27FC236}">
+                <a16:creationId xmlns:a16="http://schemas.microsoft.com/office/drawing/2014/main" id="{A616CD73-19C4-6B6E-7196-9CAD8CBF15DC}"/>
+              </a:ext>
+            </a:extLst>
+          </p:cNvPr>
+          <p:cNvPicPr>
+            <a:picLocks noChangeAspect="1"/>
+          </p:cNvPicPr>
+          <p:nvPr/>
+        </p:nvPicPr>
+        <p:blipFill>
+          <a:blip r:embed="rId20">
+            <a:extLst>
+              <a:ext uri="{28A0092B-C50C-407E-A947-70E740481C1C}">
+                <a14:useLocalDpi xmlns:a14="http://schemas.microsoft.com/office/drawing/2010/main" val="0"/>
+              </a:ext>
+            </a:extLst>
+          </a:blip>
+          <a:stretch>
+            <a:fillRect/>
+          </a:stretch>
+        </p:blipFill>
+        <p:spPr>
+          <a:xfrm>
+            <a:off x="5542166" y="5660396"/>
+            <a:ext cx="555169" cy="555169"/>
+          </a:xfrm>
+          <a:prstGeom prst="rect">
+            <a:avLst/>
+          </a:prstGeom>
+        </p:spPr>
+      </p:pic>
+      <p:pic>
+        <p:nvPicPr>
+          <p:cNvPr id="76" name="Picture 75">
+            <a:extLst>
+              <a:ext uri="{FF2B5EF4-FFF2-40B4-BE49-F238E27FC236}">
+                <a16:creationId xmlns:a16="http://schemas.microsoft.com/office/drawing/2014/main" id="{885FCFE9-6847-DD82-D9A5-6669E36E6264}"/>
+              </a:ext>
+            </a:extLst>
+          </p:cNvPr>
+          <p:cNvPicPr>
+            <a:picLocks noChangeAspect="1"/>
+          </p:cNvPicPr>
+          <p:nvPr/>
+        </p:nvPicPr>
+        <p:blipFill>
+          <a:blip r:embed="rId21">
+            <a:extLst>
+              <a:ext uri="{28A0092B-C50C-407E-A947-70E740481C1C}">
+                <a14:useLocalDpi xmlns:a14="http://schemas.microsoft.com/office/drawing/2010/main" val="0"/>
+              </a:ext>
+            </a:extLst>
+          </a:blip>
+          <a:stretch>
+            <a:fillRect/>
+          </a:stretch>
+        </p:blipFill>
+        <p:spPr>
+          <a:xfrm>
+            <a:off x="7099811" y="5645628"/>
+            <a:ext cx="245532" cy="245532"/>
+          </a:xfrm>
+          <a:prstGeom prst="rect">
+            <a:avLst/>
+          </a:prstGeom>
+        </p:spPr>
+      </p:pic>
+      <p:pic>
+        <p:nvPicPr>
+          <p:cNvPr id="78" name="Picture 77">
+            <a:extLst>
+              <a:ext uri="{FF2B5EF4-FFF2-40B4-BE49-F238E27FC236}">
+                <a16:creationId xmlns:a16="http://schemas.microsoft.com/office/drawing/2014/main" id="{915654EB-3A8D-7BED-6C58-DDB24E4822F6}"/>
+              </a:ext>
+            </a:extLst>
+          </p:cNvPr>
+          <p:cNvPicPr>
+            <a:picLocks noChangeAspect="1"/>
+          </p:cNvPicPr>
+          <p:nvPr/>
+        </p:nvPicPr>
+        <p:blipFill>
+          <a:blip r:embed="rId22">
+            <a:extLst>
+              <a:ext uri="{28A0092B-C50C-407E-A947-70E740481C1C}">
+                <a14:useLocalDpi xmlns:a14="http://schemas.microsoft.com/office/drawing/2010/main" val="0"/>
+              </a:ext>
+            </a:extLst>
+          </a:blip>
+          <a:stretch>
+            <a:fillRect/>
+          </a:stretch>
+        </p:blipFill>
+        <p:spPr>
+          <a:xfrm>
+            <a:off x="7764069" y="5118080"/>
+            <a:ext cx="369332" cy="369332"/>
+          </a:xfrm>
+          <a:prstGeom prst="rect">
+            <a:avLst/>
+          </a:prstGeom>
+        </p:spPr>
+      </p:pic>
+      <p:cxnSp>
+        <p:nvCxnSpPr>
+          <p:cNvPr id="80" name="Straight Arrow Connector 79">
+            <a:extLst>
+              <a:ext uri="{FF2B5EF4-FFF2-40B4-BE49-F238E27FC236}">
+                <a16:creationId xmlns:a16="http://schemas.microsoft.com/office/drawing/2014/main" id="{5BA794EA-D970-5B8D-25E3-A84F3891D10E}"/>
+              </a:ext>
+            </a:extLst>
+          </p:cNvPr>
+          <p:cNvCxnSpPr>
+            <a:cxnSpLocks/>
+          </p:cNvCxnSpPr>
+          <p:nvPr/>
+        </p:nvCxnSpPr>
+        <p:spPr>
+          <a:xfrm flipH="1" flipV="1">
+            <a:off x="5769204" y="3638747"/>
+            <a:ext cx="275850" cy="184278"/>
+          </a:xfrm>
+          <a:prstGeom prst="straightConnector1">
+            <a:avLst/>
+          </a:prstGeom>
+          <a:ln w="50800">
+            <a:solidFill>
+              <a:srgbClr val="002060"/>
+            </a:solidFill>
+            <a:tailEnd type="triangle"/>
+          </a:ln>
+        </p:spPr>
+        <p:style>
+          <a:lnRef idx="1">
+            <a:schemeClr val="accent1"/>
+          </a:lnRef>
+          <a:fillRef idx="0">
+            <a:schemeClr val="accent1"/>
+          </a:fillRef>
+          <a:effectRef idx="0">
+            <a:schemeClr val="accent1"/>
+          </a:effectRef>
+          <a:fontRef idx="minor">
+            <a:schemeClr val="tx1"/>
+          </a:fontRef>
+        </p:style>
+      </p:cxnSp>
+      <p:cxnSp>
+        <p:nvCxnSpPr>
+          <p:cNvPr id="88" name="Straight Arrow Connector 87">
+            <a:extLst>
+              <a:ext uri="{FF2B5EF4-FFF2-40B4-BE49-F238E27FC236}">
+                <a16:creationId xmlns:a16="http://schemas.microsoft.com/office/drawing/2014/main" id="{D16680BD-49E4-9E57-9A88-40C30C507A3F}"/>
+              </a:ext>
+            </a:extLst>
+          </p:cNvPr>
+          <p:cNvCxnSpPr>
+            <a:cxnSpLocks/>
+            <a:endCxn id="24" idx="0"/>
+          </p:cNvCxnSpPr>
+          <p:nvPr/>
+        </p:nvCxnSpPr>
+        <p:spPr>
+          <a:xfrm>
+            <a:off x="6373976" y="4328491"/>
+            <a:ext cx="1" cy="309304"/>
+          </a:xfrm>
+          <a:prstGeom prst="straightConnector1">
+            <a:avLst/>
+          </a:prstGeom>
+          <a:ln w="50800">
+            <a:solidFill>
+              <a:srgbClr val="002060"/>
+            </a:solidFill>
+            <a:tailEnd type="triangle"/>
+          </a:ln>
+        </p:spPr>
+        <p:style>
+          <a:lnRef idx="1">
+            <a:schemeClr val="accent1"/>
+          </a:lnRef>
+          <a:fillRef idx="0">
+            <a:schemeClr val="accent1"/>
+          </a:fillRef>
+          <a:effectRef idx="0">
+            <a:schemeClr val="accent1"/>
+          </a:effectRef>
+          <a:fontRef idx="minor">
+            <a:schemeClr val="tx1"/>
+          </a:fontRef>
+        </p:style>
+      </p:cxnSp>
+      <p:cxnSp>
+        <p:nvCxnSpPr>
+          <p:cNvPr id="91" name="Straight Arrow Connector 90">
+            <a:extLst>
+              <a:ext uri="{FF2B5EF4-FFF2-40B4-BE49-F238E27FC236}">
+                <a16:creationId xmlns:a16="http://schemas.microsoft.com/office/drawing/2014/main" id="{B61CB16E-2EC6-7785-F96B-38B2FB6EE512}"/>
+              </a:ext>
+            </a:extLst>
+          </p:cNvPr>
+          <p:cNvCxnSpPr>
+            <a:cxnSpLocks/>
+          </p:cNvCxnSpPr>
+          <p:nvPr/>
+        </p:nvCxnSpPr>
+        <p:spPr>
+          <a:xfrm flipV="1">
+            <a:off x="6655998" y="3649971"/>
+            <a:ext cx="305656" cy="180567"/>
+          </a:xfrm>
+          <a:prstGeom prst="straightConnector1">
+            <a:avLst/>
+          </a:prstGeom>
+          <a:ln w="50800">
+            <a:solidFill>
+              <a:srgbClr val="002060"/>
+            </a:solidFill>
+            <a:tailEnd type="triangle"/>
+          </a:ln>
+        </p:spPr>
+        <p:style>
+          <a:lnRef idx="1">
+            <a:schemeClr val="accent1"/>
+          </a:lnRef>
+          <a:fillRef idx="0">
+            <a:schemeClr val="accent1"/>
+          </a:fillRef>
+          <a:effectRef idx="0">
+            <a:schemeClr val="accent1"/>
+          </a:effectRef>
+          <a:fontRef idx="minor">
+            <a:schemeClr val="tx1"/>
+          </a:fontRef>
+        </p:style>
+      </p:cxnSp>
+      <p:cxnSp>
+        <p:nvCxnSpPr>
+          <p:cNvPr id="95" name="Straight Arrow Connector 94">
+            <a:extLst>
+              <a:ext uri="{FF2B5EF4-FFF2-40B4-BE49-F238E27FC236}">
+                <a16:creationId xmlns:a16="http://schemas.microsoft.com/office/drawing/2014/main" id="{DEA1799C-069F-A5AB-5FB8-76E6A0DDFB8D}"/>
+              </a:ext>
+            </a:extLst>
+          </p:cNvPr>
+          <p:cNvCxnSpPr>
+            <a:cxnSpLocks/>
+            <a:endCxn id="31" idx="2"/>
+          </p:cNvCxnSpPr>
+          <p:nvPr/>
+        </p:nvCxnSpPr>
+        <p:spPr>
+          <a:xfrm flipV="1">
+            <a:off x="5223687" y="2500635"/>
+            <a:ext cx="0" cy="702702"/>
+          </a:xfrm>
+          <a:prstGeom prst="straightConnector1">
+            <a:avLst/>
+          </a:prstGeom>
+          <a:ln w="25400">
+            <a:solidFill>
+              <a:srgbClr val="002060"/>
+            </a:solidFill>
+            <a:tailEnd type="triangle"/>
+          </a:ln>
+        </p:spPr>
+        <p:style>
+          <a:lnRef idx="1">
+            <a:schemeClr val="accent1"/>
+          </a:lnRef>
+          <a:fillRef idx="0">
+            <a:schemeClr val="accent1"/>
+          </a:fillRef>
+          <a:effectRef idx="0">
+            <a:schemeClr val="accent1"/>
+          </a:effectRef>
+          <a:fontRef idx="minor">
+            <a:schemeClr val="tx1"/>
+          </a:fontRef>
+        </p:style>
+      </p:cxnSp>
+      <p:cxnSp>
+        <p:nvCxnSpPr>
+          <p:cNvPr id="99" name="Straight Arrow Connector 98">
+            <a:extLst>
+              <a:ext uri="{FF2B5EF4-FFF2-40B4-BE49-F238E27FC236}">
+                <a16:creationId xmlns:a16="http://schemas.microsoft.com/office/drawing/2014/main" id="{EDA25AA3-BDF5-0FBD-6055-5B424B54EAC9}"/>
+              </a:ext>
+            </a:extLst>
+          </p:cNvPr>
+          <p:cNvCxnSpPr>
+            <a:cxnSpLocks/>
+            <a:endCxn id="35" idx="2"/>
+          </p:cNvCxnSpPr>
+          <p:nvPr/>
+        </p:nvCxnSpPr>
+        <p:spPr>
+          <a:xfrm flipH="1" flipV="1">
+            <a:off x="4048993" y="2336812"/>
+            <a:ext cx="432423" cy="866524"/>
+          </a:xfrm>
+          <a:prstGeom prst="straightConnector1">
+            <a:avLst/>
+          </a:prstGeom>
+          <a:ln w="25400">
+            <a:solidFill>
+              <a:srgbClr val="002060"/>
+            </a:solidFill>
+            <a:tailEnd type="triangle"/>
+          </a:ln>
+        </p:spPr>
+        <p:style>
+          <a:lnRef idx="1">
+            <a:schemeClr val="accent1"/>
+          </a:lnRef>
+          <a:fillRef idx="0">
+            <a:schemeClr val="accent1"/>
+          </a:fillRef>
+          <a:effectRef idx="0">
+            <a:schemeClr val="accent1"/>
+          </a:effectRef>
+          <a:fontRef idx="minor">
+            <a:schemeClr val="tx1"/>
+          </a:fontRef>
+        </p:style>
+      </p:cxnSp>
+      <p:cxnSp>
+        <p:nvCxnSpPr>
+          <p:cNvPr id="102" name="Straight Arrow Connector 101">
+            <a:extLst>
+              <a:ext uri="{FF2B5EF4-FFF2-40B4-BE49-F238E27FC236}">
+                <a16:creationId xmlns:a16="http://schemas.microsoft.com/office/drawing/2014/main" id="{08E39898-898A-FAE4-AD30-332F2153AE84}"/>
+              </a:ext>
+            </a:extLst>
+          </p:cNvPr>
+          <p:cNvCxnSpPr>
+            <a:cxnSpLocks/>
+          </p:cNvCxnSpPr>
+          <p:nvPr/>
+        </p:nvCxnSpPr>
+        <p:spPr>
+          <a:xfrm flipH="1" flipV="1">
+            <a:off x="2972450" y="2703968"/>
+            <a:ext cx="867115" cy="509636"/>
+          </a:xfrm>
+          <a:prstGeom prst="straightConnector1">
+            <a:avLst/>
+          </a:prstGeom>
+          <a:ln w="25400">
+            <a:solidFill>
+              <a:srgbClr val="002060"/>
+            </a:solidFill>
+            <a:tailEnd type="triangle"/>
+          </a:ln>
+        </p:spPr>
+        <p:style>
+          <a:lnRef idx="1">
+            <a:schemeClr val="accent1"/>
+          </a:lnRef>
+          <a:fillRef idx="0">
+            <a:schemeClr val="accent1"/>
+          </a:fillRef>
+          <a:effectRef idx="0">
+            <a:schemeClr val="accent1"/>
+          </a:effectRef>
+          <a:fontRef idx="minor">
+            <a:schemeClr val="tx1"/>
+          </a:fontRef>
+        </p:style>
+      </p:cxnSp>
+      <p:cxnSp>
+        <p:nvCxnSpPr>
+          <p:cNvPr id="105" name="Straight Arrow Connector 104">
+            <a:extLst>
+              <a:ext uri="{FF2B5EF4-FFF2-40B4-BE49-F238E27FC236}">
+                <a16:creationId xmlns:a16="http://schemas.microsoft.com/office/drawing/2014/main" id="{32EC5226-6B32-5184-1E8F-3D9CAA2F5FEA}"/>
+              </a:ext>
+            </a:extLst>
+          </p:cNvPr>
+          <p:cNvCxnSpPr>
+            <a:cxnSpLocks/>
+            <a:endCxn id="41" idx="3"/>
+          </p:cNvCxnSpPr>
+          <p:nvPr/>
+        </p:nvCxnSpPr>
+        <p:spPr>
+          <a:xfrm flipH="1" flipV="1">
+            <a:off x="2893482" y="3203337"/>
+            <a:ext cx="950524" cy="140911"/>
+          </a:xfrm>
+          <a:prstGeom prst="straightConnector1">
+            <a:avLst/>
+          </a:prstGeom>
+          <a:ln w="25400">
+            <a:solidFill>
+              <a:srgbClr val="002060"/>
+            </a:solidFill>
+            <a:tailEnd type="triangle"/>
+          </a:ln>
+        </p:spPr>
+        <p:style>
+          <a:lnRef idx="1">
+            <a:schemeClr val="accent1"/>
+          </a:lnRef>
+          <a:fillRef idx="0">
+            <a:schemeClr val="accent1"/>
+          </a:fillRef>
+          <a:effectRef idx="0">
+            <a:schemeClr val="accent1"/>
+          </a:effectRef>
+          <a:fontRef idx="minor">
+            <a:schemeClr val="tx1"/>
+          </a:fontRef>
+        </p:style>
+      </p:cxnSp>
+      <p:cxnSp>
+        <p:nvCxnSpPr>
+          <p:cNvPr id="109" name="Straight Arrow Connector 108">
+            <a:extLst>
+              <a:ext uri="{FF2B5EF4-FFF2-40B4-BE49-F238E27FC236}">
+                <a16:creationId xmlns:a16="http://schemas.microsoft.com/office/drawing/2014/main" id="{8482D5A4-9A9E-B9B6-C886-28AC6C9E3CF9}"/>
+              </a:ext>
+            </a:extLst>
+          </p:cNvPr>
+          <p:cNvCxnSpPr>
+            <a:cxnSpLocks/>
+            <a:endCxn id="40" idx="3"/>
+          </p:cNvCxnSpPr>
+          <p:nvPr/>
+        </p:nvCxnSpPr>
+        <p:spPr>
+          <a:xfrm flipH="1">
+            <a:off x="2965618" y="3494671"/>
+            <a:ext cx="882956" cy="283822"/>
+          </a:xfrm>
+          <a:prstGeom prst="straightConnector1">
+            <a:avLst/>
+          </a:prstGeom>
+          <a:ln w="25400">
+            <a:solidFill>
+              <a:srgbClr val="002060"/>
+            </a:solidFill>
+            <a:tailEnd type="triangle"/>
+          </a:ln>
+        </p:spPr>
+        <p:style>
+          <a:lnRef idx="1">
+            <a:schemeClr val="accent1"/>
+          </a:lnRef>
+          <a:fillRef idx="0">
+            <a:schemeClr val="accent1"/>
+          </a:fillRef>
+          <a:effectRef idx="0">
+            <a:schemeClr val="accent1"/>
+          </a:effectRef>
+          <a:fontRef idx="minor">
+            <a:schemeClr val="tx1"/>
+          </a:fontRef>
+        </p:style>
+      </p:cxnSp>
+      <p:cxnSp>
+        <p:nvCxnSpPr>
+          <p:cNvPr id="114" name="Straight Arrow Connector 113">
+            <a:extLst>
+              <a:ext uri="{FF2B5EF4-FFF2-40B4-BE49-F238E27FC236}">
+                <a16:creationId xmlns:a16="http://schemas.microsoft.com/office/drawing/2014/main" id="{5212A7A7-47C0-8E81-E45E-E85F57C73929}"/>
+              </a:ext>
+            </a:extLst>
+          </p:cNvPr>
+          <p:cNvCxnSpPr>
+            <a:cxnSpLocks/>
+            <a:endCxn id="39" idx="0"/>
+          </p:cNvCxnSpPr>
+          <p:nvPr/>
+        </p:nvCxnSpPr>
+        <p:spPr>
+          <a:xfrm flipH="1">
+            <a:off x="2795933" y="3641908"/>
+            <a:ext cx="1061066" cy="507432"/>
+          </a:xfrm>
+          <a:prstGeom prst="straightConnector1">
+            <a:avLst/>
+          </a:prstGeom>
+          <a:ln w="25400">
+            <a:solidFill>
+              <a:srgbClr val="002060"/>
+            </a:solidFill>
+            <a:tailEnd type="triangle"/>
+          </a:ln>
+        </p:spPr>
+        <p:style>
+          <a:lnRef idx="1">
+            <a:schemeClr val="accent1"/>
+          </a:lnRef>
+          <a:fillRef idx="0">
+            <a:schemeClr val="accent1"/>
+          </a:fillRef>
+          <a:effectRef idx="0">
+            <a:schemeClr val="accent1"/>
+          </a:effectRef>
+          <a:fontRef idx="minor">
+            <a:schemeClr val="tx1"/>
+          </a:fontRef>
+        </p:style>
+      </p:cxnSp>
+      <p:cxnSp>
+        <p:nvCxnSpPr>
+          <p:cNvPr id="118" name="Straight Arrow Connector 117">
+            <a:extLst>
+              <a:ext uri="{FF2B5EF4-FFF2-40B4-BE49-F238E27FC236}">
+                <a16:creationId xmlns:a16="http://schemas.microsoft.com/office/drawing/2014/main" id="{6E14C087-A043-3679-D025-B4995359EB2E}"/>
+              </a:ext>
+            </a:extLst>
+          </p:cNvPr>
+          <p:cNvCxnSpPr>
+            <a:cxnSpLocks/>
+            <a:endCxn id="42" idx="0"/>
+          </p:cNvCxnSpPr>
+          <p:nvPr/>
+        </p:nvCxnSpPr>
+        <p:spPr>
+          <a:xfrm>
+            <a:off x="4438531" y="3659320"/>
+            <a:ext cx="0" cy="490020"/>
+          </a:xfrm>
+          <a:prstGeom prst="straightConnector1">
+            <a:avLst/>
+          </a:prstGeom>
+          <a:ln w="25400">
+            <a:solidFill>
+              <a:srgbClr val="002060"/>
+            </a:solidFill>
+            <a:tailEnd type="triangle"/>
+          </a:ln>
+        </p:spPr>
+        <p:style>
+          <a:lnRef idx="1">
+            <a:schemeClr val="accent1"/>
+          </a:lnRef>
+          <a:fillRef idx="0">
+            <a:schemeClr val="accent1"/>
+          </a:fillRef>
+          <a:effectRef idx="0">
+            <a:schemeClr val="accent1"/>
+          </a:effectRef>
+          <a:fontRef idx="minor">
+            <a:schemeClr val="tx1"/>
+          </a:fontRef>
+        </p:style>
+      </p:cxnSp>
+      <p:cxnSp>
+        <p:nvCxnSpPr>
+          <p:cNvPr id="120" name="Connector: Elbow 119">
+            <a:extLst>
+              <a:ext uri="{FF2B5EF4-FFF2-40B4-BE49-F238E27FC236}">
+                <a16:creationId xmlns:a16="http://schemas.microsoft.com/office/drawing/2014/main" id="{0181F386-9826-D126-8D98-7A8681E05A4D}"/>
+              </a:ext>
+            </a:extLst>
+          </p:cNvPr>
+          <p:cNvCxnSpPr>
+            <a:cxnSpLocks/>
+            <a:endCxn id="51" idx="3"/>
+          </p:cNvCxnSpPr>
+          <p:nvPr/>
+        </p:nvCxnSpPr>
+        <p:spPr>
+          <a:xfrm rot="5400000">
+            <a:off x="1987831" y="4281730"/>
+            <a:ext cx="507669" cy="919997"/>
+          </a:xfrm>
+          <a:prstGeom prst="bentConnector2">
+            <a:avLst/>
+          </a:prstGeom>
+          <a:ln w="12700">
+            <a:solidFill>
+              <a:srgbClr val="002060"/>
+            </a:solidFill>
+            <a:tailEnd type="triangle"/>
+          </a:ln>
+        </p:spPr>
+        <p:style>
+          <a:lnRef idx="1">
+            <a:schemeClr val="accent1"/>
+          </a:lnRef>
+          <a:fillRef idx="0">
+            <a:schemeClr val="accent1"/>
+          </a:fillRef>
+          <a:effectRef idx="0">
+            <a:schemeClr val="accent1"/>
+          </a:effectRef>
+          <a:fontRef idx="minor">
+            <a:schemeClr val="tx1"/>
+          </a:fontRef>
+        </p:style>
+      </p:cxnSp>
+      <p:cxnSp>
+        <p:nvCxnSpPr>
+          <p:cNvPr id="122" name="Connector: Elbow 121">
+            <a:extLst>
+              <a:ext uri="{FF2B5EF4-FFF2-40B4-BE49-F238E27FC236}">
+                <a16:creationId xmlns:a16="http://schemas.microsoft.com/office/drawing/2014/main" id="{0A9275E2-1C17-1A8B-E7AF-26A2240881CD}"/>
+              </a:ext>
+            </a:extLst>
+          </p:cNvPr>
+          <p:cNvCxnSpPr>
+            <a:cxnSpLocks/>
+            <a:endCxn id="53" idx="3"/>
+          </p:cNvCxnSpPr>
+          <p:nvPr/>
+        </p:nvCxnSpPr>
+        <p:spPr>
+          <a:xfrm rot="5400000">
+            <a:off x="2009021" y="4541788"/>
+            <a:ext cx="935077" cy="827289"/>
+          </a:xfrm>
+          <a:prstGeom prst="bentConnector2">
+            <a:avLst/>
+          </a:prstGeom>
+          <a:ln w="12700">
+            <a:solidFill>
+              <a:srgbClr val="002060"/>
+            </a:solidFill>
+            <a:tailEnd type="triangle"/>
+          </a:ln>
+        </p:spPr>
+        <p:style>
+          <a:lnRef idx="1">
+            <a:schemeClr val="accent1"/>
+          </a:lnRef>
+          <a:fillRef idx="0">
+            <a:schemeClr val="accent1"/>
+          </a:fillRef>
+          <a:effectRef idx="0">
+            <a:schemeClr val="accent1"/>
+          </a:effectRef>
+          <a:fontRef idx="minor">
+            <a:schemeClr val="tx1"/>
+          </a:fontRef>
+        </p:style>
+      </p:cxnSp>
+      <p:cxnSp>
+        <p:nvCxnSpPr>
+          <p:cNvPr id="125" name="Straight Arrow Connector 124">
+            <a:extLst>
+              <a:ext uri="{FF2B5EF4-FFF2-40B4-BE49-F238E27FC236}">
+                <a16:creationId xmlns:a16="http://schemas.microsoft.com/office/drawing/2014/main" id="{E5E2BD8B-DE1F-552E-C71B-7E4F3D4C9BFA}"/>
+              </a:ext>
+            </a:extLst>
+          </p:cNvPr>
+          <p:cNvCxnSpPr>
+            <a:cxnSpLocks/>
+          </p:cNvCxnSpPr>
+          <p:nvPr/>
+        </p:nvCxnSpPr>
+        <p:spPr>
+          <a:xfrm flipH="1" flipV="1">
+            <a:off x="8645399" y="2362528"/>
+            <a:ext cx="5456" cy="849256"/>
+          </a:xfrm>
+          <a:prstGeom prst="straightConnector1">
+            <a:avLst/>
+          </a:prstGeom>
+          <a:ln w="25400">
+            <a:solidFill>
+              <a:srgbClr val="002060"/>
+            </a:solidFill>
+            <a:tailEnd type="triangle"/>
+          </a:ln>
+        </p:spPr>
+        <p:style>
+          <a:lnRef idx="1">
+            <a:schemeClr val="accent1"/>
+          </a:lnRef>
+          <a:fillRef idx="0">
+            <a:schemeClr val="accent1"/>
+          </a:fillRef>
+          <a:effectRef idx="0">
+            <a:schemeClr val="accent1"/>
+          </a:effectRef>
+          <a:fontRef idx="minor">
+            <a:schemeClr val="tx1"/>
+          </a:fontRef>
+        </p:style>
+      </p:cxnSp>
+      <p:cxnSp>
+        <p:nvCxnSpPr>
+          <p:cNvPr id="129" name="Straight Arrow Connector 128">
+            <a:extLst>
+              <a:ext uri="{FF2B5EF4-FFF2-40B4-BE49-F238E27FC236}">
+                <a16:creationId xmlns:a16="http://schemas.microsoft.com/office/drawing/2014/main" id="{50DA2309-E90A-3278-4CA3-D7393178205B}"/>
+              </a:ext>
+            </a:extLst>
+          </p:cNvPr>
+          <p:cNvCxnSpPr>
+            <a:cxnSpLocks/>
+            <a:endCxn id="58" idx="1"/>
+          </p:cNvCxnSpPr>
+          <p:nvPr/>
+        </p:nvCxnSpPr>
+        <p:spPr>
+          <a:xfrm flipV="1">
+            <a:off x="8927892" y="2744915"/>
+            <a:ext cx="1079869" cy="525747"/>
+          </a:xfrm>
+          <a:prstGeom prst="straightConnector1">
+            <a:avLst/>
+          </a:prstGeom>
+          <a:ln w="25400">
+            <a:solidFill>
+              <a:srgbClr val="002060"/>
+            </a:solidFill>
+            <a:tailEnd type="triangle"/>
+          </a:ln>
+        </p:spPr>
+        <p:style>
+          <a:lnRef idx="1">
+            <a:schemeClr val="accent1"/>
+          </a:lnRef>
+          <a:fillRef idx="0">
+            <a:schemeClr val="accent1"/>
+          </a:fillRef>
+          <a:effectRef idx="0">
+            <a:schemeClr val="accent1"/>
+          </a:effectRef>
+          <a:fontRef idx="minor">
+            <a:schemeClr val="tx1"/>
+          </a:fontRef>
+        </p:style>
+      </p:cxnSp>
+      <p:cxnSp>
+        <p:nvCxnSpPr>
+          <p:cNvPr id="134" name="Straight Arrow Connector 133">
+            <a:extLst>
+              <a:ext uri="{FF2B5EF4-FFF2-40B4-BE49-F238E27FC236}">
+                <a16:creationId xmlns:a16="http://schemas.microsoft.com/office/drawing/2014/main" id="{D6D4C46D-49F9-64BC-A77B-19F09137A580}"/>
+              </a:ext>
+            </a:extLst>
+          </p:cNvPr>
+          <p:cNvCxnSpPr>
+            <a:cxnSpLocks/>
+            <a:stCxn id="20" idx="3"/>
+            <a:endCxn id="59" idx="1"/>
+          </p:cNvCxnSpPr>
+          <p:nvPr/>
+        </p:nvCxnSpPr>
+        <p:spPr>
+          <a:xfrm>
+            <a:off x="8927892" y="3426654"/>
+            <a:ext cx="1079869" cy="1329"/>
+          </a:xfrm>
+          <a:prstGeom prst="straightConnector1">
+            <a:avLst/>
+          </a:prstGeom>
+          <a:ln w="25400">
+            <a:solidFill>
+              <a:srgbClr val="002060"/>
+            </a:solidFill>
+            <a:tailEnd type="triangle"/>
+          </a:ln>
+        </p:spPr>
+        <p:style>
+          <a:lnRef idx="1">
+            <a:schemeClr val="accent1"/>
+          </a:lnRef>
+          <a:fillRef idx="0">
+            <a:schemeClr val="accent1"/>
+          </a:fillRef>
+          <a:effectRef idx="0">
+            <a:schemeClr val="accent1"/>
+          </a:effectRef>
+          <a:fontRef idx="minor">
+            <a:schemeClr val="tx1"/>
+          </a:fontRef>
+        </p:style>
+      </p:cxnSp>
+      <p:cxnSp>
+        <p:nvCxnSpPr>
+          <p:cNvPr id="137" name="Straight Arrow Connector 136">
+            <a:extLst>
+              <a:ext uri="{FF2B5EF4-FFF2-40B4-BE49-F238E27FC236}">
+                <a16:creationId xmlns:a16="http://schemas.microsoft.com/office/drawing/2014/main" id="{A0D29CD3-54E3-EFEF-C69B-A7FA7FF93953}"/>
+              </a:ext>
+            </a:extLst>
+          </p:cNvPr>
+          <p:cNvCxnSpPr>
+            <a:cxnSpLocks/>
+            <a:endCxn id="61" idx="1"/>
+          </p:cNvCxnSpPr>
+          <p:nvPr/>
+        </p:nvCxnSpPr>
+        <p:spPr>
+          <a:xfrm>
+            <a:off x="8921686" y="3595334"/>
+            <a:ext cx="708531" cy="447726"/>
+          </a:xfrm>
+          <a:prstGeom prst="straightConnector1">
+            <a:avLst/>
+          </a:prstGeom>
+          <a:ln w="25400">
+            <a:solidFill>
+              <a:srgbClr val="002060"/>
+            </a:solidFill>
+            <a:tailEnd type="triangle"/>
+          </a:ln>
+        </p:spPr>
+        <p:style>
+          <a:lnRef idx="1">
+            <a:schemeClr val="accent1"/>
+          </a:lnRef>
+          <a:fillRef idx="0">
+            <a:schemeClr val="accent1"/>
+          </a:fillRef>
+          <a:effectRef idx="0">
+            <a:schemeClr val="accent1"/>
+          </a:effectRef>
+          <a:fontRef idx="minor">
+            <a:schemeClr val="tx1"/>
+          </a:fontRef>
+        </p:style>
+      </p:cxnSp>
+      <p:cxnSp>
+        <p:nvCxnSpPr>
+          <p:cNvPr id="141" name="Straight Arrow Connector 140">
+            <a:extLst>
+              <a:ext uri="{FF2B5EF4-FFF2-40B4-BE49-F238E27FC236}">
+                <a16:creationId xmlns:a16="http://schemas.microsoft.com/office/drawing/2014/main" id="{6BD77967-72DA-9F39-1C87-22E9A33F9AAA}"/>
+              </a:ext>
+            </a:extLst>
+          </p:cNvPr>
+          <p:cNvCxnSpPr>
+            <a:cxnSpLocks/>
+          </p:cNvCxnSpPr>
+          <p:nvPr/>
+        </p:nvCxnSpPr>
+        <p:spPr>
+          <a:xfrm>
+            <a:off x="8621526" y="3643810"/>
+            <a:ext cx="774541" cy="909290"/>
+          </a:xfrm>
+          <a:prstGeom prst="straightConnector1">
+            <a:avLst/>
+          </a:prstGeom>
+          <a:ln w="25400">
+            <a:solidFill>
+              <a:srgbClr val="002060"/>
+            </a:solidFill>
+            <a:tailEnd type="triangle"/>
+          </a:ln>
+        </p:spPr>
+        <p:style>
+          <a:lnRef idx="1">
+            <a:schemeClr val="accent1"/>
+          </a:lnRef>
+          <a:fillRef idx="0">
+            <a:schemeClr val="accent1"/>
+          </a:fillRef>
+          <a:effectRef idx="0">
+            <a:schemeClr val="accent1"/>
+          </a:effectRef>
+          <a:fontRef idx="minor">
+            <a:schemeClr val="tx1"/>
+          </a:fontRef>
+        </p:style>
+      </p:cxnSp>
+      <p:cxnSp>
+        <p:nvCxnSpPr>
+          <p:cNvPr id="145" name="Straight Arrow Connector 144">
+            <a:extLst>
+              <a:ext uri="{FF2B5EF4-FFF2-40B4-BE49-F238E27FC236}">
+                <a16:creationId xmlns:a16="http://schemas.microsoft.com/office/drawing/2014/main" id="{0018E40A-5042-4A8F-092E-F42B5BCB0C85}"/>
+              </a:ext>
+            </a:extLst>
+          </p:cNvPr>
+          <p:cNvCxnSpPr>
+            <a:cxnSpLocks/>
+            <a:stCxn id="26" idx="1"/>
+            <a:endCxn id="66" idx="3"/>
+          </p:cNvCxnSpPr>
+          <p:nvPr/>
+        </p:nvCxnSpPr>
+        <p:spPr>
+          <a:xfrm flipH="1">
+            <a:off x="4936983" y="4866915"/>
+            <a:ext cx="478158" cy="259400"/>
+          </a:xfrm>
+          <a:prstGeom prst="straightConnector1">
+            <a:avLst/>
+          </a:prstGeom>
+          <a:ln w="25400">
+            <a:solidFill>
+              <a:srgbClr val="002060"/>
+            </a:solidFill>
+            <a:tailEnd type="triangle"/>
+          </a:ln>
+        </p:spPr>
+        <p:style>
+          <a:lnRef idx="1">
+            <a:schemeClr val="accent1"/>
+          </a:lnRef>
+          <a:fillRef idx="0">
+            <a:schemeClr val="accent1"/>
+          </a:fillRef>
+          <a:effectRef idx="0">
+            <a:schemeClr val="accent1"/>
+          </a:effectRef>
+          <a:fontRef idx="minor">
+            <a:schemeClr val="tx1"/>
+          </a:fontRef>
+        </p:style>
+      </p:cxnSp>
+      <p:cxnSp>
+        <p:nvCxnSpPr>
+          <p:cNvPr id="148" name="Straight Arrow Connector 147">
+            <a:extLst>
+              <a:ext uri="{FF2B5EF4-FFF2-40B4-BE49-F238E27FC236}">
+                <a16:creationId xmlns:a16="http://schemas.microsoft.com/office/drawing/2014/main" id="{657AFA60-3257-C04C-F876-A5CEFCDAAAB5}"/>
+              </a:ext>
+            </a:extLst>
+          </p:cNvPr>
+          <p:cNvCxnSpPr>
+            <a:cxnSpLocks/>
+            <a:endCxn id="67" idx="0"/>
+          </p:cNvCxnSpPr>
+          <p:nvPr/>
+        </p:nvCxnSpPr>
+        <p:spPr>
+          <a:xfrm flipH="1">
+            <a:off x="4938716" y="5063861"/>
+            <a:ext cx="452317" cy="463996"/>
+          </a:xfrm>
+          <a:prstGeom prst="straightConnector1">
+            <a:avLst/>
+          </a:prstGeom>
+          <a:ln w="25400">
+            <a:solidFill>
+              <a:srgbClr val="002060"/>
+            </a:solidFill>
+            <a:tailEnd type="triangle"/>
+          </a:ln>
+        </p:spPr>
+        <p:style>
+          <a:lnRef idx="1">
+            <a:schemeClr val="accent1"/>
+          </a:lnRef>
+          <a:fillRef idx="0">
+            <a:schemeClr val="accent1"/>
+          </a:fillRef>
+          <a:effectRef idx="0">
+            <a:schemeClr val="accent1"/>
+          </a:effectRef>
+          <a:fontRef idx="minor">
+            <a:schemeClr val="tx1"/>
+          </a:fontRef>
+        </p:style>
+      </p:cxnSp>
+      <p:cxnSp>
+        <p:nvCxnSpPr>
+          <p:cNvPr id="152" name="Straight Arrow Connector 151">
+            <a:extLst>
+              <a:ext uri="{FF2B5EF4-FFF2-40B4-BE49-F238E27FC236}">
+                <a16:creationId xmlns:a16="http://schemas.microsoft.com/office/drawing/2014/main" id="{9313C833-8904-743E-1DCB-22436931DA3D}"/>
+              </a:ext>
+            </a:extLst>
+          </p:cNvPr>
+          <p:cNvCxnSpPr>
+            <a:cxnSpLocks/>
+            <a:endCxn id="74" idx="0"/>
+          </p:cNvCxnSpPr>
+          <p:nvPr/>
+        </p:nvCxnSpPr>
+        <p:spPr>
+          <a:xfrm flipH="1">
+            <a:off x="5819751" y="5098280"/>
+            <a:ext cx="204760" cy="562116"/>
+          </a:xfrm>
+          <a:prstGeom prst="straightConnector1">
+            <a:avLst/>
+          </a:prstGeom>
+          <a:ln w="25400">
+            <a:solidFill>
+              <a:srgbClr val="002060"/>
+            </a:solidFill>
+            <a:tailEnd type="triangle"/>
+          </a:ln>
+        </p:spPr>
+        <p:style>
+          <a:lnRef idx="1">
+            <a:schemeClr val="accent1"/>
+          </a:lnRef>
+          <a:fillRef idx="0">
+            <a:schemeClr val="accent1"/>
+          </a:fillRef>
+          <a:effectRef idx="0">
+            <a:schemeClr val="accent1"/>
+          </a:effectRef>
+          <a:fontRef idx="minor">
+            <a:schemeClr val="tx1"/>
+          </a:fontRef>
+        </p:style>
+      </p:cxnSp>
+      <p:cxnSp>
+        <p:nvCxnSpPr>
+          <p:cNvPr id="156" name="Straight Arrow Connector 155">
+            <a:extLst>
+              <a:ext uri="{FF2B5EF4-FFF2-40B4-BE49-F238E27FC236}">
+                <a16:creationId xmlns:a16="http://schemas.microsoft.com/office/drawing/2014/main" id="{C7A305A4-CC7A-90B7-E383-9C0D97B651A8}"/>
+              </a:ext>
+            </a:extLst>
+          </p:cNvPr>
+          <p:cNvCxnSpPr>
+            <a:cxnSpLocks/>
+            <a:endCxn id="76" idx="0"/>
+          </p:cNvCxnSpPr>
+          <p:nvPr/>
+        </p:nvCxnSpPr>
+        <p:spPr>
+          <a:xfrm>
+            <a:off x="6815686" y="5084429"/>
+            <a:ext cx="406891" cy="561199"/>
+          </a:xfrm>
+          <a:prstGeom prst="straightConnector1">
+            <a:avLst/>
+          </a:prstGeom>
+          <a:ln w="25400">
+            <a:solidFill>
+              <a:srgbClr val="002060"/>
+            </a:solidFill>
+            <a:tailEnd type="triangle"/>
+          </a:ln>
+        </p:spPr>
+        <p:style>
+          <a:lnRef idx="1">
+            <a:schemeClr val="accent1"/>
+          </a:lnRef>
+          <a:fillRef idx="0">
+            <a:schemeClr val="accent1"/>
+          </a:fillRef>
+          <a:effectRef idx="0">
+            <a:schemeClr val="accent1"/>
+          </a:effectRef>
+          <a:fontRef idx="minor">
+            <a:schemeClr val="tx1"/>
+          </a:fontRef>
+        </p:style>
+      </p:cxnSp>
+      <p:cxnSp>
+        <p:nvCxnSpPr>
+          <p:cNvPr id="160" name="Straight Arrow Connector 159">
+            <a:extLst>
+              <a:ext uri="{FF2B5EF4-FFF2-40B4-BE49-F238E27FC236}">
+                <a16:creationId xmlns:a16="http://schemas.microsoft.com/office/drawing/2014/main" id="{DE894432-C56B-54C7-FCF6-A9C56D146545}"/>
+              </a:ext>
+            </a:extLst>
+          </p:cNvPr>
+          <p:cNvCxnSpPr>
+            <a:cxnSpLocks/>
+            <a:endCxn id="78" idx="1"/>
+          </p:cNvCxnSpPr>
+          <p:nvPr/>
+        </p:nvCxnSpPr>
+        <p:spPr>
+          <a:xfrm>
+            <a:off x="7360504" y="5069999"/>
+            <a:ext cx="403565" cy="232747"/>
+          </a:xfrm>
+          <a:prstGeom prst="straightConnector1">
+            <a:avLst/>
+          </a:prstGeom>
+          <a:ln w="25400">
+            <a:solidFill>
+              <a:srgbClr val="002060"/>
+            </a:solidFill>
+            <a:tailEnd type="triangle"/>
+          </a:ln>
+        </p:spPr>
+        <p:style>
+          <a:lnRef idx="1">
+            <a:schemeClr val="accent1"/>
+          </a:lnRef>
+          <a:fillRef idx="0">
+            <a:schemeClr val="accent1"/>
+          </a:fillRef>
+          <a:effectRef idx="0">
+            <a:schemeClr val="accent1"/>
+          </a:effectRef>
+          <a:fontRef idx="minor">
+            <a:schemeClr val="tx1"/>
+          </a:fontRef>
+        </p:style>
+      </p:cxnSp>
     </p:spTree>
     <p:extLst>
       <p:ext uri="{BB962C8B-B14F-4D97-AF65-F5344CB8AC3E}">

--- a/2022-07-20 Dotnet Foundation Summit 2022/ABP-DNF-Summit-2022.pptx
+++ b/2022-07-20 Dotnet Foundation Summit 2022/ABP-DNF-Summit-2022.pptx
@@ -3522,38 +3522,371 @@
                 <a:latin typeface="Euclid Circular B" panose="020B0504000000000000" pitchFamily="34" charset="0"/>
                 <a:ea typeface="Euclid Circular B" panose="020B0504000000000000" pitchFamily="34" charset="0"/>
               </a:rPr>
-              <a:t>Topic title</a:t>
+              <a:t>ABP.IO: Filling the gap</a:t>
             </a:r>
           </a:p>
         </p:txBody>
       </p:sp>
       <p:sp>
         <p:nvSpPr>
-          <p:cNvPr id="3" name="Content Placeholder 2">
-            <a:extLst>
-              <a:ext uri="{FF2B5EF4-FFF2-40B4-BE49-F238E27FC236}">
-                <a16:creationId xmlns:a16="http://schemas.microsoft.com/office/drawing/2014/main" id="{891C7693-D3DF-4635-96F4-97F3B4136FDF}"/>
-              </a:ext>
-            </a:extLst>
-          </p:cNvPr>
-          <p:cNvSpPr>
-            <a:spLocks noGrp="1"/>
-          </p:cNvSpPr>
-          <p:nvPr>
-            <p:ph idx="1"/>
-          </p:nvPr>
+          <p:cNvPr id="7" name="Rectangle 6">
+            <a:extLst>
+              <a:ext uri="{FF2B5EF4-FFF2-40B4-BE49-F238E27FC236}">
+                <a16:creationId xmlns:a16="http://schemas.microsoft.com/office/drawing/2014/main" id="{0660B361-9F1B-9028-E9ED-EBDD0055314C}"/>
+              </a:ext>
+            </a:extLst>
+          </p:cNvPr>
+          <p:cNvSpPr/>
+          <p:nvPr/>
         </p:nvSpPr>
-        <p:spPr/>
+        <p:spPr>
+          <a:xfrm>
+            <a:off x="1879346" y="3296339"/>
+            <a:ext cx="7596577" cy="887809"/>
+          </a:xfrm>
+          <a:prstGeom prst="rect">
+            <a:avLst/>
+          </a:prstGeom>
+          <a:solidFill>
+            <a:schemeClr val="bg1"/>
+          </a:solidFill>
+          <a:ln>
+            <a:solidFill>
+              <a:schemeClr val="tx1">
+                <a:lumMod val="50000"/>
+                <a:lumOff val="50000"/>
+              </a:schemeClr>
+            </a:solidFill>
+          </a:ln>
+        </p:spPr>
+        <p:style>
+          <a:lnRef idx="2">
+            <a:schemeClr val="accent1">
+              <a:shade val="50000"/>
+            </a:schemeClr>
+          </a:lnRef>
+          <a:fillRef idx="1">
+            <a:schemeClr val="accent1"/>
+          </a:fillRef>
+          <a:effectRef idx="0">
+            <a:schemeClr val="accent1"/>
+          </a:effectRef>
+          <a:fontRef idx="minor">
+            <a:schemeClr val="lt1"/>
+          </a:fontRef>
+        </p:style>
         <p:txBody>
-          <a:bodyPr/>
+          <a:bodyPr rtlCol="0" anchor="ctr"/>
           <a:lstStyle/>
           <a:p>
             <a:r>
+              <a:rPr lang="en-US" sz="3600" dirty="0">
+                <a:solidFill>
+                  <a:schemeClr val="bg2">
+                    <a:lumMod val="25000"/>
+                  </a:schemeClr>
+                </a:solidFill>
+              </a:rPr>
+              <a:t>ABP.IO Platform</a:t>
+            </a:r>
+            <a:endParaRPr lang="en-US" sz="2400" dirty="0">
+              <a:solidFill>
+                <a:schemeClr val="bg2">
+                  <a:lumMod val="25000"/>
+                </a:schemeClr>
+              </a:solidFill>
+            </a:endParaRPr>
+          </a:p>
+          <a:p>
+            <a:r>
               <a:rPr lang="en-US" dirty="0">
-                <a:latin typeface="Euclid Circular B" panose="020B0504000000000000" pitchFamily="34" charset="0"/>
-                <a:ea typeface="Euclid Circular B" panose="020B0504000000000000" pitchFamily="34" charset="0"/>
+                <a:solidFill>
+                  <a:schemeClr val="bg2">
+                    <a:lumMod val="25000"/>
+                  </a:schemeClr>
+                </a:solidFill>
               </a:rPr>
-              <a:t>Content</a:t>
+              <a:t>Architecture &amp; Infrastructure for Real-World Business Applications</a:t>
+            </a:r>
+          </a:p>
+        </p:txBody>
+      </p:sp>
+      <p:sp>
+        <p:nvSpPr>
+          <p:cNvPr id="9" name="Rectangle 8">
+            <a:extLst>
+              <a:ext uri="{FF2B5EF4-FFF2-40B4-BE49-F238E27FC236}">
+                <a16:creationId xmlns:a16="http://schemas.microsoft.com/office/drawing/2014/main" id="{44694CC2-1367-3327-5952-11A442208198}"/>
+              </a:ext>
+            </a:extLst>
+          </p:cNvPr>
+          <p:cNvSpPr/>
+          <p:nvPr/>
+        </p:nvSpPr>
+        <p:spPr>
+          <a:xfrm>
+            <a:off x="1879346" y="4354086"/>
+            <a:ext cx="7596577" cy="887809"/>
+          </a:xfrm>
+          <a:prstGeom prst="rect">
+            <a:avLst/>
+          </a:prstGeom>
+          <a:solidFill>
+            <a:schemeClr val="bg1"/>
+          </a:solidFill>
+          <a:ln>
+            <a:solidFill>
+              <a:schemeClr val="tx1">
+                <a:lumMod val="50000"/>
+                <a:lumOff val="50000"/>
+              </a:schemeClr>
+            </a:solidFill>
+          </a:ln>
+        </p:spPr>
+        <p:style>
+          <a:lnRef idx="2">
+            <a:schemeClr val="accent1">
+              <a:shade val="50000"/>
+            </a:schemeClr>
+          </a:lnRef>
+          <a:fillRef idx="1">
+            <a:schemeClr val="accent1"/>
+          </a:fillRef>
+          <a:effectRef idx="0">
+            <a:schemeClr val="accent1"/>
+          </a:effectRef>
+          <a:fontRef idx="minor">
+            <a:schemeClr val="lt1"/>
+          </a:fontRef>
+        </p:style>
+        <p:txBody>
+          <a:bodyPr rtlCol="0" anchor="ctr"/>
+          <a:lstStyle/>
+          <a:p>
+            <a:r>
+              <a:rPr lang="en-US" sz="3600" dirty="0">
+                <a:solidFill>
+                  <a:schemeClr val="bg2">
+                    <a:lumMod val="25000"/>
+                  </a:schemeClr>
+                </a:solidFill>
+              </a:rPr>
+              <a:t>.NET Platform / ASP.NET Core</a:t>
+            </a:r>
+          </a:p>
+          <a:p>
+            <a:r>
+              <a:rPr lang="en-US" dirty="0">
+                <a:solidFill>
+                  <a:schemeClr val="bg2">
+                    <a:lumMod val="25000"/>
+                  </a:schemeClr>
+                </a:solidFill>
+              </a:rPr>
+              <a:t>Web Application &amp; HTTP Service Development Framework</a:t>
+            </a:r>
+          </a:p>
+        </p:txBody>
+      </p:sp>
+      <p:pic>
+        <p:nvPicPr>
+          <p:cNvPr id="10" name="Picture 9" descr="A picture containing text, transport, vector graphics&#10;&#10;Description automatically generated">
+            <a:extLst>
+              <a:ext uri="{FF2B5EF4-FFF2-40B4-BE49-F238E27FC236}">
+                <a16:creationId xmlns:a16="http://schemas.microsoft.com/office/drawing/2014/main" id="{12AA7779-DF7F-FB7A-6AFE-0174494CFEBB}"/>
+              </a:ext>
+            </a:extLst>
+          </p:cNvPr>
+          <p:cNvPicPr>
+            <a:picLocks noChangeAspect="1"/>
+          </p:cNvPicPr>
+          <p:nvPr/>
+        </p:nvPicPr>
+        <p:blipFill>
+          <a:blip r:embed="rId3">
+            <a:extLst>
+              <a:ext uri="{28A0092B-C50C-407E-A947-70E740481C1C}">
+                <a14:useLocalDpi xmlns:a14="http://schemas.microsoft.com/office/drawing/2010/main" val="0"/>
+              </a:ext>
+            </a:extLst>
+          </a:blip>
+          <a:stretch>
+            <a:fillRect/>
+          </a:stretch>
+        </p:blipFill>
+        <p:spPr>
+          <a:xfrm>
+            <a:off x="469160" y="3051140"/>
+            <a:ext cx="1690958" cy="1690958"/>
+          </a:xfrm>
+          <a:prstGeom prst="rect">
+            <a:avLst/>
+          </a:prstGeom>
+        </p:spPr>
+      </p:pic>
+      <p:pic>
+        <p:nvPicPr>
+          <p:cNvPr id="3074" name="Picture 2">
+            <a:extLst>
+              <a:ext uri="{FF2B5EF4-FFF2-40B4-BE49-F238E27FC236}">
+                <a16:creationId xmlns:a16="http://schemas.microsoft.com/office/drawing/2014/main" id="{FA6902EA-BFC9-3D18-7813-3C820945EE4D}"/>
+              </a:ext>
+            </a:extLst>
+          </p:cNvPr>
+          <p:cNvPicPr>
+            <a:picLocks noChangeAspect="1" noChangeArrowheads="1"/>
+          </p:cNvPicPr>
+          <p:nvPr/>
+        </p:nvPicPr>
+        <p:blipFill>
+          <a:blip r:embed="rId4">
+            <a:extLst>
+              <a:ext uri="{28A0092B-C50C-407E-A947-70E740481C1C}">
+                <a14:useLocalDpi xmlns:a14="http://schemas.microsoft.com/office/drawing/2010/main" val="0"/>
+              </a:ext>
+            </a:extLst>
+          </a:blip>
+          <a:srcRect/>
+          <a:stretch>
+            <a:fillRect/>
+          </a:stretch>
+        </p:blipFill>
+        <p:spPr bwMode="auto">
+          <a:xfrm>
+            <a:off x="901240" y="4411241"/>
+            <a:ext cx="821601" cy="821601"/>
+          </a:xfrm>
+          <a:prstGeom prst="rect">
+            <a:avLst/>
+          </a:prstGeom>
+          <a:noFill/>
+          <a:extLst>
+            <a:ext uri="{909E8E84-426E-40DD-AFC4-6F175D3DCCD1}">
+              <a14:hiddenFill xmlns:a14="http://schemas.microsoft.com/office/drawing/2010/main">
+                <a:solidFill>
+                  <a:srgbClr val="FFFFFF"/>
+                </a:solidFill>
+              </a14:hiddenFill>
+            </a:ext>
+          </a:extLst>
+        </p:spPr>
+      </p:pic>
+      <p:pic>
+        <p:nvPicPr>
+          <p:cNvPr id="12" name="Picture 11" descr="Shape&#10;&#10;Description automatically generated with low confidence">
+            <a:extLst>
+              <a:ext uri="{FF2B5EF4-FFF2-40B4-BE49-F238E27FC236}">
+                <a16:creationId xmlns:a16="http://schemas.microsoft.com/office/drawing/2014/main" id="{45B650B9-E6FD-EC71-564D-3BAA70ED8AAD}"/>
+              </a:ext>
+            </a:extLst>
+          </p:cNvPr>
+          <p:cNvPicPr>
+            <a:picLocks noChangeAspect="1"/>
+          </p:cNvPicPr>
+          <p:nvPr/>
+        </p:nvPicPr>
+        <p:blipFill>
+          <a:blip r:embed="rId5">
+            <a:extLst>
+              <a:ext uri="{28A0092B-C50C-407E-A947-70E740481C1C}">
+                <a14:useLocalDpi xmlns:a14="http://schemas.microsoft.com/office/drawing/2010/main" val="0"/>
+              </a:ext>
+            </a:extLst>
+          </a:blip>
+          <a:stretch>
+            <a:fillRect/>
+          </a:stretch>
+        </p:blipFill>
+        <p:spPr>
+          <a:xfrm>
+            <a:off x="901240" y="2274804"/>
+            <a:ext cx="821601" cy="821601"/>
+          </a:xfrm>
+          <a:prstGeom prst="rect">
+            <a:avLst/>
+          </a:prstGeom>
+        </p:spPr>
+      </p:pic>
+      <p:sp>
+        <p:nvSpPr>
+          <p:cNvPr id="14" name="Rectangle 13">
+            <a:extLst>
+              <a:ext uri="{FF2B5EF4-FFF2-40B4-BE49-F238E27FC236}">
+                <a16:creationId xmlns:a16="http://schemas.microsoft.com/office/drawing/2014/main" id="{5DD91C09-9480-C591-BFCA-376994E3AF19}"/>
+              </a:ext>
+            </a:extLst>
+          </p:cNvPr>
+          <p:cNvSpPr/>
+          <p:nvPr/>
+        </p:nvSpPr>
+        <p:spPr>
+          <a:xfrm>
+            <a:off x="1879346" y="2238592"/>
+            <a:ext cx="7596577" cy="887809"/>
+          </a:xfrm>
+          <a:prstGeom prst="rect">
+            <a:avLst/>
+          </a:prstGeom>
+          <a:solidFill>
+            <a:schemeClr val="bg1"/>
+          </a:solidFill>
+          <a:ln>
+            <a:solidFill>
+              <a:schemeClr val="tx1">
+                <a:lumMod val="50000"/>
+                <a:lumOff val="50000"/>
+              </a:schemeClr>
+            </a:solidFill>
+          </a:ln>
+        </p:spPr>
+        <p:style>
+          <a:lnRef idx="2">
+            <a:schemeClr val="accent1">
+              <a:shade val="50000"/>
+            </a:schemeClr>
+          </a:lnRef>
+          <a:fillRef idx="1">
+            <a:schemeClr val="accent1"/>
+          </a:fillRef>
+          <a:effectRef idx="0">
+            <a:schemeClr val="accent1"/>
+          </a:effectRef>
+          <a:fontRef idx="minor">
+            <a:schemeClr val="lt1"/>
+          </a:fontRef>
+        </p:style>
+        <p:txBody>
+          <a:bodyPr rtlCol="0" anchor="ctr"/>
+          <a:lstStyle/>
+          <a:p>
+            <a:r>
+              <a:rPr lang="en-US" sz="3600" dirty="0">
+                <a:solidFill>
+                  <a:schemeClr val="bg2">
+                    <a:lumMod val="25000"/>
+                  </a:schemeClr>
+                </a:solidFill>
+              </a:rPr>
+              <a:t>Your Application</a:t>
+            </a:r>
+            <a:endParaRPr lang="en-US" sz="2400" dirty="0">
+              <a:solidFill>
+                <a:schemeClr val="bg2">
+                  <a:lumMod val="25000"/>
+                </a:schemeClr>
+              </a:solidFill>
+            </a:endParaRPr>
+          </a:p>
+          <a:p>
+            <a:r>
+              <a:rPr lang="en-US" dirty="0">
+                <a:solidFill>
+                  <a:schemeClr val="bg2">
+                    <a:lumMod val="25000"/>
+                  </a:schemeClr>
+                </a:solidFill>
+              </a:rPr>
+              <a:t>Focus on your own business code!</a:t>
             </a:r>
           </a:p>
         </p:txBody>
@@ -3568,6 +3901,305 @@
   <p:clrMapOvr>
     <a:masterClrMapping/>
   </p:clrMapOvr>
+  <p:timing>
+    <p:tnLst>
+      <p:par>
+        <p:cTn id="1" dur="indefinite" restart="never" nodeType="tmRoot">
+          <p:childTnLst>
+            <p:seq concurrent="1" nextAc="seek">
+              <p:cTn id="2" dur="indefinite" nodeType="mainSeq">
+                <p:childTnLst>
+                  <p:par>
+                    <p:cTn id="3" fill="hold">
+                      <p:stCondLst>
+                        <p:cond delay="indefinite"/>
+                      </p:stCondLst>
+                      <p:childTnLst>
+                        <p:par>
+                          <p:cTn id="4" fill="hold">
+                            <p:stCondLst>
+                              <p:cond delay="0"/>
+                            </p:stCondLst>
+                            <p:childTnLst>
+                              <p:par>
+                                <p:cTn id="5" presetID="10" presetClass="entr" presetSubtype="0" fill="hold" grpId="0" nodeType="clickEffect">
+                                  <p:stCondLst>
+                                    <p:cond delay="0"/>
+                                  </p:stCondLst>
+                                  <p:childTnLst>
+                                    <p:set>
+                                      <p:cBhvr>
+                                        <p:cTn id="6" dur="1" fill="hold">
+                                          <p:stCondLst>
+                                            <p:cond delay="0"/>
+                                          </p:stCondLst>
+                                        </p:cTn>
+                                        <p:tgtEl>
+                                          <p:spTgt spid="9"/>
+                                        </p:tgtEl>
+                                        <p:attrNameLst>
+                                          <p:attrName>style.visibility</p:attrName>
+                                        </p:attrNameLst>
+                                      </p:cBhvr>
+                                      <p:to>
+                                        <p:strVal val="visible"/>
+                                      </p:to>
+                                    </p:set>
+                                    <p:animEffect transition="in" filter="fade">
+                                      <p:cBhvr>
+                                        <p:cTn id="7" dur="500"/>
+                                        <p:tgtEl>
+                                          <p:spTgt spid="9"/>
+                                        </p:tgtEl>
+                                      </p:cBhvr>
+                                    </p:animEffect>
+                                  </p:childTnLst>
+                                </p:cTn>
+                              </p:par>
+                              <p:par>
+                                <p:cTn id="8" presetID="10" presetClass="entr" presetSubtype="0" fill="hold" nodeType="withEffect">
+                                  <p:stCondLst>
+                                    <p:cond delay="0"/>
+                                  </p:stCondLst>
+                                  <p:childTnLst>
+                                    <p:set>
+                                      <p:cBhvr>
+                                        <p:cTn id="9" dur="1" fill="hold">
+                                          <p:stCondLst>
+                                            <p:cond delay="0"/>
+                                          </p:stCondLst>
+                                        </p:cTn>
+                                        <p:tgtEl>
+                                          <p:spTgt spid="3074"/>
+                                        </p:tgtEl>
+                                        <p:attrNameLst>
+                                          <p:attrName>style.visibility</p:attrName>
+                                        </p:attrNameLst>
+                                      </p:cBhvr>
+                                      <p:to>
+                                        <p:strVal val="visible"/>
+                                      </p:to>
+                                    </p:set>
+                                    <p:animEffect transition="in" filter="fade">
+                                      <p:cBhvr>
+                                        <p:cTn id="10" dur="500"/>
+                                        <p:tgtEl>
+                                          <p:spTgt spid="3074"/>
+                                        </p:tgtEl>
+                                      </p:cBhvr>
+                                    </p:animEffect>
+                                  </p:childTnLst>
+                                </p:cTn>
+                              </p:par>
+                            </p:childTnLst>
+                          </p:cTn>
+                        </p:par>
+                      </p:childTnLst>
+                    </p:cTn>
+                  </p:par>
+                  <p:par>
+                    <p:cTn id="11" fill="hold">
+                      <p:stCondLst>
+                        <p:cond delay="indefinite"/>
+                      </p:stCondLst>
+                      <p:childTnLst>
+                        <p:par>
+                          <p:cTn id="12" fill="hold">
+                            <p:stCondLst>
+                              <p:cond delay="0"/>
+                            </p:stCondLst>
+                            <p:childTnLst>
+                              <p:par>
+                                <p:cTn id="13" presetID="10" presetClass="entr" presetSubtype="0" fill="hold" grpId="0" nodeType="clickEffect">
+                                  <p:stCondLst>
+                                    <p:cond delay="0"/>
+                                  </p:stCondLst>
+                                  <p:childTnLst>
+                                    <p:set>
+                                      <p:cBhvr>
+                                        <p:cTn id="14" dur="1" fill="hold">
+                                          <p:stCondLst>
+                                            <p:cond delay="0"/>
+                                          </p:stCondLst>
+                                        </p:cTn>
+                                        <p:tgtEl>
+                                          <p:spTgt spid="7"/>
+                                        </p:tgtEl>
+                                        <p:attrNameLst>
+                                          <p:attrName>style.visibility</p:attrName>
+                                        </p:attrNameLst>
+                                      </p:cBhvr>
+                                      <p:to>
+                                        <p:strVal val="visible"/>
+                                      </p:to>
+                                    </p:set>
+                                    <p:animEffect transition="in" filter="fade">
+                                      <p:cBhvr>
+                                        <p:cTn id="15" dur="500"/>
+                                        <p:tgtEl>
+                                          <p:spTgt spid="7"/>
+                                        </p:tgtEl>
+                                      </p:cBhvr>
+                                    </p:animEffect>
+                                  </p:childTnLst>
+                                </p:cTn>
+                              </p:par>
+                              <p:par>
+                                <p:cTn id="16" presetID="10" presetClass="entr" presetSubtype="0" fill="hold" nodeType="withEffect">
+                                  <p:stCondLst>
+                                    <p:cond delay="0"/>
+                                  </p:stCondLst>
+                                  <p:childTnLst>
+                                    <p:set>
+                                      <p:cBhvr>
+                                        <p:cTn id="17" dur="1" fill="hold">
+                                          <p:stCondLst>
+                                            <p:cond delay="0"/>
+                                          </p:stCondLst>
+                                        </p:cTn>
+                                        <p:tgtEl>
+                                          <p:spTgt spid="10"/>
+                                        </p:tgtEl>
+                                        <p:attrNameLst>
+                                          <p:attrName>style.visibility</p:attrName>
+                                        </p:attrNameLst>
+                                      </p:cBhvr>
+                                      <p:to>
+                                        <p:strVal val="visible"/>
+                                      </p:to>
+                                    </p:set>
+                                    <p:animEffect transition="in" filter="fade">
+                                      <p:cBhvr>
+                                        <p:cTn id="18" dur="500"/>
+                                        <p:tgtEl>
+                                          <p:spTgt spid="10"/>
+                                        </p:tgtEl>
+                                      </p:cBhvr>
+                                    </p:animEffect>
+                                  </p:childTnLst>
+                                </p:cTn>
+                              </p:par>
+                            </p:childTnLst>
+                          </p:cTn>
+                        </p:par>
+                      </p:childTnLst>
+                    </p:cTn>
+                  </p:par>
+                  <p:par>
+                    <p:cTn id="19" fill="hold">
+                      <p:stCondLst>
+                        <p:cond delay="indefinite"/>
+                      </p:stCondLst>
+                      <p:childTnLst>
+                        <p:par>
+                          <p:cTn id="20" fill="hold">
+                            <p:stCondLst>
+                              <p:cond delay="0"/>
+                            </p:stCondLst>
+                            <p:childTnLst>
+                              <p:par>
+                                <p:cTn id="21" presetID="10" presetClass="entr" presetSubtype="0" fill="hold" nodeType="clickEffect">
+                                  <p:stCondLst>
+                                    <p:cond delay="0"/>
+                                  </p:stCondLst>
+                                  <p:childTnLst>
+                                    <p:set>
+                                      <p:cBhvr>
+                                        <p:cTn id="22" dur="1" fill="hold">
+                                          <p:stCondLst>
+                                            <p:cond delay="0"/>
+                                          </p:stCondLst>
+                                        </p:cTn>
+                                        <p:tgtEl>
+                                          <p:spTgt spid="12"/>
+                                        </p:tgtEl>
+                                        <p:attrNameLst>
+                                          <p:attrName>style.visibility</p:attrName>
+                                        </p:attrNameLst>
+                                      </p:cBhvr>
+                                      <p:to>
+                                        <p:strVal val="visible"/>
+                                      </p:to>
+                                    </p:set>
+                                    <p:animEffect transition="in" filter="fade">
+                                      <p:cBhvr>
+                                        <p:cTn id="23" dur="500"/>
+                                        <p:tgtEl>
+                                          <p:spTgt spid="12"/>
+                                        </p:tgtEl>
+                                      </p:cBhvr>
+                                    </p:animEffect>
+                                  </p:childTnLst>
+                                </p:cTn>
+                              </p:par>
+                              <p:par>
+                                <p:cTn id="24" presetID="10" presetClass="entr" presetSubtype="0" fill="hold" grpId="0" nodeType="withEffect">
+                                  <p:stCondLst>
+                                    <p:cond delay="0"/>
+                                  </p:stCondLst>
+                                  <p:childTnLst>
+                                    <p:set>
+                                      <p:cBhvr>
+                                        <p:cTn id="25" dur="1" fill="hold">
+                                          <p:stCondLst>
+                                            <p:cond delay="0"/>
+                                          </p:stCondLst>
+                                        </p:cTn>
+                                        <p:tgtEl>
+                                          <p:spTgt spid="14"/>
+                                        </p:tgtEl>
+                                        <p:attrNameLst>
+                                          <p:attrName>style.visibility</p:attrName>
+                                        </p:attrNameLst>
+                                      </p:cBhvr>
+                                      <p:to>
+                                        <p:strVal val="visible"/>
+                                      </p:to>
+                                    </p:set>
+                                    <p:animEffect transition="in" filter="fade">
+                                      <p:cBhvr>
+                                        <p:cTn id="26" dur="500"/>
+                                        <p:tgtEl>
+                                          <p:spTgt spid="14"/>
+                                        </p:tgtEl>
+                                      </p:cBhvr>
+                                    </p:animEffect>
+                                  </p:childTnLst>
+                                </p:cTn>
+                              </p:par>
+                            </p:childTnLst>
+                          </p:cTn>
+                        </p:par>
+                      </p:childTnLst>
+                    </p:cTn>
+                  </p:par>
+                </p:childTnLst>
+              </p:cTn>
+              <p:prevCondLst>
+                <p:cond evt="onPrev" delay="0">
+                  <p:tgtEl>
+                    <p:sldTgt/>
+                  </p:tgtEl>
+                </p:cond>
+              </p:prevCondLst>
+              <p:nextCondLst>
+                <p:cond evt="onNext" delay="0">
+                  <p:tgtEl>
+                    <p:sldTgt/>
+                  </p:tgtEl>
+                </p:cond>
+              </p:nextCondLst>
+            </p:seq>
+          </p:childTnLst>
+        </p:cTn>
+      </p:par>
+    </p:tnLst>
+    <p:bldLst>
+      <p:bldP spid="7" grpId="0" animBg="1"/>
+      <p:bldP spid="9" grpId="0" animBg="1"/>
+      <p:bldP spid="14" grpId="0" animBg="1"/>
+    </p:bldLst>
+  </p:timing>
 </p:sld>
 </file>
 
@@ -8063,78 +8695,6 @@
       </p:sp>
       <p:pic>
         <p:nvPicPr>
-          <p:cNvPr id="58" name="Picture 57">
-            <a:extLst>
-              <a:ext uri="{FF2B5EF4-FFF2-40B4-BE49-F238E27FC236}">
-                <a16:creationId xmlns:a16="http://schemas.microsoft.com/office/drawing/2014/main" id="{50E4C759-4524-0D5F-2E70-540DB43950EE}"/>
-              </a:ext>
-            </a:extLst>
-          </p:cNvPr>
-          <p:cNvPicPr>
-            <a:picLocks noChangeAspect="1"/>
-          </p:cNvPicPr>
-          <p:nvPr/>
-        </p:nvPicPr>
-        <p:blipFill>
-          <a:blip r:embed="rId13">
-            <a:extLst>
-              <a:ext uri="{28A0092B-C50C-407E-A947-70E740481C1C}">
-                <a14:useLocalDpi xmlns:a14="http://schemas.microsoft.com/office/drawing/2010/main" val="0"/>
-              </a:ext>
-            </a:extLst>
-          </a:blip>
-          <a:stretch>
-            <a:fillRect/>
-          </a:stretch>
-        </p:blipFill>
-        <p:spPr>
-          <a:xfrm>
-            <a:off x="10007761" y="2592534"/>
-            <a:ext cx="304762" cy="304762"/>
-          </a:xfrm>
-          <a:prstGeom prst="rect">
-            <a:avLst/>
-          </a:prstGeom>
-        </p:spPr>
-      </p:pic>
-      <p:pic>
-        <p:nvPicPr>
-          <p:cNvPr id="59" name="Picture 58">
-            <a:extLst>
-              <a:ext uri="{FF2B5EF4-FFF2-40B4-BE49-F238E27FC236}">
-                <a16:creationId xmlns:a16="http://schemas.microsoft.com/office/drawing/2014/main" id="{D137FDB4-5074-FF8E-DBF4-C052A5AF70F4}"/>
-              </a:ext>
-            </a:extLst>
-          </p:cNvPr>
-          <p:cNvPicPr>
-            <a:picLocks noChangeAspect="1"/>
-          </p:cNvPicPr>
-          <p:nvPr/>
-        </p:nvPicPr>
-        <p:blipFill>
-          <a:blip r:embed="rId14">
-            <a:extLst>
-              <a:ext uri="{28A0092B-C50C-407E-A947-70E740481C1C}">
-                <a14:useLocalDpi xmlns:a14="http://schemas.microsoft.com/office/drawing/2010/main" val="0"/>
-              </a:ext>
-            </a:extLst>
-          </a:blip>
-          <a:stretch>
-            <a:fillRect/>
-          </a:stretch>
-        </p:blipFill>
-        <p:spPr>
-          <a:xfrm>
-            <a:off x="10007761" y="3258706"/>
-            <a:ext cx="338554" cy="338554"/>
-          </a:xfrm>
-          <a:prstGeom prst="rect">
-            <a:avLst/>
-          </a:prstGeom>
-        </p:spPr>
-      </p:pic>
-      <p:pic>
-        <p:nvPicPr>
           <p:cNvPr id="61" name="Picture 60" descr="Icon&#10;&#10;Description automatically generated">
             <a:extLst>
               <a:ext uri="{FF2B5EF4-FFF2-40B4-BE49-F238E27FC236}">
@@ -9170,7 +9730,6 @@
           </p:cNvPr>
           <p:cNvCxnSpPr>
             <a:cxnSpLocks/>
-            <a:endCxn id="58" idx="1"/>
           </p:cNvCxnSpPr>
           <p:nvPr/>
         </p:nvCxnSpPr>
@@ -9216,7 +9775,6 @@
           <p:cNvCxnSpPr>
             <a:cxnSpLocks/>
             <a:stCxn id="20" idx="3"/>
-            <a:endCxn id="59" idx="1"/>
           </p:cNvCxnSpPr>
           <p:nvPr/>
         </p:nvCxnSpPr>
@@ -9350,7 +9908,6 @@
           </p:cNvPr>
           <p:cNvCxnSpPr>
             <a:cxnSpLocks/>
-            <a:stCxn id="26" idx="1"/>
             <a:endCxn id="66" idx="3"/>
           </p:cNvCxnSpPr>
           <p:nvPr/>
@@ -9358,7 +9915,7 @@
         <p:spPr>
           <a:xfrm flipH="1">
             <a:off x="4936983" y="4866915"/>
-            <a:ext cx="478158" cy="259400"/>
+            <a:ext cx="459304" cy="259400"/>
           </a:xfrm>
           <a:prstGeom prst="straightConnector1">
             <a:avLst/>
@@ -9565,6 +10122,78 @@
           </a:fontRef>
         </p:style>
       </p:cxnSp>
+      <p:pic>
+        <p:nvPicPr>
+          <p:cNvPr id="166" name="Picture 165">
+            <a:extLst>
+              <a:ext uri="{FF2B5EF4-FFF2-40B4-BE49-F238E27FC236}">
+                <a16:creationId xmlns:a16="http://schemas.microsoft.com/office/drawing/2014/main" id="{B42DBE96-3257-327A-4810-0EDBFC8A0771}"/>
+              </a:ext>
+            </a:extLst>
+          </p:cNvPr>
+          <p:cNvPicPr>
+            <a:picLocks noChangeAspect="1"/>
+          </p:cNvPicPr>
+          <p:nvPr/>
+        </p:nvPicPr>
+        <p:blipFill>
+          <a:blip r:embed="rId23">
+            <a:extLst>
+              <a:ext uri="{28A0092B-C50C-407E-A947-70E740481C1C}">
+                <a14:useLocalDpi xmlns:a14="http://schemas.microsoft.com/office/drawing/2010/main" val="0"/>
+              </a:ext>
+            </a:extLst>
+          </a:blip>
+          <a:stretch>
+            <a:fillRect/>
+          </a:stretch>
+        </p:blipFill>
+        <p:spPr>
+          <a:xfrm>
+            <a:off x="10039856" y="2605081"/>
+            <a:ext cx="297467" cy="297467"/>
+          </a:xfrm>
+          <a:prstGeom prst="rect">
+            <a:avLst/>
+          </a:prstGeom>
+        </p:spPr>
+      </p:pic>
+      <p:pic>
+        <p:nvPicPr>
+          <p:cNvPr id="168" name="Picture 167">
+            <a:extLst>
+              <a:ext uri="{FF2B5EF4-FFF2-40B4-BE49-F238E27FC236}">
+                <a16:creationId xmlns:a16="http://schemas.microsoft.com/office/drawing/2014/main" id="{EBECA1D1-D591-D195-369B-BD9929A66F2C}"/>
+              </a:ext>
+            </a:extLst>
+          </p:cNvPr>
+          <p:cNvPicPr>
+            <a:picLocks noChangeAspect="1"/>
+          </p:cNvPicPr>
+          <p:nvPr/>
+        </p:nvPicPr>
+        <p:blipFill>
+          <a:blip r:embed="rId24">
+            <a:extLst>
+              <a:ext uri="{28A0092B-C50C-407E-A947-70E740481C1C}">
+                <a14:useLocalDpi xmlns:a14="http://schemas.microsoft.com/office/drawing/2010/main" val="0"/>
+              </a:ext>
+            </a:extLst>
+          </a:blip>
+          <a:stretch>
+            <a:fillRect/>
+          </a:stretch>
+        </p:blipFill>
+        <p:spPr>
+          <a:xfrm>
+            <a:off x="9998575" y="3252440"/>
+            <a:ext cx="334900" cy="334900"/>
+          </a:xfrm>
+          <a:prstGeom prst="rect">
+            <a:avLst/>
+          </a:prstGeom>
+        </p:spPr>
+      </p:pic>
     </p:spTree>
     <p:extLst>
       <p:ext uri="{BB962C8B-B14F-4D97-AF65-F5344CB8AC3E}">
@@ -9575,6 +10204,2658 @@
   <p:clrMapOvr>
     <a:masterClrMapping/>
   </p:clrMapOvr>
+  <p:timing>
+    <p:tnLst>
+      <p:par>
+        <p:cTn id="1" dur="indefinite" restart="never" nodeType="tmRoot">
+          <p:childTnLst>
+            <p:seq concurrent="1" nextAc="seek">
+              <p:cTn id="2" dur="indefinite" nodeType="mainSeq">
+                <p:childTnLst>
+                  <p:par>
+                    <p:cTn id="3" fill="hold">
+                      <p:stCondLst>
+                        <p:cond delay="indefinite"/>
+                      </p:stCondLst>
+                      <p:childTnLst>
+                        <p:par>
+                          <p:cTn id="4" fill="hold">
+                            <p:stCondLst>
+                              <p:cond delay="0"/>
+                            </p:stCondLst>
+                            <p:childTnLst>
+                              <p:par>
+                                <p:cTn id="5" presetID="10" presetClass="entr" presetSubtype="0" fill="hold" grpId="0" nodeType="clickEffect">
+                                  <p:stCondLst>
+                                    <p:cond delay="0"/>
+                                  </p:stCondLst>
+                                  <p:childTnLst>
+                                    <p:set>
+                                      <p:cBhvr>
+                                        <p:cTn id="6" dur="1" fill="hold">
+                                          <p:stCondLst>
+                                            <p:cond delay="0"/>
+                                          </p:stCondLst>
+                                        </p:cTn>
+                                        <p:tgtEl>
+                                          <p:spTgt spid="14"/>
+                                        </p:tgtEl>
+                                        <p:attrNameLst>
+                                          <p:attrName>style.visibility</p:attrName>
+                                        </p:attrNameLst>
+                                      </p:cBhvr>
+                                      <p:to>
+                                        <p:strVal val="visible"/>
+                                      </p:to>
+                                    </p:set>
+                                    <p:animEffect transition="in" filter="fade">
+                                      <p:cBhvr>
+                                        <p:cTn id="7" dur="500"/>
+                                        <p:tgtEl>
+                                          <p:spTgt spid="14"/>
+                                        </p:tgtEl>
+                                      </p:cBhvr>
+                                    </p:animEffect>
+                                  </p:childTnLst>
+                                </p:cTn>
+                              </p:par>
+                              <p:par>
+                                <p:cTn id="8" presetID="10" presetClass="entr" presetSubtype="0" fill="hold" nodeType="withEffect">
+                                  <p:stCondLst>
+                                    <p:cond delay="0"/>
+                                  </p:stCondLst>
+                                  <p:childTnLst>
+                                    <p:set>
+                                      <p:cBhvr>
+                                        <p:cTn id="9" dur="1" fill="hold">
+                                          <p:stCondLst>
+                                            <p:cond delay="0"/>
+                                          </p:stCondLst>
+                                        </p:cTn>
+                                        <p:tgtEl>
+                                          <p:spTgt spid="18"/>
+                                        </p:tgtEl>
+                                        <p:attrNameLst>
+                                          <p:attrName>style.visibility</p:attrName>
+                                        </p:attrNameLst>
+                                      </p:cBhvr>
+                                      <p:to>
+                                        <p:strVal val="visible"/>
+                                      </p:to>
+                                    </p:set>
+                                    <p:animEffect transition="in" filter="fade">
+                                      <p:cBhvr>
+                                        <p:cTn id="10" dur="500"/>
+                                        <p:tgtEl>
+                                          <p:spTgt spid="18"/>
+                                        </p:tgtEl>
+                                      </p:cBhvr>
+                                    </p:animEffect>
+                                  </p:childTnLst>
+                                </p:cTn>
+                              </p:par>
+                              <p:par>
+                                <p:cTn id="11" presetID="10" presetClass="entr" presetSubtype="0" fill="hold" nodeType="withEffect">
+                                  <p:stCondLst>
+                                    <p:cond delay="0"/>
+                                  </p:stCondLst>
+                                  <p:childTnLst>
+                                    <p:set>
+                                      <p:cBhvr>
+                                        <p:cTn id="12" dur="1" fill="hold">
+                                          <p:stCondLst>
+                                            <p:cond delay="0"/>
+                                          </p:stCondLst>
+                                        </p:cTn>
+                                        <p:tgtEl>
+                                          <p:spTgt spid="80"/>
+                                        </p:tgtEl>
+                                        <p:attrNameLst>
+                                          <p:attrName>style.visibility</p:attrName>
+                                        </p:attrNameLst>
+                                      </p:cBhvr>
+                                      <p:to>
+                                        <p:strVal val="visible"/>
+                                      </p:to>
+                                    </p:set>
+                                    <p:animEffect transition="in" filter="fade">
+                                      <p:cBhvr>
+                                        <p:cTn id="13" dur="500"/>
+                                        <p:tgtEl>
+                                          <p:spTgt spid="80"/>
+                                        </p:tgtEl>
+                                      </p:cBhvr>
+                                    </p:animEffect>
+                                  </p:childTnLst>
+                                </p:cTn>
+                              </p:par>
+                            </p:childTnLst>
+                          </p:cTn>
+                        </p:par>
+                      </p:childTnLst>
+                    </p:cTn>
+                  </p:par>
+                  <p:par>
+                    <p:cTn id="14" fill="hold">
+                      <p:stCondLst>
+                        <p:cond delay="indefinite"/>
+                      </p:stCondLst>
+                      <p:childTnLst>
+                        <p:par>
+                          <p:cTn id="15" fill="hold">
+                            <p:stCondLst>
+                              <p:cond delay="0"/>
+                            </p:stCondLst>
+                            <p:childTnLst>
+                              <p:par>
+                                <p:cTn id="16" presetID="10" presetClass="entr" presetSubtype="0" fill="hold" grpId="0" nodeType="clickEffect">
+                                  <p:stCondLst>
+                                    <p:cond delay="0"/>
+                                  </p:stCondLst>
+                                  <p:childTnLst>
+                                    <p:set>
+                                      <p:cBhvr>
+                                        <p:cTn id="17" dur="1" fill="hold">
+                                          <p:stCondLst>
+                                            <p:cond delay="0"/>
+                                          </p:stCondLst>
+                                        </p:cTn>
+                                        <p:tgtEl>
+                                          <p:spTgt spid="20"/>
+                                        </p:tgtEl>
+                                        <p:attrNameLst>
+                                          <p:attrName>style.visibility</p:attrName>
+                                        </p:attrNameLst>
+                                      </p:cBhvr>
+                                      <p:to>
+                                        <p:strVal val="visible"/>
+                                      </p:to>
+                                    </p:set>
+                                    <p:animEffect transition="in" filter="fade">
+                                      <p:cBhvr>
+                                        <p:cTn id="18" dur="500"/>
+                                        <p:tgtEl>
+                                          <p:spTgt spid="20"/>
+                                        </p:tgtEl>
+                                      </p:cBhvr>
+                                    </p:animEffect>
+                                  </p:childTnLst>
+                                </p:cTn>
+                              </p:par>
+                              <p:par>
+                                <p:cTn id="19" presetID="10" presetClass="entr" presetSubtype="0" fill="hold" nodeType="withEffect">
+                                  <p:stCondLst>
+                                    <p:cond delay="0"/>
+                                  </p:stCondLst>
+                                  <p:childTnLst>
+                                    <p:set>
+                                      <p:cBhvr>
+                                        <p:cTn id="20" dur="1" fill="hold">
+                                          <p:stCondLst>
+                                            <p:cond delay="0"/>
+                                          </p:stCondLst>
+                                        </p:cTn>
+                                        <p:tgtEl>
+                                          <p:spTgt spid="22"/>
+                                        </p:tgtEl>
+                                        <p:attrNameLst>
+                                          <p:attrName>style.visibility</p:attrName>
+                                        </p:attrNameLst>
+                                      </p:cBhvr>
+                                      <p:to>
+                                        <p:strVal val="visible"/>
+                                      </p:to>
+                                    </p:set>
+                                    <p:animEffect transition="in" filter="fade">
+                                      <p:cBhvr>
+                                        <p:cTn id="21" dur="500"/>
+                                        <p:tgtEl>
+                                          <p:spTgt spid="22"/>
+                                        </p:tgtEl>
+                                      </p:cBhvr>
+                                    </p:animEffect>
+                                  </p:childTnLst>
+                                </p:cTn>
+                              </p:par>
+                              <p:par>
+                                <p:cTn id="22" presetID="10" presetClass="entr" presetSubtype="0" fill="hold" nodeType="withEffect">
+                                  <p:stCondLst>
+                                    <p:cond delay="0"/>
+                                  </p:stCondLst>
+                                  <p:childTnLst>
+                                    <p:set>
+                                      <p:cBhvr>
+                                        <p:cTn id="23" dur="1" fill="hold">
+                                          <p:stCondLst>
+                                            <p:cond delay="0"/>
+                                          </p:stCondLst>
+                                        </p:cTn>
+                                        <p:tgtEl>
+                                          <p:spTgt spid="91"/>
+                                        </p:tgtEl>
+                                        <p:attrNameLst>
+                                          <p:attrName>style.visibility</p:attrName>
+                                        </p:attrNameLst>
+                                      </p:cBhvr>
+                                      <p:to>
+                                        <p:strVal val="visible"/>
+                                      </p:to>
+                                    </p:set>
+                                    <p:animEffect transition="in" filter="fade">
+                                      <p:cBhvr>
+                                        <p:cTn id="24" dur="500"/>
+                                        <p:tgtEl>
+                                          <p:spTgt spid="91"/>
+                                        </p:tgtEl>
+                                      </p:cBhvr>
+                                    </p:animEffect>
+                                  </p:childTnLst>
+                                </p:cTn>
+                              </p:par>
+                            </p:childTnLst>
+                          </p:cTn>
+                        </p:par>
+                      </p:childTnLst>
+                    </p:cTn>
+                  </p:par>
+                  <p:par>
+                    <p:cTn id="25" fill="hold">
+                      <p:stCondLst>
+                        <p:cond delay="indefinite"/>
+                      </p:stCondLst>
+                      <p:childTnLst>
+                        <p:par>
+                          <p:cTn id="26" fill="hold">
+                            <p:stCondLst>
+                              <p:cond delay="0"/>
+                            </p:stCondLst>
+                            <p:childTnLst>
+                              <p:par>
+                                <p:cTn id="27" presetID="10" presetClass="entr" presetSubtype="0" fill="hold" grpId="0" nodeType="clickEffect">
+                                  <p:stCondLst>
+                                    <p:cond delay="0"/>
+                                  </p:stCondLst>
+                                  <p:childTnLst>
+                                    <p:set>
+                                      <p:cBhvr>
+                                        <p:cTn id="28" dur="1" fill="hold">
+                                          <p:stCondLst>
+                                            <p:cond delay="0"/>
+                                          </p:stCondLst>
+                                        </p:cTn>
+                                        <p:tgtEl>
+                                          <p:spTgt spid="24"/>
+                                        </p:tgtEl>
+                                        <p:attrNameLst>
+                                          <p:attrName>style.visibility</p:attrName>
+                                        </p:attrNameLst>
+                                      </p:cBhvr>
+                                      <p:to>
+                                        <p:strVal val="visible"/>
+                                      </p:to>
+                                    </p:set>
+                                    <p:animEffect transition="in" filter="fade">
+                                      <p:cBhvr>
+                                        <p:cTn id="29" dur="500"/>
+                                        <p:tgtEl>
+                                          <p:spTgt spid="24"/>
+                                        </p:tgtEl>
+                                      </p:cBhvr>
+                                    </p:animEffect>
+                                  </p:childTnLst>
+                                </p:cTn>
+                              </p:par>
+                              <p:par>
+                                <p:cTn id="30" presetID="10" presetClass="entr" presetSubtype="0" fill="hold" nodeType="withEffect">
+                                  <p:stCondLst>
+                                    <p:cond delay="0"/>
+                                  </p:stCondLst>
+                                  <p:childTnLst>
+                                    <p:set>
+                                      <p:cBhvr>
+                                        <p:cTn id="31" dur="1" fill="hold">
+                                          <p:stCondLst>
+                                            <p:cond delay="0"/>
+                                          </p:stCondLst>
+                                        </p:cTn>
+                                        <p:tgtEl>
+                                          <p:spTgt spid="26"/>
+                                        </p:tgtEl>
+                                        <p:attrNameLst>
+                                          <p:attrName>style.visibility</p:attrName>
+                                        </p:attrNameLst>
+                                      </p:cBhvr>
+                                      <p:to>
+                                        <p:strVal val="visible"/>
+                                      </p:to>
+                                    </p:set>
+                                    <p:animEffect transition="in" filter="fade">
+                                      <p:cBhvr>
+                                        <p:cTn id="32" dur="500"/>
+                                        <p:tgtEl>
+                                          <p:spTgt spid="26"/>
+                                        </p:tgtEl>
+                                      </p:cBhvr>
+                                    </p:animEffect>
+                                  </p:childTnLst>
+                                </p:cTn>
+                              </p:par>
+                              <p:par>
+                                <p:cTn id="33" presetID="10" presetClass="entr" presetSubtype="0" fill="hold" nodeType="withEffect">
+                                  <p:stCondLst>
+                                    <p:cond delay="0"/>
+                                  </p:stCondLst>
+                                  <p:childTnLst>
+                                    <p:set>
+                                      <p:cBhvr>
+                                        <p:cTn id="34" dur="1" fill="hold">
+                                          <p:stCondLst>
+                                            <p:cond delay="0"/>
+                                          </p:stCondLst>
+                                        </p:cTn>
+                                        <p:tgtEl>
+                                          <p:spTgt spid="88"/>
+                                        </p:tgtEl>
+                                        <p:attrNameLst>
+                                          <p:attrName>style.visibility</p:attrName>
+                                        </p:attrNameLst>
+                                      </p:cBhvr>
+                                      <p:to>
+                                        <p:strVal val="visible"/>
+                                      </p:to>
+                                    </p:set>
+                                    <p:animEffect transition="in" filter="fade">
+                                      <p:cBhvr>
+                                        <p:cTn id="35" dur="500"/>
+                                        <p:tgtEl>
+                                          <p:spTgt spid="88"/>
+                                        </p:tgtEl>
+                                      </p:cBhvr>
+                                    </p:animEffect>
+                                  </p:childTnLst>
+                                </p:cTn>
+                              </p:par>
+                            </p:childTnLst>
+                          </p:cTn>
+                        </p:par>
+                      </p:childTnLst>
+                    </p:cTn>
+                  </p:par>
+                  <p:par>
+                    <p:cTn id="36" fill="hold">
+                      <p:stCondLst>
+                        <p:cond delay="indefinite"/>
+                      </p:stCondLst>
+                      <p:childTnLst>
+                        <p:par>
+                          <p:cTn id="37" fill="hold">
+                            <p:stCondLst>
+                              <p:cond delay="0"/>
+                            </p:stCondLst>
+                            <p:childTnLst>
+                              <p:par>
+                                <p:cTn id="38" presetID="10" presetClass="entr" presetSubtype="0" fill="hold" nodeType="clickEffect">
+                                  <p:stCondLst>
+                                    <p:cond delay="0"/>
+                                  </p:stCondLst>
+                                  <p:childTnLst>
+                                    <p:set>
+                                      <p:cBhvr>
+                                        <p:cTn id="39" dur="1" fill="hold">
+                                          <p:stCondLst>
+                                            <p:cond delay="0"/>
+                                          </p:stCondLst>
+                                        </p:cTn>
+                                        <p:tgtEl>
+                                          <p:spTgt spid="28"/>
+                                        </p:tgtEl>
+                                        <p:attrNameLst>
+                                          <p:attrName>style.visibility</p:attrName>
+                                        </p:attrNameLst>
+                                      </p:cBhvr>
+                                      <p:to>
+                                        <p:strVal val="visible"/>
+                                      </p:to>
+                                    </p:set>
+                                    <p:animEffect transition="in" filter="fade">
+                                      <p:cBhvr>
+                                        <p:cTn id="40" dur="500"/>
+                                        <p:tgtEl>
+                                          <p:spTgt spid="28"/>
+                                        </p:tgtEl>
+                                      </p:cBhvr>
+                                    </p:animEffect>
+                                  </p:childTnLst>
+                                </p:cTn>
+                              </p:par>
+                              <p:par>
+                                <p:cTn id="41" presetID="10" presetClass="entr" presetSubtype="0" fill="hold" nodeType="withEffect">
+                                  <p:stCondLst>
+                                    <p:cond delay="0"/>
+                                  </p:stCondLst>
+                                  <p:childTnLst>
+                                    <p:set>
+                                      <p:cBhvr>
+                                        <p:cTn id="42" dur="1" fill="hold">
+                                          <p:stCondLst>
+                                            <p:cond delay="0"/>
+                                          </p:stCondLst>
+                                        </p:cTn>
+                                        <p:tgtEl>
+                                          <p:spTgt spid="30"/>
+                                        </p:tgtEl>
+                                        <p:attrNameLst>
+                                          <p:attrName>style.visibility</p:attrName>
+                                        </p:attrNameLst>
+                                      </p:cBhvr>
+                                      <p:to>
+                                        <p:strVal val="visible"/>
+                                      </p:to>
+                                    </p:set>
+                                    <p:animEffect transition="in" filter="fade">
+                                      <p:cBhvr>
+                                        <p:cTn id="43" dur="500"/>
+                                        <p:tgtEl>
+                                          <p:spTgt spid="30"/>
+                                        </p:tgtEl>
+                                      </p:cBhvr>
+                                    </p:animEffect>
+                                  </p:childTnLst>
+                                </p:cTn>
+                              </p:par>
+                              <p:par>
+                                <p:cTn id="44" presetID="10" presetClass="entr" presetSubtype="0" fill="hold" grpId="0" nodeType="withEffect">
+                                  <p:stCondLst>
+                                    <p:cond delay="0"/>
+                                  </p:stCondLst>
+                                  <p:childTnLst>
+                                    <p:set>
+                                      <p:cBhvr>
+                                        <p:cTn id="45" dur="1" fill="hold">
+                                          <p:stCondLst>
+                                            <p:cond delay="0"/>
+                                          </p:stCondLst>
+                                        </p:cTn>
+                                        <p:tgtEl>
+                                          <p:spTgt spid="31"/>
+                                        </p:tgtEl>
+                                        <p:attrNameLst>
+                                          <p:attrName>style.visibility</p:attrName>
+                                        </p:attrNameLst>
+                                      </p:cBhvr>
+                                      <p:to>
+                                        <p:strVal val="visible"/>
+                                      </p:to>
+                                    </p:set>
+                                    <p:animEffect transition="in" filter="fade">
+                                      <p:cBhvr>
+                                        <p:cTn id="46" dur="500"/>
+                                        <p:tgtEl>
+                                          <p:spTgt spid="31"/>
+                                        </p:tgtEl>
+                                      </p:cBhvr>
+                                    </p:animEffect>
+                                  </p:childTnLst>
+                                </p:cTn>
+                              </p:par>
+                              <p:par>
+                                <p:cTn id="47" presetID="10" presetClass="entr" presetSubtype="0" fill="hold" nodeType="withEffect">
+                                  <p:stCondLst>
+                                    <p:cond delay="0"/>
+                                  </p:stCondLst>
+                                  <p:childTnLst>
+                                    <p:set>
+                                      <p:cBhvr>
+                                        <p:cTn id="48" dur="1" fill="hold">
+                                          <p:stCondLst>
+                                            <p:cond delay="0"/>
+                                          </p:stCondLst>
+                                        </p:cTn>
+                                        <p:tgtEl>
+                                          <p:spTgt spid="95"/>
+                                        </p:tgtEl>
+                                        <p:attrNameLst>
+                                          <p:attrName>style.visibility</p:attrName>
+                                        </p:attrNameLst>
+                                      </p:cBhvr>
+                                      <p:to>
+                                        <p:strVal val="visible"/>
+                                      </p:to>
+                                    </p:set>
+                                    <p:animEffect transition="in" filter="fade">
+                                      <p:cBhvr>
+                                        <p:cTn id="49" dur="500"/>
+                                        <p:tgtEl>
+                                          <p:spTgt spid="95"/>
+                                        </p:tgtEl>
+                                      </p:cBhvr>
+                                    </p:animEffect>
+                                  </p:childTnLst>
+                                </p:cTn>
+                              </p:par>
+                            </p:childTnLst>
+                          </p:cTn>
+                        </p:par>
+                      </p:childTnLst>
+                    </p:cTn>
+                  </p:par>
+                  <p:par>
+                    <p:cTn id="50" fill="hold">
+                      <p:stCondLst>
+                        <p:cond delay="indefinite"/>
+                      </p:stCondLst>
+                      <p:childTnLst>
+                        <p:par>
+                          <p:cTn id="51" fill="hold">
+                            <p:stCondLst>
+                              <p:cond delay="0"/>
+                            </p:stCondLst>
+                            <p:childTnLst>
+                              <p:par>
+                                <p:cTn id="52" presetID="10" presetClass="entr" presetSubtype="0" fill="hold" nodeType="clickEffect">
+                                  <p:stCondLst>
+                                    <p:cond delay="0"/>
+                                  </p:stCondLst>
+                                  <p:childTnLst>
+                                    <p:set>
+                                      <p:cBhvr>
+                                        <p:cTn id="53" dur="1" fill="hold">
+                                          <p:stCondLst>
+                                            <p:cond delay="0"/>
+                                          </p:stCondLst>
+                                        </p:cTn>
+                                        <p:tgtEl>
+                                          <p:spTgt spid="33"/>
+                                        </p:tgtEl>
+                                        <p:attrNameLst>
+                                          <p:attrName>style.visibility</p:attrName>
+                                        </p:attrNameLst>
+                                      </p:cBhvr>
+                                      <p:to>
+                                        <p:strVal val="visible"/>
+                                      </p:to>
+                                    </p:set>
+                                    <p:animEffect transition="in" filter="fade">
+                                      <p:cBhvr>
+                                        <p:cTn id="54" dur="500"/>
+                                        <p:tgtEl>
+                                          <p:spTgt spid="33"/>
+                                        </p:tgtEl>
+                                      </p:cBhvr>
+                                    </p:animEffect>
+                                  </p:childTnLst>
+                                </p:cTn>
+                              </p:par>
+                              <p:par>
+                                <p:cTn id="55" presetID="10" presetClass="entr" presetSubtype="0" fill="hold" grpId="0" nodeType="withEffect">
+                                  <p:stCondLst>
+                                    <p:cond delay="0"/>
+                                  </p:stCondLst>
+                                  <p:childTnLst>
+                                    <p:set>
+                                      <p:cBhvr>
+                                        <p:cTn id="56" dur="1" fill="hold">
+                                          <p:stCondLst>
+                                            <p:cond delay="0"/>
+                                          </p:stCondLst>
+                                        </p:cTn>
+                                        <p:tgtEl>
+                                          <p:spTgt spid="35"/>
+                                        </p:tgtEl>
+                                        <p:attrNameLst>
+                                          <p:attrName>style.visibility</p:attrName>
+                                        </p:attrNameLst>
+                                      </p:cBhvr>
+                                      <p:to>
+                                        <p:strVal val="visible"/>
+                                      </p:to>
+                                    </p:set>
+                                    <p:animEffect transition="in" filter="fade">
+                                      <p:cBhvr>
+                                        <p:cTn id="57" dur="500"/>
+                                        <p:tgtEl>
+                                          <p:spTgt spid="35"/>
+                                        </p:tgtEl>
+                                      </p:cBhvr>
+                                    </p:animEffect>
+                                  </p:childTnLst>
+                                </p:cTn>
+                              </p:par>
+                              <p:par>
+                                <p:cTn id="58" presetID="10" presetClass="entr" presetSubtype="0" fill="hold" nodeType="withEffect">
+                                  <p:stCondLst>
+                                    <p:cond delay="0"/>
+                                  </p:stCondLst>
+                                  <p:childTnLst>
+                                    <p:set>
+                                      <p:cBhvr>
+                                        <p:cTn id="59" dur="1" fill="hold">
+                                          <p:stCondLst>
+                                            <p:cond delay="0"/>
+                                          </p:stCondLst>
+                                        </p:cTn>
+                                        <p:tgtEl>
+                                          <p:spTgt spid="99"/>
+                                        </p:tgtEl>
+                                        <p:attrNameLst>
+                                          <p:attrName>style.visibility</p:attrName>
+                                        </p:attrNameLst>
+                                      </p:cBhvr>
+                                      <p:to>
+                                        <p:strVal val="visible"/>
+                                      </p:to>
+                                    </p:set>
+                                    <p:animEffect transition="in" filter="fade">
+                                      <p:cBhvr>
+                                        <p:cTn id="60" dur="500"/>
+                                        <p:tgtEl>
+                                          <p:spTgt spid="99"/>
+                                        </p:tgtEl>
+                                      </p:cBhvr>
+                                    </p:animEffect>
+                                  </p:childTnLst>
+                                </p:cTn>
+                              </p:par>
+                            </p:childTnLst>
+                          </p:cTn>
+                        </p:par>
+                      </p:childTnLst>
+                    </p:cTn>
+                  </p:par>
+                  <p:par>
+                    <p:cTn id="61" fill="hold">
+                      <p:stCondLst>
+                        <p:cond delay="indefinite"/>
+                      </p:stCondLst>
+                      <p:childTnLst>
+                        <p:par>
+                          <p:cTn id="62" fill="hold">
+                            <p:stCondLst>
+                              <p:cond delay="0"/>
+                            </p:stCondLst>
+                            <p:childTnLst>
+                              <p:par>
+                                <p:cTn id="63" presetID="10" presetClass="entr" presetSubtype="0" fill="hold" grpId="0" nodeType="clickEffect">
+                                  <p:stCondLst>
+                                    <p:cond delay="0"/>
+                                  </p:stCondLst>
+                                  <p:childTnLst>
+                                    <p:set>
+                                      <p:cBhvr>
+                                        <p:cTn id="64" dur="1" fill="hold">
+                                          <p:stCondLst>
+                                            <p:cond delay="0"/>
+                                          </p:stCondLst>
+                                        </p:cTn>
+                                        <p:tgtEl>
+                                          <p:spTgt spid="38"/>
+                                        </p:tgtEl>
+                                        <p:attrNameLst>
+                                          <p:attrName>style.visibility</p:attrName>
+                                        </p:attrNameLst>
+                                      </p:cBhvr>
+                                      <p:to>
+                                        <p:strVal val="visible"/>
+                                      </p:to>
+                                    </p:set>
+                                    <p:animEffect transition="in" filter="fade">
+                                      <p:cBhvr>
+                                        <p:cTn id="65" dur="500"/>
+                                        <p:tgtEl>
+                                          <p:spTgt spid="38"/>
+                                        </p:tgtEl>
+                                      </p:cBhvr>
+                                    </p:animEffect>
+                                  </p:childTnLst>
+                                </p:cTn>
+                              </p:par>
+                              <p:par>
+                                <p:cTn id="66" presetID="10" presetClass="entr" presetSubtype="0" fill="hold" nodeType="withEffect">
+                                  <p:stCondLst>
+                                    <p:cond delay="0"/>
+                                  </p:stCondLst>
+                                  <p:childTnLst>
+                                    <p:set>
+                                      <p:cBhvr>
+                                        <p:cTn id="67" dur="1" fill="hold">
+                                          <p:stCondLst>
+                                            <p:cond delay="0"/>
+                                          </p:stCondLst>
+                                        </p:cTn>
+                                        <p:tgtEl>
+                                          <p:spTgt spid="102"/>
+                                        </p:tgtEl>
+                                        <p:attrNameLst>
+                                          <p:attrName>style.visibility</p:attrName>
+                                        </p:attrNameLst>
+                                      </p:cBhvr>
+                                      <p:to>
+                                        <p:strVal val="visible"/>
+                                      </p:to>
+                                    </p:set>
+                                    <p:animEffect transition="in" filter="fade">
+                                      <p:cBhvr>
+                                        <p:cTn id="68" dur="500"/>
+                                        <p:tgtEl>
+                                          <p:spTgt spid="102"/>
+                                        </p:tgtEl>
+                                      </p:cBhvr>
+                                    </p:animEffect>
+                                  </p:childTnLst>
+                                </p:cTn>
+                              </p:par>
+                              <p:par>
+                                <p:cTn id="69" presetID="10" presetClass="entr" presetSubtype="0" fill="hold" nodeType="withEffect">
+                                  <p:stCondLst>
+                                    <p:cond delay="0"/>
+                                  </p:stCondLst>
+                                  <p:childTnLst>
+                                    <p:set>
+                                      <p:cBhvr>
+                                        <p:cTn id="70" dur="1" fill="hold">
+                                          <p:stCondLst>
+                                            <p:cond delay="0"/>
+                                          </p:stCondLst>
+                                        </p:cTn>
+                                        <p:tgtEl>
+                                          <p:spTgt spid="36"/>
+                                        </p:tgtEl>
+                                        <p:attrNameLst>
+                                          <p:attrName>style.visibility</p:attrName>
+                                        </p:attrNameLst>
+                                      </p:cBhvr>
+                                      <p:to>
+                                        <p:strVal val="visible"/>
+                                      </p:to>
+                                    </p:set>
+                                    <p:animEffect transition="in" filter="fade">
+                                      <p:cBhvr>
+                                        <p:cTn id="71" dur="500"/>
+                                        <p:tgtEl>
+                                          <p:spTgt spid="36"/>
+                                        </p:tgtEl>
+                                      </p:cBhvr>
+                                    </p:animEffect>
+                                  </p:childTnLst>
+                                </p:cTn>
+                              </p:par>
+                            </p:childTnLst>
+                          </p:cTn>
+                        </p:par>
+                      </p:childTnLst>
+                    </p:cTn>
+                  </p:par>
+                  <p:par>
+                    <p:cTn id="72" fill="hold">
+                      <p:stCondLst>
+                        <p:cond delay="indefinite"/>
+                      </p:stCondLst>
+                      <p:childTnLst>
+                        <p:par>
+                          <p:cTn id="73" fill="hold">
+                            <p:stCondLst>
+                              <p:cond delay="0"/>
+                            </p:stCondLst>
+                            <p:childTnLst>
+                              <p:par>
+                                <p:cTn id="74" presetID="10" presetClass="entr" presetSubtype="0" fill="hold" grpId="0" nodeType="clickEffect">
+                                  <p:stCondLst>
+                                    <p:cond delay="0"/>
+                                  </p:stCondLst>
+                                  <p:childTnLst>
+                                    <p:set>
+                                      <p:cBhvr>
+                                        <p:cTn id="75" dur="1" fill="hold">
+                                          <p:stCondLst>
+                                            <p:cond delay="0"/>
+                                          </p:stCondLst>
+                                        </p:cTn>
+                                        <p:tgtEl>
+                                          <p:spTgt spid="41"/>
+                                        </p:tgtEl>
+                                        <p:attrNameLst>
+                                          <p:attrName>style.visibility</p:attrName>
+                                        </p:attrNameLst>
+                                      </p:cBhvr>
+                                      <p:to>
+                                        <p:strVal val="visible"/>
+                                      </p:to>
+                                    </p:set>
+                                    <p:animEffect transition="in" filter="fade">
+                                      <p:cBhvr>
+                                        <p:cTn id="76" dur="500"/>
+                                        <p:tgtEl>
+                                          <p:spTgt spid="41"/>
+                                        </p:tgtEl>
+                                      </p:cBhvr>
+                                    </p:animEffect>
+                                  </p:childTnLst>
+                                </p:cTn>
+                              </p:par>
+                              <p:par>
+                                <p:cTn id="77" presetID="10" presetClass="entr" presetSubtype="0" fill="hold" nodeType="withEffect">
+                                  <p:stCondLst>
+                                    <p:cond delay="0"/>
+                                  </p:stCondLst>
+                                  <p:childTnLst>
+                                    <p:set>
+                                      <p:cBhvr>
+                                        <p:cTn id="78" dur="1" fill="hold">
+                                          <p:stCondLst>
+                                            <p:cond delay="0"/>
+                                          </p:stCondLst>
+                                        </p:cTn>
+                                        <p:tgtEl>
+                                          <p:spTgt spid="47"/>
+                                        </p:tgtEl>
+                                        <p:attrNameLst>
+                                          <p:attrName>style.visibility</p:attrName>
+                                        </p:attrNameLst>
+                                      </p:cBhvr>
+                                      <p:to>
+                                        <p:strVal val="visible"/>
+                                      </p:to>
+                                    </p:set>
+                                    <p:animEffect transition="in" filter="fade">
+                                      <p:cBhvr>
+                                        <p:cTn id="79" dur="500"/>
+                                        <p:tgtEl>
+                                          <p:spTgt spid="47"/>
+                                        </p:tgtEl>
+                                      </p:cBhvr>
+                                    </p:animEffect>
+                                  </p:childTnLst>
+                                </p:cTn>
+                              </p:par>
+                              <p:par>
+                                <p:cTn id="80" presetID="10" presetClass="entr" presetSubtype="0" fill="hold" nodeType="withEffect">
+                                  <p:stCondLst>
+                                    <p:cond delay="0"/>
+                                  </p:stCondLst>
+                                  <p:childTnLst>
+                                    <p:set>
+                                      <p:cBhvr>
+                                        <p:cTn id="81" dur="1" fill="hold">
+                                          <p:stCondLst>
+                                            <p:cond delay="0"/>
+                                          </p:stCondLst>
+                                        </p:cTn>
+                                        <p:tgtEl>
+                                          <p:spTgt spid="105"/>
+                                        </p:tgtEl>
+                                        <p:attrNameLst>
+                                          <p:attrName>style.visibility</p:attrName>
+                                        </p:attrNameLst>
+                                      </p:cBhvr>
+                                      <p:to>
+                                        <p:strVal val="visible"/>
+                                      </p:to>
+                                    </p:set>
+                                    <p:animEffect transition="in" filter="fade">
+                                      <p:cBhvr>
+                                        <p:cTn id="82" dur="500"/>
+                                        <p:tgtEl>
+                                          <p:spTgt spid="105"/>
+                                        </p:tgtEl>
+                                      </p:cBhvr>
+                                    </p:animEffect>
+                                  </p:childTnLst>
+                                </p:cTn>
+                              </p:par>
+                            </p:childTnLst>
+                          </p:cTn>
+                        </p:par>
+                      </p:childTnLst>
+                    </p:cTn>
+                  </p:par>
+                  <p:par>
+                    <p:cTn id="83" fill="hold">
+                      <p:stCondLst>
+                        <p:cond delay="indefinite"/>
+                      </p:stCondLst>
+                      <p:childTnLst>
+                        <p:par>
+                          <p:cTn id="84" fill="hold">
+                            <p:stCondLst>
+                              <p:cond delay="0"/>
+                            </p:stCondLst>
+                            <p:childTnLst>
+                              <p:par>
+                                <p:cTn id="85" presetID="10" presetClass="entr" presetSubtype="0" fill="hold" grpId="0" nodeType="clickEffect">
+                                  <p:stCondLst>
+                                    <p:cond delay="0"/>
+                                  </p:stCondLst>
+                                  <p:childTnLst>
+                                    <p:set>
+                                      <p:cBhvr>
+                                        <p:cTn id="86" dur="1" fill="hold">
+                                          <p:stCondLst>
+                                            <p:cond delay="0"/>
+                                          </p:stCondLst>
+                                        </p:cTn>
+                                        <p:tgtEl>
+                                          <p:spTgt spid="40"/>
+                                        </p:tgtEl>
+                                        <p:attrNameLst>
+                                          <p:attrName>style.visibility</p:attrName>
+                                        </p:attrNameLst>
+                                      </p:cBhvr>
+                                      <p:to>
+                                        <p:strVal val="visible"/>
+                                      </p:to>
+                                    </p:set>
+                                    <p:animEffect transition="in" filter="fade">
+                                      <p:cBhvr>
+                                        <p:cTn id="87" dur="500"/>
+                                        <p:tgtEl>
+                                          <p:spTgt spid="40"/>
+                                        </p:tgtEl>
+                                      </p:cBhvr>
+                                    </p:animEffect>
+                                  </p:childTnLst>
+                                </p:cTn>
+                              </p:par>
+                              <p:par>
+                                <p:cTn id="88" presetID="10" presetClass="entr" presetSubtype="0" fill="hold" nodeType="withEffect">
+                                  <p:stCondLst>
+                                    <p:cond delay="0"/>
+                                  </p:stCondLst>
+                                  <p:childTnLst>
+                                    <p:set>
+                                      <p:cBhvr>
+                                        <p:cTn id="89" dur="1" fill="hold">
+                                          <p:stCondLst>
+                                            <p:cond delay="0"/>
+                                          </p:stCondLst>
+                                        </p:cTn>
+                                        <p:tgtEl>
+                                          <p:spTgt spid="49"/>
+                                        </p:tgtEl>
+                                        <p:attrNameLst>
+                                          <p:attrName>style.visibility</p:attrName>
+                                        </p:attrNameLst>
+                                      </p:cBhvr>
+                                      <p:to>
+                                        <p:strVal val="visible"/>
+                                      </p:to>
+                                    </p:set>
+                                    <p:animEffect transition="in" filter="fade">
+                                      <p:cBhvr>
+                                        <p:cTn id="90" dur="500"/>
+                                        <p:tgtEl>
+                                          <p:spTgt spid="49"/>
+                                        </p:tgtEl>
+                                      </p:cBhvr>
+                                    </p:animEffect>
+                                  </p:childTnLst>
+                                </p:cTn>
+                              </p:par>
+                              <p:par>
+                                <p:cTn id="91" presetID="10" presetClass="entr" presetSubtype="0" fill="hold" nodeType="withEffect">
+                                  <p:stCondLst>
+                                    <p:cond delay="0"/>
+                                  </p:stCondLst>
+                                  <p:childTnLst>
+                                    <p:set>
+                                      <p:cBhvr>
+                                        <p:cTn id="92" dur="1" fill="hold">
+                                          <p:stCondLst>
+                                            <p:cond delay="0"/>
+                                          </p:stCondLst>
+                                        </p:cTn>
+                                        <p:tgtEl>
+                                          <p:spTgt spid="109"/>
+                                        </p:tgtEl>
+                                        <p:attrNameLst>
+                                          <p:attrName>style.visibility</p:attrName>
+                                        </p:attrNameLst>
+                                      </p:cBhvr>
+                                      <p:to>
+                                        <p:strVal val="visible"/>
+                                      </p:to>
+                                    </p:set>
+                                    <p:animEffect transition="in" filter="fade">
+                                      <p:cBhvr>
+                                        <p:cTn id="93" dur="500"/>
+                                        <p:tgtEl>
+                                          <p:spTgt spid="109"/>
+                                        </p:tgtEl>
+                                      </p:cBhvr>
+                                    </p:animEffect>
+                                  </p:childTnLst>
+                                </p:cTn>
+                              </p:par>
+                            </p:childTnLst>
+                          </p:cTn>
+                        </p:par>
+                      </p:childTnLst>
+                    </p:cTn>
+                  </p:par>
+                  <p:par>
+                    <p:cTn id="94" fill="hold">
+                      <p:stCondLst>
+                        <p:cond delay="indefinite"/>
+                      </p:stCondLst>
+                      <p:childTnLst>
+                        <p:par>
+                          <p:cTn id="95" fill="hold">
+                            <p:stCondLst>
+                              <p:cond delay="0"/>
+                            </p:stCondLst>
+                            <p:childTnLst>
+                              <p:par>
+                                <p:cTn id="96" presetID="10" presetClass="entr" presetSubtype="0" fill="hold" nodeType="clickEffect">
+                                  <p:stCondLst>
+                                    <p:cond delay="0"/>
+                                  </p:stCondLst>
+                                  <p:childTnLst>
+                                    <p:set>
+                                      <p:cBhvr>
+                                        <p:cTn id="97" dur="1" fill="hold">
+                                          <p:stCondLst>
+                                            <p:cond delay="0"/>
+                                          </p:stCondLst>
+                                        </p:cTn>
+                                        <p:tgtEl>
+                                          <p:spTgt spid="114"/>
+                                        </p:tgtEl>
+                                        <p:attrNameLst>
+                                          <p:attrName>style.visibility</p:attrName>
+                                        </p:attrNameLst>
+                                      </p:cBhvr>
+                                      <p:to>
+                                        <p:strVal val="visible"/>
+                                      </p:to>
+                                    </p:set>
+                                    <p:animEffect transition="in" filter="fade">
+                                      <p:cBhvr>
+                                        <p:cTn id="98" dur="500"/>
+                                        <p:tgtEl>
+                                          <p:spTgt spid="114"/>
+                                        </p:tgtEl>
+                                      </p:cBhvr>
+                                    </p:animEffect>
+                                  </p:childTnLst>
+                                </p:cTn>
+                              </p:par>
+                              <p:par>
+                                <p:cTn id="99" presetID="10" presetClass="entr" presetSubtype="0" fill="hold" grpId="0" nodeType="withEffect">
+                                  <p:stCondLst>
+                                    <p:cond delay="0"/>
+                                  </p:stCondLst>
+                                  <p:childTnLst>
+                                    <p:set>
+                                      <p:cBhvr>
+                                        <p:cTn id="100" dur="1" fill="hold">
+                                          <p:stCondLst>
+                                            <p:cond delay="0"/>
+                                          </p:stCondLst>
+                                        </p:cTn>
+                                        <p:tgtEl>
+                                          <p:spTgt spid="39"/>
+                                        </p:tgtEl>
+                                        <p:attrNameLst>
+                                          <p:attrName>style.visibility</p:attrName>
+                                        </p:attrNameLst>
+                                      </p:cBhvr>
+                                      <p:to>
+                                        <p:strVal val="visible"/>
+                                      </p:to>
+                                    </p:set>
+                                    <p:animEffect transition="in" filter="fade">
+                                      <p:cBhvr>
+                                        <p:cTn id="101" dur="500"/>
+                                        <p:tgtEl>
+                                          <p:spTgt spid="39"/>
+                                        </p:tgtEl>
+                                      </p:cBhvr>
+                                    </p:animEffect>
+                                  </p:childTnLst>
+                                </p:cTn>
+                              </p:par>
+                              <p:par>
+                                <p:cTn id="102" presetID="10" presetClass="entr" presetSubtype="0" fill="hold" nodeType="withEffect">
+                                  <p:stCondLst>
+                                    <p:cond delay="0"/>
+                                  </p:stCondLst>
+                                  <p:childTnLst>
+                                    <p:set>
+                                      <p:cBhvr>
+                                        <p:cTn id="103" dur="1" fill="hold">
+                                          <p:stCondLst>
+                                            <p:cond delay="0"/>
+                                          </p:stCondLst>
+                                        </p:cTn>
+                                        <p:tgtEl>
+                                          <p:spTgt spid="45"/>
+                                        </p:tgtEl>
+                                        <p:attrNameLst>
+                                          <p:attrName>style.visibility</p:attrName>
+                                        </p:attrNameLst>
+                                      </p:cBhvr>
+                                      <p:to>
+                                        <p:strVal val="visible"/>
+                                      </p:to>
+                                    </p:set>
+                                    <p:animEffect transition="in" filter="fade">
+                                      <p:cBhvr>
+                                        <p:cTn id="104" dur="500"/>
+                                        <p:tgtEl>
+                                          <p:spTgt spid="45"/>
+                                        </p:tgtEl>
+                                      </p:cBhvr>
+                                    </p:animEffect>
+                                  </p:childTnLst>
+                                </p:cTn>
+                              </p:par>
+                            </p:childTnLst>
+                          </p:cTn>
+                        </p:par>
+                      </p:childTnLst>
+                    </p:cTn>
+                  </p:par>
+                  <p:par>
+                    <p:cTn id="105" fill="hold">
+                      <p:stCondLst>
+                        <p:cond delay="indefinite"/>
+                      </p:stCondLst>
+                      <p:childTnLst>
+                        <p:par>
+                          <p:cTn id="106" fill="hold">
+                            <p:stCondLst>
+                              <p:cond delay="0"/>
+                            </p:stCondLst>
+                            <p:childTnLst>
+                              <p:par>
+                                <p:cTn id="107" presetID="10" presetClass="entr" presetSubtype="0" fill="hold" nodeType="clickEffect">
+                                  <p:stCondLst>
+                                    <p:cond delay="0"/>
+                                  </p:stCondLst>
+                                  <p:childTnLst>
+                                    <p:set>
+                                      <p:cBhvr>
+                                        <p:cTn id="108" dur="1" fill="hold">
+                                          <p:stCondLst>
+                                            <p:cond delay="0"/>
+                                          </p:stCondLst>
+                                        </p:cTn>
+                                        <p:tgtEl>
+                                          <p:spTgt spid="51"/>
+                                        </p:tgtEl>
+                                        <p:attrNameLst>
+                                          <p:attrName>style.visibility</p:attrName>
+                                        </p:attrNameLst>
+                                      </p:cBhvr>
+                                      <p:to>
+                                        <p:strVal val="visible"/>
+                                      </p:to>
+                                    </p:set>
+                                    <p:animEffect transition="in" filter="fade">
+                                      <p:cBhvr>
+                                        <p:cTn id="109" dur="500"/>
+                                        <p:tgtEl>
+                                          <p:spTgt spid="51"/>
+                                        </p:tgtEl>
+                                      </p:cBhvr>
+                                    </p:animEffect>
+                                  </p:childTnLst>
+                                </p:cTn>
+                              </p:par>
+                              <p:par>
+                                <p:cTn id="110" presetID="10" presetClass="entr" presetSubtype="0" fill="hold" nodeType="withEffect">
+                                  <p:stCondLst>
+                                    <p:cond delay="0"/>
+                                  </p:stCondLst>
+                                  <p:childTnLst>
+                                    <p:set>
+                                      <p:cBhvr>
+                                        <p:cTn id="111" dur="1" fill="hold">
+                                          <p:stCondLst>
+                                            <p:cond delay="0"/>
+                                          </p:stCondLst>
+                                        </p:cTn>
+                                        <p:tgtEl>
+                                          <p:spTgt spid="120"/>
+                                        </p:tgtEl>
+                                        <p:attrNameLst>
+                                          <p:attrName>style.visibility</p:attrName>
+                                        </p:attrNameLst>
+                                      </p:cBhvr>
+                                      <p:to>
+                                        <p:strVal val="visible"/>
+                                      </p:to>
+                                    </p:set>
+                                    <p:animEffect transition="in" filter="fade">
+                                      <p:cBhvr>
+                                        <p:cTn id="112" dur="500"/>
+                                        <p:tgtEl>
+                                          <p:spTgt spid="120"/>
+                                        </p:tgtEl>
+                                      </p:cBhvr>
+                                    </p:animEffect>
+                                  </p:childTnLst>
+                                </p:cTn>
+                              </p:par>
+                            </p:childTnLst>
+                          </p:cTn>
+                        </p:par>
+                      </p:childTnLst>
+                    </p:cTn>
+                  </p:par>
+                  <p:par>
+                    <p:cTn id="113" fill="hold">
+                      <p:stCondLst>
+                        <p:cond delay="indefinite"/>
+                      </p:stCondLst>
+                      <p:childTnLst>
+                        <p:par>
+                          <p:cTn id="114" fill="hold">
+                            <p:stCondLst>
+                              <p:cond delay="0"/>
+                            </p:stCondLst>
+                            <p:childTnLst>
+                              <p:par>
+                                <p:cTn id="115" presetID="10" presetClass="entr" presetSubtype="0" fill="hold" nodeType="clickEffect">
+                                  <p:stCondLst>
+                                    <p:cond delay="0"/>
+                                  </p:stCondLst>
+                                  <p:childTnLst>
+                                    <p:set>
+                                      <p:cBhvr>
+                                        <p:cTn id="116" dur="1" fill="hold">
+                                          <p:stCondLst>
+                                            <p:cond delay="0"/>
+                                          </p:stCondLst>
+                                        </p:cTn>
+                                        <p:tgtEl>
+                                          <p:spTgt spid="122"/>
+                                        </p:tgtEl>
+                                        <p:attrNameLst>
+                                          <p:attrName>style.visibility</p:attrName>
+                                        </p:attrNameLst>
+                                      </p:cBhvr>
+                                      <p:to>
+                                        <p:strVal val="visible"/>
+                                      </p:to>
+                                    </p:set>
+                                    <p:animEffect transition="in" filter="fade">
+                                      <p:cBhvr>
+                                        <p:cTn id="117" dur="500"/>
+                                        <p:tgtEl>
+                                          <p:spTgt spid="122"/>
+                                        </p:tgtEl>
+                                      </p:cBhvr>
+                                    </p:animEffect>
+                                  </p:childTnLst>
+                                </p:cTn>
+                              </p:par>
+                              <p:par>
+                                <p:cTn id="118" presetID="10" presetClass="entr" presetSubtype="0" fill="hold" grpId="0" nodeType="withEffect">
+                                  <p:stCondLst>
+                                    <p:cond delay="0"/>
+                                  </p:stCondLst>
+                                  <p:childTnLst>
+                                    <p:set>
+                                      <p:cBhvr>
+                                        <p:cTn id="119" dur="1" fill="hold">
+                                          <p:stCondLst>
+                                            <p:cond delay="0"/>
+                                          </p:stCondLst>
+                                        </p:cTn>
+                                        <p:tgtEl>
+                                          <p:spTgt spid="53"/>
+                                        </p:tgtEl>
+                                        <p:attrNameLst>
+                                          <p:attrName>style.visibility</p:attrName>
+                                        </p:attrNameLst>
+                                      </p:cBhvr>
+                                      <p:to>
+                                        <p:strVal val="visible"/>
+                                      </p:to>
+                                    </p:set>
+                                    <p:animEffect transition="in" filter="fade">
+                                      <p:cBhvr>
+                                        <p:cTn id="120" dur="500"/>
+                                        <p:tgtEl>
+                                          <p:spTgt spid="53"/>
+                                        </p:tgtEl>
+                                      </p:cBhvr>
+                                    </p:animEffect>
+                                  </p:childTnLst>
+                                </p:cTn>
+                              </p:par>
+                            </p:childTnLst>
+                          </p:cTn>
+                        </p:par>
+                      </p:childTnLst>
+                    </p:cTn>
+                  </p:par>
+                  <p:par>
+                    <p:cTn id="121" fill="hold">
+                      <p:stCondLst>
+                        <p:cond delay="indefinite"/>
+                      </p:stCondLst>
+                      <p:childTnLst>
+                        <p:par>
+                          <p:cTn id="122" fill="hold">
+                            <p:stCondLst>
+                              <p:cond delay="0"/>
+                            </p:stCondLst>
+                            <p:childTnLst>
+                              <p:par>
+                                <p:cTn id="123" presetID="10" presetClass="entr" presetSubtype="0" fill="hold" grpId="0" nodeType="clickEffect">
+                                  <p:stCondLst>
+                                    <p:cond delay="0"/>
+                                  </p:stCondLst>
+                                  <p:childTnLst>
+                                    <p:set>
+                                      <p:cBhvr>
+                                        <p:cTn id="124" dur="1" fill="hold">
+                                          <p:stCondLst>
+                                            <p:cond delay="0"/>
+                                          </p:stCondLst>
+                                        </p:cTn>
+                                        <p:tgtEl>
+                                          <p:spTgt spid="42"/>
+                                        </p:tgtEl>
+                                        <p:attrNameLst>
+                                          <p:attrName>style.visibility</p:attrName>
+                                        </p:attrNameLst>
+                                      </p:cBhvr>
+                                      <p:to>
+                                        <p:strVal val="visible"/>
+                                      </p:to>
+                                    </p:set>
+                                    <p:animEffect transition="in" filter="fade">
+                                      <p:cBhvr>
+                                        <p:cTn id="125" dur="500"/>
+                                        <p:tgtEl>
+                                          <p:spTgt spid="42"/>
+                                        </p:tgtEl>
+                                      </p:cBhvr>
+                                    </p:animEffect>
+                                  </p:childTnLst>
+                                </p:cTn>
+                              </p:par>
+                              <p:par>
+                                <p:cTn id="126" presetID="10" presetClass="entr" presetSubtype="0" fill="hold" nodeType="withEffect">
+                                  <p:stCondLst>
+                                    <p:cond delay="0"/>
+                                  </p:stCondLst>
+                                  <p:childTnLst>
+                                    <p:set>
+                                      <p:cBhvr>
+                                        <p:cTn id="127" dur="1" fill="hold">
+                                          <p:stCondLst>
+                                            <p:cond delay="0"/>
+                                          </p:stCondLst>
+                                        </p:cTn>
+                                        <p:tgtEl>
+                                          <p:spTgt spid="43"/>
+                                        </p:tgtEl>
+                                        <p:attrNameLst>
+                                          <p:attrName>style.visibility</p:attrName>
+                                        </p:attrNameLst>
+                                      </p:cBhvr>
+                                      <p:to>
+                                        <p:strVal val="visible"/>
+                                      </p:to>
+                                    </p:set>
+                                    <p:animEffect transition="in" filter="fade">
+                                      <p:cBhvr>
+                                        <p:cTn id="128" dur="500"/>
+                                        <p:tgtEl>
+                                          <p:spTgt spid="43"/>
+                                        </p:tgtEl>
+                                      </p:cBhvr>
+                                    </p:animEffect>
+                                  </p:childTnLst>
+                                </p:cTn>
+                              </p:par>
+                              <p:par>
+                                <p:cTn id="129" presetID="10" presetClass="entr" presetSubtype="0" fill="hold" nodeType="withEffect">
+                                  <p:stCondLst>
+                                    <p:cond delay="0"/>
+                                  </p:stCondLst>
+                                  <p:childTnLst>
+                                    <p:set>
+                                      <p:cBhvr>
+                                        <p:cTn id="130" dur="1" fill="hold">
+                                          <p:stCondLst>
+                                            <p:cond delay="0"/>
+                                          </p:stCondLst>
+                                        </p:cTn>
+                                        <p:tgtEl>
+                                          <p:spTgt spid="118"/>
+                                        </p:tgtEl>
+                                        <p:attrNameLst>
+                                          <p:attrName>style.visibility</p:attrName>
+                                        </p:attrNameLst>
+                                      </p:cBhvr>
+                                      <p:to>
+                                        <p:strVal val="visible"/>
+                                      </p:to>
+                                    </p:set>
+                                    <p:animEffect transition="in" filter="fade">
+                                      <p:cBhvr>
+                                        <p:cTn id="131" dur="500"/>
+                                        <p:tgtEl>
+                                          <p:spTgt spid="118"/>
+                                        </p:tgtEl>
+                                      </p:cBhvr>
+                                    </p:animEffect>
+                                  </p:childTnLst>
+                                </p:cTn>
+                              </p:par>
+                            </p:childTnLst>
+                          </p:cTn>
+                        </p:par>
+                      </p:childTnLst>
+                    </p:cTn>
+                  </p:par>
+                  <p:par>
+                    <p:cTn id="132" fill="hold">
+                      <p:stCondLst>
+                        <p:cond delay="indefinite"/>
+                      </p:stCondLst>
+                      <p:childTnLst>
+                        <p:par>
+                          <p:cTn id="133" fill="hold">
+                            <p:stCondLst>
+                              <p:cond delay="0"/>
+                            </p:stCondLst>
+                            <p:childTnLst>
+                              <p:par>
+                                <p:cTn id="134" presetID="10" presetClass="entr" presetSubtype="0" fill="hold" nodeType="clickEffect">
+                                  <p:stCondLst>
+                                    <p:cond delay="0"/>
+                                  </p:stCondLst>
+                                  <p:childTnLst>
+                                    <p:set>
+                                      <p:cBhvr>
+                                        <p:cTn id="135" dur="1" fill="hold">
+                                          <p:stCondLst>
+                                            <p:cond delay="0"/>
+                                          </p:stCondLst>
+                                        </p:cTn>
+                                        <p:tgtEl>
+                                          <p:spTgt spid="54"/>
+                                        </p:tgtEl>
+                                        <p:attrNameLst>
+                                          <p:attrName>style.visibility</p:attrName>
+                                        </p:attrNameLst>
+                                      </p:cBhvr>
+                                      <p:to>
+                                        <p:strVal val="visible"/>
+                                      </p:to>
+                                    </p:set>
+                                    <p:animEffect transition="in" filter="fade">
+                                      <p:cBhvr>
+                                        <p:cTn id="136" dur="500"/>
+                                        <p:tgtEl>
+                                          <p:spTgt spid="54"/>
+                                        </p:tgtEl>
+                                      </p:cBhvr>
+                                    </p:animEffect>
+                                  </p:childTnLst>
+                                </p:cTn>
+                              </p:par>
+                              <p:par>
+                                <p:cTn id="137" presetID="10" presetClass="entr" presetSubtype="0" fill="hold" grpId="0" nodeType="withEffect">
+                                  <p:stCondLst>
+                                    <p:cond delay="0"/>
+                                  </p:stCondLst>
+                                  <p:childTnLst>
+                                    <p:set>
+                                      <p:cBhvr>
+                                        <p:cTn id="138" dur="1" fill="hold">
+                                          <p:stCondLst>
+                                            <p:cond delay="0"/>
+                                          </p:stCondLst>
+                                        </p:cTn>
+                                        <p:tgtEl>
+                                          <p:spTgt spid="55"/>
+                                        </p:tgtEl>
+                                        <p:attrNameLst>
+                                          <p:attrName>style.visibility</p:attrName>
+                                        </p:attrNameLst>
+                                      </p:cBhvr>
+                                      <p:to>
+                                        <p:strVal val="visible"/>
+                                      </p:to>
+                                    </p:set>
+                                    <p:animEffect transition="in" filter="fade">
+                                      <p:cBhvr>
+                                        <p:cTn id="139" dur="500"/>
+                                        <p:tgtEl>
+                                          <p:spTgt spid="55"/>
+                                        </p:tgtEl>
+                                      </p:cBhvr>
+                                    </p:animEffect>
+                                  </p:childTnLst>
+                                </p:cTn>
+                              </p:par>
+                              <p:par>
+                                <p:cTn id="140" presetID="10" presetClass="entr" presetSubtype="0" fill="hold" nodeType="withEffect">
+                                  <p:stCondLst>
+                                    <p:cond delay="0"/>
+                                  </p:stCondLst>
+                                  <p:childTnLst>
+                                    <p:set>
+                                      <p:cBhvr>
+                                        <p:cTn id="141" dur="1" fill="hold">
+                                          <p:stCondLst>
+                                            <p:cond delay="0"/>
+                                          </p:stCondLst>
+                                        </p:cTn>
+                                        <p:tgtEl>
+                                          <p:spTgt spid="125"/>
+                                        </p:tgtEl>
+                                        <p:attrNameLst>
+                                          <p:attrName>style.visibility</p:attrName>
+                                        </p:attrNameLst>
+                                      </p:cBhvr>
+                                      <p:to>
+                                        <p:strVal val="visible"/>
+                                      </p:to>
+                                    </p:set>
+                                    <p:animEffect transition="in" filter="fade">
+                                      <p:cBhvr>
+                                        <p:cTn id="142" dur="500"/>
+                                        <p:tgtEl>
+                                          <p:spTgt spid="125"/>
+                                        </p:tgtEl>
+                                      </p:cBhvr>
+                                    </p:animEffect>
+                                  </p:childTnLst>
+                                </p:cTn>
+                              </p:par>
+                            </p:childTnLst>
+                          </p:cTn>
+                        </p:par>
+                      </p:childTnLst>
+                    </p:cTn>
+                  </p:par>
+                  <p:par>
+                    <p:cTn id="143" fill="hold">
+                      <p:stCondLst>
+                        <p:cond delay="indefinite"/>
+                      </p:stCondLst>
+                      <p:childTnLst>
+                        <p:par>
+                          <p:cTn id="144" fill="hold">
+                            <p:stCondLst>
+                              <p:cond delay="0"/>
+                            </p:stCondLst>
+                            <p:childTnLst>
+                              <p:par>
+                                <p:cTn id="145" presetID="10" presetClass="entr" presetSubtype="0" fill="hold" grpId="0" nodeType="clickEffect">
+                                  <p:stCondLst>
+                                    <p:cond delay="0"/>
+                                  </p:stCondLst>
+                                  <p:childTnLst>
+                                    <p:set>
+                                      <p:cBhvr>
+                                        <p:cTn id="146" dur="1" fill="hold">
+                                          <p:stCondLst>
+                                            <p:cond delay="0"/>
+                                          </p:stCondLst>
+                                        </p:cTn>
+                                        <p:tgtEl>
+                                          <p:spTgt spid="57"/>
+                                        </p:tgtEl>
+                                        <p:attrNameLst>
+                                          <p:attrName>style.visibility</p:attrName>
+                                        </p:attrNameLst>
+                                      </p:cBhvr>
+                                      <p:to>
+                                        <p:strVal val="visible"/>
+                                      </p:to>
+                                    </p:set>
+                                    <p:animEffect transition="in" filter="fade">
+                                      <p:cBhvr>
+                                        <p:cTn id="147" dur="500"/>
+                                        <p:tgtEl>
+                                          <p:spTgt spid="57"/>
+                                        </p:tgtEl>
+                                      </p:cBhvr>
+                                    </p:animEffect>
+                                  </p:childTnLst>
+                                </p:cTn>
+                              </p:par>
+                              <p:par>
+                                <p:cTn id="148" presetID="10" presetClass="entr" presetSubtype="0" fill="hold" nodeType="withEffect">
+                                  <p:stCondLst>
+                                    <p:cond delay="0"/>
+                                  </p:stCondLst>
+                                  <p:childTnLst>
+                                    <p:set>
+                                      <p:cBhvr>
+                                        <p:cTn id="149" dur="1" fill="hold">
+                                          <p:stCondLst>
+                                            <p:cond delay="0"/>
+                                          </p:stCondLst>
+                                        </p:cTn>
+                                        <p:tgtEl>
+                                          <p:spTgt spid="166"/>
+                                        </p:tgtEl>
+                                        <p:attrNameLst>
+                                          <p:attrName>style.visibility</p:attrName>
+                                        </p:attrNameLst>
+                                      </p:cBhvr>
+                                      <p:to>
+                                        <p:strVal val="visible"/>
+                                      </p:to>
+                                    </p:set>
+                                    <p:animEffect transition="in" filter="fade">
+                                      <p:cBhvr>
+                                        <p:cTn id="150" dur="500"/>
+                                        <p:tgtEl>
+                                          <p:spTgt spid="166"/>
+                                        </p:tgtEl>
+                                      </p:cBhvr>
+                                    </p:animEffect>
+                                  </p:childTnLst>
+                                </p:cTn>
+                              </p:par>
+                              <p:par>
+                                <p:cTn id="151" presetID="10" presetClass="entr" presetSubtype="0" fill="hold" nodeType="withEffect">
+                                  <p:stCondLst>
+                                    <p:cond delay="0"/>
+                                  </p:stCondLst>
+                                  <p:childTnLst>
+                                    <p:set>
+                                      <p:cBhvr>
+                                        <p:cTn id="152" dur="1" fill="hold">
+                                          <p:stCondLst>
+                                            <p:cond delay="0"/>
+                                          </p:stCondLst>
+                                        </p:cTn>
+                                        <p:tgtEl>
+                                          <p:spTgt spid="129"/>
+                                        </p:tgtEl>
+                                        <p:attrNameLst>
+                                          <p:attrName>style.visibility</p:attrName>
+                                        </p:attrNameLst>
+                                      </p:cBhvr>
+                                      <p:to>
+                                        <p:strVal val="visible"/>
+                                      </p:to>
+                                    </p:set>
+                                    <p:animEffect transition="in" filter="fade">
+                                      <p:cBhvr>
+                                        <p:cTn id="153" dur="500"/>
+                                        <p:tgtEl>
+                                          <p:spTgt spid="129"/>
+                                        </p:tgtEl>
+                                      </p:cBhvr>
+                                    </p:animEffect>
+                                  </p:childTnLst>
+                                </p:cTn>
+                              </p:par>
+                            </p:childTnLst>
+                          </p:cTn>
+                        </p:par>
+                      </p:childTnLst>
+                    </p:cTn>
+                  </p:par>
+                  <p:par>
+                    <p:cTn id="154" fill="hold">
+                      <p:stCondLst>
+                        <p:cond delay="indefinite"/>
+                      </p:stCondLst>
+                      <p:childTnLst>
+                        <p:par>
+                          <p:cTn id="155" fill="hold">
+                            <p:stCondLst>
+                              <p:cond delay="0"/>
+                            </p:stCondLst>
+                            <p:childTnLst>
+                              <p:par>
+                                <p:cTn id="156" presetID="10" presetClass="entr" presetSubtype="0" fill="hold" grpId="0" nodeType="clickEffect">
+                                  <p:stCondLst>
+                                    <p:cond delay="0"/>
+                                  </p:stCondLst>
+                                  <p:childTnLst>
+                                    <p:set>
+                                      <p:cBhvr>
+                                        <p:cTn id="157" dur="1" fill="hold">
+                                          <p:stCondLst>
+                                            <p:cond delay="0"/>
+                                          </p:stCondLst>
+                                        </p:cTn>
+                                        <p:tgtEl>
+                                          <p:spTgt spid="56"/>
+                                        </p:tgtEl>
+                                        <p:attrNameLst>
+                                          <p:attrName>style.visibility</p:attrName>
+                                        </p:attrNameLst>
+                                      </p:cBhvr>
+                                      <p:to>
+                                        <p:strVal val="visible"/>
+                                      </p:to>
+                                    </p:set>
+                                    <p:animEffect transition="in" filter="fade">
+                                      <p:cBhvr>
+                                        <p:cTn id="158" dur="500"/>
+                                        <p:tgtEl>
+                                          <p:spTgt spid="56"/>
+                                        </p:tgtEl>
+                                      </p:cBhvr>
+                                    </p:animEffect>
+                                  </p:childTnLst>
+                                </p:cTn>
+                              </p:par>
+                              <p:par>
+                                <p:cTn id="159" presetID="10" presetClass="entr" presetSubtype="0" fill="hold" nodeType="withEffect">
+                                  <p:stCondLst>
+                                    <p:cond delay="0"/>
+                                  </p:stCondLst>
+                                  <p:childTnLst>
+                                    <p:set>
+                                      <p:cBhvr>
+                                        <p:cTn id="160" dur="1" fill="hold">
+                                          <p:stCondLst>
+                                            <p:cond delay="0"/>
+                                          </p:stCondLst>
+                                        </p:cTn>
+                                        <p:tgtEl>
+                                          <p:spTgt spid="168"/>
+                                        </p:tgtEl>
+                                        <p:attrNameLst>
+                                          <p:attrName>style.visibility</p:attrName>
+                                        </p:attrNameLst>
+                                      </p:cBhvr>
+                                      <p:to>
+                                        <p:strVal val="visible"/>
+                                      </p:to>
+                                    </p:set>
+                                    <p:animEffect transition="in" filter="fade">
+                                      <p:cBhvr>
+                                        <p:cTn id="161" dur="500"/>
+                                        <p:tgtEl>
+                                          <p:spTgt spid="168"/>
+                                        </p:tgtEl>
+                                      </p:cBhvr>
+                                    </p:animEffect>
+                                  </p:childTnLst>
+                                </p:cTn>
+                              </p:par>
+                              <p:par>
+                                <p:cTn id="162" presetID="10" presetClass="entr" presetSubtype="0" fill="hold" nodeType="withEffect">
+                                  <p:stCondLst>
+                                    <p:cond delay="0"/>
+                                  </p:stCondLst>
+                                  <p:childTnLst>
+                                    <p:set>
+                                      <p:cBhvr>
+                                        <p:cTn id="163" dur="1" fill="hold">
+                                          <p:stCondLst>
+                                            <p:cond delay="0"/>
+                                          </p:stCondLst>
+                                        </p:cTn>
+                                        <p:tgtEl>
+                                          <p:spTgt spid="134"/>
+                                        </p:tgtEl>
+                                        <p:attrNameLst>
+                                          <p:attrName>style.visibility</p:attrName>
+                                        </p:attrNameLst>
+                                      </p:cBhvr>
+                                      <p:to>
+                                        <p:strVal val="visible"/>
+                                      </p:to>
+                                    </p:set>
+                                    <p:animEffect transition="in" filter="fade">
+                                      <p:cBhvr>
+                                        <p:cTn id="164" dur="500"/>
+                                        <p:tgtEl>
+                                          <p:spTgt spid="134"/>
+                                        </p:tgtEl>
+                                      </p:cBhvr>
+                                    </p:animEffect>
+                                  </p:childTnLst>
+                                </p:cTn>
+                              </p:par>
+                            </p:childTnLst>
+                          </p:cTn>
+                        </p:par>
+                      </p:childTnLst>
+                    </p:cTn>
+                  </p:par>
+                  <p:par>
+                    <p:cTn id="165" fill="hold">
+                      <p:stCondLst>
+                        <p:cond delay="indefinite"/>
+                      </p:stCondLst>
+                      <p:childTnLst>
+                        <p:par>
+                          <p:cTn id="166" fill="hold">
+                            <p:stCondLst>
+                              <p:cond delay="0"/>
+                            </p:stCondLst>
+                            <p:childTnLst>
+                              <p:par>
+                                <p:cTn id="167" presetID="10" presetClass="entr" presetSubtype="0" fill="hold" nodeType="clickEffect">
+                                  <p:stCondLst>
+                                    <p:cond delay="0"/>
+                                  </p:stCondLst>
+                                  <p:childTnLst>
+                                    <p:set>
+                                      <p:cBhvr>
+                                        <p:cTn id="168" dur="1" fill="hold">
+                                          <p:stCondLst>
+                                            <p:cond delay="0"/>
+                                          </p:stCondLst>
+                                        </p:cTn>
+                                        <p:tgtEl>
+                                          <p:spTgt spid="61"/>
+                                        </p:tgtEl>
+                                        <p:attrNameLst>
+                                          <p:attrName>style.visibility</p:attrName>
+                                        </p:attrNameLst>
+                                      </p:cBhvr>
+                                      <p:to>
+                                        <p:strVal val="visible"/>
+                                      </p:to>
+                                    </p:set>
+                                    <p:animEffect transition="in" filter="fade">
+                                      <p:cBhvr>
+                                        <p:cTn id="169" dur="500"/>
+                                        <p:tgtEl>
+                                          <p:spTgt spid="61"/>
+                                        </p:tgtEl>
+                                      </p:cBhvr>
+                                    </p:animEffect>
+                                  </p:childTnLst>
+                                </p:cTn>
+                              </p:par>
+                              <p:par>
+                                <p:cTn id="170" presetID="10" presetClass="entr" presetSubtype="0" fill="hold" nodeType="withEffect">
+                                  <p:stCondLst>
+                                    <p:cond delay="0"/>
+                                  </p:stCondLst>
+                                  <p:childTnLst>
+                                    <p:set>
+                                      <p:cBhvr>
+                                        <p:cTn id="171" dur="1" fill="hold">
+                                          <p:stCondLst>
+                                            <p:cond delay="0"/>
+                                          </p:stCondLst>
+                                        </p:cTn>
+                                        <p:tgtEl>
+                                          <p:spTgt spid="137"/>
+                                        </p:tgtEl>
+                                        <p:attrNameLst>
+                                          <p:attrName>style.visibility</p:attrName>
+                                        </p:attrNameLst>
+                                      </p:cBhvr>
+                                      <p:to>
+                                        <p:strVal val="visible"/>
+                                      </p:to>
+                                    </p:set>
+                                    <p:animEffect transition="in" filter="fade">
+                                      <p:cBhvr>
+                                        <p:cTn id="172" dur="500"/>
+                                        <p:tgtEl>
+                                          <p:spTgt spid="137"/>
+                                        </p:tgtEl>
+                                      </p:cBhvr>
+                                    </p:animEffect>
+                                  </p:childTnLst>
+                                </p:cTn>
+                              </p:par>
+                            </p:childTnLst>
+                          </p:cTn>
+                        </p:par>
+                      </p:childTnLst>
+                    </p:cTn>
+                  </p:par>
+                  <p:par>
+                    <p:cTn id="173" fill="hold">
+                      <p:stCondLst>
+                        <p:cond delay="indefinite"/>
+                      </p:stCondLst>
+                      <p:childTnLst>
+                        <p:par>
+                          <p:cTn id="174" fill="hold">
+                            <p:stCondLst>
+                              <p:cond delay="0"/>
+                            </p:stCondLst>
+                            <p:childTnLst>
+                              <p:par>
+                                <p:cTn id="175" presetID="10" presetClass="entr" presetSubtype="0" fill="hold" nodeType="clickEffect">
+                                  <p:stCondLst>
+                                    <p:cond delay="0"/>
+                                  </p:stCondLst>
+                                  <p:childTnLst>
+                                    <p:set>
+                                      <p:cBhvr>
+                                        <p:cTn id="176" dur="1" fill="hold">
+                                          <p:stCondLst>
+                                            <p:cond delay="0"/>
+                                          </p:stCondLst>
+                                        </p:cTn>
+                                        <p:tgtEl>
+                                          <p:spTgt spid="2052"/>
+                                        </p:tgtEl>
+                                        <p:attrNameLst>
+                                          <p:attrName>style.visibility</p:attrName>
+                                        </p:attrNameLst>
+                                      </p:cBhvr>
+                                      <p:to>
+                                        <p:strVal val="visible"/>
+                                      </p:to>
+                                    </p:set>
+                                    <p:animEffect transition="in" filter="fade">
+                                      <p:cBhvr>
+                                        <p:cTn id="177" dur="500"/>
+                                        <p:tgtEl>
+                                          <p:spTgt spid="2052"/>
+                                        </p:tgtEl>
+                                      </p:cBhvr>
+                                    </p:animEffect>
+                                  </p:childTnLst>
+                                </p:cTn>
+                              </p:par>
+                              <p:par>
+                                <p:cTn id="178" presetID="10" presetClass="entr" presetSubtype="0" fill="hold" nodeType="withEffect">
+                                  <p:stCondLst>
+                                    <p:cond delay="0"/>
+                                  </p:stCondLst>
+                                  <p:childTnLst>
+                                    <p:set>
+                                      <p:cBhvr>
+                                        <p:cTn id="179" dur="1" fill="hold">
+                                          <p:stCondLst>
+                                            <p:cond delay="0"/>
+                                          </p:stCondLst>
+                                        </p:cTn>
+                                        <p:tgtEl>
+                                          <p:spTgt spid="141"/>
+                                        </p:tgtEl>
+                                        <p:attrNameLst>
+                                          <p:attrName>style.visibility</p:attrName>
+                                        </p:attrNameLst>
+                                      </p:cBhvr>
+                                      <p:to>
+                                        <p:strVal val="visible"/>
+                                      </p:to>
+                                    </p:set>
+                                    <p:animEffect transition="in" filter="fade">
+                                      <p:cBhvr>
+                                        <p:cTn id="180" dur="500"/>
+                                        <p:tgtEl>
+                                          <p:spTgt spid="141"/>
+                                        </p:tgtEl>
+                                      </p:cBhvr>
+                                    </p:animEffect>
+                                  </p:childTnLst>
+                                </p:cTn>
+                              </p:par>
+                            </p:childTnLst>
+                          </p:cTn>
+                        </p:par>
+                      </p:childTnLst>
+                    </p:cTn>
+                  </p:par>
+                  <p:par>
+                    <p:cTn id="181" fill="hold">
+                      <p:stCondLst>
+                        <p:cond delay="indefinite"/>
+                      </p:stCondLst>
+                      <p:childTnLst>
+                        <p:par>
+                          <p:cTn id="182" fill="hold">
+                            <p:stCondLst>
+                              <p:cond delay="0"/>
+                            </p:stCondLst>
+                            <p:childTnLst>
+                              <p:par>
+                                <p:cTn id="183" presetID="10" presetClass="entr" presetSubtype="0" fill="hold" grpId="0" nodeType="clickEffect">
+                                  <p:stCondLst>
+                                    <p:cond delay="0"/>
+                                  </p:stCondLst>
+                                  <p:childTnLst>
+                                    <p:set>
+                                      <p:cBhvr>
+                                        <p:cTn id="184" dur="1" fill="hold">
+                                          <p:stCondLst>
+                                            <p:cond delay="0"/>
+                                          </p:stCondLst>
+                                        </p:cTn>
+                                        <p:tgtEl>
+                                          <p:spTgt spid="66"/>
+                                        </p:tgtEl>
+                                        <p:attrNameLst>
+                                          <p:attrName>style.visibility</p:attrName>
+                                        </p:attrNameLst>
+                                      </p:cBhvr>
+                                      <p:to>
+                                        <p:strVal val="visible"/>
+                                      </p:to>
+                                    </p:set>
+                                    <p:animEffect transition="in" filter="fade">
+                                      <p:cBhvr>
+                                        <p:cTn id="185" dur="500"/>
+                                        <p:tgtEl>
+                                          <p:spTgt spid="66"/>
+                                        </p:tgtEl>
+                                      </p:cBhvr>
+                                    </p:animEffect>
+                                  </p:childTnLst>
+                                </p:cTn>
+                              </p:par>
+                              <p:par>
+                                <p:cTn id="186" presetID="10" presetClass="entr" presetSubtype="0" fill="hold" nodeType="withEffect">
+                                  <p:stCondLst>
+                                    <p:cond delay="0"/>
+                                  </p:stCondLst>
+                                  <p:childTnLst>
+                                    <p:set>
+                                      <p:cBhvr>
+                                        <p:cTn id="187" dur="1" fill="hold">
+                                          <p:stCondLst>
+                                            <p:cond delay="0"/>
+                                          </p:stCondLst>
+                                        </p:cTn>
+                                        <p:tgtEl>
+                                          <p:spTgt spid="65"/>
+                                        </p:tgtEl>
+                                        <p:attrNameLst>
+                                          <p:attrName>style.visibility</p:attrName>
+                                        </p:attrNameLst>
+                                      </p:cBhvr>
+                                      <p:to>
+                                        <p:strVal val="visible"/>
+                                      </p:to>
+                                    </p:set>
+                                    <p:animEffect transition="in" filter="fade">
+                                      <p:cBhvr>
+                                        <p:cTn id="188" dur="500"/>
+                                        <p:tgtEl>
+                                          <p:spTgt spid="65"/>
+                                        </p:tgtEl>
+                                      </p:cBhvr>
+                                    </p:animEffect>
+                                  </p:childTnLst>
+                                </p:cTn>
+                              </p:par>
+                              <p:par>
+                                <p:cTn id="189" presetID="10" presetClass="entr" presetSubtype="0" fill="hold" nodeType="withEffect">
+                                  <p:stCondLst>
+                                    <p:cond delay="0"/>
+                                  </p:stCondLst>
+                                  <p:childTnLst>
+                                    <p:set>
+                                      <p:cBhvr>
+                                        <p:cTn id="190" dur="1" fill="hold">
+                                          <p:stCondLst>
+                                            <p:cond delay="0"/>
+                                          </p:stCondLst>
+                                        </p:cTn>
+                                        <p:tgtEl>
+                                          <p:spTgt spid="145"/>
+                                        </p:tgtEl>
+                                        <p:attrNameLst>
+                                          <p:attrName>style.visibility</p:attrName>
+                                        </p:attrNameLst>
+                                      </p:cBhvr>
+                                      <p:to>
+                                        <p:strVal val="visible"/>
+                                      </p:to>
+                                    </p:set>
+                                    <p:animEffect transition="in" filter="fade">
+                                      <p:cBhvr>
+                                        <p:cTn id="191" dur="500"/>
+                                        <p:tgtEl>
+                                          <p:spTgt spid="145"/>
+                                        </p:tgtEl>
+                                      </p:cBhvr>
+                                    </p:animEffect>
+                                  </p:childTnLst>
+                                </p:cTn>
+                              </p:par>
+                            </p:childTnLst>
+                          </p:cTn>
+                        </p:par>
+                      </p:childTnLst>
+                    </p:cTn>
+                  </p:par>
+                  <p:par>
+                    <p:cTn id="192" fill="hold">
+                      <p:stCondLst>
+                        <p:cond delay="indefinite"/>
+                      </p:stCondLst>
+                      <p:childTnLst>
+                        <p:par>
+                          <p:cTn id="193" fill="hold">
+                            <p:stCondLst>
+                              <p:cond delay="0"/>
+                            </p:stCondLst>
+                            <p:childTnLst>
+                              <p:par>
+                                <p:cTn id="194" presetID="10" presetClass="entr" presetSubtype="0" fill="hold" grpId="0" nodeType="clickEffect">
+                                  <p:stCondLst>
+                                    <p:cond delay="0"/>
+                                  </p:stCondLst>
+                                  <p:childTnLst>
+                                    <p:set>
+                                      <p:cBhvr>
+                                        <p:cTn id="195" dur="1" fill="hold">
+                                          <p:stCondLst>
+                                            <p:cond delay="0"/>
+                                          </p:stCondLst>
+                                        </p:cTn>
+                                        <p:tgtEl>
+                                          <p:spTgt spid="67"/>
+                                        </p:tgtEl>
+                                        <p:attrNameLst>
+                                          <p:attrName>style.visibility</p:attrName>
+                                        </p:attrNameLst>
+                                      </p:cBhvr>
+                                      <p:to>
+                                        <p:strVal val="visible"/>
+                                      </p:to>
+                                    </p:set>
+                                    <p:animEffect transition="in" filter="fade">
+                                      <p:cBhvr>
+                                        <p:cTn id="196" dur="500"/>
+                                        <p:tgtEl>
+                                          <p:spTgt spid="67"/>
+                                        </p:tgtEl>
+                                      </p:cBhvr>
+                                    </p:animEffect>
+                                  </p:childTnLst>
+                                </p:cTn>
+                              </p:par>
+                              <p:par>
+                                <p:cTn id="197" presetID="10" presetClass="entr" presetSubtype="0" fill="hold" nodeType="withEffect">
+                                  <p:stCondLst>
+                                    <p:cond delay="0"/>
+                                  </p:stCondLst>
+                                  <p:childTnLst>
+                                    <p:set>
+                                      <p:cBhvr>
+                                        <p:cTn id="198" dur="1" fill="hold">
+                                          <p:stCondLst>
+                                            <p:cond delay="0"/>
+                                          </p:stCondLst>
+                                        </p:cTn>
+                                        <p:tgtEl>
+                                          <p:spTgt spid="72"/>
+                                        </p:tgtEl>
+                                        <p:attrNameLst>
+                                          <p:attrName>style.visibility</p:attrName>
+                                        </p:attrNameLst>
+                                      </p:cBhvr>
+                                      <p:to>
+                                        <p:strVal val="visible"/>
+                                      </p:to>
+                                    </p:set>
+                                    <p:animEffect transition="in" filter="fade">
+                                      <p:cBhvr>
+                                        <p:cTn id="199" dur="500"/>
+                                        <p:tgtEl>
+                                          <p:spTgt spid="72"/>
+                                        </p:tgtEl>
+                                      </p:cBhvr>
+                                    </p:animEffect>
+                                  </p:childTnLst>
+                                </p:cTn>
+                              </p:par>
+                              <p:par>
+                                <p:cTn id="200" presetID="10" presetClass="entr" presetSubtype="0" fill="hold" nodeType="withEffect">
+                                  <p:stCondLst>
+                                    <p:cond delay="0"/>
+                                  </p:stCondLst>
+                                  <p:childTnLst>
+                                    <p:set>
+                                      <p:cBhvr>
+                                        <p:cTn id="201" dur="1" fill="hold">
+                                          <p:stCondLst>
+                                            <p:cond delay="0"/>
+                                          </p:stCondLst>
+                                        </p:cTn>
+                                        <p:tgtEl>
+                                          <p:spTgt spid="148"/>
+                                        </p:tgtEl>
+                                        <p:attrNameLst>
+                                          <p:attrName>style.visibility</p:attrName>
+                                        </p:attrNameLst>
+                                      </p:cBhvr>
+                                      <p:to>
+                                        <p:strVal val="visible"/>
+                                      </p:to>
+                                    </p:set>
+                                    <p:animEffect transition="in" filter="fade">
+                                      <p:cBhvr>
+                                        <p:cTn id="202" dur="500"/>
+                                        <p:tgtEl>
+                                          <p:spTgt spid="148"/>
+                                        </p:tgtEl>
+                                      </p:cBhvr>
+                                    </p:animEffect>
+                                  </p:childTnLst>
+                                </p:cTn>
+                              </p:par>
+                            </p:childTnLst>
+                          </p:cTn>
+                        </p:par>
+                      </p:childTnLst>
+                    </p:cTn>
+                  </p:par>
+                  <p:par>
+                    <p:cTn id="203" fill="hold">
+                      <p:stCondLst>
+                        <p:cond delay="indefinite"/>
+                      </p:stCondLst>
+                      <p:childTnLst>
+                        <p:par>
+                          <p:cTn id="204" fill="hold">
+                            <p:stCondLst>
+                              <p:cond delay="0"/>
+                            </p:stCondLst>
+                            <p:childTnLst>
+                              <p:par>
+                                <p:cTn id="205" presetID="10" presetClass="entr" presetSubtype="0" fill="hold" grpId="0" nodeType="clickEffect">
+                                  <p:stCondLst>
+                                    <p:cond delay="0"/>
+                                  </p:stCondLst>
+                                  <p:childTnLst>
+                                    <p:set>
+                                      <p:cBhvr>
+                                        <p:cTn id="206" dur="1" fill="hold">
+                                          <p:stCondLst>
+                                            <p:cond delay="0"/>
+                                          </p:stCondLst>
+                                        </p:cTn>
+                                        <p:tgtEl>
+                                          <p:spTgt spid="68"/>
+                                        </p:tgtEl>
+                                        <p:attrNameLst>
+                                          <p:attrName>style.visibility</p:attrName>
+                                        </p:attrNameLst>
+                                      </p:cBhvr>
+                                      <p:to>
+                                        <p:strVal val="visible"/>
+                                      </p:to>
+                                    </p:set>
+                                    <p:animEffect transition="in" filter="fade">
+                                      <p:cBhvr>
+                                        <p:cTn id="207" dur="500"/>
+                                        <p:tgtEl>
+                                          <p:spTgt spid="68"/>
+                                        </p:tgtEl>
+                                      </p:cBhvr>
+                                    </p:animEffect>
+                                  </p:childTnLst>
+                                </p:cTn>
+                              </p:par>
+                              <p:par>
+                                <p:cTn id="208" presetID="10" presetClass="entr" presetSubtype="0" fill="hold" nodeType="withEffect">
+                                  <p:stCondLst>
+                                    <p:cond delay="0"/>
+                                  </p:stCondLst>
+                                  <p:childTnLst>
+                                    <p:set>
+                                      <p:cBhvr>
+                                        <p:cTn id="209" dur="1" fill="hold">
+                                          <p:stCondLst>
+                                            <p:cond delay="0"/>
+                                          </p:stCondLst>
+                                        </p:cTn>
+                                        <p:tgtEl>
+                                          <p:spTgt spid="74"/>
+                                        </p:tgtEl>
+                                        <p:attrNameLst>
+                                          <p:attrName>style.visibility</p:attrName>
+                                        </p:attrNameLst>
+                                      </p:cBhvr>
+                                      <p:to>
+                                        <p:strVal val="visible"/>
+                                      </p:to>
+                                    </p:set>
+                                    <p:animEffect transition="in" filter="fade">
+                                      <p:cBhvr>
+                                        <p:cTn id="210" dur="500"/>
+                                        <p:tgtEl>
+                                          <p:spTgt spid="74"/>
+                                        </p:tgtEl>
+                                      </p:cBhvr>
+                                    </p:animEffect>
+                                  </p:childTnLst>
+                                </p:cTn>
+                              </p:par>
+                              <p:par>
+                                <p:cTn id="211" presetID="10" presetClass="entr" presetSubtype="0" fill="hold" nodeType="withEffect">
+                                  <p:stCondLst>
+                                    <p:cond delay="0"/>
+                                  </p:stCondLst>
+                                  <p:childTnLst>
+                                    <p:set>
+                                      <p:cBhvr>
+                                        <p:cTn id="212" dur="1" fill="hold">
+                                          <p:stCondLst>
+                                            <p:cond delay="0"/>
+                                          </p:stCondLst>
+                                        </p:cTn>
+                                        <p:tgtEl>
+                                          <p:spTgt spid="152"/>
+                                        </p:tgtEl>
+                                        <p:attrNameLst>
+                                          <p:attrName>style.visibility</p:attrName>
+                                        </p:attrNameLst>
+                                      </p:cBhvr>
+                                      <p:to>
+                                        <p:strVal val="visible"/>
+                                      </p:to>
+                                    </p:set>
+                                    <p:animEffect transition="in" filter="fade">
+                                      <p:cBhvr>
+                                        <p:cTn id="213" dur="500"/>
+                                        <p:tgtEl>
+                                          <p:spTgt spid="152"/>
+                                        </p:tgtEl>
+                                      </p:cBhvr>
+                                    </p:animEffect>
+                                  </p:childTnLst>
+                                </p:cTn>
+                              </p:par>
+                            </p:childTnLst>
+                          </p:cTn>
+                        </p:par>
+                      </p:childTnLst>
+                    </p:cTn>
+                  </p:par>
+                  <p:par>
+                    <p:cTn id="214" fill="hold">
+                      <p:stCondLst>
+                        <p:cond delay="indefinite"/>
+                      </p:stCondLst>
+                      <p:childTnLst>
+                        <p:par>
+                          <p:cTn id="215" fill="hold">
+                            <p:stCondLst>
+                              <p:cond delay="0"/>
+                            </p:stCondLst>
+                            <p:childTnLst>
+                              <p:par>
+                                <p:cTn id="216" presetID="10" presetClass="entr" presetSubtype="0" fill="hold" grpId="0" nodeType="clickEffect">
+                                  <p:stCondLst>
+                                    <p:cond delay="0"/>
+                                  </p:stCondLst>
+                                  <p:childTnLst>
+                                    <p:set>
+                                      <p:cBhvr>
+                                        <p:cTn id="217" dur="1" fill="hold">
+                                          <p:stCondLst>
+                                            <p:cond delay="0"/>
+                                          </p:stCondLst>
+                                        </p:cTn>
+                                        <p:tgtEl>
+                                          <p:spTgt spid="70"/>
+                                        </p:tgtEl>
+                                        <p:attrNameLst>
+                                          <p:attrName>style.visibility</p:attrName>
+                                        </p:attrNameLst>
+                                      </p:cBhvr>
+                                      <p:to>
+                                        <p:strVal val="visible"/>
+                                      </p:to>
+                                    </p:set>
+                                    <p:animEffect transition="in" filter="fade">
+                                      <p:cBhvr>
+                                        <p:cTn id="218" dur="500"/>
+                                        <p:tgtEl>
+                                          <p:spTgt spid="70"/>
+                                        </p:tgtEl>
+                                      </p:cBhvr>
+                                    </p:animEffect>
+                                  </p:childTnLst>
+                                </p:cTn>
+                              </p:par>
+                              <p:par>
+                                <p:cTn id="219" presetID="10" presetClass="entr" presetSubtype="0" fill="hold" nodeType="withEffect">
+                                  <p:stCondLst>
+                                    <p:cond delay="0"/>
+                                  </p:stCondLst>
+                                  <p:childTnLst>
+                                    <p:set>
+                                      <p:cBhvr>
+                                        <p:cTn id="220" dur="1" fill="hold">
+                                          <p:stCondLst>
+                                            <p:cond delay="0"/>
+                                          </p:stCondLst>
+                                        </p:cTn>
+                                        <p:tgtEl>
+                                          <p:spTgt spid="76"/>
+                                        </p:tgtEl>
+                                        <p:attrNameLst>
+                                          <p:attrName>style.visibility</p:attrName>
+                                        </p:attrNameLst>
+                                      </p:cBhvr>
+                                      <p:to>
+                                        <p:strVal val="visible"/>
+                                      </p:to>
+                                    </p:set>
+                                    <p:animEffect transition="in" filter="fade">
+                                      <p:cBhvr>
+                                        <p:cTn id="221" dur="500"/>
+                                        <p:tgtEl>
+                                          <p:spTgt spid="76"/>
+                                        </p:tgtEl>
+                                      </p:cBhvr>
+                                    </p:animEffect>
+                                  </p:childTnLst>
+                                </p:cTn>
+                              </p:par>
+                              <p:par>
+                                <p:cTn id="222" presetID="10" presetClass="entr" presetSubtype="0" fill="hold" nodeType="withEffect">
+                                  <p:stCondLst>
+                                    <p:cond delay="0"/>
+                                  </p:stCondLst>
+                                  <p:childTnLst>
+                                    <p:set>
+                                      <p:cBhvr>
+                                        <p:cTn id="223" dur="1" fill="hold">
+                                          <p:stCondLst>
+                                            <p:cond delay="0"/>
+                                          </p:stCondLst>
+                                        </p:cTn>
+                                        <p:tgtEl>
+                                          <p:spTgt spid="156"/>
+                                        </p:tgtEl>
+                                        <p:attrNameLst>
+                                          <p:attrName>style.visibility</p:attrName>
+                                        </p:attrNameLst>
+                                      </p:cBhvr>
+                                      <p:to>
+                                        <p:strVal val="visible"/>
+                                      </p:to>
+                                    </p:set>
+                                    <p:animEffect transition="in" filter="fade">
+                                      <p:cBhvr>
+                                        <p:cTn id="224" dur="500"/>
+                                        <p:tgtEl>
+                                          <p:spTgt spid="156"/>
+                                        </p:tgtEl>
+                                      </p:cBhvr>
+                                    </p:animEffect>
+                                  </p:childTnLst>
+                                </p:cTn>
+                              </p:par>
+                            </p:childTnLst>
+                          </p:cTn>
+                        </p:par>
+                      </p:childTnLst>
+                    </p:cTn>
+                  </p:par>
+                  <p:par>
+                    <p:cTn id="225" fill="hold">
+                      <p:stCondLst>
+                        <p:cond delay="indefinite"/>
+                      </p:stCondLst>
+                      <p:childTnLst>
+                        <p:par>
+                          <p:cTn id="226" fill="hold">
+                            <p:stCondLst>
+                              <p:cond delay="0"/>
+                            </p:stCondLst>
+                            <p:childTnLst>
+                              <p:par>
+                                <p:cTn id="227" presetID="10" presetClass="entr" presetSubtype="0" fill="hold" grpId="0" nodeType="clickEffect">
+                                  <p:stCondLst>
+                                    <p:cond delay="0"/>
+                                  </p:stCondLst>
+                                  <p:childTnLst>
+                                    <p:set>
+                                      <p:cBhvr>
+                                        <p:cTn id="228" dur="1" fill="hold">
+                                          <p:stCondLst>
+                                            <p:cond delay="0"/>
+                                          </p:stCondLst>
+                                        </p:cTn>
+                                        <p:tgtEl>
+                                          <p:spTgt spid="69"/>
+                                        </p:tgtEl>
+                                        <p:attrNameLst>
+                                          <p:attrName>style.visibility</p:attrName>
+                                        </p:attrNameLst>
+                                      </p:cBhvr>
+                                      <p:to>
+                                        <p:strVal val="visible"/>
+                                      </p:to>
+                                    </p:set>
+                                    <p:animEffect transition="in" filter="fade">
+                                      <p:cBhvr>
+                                        <p:cTn id="229" dur="500"/>
+                                        <p:tgtEl>
+                                          <p:spTgt spid="69"/>
+                                        </p:tgtEl>
+                                      </p:cBhvr>
+                                    </p:animEffect>
+                                  </p:childTnLst>
+                                </p:cTn>
+                              </p:par>
+                              <p:par>
+                                <p:cTn id="230" presetID="10" presetClass="entr" presetSubtype="0" fill="hold" nodeType="withEffect">
+                                  <p:stCondLst>
+                                    <p:cond delay="0"/>
+                                  </p:stCondLst>
+                                  <p:childTnLst>
+                                    <p:set>
+                                      <p:cBhvr>
+                                        <p:cTn id="231" dur="1" fill="hold">
+                                          <p:stCondLst>
+                                            <p:cond delay="0"/>
+                                          </p:stCondLst>
+                                        </p:cTn>
+                                        <p:tgtEl>
+                                          <p:spTgt spid="78"/>
+                                        </p:tgtEl>
+                                        <p:attrNameLst>
+                                          <p:attrName>style.visibility</p:attrName>
+                                        </p:attrNameLst>
+                                      </p:cBhvr>
+                                      <p:to>
+                                        <p:strVal val="visible"/>
+                                      </p:to>
+                                    </p:set>
+                                    <p:animEffect transition="in" filter="fade">
+                                      <p:cBhvr>
+                                        <p:cTn id="232" dur="500"/>
+                                        <p:tgtEl>
+                                          <p:spTgt spid="78"/>
+                                        </p:tgtEl>
+                                      </p:cBhvr>
+                                    </p:animEffect>
+                                  </p:childTnLst>
+                                </p:cTn>
+                              </p:par>
+                              <p:par>
+                                <p:cTn id="233" presetID="10" presetClass="entr" presetSubtype="0" fill="hold" nodeType="withEffect">
+                                  <p:stCondLst>
+                                    <p:cond delay="0"/>
+                                  </p:stCondLst>
+                                  <p:childTnLst>
+                                    <p:set>
+                                      <p:cBhvr>
+                                        <p:cTn id="234" dur="1" fill="hold">
+                                          <p:stCondLst>
+                                            <p:cond delay="0"/>
+                                          </p:stCondLst>
+                                        </p:cTn>
+                                        <p:tgtEl>
+                                          <p:spTgt spid="160"/>
+                                        </p:tgtEl>
+                                        <p:attrNameLst>
+                                          <p:attrName>style.visibility</p:attrName>
+                                        </p:attrNameLst>
+                                      </p:cBhvr>
+                                      <p:to>
+                                        <p:strVal val="visible"/>
+                                      </p:to>
+                                    </p:set>
+                                    <p:animEffect transition="in" filter="fade">
+                                      <p:cBhvr>
+                                        <p:cTn id="235" dur="500"/>
+                                        <p:tgtEl>
+                                          <p:spTgt spid="160"/>
+                                        </p:tgtEl>
+                                      </p:cBhvr>
+                                    </p:animEffect>
+                                  </p:childTnLst>
+                                </p:cTn>
+                              </p:par>
+                            </p:childTnLst>
+                          </p:cTn>
+                        </p:par>
+                      </p:childTnLst>
+                    </p:cTn>
+                  </p:par>
+                </p:childTnLst>
+              </p:cTn>
+              <p:prevCondLst>
+                <p:cond evt="onPrev" delay="0">
+                  <p:tgtEl>
+                    <p:sldTgt/>
+                  </p:tgtEl>
+                </p:cond>
+              </p:prevCondLst>
+              <p:nextCondLst>
+                <p:cond evt="onNext" delay="0">
+                  <p:tgtEl>
+                    <p:sldTgt/>
+                  </p:tgtEl>
+                </p:cond>
+              </p:nextCondLst>
+            </p:seq>
+          </p:childTnLst>
+        </p:cTn>
+      </p:par>
+    </p:tnLst>
+    <p:bldLst>
+      <p:bldP spid="14" grpId="0" animBg="1"/>
+      <p:bldP spid="20" grpId="0" animBg="1"/>
+      <p:bldP spid="24" grpId="0" animBg="1"/>
+      <p:bldP spid="31" grpId="0"/>
+      <p:bldP spid="35" grpId="0"/>
+      <p:bldP spid="38" grpId="0"/>
+      <p:bldP spid="39" grpId="0"/>
+      <p:bldP spid="40" grpId="0"/>
+      <p:bldP spid="41" grpId="0"/>
+      <p:bldP spid="42" grpId="0"/>
+      <p:bldP spid="53" grpId="0"/>
+      <p:bldP spid="55" grpId="0"/>
+      <p:bldP spid="56" grpId="0"/>
+      <p:bldP spid="57" grpId="0"/>
+      <p:bldP spid="66" grpId="0"/>
+      <p:bldP spid="67" grpId="0"/>
+      <p:bldP spid="68" grpId="0"/>
+      <p:bldP spid="69" grpId="0"/>
+      <p:bldP spid="70" grpId="0"/>
+    </p:bldLst>
+  </p:timing>
 </p:sld>
 </file>
 

--- a/2022-07-20 Dotnet Foundation Summit 2022/ABP-DNF-Summit-2022.pptx
+++ b/2022-07-20 Dotnet Foundation Summit 2022/ABP-DNF-Summit-2022.pptx
@@ -16,11 +16,13 @@
     <p:sldId id="263" r:id="rId10"/>
     <p:sldId id="266" r:id="rId11"/>
     <p:sldId id="267" r:id="rId12"/>
-    <p:sldId id="268" r:id="rId13"/>
-    <p:sldId id="269" r:id="rId14"/>
-    <p:sldId id="270" r:id="rId15"/>
-    <p:sldId id="271" r:id="rId16"/>
-    <p:sldId id="272" r:id="rId17"/>
+    <p:sldId id="269" r:id="rId13"/>
+    <p:sldId id="270" r:id="rId14"/>
+    <p:sldId id="271" r:id="rId15"/>
+    <p:sldId id="272" r:id="rId16"/>
+    <p:sldId id="273" r:id="rId17"/>
+    <p:sldId id="274" r:id="rId18"/>
+    <p:sldId id="275" r:id="rId19"/>
   </p:sldIdLst>
   <p:sldSz cx="12192000" cy="6858000"/>
   <p:notesSz cx="6858000" cy="9144000"/>
@@ -3419,6 +3421,19 @@
                 <a:latin typeface="Euclid Circular B" panose="020B0504000000000000" pitchFamily="34" charset="0"/>
                 <a:ea typeface="Euclid Circular B" panose="020B0504000000000000" pitchFamily="34" charset="0"/>
               </a:rPr>
+              <a:t>Presenters:</a:t>
+            </a:r>
+            <a:br>
+              <a:rPr lang="en-US" sz="2800" dirty="0">
+                <a:latin typeface="Euclid Circular B" panose="020B0504000000000000" pitchFamily="34" charset="0"/>
+                <a:ea typeface="Euclid Circular B" panose="020B0504000000000000" pitchFamily="34" charset="0"/>
+              </a:rPr>
+            </a:br>
+            <a:r>
+              <a:rPr lang="en-US" sz="2800" dirty="0">
+                <a:latin typeface="Euclid Circular B" panose="020B0504000000000000" pitchFamily="34" charset="0"/>
+                <a:ea typeface="Euclid Circular B" panose="020B0504000000000000" pitchFamily="34" charset="0"/>
+              </a:rPr>
               <a:t>Halil İbrahim Kalkan &amp; </a:t>
             </a:r>
             <a:r>
@@ -3522,7 +3537,7 @@
                 <a:latin typeface="Euclid Circular B" panose="020B0504000000000000" pitchFamily="34" charset="0"/>
                 <a:ea typeface="Euclid Circular B" panose="020B0504000000000000" pitchFamily="34" charset="0"/>
               </a:rPr>
-              <a:t>ABP.IO: Filling the gap</a:t>
+              <a:t>ABP.IO: Filling the Gap</a:t>
             </a:r>
           </a:p>
         </p:txBody>
@@ -4263,38 +4278,230 @@
                 <a:latin typeface="Euclid Circular B" panose="020B0504000000000000" pitchFamily="34" charset="0"/>
                 <a:ea typeface="Euclid Circular B" panose="020B0504000000000000" pitchFamily="34" charset="0"/>
               </a:rPr>
-              <a:t>Topic title</a:t>
+              <a:t>The Architecture</a:t>
             </a:r>
           </a:p>
         </p:txBody>
       </p:sp>
       <p:sp>
         <p:nvSpPr>
-          <p:cNvPr id="3" name="Content Placeholder 2">
-            <a:extLst>
-              <a:ext uri="{FF2B5EF4-FFF2-40B4-BE49-F238E27FC236}">
-                <a16:creationId xmlns:a16="http://schemas.microsoft.com/office/drawing/2014/main" id="{891C7693-D3DF-4635-96F4-97F3B4136FDF}"/>
-              </a:ext>
-            </a:extLst>
-          </p:cNvPr>
-          <p:cNvSpPr>
-            <a:spLocks noGrp="1"/>
-          </p:cNvSpPr>
-          <p:nvPr>
-            <p:ph idx="1"/>
-          </p:nvPr>
+          <p:cNvPr id="6" name="Rectangle 5">
+            <a:extLst>
+              <a:ext uri="{FF2B5EF4-FFF2-40B4-BE49-F238E27FC236}">
+                <a16:creationId xmlns:a16="http://schemas.microsoft.com/office/drawing/2014/main" id="{68C47F0B-36A4-6770-DDCA-23A69FC784AA}"/>
+              </a:ext>
+            </a:extLst>
+          </p:cNvPr>
+          <p:cNvSpPr/>
+          <p:nvPr/>
         </p:nvSpPr>
-        <p:spPr/>
+        <p:spPr>
+          <a:xfrm>
+            <a:off x="1768186" y="2254045"/>
+            <a:ext cx="3936423" cy="1387968"/>
+          </a:xfrm>
+          <a:prstGeom prst="rect">
+            <a:avLst/>
+          </a:prstGeom>
+        </p:spPr>
+        <p:style>
+          <a:lnRef idx="0">
+            <a:schemeClr val="accent1"/>
+          </a:lnRef>
+          <a:fillRef idx="3">
+            <a:schemeClr val="accent1"/>
+          </a:fillRef>
+          <a:effectRef idx="3">
+            <a:schemeClr val="accent1"/>
+          </a:effectRef>
+          <a:fontRef idx="minor">
+            <a:schemeClr val="lt1"/>
+          </a:fontRef>
+        </p:style>
         <p:txBody>
-          <a:bodyPr/>
+          <a:bodyPr rtlCol="0" anchor="ctr"/>
           <a:lstStyle/>
           <a:p>
-            <a:r>
-              <a:rPr lang="en-US" dirty="0">
-                <a:latin typeface="Euclid Circular B" panose="020B0504000000000000" pitchFamily="34" charset="0"/>
-                <a:ea typeface="Euclid Circular B" panose="020B0504000000000000" pitchFamily="34" charset="0"/>
-              </a:rPr>
-              <a:t>Content</a:t>
+            <a:pPr algn="ctr"/>
+            <a:r>
+              <a:rPr lang="en-US" sz="2800" dirty="0"/>
+              <a:t>Domain Driven Design</a:t>
+            </a:r>
+          </a:p>
+          <a:p>
+            <a:pPr algn="ctr"/>
+            <a:r>
+              <a:rPr lang="en-US" sz="2800" dirty="0"/>
+              <a:t>&amp; Layered Solution</a:t>
+            </a:r>
+          </a:p>
+        </p:txBody>
+      </p:sp>
+      <p:sp>
+        <p:nvSpPr>
+          <p:cNvPr id="7" name="Rectangle 6">
+            <a:extLst>
+              <a:ext uri="{FF2B5EF4-FFF2-40B4-BE49-F238E27FC236}">
+                <a16:creationId xmlns:a16="http://schemas.microsoft.com/office/drawing/2014/main" id="{D3B13FCF-22EA-1B45-90FD-C0C618DA42BE}"/>
+              </a:ext>
+            </a:extLst>
+          </p:cNvPr>
+          <p:cNvSpPr/>
+          <p:nvPr/>
+        </p:nvSpPr>
+        <p:spPr>
+          <a:xfrm>
+            <a:off x="6087341" y="2254045"/>
+            <a:ext cx="3936423" cy="1387968"/>
+          </a:xfrm>
+          <a:prstGeom prst="rect">
+            <a:avLst/>
+          </a:prstGeom>
+        </p:spPr>
+        <p:style>
+          <a:lnRef idx="0">
+            <a:schemeClr val="accent6"/>
+          </a:lnRef>
+          <a:fillRef idx="3">
+            <a:schemeClr val="accent6"/>
+          </a:fillRef>
+          <a:effectRef idx="3">
+            <a:schemeClr val="accent6"/>
+          </a:effectRef>
+          <a:fontRef idx="minor">
+            <a:schemeClr val="lt1"/>
+          </a:fontRef>
+        </p:style>
+        <p:txBody>
+          <a:bodyPr rtlCol="0" anchor="ctr"/>
+          <a:lstStyle/>
+          <a:p>
+            <a:pPr algn="ctr"/>
+            <a:r>
+              <a:rPr lang="en-US" sz="2800" dirty="0"/>
+              <a:t>Modular</a:t>
+            </a:r>
+          </a:p>
+        </p:txBody>
+      </p:sp>
+      <p:sp>
+        <p:nvSpPr>
+          <p:cNvPr id="8" name="Rectangle 7">
+            <a:extLst>
+              <a:ext uri="{FF2B5EF4-FFF2-40B4-BE49-F238E27FC236}">
+                <a16:creationId xmlns:a16="http://schemas.microsoft.com/office/drawing/2014/main" id="{E08255A3-188E-5FD3-00E2-82BFC2DBDF16}"/>
+              </a:ext>
+            </a:extLst>
+          </p:cNvPr>
+          <p:cNvSpPr/>
+          <p:nvPr/>
+        </p:nvSpPr>
+        <p:spPr>
+          <a:xfrm>
+            <a:off x="1768186" y="4022231"/>
+            <a:ext cx="3936423" cy="1387968"/>
+          </a:xfrm>
+          <a:prstGeom prst="rect">
+            <a:avLst/>
+          </a:prstGeom>
+        </p:spPr>
+        <p:style>
+          <a:lnRef idx="0">
+            <a:schemeClr val="accent2"/>
+          </a:lnRef>
+          <a:fillRef idx="3">
+            <a:schemeClr val="accent2"/>
+          </a:fillRef>
+          <a:effectRef idx="3">
+            <a:schemeClr val="accent2"/>
+          </a:effectRef>
+          <a:fontRef idx="minor">
+            <a:schemeClr val="lt1"/>
+          </a:fontRef>
+        </p:style>
+        <p:txBody>
+          <a:bodyPr rtlCol="0" anchor="ctr"/>
+          <a:lstStyle/>
+          <a:p>
+            <a:pPr algn="ctr"/>
+            <a:r>
+              <a:rPr lang="en-US" sz="2800" dirty="0"/>
+              <a:t>Multi-Tenancy</a:t>
+            </a:r>
+            <a:br>
+              <a:rPr lang="en-US" sz="2800" dirty="0"/>
+            </a:br>
+            <a:r>
+              <a:rPr lang="en-US" dirty="0"/>
+              <a:t>(SaaS infrastructure)</a:t>
+            </a:r>
+            <a:endParaRPr lang="en-US" sz="2800" dirty="0"/>
+          </a:p>
+        </p:txBody>
+      </p:sp>
+      <p:sp>
+        <p:nvSpPr>
+          <p:cNvPr id="9" name="Rectangle 8">
+            <a:extLst>
+              <a:ext uri="{FF2B5EF4-FFF2-40B4-BE49-F238E27FC236}">
+                <a16:creationId xmlns:a16="http://schemas.microsoft.com/office/drawing/2014/main" id="{0FE68719-61FF-22BC-0AF9-1AF7045F9477}"/>
+              </a:ext>
+            </a:extLst>
+          </p:cNvPr>
+          <p:cNvSpPr/>
+          <p:nvPr/>
+        </p:nvSpPr>
+        <p:spPr>
+          <a:xfrm>
+            <a:off x="6087341" y="4022231"/>
+            <a:ext cx="3936423" cy="1387968"/>
+          </a:xfrm>
+          <a:prstGeom prst="rect">
+            <a:avLst/>
+          </a:prstGeom>
+          <a:gradFill>
+            <a:gsLst>
+              <a:gs pos="0">
+                <a:srgbClr val="7030A0"/>
+              </a:gs>
+              <a:gs pos="50000">
+                <a:srgbClr val="512373"/>
+              </a:gs>
+              <a:gs pos="100000">
+                <a:srgbClr val="3F1C5A"/>
+              </a:gs>
+            </a:gsLst>
+          </a:gradFill>
+        </p:spPr>
+        <p:style>
+          <a:lnRef idx="0">
+            <a:schemeClr val="dk1"/>
+          </a:lnRef>
+          <a:fillRef idx="3">
+            <a:schemeClr val="dk1"/>
+          </a:fillRef>
+          <a:effectRef idx="3">
+            <a:schemeClr val="dk1"/>
+          </a:effectRef>
+          <a:fontRef idx="minor">
+            <a:schemeClr val="lt1"/>
+          </a:fontRef>
+        </p:style>
+        <p:txBody>
+          <a:bodyPr rtlCol="0" anchor="ctr"/>
+          <a:lstStyle/>
+          <a:p>
+            <a:pPr algn="ctr"/>
+            <a:r>
+              <a:rPr lang="en-US" sz="2800" dirty="0"/>
+              <a:t>Microservice</a:t>
+            </a:r>
+            <a:br>
+              <a:rPr lang="en-US" sz="2800" dirty="0"/>
+            </a:br>
+            <a:r>
+              <a:rPr lang="en-US" sz="2800" dirty="0"/>
+              <a:t>ready</a:t>
             </a:r>
           </a:p>
         </p:txBody>
@@ -4309,6 +4516,254 @@
   <p:clrMapOvr>
     <a:masterClrMapping/>
   </p:clrMapOvr>
+  <p:timing>
+    <p:tnLst>
+      <p:par>
+        <p:cTn id="1" dur="indefinite" restart="never" nodeType="tmRoot">
+          <p:childTnLst>
+            <p:seq concurrent="1" nextAc="seek">
+              <p:cTn id="2" dur="indefinite" nodeType="mainSeq">
+                <p:childTnLst>
+                  <p:par>
+                    <p:cTn id="3" fill="hold">
+                      <p:stCondLst>
+                        <p:cond delay="indefinite"/>
+                      </p:stCondLst>
+                      <p:childTnLst>
+                        <p:par>
+                          <p:cTn id="4" fill="hold">
+                            <p:stCondLst>
+                              <p:cond delay="0"/>
+                            </p:stCondLst>
+                            <p:childTnLst>
+                              <p:par>
+                                <p:cTn id="5" presetID="10" presetClass="entr" presetSubtype="0" fill="hold" grpId="0" nodeType="clickEffect">
+                                  <p:stCondLst>
+                                    <p:cond delay="0"/>
+                                  </p:stCondLst>
+                                  <p:childTnLst>
+                                    <p:set>
+                                      <p:cBhvr>
+                                        <p:cTn id="6" dur="1" fill="hold">
+                                          <p:stCondLst>
+                                            <p:cond delay="0"/>
+                                          </p:stCondLst>
+                                        </p:cTn>
+                                        <p:tgtEl>
+                                          <p:spTgt spid="6"/>
+                                        </p:tgtEl>
+                                        <p:attrNameLst>
+                                          <p:attrName>style.visibility</p:attrName>
+                                        </p:attrNameLst>
+                                      </p:cBhvr>
+                                      <p:to>
+                                        <p:strVal val="visible"/>
+                                      </p:to>
+                                    </p:set>
+                                    <p:animEffect transition="in" filter="fade">
+                                      <p:cBhvr>
+                                        <p:cTn id="7" dur="500"/>
+                                        <p:tgtEl>
+                                          <p:spTgt spid="6"/>
+                                        </p:tgtEl>
+                                      </p:cBhvr>
+                                    </p:animEffect>
+                                  </p:childTnLst>
+                                </p:cTn>
+                              </p:par>
+                            </p:childTnLst>
+                          </p:cTn>
+                        </p:par>
+                      </p:childTnLst>
+                    </p:cTn>
+                  </p:par>
+                  <p:par>
+                    <p:cTn id="8" fill="hold">
+                      <p:stCondLst>
+                        <p:cond delay="indefinite"/>
+                      </p:stCondLst>
+                      <p:childTnLst>
+                        <p:par>
+                          <p:cTn id="9" fill="hold">
+                            <p:stCondLst>
+                              <p:cond delay="0"/>
+                            </p:stCondLst>
+                            <p:childTnLst>
+                              <p:par>
+                                <p:cTn id="10" presetID="10" presetClass="entr" presetSubtype="0" fill="hold" grpId="0" nodeType="clickEffect">
+                                  <p:stCondLst>
+                                    <p:cond delay="0"/>
+                                  </p:stCondLst>
+                                  <p:childTnLst>
+                                    <p:set>
+                                      <p:cBhvr>
+                                        <p:cTn id="11" dur="1" fill="hold">
+                                          <p:stCondLst>
+                                            <p:cond delay="0"/>
+                                          </p:stCondLst>
+                                        </p:cTn>
+                                        <p:tgtEl>
+                                          <p:spTgt spid="7"/>
+                                        </p:tgtEl>
+                                        <p:attrNameLst>
+                                          <p:attrName>style.visibility</p:attrName>
+                                        </p:attrNameLst>
+                                      </p:cBhvr>
+                                      <p:to>
+                                        <p:strVal val="visible"/>
+                                      </p:to>
+                                    </p:set>
+                                    <p:animEffect transition="in" filter="fade">
+                                      <p:cBhvr>
+                                        <p:cTn id="12" dur="500"/>
+                                        <p:tgtEl>
+                                          <p:spTgt spid="7"/>
+                                        </p:tgtEl>
+                                      </p:cBhvr>
+                                    </p:animEffect>
+                                  </p:childTnLst>
+                                </p:cTn>
+                              </p:par>
+                            </p:childTnLst>
+                          </p:cTn>
+                        </p:par>
+                      </p:childTnLst>
+                    </p:cTn>
+                  </p:par>
+                  <p:par>
+                    <p:cTn id="13" fill="hold">
+                      <p:stCondLst>
+                        <p:cond delay="indefinite"/>
+                      </p:stCondLst>
+                      <p:childTnLst>
+                        <p:par>
+                          <p:cTn id="14" fill="hold">
+                            <p:stCondLst>
+                              <p:cond delay="0"/>
+                            </p:stCondLst>
+                            <p:childTnLst>
+                              <p:par>
+                                <p:cTn id="15" presetID="10" presetClass="entr" presetSubtype="0" fill="hold" grpId="0" nodeType="clickEffect">
+                                  <p:stCondLst>
+                                    <p:cond delay="0"/>
+                                  </p:stCondLst>
+                                  <p:childTnLst>
+                                    <p:set>
+                                      <p:cBhvr>
+                                        <p:cTn id="16" dur="1" fill="hold">
+                                          <p:stCondLst>
+                                            <p:cond delay="0"/>
+                                          </p:stCondLst>
+                                        </p:cTn>
+                                        <p:tgtEl>
+                                          <p:spTgt spid="8"/>
+                                        </p:tgtEl>
+                                        <p:attrNameLst>
+                                          <p:attrName>style.visibility</p:attrName>
+                                        </p:attrNameLst>
+                                      </p:cBhvr>
+                                      <p:to>
+                                        <p:strVal val="visible"/>
+                                      </p:to>
+                                    </p:set>
+                                    <p:animEffect transition="in" filter="fade">
+                                      <p:cBhvr>
+                                        <p:cTn id="17" dur="500"/>
+                                        <p:tgtEl>
+                                          <p:spTgt spid="8"/>
+                                        </p:tgtEl>
+                                      </p:cBhvr>
+                                    </p:animEffect>
+                                  </p:childTnLst>
+                                </p:cTn>
+                              </p:par>
+                            </p:childTnLst>
+                          </p:cTn>
+                        </p:par>
+                      </p:childTnLst>
+                    </p:cTn>
+                  </p:par>
+                  <p:par>
+                    <p:cTn id="18" fill="hold">
+                      <p:stCondLst>
+                        <p:cond delay="indefinite"/>
+                      </p:stCondLst>
+                      <p:childTnLst>
+                        <p:par>
+                          <p:cTn id="19" fill="hold">
+                            <p:stCondLst>
+                              <p:cond delay="0"/>
+                            </p:stCondLst>
+                            <p:childTnLst>
+                              <p:par>
+                                <p:cTn id="20" presetID="10" presetClass="entr" presetSubtype="0" fill="hold" grpId="0" nodeType="clickEffect">
+                                  <p:stCondLst>
+                                    <p:cond delay="0"/>
+                                  </p:stCondLst>
+                                  <p:childTnLst>
+                                    <p:set>
+                                      <p:cBhvr>
+                                        <p:cTn id="21" dur="1" fill="hold">
+                                          <p:stCondLst>
+                                            <p:cond delay="0"/>
+                                          </p:stCondLst>
+                                        </p:cTn>
+                                        <p:tgtEl>
+                                          <p:spTgt spid="9"/>
+                                        </p:tgtEl>
+                                        <p:attrNameLst>
+                                          <p:attrName>style.visibility</p:attrName>
+                                        </p:attrNameLst>
+                                      </p:cBhvr>
+                                      <p:to>
+                                        <p:strVal val="visible"/>
+                                      </p:to>
+                                    </p:set>
+                                    <p:animEffect transition="in" filter="fade">
+                                      <p:cBhvr>
+                                        <p:cTn id="22" dur="500"/>
+                                        <p:tgtEl>
+                                          <p:spTgt spid="9"/>
+                                        </p:tgtEl>
+                                      </p:cBhvr>
+                                    </p:animEffect>
+                                  </p:childTnLst>
+                                </p:cTn>
+                              </p:par>
+                            </p:childTnLst>
+                          </p:cTn>
+                        </p:par>
+                      </p:childTnLst>
+                    </p:cTn>
+                  </p:par>
+                </p:childTnLst>
+              </p:cTn>
+              <p:prevCondLst>
+                <p:cond evt="onPrev" delay="0">
+                  <p:tgtEl>
+                    <p:sldTgt/>
+                  </p:tgtEl>
+                </p:cond>
+              </p:prevCondLst>
+              <p:nextCondLst>
+                <p:cond evt="onNext" delay="0">
+                  <p:tgtEl>
+                    <p:sldTgt/>
+                  </p:tgtEl>
+                </p:cond>
+              </p:nextCondLst>
+            </p:seq>
+          </p:childTnLst>
+        </p:cTn>
+      </p:par>
+    </p:tnLst>
+    <p:bldLst>
+      <p:bldP spid="6" grpId="0" animBg="1"/>
+      <p:bldP spid="7" grpId="0" animBg="1"/>
+      <p:bldP spid="8" grpId="0" animBg="1"/>
+      <p:bldP spid="9" grpId="0" animBg="1"/>
+    </p:bldLst>
+  </p:timing>
 </p:sld>
 </file>
 
@@ -4372,52 +4827,2346 @@
                 <a:latin typeface="Euclid Circular B" panose="020B0504000000000000" pitchFamily="34" charset="0"/>
                 <a:ea typeface="Euclid Circular B" panose="020B0504000000000000" pitchFamily="34" charset="0"/>
               </a:rPr>
-              <a:t>Topic title</a:t>
+              <a:t>Don’t Repeat Yourself!</a:t>
             </a:r>
           </a:p>
         </p:txBody>
       </p:sp>
       <p:sp>
         <p:nvSpPr>
-          <p:cNvPr id="3" name="Content Placeholder 2">
-            <a:extLst>
-              <a:ext uri="{FF2B5EF4-FFF2-40B4-BE49-F238E27FC236}">
-                <a16:creationId xmlns:a16="http://schemas.microsoft.com/office/drawing/2014/main" id="{891C7693-D3DF-4635-96F4-97F3B4136FDF}"/>
-              </a:ext>
-            </a:extLst>
-          </p:cNvPr>
-          <p:cNvSpPr>
-            <a:spLocks noGrp="1"/>
-          </p:cNvSpPr>
-          <p:nvPr>
-            <p:ph idx="1"/>
-          </p:nvPr>
+          <p:cNvPr id="6" name="TextBox 5">
+            <a:extLst>
+              <a:ext uri="{FF2B5EF4-FFF2-40B4-BE49-F238E27FC236}">
+                <a16:creationId xmlns:a16="http://schemas.microsoft.com/office/drawing/2014/main" id="{CDEE6B5F-BAD2-D22A-072B-5DF40D49245B}"/>
+              </a:ext>
+            </a:extLst>
+          </p:cNvPr>
+          <p:cNvSpPr txBox="1"/>
+          <p:nvPr/>
         </p:nvSpPr>
-        <p:spPr/>
+        <p:spPr>
+          <a:xfrm>
+            <a:off x="3159524" y="1572999"/>
+            <a:ext cx="1700145" cy="313932"/>
+          </a:xfrm>
+          <a:prstGeom prst="rect">
+            <a:avLst/>
+          </a:prstGeom>
+          <a:solidFill>
+            <a:srgbClr val="5C2D91"/>
+          </a:solidFill>
+          <a:ln>
+            <a:solidFill>
+              <a:schemeClr val="tx1"/>
+            </a:solidFill>
+          </a:ln>
+        </p:spPr>
+        <p:style>
+          <a:lnRef idx="2">
+            <a:schemeClr val="accent2"/>
+          </a:lnRef>
+          <a:fillRef idx="1">
+            <a:schemeClr val="lt1"/>
+          </a:fillRef>
+          <a:effectRef idx="0">
+            <a:schemeClr val="accent2"/>
+          </a:effectRef>
+          <a:fontRef idx="minor">
+            <a:schemeClr val="dk1"/>
+          </a:fontRef>
+        </p:style>
         <p:txBody>
-          <a:bodyPr/>
+          <a:bodyPr wrap="none" lIns="45720" tIns="45720" rIns="45720" bIns="45720" rtlCol="0">
+            <a:spAutoFit/>
+          </a:bodyPr>
           <a:lstStyle/>
           <a:p>
-            <a:r>
-              <a:rPr lang="en-US" dirty="0">
-                <a:latin typeface="Euclid Circular B" panose="020B0504000000000000" pitchFamily="34" charset="0"/>
-                <a:ea typeface="Euclid Circular B" panose="020B0504000000000000" pitchFamily="34" charset="0"/>
+            <a:pPr>
+              <a:lnSpc>
+                <a:spcPct val="90000"/>
+              </a:lnSpc>
+              <a:spcAft>
+                <a:spcPts val="600"/>
+              </a:spcAft>
+            </a:pPr>
+            <a:r>
+              <a:rPr lang="en-US" sz="1600" dirty="0">
+                <a:solidFill>
+                  <a:schemeClr val="bg1"/>
+                </a:solidFill>
               </a:rPr>
-              <a:t>Content</a:t>
+              <a:t>DDD Base Classes</a:t>
             </a:r>
           </a:p>
         </p:txBody>
       </p:sp>
+      <p:sp>
+        <p:nvSpPr>
+          <p:cNvPr id="7" name="TextBox 6">
+            <a:extLst>
+              <a:ext uri="{FF2B5EF4-FFF2-40B4-BE49-F238E27FC236}">
+                <a16:creationId xmlns:a16="http://schemas.microsoft.com/office/drawing/2014/main" id="{71E22D5A-0889-A6A6-519F-82C46B49B947}"/>
+              </a:ext>
+            </a:extLst>
+          </p:cNvPr>
+          <p:cNvSpPr txBox="1"/>
+          <p:nvPr/>
+        </p:nvSpPr>
+        <p:spPr>
+          <a:xfrm>
+            <a:off x="7007244" y="1572999"/>
+            <a:ext cx="1941301" cy="313932"/>
+          </a:xfrm>
+          <a:prstGeom prst="rect">
+            <a:avLst/>
+          </a:prstGeom>
+          <a:solidFill>
+            <a:srgbClr val="5C2D91"/>
+          </a:solidFill>
+          <a:ln>
+            <a:solidFill>
+              <a:schemeClr val="tx1"/>
+            </a:solidFill>
+          </a:ln>
+        </p:spPr>
+        <p:style>
+          <a:lnRef idx="2">
+            <a:schemeClr val="accent2"/>
+          </a:lnRef>
+          <a:fillRef idx="1">
+            <a:schemeClr val="lt1"/>
+          </a:fillRef>
+          <a:effectRef idx="0">
+            <a:schemeClr val="accent2"/>
+          </a:effectRef>
+          <a:fontRef idx="minor">
+            <a:schemeClr val="dk1"/>
+          </a:fontRef>
+        </p:style>
+        <p:txBody>
+          <a:bodyPr wrap="square" lIns="45720" tIns="45720" rIns="45720" bIns="45720" rtlCol="0">
+            <a:spAutoFit/>
+          </a:bodyPr>
+          <a:lstStyle/>
+          <a:p>
+            <a:pPr>
+              <a:lnSpc>
+                <a:spcPct val="90000"/>
+              </a:lnSpc>
+              <a:spcAft>
+                <a:spcPts val="600"/>
+              </a:spcAft>
+            </a:pPr>
+            <a:r>
+              <a:rPr lang="en-US" sz="1600" dirty="0">
+                <a:solidFill>
+                  <a:schemeClr val="bg1"/>
+                </a:solidFill>
+              </a:rPr>
+              <a:t>Generic Repositories</a:t>
+            </a:r>
+          </a:p>
+        </p:txBody>
+      </p:sp>
+      <p:sp>
+        <p:nvSpPr>
+          <p:cNvPr id="8" name="TextBox 7">
+            <a:extLst>
+              <a:ext uri="{FF2B5EF4-FFF2-40B4-BE49-F238E27FC236}">
+                <a16:creationId xmlns:a16="http://schemas.microsoft.com/office/drawing/2014/main" id="{EC9AED3A-0004-202D-4C66-D48ED93DC046}"/>
+              </a:ext>
+            </a:extLst>
+          </p:cNvPr>
+          <p:cNvSpPr txBox="1"/>
+          <p:nvPr/>
+        </p:nvSpPr>
+        <p:spPr>
+          <a:xfrm>
+            <a:off x="4964808" y="1573059"/>
+            <a:ext cx="1941301" cy="313932"/>
+          </a:xfrm>
+          <a:prstGeom prst="rect">
+            <a:avLst/>
+          </a:prstGeom>
+          <a:solidFill>
+            <a:srgbClr val="5C2D91"/>
+          </a:solidFill>
+          <a:ln>
+            <a:solidFill>
+              <a:schemeClr val="tx1"/>
+            </a:solidFill>
+          </a:ln>
+        </p:spPr>
+        <p:style>
+          <a:lnRef idx="2">
+            <a:schemeClr val="accent2"/>
+          </a:lnRef>
+          <a:fillRef idx="1">
+            <a:schemeClr val="lt1"/>
+          </a:fillRef>
+          <a:effectRef idx="0">
+            <a:schemeClr val="accent2"/>
+          </a:effectRef>
+          <a:fontRef idx="minor">
+            <a:schemeClr val="dk1"/>
+          </a:fontRef>
+        </p:style>
+        <p:txBody>
+          <a:bodyPr wrap="square" lIns="45720" tIns="45720" rIns="45720" bIns="45720" rtlCol="0">
+            <a:spAutoFit/>
+          </a:bodyPr>
+          <a:lstStyle/>
+          <a:p>
+            <a:pPr>
+              <a:lnSpc>
+                <a:spcPct val="90000"/>
+              </a:lnSpc>
+              <a:spcAft>
+                <a:spcPts val="600"/>
+              </a:spcAft>
+            </a:pPr>
+            <a:r>
+              <a:rPr lang="en-US" sz="1600" dirty="0">
+                <a:solidFill>
+                  <a:schemeClr val="bg1"/>
+                </a:solidFill>
+              </a:rPr>
+              <a:t>DI Auto-Register</a:t>
+            </a:r>
+          </a:p>
+        </p:txBody>
+      </p:sp>
+      <p:sp>
+        <p:nvSpPr>
+          <p:cNvPr id="9" name="TextBox 8">
+            <a:extLst>
+              <a:ext uri="{FF2B5EF4-FFF2-40B4-BE49-F238E27FC236}">
+                <a16:creationId xmlns:a16="http://schemas.microsoft.com/office/drawing/2014/main" id="{94ABE135-EA09-2E23-70B3-21C0FB551725}"/>
+              </a:ext>
+            </a:extLst>
+          </p:cNvPr>
+          <p:cNvSpPr txBox="1"/>
+          <p:nvPr/>
+        </p:nvSpPr>
+        <p:spPr>
+          <a:xfrm>
+            <a:off x="304050" y="2936285"/>
+            <a:ext cx="1941301" cy="535531"/>
+          </a:xfrm>
+          <a:prstGeom prst="rect">
+            <a:avLst/>
+          </a:prstGeom>
+          <a:solidFill>
+            <a:srgbClr val="5C2D91"/>
+          </a:solidFill>
+          <a:ln>
+            <a:solidFill>
+              <a:schemeClr val="tx1"/>
+            </a:solidFill>
+          </a:ln>
+        </p:spPr>
+        <p:style>
+          <a:lnRef idx="2">
+            <a:schemeClr val="accent2"/>
+          </a:lnRef>
+          <a:fillRef idx="1">
+            <a:schemeClr val="lt1"/>
+          </a:fillRef>
+          <a:effectRef idx="0">
+            <a:schemeClr val="accent2"/>
+          </a:effectRef>
+          <a:fontRef idx="minor">
+            <a:schemeClr val="dk1"/>
+          </a:fontRef>
+        </p:style>
+        <p:txBody>
+          <a:bodyPr wrap="square" lIns="45720" tIns="45720" rIns="45720" bIns="45720" rtlCol="0">
+            <a:spAutoFit/>
+          </a:bodyPr>
+          <a:lstStyle/>
+          <a:p>
+            <a:pPr>
+              <a:lnSpc>
+                <a:spcPct val="90000"/>
+              </a:lnSpc>
+              <a:spcAft>
+                <a:spcPts val="600"/>
+              </a:spcAft>
+            </a:pPr>
+            <a:r>
+              <a:rPr lang="en-US" sz="1600" dirty="0">
+                <a:solidFill>
+                  <a:schemeClr val="bg1"/>
+                </a:solidFill>
+              </a:rPr>
+              <a:t>Authorization / Permissions</a:t>
+            </a:r>
+          </a:p>
+        </p:txBody>
+      </p:sp>
+      <p:sp>
+        <p:nvSpPr>
+          <p:cNvPr id="10" name="TextBox 9">
+            <a:extLst>
+              <a:ext uri="{FF2B5EF4-FFF2-40B4-BE49-F238E27FC236}">
+                <a16:creationId xmlns:a16="http://schemas.microsoft.com/office/drawing/2014/main" id="{C60823E6-59EE-5C00-32E4-01D785EC13E0}"/>
+              </a:ext>
+            </a:extLst>
+          </p:cNvPr>
+          <p:cNvSpPr txBox="1"/>
+          <p:nvPr/>
+        </p:nvSpPr>
+        <p:spPr>
+          <a:xfrm>
+            <a:off x="304049" y="3588835"/>
+            <a:ext cx="1941301" cy="480131"/>
+          </a:xfrm>
+          <a:prstGeom prst="rect">
+            <a:avLst/>
+          </a:prstGeom>
+          <a:solidFill>
+            <a:srgbClr val="5C2D91"/>
+          </a:solidFill>
+          <a:ln>
+            <a:solidFill>
+              <a:schemeClr val="tx1"/>
+            </a:solidFill>
+          </a:ln>
+        </p:spPr>
+        <p:style>
+          <a:lnRef idx="2">
+            <a:schemeClr val="accent2"/>
+          </a:lnRef>
+          <a:fillRef idx="1">
+            <a:schemeClr val="lt1"/>
+          </a:fillRef>
+          <a:effectRef idx="0">
+            <a:schemeClr val="accent2"/>
+          </a:effectRef>
+          <a:fontRef idx="minor">
+            <a:schemeClr val="dk1"/>
+          </a:fontRef>
+        </p:style>
+        <p:txBody>
+          <a:bodyPr wrap="square" lIns="45720" tIns="45720" rIns="45720" bIns="45720" rtlCol="0">
+            <a:spAutoFit/>
+          </a:bodyPr>
+          <a:lstStyle/>
+          <a:p>
+            <a:pPr>
+              <a:lnSpc>
+                <a:spcPct val="90000"/>
+              </a:lnSpc>
+              <a:spcAft>
+                <a:spcPts val="600"/>
+              </a:spcAft>
+            </a:pPr>
+            <a:r>
+              <a:rPr lang="en-US" sz="1600" dirty="0">
+                <a:solidFill>
+                  <a:schemeClr val="bg1"/>
+                </a:solidFill>
+              </a:rPr>
+              <a:t>Unit Of Work</a:t>
+            </a:r>
+            <a:br>
+              <a:rPr lang="en-US" sz="1600" dirty="0">
+                <a:solidFill>
+                  <a:schemeClr val="bg1"/>
+                </a:solidFill>
+              </a:rPr>
+            </a:br>
+            <a:r>
+              <a:rPr lang="en-US" sz="1200" dirty="0">
+                <a:solidFill>
+                  <a:schemeClr val="bg1"/>
+                </a:solidFill>
+              </a:rPr>
+              <a:t>(Transaction Management)</a:t>
+            </a:r>
+            <a:endParaRPr lang="en-US" sz="1600" dirty="0">
+              <a:solidFill>
+                <a:schemeClr val="bg1"/>
+              </a:solidFill>
+            </a:endParaRPr>
+          </a:p>
+        </p:txBody>
+      </p:sp>
+      <p:sp>
+        <p:nvSpPr>
+          <p:cNvPr id="11" name="TextBox 10">
+            <a:extLst>
+              <a:ext uri="{FF2B5EF4-FFF2-40B4-BE49-F238E27FC236}">
+                <a16:creationId xmlns:a16="http://schemas.microsoft.com/office/drawing/2014/main" id="{2D14CB11-5228-3E2C-7BCC-A405A2A734FF}"/>
+              </a:ext>
+            </a:extLst>
+          </p:cNvPr>
+          <p:cNvSpPr txBox="1"/>
+          <p:nvPr/>
+        </p:nvSpPr>
+        <p:spPr>
+          <a:xfrm>
+            <a:off x="10134066" y="3588835"/>
+            <a:ext cx="1941301" cy="313932"/>
+          </a:xfrm>
+          <a:prstGeom prst="rect">
+            <a:avLst/>
+          </a:prstGeom>
+          <a:solidFill>
+            <a:srgbClr val="5C2D91"/>
+          </a:solidFill>
+          <a:ln>
+            <a:solidFill>
+              <a:schemeClr val="tx1"/>
+            </a:solidFill>
+          </a:ln>
+        </p:spPr>
+        <p:style>
+          <a:lnRef idx="2">
+            <a:schemeClr val="accent2"/>
+          </a:lnRef>
+          <a:fillRef idx="1">
+            <a:schemeClr val="lt1"/>
+          </a:fillRef>
+          <a:effectRef idx="0">
+            <a:schemeClr val="accent2"/>
+          </a:effectRef>
+          <a:fontRef idx="minor">
+            <a:schemeClr val="dk1"/>
+          </a:fontRef>
+        </p:style>
+        <p:txBody>
+          <a:bodyPr wrap="square" lIns="45720" tIns="45720" rIns="45720" bIns="45720" rtlCol="0">
+            <a:spAutoFit/>
+          </a:bodyPr>
+          <a:lstStyle/>
+          <a:p>
+            <a:pPr>
+              <a:lnSpc>
+                <a:spcPct val="90000"/>
+              </a:lnSpc>
+              <a:spcAft>
+                <a:spcPts val="600"/>
+              </a:spcAft>
+            </a:pPr>
+            <a:r>
+              <a:rPr lang="en-US" sz="1600" dirty="0">
+                <a:solidFill>
+                  <a:schemeClr val="bg1"/>
+                </a:solidFill>
+              </a:rPr>
+              <a:t>Auto Audit Logging</a:t>
+            </a:r>
+          </a:p>
+        </p:txBody>
+      </p:sp>
+      <p:pic>
+        <p:nvPicPr>
+          <p:cNvPr id="12" name="Picture 11">
+            <a:extLst>
+              <a:ext uri="{FF2B5EF4-FFF2-40B4-BE49-F238E27FC236}">
+                <a16:creationId xmlns:a16="http://schemas.microsoft.com/office/drawing/2014/main" id="{2517CC11-5234-9FA4-0CA9-1EF71A3D798E}"/>
+              </a:ext>
+            </a:extLst>
+          </p:cNvPr>
+          <p:cNvPicPr>
+            <a:picLocks noChangeAspect="1"/>
+          </p:cNvPicPr>
+          <p:nvPr/>
+        </p:nvPicPr>
+        <p:blipFill>
+          <a:blip r:embed="rId3"/>
+          <a:stretch>
+            <a:fillRect/>
+          </a:stretch>
+        </p:blipFill>
+        <p:spPr>
+          <a:xfrm>
+            <a:off x="2469012" y="2072444"/>
+            <a:ext cx="7489353" cy="4648964"/>
+          </a:xfrm>
+          <a:prstGeom prst="rect">
+            <a:avLst/>
+          </a:prstGeom>
+        </p:spPr>
+      </p:pic>
+      <p:sp>
+        <p:nvSpPr>
+          <p:cNvPr id="13" name="TextBox 12">
+            <a:extLst>
+              <a:ext uri="{FF2B5EF4-FFF2-40B4-BE49-F238E27FC236}">
+                <a16:creationId xmlns:a16="http://schemas.microsoft.com/office/drawing/2014/main" id="{84DC9086-80A6-CE91-9788-3388E57D6A10}"/>
+              </a:ext>
+            </a:extLst>
+          </p:cNvPr>
+          <p:cNvSpPr txBox="1"/>
+          <p:nvPr/>
+        </p:nvSpPr>
+        <p:spPr>
+          <a:xfrm>
+            <a:off x="10134066" y="3157884"/>
+            <a:ext cx="1941301" cy="313932"/>
+          </a:xfrm>
+          <a:prstGeom prst="rect">
+            <a:avLst/>
+          </a:prstGeom>
+          <a:solidFill>
+            <a:srgbClr val="5C2D91"/>
+          </a:solidFill>
+          <a:ln>
+            <a:solidFill>
+              <a:schemeClr val="tx1"/>
+            </a:solidFill>
+          </a:ln>
+        </p:spPr>
+        <p:style>
+          <a:lnRef idx="2">
+            <a:schemeClr val="accent2"/>
+          </a:lnRef>
+          <a:fillRef idx="1">
+            <a:schemeClr val="lt1"/>
+          </a:fillRef>
+          <a:effectRef idx="0">
+            <a:schemeClr val="accent2"/>
+          </a:effectRef>
+          <a:fontRef idx="minor">
+            <a:schemeClr val="dk1"/>
+          </a:fontRef>
+        </p:style>
+        <p:txBody>
+          <a:bodyPr wrap="square" lIns="45720" tIns="45720" rIns="45720" bIns="45720" rtlCol="0">
+            <a:spAutoFit/>
+          </a:bodyPr>
+          <a:lstStyle/>
+          <a:p>
+            <a:pPr>
+              <a:lnSpc>
+                <a:spcPct val="90000"/>
+              </a:lnSpc>
+              <a:spcAft>
+                <a:spcPts val="600"/>
+              </a:spcAft>
+            </a:pPr>
+            <a:r>
+              <a:rPr lang="en-US" sz="1600" dirty="0">
+                <a:solidFill>
+                  <a:schemeClr val="bg1"/>
+                </a:solidFill>
+              </a:rPr>
+              <a:t>Auto Validation</a:t>
+            </a:r>
+          </a:p>
+        </p:txBody>
+      </p:sp>
+      <p:sp>
+        <p:nvSpPr>
+          <p:cNvPr id="14" name="TextBox 13">
+            <a:extLst>
+              <a:ext uri="{FF2B5EF4-FFF2-40B4-BE49-F238E27FC236}">
+                <a16:creationId xmlns:a16="http://schemas.microsoft.com/office/drawing/2014/main" id="{D92E5E33-0B43-EB46-334C-C23BE7A6E000}"/>
+              </a:ext>
+            </a:extLst>
+          </p:cNvPr>
+          <p:cNvSpPr txBox="1"/>
+          <p:nvPr/>
+        </p:nvSpPr>
+        <p:spPr>
+          <a:xfrm>
+            <a:off x="304047" y="5094472"/>
+            <a:ext cx="1941301" cy="313932"/>
+          </a:xfrm>
+          <a:prstGeom prst="rect">
+            <a:avLst/>
+          </a:prstGeom>
+          <a:solidFill>
+            <a:srgbClr val="5C2D91"/>
+          </a:solidFill>
+          <a:ln>
+            <a:solidFill>
+              <a:schemeClr val="tx1"/>
+            </a:solidFill>
+          </a:ln>
+        </p:spPr>
+        <p:style>
+          <a:lnRef idx="2">
+            <a:schemeClr val="accent2"/>
+          </a:lnRef>
+          <a:fillRef idx="1">
+            <a:schemeClr val="lt1"/>
+          </a:fillRef>
+          <a:effectRef idx="0">
+            <a:schemeClr val="accent2"/>
+          </a:effectRef>
+          <a:fontRef idx="minor">
+            <a:schemeClr val="dk1"/>
+          </a:fontRef>
+        </p:style>
+        <p:txBody>
+          <a:bodyPr wrap="square" lIns="45720" tIns="45720" rIns="45720" bIns="45720" rtlCol="0">
+            <a:spAutoFit/>
+          </a:bodyPr>
+          <a:lstStyle/>
+          <a:p>
+            <a:pPr>
+              <a:lnSpc>
+                <a:spcPct val="90000"/>
+              </a:lnSpc>
+              <a:spcAft>
+                <a:spcPts val="600"/>
+              </a:spcAft>
+            </a:pPr>
+            <a:r>
+              <a:rPr lang="en-US" sz="1600" dirty="0">
+                <a:solidFill>
+                  <a:schemeClr val="bg1"/>
+                </a:solidFill>
+              </a:rPr>
+              <a:t>Object2Object Map</a:t>
+            </a:r>
+          </a:p>
+        </p:txBody>
+      </p:sp>
+      <p:sp>
+        <p:nvSpPr>
+          <p:cNvPr id="15" name="TextBox 14">
+            <a:extLst>
+              <a:ext uri="{FF2B5EF4-FFF2-40B4-BE49-F238E27FC236}">
+                <a16:creationId xmlns:a16="http://schemas.microsoft.com/office/drawing/2014/main" id="{65556A5D-E25E-0E9D-18E8-A4670EB946FD}"/>
+              </a:ext>
+            </a:extLst>
+          </p:cNvPr>
+          <p:cNvSpPr txBox="1"/>
+          <p:nvPr/>
+        </p:nvSpPr>
+        <p:spPr>
+          <a:xfrm>
+            <a:off x="304047" y="4203154"/>
+            <a:ext cx="1941301" cy="757130"/>
+          </a:xfrm>
+          <a:prstGeom prst="rect">
+            <a:avLst/>
+          </a:prstGeom>
+          <a:solidFill>
+            <a:srgbClr val="5C2D91"/>
+          </a:solidFill>
+          <a:ln>
+            <a:solidFill>
+              <a:schemeClr val="tx1"/>
+            </a:solidFill>
+          </a:ln>
+        </p:spPr>
+        <p:style>
+          <a:lnRef idx="2">
+            <a:schemeClr val="accent2"/>
+          </a:lnRef>
+          <a:fillRef idx="1">
+            <a:schemeClr val="lt1"/>
+          </a:fillRef>
+          <a:effectRef idx="0">
+            <a:schemeClr val="accent2"/>
+          </a:effectRef>
+          <a:fontRef idx="minor">
+            <a:schemeClr val="dk1"/>
+          </a:fontRef>
+        </p:style>
+        <p:txBody>
+          <a:bodyPr wrap="square" lIns="45720" tIns="45720" rIns="45720" bIns="45720" rtlCol="0">
+            <a:spAutoFit/>
+          </a:bodyPr>
+          <a:lstStyle/>
+          <a:p>
+            <a:pPr>
+              <a:lnSpc>
+                <a:spcPct val="90000"/>
+              </a:lnSpc>
+              <a:spcAft>
+                <a:spcPts val="600"/>
+              </a:spcAft>
+            </a:pPr>
+            <a:r>
+              <a:rPr lang="en-US" sz="1600" dirty="0">
+                <a:solidFill>
+                  <a:schemeClr val="bg1"/>
+                </a:solidFill>
+              </a:rPr>
+              <a:t>Exception Management &amp; Handling</a:t>
+            </a:r>
+          </a:p>
+        </p:txBody>
+      </p:sp>
+      <p:sp>
+        <p:nvSpPr>
+          <p:cNvPr id="16" name="TextBox 15">
+            <a:extLst>
+              <a:ext uri="{FF2B5EF4-FFF2-40B4-BE49-F238E27FC236}">
+                <a16:creationId xmlns:a16="http://schemas.microsoft.com/office/drawing/2014/main" id="{D72E6C0F-FF86-823F-06C3-75FE6292A058}"/>
+              </a:ext>
+            </a:extLst>
+          </p:cNvPr>
+          <p:cNvSpPr txBox="1"/>
+          <p:nvPr/>
+        </p:nvSpPr>
+        <p:spPr>
+          <a:xfrm>
+            <a:off x="10134065" y="4017671"/>
+            <a:ext cx="1941301" cy="313932"/>
+          </a:xfrm>
+          <a:prstGeom prst="rect">
+            <a:avLst/>
+          </a:prstGeom>
+          <a:solidFill>
+            <a:srgbClr val="5C2D91"/>
+          </a:solidFill>
+          <a:ln>
+            <a:solidFill>
+              <a:schemeClr val="tx1"/>
+            </a:solidFill>
+          </a:ln>
+        </p:spPr>
+        <p:style>
+          <a:lnRef idx="2">
+            <a:schemeClr val="accent2"/>
+          </a:lnRef>
+          <a:fillRef idx="1">
+            <a:schemeClr val="lt1"/>
+          </a:fillRef>
+          <a:effectRef idx="0">
+            <a:schemeClr val="accent2"/>
+          </a:effectRef>
+          <a:fontRef idx="minor">
+            <a:schemeClr val="dk1"/>
+          </a:fontRef>
+        </p:style>
+        <p:txBody>
+          <a:bodyPr wrap="square" lIns="45720" tIns="45720" rIns="45720" bIns="45720" rtlCol="0">
+            <a:spAutoFit/>
+          </a:bodyPr>
+          <a:lstStyle/>
+          <a:p>
+            <a:pPr>
+              <a:lnSpc>
+                <a:spcPct val="90000"/>
+              </a:lnSpc>
+              <a:spcAft>
+                <a:spcPts val="600"/>
+              </a:spcAft>
+            </a:pPr>
+            <a:r>
+              <a:rPr lang="en-US" sz="1600" dirty="0">
+                <a:solidFill>
+                  <a:schemeClr val="bg1"/>
+                </a:solidFill>
+              </a:rPr>
+              <a:t>Localization</a:t>
+            </a:r>
+          </a:p>
+        </p:txBody>
+      </p:sp>
+      <p:sp>
+        <p:nvSpPr>
+          <p:cNvPr id="17" name="TextBox 16">
+            <a:extLst>
+              <a:ext uri="{FF2B5EF4-FFF2-40B4-BE49-F238E27FC236}">
+                <a16:creationId xmlns:a16="http://schemas.microsoft.com/office/drawing/2014/main" id="{1A3B8516-DD5F-9580-EFE0-FEC0CF1870DE}"/>
+              </a:ext>
+            </a:extLst>
+          </p:cNvPr>
+          <p:cNvSpPr txBox="1"/>
+          <p:nvPr/>
+        </p:nvSpPr>
+        <p:spPr>
+          <a:xfrm>
+            <a:off x="10134065" y="4487245"/>
+            <a:ext cx="1941301" cy="1431161"/>
+          </a:xfrm>
+          <a:prstGeom prst="rect">
+            <a:avLst/>
+          </a:prstGeom>
+          <a:solidFill>
+            <a:srgbClr val="5C2D91"/>
+          </a:solidFill>
+          <a:ln>
+            <a:solidFill>
+              <a:schemeClr val="tx1"/>
+            </a:solidFill>
+          </a:ln>
+        </p:spPr>
+        <p:style>
+          <a:lnRef idx="2">
+            <a:schemeClr val="accent2"/>
+          </a:lnRef>
+          <a:fillRef idx="1">
+            <a:schemeClr val="lt1"/>
+          </a:fillRef>
+          <a:effectRef idx="0">
+            <a:schemeClr val="accent2"/>
+          </a:effectRef>
+          <a:fontRef idx="minor">
+            <a:schemeClr val="dk1"/>
+          </a:fontRef>
+        </p:style>
+        <p:txBody>
+          <a:bodyPr wrap="square" lIns="45720" tIns="45720" rIns="45720" bIns="45720" rtlCol="0">
+            <a:spAutoFit/>
+          </a:bodyPr>
+          <a:lstStyle/>
+          <a:p>
+            <a:pPr>
+              <a:lnSpc>
+                <a:spcPct val="90000"/>
+              </a:lnSpc>
+              <a:spcAft>
+                <a:spcPts val="600"/>
+              </a:spcAft>
+            </a:pPr>
+            <a:r>
+              <a:rPr lang="en-US" sz="1600" dirty="0" err="1">
+                <a:solidFill>
+                  <a:schemeClr val="bg1"/>
+                </a:solidFill>
+              </a:rPr>
+              <a:t>ICurrentUser</a:t>
+            </a:r>
+            <a:endParaRPr lang="en-US" sz="1600" dirty="0">
+              <a:solidFill>
+                <a:schemeClr val="bg1"/>
+              </a:solidFill>
+            </a:endParaRPr>
+          </a:p>
+          <a:p>
+            <a:pPr>
+              <a:lnSpc>
+                <a:spcPct val="90000"/>
+              </a:lnSpc>
+              <a:spcAft>
+                <a:spcPts val="600"/>
+              </a:spcAft>
+            </a:pPr>
+            <a:r>
+              <a:rPr lang="en-US" sz="1600" dirty="0" err="1">
+                <a:solidFill>
+                  <a:schemeClr val="bg1"/>
+                </a:solidFill>
+              </a:rPr>
+              <a:t>ISettingProvider</a:t>
+            </a:r>
+            <a:endParaRPr lang="en-US" sz="1600" dirty="0">
+              <a:solidFill>
+                <a:schemeClr val="bg1"/>
+              </a:solidFill>
+            </a:endParaRPr>
+          </a:p>
+          <a:p>
+            <a:pPr>
+              <a:lnSpc>
+                <a:spcPct val="90000"/>
+              </a:lnSpc>
+              <a:spcAft>
+                <a:spcPts val="600"/>
+              </a:spcAft>
+            </a:pPr>
+            <a:r>
+              <a:rPr lang="en-US" sz="1600" dirty="0" err="1">
+                <a:solidFill>
+                  <a:schemeClr val="bg1"/>
+                </a:solidFill>
+              </a:rPr>
+              <a:t>IFeatureChecker</a:t>
+            </a:r>
+            <a:endParaRPr lang="en-US" sz="1600" dirty="0">
+              <a:solidFill>
+                <a:schemeClr val="bg1"/>
+              </a:solidFill>
+            </a:endParaRPr>
+          </a:p>
+          <a:p>
+            <a:pPr>
+              <a:lnSpc>
+                <a:spcPct val="90000"/>
+              </a:lnSpc>
+              <a:spcAft>
+                <a:spcPts val="600"/>
+              </a:spcAft>
+            </a:pPr>
+            <a:r>
+              <a:rPr lang="en-US" sz="1600" dirty="0" err="1">
+                <a:solidFill>
+                  <a:schemeClr val="bg1"/>
+                </a:solidFill>
+              </a:rPr>
+              <a:t>IGuidGenerator</a:t>
+            </a:r>
+            <a:br>
+              <a:rPr lang="en-US" sz="1600" dirty="0">
+                <a:solidFill>
+                  <a:schemeClr val="bg1"/>
+                </a:solidFill>
+              </a:rPr>
+            </a:br>
+            <a:r>
+              <a:rPr lang="en-US" sz="1600" dirty="0">
+                <a:solidFill>
+                  <a:schemeClr val="bg1"/>
+                </a:solidFill>
+              </a:rPr>
+              <a:t>…</a:t>
+            </a:r>
+          </a:p>
+        </p:txBody>
+      </p:sp>
+      <p:cxnSp>
+        <p:nvCxnSpPr>
+          <p:cNvPr id="18" name="Connector: Curved 17">
+            <a:extLst>
+              <a:ext uri="{FF2B5EF4-FFF2-40B4-BE49-F238E27FC236}">
+                <a16:creationId xmlns:a16="http://schemas.microsoft.com/office/drawing/2014/main" id="{AA5EFC13-A365-D656-814A-9E8FB5533647}"/>
+              </a:ext>
+            </a:extLst>
+          </p:cNvPr>
+          <p:cNvCxnSpPr>
+            <a:stCxn id="9" idx="3"/>
+          </p:cNvCxnSpPr>
+          <p:nvPr/>
+        </p:nvCxnSpPr>
+        <p:spPr>
+          <a:xfrm>
+            <a:off x="2245351" y="3204051"/>
+            <a:ext cx="486049" cy="267765"/>
+          </a:xfrm>
+          <a:prstGeom prst="curvedConnector3">
+            <a:avLst/>
+          </a:prstGeom>
+          <a:ln w="38100">
+            <a:solidFill>
+              <a:schemeClr val="accent3"/>
+            </a:solidFill>
+            <a:headEnd type="none"/>
+            <a:tailEnd type="triangle"/>
+          </a:ln>
+        </p:spPr>
+        <p:style>
+          <a:lnRef idx="1">
+            <a:schemeClr val="accent1"/>
+          </a:lnRef>
+          <a:fillRef idx="0">
+            <a:schemeClr val="accent1"/>
+          </a:fillRef>
+          <a:effectRef idx="0">
+            <a:schemeClr val="accent1"/>
+          </a:effectRef>
+          <a:fontRef idx="minor">
+            <a:schemeClr val="tx1"/>
+          </a:fontRef>
+        </p:style>
+      </p:cxnSp>
+      <p:cxnSp>
+        <p:nvCxnSpPr>
+          <p:cNvPr id="19" name="Connector: Curved 18">
+            <a:extLst>
+              <a:ext uri="{FF2B5EF4-FFF2-40B4-BE49-F238E27FC236}">
+                <a16:creationId xmlns:a16="http://schemas.microsoft.com/office/drawing/2014/main" id="{435D9063-4555-A55C-F3A5-45E650D3033C}"/>
+              </a:ext>
+            </a:extLst>
+          </p:cNvPr>
+          <p:cNvCxnSpPr>
+            <a:cxnSpLocks/>
+            <a:stCxn id="10" idx="3"/>
+          </p:cNvCxnSpPr>
+          <p:nvPr/>
+        </p:nvCxnSpPr>
+        <p:spPr>
+          <a:xfrm flipV="1">
+            <a:off x="2245350" y="3588837"/>
+            <a:ext cx="486050" cy="240064"/>
+          </a:xfrm>
+          <a:prstGeom prst="curvedConnector3">
+            <a:avLst/>
+          </a:prstGeom>
+          <a:ln w="38100">
+            <a:solidFill>
+              <a:schemeClr val="accent3"/>
+            </a:solidFill>
+            <a:headEnd type="none"/>
+            <a:tailEnd type="triangle"/>
+          </a:ln>
+        </p:spPr>
+        <p:style>
+          <a:lnRef idx="1">
+            <a:schemeClr val="accent1"/>
+          </a:lnRef>
+          <a:fillRef idx="0">
+            <a:schemeClr val="accent1"/>
+          </a:fillRef>
+          <a:effectRef idx="0">
+            <a:schemeClr val="accent1"/>
+          </a:effectRef>
+          <a:fontRef idx="minor">
+            <a:schemeClr val="tx1"/>
+          </a:fontRef>
+        </p:style>
+      </p:cxnSp>
+      <p:cxnSp>
+        <p:nvCxnSpPr>
+          <p:cNvPr id="20" name="Connector: Curved 19">
+            <a:extLst>
+              <a:ext uri="{FF2B5EF4-FFF2-40B4-BE49-F238E27FC236}">
+                <a16:creationId xmlns:a16="http://schemas.microsoft.com/office/drawing/2014/main" id="{160D8715-EBF5-DABD-E267-5BFA3C0831D4}"/>
+              </a:ext>
+            </a:extLst>
+          </p:cNvPr>
+          <p:cNvCxnSpPr>
+            <a:cxnSpLocks/>
+            <a:stCxn id="15" idx="3"/>
+          </p:cNvCxnSpPr>
+          <p:nvPr/>
+        </p:nvCxnSpPr>
+        <p:spPr>
+          <a:xfrm flipV="1">
+            <a:off x="2245348" y="4185985"/>
+            <a:ext cx="914176" cy="395734"/>
+          </a:xfrm>
+          <a:prstGeom prst="curvedConnector3">
+            <a:avLst/>
+          </a:prstGeom>
+          <a:ln w="38100">
+            <a:solidFill>
+              <a:schemeClr val="accent3"/>
+            </a:solidFill>
+            <a:headEnd type="none"/>
+            <a:tailEnd type="triangle"/>
+          </a:ln>
+        </p:spPr>
+        <p:style>
+          <a:lnRef idx="1">
+            <a:schemeClr val="accent1"/>
+          </a:lnRef>
+          <a:fillRef idx="0">
+            <a:schemeClr val="accent1"/>
+          </a:fillRef>
+          <a:effectRef idx="0">
+            <a:schemeClr val="accent1"/>
+          </a:effectRef>
+          <a:fontRef idx="minor">
+            <a:schemeClr val="tx1"/>
+          </a:fontRef>
+        </p:style>
+      </p:cxnSp>
+      <p:cxnSp>
+        <p:nvCxnSpPr>
+          <p:cNvPr id="21" name="Connector: Curved 20">
+            <a:extLst>
+              <a:ext uri="{FF2B5EF4-FFF2-40B4-BE49-F238E27FC236}">
+                <a16:creationId xmlns:a16="http://schemas.microsoft.com/office/drawing/2014/main" id="{93F31A38-3EDD-7E22-42D2-CBBA312AC254}"/>
+              </a:ext>
+            </a:extLst>
+          </p:cNvPr>
+          <p:cNvCxnSpPr>
+            <a:cxnSpLocks/>
+            <a:stCxn id="14" idx="3"/>
+          </p:cNvCxnSpPr>
+          <p:nvPr/>
+        </p:nvCxnSpPr>
+        <p:spPr>
+          <a:xfrm>
+            <a:off x="2245348" y="5251438"/>
+            <a:ext cx="1139195" cy="977601"/>
+          </a:xfrm>
+          <a:prstGeom prst="curvedConnector3">
+            <a:avLst>
+              <a:gd name="adj1" fmla="val 50000"/>
+            </a:avLst>
+          </a:prstGeom>
+          <a:ln w="38100">
+            <a:solidFill>
+              <a:schemeClr val="accent3"/>
+            </a:solidFill>
+            <a:headEnd type="none"/>
+            <a:tailEnd type="triangle"/>
+          </a:ln>
+        </p:spPr>
+        <p:style>
+          <a:lnRef idx="1">
+            <a:schemeClr val="accent1"/>
+          </a:lnRef>
+          <a:fillRef idx="0">
+            <a:schemeClr val="accent1"/>
+          </a:fillRef>
+          <a:effectRef idx="0">
+            <a:schemeClr val="accent1"/>
+          </a:effectRef>
+          <a:fontRef idx="minor">
+            <a:schemeClr val="tx1"/>
+          </a:fontRef>
+        </p:style>
+      </p:cxnSp>
+      <p:cxnSp>
+        <p:nvCxnSpPr>
+          <p:cNvPr id="22" name="Connector: Curved 21">
+            <a:extLst>
+              <a:ext uri="{FF2B5EF4-FFF2-40B4-BE49-F238E27FC236}">
+                <a16:creationId xmlns:a16="http://schemas.microsoft.com/office/drawing/2014/main" id="{051C7A05-B6E1-F978-53A4-95B30CC95714}"/>
+              </a:ext>
+            </a:extLst>
+          </p:cNvPr>
+          <p:cNvCxnSpPr>
+            <a:cxnSpLocks/>
+            <a:stCxn id="6" idx="2"/>
+          </p:cNvCxnSpPr>
+          <p:nvPr/>
+        </p:nvCxnSpPr>
+        <p:spPr>
+          <a:xfrm rot="16200000" flipH="1">
+            <a:off x="4051496" y="1845032"/>
+            <a:ext cx="185455" cy="269252"/>
+          </a:xfrm>
+          <a:prstGeom prst="curvedConnector2">
+            <a:avLst/>
+          </a:prstGeom>
+          <a:ln w="38100">
+            <a:solidFill>
+              <a:schemeClr val="accent3"/>
+            </a:solidFill>
+            <a:headEnd type="none"/>
+            <a:tailEnd type="triangle"/>
+          </a:ln>
+        </p:spPr>
+        <p:style>
+          <a:lnRef idx="1">
+            <a:schemeClr val="accent1"/>
+          </a:lnRef>
+          <a:fillRef idx="0">
+            <a:schemeClr val="accent1"/>
+          </a:fillRef>
+          <a:effectRef idx="0">
+            <a:schemeClr val="accent1"/>
+          </a:effectRef>
+          <a:fontRef idx="minor">
+            <a:schemeClr val="tx1"/>
+          </a:fontRef>
+        </p:style>
+      </p:cxnSp>
+      <p:cxnSp>
+        <p:nvCxnSpPr>
+          <p:cNvPr id="23" name="Connector: Curved 22">
+            <a:extLst>
+              <a:ext uri="{FF2B5EF4-FFF2-40B4-BE49-F238E27FC236}">
+                <a16:creationId xmlns:a16="http://schemas.microsoft.com/office/drawing/2014/main" id="{20C04D09-0C3D-D82B-4F3C-0E032C54304F}"/>
+              </a:ext>
+            </a:extLst>
+          </p:cNvPr>
+          <p:cNvCxnSpPr>
+            <a:cxnSpLocks/>
+            <a:stCxn id="7" idx="2"/>
+          </p:cNvCxnSpPr>
+          <p:nvPr/>
+        </p:nvCxnSpPr>
+        <p:spPr>
+          <a:xfrm rot="5400000">
+            <a:off x="6813219" y="1286183"/>
+            <a:ext cx="563928" cy="1765424"/>
+          </a:xfrm>
+          <a:prstGeom prst="curvedConnector2">
+            <a:avLst/>
+          </a:prstGeom>
+          <a:ln w="38100">
+            <a:solidFill>
+              <a:schemeClr val="accent3"/>
+            </a:solidFill>
+            <a:headEnd type="none"/>
+            <a:tailEnd type="triangle"/>
+          </a:ln>
+        </p:spPr>
+        <p:style>
+          <a:lnRef idx="1">
+            <a:schemeClr val="accent1"/>
+          </a:lnRef>
+          <a:fillRef idx="0">
+            <a:schemeClr val="accent1"/>
+          </a:fillRef>
+          <a:effectRef idx="0">
+            <a:schemeClr val="accent1"/>
+          </a:effectRef>
+          <a:fontRef idx="minor">
+            <a:schemeClr val="tx1"/>
+          </a:fontRef>
+        </p:style>
+      </p:cxnSp>
+      <p:cxnSp>
+        <p:nvCxnSpPr>
+          <p:cNvPr id="24" name="Connector: Curved 23">
+            <a:extLst>
+              <a:ext uri="{FF2B5EF4-FFF2-40B4-BE49-F238E27FC236}">
+                <a16:creationId xmlns:a16="http://schemas.microsoft.com/office/drawing/2014/main" id="{E2D4A302-E115-5EC7-01C2-1120A31B0114}"/>
+              </a:ext>
+            </a:extLst>
+          </p:cNvPr>
+          <p:cNvCxnSpPr>
+            <a:cxnSpLocks/>
+            <a:stCxn id="13" idx="1"/>
+          </p:cNvCxnSpPr>
+          <p:nvPr/>
+        </p:nvCxnSpPr>
+        <p:spPr>
+          <a:xfrm rot="10800000" flipV="1">
+            <a:off x="6665332" y="3314850"/>
+            <a:ext cx="3468734" cy="198692"/>
+          </a:xfrm>
+          <a:prstGeom prst="curvedConnector3">
+            <a:avLst>
+              <a:gd name="adj1" fmla="val 50000"/>
+            </a:avLst>
+          </a:prstGeom>
+          <a:ln w="38100">
+            <a:solidFill>
+              <a:schemeClr val="accent3"/>
+            </a:solidFill>
+            <a:headEnd type="none"/>
+            <a:tailEnd type="triangle"/>
+          </a:ln>
+        </p:spPr>
+        <p:style>
+          <a:lnRef idx="1">
+            <a:schemeClr val="accent1"/>
+          </a:lnRef>
+          <a:fillRef idx="0">
+            <a:schemeClr val="accent1"/>
+          </a:fillRef>
+          <a:effectRef idx="0">
+            <a:schemeClr val="accent1"/>
+          </a:effectRef>
+          <a:fontRef idx="minor">
+            <a:schemeClr val="tx1"/>
+          </a:fontRef>
+        </p:style>
+      </p:cxnSp>
+      <p:cxnSp>
+        <p:nvCxnSpPr>
+          <p:cNvPr id="25" name="Connector: Curved 24">
+            <a:extLst>
+              <a:ext uri="{FF2B5EF4-FFF2-40B4-BE49-F238E27FC236}">
+                <a16:creationId xmlns:a16="http://schemas.microsoft.com/office/drawing/2014/main" id="{739A206B-0945-4C3E-A79C-C0D800B18456}"/>
+              </a:ext>
+            </a:extLst>
+          </p:cNvPr>
+          <p:cNvCxnSpPr>
+            <a:cxnSpLocks/>
+            <a:stCxn id="11" idx="1"/>
+          </p:cNvCxnSpPr>
+          <p:nvPr/>
+        </p:nvCxnSpPr>
+        <p:spPr>
+          <a:xfrm rot="10800000">
+            <a:off x="6665332" y="3628447"/>
+            <a:ext cx="3468734" cy="117355"/>
+          </a:xfrm>
+          <a:prstGeom prst="curvedConnector3">
+            <a:avLst>
+              <a:gd name="adj1" fmla="val 50000"/>
+            </a:avLst>
+          </a:prstGeom>
+          <a:ln w="38100">
+            <a:solidFill>
+              <a:schemeClr val="accent3"/>
+            </a:solidFill>
+            <a:headEnd type="none"/>
+            <a:tailEnd type="triangle"/>
+          </a:ln>
+        </p:spPr>
+        <p:style>
+          <a:lnRef idx="1">
+            <a:schemeClr val="accent1"/>
+          </a:lnRef>
+          <a:fillRef idx="0">
+            <a:schemeClr val="accent1"/>
+          </a:fillRef>
+          <a:effectRef idx="0">
+            <a:schemeClr val="accent1"/>
+          </a:effectRef>
+          <a:fontRef idx="minor">
+            <a:schemeClr val="tx1"/>
+          </a:fontRef>
+        </p:style>
+      </p:cxnSp>
+      <p:cxnSp>
+        <p:nvCxnSpPr>
+          <p:cNvPr id="26" name="Connector: Curved 25">
+            <a:extLst>
+              <a:ext uri="{FF2B5EF4-FFF2-40B4-BE49-F238E27FC236}">
+                <a16:creationId xmlns:a16="http://schemas.microsoft.com/office/drawing/2014/main" id="{E535E24D-13DC-A046-95C0-766B36B057F2}"/>
+              </a:ext>
+            </a:extLst>
+          </p:cNvPr>
+          <p:cNvCxnSpPr>
+            <a:cxnSpLocks/>
+            <a:stCxn id="16" idx="1"/>
+          </p:cNvCxnSpPr>
+          <p:nvPr/>
+        </p:nvCxnSpPr>
+        <p:spPr>
+          <a:xfrm rot="10800000">
+            <a:off x="9267853" y="4174637"/>
+            <a:ext cx="866212" cy="12700"/>
+          </a:xfrm>
+          <a:prstGeom prst="curvedConnector3">
+            <a:avLst>
+              <a:gd name="adj1" fmla="val 50000"/>
+            </a:avLst>
+          </a:prstGeom>
+          <a:ln w="38100">
+            <a:solidFill>
+              <a:schemeClr val="accent3"/>
+            </a:solidFill>
+            <a:headEnd type="none"/>
+            <a:tailEnd type="triangle"/>
+          </a:ln>
+        </p:spPr>
+        <p:style>
+          <a:lnRef idx="1">
+            <a:schemeClr val="accent1"/>
+          </a:lnRef>
+          <a:fillRef idx="0">
+            <a:schemeClr val="accent1"/>
+          </a:fillRef>
+          <a:effectRef idx="0">
+            <a:schemeClr val="accent1"/>
+          </a:effectRef>
+          <a:fontRef idx="minor">
+            <a:schemeClr val="tx1"/>
+          </a:fontRef>
+        </p:style>
+      </p:cxnSp>
+      <p:cxnSp>
+        <p:nvCxnSpPr>
+          <p:cNvPr id="27" name="Connector: Curved 26">
+            <a:extLst>
+              <a:ext uri="{FF2B5EF4-FFF2-40B4-BE49-F238E27FC236}">
+                <a16:creationId xmlns:a16="http://schemas.microsoft.com/office/drawing/2014/main" id="{869698AB-47E6-7094-CBA2-3D5158893DEA}"/>
+              </a:ext>
+            </a:extLst>
+          </p:cNvPr>
+          <p:cNvCxnSpPr>
+            <a:cxnSpLocks/>
+            <a:stCxn id="8" idx="2"/>
+          </p:cNvCxnSpPr>
+          <p:nvPr/>
+        </p:nvCxnSpPr>
+        <p:spPr>
+          <a:xfrm rot="5400000">
+            <a:off x="5439494" y="1576422"/>
+            <a:ext cx="185396" cy="806534"/>
+          </a:xfrm>
+          <a:prstGeom prst="curvedConnector2">
+            <a:avLst/>
+          </a:prstGeom>
+          <a:ln w="38100">
+            <a:solidFill>
+              <a:schemeClr val="accent3"/>
+            </a:solidFill>
+            <a:headEnd type="none"/>
+            <a:tailEnd type="triangle"/>
+          </a:ln>
+        </p:spPr>
+        <p:style>
+          <a:lnRef idx="1">
+            <a:schemeClr val="accent1"/>
+          </a:lnRef>
+          <a:fillRef idx="0">
+            <a:schemeClr val="accent1"/>
+          </a:fillRef>
+          <a:effectRef idx="0">
+            <a:schemeClr val="accent1"/>
+          </a:effectRef>
+          <a:fontRef idx="minor">
+            <a:schemeClr val="tx1"/>
+          </a:fontRef>
+        </p:style>
+      </p:cxnSp>
     </p:spTree>
     <p:extLst>
       <p:ext uri="{BB962C8B-B14F-4D97-AF65-F5344CB8AC3E}">
-        <p14:creationId xmlns:p14="http://schemas.microsoft.com/office/powerpoint/2010/main" val="1964785213"/>
+        <p14:creationId xmlns:p14="http://schemas.microsoft.com/office/powerpoint/2010/main" val="182170450"/>
       </p:ext>
     </p:extLst>
   </p:cSld>
   <p:clrMapOvr>
     <a:masterClrMapping/>
   </p:clrMapOvr>
+  <p:timing>
+    <p:tnLst>
+      <p:par>
+        <p:cTn id="1" dur="indefinite" restart="never" nodeType="tmRoot">
+          <p:childTnLst>
+            <p:seq concurrent="1" nextAc="seek">
+              <p:cTn id="2" dur="indefinite" nodeType="mainSeq">
+                <p:childTnLst>
+                  <p:par>
+                    <p:cTn id="3" fill="hold">
+                      <p:stCondLst>
+                        <p:cond delay="indefinite"/>
+                      </p:stCondLst>
+                      <p:childTnLst>
+                        <p:par>
+                          <p:cTn id="4" fill="hold">
+                            <p:stCondLst>
+                              <p:cond delay="0"/>
+                            </p:stCondLst>
+                            <p:childTnLst>
+                              <p:par>
+                                <p:cTn id="5" presetID="10" presetClass="entr" presetSubtype="0" fill="hold" grpId="0" nodeType="clickEffect">
+                                  <p:stCondLst>
+                                    <p:cond delay="0"/>
+                                  </p:stCondLst>
+                                  <p:childTnLst>
+                                    <p:set>
+                                      <p:cBhvr>
+                                        <p:cTn id="6" dur="1" fill="hold">
+                                          <p:stCondLst>
+                                            <p:cond delay="0"/>
+                                          </p:stCondLst>
+                                        </p:cTn>
+                                        <p:tgtEl>
+                                          <p:spTgt spid="6"/>
+                                        </p:tgtEl>
+                                        <p:attrNameLst>
+                                          <p:attrName>style.visibility</p:attrName>
+                                        </p:attrNameLst>
+                                      </p:cBhvr>
+                                      <p:to>
+                                        <p:strVal val="visible"/>
+                                      </p:to>
+                                    </p:set>
+                                    <p:animEffect transition="in" filter="fade">
+                                      <p:cBhvr>
+                                        <p:cTn id="7" dur="500"/>
+                                        <p:tgtEl>
+                                          <p:spTgt spid="6"/>
+                                        </p:tgtEl>
+                                      </p:cBhvr>
+                                    </p:animEffect>
+                                  </p:childTnLst>
+                                </p:cTn>
+                              </p:par>
+                              <p:par>
+                                <p:cTn id="8" presetID="10" presetClass="entr" presetSubtype="0" fill="hold" nodeType="withEffect">
+                                  <p:stCondLst>
+                                    <p:cond delay="0"/>
+                                  </p:stCondLst>
+                                  <p:childTnLst>
+                                    <p:set>
+                                      <p:cBhvr>
+                                        <p:cTn id="9" dur="1" fill="hold">
+                                          <p:stCondLst>
+                                            <p:cond delay="0"/>
+                                          </p:stCondLst>
+                                        </p:cTn>
+                                        <p:tgtEl>
+                                          <p:spTgt spid="22"/>
+                                        </p:tgtEl>
+                                        <p:attrNameLst>
+                                          <p:attrName>style.visibility</p:attrName>
+                                        </p:attrNameLst>
+                                      </p:cBhvr>
+                                      <p:to>
+                                        <p:strVal val="visible"/>
+                                      </p:to>
+                                    </p:set>
+                                    <p:animEffect transition="in" filter="fade">
+                                      <p:cBhvr>
+                                        <p:cTn id="10" dur="500"/>
+                                        <p:tgtEl>
+                                          <p:spTgt spid="22"/>
+                                        </p:tgtEl>
+                                      </p:cBhvr>
+                                    </p:animEffect>
+                                  </p:childTnLst>
+                                </p:cTn>
+                              </p:par>
+                            </p:childTnLst>
+                          </p:cTn>
+                        </p:par>
+                      </p:childTnLst>
+                    </p:cTn>
+                  </p:par>
+                  <p:par>
+                    <p:cTn id="11" fill="hold">
+                      <p:stCondLst>
+                        <p:cond delay="indefinite"/>
+                      </p:stCondLst>
+                      <p:childTnLst>
+                        <p:par>
+                          <p:cTn id="12" fill="hold">
+                            <p:stCondLst>
+                              <p:cond delay="0"/>
+                            </p:stCondLst>
+                            <p:childTnLst>
+                              <p:par>
+                                <p:cTn id="13" presetID="10" presetClass="entr" presetSubtype="0" fill="hold" grpId="0" nodeType="clickEffect">
+                                  <p:stCondLst>
+                                    <p:cond delay="0"/>
+                                  </p:stCondLst>
+                                  <p:childTnLst>
+                                    <p:set>
+                                      <p:cBhvr>
+                                        <p:cTn id="14" dur="1" fill="hold">
+                                          <p:stCondLst>
+                                            <p:cond delay="0"/>
+                                          </p:stCondLst>
+                                        </p:cTn>
+                                        <p:tgtEl>
+                                          <p:spTgt spid="8"/>
+                                        </p:tgtEl>
+                                        <p:attrNameLst>
+                                          <p:attrName>style.visibility</p:attrName>
+                                        </p:attrNameLst>
+                                      </p:cBhvr>
+                                      <p:to>
+                                        <p:strVal val="visible"/>
+                                      </p:to>
+                                    </p:set>
+                                    <p:animEffect transition="in" filter="fade">
+                                      <p:cBhvr>
+                                        <p:cTn id="15" dur="500"/>
+                                        <p:tgtEl>
+                                          <p:spTgt spid="8"/>
+                                        </p:tgtEl>
+                                      </p:cBhvr>
+                                    </p:animEffect>
+                                  </p:childTnLst>
+                                </p:cTn>
+                              </p:par>
+                              <p:par>
+                                <p:cTn id="16" presetID="10" presetClass="entr" presetSubtype="0" fill="hold" nodeType="withEffect">
+                                  <p:stCondLst>
+                                    <p:cond delay="0"/>
+                                  </p:stCondLst>
+                                  <p:childTnLst>
+                                    <p:set>
+                                      <p:cBhvr>
+                                        <p:cTn id="17" dur="1" fill="hold">
+                                          <p:stCondLst>
+                                            <p:cond delay="0"/>
+                                          </p:stCondLst>
+                                        </p:cTn>
+                                        <p:tgtEl>
+                                          <p:spTgt spid="27"/>
+                                        </p:tgtEl>
+                                        <p:attrNameLst>
+                                          <p:attrName>style.visibility</p:attrName>
+                                        </p:attrNameLst>
+                                      </p:cBhvr>
+                                      <p:to>
+                                        <p:strVal val="visible"/>
+                                      </p:to>
+                                    </p:set>
+                                    <p:animEffect transition="in" filter="fade">
+                                      <p:cBhvr>
+                                        <p:cTn id="18" dur="500"/>
+                                        <p:tgtEl>
+                                          <p:spTgt spid="27"/>
+                                        </p:tgtEl>
+                                      </p:cBhvr>
+                                    </p:animEffect>
+                                  </p:childTnLst>
+                                </p:cTn>
+                              </p:par>
+                            </p:childTnLst>
+                          </p:cTn>
+                        </p:par>
+                      </p:childTnLst>
+                    </p:cTn>
+                  </p:par>
+                  <p:par>
+                    <p:cTn id="19" fill="hold">
+                      <p:stCondLst>
+                        <p:cond delay="indefinite"/>
+                      </p:stCondLst>
+                      <p:childTnLst>
+                        <p:par>
+                          <p:cTn id="20" fill="hold">
+                            <p:stCondLst>
+                              <p:cond delay="0"/>
+                            </p:stCondLst>
+                            <p:childTnLst>
+                              <p:par>
+                                <p:cTn id="21" presetID="10" presetClass="entr" presetSubtype="0" fill="hold" grpId="0" nodeType="clickEffect">
+                                  <p:stCondLst>
+                                    <p:cond delay="0"/>
+                                  </p:stCondLst>
+                                  <p:childTnLst>
+                                    <p:set>
+                                      <p:cBhvr>
+                                        <p:cTn id="22" dur="1" fill="hold">
+                                          <p:stCondLst>
+                                            <p:cond delay="0"/>
+                                          </p:stCondLst>
+                                        </p:cTn>
+                                        <p:tgtEl>
+                                          <p:spTgt spid="7"/>
+                                        </p:tgtEl>
+                                        <p:attrNameLst>
+                                          <p:attrName>style.visibility</p:attrName>
+                                        </p:attrNameLst>
+                                      </p:cBhvr>
+                                      <p:to>
+                                        <p:strVal val="visible"/>
+                                      </p:to>
+                                    </p:set>
+                                    <p:animEffect transition="in" filter="fade">
+                                      <p:cBhvr>
+                                        <p:cTn id="23" dur="500"/>
+                                        <p:tgtEl>
+                                          <p:spTgt spid="7"/>
+                                        </p:tgtEl>
+                                      </p:cBhvr>
+                                    </p:animEffect>
+                                  </p:childTnLst>
+                                </p:cTn>
+                              </p:par>
+                              <p:par>
+                                <p:cTn id="24" presetID="10" presetClass="entr" presetSubtype="0" fill="hold" nodeType="withEffect">
+                                  <p:stCondLst>
+                                    <p:cond delay="0"/>
+                                  </p:stCondLst>
+                                  <p:childTnLst>
+                                    <p:set>
+                                      <p:cBhvr>
+                                        <p:cTn id="25" dur="1" fill="hold">
+                                          <p:stCondLst>
+                                            <p:cond delay="0"/>
+                                          </p:stCondLst>
+                                        </p:cTn>
+                                        <p:tgtEl>
+                                          <p:spTgt spid="23"/>
+                                        </p:tgtEl>
+                                        <p:attrNameLst>
+                                          <p:attrName>style.visibility</p:attrName>
+                                        </p:attrNameLst>
+                                      </p:cBhvr>
+                                      <p:to>
+                                        <p:strVal val="visible"/>
+                                      </p:to>
+                                    </p:set>
+                                    <p:animEffect transition="in" filter="fade">
+                                      <p:cBhvr>
+                                        <p:cTn id="26" dur="500"/>
+                                        <p:tgtEl>
+                                          <p:spTgt spid="23"/>
+                                        </p:tgtEl>
+                                      </p:cBhvr>
+                                    </p:animEffect>
+                                  </p:childTnLst>
+                                </p:cTn>
+                              </p:par>
+                            </p:childTnLst>
+                          </p:cTn>
+                        </p:par>
+                      </p:childTnLst>
+                    </p:cTn>
+                  </p:par>
+                  <p:par>
+                    <p:cTn id="27" fill="hold">
+                      <p:stCondLst>
+                        <p:cond delay="indefinite"/>
+                      </p:stCondLst>
+                      <p:childTnLst>
+                        <p:par>
+                          <p:cTn id="28" fill="hold">
+                            <p:stCondLst>
+                              <p:cond delay="0"/>
+                            </p:stCondLst>
+                            <p:childTnLst>
+                              <p:par>
+                                <p:cTn id="29" presetID="10" presetClass="entr" presetSubtype="0" fill="hold" grpId="0" nodeType="clickEffect">
+                                  <p:stCondLst>
+                                    <p:cond delay="0"/>
+                                  </p:stCondLst>
+                                  <p:childTnLst>
+                                    <p:set>
+                                      <p:cBhvr>
+                                        <p:cTn id="30" dur="1" fill="hold">
+                                          <p:stCondLst>
+                                            <p:cond delay="0"/>
+                                          </p:stCondLst>
+                                        </p:cTn>
+                                        <p:tgtEl>
+                                          <p:spTgt spid="9"/>
+                                        </p:tgtEl>
+                                        <p:attrNameLst>
+                                          <p:attrName>style.visibility</p:attrName>
+                                        </p:attrNameLst>
+                                      </p:cBhvr>
+                                      <p:to>
+                                        <p:strVal val="visible"/>
+                                      </p:to>
+                                    </p:set>
+                                    <p:animEffect transition="in" filter="fade">
+                                      <p:cBhvr>
+                                        <p:cTn id="31" dur="500"/>
+                                        <p:tgtEl>
+                                          <p:spTgt spid="9"/>
+                                        </p:tgtEl>
+                                      </p:cBhvr>
+                                    </p:animEffect>
+                                  </p:childTnLst>
+                                </p:cTn>
+                              </p:par>
+                              <p:par>
+                                <p:cTn id="32" presetID="10" presetClass="entr" presetSubtype="0" fill="hold" nodeType="withEffect">
+                                  <p:stCondLst>
+                                    <p:cond delay="0"/>
+                                  </p:stCondLst>
+                                  <p:childTnLst>
+                                    <p:set>
+                                      <p:cBhvr>
+                                        <p:cTn id="33" dur="1" fill="hold">
+                                          <p:stCondLst>
+                                            <p:cond delay="0"/>
+                                          </p:stCondLst>
+                                        </p:cTn>
+                                        <p:tgtEl>
+                                          <p:spTgt spid="18"/>
+                                        </p:tgtEl>
+                                        <p:attrNameLst>
+                                          <p:attrName>style.visibility</p:attrName>
+                                        </p:attrNameLst>
+                                      </p:cBhvr>
+                                      <p:to>
+                                        <p:strVal val="visible"/>
+                                      </p:to>
+                                    </p:set>
+                                    <p:animEffect transition="in" filter="fade">
+                                      <p:cBhvr>
+                                        <p:cTn id="34" dur="500"/>
+                                        <p:tgtEl>
+                                          <p:spTgt spid="18"/>
+                                        </p:tgtEl>
+                                      </p:cBhvr>
+                                    </p:animEffect>
+                                  </p:childTnLst>
+                                </p:cTn>
+                              </p:par>
+                            </p:childTnLst>
+                          </p:cTn>
+                        </p:par>
+                      </p:childTnLst>
+                    </p:cTn>
+                  </p:par>
+                  <p:par>
+                    <p:cTn id="35" fill="hold">
+                      <p:stCondLst>
+                        <p:cond delay="indefinite"/>
+                      </p:stCondLst>
+                      <p:childTnLst>
+                        <p:par>
+                          <p:cTn id="36" fill="hold">
+                            <p:stCondLst>
+                              <p:cond delay="0"/>
+                            </p:stCondLst>
+                            <p:childTnLst>
+                              <p:par>
+                                <p:cTn id="37" presetID="10" presetClass="entr" presetSubtype="0" fill="hold" grpId="0" nodeType="clickEffect">
+                                  <p:stCondLst>
+                                    <p:cond delay="0"/>
+                                  </p:stCondLst>
+                                  <p:childTnLst>
+                                    <p:set>
+                                      <p:cBhvr>
+                                        <p:cTn id="38" dur="1" fill="hold">
+                                          <p:stCondLst>
+                                            <p:cond delay="0"/>
+                                          </p:stCondLst>
+                                        </p:cTn>
+                                        <p:tgtEl>
+                                          <p:spTgt spid="10"/>
+                                        </p:tgtEl>
+                                        <p:attrNameLst>
+                                          <p:attrName>style.visibility</p:attrName>
+                                        </p:attrNameLst>
+                                      </p:cBhvr>
+                                      <p:to>
+                                        <p:strVal val="visible"/>
+                                      </p:to>
+                                    </p:set>
+                                    <p:animEffect transition="in" filter="fade">
+                                      <p:cBhvr>
+                                        <p:cTn id="39" dur="500"/>
+                                        <p:tgtEl>
+                                          <p:spTgt spid="10"/>
+                                        </p:tgtEl>
+                                      </p:cBhvr>
+                                    </p:animEffect>
+                                  </p:childTnLst>
+                                </p:cTn>
+                              </p:par>
+                              <p:par>
+                                <p:cTn id="40" presetID="10" presetClass="entr" presetSubtype="0" fill="hold" nodeType="withEffect">
+                                  <p:stCondLst>
+                                    <p:cond delay="0"/>
+                                  </p:stCondLst>
+                                  <p:childTnLst>
+                                    <p:set>
+                                      <p:cBhvr>
+                                        <p:cTn id="41" dur="1" fill="hold">
+                                          <p:stCondLst>
+                                            <p:cond delay="0"/>
+                                          </p:stCondLst>
+                                        </p:cTn>
+                                        <p:tgtEl>
+                                          <p:spTgt spid="19"/>
+                                        </p:tgtEl>
+                                        <p:attrNameLst>
+                                          <p:attrName>style.visibility</p:attrName>
+                                        </p:attrNameLst>
+                                      </p:cBhvr>
+                                      <p:to>
+                                        <p:strVal val="visible"/>
+                                      </p:to>
+                                    </p:set>
+                                    <p:animEffect transition="in" filter="fade">
+                                      <p:cBhvr>
+                                        <p:cTn id="42" dur="500"/>
+                                        <p:tgtEl>
+                                          <p:spTgt spid="19"/>
+                                        </p:tgtEl>
+                                      </p:cBhvr>
+                                    </p:animEffect>
+                                  </p:childTnLst>
+                                </p:cTn>
+                              </p:par>
+                            </p:childTnLst>
+                          </p:cTn>
+                        </p:par>
+                      </p:childTnLst>
+                    </p:cTn>
+                  </p:par>
+                  <p:par>
+                    <p:cTn id="43" fill="hold">
+                      <p:stCondLst>
+                        <p:cond delay="indefinite"/>
+                      </p:stCondLst>
+                      <p:childTnLst>
+                        <p:par>
+                          <p:cTn id="44" fill="hold">
+                            <p:stCondLst>
+                              <p:cond delay="0"/>
+                            </p:stCondLst>
+                            <p:childTnLst>
+                              <p:par>
+                                <p:cTn id="45" presetID="10" presetClass="entr" presetSubtype="0" fill="hold" nodeType="clickEffect">
+                                  <p:stCondLst>
+                                    <p:cond delay="0"/>
+                                  </p:stCondLst>
+                                  <p:childTnLst>
+                                    <p:set>
+                                      <p:cBhvr>
+                                        <p:cTn id="46" dur="1" fill="hold">
+                                          <p:stCondLst>
+                                            <p:cond delay="0"/>
+                                          </p:stCondLst>
+                                        </p:cTn>
+                                        <p:tgtEl>
+                                          <p:spTgt spid="24"/>
+                                        </p:tgtEl>
+                                        <p:attrNameLst>
+                                          <p:attrName>style.visibility</p:attrName>
+                                        </p:attrNameLst>
+                                      </p:cBhvr>
+                                      <p:to>
+                                        <p:strVal val="visible"/>
+                                      </p:to>
+                                    </p:set>
+                                    <p:animEffect transition="in" filter="fade">
+                                      <p:cBhvr>
+                                        <p:cTn id="47" dur="500"/>
+                                        <p:tgtEl>
+                                          <p:spTgt spid="24"/>
+                                        </p:tgtEl>
+                                      </p:cBhvr>
+                                    </p:animEffect>
+                                  </p:childTnLst>
+                                </p:cTn>
+                              </p:par>
+                              <p:par>
+                                <p:cTn id="48" presetID="10" presetClass="entr" presetSubtype="0" fill="hold" grpId="0" nodeType="withEffect">
+                                  <p:stCondLst>
+                                    <p:cond delay="0"/>
+                                  </p:stCondLst>
+                                  <p:childTnLst>
+                                    <p:set>
+                                      <p:cBhvr>
+                                        <p:cTn id="49" dur="1" fill="hold">
+                                          <p:stCondLst>
+                                            <p:cond delay="0"/>
+                                          </p:stCondLst>
+                                        </p:cTn>
+                                        <p:tgtEl>
+                                          <p:spTgt spid="13"/>
+                                        </p:tgtEl>
+                                        <p:attrNameLst>
+                                          <p:attrName>style.visibility</p:attrName>
+                                        </p:attrNameLst>
+                                      </p:cBhvr>
+                                      <p:to>
+                                        <p:strVal val="visible"/>
+                                      </p:to>
+                                    </p:set>
+                                    <p:animEffect transition="in" filter="fade">
+                                      <p:cBhvr>
+                                        <p:cTn id="50" dur="500"/>
+                                        <p:tgtEl>
+                                          <p:spTgt spid="13"/>
+                                        </p:tgtEl>
+                                      </p:cBhvr>
+                                    </p:animEffect>
+                                  </p:childTnLst>
+                                </p:cTn>
+                              </p:par>
+                            </p:childTnLst>
+                          </p:cTn>
+                        </p:par>
+                      </p:childTnLst>
+                    </p:cTn>
+                  </p:par>
+                  <p:par>
+                    <p:cTn id="51" fill="hold">
+                      <p:stCondLst>
+                        <p:cond delay="indefinite"/>
+                      </p:stCondLst>
+                      <p:childTnLst>
+                        <p:par>
+                          <p:cTn id="52" fill="hold">
+                            <p:stCondLst>
+                              <p:cond delay="0"/>
+                            </p:stCondLst>
+                            <p:childTnLst>
+                              <p:par>
+                                <p:cTn id="53" presetID="10" presetClass="entr" presetSubtype="0" fill="hold" grpId="0" nodeType="clickEffect">
+                                  <p:stCondLst>
+                                    <p:cond delay="0"/>
+                                  </p:stCondLst>
+                                  <p:childTnLst>
+                                    <p:set>
+                                      <p:cBhvr>
+                                        <p:cTn id="54" dur="1" fill="hold">
+                                          <p:stCondLst>
+                                            <p:cond delay="0"/>
+                                          </p:stCondLst>
+                                        </p:cTn>
+                                        <p:tgtEl>
+                                          <p:spTgt spid="11"/>
+                                        </p:tgtEl>
+                                        <p:attrNameLst>
+                                          <p:attrName>style.visibility</p:attrName>
+                                        </p:attrNameLst>
+                                      </p:cBhvr>
+                                      <p:to>
+                                        <p:strVal val="visible"/>
+                                      </p:to>
+                                    </p:set>
+                                    <p:animEffect transition="in" filter="fade">
+                                      <p:cBhvr>
+                                        <p:cTn id="55" dur="500"/>
+                                        <p:tgtEl>
+                                          <p:spTgt spid="11"/>
+                                        </p:tgtEl>
+                                      </p:cBhvr>
+                                    </p:animEffect>
+                                  </p:childTnLst>
+                                </p:cTn>
+                              </p:par>
+                              <p:par>
+                                <p:cTn id="56" presetID="10" presetClass="entr" presetSubtype="0" fill="hold" nodeType="withEffect">
+                                  <p:stCondLst>
+                                    <p:cond delay="0"/>
+                                  </p:stCondLst>
+                                  <p:childTnLst>
+                                    <p:set>
+                                      <p:cBhvr>
+                                        <p:cTn id="57" dur="1" fill="hold">
+                                          <p:stCondLst>
+                                            <p:cond delay="0"/>
+                                          </p:stCondLst>
+                                        </p:cTn>
+                                        <p:tgtEl>
+                                          <p:spTgt spid="25"/>
+                                        </p:tgtEl>
+                                        <p:attrNameLst>
+                                          <p:attrName>style.visibility</p:attrName>
+                                        </p:attrNameLst>
+                                      </p:cBhvr>
+                                      <p:to>
+                                        <p:strVal val="visible"/>
+                                      </p:to>
+                                    </p:set>
+                                    <p:animEffect transition="in" filter="fade">
+                                      <p:cBhvr>
+                                        <p:cTn id="58" dur="500"/>
+                                        <p:tgtEl>
+                                          <p:spTgt spid="25"/>
+                                        </p:tgtEl>
+                                      </p:cBhvr>
+                                    </p:animEffect>
+                                  </p:childTnLst>
+                                </p:cTn>
+                              </p:par>
+                            </p:childTnLst>
+                          </p:cTn>
+                        </p:par>
+                      </p:childTnLst>
+                    </p:cTn>
+                  </p:par>
+                  <p:par>
+                    <p:cTn id="59" fill="hold">
+                      <p:stCondLst>
+                        <p:cond delay="indefinite"/>
+                      </p:stCondLst>
+                      <p:childTnLst>
+                        <p:par>
+                          <p:cTn id="60" fill="hold">
+                            <p:stCondLst>
+                              <p:cond delay="0"/>
+                            </p:stCondLst>
+                            <p:childTnLst>
+                              <p:par>
+                                <p:cTn id="61" presetID="10" presetClass="entr" presetSubtype="0" fill="hold" nodeType="clickEffect">
+                                  <p:stCondLst>
+                                    <p:cond delay="0"/>
+                                  </p:stCondLst>
+                                  <p:childTnLst>
+                                    <p:set>
+                                      <p:cBhvr>
+                                        <p:cTn id="62" dur="1" fill="hold">
+                                          <p:stCondLst>
+                                            <p:cond delay="0"/>
+                                          </p:stCondLst>
+                                        </p:cTn>
+                                        <p:tgtEl>
+                                          <p:spTgt spid="20"/>
+                                        </p:tgtEl>
+                                        <p:attrNameLst>
+                                          <p:attrName>style.visibility</p:attrName>
+                                        </p:attrNameLst>
+                                      </p:cBhvr>
+                                      <p:to>
+                                        <p:strVal val="visible"/>
+                                      </p:to>
+                                    </p:set>
+                                    <p:animEffect transition="in" filter="fade">
+                                      <p:cBhvr>
+                                        <p:cTn id="63" dur="500"/>
+                                        <p:tgtEl>
+                                          <p:spTgt spid="20"/>
+                                        </p:tgtEl>
+                                      </p:cBhvr>
+                                    </p:animEffect>
+                                  </p:childTnLst>
+                                </p:cTn>
+                              </p:par>
+                              <p:par>
+                                <p:cTn id="64" presetID="10" presetClass="entr" presetSubtype="0" fill="hold" grpId="0" nodeType="withEffect">
+                                  <p:stCondLst>
+                                    <p:cond delay="0"/>
+                                  </p:stCondLst>
+                                  <p:childTnLst>
+                                    <p:set>
+                                      <p:cBhvr>
+                                        <p:cTn id="65" dur="1" fill="hold">
+                                          <p:stCondLst>
+                                            <p:cond delay="0"/>
+                                          </p:stCondLst>
+                                        </p:cTn>
+                                        <p:tgtEl>
+                                          <p:spTgt spid="15"/>
+                                        </p:tgtEl>
+                                        <p:attrNameLst>
+                                          <p:attrName>style.visibility</p:attrName>
+                                        </p:attrNameLst>
+                                      </p:cBhvr>
+                                      <p:to>
+                                        <p:strVal val="visible"/>
+                                      </p:to>
+                                    </p:set>
+                                    <p:animEffect transition="in" filter="fade">
+                                      <p:cBhvr>
+                                        <p:cTn id="66" dur="500"/>
+                                        <p:tgtEl>
+                                          <p:spTgt spid="15"/>
+                                        </p:tgtEl>
+                                      </p:cBhvr>
+                                    </p:animEffect>
+                                  </p:childTnLst>
+                                </p:cTn>
+                              </p:par>
+                            </p:childTnLst>
+                          </p:cTn>
+                        </p:par>
+                      </p:childTnLst>
+                    </p:cTn>
+                  </p:par>
+                  <p:par>
+                    <p:cTn id="67" fill="hold">
+                      <p:stCondLst>
+                        <p:cond delay="indefinite"/>
+                      </p:stCondLst>
+                      <p:childTnLst>
+                        <p:par>
+                          <p:cTn id="68" fill="hold">
+                            <p:stCondLst>
+                              <p:cond delay="0"/>
+                            </p:stCondLst>
+                            <p:childTnLst>
+                              <p:par>
+                                <p:cTn id="69" presetID="10" presetClass="entr" presetSubtype="0" fill="hold" grpId="0" nodeType="clickEffect">
+                                  <p:stCondLst>
+                                    <p:cond delay="0"/>
+                                  </p:stCondLst>
+                                  <p:childTnLst>
+                                    <p:set>
+                                      <p:cBhvr>
+                                        <p:cTn id="70" dur="1" fill="hold">
+                                          <p:stCondLst>
+                                            <p:cond delay="0"/>
+                                          </p:stCondLst>
+                                        </p:cTn>
+                                        <p:tgtEl>
+                                          <p:spTgt spid="16"/>
+                                        </p:tgtEl>
+                                        <p:attrNameLst>
+                                          <p:attrName>style.visibility</p:attrName>
+                                        </p:attrNameLst>
+                                      </p:cBhvr>
+                                      <p:to>
+                                        <p:strVal val="visible"/>
+                                      </p:to>
+                                    </p:set>
+                                    <p:animEffect transition="in" filter="fade">
+                                      <p:cBhvr>
+                                        <p:cTn id="71" dur="500"/>
+                                        <p:tgtEl>
+                                          <p:spTgt spid="16"/>
+                                        </p:tgtEl>
+                                      </p:cBhvr>
+                                    </p:animEffect>
+                                  </p:childTnLst>
+                                </p:cTn>
+                              </p:par>
+                              <p:par>
+                                <p:cTn id="72" presetID="10" presetClass="entr" presetSubtype="0" fill="hold" nodeType="withEffect">
+                                  <p:stCondLst>
+                                    <p:cond delay="0"/>
+                                  </p:stCondLst>
+                                  <p:childTnLst>
+                                    <p:set>
+                                      <p:cBhvr>
+                                        <p:cTn id="73" dur="1" fill="hold">
+                                          <p:stCondLst>
+                                            <p:cond delay="0"/>
+                                          </p:stCondLst>
+                                        </p:cTn>
+                                        <p:tgtEl>
+                                          <p:spTgt spid="26"/>
+                                        </p:tgtEl>
+                                        <p:attrNameLst>
+                                          <p:attrName>style.visibility</p:attrName>
+                                        </p:attrNameLst>
+                                      </p:cBhvr>
+                                      <p:to>
+                                        <p:strVal val="visible"/>
+                                      </p:to>
+                                    </p:set>
+                                    <p:animEffect transition="in" filter="fade">
+                                      <p:cBhvr>
+                                        <p:cTn id="74" dur="500"/>
+                                        <p:tgtEl>
+                                          <p:spTgt spid="26"/>
+                                        </p:tgtEl>
+                                      </p:cBhvr>
+                                    </p:animEffect>
+                                  </p:childTnLst>
+                                </p:cTn>
+                              </p:par>
+                            </p:childTnLst>
+                          </p:cTn>
+                        </p:par>
+                      </p:childTnLst>
+                    </p:cTn>
+                  </p:par>
+                  <p:par>
+                    <p:cTn id="75" fill="hold">
+                      <p:stCondLst>
+                        <p:cond delay="indefinite"/>
+                      </p:stCondLst>
+                      <p:childTnLst>
+                        <p:par>
+                          <p:cTn id="76" fill="hold">
+                            <p:stCondLst>
+                              <p:cond delay="0"/>
+                            </p:stCondLst>
+                            <p:childTnLst>
+                              <p:par>
+                                <p:cTn id="77" presetID="10" presetClass="entr" presetSubtype="0" fill="hold" grpId="0" nodeType="clickEffect">
+                                  <p:stCondLst>
+                                    <p:cond delay="0"/>
+                                  </p:stCondLst>
+                                  <p:childTnLst>
+                                    <p:set>
+                                      <p:cBhvr>
+                                        <p:cTn id="78" dur="1" fill="hold">
+                                          <p:stCondLst>
+                                            <p:cond delay="0"/>
+                                          </p:stCondLst>
+                                        </p:cTn>
+                                        <p:tgtEl>
+                                          <p:spTgt spid="14"/>
+                                        </p:tgtEl>
+                                        <p:attrNameLst>
+                                          <p:attrName>style.visibility</p:attrName>
+                                        </p:attrNameLst>
+                                      </p:cBhvr>
+                                      <p:to>
+                                        <p:strVal val="visible"/>
+                                      </p:to>
+                                    </p:set>
+                                    <p:animEffect transition="in" filter="fade">
+                                      <p:cBhvr>
+                                        <p:cTn id="79" dur="500"/>
+                                        <p:tgtEl>
+                                          <p:spTgt spid="14"/>
+                                        </p:tgtEl>
+                                      </p:cBhvr>
+                                    </p:animEffect>
+                                  </p:childTnLst>
+                                </p:cTn>
+                              </p:par>
+                              <p:par>
+                                <p:cTn id="80" presetID="10" presetClass="entr" presetSubtype="0" fill="hold" nodeType="withEffect">
+                                  <p:stCondLst>
+                                    <p:cond delay="0"/>
+                                  </p:stCondLst>
+                                  <p:childTnLst>
+                                    <p:set>
+                                      <p:cBhvr>
+                                        <p:cTn id="81" dur="1" fill="hold">
+                                          <p:stCondLst>
+                                            <p:cond delay="0"/>
+                                          </p:stCondLst>
+                                        </p:cTn>
+                                        <p:tgtEl>
+                                          <p:spTgt spid="21"/>
+                                        </p:tgtEl>
+                                        <p:attrNameLst>
+                                          <p:attrName>style.visibility</p:attrName>
+                                        </p:attrNameLst>
+                                      </p:cBhvr>
+                                      <p:to>
+                                        <p:strVal val="visible"/>
+                                      </p:to>
+                                    </p:set>
+                                    <p:animEffect transition="in" filter="fade">
+                                      <p:cBhvr>
+                                        <p:cTn id="82" dur="500"/>
+                                        <p:tgtEl>
+                                          <p:spTgt spid="21"/>
+                                        </p:tgtEl>
+                                      </p:cBhvr>
+                                    </p:animEffect>
+                                  </p:childTnLst>
+                                </p:cTn>
+                              </p:par>
+                            </p:childTnLst>
+                          </p:cTn>
+                        </p:par>
+                      </p:childTnLst>
+                    </p:cTn>
+                  </p:par>
+                  <p:par>
+                    <p:cTn id="83" fill="hold">
+                      <p:stCondLst>
+                        <p:cond delay="indefinite"/>
+                      </p:stCondLst>
+                      <p:childTnLst>
+                        <p:par>
+                          <p:cTn id="84" fill="hold">
+                            <p:stCondLst>
+                              <p:cond delay="0"/>
+                            </p:stCondLst>
+                            <p:childTnLst>
+                              <p:par>
+                                <p:cTn id="85" presetID="10" presetClass="entr" presetSubtype="0" fill="hold" grpId="0" nodeType="clickEffect">
+                                  <p:stCondLst>
+                                    <p:cond delay="0"/>
+                                  </p:stCondLst>
+                                  <p:childTnLst>
+                                    <p:set>
+                                      <p:cBhvr>
+                                        <p:cTn id="86" dur="1" fill="hold">
+                                          <p:stCondLst>
+                                            <p:cond delay="0"/>
+                                          </p:stCondLst>
+                                        </p:cTn>
+                                        <p:tgtEl>
+                                          <p:spTgt spid="17"/>
+                                        </p:tgtEl>
+                                        <p:attrNameLst>
+                                          <p:attrName>style.visibility</p:attrName>
+                                        </p:attrNameLst>
+                                      </p:cBhvr>
+                                      <p:to>
+                                        <p:strVal val="visible"/>
+                                      </p:to>
+                                    </p:set>
+                                    <p:animEffect transition="in" filter="fade">
+                                      <p:cBhvr>
+                                        <p:cTn id="87" dur="500"/>
+                                        <p:tgtEl>
+                                          <p:spTgt spid="17"/>
+                                        </p:tgtEl>
+                                      </p:cBhvr>
+                                    </p:animEffect>
+                                  </p:childTnLst>
+                                </p:cTn>
+                              </p:par>
+                            </p:childTnLst>
+                          </p:cTn>
+                        </p:par>
+                      </p:childTnLst>
+                    </p:cTn>
+                  </p:par>
+                </p:childTnLst>
+              </p:cTn>
+              <p:prevCondLst>
+                <p:cond evt="onPrev" delay="0">
+                  <p:tgtEl>
+                    <p:sldTgt/>
+                  </p:tgtEl>
+                </p:cond>
+              </p:prevCondLst>
+              <p:nextCondLst>
+                <p:cond evt="onNext" delay="0">
+                  <p:tgtEl>
+                    <p:sldTgt/>
+                  </p:tgtEl>
+                </p:cond>
+              </p:nextCondLst>
+            </p:seq>
+          </p:childTnLst>
+        </p:cTn>
+      </p:par>
+    </p:tnLst>
+    <p:bldLst>
+      <p:bldP spid="6" grpId="0" animBg="1"/>
+      <p:bldP spid="7" grpId="0" animBg="1"/>
+      <p:bldP spid="8" grpId="0" animBg="1"/>
+      <p:bldP spid="9" grpId="0" animBg="1"/>
+      <p:bldP spid="10" grpId="0" animBg="1"/>
+      <p:bldP spid="11" grpId="0" animBg="1"/>
+      <p:bldP spid="13" grpId="0" animBg="1"/>
+      <p:bldP spid="14" grpId="0" animBg="1"/>
+      <p:bldP spid="15" grpId="0" animBg="1"/>
+      <p:bldP spid="16" grpId="0" animBg="1"/>
+      <p:bldP spid="17" grpId="0" animBg="1"/>
+    </p:bldLst>
+  </p:timing>
 </p:sld>
 </file>
 
@@ -4481,38 +7230,244 @@
                 <a:latin typeface="Euclid Circular B" panose="020B0504000000000000" pitchFamily="34" charset="0"/>
                 <a:ea typeface="Euclid Circular B" panose="020B0504000000000000" pitchFamily="34" charset="0"/>
               </a:rPr>
-              <a:t>Topic title</a:t>
+              <a:t>Tag Helpers / Dynamic Forms</a:t>
             </a:r>
           </a:p>
         </p:txBody>
       </p:sp>
+      <p:pic>
+        <p:nvPicPr>
+          <p:cNvPr id="6" name="Picture 5">
+            <a:extLst>
+              <a:ext uri="{FF2B5EF4-FFF2-40B4-BE49-F238E27FC236}">
+                <a16:creationId xmlns:a16="http://schemas.microsoft.com/office/drawing/2014/main" id="{60C7B7ED-FCA8-9397-4C3B-1A15F8219AF2}"/>
+              </a:ext>
+            </a:extLst>
+          </p:cNvPr>
+          <p:cNvPicPr>
+            <a:picLocks noChangeAspect="1"/>
+          </p:cNvPicPr>
+          <p:nvPr/>
+        </p:nvPicPr>
+        <p:blipFill>
+          <a:blip r:embed="rId3"/>
+          <a:stretch>
+            <a:fillRect/>
+          </a:stretch>
+        </p:blipFill>
+        <p:spPr>
+          <a:xfrm>
+            <a:off x="838200" y="1691984"/>
+            <a:ext cx="5711531" cy="345940"/>
+          </a:xfrm>
+          <a:prstGeom prst="rect">
+            <a:avLst/>
+          </a:prstGeom>
+          <a:ln w="25400">
+            <a:solidFill>
+              <a:srgbClr val="C00000"/>
+            </a:solidFill>
+          </a:ln>
+        </p:spPr>
+      </p:pic>
+      <p:pic>
+        <p:nvPicPr>
+          <p:cNvPr id="7" name="Picture 6">
+            <a:extLst>
+              <a:ext uri="{FF2B5EF4-FFF2-40B4-BE49-F238E27FC236}">
+                <a16:creationId xmlns:a16="http://schemas.microsoft.com/office/drawing/2014/main" id="{6B51AE74-2F02-6DA9-0EDA-B6988F38FFAC}"/>
+              </a:ext>
+            </a:extLst>
+          </p:cNvPr>
+          <p:cNvPicPr>
+            <a:picLocks noChangeAspect="1"/>
+          </p:cNvPicPr>
+          <p:nvPr/>
+        </p:nvPicPr>
+        <p:blipFill>
+          <a:blip r:embed="rId4"/>
+          <a:stretch>
+            <a:fillRect/>
+          </a:stretch>
+        </p:blipFill>
+        <p:spPr>
+          <a:xfrm>
+            <a:off x="7730159" y="1499460"/>
+            <a:ext cx="3897391" cy="4643148"/>
+          </a:xfrm>
+          <a:prstGeom prst="rect">
+            <a:avLst/>
+          </a:prstGeom>
+          <a:ln w="3175">
+            <a:solidFill>
+              <a:schemeClr val="accent1"/>
+            </a:solidFill>
+          </a:ln>
+          <a:effectLst>
+            <a:outerShdw blurRad="50800" dist="38100" dir="2700000" algn="tl" rotWithShape="0">
+              <a:prstClr val="black">
+                <a:alpha val="40000"/>
+              </a:prstClr>
+            </a:outerShdw>
+          </a:effectLst>
+        </p:spPr>
+      </p:pic>
+      <p:cxnSp>
+        <p:nvCxnSpPr>
+          <p:cNvPr id="8" name="Connector: Elbow 7">
+            <a:extLst>
+              <a:ext uri="{FF2B5EF4-FFF2-40B4-BE49-F238E27FC236}">
+                <a16:creationId xmlns:a16="http://schemas.microsoft.com/office/drawing/2014/main" id="{EF70BAC9-4784-8D5E-A44B-6AF0611EEA6F}"/>
+              </a:ext>
+            </a:extLst>
+          </p:cNvPr>
+          <p:cNvCxnSpPr>
+            <a:cxnSpLocks/>
+            <a:stCxn id="9" idx="3"/>
+            <a:endCxn id="7" idx="1"/>
+          </p:cNvCxnSpPr>
+          <p:nvPr/>
+        </p:nvCxnSpPr>
+        <p:spPr>
+          <a:xfrm flipV="1">
+            <a:off x="4790704" y="3821034"/>
+            <a:ext cx="2939455" cy="297609"/>
+          </a:xfrm>
+          <a:prstGeom prst="bentConnector3">
+            <a:avLst>
+              <a:gd name="adj1" fmla="val 50000"/>
+            </a:avLst>
+          </a:prstGeom>
+          <a:ln w="63500">
+            <a:solidFill>
+              <a:schemeClr val="accent3"/>
+            </a:solidFill>
+            <a:headEnd type="none"/>
+            <a:tailEnd type="triangle"/>
+          </a:ln>
+        </p:spPr>
+        <p:style>
+          <a:lnRef idx="1">
+            <a:schemeClr val="accent1"/>
+          </a:lnRef>
+          <a:fillRef idx="0">
+            <a:schemeClr val="accent1"/>
+          </a:fillRef>
+          <a:effectRef idx="0">
+            <a:schemeClr val="accent1"/>
+          </a:effectRef>
+          <a:fontRef idx="minor">
+            <a:schemeClr val="tx1"/>
+          </a:fontRef>
+        </p:style>
+      </p:cxnSp>
+      <p:pic>
+        <p:nvPicPr>
+          <p:cNvPr id="9" name="Picture 8">
+            <a:extLst>
+              <a:ext uri="{FF2B5EF4-FFF2-40B4-BE49-F238E27FC236}">
+                <a16:creationId xmlns:a16="http://schemas.microsoft.com/office/drawing/2014/main" id="{7B4F7AC5-86DB-279D-DDFB-E0AE0C2A6158}"/>
+              </a:ext>
+            </a:extLst>
+          </p:cNvPr>
+          <p:cNvPicPr>
+            <a:picLocks noChangeAspect="1"/>
+          </p:cNvPicPr>
+          <p:nvPr/>
+        </p:nvPicPr>
+        <p:blipFill>
+          <a:blip r:embed="rId5"/>
+          <a:stretch>
+            <a:fillRect/>
+          </a:stretch>
+        </p:blipFill>
+        <p:spPr>
+          <a:xfrm>
+            <a:off x="1159331" y="2178052"/>
+            <a:ext cx="3631373" cy="3881182"/>
+          </a:xfrm>
+          <a:prstGeom prst="rect">
+            <a:avLst/>
+          </a:prstGeom>
+        </p:spPr>
+      </p:pic>
       <p:sp>
         <p:nvSpPr>
-          <p:cNvPr id="3" name="Content Placeholder 2">
-            <a:extLst>
-              <a:ext uri="{FF2B5EF4-FFF2-40B4-BE49-F238E27FC236}">
-                <a16:creationId xmlns:a16="http://schemas.microsoft.com/office/drawing/2014/main" id="{891C7693-D3DF-4635-96F4-97F3B4136FDF}"/>
-              </a:ext>
-            </a:extLst>
-          </p:cNvPr>
-          <p:cNvSpPr>
-            <a:spLocks noGrp="1"/>
-          </p:cNvSpPr>
-          <p:nvPr>
-            <p:ph idx="1"/>
-          </p:nvPr>
+          <p:cNvPr id="10" name="TextBox 9">
+            <a:extLst>
+              <a:ext uri="{FF2B5EF4-FFF2-40B4-BE49-F238E27FC236}">
+                <a16:creationId xmlns:a16="http://schemas.microsoft.com/office/drawing/2014/main" id="{0E4C66B8-FB37-2FC3-AB73-0EAF38608FFA}"/>
+              </a:ext>
+            </a:extLst>
+          </p:cNvPr>
+          <p:cNvSpPr txBox="1"/>
+          <p:nvPr/>
         </p:nvSpPr>
-        <p:spPr/>
+        <p:spPr>
+          <a:xfrm>
+            <a:off x="6215514" y="3734998"/>
+            <a:ext cx="2695073" cy="871008"/>
+          </a:xfrm>
+          <a:prstGeom prst="rect">
+            <a:avLst/>
+          </a:prstGeom>
+          <a:noFill/>
+        </p:spPr>
         <p:txBody>
-          <a:bodyPr/>
+          <a:bodyPr wrap="square" lIns="182880" tIns="146304" rIns="182880" bIns="146304" rtlCol="0">
+            <a:spAutoFit/>
+          </a:bodyPr>
           <a:lstStyle/>
           <a:p>
+            <a:pPr>
+              <a:lnSpc>
+                <a:spcPct val="90000"/>
+              </a:lnSpc>
+              <a:spcAft>
+                <a:spcPts val="600"/>
+              </a:spcAft>
+            </a:pPr>
             <a:r>
               <a:rPr lang="en-US" dirty="0">
-                <a:latin typeface="Euclid Circular B" panose="020B0504000000000000" pitchFamily="34" charset="0"/>
-                <a:ea typeface="Euclid Circular B" panose="020B0504000000000000" pitchFamily="34" charset="0"/>
+                <a:gradFill>
+                  <a:gsLst>
+                    <a:gs pos="2917">
+                      <a:schemeClr val="tx1"/>
+                    </a:gs>
+                    <a:gs pos="30000">
+                      <a:schemeClr val="tx1"/>
+                    </a:gs>
+                  </a:gsLst>
+                  <a:lin ang="5400000" scaled="0"/>
+                </a:gradFill>
               </a:rPr>
-              <a:t>Content</a:t>
+              <a:t>+Validation</a:t>
+            </a:r>
+          </a:p>
+          <a:p>
+            <a:pPr>
+              <a:lnSpc>
+                <a:spcPct val="90000"/>
+              </a:lnSpc>
+              <a:spcAft>
+                <a:spcPts val="600"/>
+              </a:spcAft>
+            </a:pPr>
+            <a:r>
+              <a:rPr lang="en-US" dirty="0">
+                <a:gradFill>
+                  <a:gsLst>
+                    <a:gs pos="2917">
+                      <a:schemeClr val="tx1"/>
+                    </a:gs>
+                    <a:gs pos="30000">
+                      <a:schemeClr val="tx1"/>
+                    </a:gs>
+                  </a:gsLst>
+                  <a:lin ang="5400000" scaled="0"/>
+                </a:gradFill>
+              </a:rPr>
+              <a:t>+Localization</a:t>
             </a:r>
           </a:p>
         </p:txBody>
@@ -4520,13 +7475,275 @@
     </p:spTree>
     <p:extLst>
       <p:ext uri="{BB962C8B-B14F-4D97-AF65-F5344CB8AC3E}">
-        <p14:creationId xmlns:p14="http://schemas.microsoft.com/office/powerpoint/2010/main" val="182170450"/>
+        <p14:creationId xmlns:p14="http://schemas.microsoft.com/office/powerpoint/2010/main" val="3319722409"/>
       </p:ext>
     </p:extLst>
   </p:cSld>
   <p:clrMapOvr>
     <a:masterClrMapping/>
   </p:clrMapOvr>
+  <p:timing>
+    <p:tnLst>
+      <p:par>
+        <p:cTn id="1" dur="indefinite" restart="never" nodeType="tmRoot">
+          <p:childTnLst>
+            <p:seq concurrent="1" nextAc="seek">
+              <p:cTn id="2" dur="indefinite" nodeType="mainSeq">
+                <p:childTnLst>
+                  <p:par>
+                    <p:cTn id="3" fill="hold">
+                      <p:stCondLst>
+                        <p:cond delay="indefinite"/>
+                      </p:stCondLst>
+                      <p:childTnLst>
+                        <p:par>
+                          <p:cTn id="4" fill="hold">
+                            <p:stCondLst>
+                              <p:cond delay="0"/>
+                            </p:stCondLst>
+                            <p:childTnLst>
+                              <p:par>
+                                <p:cTn id="5" presetID="10" presetClass="entr" presetSubtype="0" fill="hold" nodeType="clickEffect">
+                                  <p:stCondLst>
+                                    <p:cond delay="0"/>
+                                  </p:stCondLst>
+                                  <p:childTnLst>
+                                    <p:set>
+                                      <p:cBhvr>
+                                        <p:cTn id="6" dur="1" fill="hold">
+                                          <p:stCondLst>
+                                            <p:cond delay="0"/>
+                                          </p:stCondLst>
+                                        </p:cTn>
+                                        <p:tgtEl>
+                                          <p:spTgt spid="6"/>
+                                        </p:tgtEl>
+                                        <p:attrNameLst>
+                                          <p:attrName>style.visibility</p:attrName>
+                                        </p:attrNameLst>
+                                      </p:cBhvr>
+                                      <p:to>
+                                        <p:strVal val="visible"/>
+                                      </p:to>
+                                    </p:set>
+                                    <p:animEffect transition="in" filter="fade">
+                                      <p:cBhvr>
+                                        <p:cTn id="7" dur="500"/>
+                                        <p:tgtEl>
+                                          <p:spTgt spid="6"/>
+                                        </p:tgtEl>
+                                      </p:cBhvr>
+                                    </p:animEffect>
+                                  </p:childTnLst>
+                                </p:cTn>
+                              </p:par>
+                            </p:childTnLst>
+                          </p:cTn>
+                        </p:par>
+                      </p:childTnLst>
+                    </p:cTn>
+                  </p:par>
+                  <p:par>
+                    <p:cTn id="8" fill="hold">
+                      <p:stCondLst>
+                        <p:cond delay="indefinite"/>
+                      </p:stCondLst>
+                      <p:childTnLst>
+                        <p:par>
+                          <p:cTn id="9" fill="hold">
+                            <p:stCondLst>
+                              <p:cond delay="0"/>
+                            </p:stCondLst>
+                            <p:childTnLst>
+                              <p:par>
+                                <p:cTn id="10" presetID="10" presetClass="entr" presetSubtype="0" fill="hold" nodeType="clickEffect">
+                                  <p:stCondLst>
+                                    <p:cond delay="0"/>
+                                  </p:stCondLst>
+                                  <p:childTnLst>
+                                    <p:set>
+                                      <p:cBhvr>
+                                        <p:cTn id="11" dur="1" fill="hold">
+                                          <p:stCondLst>
+                                            <p:cond delay="0"/>
+                                          </p:stCondLst>
+                                        </p:cTn>
+                                        <p:tgtEl>
+                                          <p:spTgt spid="9"/>
+                                        </p:tgtEl>
+                                        <p:attrNameLst>
+                                          <p:attrName>style.visibility</p:attrName>
+                                        </p:attrNameLst>
+                                      </p:cBhvr>
+                                      <p:to>
+                                        <p:strVal val="visible"/>
+                                      </p:to>
+                                    </p:set>
+                                    <p:animEffect transition="in" filter="fade">
+                                      <p:cBhvr>
+                                        <p:cTn id="12" dur="500"/>
+                                        <p:tgtEl>
+                                          <p:spTgt spid="9"/>
+                                        </p:tgtEl>
+                                      </p:cBhvr>
+                                    </p:animEffect>
+                                  </p:childTnLst>
+                                </p:cTn>
+                              </p:par>
+                            </p:childTnLst>
+                          </p:cTn>
+                        </p:par>
+                      </p:childTnLst>
+                    </p:cTn>
+                  </p:par>
+                  <p:par>
+                    <p:cTn id="13" fill="hold">
+                      <p:stCondLst>
+                        <p:cond delay="indefinite"/>
+                      </p:stCondLst>
+                      <p:childTnLst>
+                        <p:par>
+                          <p:cTn id="14" fill="hold">
+                            <p:stCondLst>
+                              <p:cond delay="0"/>
+                            </p:stCondLst>
+                            <p:childTnLst>
+                              <p:par>
+                                <p:cTn id="15" presetID="10" presetClass="entr" presetSubtype="0" fill="hold" nodeType="clickEffect">
+                                  <p:stCondLst>
+                                    <p:cond delay="0"/>
+                                  </p:stCondLst>
+                                  <p:childTnLst>
+                                    <p:set>
+                                      <p:cBhvr>
+                                        <p:cTn id="16" dur="1" fill="hold">
+                                          <p:stCondLst>
+                                            <p:cond delay="0"/>
+                                          </p:stCondLst>
+                                        </p:cTn>
+                                        <p:tgtEl>
+                                          <p:spTgt spid="7"/>
+                                        </p:tgtEl>
+                                        <p:attrNameLst>
+                                          <p:attrName>style.visibility</p:attrName>
+                                        </p:attrNameLst>
+                                      </p:cBhvr>
+                                      <p:to>
+                                        <p:strVal val="visible"/>
+                                      </p:to>
+                                    </p:set>
+                                    <p:animEffect transition="in" filter="fade">
+                                      <p:cBhvr>
+                                        <p:cTn id="17" dur="500"/>
+                                        <p:tgtEl>
+                                          <p:spTgt spid="7"/>
+                                        </p:tgtEl>
+                                      </p:cBhvr>
+                                    </p:animEffect>
+                                  </p:childTnLst>
+                                </p:cTn>
+                              </p:par>
+                              <p:par>
+                                <p:cTn id="18" presetID="10" presetClass="entr" presetSubtype="0" fill="hold" nodeType="withEffect">
+                                  <p:stCondLst>
+                                    <p:cond delay="0"/>
+                                  </p:stCondLst>
+                                  <p:childTnLst>
+                                    <p:set>
+                                      <p:cBhvr>
+                                        <p:cTn id="19" dur="1" fill="hold">
+                                          <p:stCondLst>
+                                            <p:cond delay="0"/>
+                                          </p:stCondLst>
+                                        </p:cTn>
+                                        <p:tgtEl>
+                                          <p:spTgt spid="8"/>
+                                        </p:tgtEl>
+                                        <p:attrNameLst>
+                                          <p:attrName>style.visibility</p:attrName>
+                                        </p:attrNameLst>
+                                      </p:cBhvr>
+                                      <p:to>
+                                        <p:strVal val="visible"/>
+                                      </p:to>
+                                    </p:set>
+                                    <p:animEffect transition="in" filter="fade">
+                                      <p:cBhvr>
+                                        <p:cTn id="20" dur="500"/>
+                                        <p:tgtEl>
+                                          <p:spTgt spid="8"/>
+                                        </p:tgtEl>
+                                      </p:cBhvr>
+                                    </p:animEffect>
+                                  </p:childTnLst>
+                                </p:cTn>
+                              </p:par>
+                              <p:par>
+                                <p:cTn id="21" presetID="10" presetClass="entr" presetSubtype="0" fill="hold" grpId="0" nodeType="withEffect">
+                                  <p:stCondLst>
+                                    <p:cond delay="0"/>
+                                  </p:stCondLst>
+                                  <p:childTnLst>
+                                    <p:set>
+                                      <p:cBhvr>
+                                        <p:cTn id="22" dur="1" fill="hold">
+                                          <p:stCondLst>
+                                            <p:cond delay="0"/>
+                                          </p:stCondLst>
+                                        </p:cTn>
+                                        <p:tgtEl>
+                                          <p:spTgt spid="10"/>
+                                        </p:tgtEl>
+                                        <p:attrNameLst>
+                                          <p:attrName>style.visibility</p:attrName>
+                                        </p:attrNameLst>
+                                      </p:cBhvr>
+                                      <p:to>
+                                        <p:strVal val="visible"/>
+                                      </p:to>
+                                    </p:set>
+                                    <p:animEffect transition="in" filter="fade">
+                                      <p:cBhvr>
+                                        <p:cTn id="23" dur="500"/>
+                                        <p:tgtEl>
+                                          <p:spTgt spid="10"/>
+                                        </p:tgtEl>
+                                      </p:cBhvr>
+                                    </p:animEffect>
+                                  </p:childTnLst>
+                                </p:cTn>
+                              </p:par>
+                            </p:childTnLst>
+                          </p:cTn>
+                        </p:par>
+                      </p:childTnLst>
+                    </p:cTn>
+                  </p:par>
+                </p:childTnLst>
+              </p:cTn>
+              <p:prevCondLst>
+                <p:cond evt="onPrev" delay="0">
+                  <p:tgtEl>
+                    <p:sldTgt/>
+                  </p:tgtEl>
+                </p:cond>
+              </p:prevCondLst>
+              <p:nextCondLst>
+                <p:cond evt="onNext" delay="0">
+                  <p:tgtEl>
+                    <p:sldTgt/>
+                  </p:tgtEl>
+                </p:cond>
+              </p:nextCondLst>
+            </p:seq>
+          </p:childTnLst>
+        </p:cTn>
+      </p:par>
+    </p:tnLst>
+    <p:bldLst>
+      <p:bldP spid="10" grpId="0"/>
+    </p:bldLst>
+  </p:timing>
 </p:sld>
 </file>
 
@@ -4590,46 +7807,45 @@
                 <a:latin typeface="Euclid Circular B" panose="020B0504000000000000" pitchFamily="34" charset="0"/>
                 <a:ea typeface="Euclid Circular B" panose="020B0504000000000000" pitchFamily="34" charset="0"/>
               </a:rPr>
-              <a:t>Topic title</a:t>
+              <a:t>UI Theming</a:t>
             </a:r>
           </a:p>
         </p:txBody>
       </p:sp>
-      <p:sp>
-        <p:nvSpPr>
-          <p:cNvPr id="3" name="Content Placeholder 2">
-            <a:extLst>
-              <a:ext uri="{FF2B5EF4-FFF2-40B4-BE49-F238E27FC236}">
-                <a16:creationId xmlns:a16="http://schemas.microsoft.com/office/drawing/2014/main" id="{891C7693-D3DF-4635-96F4-97F3B4136FDF}"/>
-              </a:ext>
-            </a:extLst>
-          </p:cNvPr>
-          <p:cNvSpPr>
-            <a:spLocks noGrp="1"/>
-          </p:cNvSpPr>
-          <p:nvPr>
-            <p:ph idx="1"/>
-          </p:nvPr>
-        </p:nvSpPr>
-        <p:spPr/>
-        <p:txBody>
-          <a:bodyPr/>
-          <a:lstStyle/>
-          <a:p>
-            <a:r>
-              <a:rPr lang="en-US" dirty="0">
-                <a:latin typeface="Euclid Circular B" panose="020B0504000000000000" pitchFamily="34" charset="0"/>
-                <a:ea typeface="Euclid Circular B" panose="020B0504000000000000" pitchFamily="34" charset="0"/>
-              </a:rPr>
-              <a:t>Content</a:t>
-            </a:r>
-          </a:p>
-        </p:txBody>
-      </p:sp>
+      <p:pic>
+        <p:nvPicPr>
+          <p:cNvPr id="7" name="Picture 6">
+            <a:extLst>
+              <a:ext uri="{FF2B5EF4-FFF2-40B4-BE49-F238E27FC236}">
+                <a16:creationId xmlns:a16="http://schemas.microsoft.com/office/drawing/2014/main" id="{92911D15-FFCC-D8AF-935E-2C07671E5850}"/>
+              </a:ext>
+            </a:extLst>
+          </p:cNvPr>
+          <p:cNvPicPr>
+            <a:picLocks noChangeAspect="1"/>
+          </p:cNvPicPr>
+          <p:nvPr/>
+        </p:nvPicPr>
+        <p:blipFill>
+          <a:blip r:embed="rId3"/>
+          <a:stretch>
+            <a:fillRect/>
+          </a:stretch>
+        </p:blipFill>
+        <p:spPr>
+          <a:xfrm>
+            <a:off x="964948" y="1509619"/>
+            <a:ext cx="7845680" cy="4740592"/>
+          </a:xfrm>
+          <a:prstGeom prst="rect">
+            <a:avLst/>
+          </a:prstGeom>
+        </p:spPr>
+      </p:pic>
     </p:spTree>
     <p:extLst>
       <p:ext uri="{BB962C8B-B14F-4D97-AF65-F5344CB8AC3E}">
-        <p14:creationId xmlns:p14="http://schemas.microsoft.com/office/powerpoint/2010/main" val="3319722409"/>
+        <p14:creationId xmlns:p14="http://schemas.microsoft.com/office/powerpoint/2010/main" val="3722396271"/>
       </p:ext>
     </p:extLst>
   </p:cSld>
@@ -4699,52 +7915,251 @@
                 <a:latin typeface="Euclid Circular B" panose="020B0504000000000000" pitchFamily="34" charset="0"/>
                 <a:ea typeface="Euclid Circular B" panose="020B0504000000000000" pitchFamily="34" charset="0"/>
               </a:rPr>
-              <a:t>Topic title</a:t>
+              <a:t>UI / Database Options</a:t>
             </a:r>
           </a:p>
         </p:txBody>
       </p:sp>
-      <p:sp>
-        <p:nvSpPr>
-          <p:cNvPr id="3" name="Content Placeholder 2">
-            <a:extLst>
-              <a:ext uri="{FF2B5EF4-FFF2-40B4-BE49-F238E27FC236}">
-                <a16:creationId xmlns:a16="http://schemas.microsoft.com/office/drawing/2014/main" id="{891C7693-D3DF-4635-96F4-97F3B4136FDF}"/>
-              </a:ext>
-            </a:extLst>
-          </p:cNvPr>
-          <p:cNvSpPr>
-            <a:spLocks noGrp="1"/>
-          </p:cNvSpPr>
-          <p:nvPr>
-            <p:ph idx="1"/>
-          </p:nvPr>
-        </p:nvSpPr>
-        <p:spPr/>
-        <p:txBody>
-          <a:bodyPr/>
-          <a:lstStyle/>
-          <a:p>
-            <a:r>
-              <a:rPr lang="en-US" dirty="0">
-                <a:latin typeface="Euclid Circular B" panose="020B0504000000000000" pitchFamily="34" charset="0"/>
-                <a:ea typeface="Euclid Circular B" panose="020B0504000000000000" pitchFamily="34" charset="0"/>
-              </a:rPr>
-              <a:t>Content</a:t>
-            </a:r>
-          </a:p>
-        </p:txBody>
-      </p:sp>
+      <p:pic>
+        <p:nvPicPr>
+          <p:cNvPr id="4" name="Picture 2">
+            <a:extLst>
+              <a:ext uri="{FF2B5EF4-FFF2-40B4-BE49-F238E27FC236}">
+                <a16:creationId xmlns:a16="http://schemas.microsoft.com/office/drawing/2014/main" id="{42ABF918-1B7F-F674-38A0-BBBBDAF79E83}"/>
+              </a:ext>
+            </a:extLst>
+          </p:cNvPr>
+          <p:cNvPicPr>
+            <a:picLocks noChangeAspect="1" noChangeArrowheads="1"/>
+          </p:cNvPicPr>
+          <p:nvPr/>
+        </p:nvPicPr>
+        <p:blipFill>
+          <a:blip r:embed="rId3">
+            <a:extLst>
+              <a:ext uri="{28A0092B-C50C-407E-A947-70E740481C1C}">
+                <a14:useLocalDpi xmlns:a14="http://schemas.microsoft.com/office/drawing/2010/main" val="0"/>
+              </a:ext>
+            </a:extLst>
+          </a:blip>
+          <a:srcRect/>
+          <a:stretch>
+            <a:fillRect/>
+          </a:stretch>
+        </p:blipFill>
+        <p:spPr bwMode="auto">
+          <a:xfrm>
+            <a:off x="838200" y="2651630"/>
+            <a:ext cx="7677150" cy="838200"/>
+          </a:xfrm>
+          <a:prstGeom prst="rect">
+            <a:avLst/>
+          </a:prstGeom>
+          <a:noFill/>
+          <a:extLst>
+            <a:ext uri="{909E8E84-426E-40DD-AFC4-6F175D3DCCD1}">
+              <a14:hiddenFill xmlns:a14="http://schemas.microsoft.com/office/drawing/2010/main">
+                <a:solidFill>
+                  <a:srgbClr val="FFFFFF"/>
+                </a:solidFill>
+              </a14:hiddenFill>
+            </a:ext>
+          </a:extLst>
+        </p:spPr>
+      </p:pic>
+      <p:pic>
+        <p:nvPicPr>
+          <p:cNvPr id="5" name="Picture 4">
+            <a:extLst>
+              <a:ext uri="{FF2B5EF4-FFF2-40B4-BE49-F238E27FC236}">
+                <a16:creationId xmlns:a16="http://schemas.microsoft.com/office/drawing/2014/main" id="{2A7B0B24-7DD8-690B-AC93-4DAD0F57E06E}"/>
+              </a:ext>
+            </a:extLst>
+          </p:cNvPr>
+          <p:cNvPicPr>
+            <a:picLocks noChangeAspect="1" noChangeArrowheads="1"/>
+          </p:cNvPicPr>
+          <p:nvPr/>
+        </p:nvPicPr>
+        <p:blipFill>
+          <a:blip r:embed="rId4">
+            <a:extLst>
+              <a:ext uri="{28A0092B-C50C-407E-A947-70E740481C1C}">
+                <a14:useLocalDpi xmlns:a14="http://schemas.microsoft.com/office/drawing/2010/main" val="0"/>
+              </a:ext>
+            </a:extLst>
+          </a:blip>
+          <a:srcRect/>
+          <a:stretch>
+            <a:fillRect/>
+          </a:stretch>
+        </p:blipFill>
+        <p:spPr bwMode="auto">
+          <a:xfrm>
+            <a:off x="3305753" y="4206009"/>
+            <a:ext cx="7677150" cy="838200"/>
+          </a:xfrm>
+          <a:prstGeom prst="rect">
+            <a:avLst/>
+          </a:prstGeom>
+          <a:noFill/>
+          <a:extLst>
+            <a:ext uri="{909E8E84-426E-40DD-AFC4-6F175D3DCCD1}">
+              <a14:hiddenFill xmlns:a14="http://schemas.microsoft.com/office/drawing/2010/main">
+                <a:solidFill>
+                  <a:srgbClr val="FFFFFF"/>
+                </a:solidFill>
+              </a14:hiddenFill>
+            </a:ext>
+          </a:extLst>
+        </p:spPr>
+      </p:pic>
     </p:spTree>
     <p:extLst>
       <p:ext uri="{BB962C8B-B14F-4D97-AF65-F5344CB8AC3E}">
-        <p14:creationId xmlns:p14="http://schemas.microsoft.com/office/powerpoint/2010/main" val="3722396271"/>
+        <p14:creationId xmlns:p14="http://schemas.microsoft.com/office/powerpoint/2010/main" val="3375947038"/>
       </p:ext>
     </p:extLst>
   </p:cSld>
   <p:clrMapOvr>
     <a:masterClrMapping/>
   </p:clrMapOvr>
+  <p:timing>
+    <p:tnLst>
+      <p:par>
+        <p:cTn id="1" dur="indefinite" restart="never" nodeType="tmRoot">
+          <p:childTnLst>
+            <p:seq concurrent="1" nextAc="seek">
+              <p:cTn id="2" dur="indefinite" nodeType="mainSeq">
+                <p:childTnLst>
+                  <p:par>
+                    <p:cTn id="3" fill="hold">
+                      <p:stCondLst>
+                        <p:cond delay="indefinite"/>
+                      </p:stCondLst>
+                      <p:childTnLst>
+                        <p:par>
+                          <p:cTn id="4" fill="hold">
+                            <p:stCondLst>
+                              <p:cond delay="0"/>
+                            </p:stCondLst>
+                            <p:childTnLst>
+                              <p:par>
+                                <p:cTn id="5" presetID="10" presetClass="entr" presetSubtype="0" fill="hold" nodeType="clickEffect">
+                                  <p:stCondLst>
+                                    <p:cond delay="0"/>
+                                  </p:stCondLst>
+                                  <p:childTnLst>
+                                    <p:set>
+                                      <p:cBhvr>
+                                        <p:cTn id="6" dur="1" fill="hold">
+                                          <p:stCondLst>
+                                            <p:cond delay="0"/>
+                                          </p:stCondLst>
+                                        </p:cTn>
+                                        <p:tgtEl>
+                                          <p:spTgt spid="4"/>
+                                        </p:tgtEl>
+                                        <p:attrNameLst>
+                                          <p:attrName>style.visibility</p:attrName>
+                                        </p:attrNameLst>
+                                      </p:cBhvr>
+                                      <p:to>
+                                        <p:strVal val="visible"/>
+                                      </p:to>
+                                    </p:set>
+                                    <p:animEffect transition="in" filter="fade">
+                                      <p:cBhvr>
+                                        <p:cTn id="7" dur="500"/>
+                                        <p:tgtEl>
+                                          <p:spTgt spid="4"/>
+                                        </p:tgtEl>
+                                      </p:cBhvr>
+                                    </p:animEffect>
+                                  </p:childTnLst>
+                                </p:cTn>
+                              </p:par>
+                            </p:childTnLst>
+                          </p:cTn>
+                        </p:par>
+                      </p:childTnLst>
+                    </p:cTn>
+                  </p:par>
+                  <p:par>
+                    <p:cTn id="8" fill="hold">
+                      <p:stCondLst>
+                        <p:cond delay="indefinite"/>
+                      </p:stCondLst>
+                      <p:childTnLst>
+                        <p:par>
+                          <p:cTn id="9" fill="hold">
+                            <p:stCondLst>
+                              <p:cond delay="0"/>
+                            </p:stCondLst>
+                            <p:childTnLst>
+                              <p:par>
+                                <p:cTn id="10" presetID="10" presetClass="entr" presetSubtype="0" fill="hold" nodeType="clickEffect">
+                                  <p:stCondLst>
+                                    <p:cond delay="0"/>
+                                  </p:stCondLst>
+                                  <p:childTnLst>
+                                    <p:set>
+                                      <p:cBhvr>
+                                        <p:cTn id="11" dur="1" fill="hold">
+                                          <p:stCondLst>
+                                            <p:cond delay="0"/>
+                                          </p:stCondLst>
+                                        </p:cTn>
+                                        <p:tgtEl>
+                                          <p:spTgt spid="5"/>
+                                        </p:tgtEl>
+                                        <p:attrNameLst>
+                                          <p:attrName>style.visibility</p:attrName>
+                                        </p:attrNameLst>
+                                      </p:cBhvr>
+                                      <p:to>
+                                        <p:strVal val="visible"/>
+                                      </p:to>
+                                    </p:set>
+                                    <p:animEffect transition="in" filter="fade">
+                                      <p:cBhvr>
+                                        <p:cTn id="12" dur="500"/>
+                                        <p:tgtEl>
+                                          <p:spTgt spid="5"/>
+                                        </p:tgtEl>
+                                      </p:cBhvr>
+                                    </p:animEffect>
+                                  </p:childTnLst>
+                                </p:cTn>
+                              </p:par>
+                            </p:childTnLst>
+                          </p:cTn>
+                        </p:par>
+                      </p:childTnLst>
+                    </p:cTn>
+                  </p:par>
+                </p:childTnLst>
+              </p:cTn>
+              <p:prevCondLst>
+                <p:cond evt="onPrev" delay="0">
+                  <p:tgtEl>
+                    <p:sldTgt/>
+                  </p:tgtEl>
+                </p:cond>
+              </p:prevCondLst>
+              <p:nextCondLst>
+                <p:cond evt="onNext" delay="0">
+                  <p:tgtEl>
+                    <p:sldTgt/>
+                  </p:tgtEl>
+                </p:cond>
+              </p:nextCondLst>
+            </p:seq>
+          </p:childTnLst>
+        </p:cTn>
+      </p:par>
+    </p:tnLst>
+  </p:timing>
 </p:sld>
 </file>
 
@@ -4808,6 +8223,455 @@
                 <a:latin typeface="Euclid Circular B" panose="020B0504000000000000" pitchFamily="34" charset="0"/>
                 <a:ea typeface="Euclid Circular B" panose="020B0504000000000000" pitchFamily="34" charset="0"/>
               </a:rPr>
+              <a:t>ABP Books</a:t>
+            </a:r>
+          </a:p>
+        </p:txBody>
+      </p:sp>
+      <p:pic>
+        <p:nvPicPr>
+          <p:cNvPr id="4" name="Picture 3">
+            <a:extLst>
+              <a:ext uri="{FF2B5EF4-FFF2-40B4-BE49-F238E27FC236}">
+                <a16:creationId xmlns:a16="http://schemas.microsoft.com/office/drawing/2014/main" id="{A09FC487-94EC-1CAA-4252-4436BCDE3462}"/>
+              </a:ext>
+            </a:extLst>
+          </p:cNvPr>
+          <p:cNvPicPr>
+            <a:picLocks noChangeAspect="1"/>
+          </p:cNvPicPr>
+          <p:nvPr/>
+        </p:nvPicPr>
+        <p:blipFill>
+          <a:blip r:embed="rId3"/>
+          <a:stretch>
+            <a:fillRect/>
+          </a:stretch>
+        </p:blipFill>
+        <p:spPr>
+          <a:xfrm>
+            <a:off x="838200" y="1402283"/>
+            <a:ext cx="8156361" cy="4053434"/>
+          </a:xfrm>
+          <a:prstGeom prst="rect">
+            <a:avLst/>
+          </a:prstGeom>
+        </p:spPr>
+      </p:pic>
+      <p:sp>
+        <p:nvSpPr>
+          <p:cNvPr id="7" name="TextBox 6">
+            <a:extLst>
+              <a:ext uri="{FF2B5EF4-FFF2-40B4-BE49-F238E27FC236}">
+                <a16:creationId xmlns:a16="http://schemas.microsoft.com/office/drawing/2014/main" id="{0ED15BD4-4A59-7F54-790A-71B0FBB4875B}"/>
+              </a:ext>
+            </a:extLst>
+          </p:cNvPr>
+          <p:cNvSpPr txBox="1"/>
+          <p:nvPr/>
+        </p:nvSpPr>
+        <p:spPr>
+          <a:xfrm>
+            <a:off x="838200" y="5455717"/>
+            <a:ext cx="8077981" cy="830997"/>
+          </a:xfrm>
+          <a:prstGeom prst="rect">
+            <a:avLst/>
+          </a:prstGeom>
+          <a:noFill/>
+        </p:spPr>
+        <p:txBody>
+          <a:bodyPr wrap="none" rtlCol="0">
+            <a:spAutoFit/>
+          </a:bodyPr>
+          <a:lstStyle/>
+          <a:p>
+            <a:r>
+              <a:rPr lang="en-US" sz="2400" u="sng" dirty="0"/>
+              <a:t>Coming soon</a:t>
+            </a:r>
+            <a:br>
+              <a:rPr lang="en-US" sz="2400" u="sng" dirty="0"/>
+            </a:br>
+            <a:r>
+              <a:rPr lang="en-US" sz="2400" b="1" dirty="0">
+                <a:solidFill>
+                  <a:srgbClr val="0070C0"/>
+                </a:solidFill>
+              </a:rPr>
+              <a:t>Microservice Development with .NET and the ABP Framework</a:t>
+            </a:r>
+          </a:p>
+        </p:txBody>
+      </p:sp>
+    </p:spTree>
+    <p:extLst>
+      <p:ext uri="{BB962C8B-B14F-4D97-AF65-F5344CB8AC3E}">
+        <p14:creationId xmlns:p14="http://schemas.microsoft.com/office/powerpoint/2010/main" val="3825055606"/>
+      </p:ext>
+    </p:extLst>
+  </p:cSld>
+  <p:clrMapOvr>
+    <a:masterClrMapping/>
+  </p:clrMapOvr>
+  <p:timing>
+    <p:tnLst>
+      <p:par>
+        <p:cTn id="1" dur="indefinite" restart="never" nodeType="tmRoot">
+          <p:childTnLst>
+            <p:seq concurrent="1" nextAc="seek">
+              <p:cTn id="2" dur="indefinite" nodeType="mainSeq">
+                <p:childTnLst>
+                  <p:par>
+                    <p:cTn id="3" fill="hold">
+                      <p:stCondLst>
+                        <p:cond delay="indefinite"/>
+                      </p:stCondLst>
+                      <p:childTnLst>
+                        <p:par>
+                          <p:cTn id="4" fill="hold">
+                            <p:stCondLst>
+                              <p:cond delay="0"/>
+                            </p:stCondLst>
+                            <p:childTnLst>
+                              <p:par>
+                                <p:cTn id="5" presetID="10" presetClass="entr" presetSubtype="0" fill="hold" nodeType="clickEffect">
+                                  <p:stCondLst>
+                                    <p:cond delay="0"/>
+                                  </p:stCondLst>
+                                  <p:childTnLst>
+                                    <p:set>
+                                      <p:cBhvr>
+                                        <p:cTn id="6" dur="1" fill="hold">
+                                          <p:stCondLst>
+                                            <p:cond delay="0"/>
+                                          </p:stCondLst>
+                                        </p:cTn>
+                                        <p:tgtEl>
+                                          <p:spTgt spid="4"/>
+                                        </p:tgtEl>
+                                        <p:attrNameLst>
+                                          <p:attrName>style.visibility</p:attrName>
+                                        </p:attrNameLst>
+                                      </p:cBhvr>
+                                      <p:to>
+                                        <p:strVal val="visible"/>
+                                      </p:to>
+                                    </p:set>
+                                    <p:animEffect transition="in" filter="fade">
+                                      <p:cBhvr>
+                                        <p:cTn id="7" dur="500"/>
+                                        <p:tgtEl>
+                                          <p:spTgt spid="4"/>
+                                        </p:tgtEl>
+                                      </p:cBhvr>
+                                    </p:animEffect>
+                                  </p:childTnLst>
+                                </p:cTn>
+                              </p:par>
+                            </p:childTnLst>
+                          </p:cTn>
+                        </p:par>
+                      </p:childTnLst>
+                    </p:cTn>
+                  </p:par>
+                  <p:par>
+                    <p:cTn id="8" fill="hold">
+                      <p:stCondLst>
+                        <p:cond delay="indefinite"/>
+                      </p:stCondLst>
+                      <p:childTnLst>
+                        <p:par>
+                          <p:cTn id="9" fill="hold">
+                            <p:stCondLst>
+                              <p:cond delay="0"/>
+                            </p:stCondLst>
+                            <p:childTnLst>
+                              <p:par>
+                                <p:cTn id="10" presetID="10" presetClass="entr" presetSubtype="0" fill="hold" grpId="0" nodeType="clickEffect">
+                                  <p:stCondLst>
+                                    <p:cond delay="0"/>
+                                  </p:stCondLst>
+                                  <p:childTnLst>
+                                    <p:set>
+                                      <p:cBhvr>
+                                        <p:cTn id="11" dur="1" fill="hold">
+                                          <p:stCondLst>
+                                            <p:cond delay="0"/>
+                                          </p:stCondLst>
+                                        </p:cTn>
+                                        <p:tgtEl>
+                                          <p:spTgt spid="7"/>
+                                        </p:tgtEl>
+                                        <p:attrNameLst>
+                                          <p:attrName>style.visibility</p:attrName>
+                                        </p:attrNameLst>
+                                      </p:cBhvr>
+                                      <p:to>
+                                        <p:strVal val="visible"/>
+                                      </p:to>
+                                    </p:set>
+                                    <p:animEffect transition="in" filter="fade">
+                                      <p:cBhvr>
+                                        <p:cTn id="12" dur="500"/>
+                                        <p:tgtEl>
+                                          <p:spTgt spid="7"/>
+                                        </p:tgtEl>
+                                      </p:cBhvr>
+                                    </p:animEffect>
+                                  </p:childTnLst>
+                                </p:cTn>
+                              </p:par>
+                            </p:childTnLst>
+                          </p:cTn>
+                        </p:par>
+                      </p:childTnLst>
+                    </p:cTn>
+                  </p:par>
+                </p:childTnLst>
+              </p:cTn>
+              <p:prevCondLst>
+                <p:cond evt="onPrev" delay="0">
+                  <p:tgtEl>
+                    <p:sldTgt/>
+                  </p:tgtEl>
+                </p:cond>
+              </p:prevCondLst>
+              <p:nextCondLst>
+                <p:cond evt="onNext" delay="0">
+                  <p:tgtEl>
+                    <p:sldTgt/>
+                  </p:tgtEl>
+                </p:cond>
+              </p:nextCondLst>
+            </p:seq>
+          </p:childTnLst>
+        </p:cTn>
+      </p:par>
+    </p:tnLst>
+    <p:bldLst>
+      <p:bldP spid="7" grpId="0"/>
+    </p:bldLst>
+  </p:timing>
+</p:sld>
+</file>
+
+<file path=ppt/slides/slide17.xml><?xml version="1.0" encoding="utf-8"?>
+<p:sld xmlns:a="http://schemas.openxmlformats.org/drawingml/2006/main" xmlns:r="http://schemas.openxmlformats.org/officeDocument/2006/relationships" xmlns:p="http://schemas.openxmlformats.org/presentationml/2006/main">
+  <p:cSld>
+    <p:bg>
+      <p:bgPr>
+        <a:blipFill dpi="0" rotWithShape="1">
+          <a:blip r:embed="rId2">
+            <a:lum/>
+          </a:blip>
+          <a:srcRect/>
+          <a:stretch>
+            <a:fillRect/>
+          </a:stretch>
+        </a:blipFill>
+        <a:effectLst/>
+      </p:bgPr>
+    </p:bg>
+    <p:spTree>
+      <p:nvGrpSpPr>
+        <p:cNvPr id="1" name=""/>
+        <p:cNvGrpSpPr/>
+        <p:nvPr/>
+      </p:nvGrpSpPr>
+      <p:grpSpPr>
+        <a:xfrm>
+          <a:off x="0" y="0"/>
+          <a:ext cx="0" cy="0"/>
+          <a:chOff x="0" y="0"/>
+          <a:chExt cx="0" cy="0"/>
+        </a:xfrm>
+      </p:grpSpPr>
+      <p:sp>
+        <p:nvSpPr>
+          <p:cNvPr id="2" name="Title 1">
+            <a:extLst>
+              <a:ext uri="{FF2B5EF4-FFF2-40B4-BE49-F238E27FC236}">
+                <a16:creationId xmlns:a16="http://schemas.microsoft.com/office/drawing/2014/main" id="{55E11F08-6CA0-48F1-AD67-97430DDA07F0}"/>
+              </a:ext>
+            </a:extLst>
+          </p:cNvPr>
+          <p:cNvSpPr>
+            <a:spLocks noGrp="1"/>
+          </p:cNvSpPr>
+          <p:nvPr>
+            <p:ph type="title"/>
+          </p:nvPr>
+        </p:nvSpPr>
+        <p:spPr/>
+        <p:txBody>
+          <a:bodyPr/>
+          <a:lstStyle/>
+          <a:p>
+            <a:r>
+              <a:rPr lang="en-US" b="1" dirty="0">
+                <a:solidFill>
+                  <a:srgbClr val="292D33"/>
+                </a:solidFill>
+                <a:latin typeface="Euclid Circular B" panose="020B0504000000000000" pitchFamily="34" charset="0"/>
+                <a:ea typeface="Euclid Circular B" panose="020B0504000000000000" pitchFamily="34" charset="0"/>
+              </a:rPr>
+              <a:t>ABP in Action!</a:t>
+            </a:r>
+          </a:p>
+        </p:txBody>
+      </p:sp>
+      <p:sp>
+        <p:nvSpPr>
+          <p:cNvPr id="3" name="Content Placeholder 2">
+            <a:extLst>
+              <a:ext uri="{FF2B5EF4-FFF2-40B4-BE49-F238E27FC236}">
+                <a16:creationId xmlns:a16="http://schemas.microsoft.com/office/drawing/2014/main" id="{891C7693-D3DF-4635-96F4-97F3B4136FDF}"/>
+              </a:ext>
+            </a:extLst>
+          </p:cNvPr>
+          <p:cNvSpPr>
+            <a:spLocks noGrp="1"/>
+          </p:cNvSpPr>
+          <p:nvPr>
+            <p:ph idx="1"/>
+          </p:nvPr>
+        </p:nvSpPr>
+        <p:spPr>
+          <a:xfrm>
+            <a:off x="838200" y="2390115"/>
+            <a:ext cx="10515600" cy="3786848"/>
+          </a:xfrm>
+        </p:spPr>
+        <p:txBody>
+          <a:bodyPr>
+            <a:normAutofit/>
+          </a:bodyPr>
+          <a:lstStyle/>
+          <a:p>
+            <a:pPr marL="0" indent="0" algn="ctr">
+              <a:buNone/>
+            </a:pPr>
+            <a:r>
+              <a:rPr lang="en-US" sz="12000" dirty="0">
+                <a:latin typeface="Euclid Circular B" panose="020B0504000000000000" pitchFamily="34" charset="0"/>
+                <a:ea typeface="Euclid Circular B" panose="020B0504000000000000" pitchFamily="34" charset="0"/>
+              </a:rPr>
+              <a:t>DEMO</a:t>
+            </a:r>
+          </a:p>
+          <a:p>
+            <a:pPr marL="0" indent="0" algn="ctr">
+              <a:buNone/>
+            </a:pPr>
+            <a:r>
+              <a:rPr lang="en-US" sz="4800" dirty="0">
+                <a:latin typeface="Euclid Circular B" panose="020B0504000000000000" pitchFamily="34" charset="0"/>
+                <a:ea typeface="Euclid Circular B" panose="020B0504000000000000" pitchFamily="34" charset="0"/>
+              </a:rPr>
+              <a:t>by </a:t>
+            </a:r>
+            <a:r>
+              <a:rPr lang="en-US" sz="4800" dirty="0" err="1">
+                <a:latin typeface="Euclid Circular B" panose="020B0504000000000000" pitchFamily="34" charset="0"/>
+                <a:ea typeface="Euclid Circular B" panose="020B0504000000000000" pitchFamily="34" charset="0"/>
+              </a:rPr>
+              <a:t>Alper</a:t>
+            </a:r>
+            <a:r>
+              <a:rPr lang="en-US" sz="4800" dirty="0">
+                <a:latin typeface="Euclid Circular B" panose="020B0504000000000000" pitchFamily="34" charset="0"/>
+                <a:ea typeface="Euclid Circular B" panose="020B0504000000000000" pitchFamily="34" charset="0"/>
+              </a:rPr>
+              <a:t> </a:t>
+            </a:r>
+            <a:r>
+              <a:rPr lang="en-US" sz="4800" dirty="0" err="1">
+                <a:latin typeface="Euclid Circular B" panose="020B0504000000000000" pitchFamily="34" charset="0"/>
+                <a:ea typeface="Euclid Circular B" panose="020B0504000000000000" pitchFamily="34" charset="0"/>
+              </a:rPr>
+              <a:t>Ebiçoğlu</a:t>
+            </a:r>
+            <a:endParaRPr lang="en-US" sz="4800" dirty="0">
+              <a:latin typeface="Euclid Circular B" panose="020B0504000000000000" pitchFamily="34" charset="0"/>
+              <a:ea typeface="Euclid Circular B" panose="020B0504000000000000" pitchFamily="34" charset="0"/>
+            </a:endParaRPr>
+          </a:p>
+        </p:txBody>
+      </p:sp>
+    </p:spTree>
+    <p:extLst>
+      <p:ext uri="{BB962C8B-B14F-4D97-AF65-F5344CB8AC3E}">
+        <p14:creationId xmlns:p14="http://schemas.microsoft.com/office/powerpoint/2010/main" val="3099850905"/>
+      </p:ext>
+    </p:extLst>
+  </p:cSld>
+  <p:clrMapOvr>
+    <a:masterClrMapping/>
+  </p:clrMapOvr>
+</p:sld>
+</file>
+
+<file path=ppt/slides/slide18.xml><?xml version="1.0" encoding="utf-8"?>
+<p:sld xmlns:a="http://schemas.openxmlformats.org/drawingml/2006/main" xmlns:r="http://schemas.openxmlformats.org/officeDocument/2006/relationships" xmlns:p="http://schemas.openxmlformats.org/presentationml/2006/main">
+  <p:cSld>
+    <p:bg>
+      <p:bgPr>
+        <a:blipFill dpi="0" rotWithShape="1">
+          <a:blip r:embed="rId2">
+            <a:lum/>
+          </a:blip>
+          <a:srcRect/>
+          <a:stretch>
+            <a:fillRect/>
+          </a:stretch>
+        </a:blipFill>
+        <a:effectLst/>
+      </p:bgPr>
+    </p:bg>
+    <p:spTree>
+      <p:nvGrpSpPr>
+        <p:cNvPr id="1" name=""/>
+        <p:cNvGrpSpPr/>
+        <p:nvPr/>
+      </p:nvGrpSpPr>
+      <p:grpSpPr>
+        <a:xfrm>
+          <a:off x="0" y="0"/>
+          <a:ext cx="0" cy="0"/>
+          <a:chOff x="0" y="0"/>
+          <a:chExt cx="0" cy="0"/>
+        </a:xfrm>
+      </p:grpSpPr>
+      <p:sp>
+        <p:nvSpPr>
+          <p:cNvPr id="2" name="Title 1">
+            <a:extLst>
+              <a:ext uri="{FF2B5EF4-FFF2-40B4-BE49-F238E27FC236}">
+                <a16:creationId xmlns:a16="http://schemas.microsoft.com/office/drawing/2014/main" id="{55E11F08-6CA0-48F1-AD67-97430DDA07F0}"/>
+              </a:ext>
+            </a:extLst>
+          </p:cNvPr>
+          <p:cNvSpPr>
+            <a:spLocks noGrp="1"/>
+          </p:cNvSpPr>
+          <p:nvPr>
+            <p:ph type="title"/>
+          </p:nvPr>
+        </p:nvSpPr>
+        <p:spPr/>
+        <p:txBody>
+          <a:bodyPr/>
+          <a:lstStyle/>
+          <a:p>
+            <a:r>
+              <a:rPr lang="en-US" b="1" dirty="0">
+                <a:solidFill>
+                  <a:srgbClr val="292D33"/>
+                </a:solidFill>
+                <a:latin typeface="Euclid Circular B" panose="020B0504000000000000" pitchFamily="34" charset="0"/>
+                <a:ea typeface="Euclid Circular B" panose="020B0504000000000000" pitchFamily="34" charset="0"/>
+              </a:rPr>
               <a:t>Topic title</a:t>
             </a:r>
           </a:p>
@@ -4847,7 +8711,7 @@
     </p:spTree>
     <p:extLst>
       <p:ext uri="{BB962C8B-B14F-4D97-AF65-F5344CB8AC3E}">
-        <p14:creationId xmlns:p14="http://schemas.microsoft.com/office/powerpoint/2010/main" val="3375947038"/>
+        <p14:creationId xmlns:p14="http://schemas.microsoft.com/office/powerpoint/2010/main" val="3090259435"/>
       </p:ext>
     </p:extLst>
   </p:cSld>
@@ -5236,6 +9100,546 @@
   <p:clrMapOvr>
     <a:masterClrMapping/>
   </p:clrMapOvr>
+  <p:timing>
+    <p:tnLst>
+      <p:par>
+        <p:cTn id="1" dur="indefinite" restart="never" nodeType="tmRoot">
+          <p:childTnLst>
+            <p:seq concurrent="1" nextAc="seek">
+              <p:cTn id="2" dur="indefinite" nodeType="mainSeq">
+                <p:childTnLst>
+                  <p:par>
+                    <p:cTn id="3" fill="hold">
+                      <p:stCondLst>
+                        <p:cond delay="indefinite"/>
+                      </p:stCondLst>
+                      <p:childTnLst>
+                        <p:par>
+                          <p:cTn id="4" fill="hold">
+                            <p:stCondLst>
+                              <p:cond delay="0"/>
+                            </p:stCondLst>
+                            <p:childTnLst>
+                              <p:par>
+                                <p:cTn id="5" presetID="10" presetClass="entr" presetSubtype="0" fill="hold" nodeType="clickEffect">
+                                  <p:stCondLst>
+                                    <p:cond delay="0"/>
+                                  </p:stCondLst>
+                                  <p:childTnLst>
+                                    <p:set>
+                                      <p:cBhvr>
+                                        <p:cTn id="6" dur="1" fill="hold">
+                                          <p:stCondLst>
+                                            <p:cond delay="0"/>
+                                          </p:stCondLst>
+                                        </p:cTn>
+                                        <p:tgtEl>
+                                          <p:spTgt spid="5"/>
+                                        </p:tgtEl>
+                                        <p:attrNameLst>
+                                          <p:attrName>style.visibility</p:attrName>
+                                        </p:attrNameLst>
+                                      </p:cBhvr>
+                                      <p:to>
+                                        <p:strVal val="visible"/>
+                                      </p:to>
+                                    </p:set>
+                                    <p:animEffect transition="in" filter="fade">
+                                      <p:cBhvr>
+                                        <p:cTn id="7" dur="500"/>
+                                        <p:tgtEl>
+                                          <p:spTgt spid="5"/>
+                                        </p:tgtEl>
+                                      </p:cBhvr>
+                                    </p:animEffect>
+                                  </p:childTnLst>
+                                </p:cTn>
+                              </p:par>
+                            </p:childTnLst>
+                          </p:cTn>
+                        </p:par>
+                      </p:childTnLst>
+                    </p:cTn>
+                  </p:par>
+                  <p:par>
+                    <p:cTn id="8" fill="hold">
+                      <p:stCondLst>
+                        <p:cond delay="indefinite"/>
+                      </p:stCondLst>
+                      <p:childTnLst>
+                        <p:par>
+                          <p:cTn id="9" fill="hold">
+                            <p:stCondLst>
+                              <p:cond delay="0"/>
+                            </p:stCondLst>
+                            <p:childTnLst>
+                              <p:par>
+                                <p:cTn id="10" presetID="10" presetClass="entr" presetSubtype="0" fill="hold" grpId="0" nodeType="clickEffect">
+                                  <p:stCondLst>
+                                    <p:cond delay="0"/>
+                                  </p:stCondLst>
+                                  <p:childTnLst>
+                                    <p:set>
+                                      <p:cBhvr>
+                                        <p:cTn id="11" dur="1" fill="hold">
+                                          <p:stCondLst>
+                                            <p:cond delay="0"/>
+                                          </p:stCondLst>
+                                        </p:cTn>
+                                        <p:tgtEl>
+                                          <p:spTgt spid="8"/>
+                                        </p:tgtEl>
+                                        <p:attrNameLst>
+                                          <p:attrName>style.visibility</p:attrName>
+                                        </p:attrNameLst>
+                                      </p:cBhvr>
+                                      <p:to>
+                                        <p:strVal val="visible"/>
+                                      </p:to>
+                                    </p:set>
+                                    <p:animEffect transition="in" filter="fade">
+                                      <p:cBhvr>
+                                        <p:cTn id="12" dur="500"/>
+                                        <p:tgtEl>
+                                          <p:spTgt spid="8"/>
+                                        </p:tgtEl>
+                                      </p:cBhvr>
+                                    </p:animEffect>
+                                  </p:childTnLst>
+                                </p:cTn>
+                              </p:par>
+                              <p:par>
+                                <p:cTn id="13" presetID="10" presetClass="entr" presetSubtype="0" fill="hold" nodeType="withEffect">
+                                  <p:stCondLst>
+                                    <p:cond delay="0"/>
+                                  </p:stCondLst>
+                                  <p:childTnLst>
+                                    <p:set>
+                                      <p:cBhvr>
+                                        <p:cTn id="14" dur="1" fill="hold">
+                                          <p:stCondLst>
+                                            <p:cond delay="0"/>
+                                          </p:stCondLst>
+                                        </p:cTn>
+                                        <p:tgtEl>
+                                          <p:spTgt spid="7"/>
+                                        </p:tgtEl>
+                                        <p:attrNameLst>
+                                          <p:attrName>style.visibility</p:attrName>
+                                        </p:attrNameLst>
+                                      </p:cBhvr>
+                                      <p:to>
+                                        <p:strVal val="visible"/>
+                                      </p:to>
+                                    </p:set>
+                                    <p:animEffect transition="in" filter="fade">
+                                      <p:cBhvr>
+                                        <p:cTn id="15" dur="500"/>
+                                        <p:tgtEl>
+                                          <p:spTgt spid="7"/>
+                                        </p:tgtEl>
+                                      </p:cBhvr>
+                                    </p:animEffect>
+                                  </p:childTnLst>
+                                </p:cTn>
+                              </p:par>
+                            </p:childTnLst>
+                          </p:cTn>
+                        </p:par>
+                      </p:childTnLst>
+                    </p:cTn>
+                  </p:par>
+                  <p:par>
+                    <p:cTn id="16" fill="hold">
+                      <p:stCondLst>
+                        <p:cond delay="indefinite"/>
+                      </p:stCondLst>
+                      <p:childTnLst>
+                        <p:par>
+                          <p:cTn id="17" fill="hold">
+                            <p:stCondLst>
+                              <p:cond delay="0"/>
+                            </p:stCondLst>
+                            <p:childTnLst>
+                              <p:par>
+                                <p:cTn id="18" presetID="10" presetClass="entr" presetSubtype="0" fill="hold" nodeType="clickEffect">
+                                  <p:stCondLst>
+                                    <p:cond delay="0"/>
+                                  </p:stCondLst>
+                                  <p:childTnLst>
+                                    <p:set>
+                                      <p:cBhvr>
+                                        <p:cTn id="19" dur="1" fill="hold">
+                                          <p:stCondLst>
+                                            <p:cond delay="0"/>
+                                          </p:stCondLst>
+                                        </p:cTn>
+                                        <p:tgtEl>
+                                          <p:spTgt spid="3">
+                                            <p:txEl>
+                                              <p:pRg st="0" end="0"/>
+                                            </p:txEl>
+                                          </p:spTgt>
+                                        </p:tgtEl>
+                                        <p:attrNameLst>
+                                          <p:attrName>style.visibility</p:attrName>
+                                        </p:attrNameLst>
+                                      </p:cBhvr>
+                                      <p:to>
+                                        <p:strVal val="visible"/>
+                                      </p:to>
+                                    </p:set>
+                                    <p:animEffect transition="in" filter="fade">
+                                      <p:cBhvr>
+                                        <p:cTn id="20" dur="500"/>
+                                        <p:tgtEl>
+                                          <p:spTgt spid="3">
+                                            <p:txEl>
+                                              <p:pRg st="0" end="0"/>
+                                            </p:txEl>
+                                          </p:spTgt>
+                                        </p:tgtEl>
+                                      </p:cBhvr>
+                                    </p:animEffect>
+                                  </p:childTnLst>
+                                </p:cTn>
+                              </p:par>
+                            </p:childTnLst>
+                          </p:cTn>
+                        </p:par>
+                      </p:childTnLst>
+                    </p:cTn>
+                  </p:par>
+                  <p:par>
+                    <p:cTn id="21" fill="hold">
+                      <p:stCondLst>
+                        <p:cond delay="indefinite"/>
+                      </p:stCondLst>
+                      <p:childTnLst>
+                        <p:par>
+                          <p:cTn id="22" fill="hold">
+                            <p:stCondLst>
+                              <p:cond delay="0"/>
+                            </p:stCondLst>
+                            <p:childTnLst>
+                              <p:par>
+                                <p:cTn id="23" presetID="10" presetClass="entr" presetSubtype="0" fill="hold" nodeType="clickEffect">
+                                  <p:stCondLst>
+                                    <p:cond delay="0"/>
+                                  </p:stCondLst>
+                                  <p:childTnLst>
+                                    <p:set>
+                                      <p:cBhvr>
+                                        <p:cTn id="24" dur="1" fill="hold">
+                                          <p:stCondLst>
+                                            <p:cond delay="0"/>
+                                          </p:stCondLst>
+                                        </p:cTn>
+                                        <p:tgtEl>
+                                          <p:spTgt spid="3">
+                                            <p:txEl>
+                                              <p:pRg st="1" end="1"/>
+                                            </p:txEl>
+                                          </p:spTgt>
+                                        </p:tgtEl>
+                                        <p:attrNameLst>
+                                          <p:attrName>style.visibility</p:attrName>
+                                        </p:attrNameLst>
+                                      </p:cBhvr>
+                                      <p:to>
+                                        <p:strVal val="visible"/>
+                                      </p:to>
+                                    </p:set>
+                                    <p:animEffect transition="in" filter="fade">
+                                      <p:cBhvr>
+                                        <p:cTn id="25" dur="500"/>
+                                        <p:tgtEl>
+                                          <p:spTgt spid="3">
+                                            <p:txEl>
+                                              <p:pRg st="1" end="1"/>
+                                            </p:txEl>
+                                          </p:spTgt>
+                                        </p:tgtEl>
+                                      </p:cBhvr>
+                                    </p:animEffect>
+                                  </p:childTnLst>
+                                </p:cTn>
+                              </p:par>
+                            </p:childTnLst>
+                          </p:cTn>
+                        </p:par>
+                      </p:childTnLst>
+                    </p:cTn>
+                  </p:par>
+                  <p:par>
+                    <p:cTn id="26" fill="hold">
+                      <p:stCondLst>
+                        <p:cond delay="indefinite"/>
+                      </p:stCondLst>
+                      <p:childTnLst>
+                        <p:par>
+                          <p:cTn id="27" fill="hold">
+                            <p:stCondLst>
+                              <p:cond delay="0"/>
+                            </p:stCondLst>
+                            <p:childTnLst>
+                              <p:par>
+                                <p:cTn id="28" presetID="10" presetClass="entr" presetSubtype="0" fill="hold" nodeType="clickEffect">
+                                  <p:stCondLst>
+                                    <p:cond delay="0"/>
+                                  </p:stCondLst>
+                                  <p:childTnLst>
+                                    <p:set>
+                                      <p:cBhvr>
+                                        <p:cTn id="29" dur="1" fill="hold">
+                                          <p:stCondLst>
+                                            <p:cond delay="0"/>
+                                          </p:stCondLst>
+                                        </p:cTn>
+                                        <p:tgtEl>
+                                          <p:spTgt spid="3">
+                                            <p:txEl>
+                                              <p:pRg st="2" end="2"/>
+                                            </p:txEl>
+                                          </p:spTgt>
+                                        </p:tgtEl>
+                                        <p:attrNameLst>
+                                          <p:attrName>style.visibility</p:attrName>
+                                        </p:attrNameLst>
+                                      </p:cBhvr>
+                                      <p:to>
+                                        <p:strVal val="visible"/>
+                                      </p:to>
+                                    </p:set>
+                                    <p:animEffect transition="in" filter="fade">
+                                      <p:cBhvr>
+                                        <p:cTn id="30" dur="500"/>
+                                        <p:tgtEl>
+                                          <p:spTgt spid="3">
+                                            <p:txEl>
+                                              <p:pRg st="2" end="2"/>
+                                            </p:txEl>
+                                          </p:spTgt>
+                                        </p:tgtEl>
+                                      </p:cBhvr>
+                                    </p:animEffect>
+                                  </p:childTnLst>
+                                </p:cTn>
+                              </p:par>
+                            </p:childTnLst>
+                          </p:cTn>
+                        </p:par>
+                      </p:childTnLst>
+                    </p:cTn>
+                  </p:par>
+                  <p:par>
+                    <p:cTn id="31" fill="hold">
+                      <p:stCondLst>
+                        <p:cond delay="indefinite"/>
+                      </p:stCondLst>
+                      <p:childTnLst>
+                        <p:par>
+                          <p:cTn id="32" fill="hold">
+                            <p:stCondLst>
+                              <p:cond delay="0"/>
+                            </p:stCondLst>
+                            <p:childTnLst>
+                              <p:par>
+                                <p:cTn id="33" presetID="10" presetClass="entr" presetSubtype="0" fill="hold" nodeType="clickEffect">
+                                  <p:stCondLst>
+                                    <p:cond delay="0"/>
+                                  </p:stCondLst>
+                                  <p:childTnLst>
+                                    <p:set>
+                                      <p:cBhvr>
+                                        <p:cTn id="34" dur="1" fill="hold">
+                                          <p:stCondLst>
+                                            <p:cond delay="0"/>
+                                          </p:stCondLst>
+                                        </p:cTn>
+                                        <p:tgtEl>
+                                          <p:spTgt spid="3">
+                                            <p:txEl>
+                                              <p:pRg st="3" end="3"/>
+                                            </p:txEl>
+                                          </p:spTgt>
+                                        </p:tgtEl>
+                                        <p:attrNameLst>
+                                          <p:attrName>style.visibility</p:attrName>
+                                        </p:attrNameLst>
+                                      </p:cBhvr>
+                                      <p:to>
+                                        <p:strVal val="visible"/>
+                                      </p:to>
+                                    </p:set>
+                                    <p:animEffect transition="in" filter="fade">
+                                      <p:cBhvr>
+                                        <p:cTn id="35" dur="500"/>
+                                        <p:tgtEl>
+                                          <p:spTgt spid="3">
+                                            <p:txEl>
+                                              <p:pRg st="3" end="3"/>
+                                            </p:txEl>
+                                          </p:spTgt>
+                                        </p:tgtEl>
+                                      </p:cBhvr>
+                                    </p:animEffect>
+                                  </p:childTnLst>
+                                </p:cTn>
+                              </p:par>
+                            </p:childTnLst>
+                          </p:cTn>
+                        </p:par>
+                      </p:childTnLst>
+                    </p:cTn>
+                  </p:par>
+                  <p:par>
+                    <p:cTn id="36" fill="hold">
+                      <p:stCondLst>
+                        <p:cond delay="indefinite"/>
+                      </p:stCondLst>
+                      <p:childTnLst>
+                        <p:par>
+                          <p:cTn id="37" fill="hold">
+                            <p:stCondLst>
+                              <p:cond delay="0"/>
+                            </p:stCondLst>
+                            <p:childTnLst>
+                              <p:par>
+                                <p:cTn id="38" presetID="10" presetClass="entr" presetSubtype="0" fill="hold" nodeType="clickEffect">
+                                  <p:stCondLst>
+                                    <p:cond delay="0"/>
+                                  </p:stCondLst>
+                                  <p:childTnLst>
+                                    <p:set>
+                                      <p:cBhvr>
+                                        <p:cTn id="39" dur="1" fill="hold">
+                                          <p:stCondLst>
+                                            <p:cond delay="0"/>
+                                          </p:stCondLst>
+                                        </p:cTn>
+                                        <p:tgtEl>
+                                          <p:spTgt spid="3">
+                                            <p:txEl>
+                                              <p:pRg st="4" end="4"/>
+                                            </p:txEl>
+                                          </p:spTgt>
+                                        </p:tgtEl>
+                                        <p:attrNameLst>
+                                          <p:attrName>style.visibility</p:attrName>
+                                        </p:attrNameLst>
+                                      </p:cBhvr>
+                                      <p:to>
+                                        <p:strVal val="visible"/>
+                                      </p:to>
+                                    </p:set>
+                                    <p:animEffect transition="in" filter="fade">
+                                      <p:cBhvr>
+                                        <p:cTn id="40" dur="500"/>
+                                        <p:tgtEl>
+                                          <p:spTgt spid="3">
+                                            <p:txEl>
+                                              <p:pRg st="4" end="4"/>
+                                            </p:txEl>
+                                          </p:spTgt>
+                                        </p:tgtEl>
+                                      </p:cBhvr>
+                                    </p:animEffect>
+                                  </p:childTnLst>
+                                </p:cTn>
+                              </p:par>
+                            </p:childTnLst>
+                          </p:cTn>
+                        </p:par>
+                      </p:childTnLst>
+                    </p:cTn>
+                  </p:par>
+                  <p:par>
+                    <p:cTn id="41" fill="hold">
+                      <p:stCondLst>
+                        <p:cond delay="indefinite"/>
+                      </p:stCondLst>
+                      <p:childTnLst>
+                        <p:par>
+                          <p:cTn id="42" fill="hold">
+                            <p:stCondLst>
+                              <p:cond delay="0"/>
+                            </p:stCondLst>
+                            <p:childTnLst>
+                              <p:par>
+                                <p:cTn id="43" presetID="10" presetClass="entr" presetSubtype="0" fill="hold" nodeType="clickEffect">
+                                  <p:stCondLst>
+                                    <p:cond delay="0"/>
+                                  </p:stCondLst>
+                                  <p:childTnLst>
+                                    <p:set>
+                                      <p:cBhvr>
+                                        <p:cTn id="44" dur="1" fill="hold">
+                                          <p:stCondLst>
+                                            <p:cond delay="0"/>
+                                          </p:stCondLst>
+                                        </p:cTn>
+                                        <p:tgtEl>
+                                          <p:spTgt spid="3">
+                                            <p:txEl>
+                                              <p:pRg st="6" end="6"/>
+                                            </p:txEl>
+                                          </p:spTgt>
+                                        </p:tgtEl>
+                                        <p:attrNameLst>
+                                          <p:attrName>style.visibility</p:attrName>
+                                        </p:attrNameLst>
+                                      </p:cBhvr>
+                                      <p:to>
+                                        <p:strVal val="visible"/>
+                                      </p:to>
+                                    </p:set>
+                                    <p:animEffect transition="in" filter="fade">
+                                      <p:cBhvr>
+                                        <p:cTn id="45" dur="500"/>
+                                        <p:tgtEl>
+                                          <p:spTgt spid="3">
+                                            <p:txEl>
+                                              <p:pRg st="6" end="6"/>
+                                            </p:txEl>
+                                          </p:spTgt>
+                                        </p:tgtEl>
+                                      </p:cBhvr>
+                                    </p:animEffect>
+                                  </p:childTnLst>
+                                </p:cTn>
+                              </p:par>
+                            </p:childTnLst>
+                          </p:cTn>
+                        </p:par>
+                      </p:childTnLst>
+                    </p:cTn>
+                  </p:par>
+                </p:childTnLst>
+              </p:cTn>
+              <p:prevCondLst>
+                <p:cond evt="onPrev" delay="0">
+                  <p:tgtEl>
+                    <p:sldTgt/>
+                  </p:tgtEl>
+                </p:cond>
+              </p:prevCondLst>
+              <p:nextCondLst>
+                <p:cond evt="onNext" delay="0">
+                  <p:tgtEl>
+                    <p:sldTgt/>
+                  </p:tgtEl>
+                </p:cond>
+              </p:nextCondLst>
+            </p:seq>
+          </p:childTnLst>
+        </p:cTn>
+      </p:par>
+    </p:tnLst>
+    <p:bldLst>
+      <p:bldP spid="8" grpId="0" animBg="1"/>
+    </p:bldLst>
+  </p:timing>
 </p:sld>
 </file>
 
@@ -5878,6 +10282,445 @@
   <p:clrMapOvr>
     <a:masterClrMapping/>
   </p:clrMapOvr>
+  <p:timing>
+    <p:tnLst>
+      <p:par>
+        <p:cTn id="1" dur="indefinite" restart="never" nodeType="tmRoot">
+          <p:childTnLst>
+            <p:seq concurrent="1" nextAc="seek">
+              <p:cTn id="2" dur="indefinite" nodeType="mainSeq">
+                <p:childTnLst>
+                  <p:par>
+                    <p:cTn id="3" fill="hold">
+                      <p:stCondLst>
+                        <p:cond delay="indefinite"/>
+                      </p:stCondLst>
+                      <p:childTnLst>
+                        <p:par>
+                          <p:cTn id="4" fill="hold">
+                            <p:stCondLst>
+                              <p:cond delay="0"/>
+                            </p:stCondLst>
+                            <p:childTnLst>
+                              <p:par>
+                                <p:cTn id="5" presetID="10" presetClass="entr" presetSubtype="0" fill="hold" nodeType="clickEffect">
+                                  <p:stCondLst>
+                                    <p:cond delay="0"/>
+                                  </p:stCondLst>
+                                  <p:childTnLst>
+                                    <p:set>
+                                      <p:cBhvr>
+                                        <p:cTn id="6" dur="1" fill="hold">
+                                          <p:stCondLst>
+                                            <p:cond delay="0"/>
+                                          </p:stCondLst>
+                                        </p:cTn>
+                                        <p:tgtEl>
+                                          <p:spTgt spid="12"/>
+                                        </p:tgtEl>
+                                        <p:attrNameLst>
+                                          <p:attrName>style.visibility</p:attrName>
+                                        </p:attrNameLst>
+                                      </p:cBhvr>
+                                      <p:to>
+                                        <p:strVal val="visible"/>
+                                      </p:to>
+                                    </p:set>
+                                    <p:animEffect transition="in" filter="fade">
+                                      <p:cBhvr>
+                                        <p:cTn id="7" dur="500"/>
+                                        <p:tgtEl>
+                                          <p:spTgt spid="12"/>
+                                        </p:tgtEl>
+                                      </p:cBhvr>
+                                    </p:animEffect>
+                                  </p:childTnLst>
+                                </p:cTn>
+                              </p:par>
+                              <p:par>
+                                <p:cTn id="8" presetID="10" presetClass="entr" presetSubtype="0" fill="hold" nodeType="withEffect">
+                                  <p:stCondLst>
+                                    <p:cond delay="0"/>
+                                  </p:stCondLst>
+                                  <p:childTnLst>
+                                    <p:set>
+                                      <p:cBhvr>
+                                        <p:cTn id="9" dur="1" fill="hold">
+                                          <p:stCondLst>
+                                            <p:cond delay="0"/>
+                                          </p:stCondLst>
+                                        </p:cTn>
+                                        <p:tgtEl>
+                                          <p:spTgt spid="17"/>
+                                        </p:tgtEl>
+                                        <p:attrNameLst>
+                                          <p:attrName>style.visibility</p:attrName>
+                                        </p:attrNameLst>
+                                      </p:cBhvr>
+                                      <p:to>
+                                        <p:strVal val="visible"/>
+                                      </p:to>
+                                    </p:set>
+                                    <p:animEffect transition="in" filter="fade">
+                                      <p:cBhvr>
+                                        <p:cTn id="10" dur="500"/>
+                                        <p:tgtEl>
+                                          <p:spTgt spid="17"/>
+                                        </p:tgtEl>
+                                      </p:cBhvr>
+                                    </p:animEffect>
+                                  </p:childTnLst>
+                                </p:cTn>
+                              </p:par>
+                              <p:par>
+                                <p:cTn id="11" presetID="10" presetClass="entr" presetSubtype="0" fill="hold" grpId="0" nodeType="withEffect">
+                                  <p:stCondLst>
+                                    <p:cond delay="0"/>
+                                  </p:stCondLst>
+                                  <p:childTnLst>
+                                    <p:set>
+                                      <p:cBhvr>
+                                        <p:cTn id="12" dur="1" fill="hold">
+                                          <p:stCondLst>
+                                            <p:cond delay="0"/>
+                                          </p:stCondLst>
+                                        </p:cTn>
+                                        <p:tgtEl>
+                                          <p:spTgt spid="25"/>
+                                        </p:tgtEl>
+                                        <p:attrNameLst>
+                                          <p:attrName>style.visibility</p:attrName>
+                                        </p:attrNameLst>
+                                      </p:cBhvr>
+                                      <p:to>
+                                        <p:strVal val="visible"/>
+                                      </p:to>
+                                    </p:set>
+                                    <p:animEffect transition="in" filter="fade">
+                                      <p:cBhvr>
+                                        <p:cTn id="13" dur="500"/>
+                                        <p:tgtEl>
+                                          <p:spTgt spid="25"/>
+                                        </p:tgtEl>
+                                      </p:cBhvr>
+                                    </p:animEffect>
+                                  </p:childTnLst>
+                                </p:cTn>
+                              </p:par>
+                            </p:childTnLst>
+                          </p:cTn>
+                        </p:par>
+                      </p:childTnLst>
+                    </p:cTn>
+                  </p:par>
+                  <p:par>
+                    <p:cTn id="14" fill="hold">
+                      <p:stCondLst>
+                        <p:cond delay="indefinite"/>
+                      </p:stCondLst>
+                      <p:childTnLst>
+                        <p:par>
+                          <p:cTn id="15" fill="hold">
+                            <p:stCondLst>
+                              <p:cond delay="0"/>
+                            </p:stCondLst>
+                            <p:childTnLst>
+                              <p:par>
+                                <p:cTn id="16" presetID="10" presetClass="entr" presetSubtype="0" fill="hold" nodeType="clickEffect">
+                                  <p:stCondLst>
+                                    <p:cond delay="0"/>
+                                  </p:stCondLst>
+                                  <p:childTnLst>
+                                    <p:set>
+                                      <p:cBhvr>
+                                        <p:cTn id="17" dur="1" fill="hold">
+                                          <p:stCondLst>
+                                            <p:cond delay="0"/>
+                                          </p:stCondLst>
+                                        </p:cTn>
+                                        <p:tgtEl>
+                                          <p:spTgt spid="14"/>
+                                        </p:tgtEl>
+                                        <p:attrNameLst>
+                                          <p:attrName>style.visibility</p:attrName>
+                                        </p:attrNameLst>
+                                      </p:cBhvr>
+                                      <p:to>
+                                        <p:strVal val="visible"/>
+                                      </p:to>
+                                    </p:set>
+                                    <p:animEffect transition="in" filter="fade">
+                                      <p:cBhvr>
+                                        <p:cTn id="18" dur="500"/>
+                                        <p:tgtEl>
+                                          <p:spTgt spid="14"/>
+                                        </p:tgtEl>
+                                      </p:cBhvr>
+                                    </p:animEffect>
+                                  </p:childTnLst>
+                                </p:cTn>
+                              </p:par>
+                              <p:par>
+                                <p:cTn id="19" presetID="10" presetClass="entr" presetSubtype="0" fill="hold" nodeType="withEffect">
+                                  <p:stCondLst>
+                                    <p:cond delay="0"/>
+                                  </p:stCondLst>
+                                  <p:childTnLst>
+                                    <p:set>
+                                      <p:cBhvr>
+                                        <p:cTn id="20" dur="1" fill="hold">
+                                          <p:stCondLst>
+                                            <p:cond delay="0"/>
+                                          </p:stCondLst>
+                                        </p:cTn>
+                                        <p:tgtEl>
+                                          <p:spTgt spid="19"/>
+                                        </p:tgtEl>
+                                        <p:attrNameLst>
+                                          <p:attrName>style.visibility</p:attrName>
+                                        </p:attrNameLst>
+                                      </p:cBhvr>
+                                      <p:to>
+                                        <p:strVal val="visible"/>
+                                      </p:to>
+                                    </p:set>
+                                    <p:animEffect transition="in" filter="fade">
+                                      <p:cBhvr>
+                                        <p:cTn id="21" dur="500"/>
+                                        <p:tgtEl>
+                                          <p:spTgt spid="19"/>
+                                        </p:tgtEl>
+                                      </p:cBhvr>
+                                    </p:animEffect>
+                                  </p:childTnLst>
+                                </p:cTn>
+                              </p:par>
+                              <p:par>
+                                <p:cTn id="22" presetID="10" presetClass="entr" presetSubtype="0" fill="hold" grpId="0" nodeType="withEffect">
+                                  <p:stCondLst>
+                                    <p:cond delay="0"/>
+                                  </p:stCondLst>
+                                  <p:childTnLst>
+                                    <p:set>
+                                      <p:cBhvr>
+                                        <p:cTn id="23" dur="1" fill="hold">
+                                          <p:stCondLst>
+                                            <p:cond delay="0"/>
+                                          </p:stCondLst>
+                                        </p:cTn>
+                                        <p:tgtEl>
+                                          <p:spTgt spid="26"/>
+                                        </p:tgtEl>
+                                        <p:attrNameLst>
+                                          <p:attrName>style.visibility</p:attrName>
+                                        </p:attrNameLst>
+                                      </p:cBhvr>
+                                      <p:to>
+                                        <p:strVal val="visible"/>
+                                      </p:to>
+                                    </p:set>
+                                    <p:animEffect transition="in" filter="fade">
+                                      <p:cBhvr>
+                                        <p:cTn id="24" dur="500"/>
+                                        <p:tgtEl>
+                                          <p:spTgt spid="26"/>
+                                        </p:tgtEl>
+                                      </p:cBhvr>
+                                    </p:animEffect>
+                                  </p:childTnLst>
+                                </p:cTn>
+                              </p:par>
+                            </p:childTnLst>
+                          </p:cTn>
+                        </p:par>
+                      </p:childTnLst>
+                    </p:cTn>
+                  </p:par>
+                  <p:par>
+                    <p:cTn id="25" fill="hold">
+                      <p:stCondLst>
+                        <p:cond delay="indefinite"/>
+                      </p:stCondLst>
+                      <p:childTnLst>
+                        <p:par>
+                          <p:cTn id="26" fill="hold">
+                            <p:stCondLst>
+                              <p:cond delay="0"/>
+                            </p:stCondLst>
+                            <p:childTnLst>
+                              <p:par>
+                                <p:cTn id="27" presetID="10" presetClass="entr" presetSubtype="0" fill="hold" nodeType="clickEffect">
+                                  <p:stCondLst>
+                                    <p:cond delay="0"/>
+                                  </p:stCondLst>
+                                  <p:childTnLst>
+                                    <p:set>
+                                      <p:cBhvr>
+                                        <p:cTn id="28" dur="1" fill="hold">
+                                          <p:stCondLst>
+                                            <p:cond delay="0"/>
+                                          </p:stCondLst>
+                                        </p:cTn>
+                                        <p:tgtEl>
+                                          <p:spTgt spid="34"/>
+                                        </p:tgtEl>
+                                        <p:attrNameLst>
+                                          <p:attrName>style.visibility</p:attrName>
+                                        </p:attrNameLst>
+                                      </p:cBhvr>
+                                      <p:to>
+                                        <p:strVal val="visible"/>
+                                      </p:to>
+                                    </p:set>
+                                    <p:animEffect transition="in" filter="fade">
+                                      <p:cBhvr>
+                                        <p:cTn id="29" dur="500"/>
+                                        <p:tgtEl>
+                                          <p:spTgt spid="34"/>
+                                        </p:tgtEl>
+                                      </p:cBhvr>
+                                    </p:animEffect>
+                                  </p:childTnLst>
+                                </p:cTn>
+                              </p:par>
+                              <p:par>
+                                <p:cTn id="30" presetID="10" presetClass="entr" presetSubtype="0" fill="hold" nodeType="withEffect">
+                                  <p:stCondLst>
+                                    <p:cond delay="0"/>
+                                  </p:stCondLst>
+                                  <p:childTnLst>
+                                    <p:set>
+                                      <p:cBhvr>
+                                        <p:cTn id="31" dur="1" fill="hold">
+                                          <p:stCondLst>
+                                            <p:cond delay="0"/>
+                                          </p:stCondLst>
+                                        </p:cTn>
+                                        <p:tgtEl>
+                                          <p:spTgt spid="29"/>
+                                        </p:tgtEl>
+                                        <p:attrNameLst>
+                                          <p:attrName>style.visibility</p:attrName>
+                                        </p:attrNameLst>
+                                      </p:cBhvr>
+                                      <p:to>
+                                        <p:strVal val="visible"/>
+                                      </p:to>
+                                    </p:set>
+                                    <p:animEffect transition="in" filter="fade">
+                                      <p:cBhvr>
+                                        <p:cTn id="32" dur="500"/>
+                                        <p:tgtEl>
+                                          <p:spTgt spid="29"/>
+                                        </p:tgtEl>
+                                      </p:cBhvr>
+                                    </p:animEffect>
+                                  </p:childTnLst>
+                                </p:cTn>
+                              </p:par>
+                              <p:par>
+                                <p:cTn id="33" presetID="10" presetClass="entr" presetSubtype="0" fill="hold" grpId="0" nodeType="withEffect">
+                                  <p:stCondLst>
+                                    <p:cond delay="0"/>
+                                  </p:stCondLst>
+                                  <p:childTnLst>
+                                    <p:set>
+                                      <p:cBhvr>
+                                        <p:cTn id="34" dur="1" fill="hold">
+                                          <p:stCondLst>
+                                            <p:cond delay="0"/>
+                                          </p:stCondLst>
+                                        </p:cTn>
+                                        <p:tgtEl>
+                                          <p:spTgt spid="27"/>
+                                        </p:tgtEl>
+                                        <p:attrNameLst>
+                                          <p:attrName>style.visibility</p:attrName>
+                                        </p:attrNameLst>
+                                      </p:cBhvr>
+                                      <p:to>
+                                        <p:strVal val="visible"/>
+                                      </p:to>
+                                    </p:set>
+                                    <p:animEffect transition="in" filter="fade">
+                                      <p:cBhvr>
+                                        <p:cTn id="35" dur="500"/>
+                                        <p:tgtEl>
+                                          <p:spTgt spid="27"/>
+                                        </p:tgtEl>
+                                      </p:cBhvr>
+                                    </p:animEffect>
+                                  </p:childTnLst>
+                                </p:cTn>
+                              </p:par>
+                              <p:par>
+                                <p:cTn id="36" presetID="10" presetClass="entr" presetSubtype="0" fill="hold" nodeType="withEffect">
+                                  <p:stCondLst>
+                                    <p:cond delay="0"/>
+                                  </p:stCondLst>
+                                  <p:childTnLst>
+                                    <p:set>
+                                      <p:cBhvr>
+                                        <p:cTn id="37" dur="1" fill="hold">
+                                          <p:stCondLst>
+                                            <p:cond delay="0"/>
+                                          </p:stCondLst>
+                                        </p:cTn>
+                                        <p:tgtEl>
+                                          <p:spTgt spid="1026"/>
+                                        </p:tgtEl>
+                                        <p:attrNameLst>
+                                          <p:attrName>style.visibility</p:attrName>
+                                        </p:attrNameLst>
+                                      </p:cBhvr>
+                                      <p:to>
+                                        <p:strVal val="visible"/>
+                                      </p:to>
+                                    </p:set>
+                                    <p:animEffect transition="in" filter="fade">
+                                      <p:cBhvr>
+                                        <p:cTn id="38" dur="500"/>
+                                        <p:tgtEl>
+                                          <p:spTgt spid="1026"/>
+                                        </p:tgtEl>
+                                      </p:cBhvr>
+                                    </p:animEffect>
+                                  </p:childTnLst>
+                                </p:cTn>
+                              </p:par>
+                            </p:childTnLst>
+                          </p:cTn>
+                        </p:par>
+                      </p:childTnLst>
+                    </p:cTn>
+                  </p:par>
+                </p:childTnLst>
+              </p:cTn>
+              <p:prevCondLst>
+                <p:cond evt="onPrev" delay="0">
+                  <p:tgtEl>
+                    <p:sldTgt/>
+                  </p:tgtEl>
+                </p:cond>
+              </p:prevCondLst>
+              <p:nextCondLst>
+                <p:cond evt="onNext" delay="0">
+                  <p:tgtEl>
+                    <p:sldTgt/>
+                  </p:tgtEl>
+                </p:cond>
+              </p:nextCondLst>
+            </p:seq>
+          </p:childTnLst>
+        </p:cTn>
+      </p:par>
+    </p:tnLst>
+    <p:bldLst>
+      <p:bldP spid="25" grpId="0"/>
+      <p:bldP spid="26" grpId="0"/>
+      <p:bldP spid="27" grpId="0" animBg="1"/>
+    </p:bldLst>
+  </p:timing>
 </p:sld>
 </file>
 
@@ -6048,6 +10891,219 @@
   <p:clrMapOvr>
     <a:masterClrMapping/>
   </p:clrMapOvr>
+  <p:timing>
+    <p:tnLst>
+      <p:par>
+        <p:cTn id="1" dur="indefinite" restart="never" nodeType="tmRoot">
+          <p:childTnLst>
+            <p:seq concurrent="1" nextAc="seek">
+              <p:cTn id="2" dur="indefinite" nodeType="mainSeq">
+                <p:childTnLst>
+                  <p:par>
+                    <p:cTn id="3" fill="hold">
+                      <p:stCondLst>
+                        <p:cond delay="indefinite"/>
+                      </p:stCondLst>
+                      <p:childTnLst>
+                        <p:par>
+                          <p:cTn id="4" fill="hold">
+                            <p:stCondLst>
+                              <p:cond delay="0"/>
+                            </p:stCondLst>
+                            <p:childTnLst>
+                              <p:par>
+                                <p:cTn id="5" presetID="10" presetClass="entr" presetSubtype="0" fill="hold" nodeType="clickEffect">
+                                  <p:stCondLst>
+                                    <p:cond delay="0"/>
+                                  </p:stCondLst>
+                                  <p:childTnLst>
+                                    <p:set>
+                                      <p:cBhvr>
+                                        <p:cTn id="6" dur="1" fill="hold">
+                                          <p:stCondLst>
+                                            <p:cond delay="0"/>
+                                          </p:stCondLst>
+                                        </p:cTn>
+                                        <p:tgtEl>
+                                          <p:spTgt spid="3">
+                                            <p:txEl>
+                                              <p:pRg st="0" end="0"/>
+                                            </p:txEl>
+                                          </p:spTgt>
+                                        </p:tgtEl>
+                                        <p:attrNameLst>
+                                          <p:attrName>style.visibility</p:attrName>
+                                        </p:attrNameLst>
+                                      </p:cBhvr>
+                                      <p:to>
+                                        <p:strVal val="visible"/>
+                                      </p:to>
+                                    </p:set>
+                                    <p:animEffect transition="in" filter="fade">
+                                      <p:cBhvr>
+                                        <p:cTn id="7" dur="500"/>
+                                        <p:tgtEl>
+                                          <p:spTgt spid="3">
+                                            <p:txEl>
+                                              <p:pRg st="0" end="0"/>
+                                            </p:txEl>
+                                          </p:spTgt>
+                                        </p:tgtEl>
+                                      </p:cBhvr>
+                                    </p:animEffect>
+                                  </p:childTnLst>
+                                </p:cTn>
+                              </p:par>
+                            </p:childTnLst>
+                          </p:cTn>
+                        </p:par>
+                      </p:childTnLst>
+                    </p:cTn>
+                  </p:par>
+                  <p:par>
+                    <p:cTn id="8" fill="hold">
+                      <p:stCondLst>
+                        <p:cond delay="indefinite"/>
+                      </p:stCondLst>
+                      <p:childTnLst>
+                        <p:par>
+                          <p:cTn id="9" fill="hold">
+                            <p:stCondLst>
+                              <p:cond delay="0"/>
+                            </p:stCondLst>
+                            <p:childTnLst>
+                              <p:par>
+                                <p:cTn id="10" presetID="10" presetClass="entr" presetSubtype="0" fill="hold" nodeType="clickEffect">
+                                  <p:stCondLst>
+                                    <p:cond delay="0"/>
+                                  </p:stCondLst>
+                                  <p:childTnLst>
+                                    <p:set>
+                                      <p:cBhvr>
+                                        <p:cTn id="11" dur="1" fill="hold">
+                                          <p:stCondLst>
+                                            <p:cond delay="0"/>
+                                          </p:stCondLst>
+                                        </p:cTn>
+                                        <p:tgtEl>
+                                          <p:spTgt spid="3">
+                                            <p:txEl>
+                                              <p:pRg st="1" end="1"/>
+                                            </p:txEl>
+                                          </p:spTgt>
+                                        </p:tgtEl>
+                                        <p:attrNameLst>
+                                          <p:attrName>style.visibility</p:attrName>
+                                        </p:attrNameLst>
+                                      </p:cBhvr>
+                                      <p:to>
+                                        <p:strVal val="visible"/>
+                                      </p:to>
+                                    </p:set>
+                                    <p:animEffect transition="in" filter="fade">
+                                      <p:cBhvr>
+                                        <p:cTn id="12" dur="500"/>
+                                        <p:tgtEl>
+                                          <p:spTgt spid="3">
+                                            <p:txEl>
+                                              <p:pRg st="1" end="1"/>
+                                            </p:txEl>
+                                          </p:spTgt>
+                                        </p:tgtEl>
+                                      </p:cBhvr>
+                                    </p:animEffect>
+                                  </p:childTnLst>
+                                </p:cTn>
+                              </p:par>
+                            </p:childTnLst>
+                          </p:cTn>
+                        </p:par>
+                      </p:childTnLst>
+                    </p:cTn>
+                  </p:par>
+                  <p:par>
+                    <p:cTn id="13" fill="hold">
+                      <p:stCondLst>
+                        <p:cond delay="indefinite"/>
+                      </p:stCondLst>
+                      <p:childTnLst>
+                        <p:par>
+                          <p:cTn id="14" fill="hold">
+                            <p:stCondLst>
+                              <p:cond delay="0"/>
+                            </p:stCondLst>
+                            <p:childTnLst>
+                              <p:par>
+                                <p:cTn id="15" presetID="10" presetClass="entr" presetSubtype="0" fill="hold" nodeType="clickEffect">
+                                  <p:stCondLst>
+                                    <p:cond delay="0"/>
+                                  </p:stCondLst>
+                                  <p:childTnLst>
+                                    <p:set>
+                                      <p:cBhvr>
+                                        <p:cTn id="16" dur="1" fill="hold">
+                                          <p:stCondLst>
+                                            <p:cond delay="0"/>
+                                          </p:stCondLst>
+                                        </p:cTn>
+                                        <p:tgtEl>
+                                          <p:spTgt spid="3">
+                                            <p:txEl>
+                                              <p:pRg st="2" end="2"/>
+                                            </p:txEl>
+                                          </p:spTgt>
+                                        </p:tgtEl>
+                                        <p:attrNameLst>
+                                          <p:attrName>style.visibility</p:attrName>
+                                        </p:attrNameLst>
+                                      </p:cBhvr>
+                                      <p:to>
+                                        <p:strVal val="visible"/>
+                                      </p:to>
+                                    </p:set>
+                                    <p:animEffect transition="in" filter="fade">
+                                      <p:cBhvr>
+                                        <p:cTn id="17" dur="500"/>
+                                        <p:tgtEl>
+                                          <p:spTgt spid="3">
+                                            <p:txEl>
+                                              <p:pRg st="2" end="2"/>
+                                            </p:txEl>
+                                          </p:spTgt>
+                                        </p:tgtEl>
+                                      </p:cBhvr>
+                                    </p:animEffect>
+                                  </p:childTnLst>
+                                </p:cTn>
+                              </p:par>
+                            </p:childTnLst>
+                          </p:cTn>
+                        </p:par>
+                      </p:childTnLst>
+                    </p:cTn>
+                  </p:par>
+                </p:childTnLst>
+              </p:cTn>
+              <p:prevCondLst>
+                <p:cond evt="onPrev" delay="0">
+                  <p:tgtEl>
+                    <p:sldTgt/>
+                  </p:tgtEl>
+                </p:cond>
+              </p:prevCondLst>
+              <p:nextCondLst>
+                <p:cond evt="onNext" delay="0">
+                  <p:tgtEl>
+                    <p:sldTgt/>
+                  </p:tgtEl>
+                </p:cond>
+              </p:nextCondLst>
+            </p:seq>
+          </p:childTnLst>
+        </p:cTn>
+      </p:par>
+    </p:tnLst>
+  </p:timing>
 </p:sld>
 </file>
 
@@ -6135,7 +11191,7 @@
         <p:spPr/>
         <p:txBody>
           <a:bodyPr>
-            <a:normAutofit fontScale="92500" lnSpcReduction="20000"/>
+            <a:normAutofit fontScale="77500" lnSpcReduction="20000"/>
           </a:bodyPr>
           <a:lstStyle/>
           <a:p>
@@ -6143,12 +11199,21 @@
               <a:buNone/>
             </a:pPr>
             <a:r>
-              <a:rPr lang="en-US" b="1" u="sng" dirty="0">
+              <a:rPr lang="en-US" sz="3900" b="1" u="sng" dirty="0">
                 <a:latin typeface="Euclid Circular B" panose="020B0504000000000000" pitchFamily="34" charset="0"/>
                 <a:ea typeface="Euclid Circular B" panose="020B0504000000000000" pitchFamily="34" charset="0"/>
               </a:rPr>
               <a:t>Duplications across different solutions</a:t>
             </a:r>
+          </a:p>
+          <a:p>
+            <a:pPr marL="0" indent="0">
+              <a:buNone/>
+            </a:pPr>
+            <a:endParaRPr lang="en-US" sz="3900" b="1" u="sng" dirty="0">
+              <a:latin typeface="Euclid Circular B" panose="020B0504000000000000" pitchFamily="34" charset="0"/>
+              <a:ea typeface="Euclid Circular B" panose="020B0504000000000000" pitchFamily="34" charset="0"/>
+            </a:endParaRPr>
           </a:p>
           <a:p>
             <a:r>
@@ -6253,7 +11318,7 @@
                 <a:latin typeface="Euclid Circular B" panose="020B0504000000000000" pitchFamily="34" charset="0"/>
                 <a:ea typeface="Euclid Circular B" panose="020B0504000000000000" pitchFamily="34" charset="0"/>
               </a:rPr>
-              <a:t>, like multi-tenancy, BLOB storing, email sending,…</a:t>
+              <a:t>, like multi-tenancy, BLOB storing, email sending, event bus integration…</a:t>
             </a:r>
           </a:p>
           <a:p>
@@ -6367,6 +11432,463 @@
   <p:clrMapOvr>
     <a:masterClrMapping/>
   </p:clrMapOvr>
+  <p:timing>
+    <p:tnLst>
+      <p:par>
+        <p:cTn id="1" dur="indefinite" restart="never" nodeType="tmRoot">
+          <p:childTnLst>
+            <p:seq concurrent="1" nextAc="seek">
+              <p:cTn id="2" dur="indefinite" nodeType="mainSeq">
+                <p:childTnLst>
+                  <p:par>
+                    <p:cTn id="3" fill="hold">
+                      <p:stCondLst>
+                        <p:cond delay="indefinite"/>
+                      </p:stCondLst>
+                      <p:childTnLst>
+                        <p:par>
+                          <p:cTn id="4" fill="hold">
+                            <p:stCondLst>
+                              <p:cond delay="0"/>
+                            </p:stCondLst>
+                            <p:childTnLst>
+                              <p:par>
+                                <p:cTn id="5" presetID="10" presetClass="entr" presetSubtype="0" fill="hold" nodeType="clickEffect">
+                                  <p:stCondLst>
+                                    <p:cond delay="0"/>
+                                  </p:stCondLst>
+                                  <p:childTnLst>
+                                    <p:set>
+                                      <p:cBhvr>
+                                        <p:cTn id="6" dur="1" fill="hold">
+                                          <p:stCondLst>
+                                            <p:cond delay="0"/>
+                                          </p:stCondLst>
+                                        </p:cTn>
+                                        <p:tgtEl>
+                                          <p:spTgt spid="3">
+                                            <p:txEl>
+                                              <p:pRg st="0" end="0"/>
+                                            </p:txEl>
+                                          </p:spTgt>
+                                        </p:tgtEl>
+                                        <p:attrNameLst>
+                                          <p:attrName>style.visibility</p:attrName>
+                                        </p:attrNameLst>
+                                      </p:cBhvr>
+                                      <p:to>
+                                        <p:strVal val="visible"/>
+                                      </p:to>
+                                    </p:set>
+                                    <p:animEffect transition="in" filter="fade">
+                                      <p:cBhvr>
+                                        <p:cTn id="7" dur="500"/>
+                                        <p:tgtEl>
+                                          <p:spTgt spid="3">
+                                            <p:txEl>
+                                              <p:pRg st="0" end="0"/>
+                                            </p:txEl>
+                                          </p:spTgt>
+                                        </p:tgtEl>
+                                      </p:cBhvr>
+                                    </p:animEffect>
+                                  </p:childTnLst>
+                                </p:cTn>
+                              </p:par>
+                            </p:childTnLst>
+                          </p:cTn>
+                        </p:par>
+                      </p:childTnLst>
+                    </p:cTn>
+                  </p:par>
+                  <p:par>
+                    <p:cTn id="8" fill="hold">
+                      <p:stCondLst>
+                        <p:cond delay="indefinite"/>
+                      </p:stCondLst>
+                      <p:childTnLst>
+                        <p:par>
+                          <p:cTn id="9" fill="hold">
+                            <p:stCondLst>
+                              <p:cond delay="0"/>
+                            </p:stCondLst>
+                            <p:childTnLst>
+                              <p:par>
+                                <p:cTn id="10" presetID="10" presetClass="entr" presetSubtype="0" fill="hold" nodeType="clickEffect">
+                                  <p:stCondLst>
+                                    <p:cond delay="0"/>
+                                  </p:stCondLst>
+                                  <p:childTnLst>
+                                    <p:set>
+                                      <p:cBhvr>
+                                        <p:cTn id="11" dur="1" fill="hold">
+                                          <p:stCondLst>
+                                            <p:cond delay="0"/>
+                                          </p:stCondLst>
+                                        </p:cTn>
+                                        <p:tgtEl>
+                                          <p:spTgt spid="3">
+                                            <p:txEl>
+                                              <p:pRg st="2" end="2"/>
+                                            </p:txEl>
+                                          </p:spTgt>
+                                        </p:tgtEl>
+                                        <p:attrNameLst>
+                                          <p:attrName>style.visibility</p:attrName>
+                                        </p:attrNameLst>
+                                      </p:cBhvr>
+                                      <p:to>
+                                        <p:strVal val="visible"/>
+                                      </p:to>
+                                    </p:set>
+                                    <p:animEffect transition="in" filter="fade">
+                                      <p:cBhvr>
+                                        <p:cTn id="12" dur="500"/>
+                                        <p:tgtEl>
+                                          <p:spTgt spid="3">
+                                            <p:txEl>
+                                              <p:pRg st="2" end="2"/>
+                                            </p:txEl>
+                                          </p:spTgt>
+                                        </p:tgtEl>
+                                      </p:cBhvr>
+                                    </p:animEffect>
+                                  </p:childTnLst>
+                                </p:cTn>
+                              </p:par>
+                            </p:childTnLst>
+                          </p:cTn>
+                        </p:par>
+                      </p:childTnLst>
+                    </p:cTn>
+                  </p:par>
+                  <p:par>
+                    <p:cTn id="13" fill="hold">
+                      <p:stCondLst>
+                        <p:cond delay="indefinite"/>
+                      </p:stCondLst>
+                      <p:childTnLst>
+                        <p:par>
+                          <p:cTn id="14" fill="hold">
+                            <p:stCondLst>
+                              <p:cond delay="0"/>
+                            </p:stCondLst>
+                            <p:childTnLst>
+                              <p:par>
+                                <p:cTn id="15" presetID="10" presetClass="entr" presetSubtype="0" fill="hold" nodeType="clickEffect">
+                                  <p:stCondLst>
+                                    <p:cond delay="0"/>
+                                  </p:stCondLst>
+                                  <p:childTnLst>
+                                    <p:set>
+                                      <p:cBhvr>
+                                        <p:cTn id="16" dur="1" fill="hold">
+                                          <p:stCondLst>
+                                            <p:cond delay="0"/>
+                                          </p:stCondLst>
+                                        </p:cTn>
+                                        <p:tgtEl>
+                                          <p:spTgt spid="3">
+                                            <p:txEl>
+                                              <p:pRg st="3" end="3"/>
+                                            </p:txEl>
+                                          </p:spTgt>
+                                        </p:tgtEl>
+                                        <p:attrNameLst>
+                                          <p:attrName>style.visibility</p:attrName>
+                                        </p:attrNameLst>
+                                      </p:cBhvr>
+                                      <p:to>
+                                        <p:strVal val="visible"/>
+                                      </p:to>
+                                    </p:set>
+                                    <p:animEffect transition="in" filter="fade">
+                                      <p:cBhvr>
+                                        <p:cTn id="17" dur="500"/>
+                                        <p:tgtEl>
+                                          <p:spTgt spid="3">
+                                            <p:txEl>
+                                              <p:pRg st="3" end="3"/>
+                                            </p:txEl>
+                                          </p:spTgt>
+                                        </p:tgtEl>
+                                      </p:cBhvr>
+                                    </p:animEffect>
+                                  </p:childTnLst>
+                                </p:cTn>
+                              </p:par>
+                            </p:childTnLst>
+                          </p:cTn>
+                        </p:par>
+                      </p:childTnLst>
+                    </p:cTn>
+                  </p:par>
+                  <p:par>
+                    <p:cTn id="18" fill="hold">
+                      <p:stCondLst>
+                        <p:cond delay="indefinite"/>
+                      </p:stCondLst>
+                      <p:childTnLst>
+                        <p:par>
+                          <p:cTn id="19" fill="hold">
+                            <p:stCondLst>
+                              <p:cond delay="0"/>
+                            </p:stCondLst>
+                            <p:childTnLst>
+                              <p:par>
+                                <p:cTn id="20" presetID="10" presetClass="entr" presetSubtype="0" fill="hold" nodeType="clickEffect">
+                                  <p:stCondLst>
+                                    <p:cond delay="0"/>
+                                  </p:stCondLst>
+                                  <p:childTnLst>
+                                    <p:set>
+                                      <p:cBhvr>
+                                        <p:cTn id="21" dur="1" fill="hold">
+                                          <p:stCondLst>
+                                            <p:cond delay="0"/>
+                                          </p:stCondLst>
+                                        </p:cTn>
+                                        <p:tgtEl>
+                                          <p:spTgt spid="3">
+                                            <p:txEl>
+                                              <p:pRg st="4" end="4"/>
+                                            </p:txEl>
+                                          </p:spTgt>
+                                        </p:tgtEl>
+                                        <p:attrNameLst>
+                                          <p:attrName>style.visibility</p:attrName>
+                                        </p:attrNameLst>
+                                      </p:cBhvr>
+                                      <p:to>
+                                        <p:strVal val="visible"/>
+                                      </p:to>
+                                    </p:set>
+                                    <p:animEffect transition="in" filter="fade">
+                                      <p:cBhvr>
+                                        <p:cTn id="22" dur="500"/>
+                                        <p:tgtEl>
+                                          <p:spTgt spid="3">
+                                            <p:txEl>
+                                              <p:pRg st="4" end="4"/>
+                                            </p:txEl>
+                                          </p:spTgt>
+                                        </p:tgtEl>
+                                      </p:cBhvr>
+                                    </p:animEffect>
+                                  </p:childTnLst>
+                                </p:cTn>
+                              </p:par>
+                            </p:childTnLst>
+                          </p:cTn>
+                        </p:par>
+                      </p:childTnLst>
+                    </p:cTn>
+                  </p:par>
+                  <p:par>
+                    <p:cTn id="23" fill="hold">
+                      <p:stCondLst>
+                        <p:cond delay="indefinite"/>
+                      </p:stCondLst>
+                      <p:childTnLst>
+                        <p:par>
+                          <p:cTn id="24" fill="hold">
+                            <p:stCondLst>
+                              <p:cond delay="0"/>
+                            </p:stCondLst>
+                            <p:childTnLst>
+                              <p:par>
+                                <p:cTn id="25" presetID="10" presetClass="entr" presetSubtype="0" fill="hold" nodeType="clickEffect">
+                                  <p:stCondLst>
+                                    <p:cond delay="0"/>
+                                  </p:stCondLst>
+                                  <p:childTnLst>
+                                    <p:set>
+                                      <p:cBhvr>
+                                        <p:cTn id="26" dur="1" fill="hold">
+                                          <p:stCondLst>
+                                            <p:cond delay="0"/>
+                                          </p:stCondLst>
+                                        </p:cTn>
+                                        <p:tgtEl>
+                                          <p:spTgt spid="3">
+                                            <p:txEl>
+                                              <p:pRg st="5" end="5"/>
+                                            </p:txEl>
+                                          </p:spTgt>
+                                        </p:tgtEl>
+                                        <p:attrNameLst>
+                                          <p:attrName>style.visibility</p:attrName>
+                                        </p:attrNameLst>
+                                      </p:cBhvr>
+                                      <p:to>
+                                        <p:strVal val="visible"/>
+                                      </p:to>
+                                    </p:set>
+                                    <p:animEffect transition="in" filter="fade">
+                                      <p:cBhvr>
+                                        <p:cTn id="27" dur="500"/>
+                                        <p:tgtEl>
+                                          <p:spTgt spid="3">
+                                            <p:txEl>
+                                              <p:pRg st="5" end="5"/>
+                                            </p:txEl>
+                                          </p:spTgt>
+                                        </p:tgtEl>
+                                      </p:cBhvr>
+                                    </p:animEffect>
+                                  </p:childTnLst>
+                                </p:cTn>
+                              </p:par>
+                            </p:childTnLst>
+                          </p:cTn>
+                        </p:par>
+                      </p:childTnLst>
+                    </p:cTn>
+                  </p:par>
+                  <p:par>
+                    <p:cTn id="28" fill="hold">
+                      <p:stCondLst>
+                        <p:cond delay="indefinite"/>
+                      </p:stCondLst>
+                      <p:childTnLst>
+                        <p:par>
+                          <p:cTn id="29" fill="hold">
+                            <p:stCondLst>
+                              <p:cond delay="0"/>
+                            </p:stCondLst>
+                            <p:childTnLst>
+                              <p:par>
+                                <p:cTn id="30" presetID="10" presetClass="entr" presetSubtype="0" fill="hold" nodeType="clickEffect">
+                                  <p:stCondLst>
+                                    <p:cond delay="0"/>
+                                  </p:stCondLst>
+                                  <p:childTnLst>
+                                    <p:set>
+                                      <p:cBhvr>
+                                        <p:cTn id="31" dur="1" fill="hold">
+                                          <p:stCondLst>
+                                            <p:cond delay="0"/>
+                                          </p:stCondLst>
+                                        </p:cTn>
+                                        <p:tgtEl>
+                                          <p:spTgt spid="3">
+                                            <p:txEl>
+                                              <p:pRg st="6" end="6"/>
+                                            </p:txEl>
+                                          </p:spTgt>
+                                        </p:tgtEl>
+                                        <p:attrNameLst>
+                                          <p:attrName>style.visibility</p:attrName>
+                                        </p:attrNameLst>
+                                      </p:cBhvr>
+                                      <p:to>
+                                        <p:strVal val="visible"/>
+                                      </p:to>
+                                    </p:set>
+                                    <p:animEffect transition="in" filter="fade">
+                                      <p:cBhvr>
+                                        <p:cTn id="32" dur="500"/>
+                                        <p:tgtEl>
+                                          <p:spTgt spid="3">
+                                            <p:txEl>
+                                              <p:pRg st="6" end="6"/>
+                                            </p:txEl>
+                                          </p:spTgt>
+                                        </p:tgtEl>
+                                      </p:cBhvr>
+                                    </p:animEffect>
+                                  </p:childTnLst>
+                                </p:cTn>
+                              </p:par>
+                            </p:childTnLst>
+                          </p:cTn>
+                        </p:par>
+                      </p:childTnLst>
+                    </p:cTn>
+                  </p:par>
+                  <p:par>
+                    <p:cTn id="33" fill="hold">
+                      <p:stCondLst>
+                        <p:cond delay="indefinite"/>
+                      </p:stCondLst>
+                      <p:childTnLst>
+                        <p:par>
+                          <p:cTn id="34" fill="hold">
+                            <p:stCondLst>
+                              <p:cond delay="0"/>
+                            </p:stCondLst>
+                            <p:childTnLst>
+                              <p:par>
+                                <p:cTn id="35" presetID="10" presetClass="entr" presetSubtype="0" fill="hold" nodeType="clickEffect">
+                                  <p:stCondLst>
+                                    <p:cond delay="0"/>
+                                  </p:stCondLst>
+                                  <p:childTnLst>
+                                    <p:set>
+                                      <p:cBhvr>
+                                        <p:cTn id="36" dur="1" fill="hold">
+                                          <p:stCondLst>
+                                            <p:cond delay="0"/>
+                                          </p:stCondLst>
+                                        </p:cTn>
+                                        <p:tgtEl>
+                                          <p:spTgt spid="3">
+                                            <p:txEl>
+                                              <p:pRg st="8" end="8"/>
+                                            </p:txEl>
+                                          </p:spTgt>
+                                        </p:tgtEl>
+                                        <p:attrNameLst>
+                                          <p:attrName>style.visibility</p:attrName>
+                                        </p:attrNameLst>
+                                      </p:cBhvr>
+                                      <p:to>
+                                        <p:strVal val="visible"/>
+                                      </p:to>
+                                    </p:set>
+                                    <p:animEffect transition="in" filter="fade">
+                                      <p:cBhvr>
+                                        <p:cTn id="37" dur="500"/>
+                                        <p:tgtEl>
+                                          <p:spTgt spid="3">
+                                            <p:txEl>
+                                              <p:pRg st="8" end="8"/>
+                                            </p:txEl>
+                                          </p:spTgt>
+                                        </p:tgtEl>
+                                      </p:cBhvr>
+                                    </p:animEffect>
+                                  </p:childTnLst>
+                                </p:cTn>
+                              </p:par>
+                            </p:childTnLst>
+                          </p:cTn>
+                        </p:par>
+                      </p:childTnLst>
+                    </p:cTn>
+                  </p:par>
+                </p:childTnLst>
+              </p:cTn>
+              <p:prevCondLst>
+                <p:cond evt="onPrev" delay="0">
+                  <p:tgtEl>
+                    <p:sldTgt/>
+                  </p:tgtEl>
+                </p:cond>
+              </p:prevCondLst>
+              <p:nextCondLst>
+                <p:cond evt="onNext" delay="0">
+                  <p:tgtEl>
+                    <p:sldTgt/>
+                  </p:tgtEl>
+                </p:cond>
+              </p:nextCondLst>
+            </p:seq>
+          </p:childTnLst>
+        </p:cTn>
+      </p:par>
+    </p:tnLst>
+  </p:timing>
 </p:sld>
 </file>
 
@@ -6959,7 +12481,7 @@
         </p:nvSpPr>
         <p:spPr>
           <a:xfrm>
-            <a:off x="8514851" y="4233147"/>
+            <a:off x="8514851" y="3970598"/>
             <a:ext cx="3328598" cy="1477328"/>
           </a:xfrm>
           <a:prstGeom prst="rect">
@@ -7026,6 +12548,572 @@
   <p:clrMapOvr>
     <a:masterClrMapping/>
   </p:clrMapOvr>
+  <p:timing>
+    <p:tnLst>
+      <p:par>
+        <p:cTn id="1" dur="indefinite" restart="never" nodeType="tmRoot">
+          <p:childTnLst>
+            <p:seq concurrent="1" nextAc="seek">
+              <p:cTn id="2" dur="indefinite" nodeType="mainSeq">
+                <p:childTnLst>
+                  <p:par>
+                    <p:cTn id="3" fill="hold">
+                      <p:stCondLst>
+                        <p:cond delay="indefinite"/>
+                      </p:stCondLst>
+                      <p:childTnLst>
+                        <p:par>
+                          <p:cTn id="4" fill="hold">
+                            <p:stCondLst>
+                              <p:cond delay="0"/>
+                            </p:stCondLst>
+                            <p:childTnLst>
+                              <p:par>
+                                <p:cTn id="5" presetID="10" presetClass="entr" presetSubtype="0" fill="hold" nodeType="clickEffect">
+                                  <p:stCondLst>
+                                    <p:cond delay="0"/>
+                                  </p:stCondLst>
+                                  <p:childTnLst>
+                                    <p:set>
+                                      <p:cBhvr>
+                                        <p:cTn id="6" dur="1" fill="hold">
+                                          <p:stCondLst>
+                                            <p:cond delay="0"/>
+                                          </p:stCondLst>
+                                        </p:cTn>
+                                        <p:tgtEl>
+                                          <p:spTgt spid="6"/>
+                                        </p:tgtEl>
+                                        <p:attrNameLst>
+                                          <p:attrName>style.visibility</p:attrName>
+                                        </p:attrNameLst>
+                                      </p:cBhvr>
+                                      <p:to>
+                                        <p:strVal val="visible"/>
+                                      </p:to>
+                                    </p:set>
+                                    <p:animEffect transition="in" filter="fade">
+                                      <p:cBhvr>
+                                        <p:cTn id="7" dur="500"/>
+                                        <p:tgtEl>
+                                          <p:spTgt spid="6"/>
+                                        </p:tgtEl>
+                                      </p:cBhvr>
+                                    </p:animEffect>
+                                  </p:childTnLst>
+                                </p:cTn>
+                              </p:par>
+                              <p:par>
+                                <p:cTn id="8" presetID="10" presetClass="entr" presetSubtype="0" fill="hold" grpId="0" nodeType="withEffect">
+                                  <p:stCondLst>
+                                    <p:cond delay="0"/>
+                                  </p:stCondLst>
+                                  <p:childTnLst>
+                                    <p:set>
+                                      <p:cBhvr>
+                                        <p:cTn id="9" dur="1" fill="hold">
+                                          <p:stCondLst>
+                                            <p:cond delay="0"/>
+                                          </p:stCondLst>
+                                        </p:cTn>
+                                        <p:tgtEl>
+                                          <p:spTgt spid="13"/>
+                                        </p:tgtEl>
+                                        <p:attrNameLst>
+                                          <p:attrName>style.visibility</p:attrName>
+                                        </p:attrNameLst>
+                                      </p:cBhvr>
+                                      <p:to>
+                                        <p:strVal val="visible"/>
+                                      </p:to>
+                                    </p:set>
+                                    <p:animEffect transition="in" filter="fade">
+                                      <p:cBhvr>
+                                        <p:cTn id="10" dur="500"/>
+                                        <p:tgtEl>
+                                          <p:spTgt spid="13"/>
+                                        </p:tgtEl>
+                                      </p:cBhvr>
+                                    </p:animEffect>
+                                  </p:childTnLst>
+                                </p:cTn>
+                              </p:par>
+                            </p:childTnLst>
+                          </p:cTn>
+                        </p:par>
+                      </p:childTnLst>
+                    </p:cTn>
+                  </p:par>
+                  <p:par>
+                    <p:cTn id="11" fill="hold">
+                      <p:stCondLst>
+                        <p:cond delay="indefinite"/>
+                      </p:stCondLst>
+                      <p:childTnLst>
+                        <p:par>
+                          <p:cTn id="12" fill="hold">
+                            <p:stCondLst>
+                              <p:cond delay="0"/>
+                            </p:stCondLst>
+                            <p:childTnLst>
+                              <p:par>
+                                <p:cTn id="13" presetID="10" presetClass="entr" presetSubtype="0" fill="hold" nodeType="clickEffect">
+                                  <p:stCondLst>
+                                    <p:cond delay="0"/>
+                                  </p:stCondLst>
+                                  <p:childTnLst>
+                                    <p:set>
+                                      <p:cBhvr>
+                                        <p:cTn id="14" dur="1" fill="hold">
+                                          <p:stCondLst>
+                                            <p:cond delay="0"/>
+                                          </p:stCondLst>
+                                        </p:cTn>
+                                        <p:tgtEl>
+                                          <p:spTgt spid="1032"/>
+                                        </p:tgtEl>
+                                        <p:attrNameLst>
+                                          <p:attrName>style.visibility</p:attrName>
+                                        </p:attrNameLst>
+                                      </p:cBhvr>
+                                      <p:to>
+                                        <p:strVal val="visible"/>
+                                      </p:to>
+                                    </p:set>
+                                    <p:animEffect transition="in" filter="fade">
+                                      <p:cBhvr>
+                                        <p:cTn id="15" dur="500"/>
+                                        <p:tgtEl>
+                                          <p:spTgt spid="1032"/>
+                                        </p:tgtEl>
+                                      </p:cBhvr>
+                                    </p:animEffect>
+                                  </p:childTnLst>
+                                </p:cTn>
+                              </p:par>
+                              <p:par>
+                                <p:cTn id="16" presetID="10" presetClass="entr" presetSubtype="0" fill="hold" nodeType="withEffect">
+                                  <p:stCondLst>
+                                    <p:cond delay="0"/>
+                                  </p:stCondLst>
+                                  <p:childTnLst>
+                                    <p:set>
+                                      <p:cBhvr>
+                                        <p:cTn id="17" dur="1" fill="hold">
+                                          <p:stCondLst>
+                                            <p:cond delay="0"/>
+                                          </p:stCondLst>
+                                        </p:cTn>
+                                        <p:tgtEl>
+                                          <p:spTgt spid="1034"/>
+                                        </p:tgtEl>
+                                        <p:attrNameLst>
+                                          <p:attrName>style.visibility</p:attrName>
+                                        </p:attrNameLst>
+                                      </p:cBhvr>
+                                      <p:to>
+                                        <p:strVal val="visible"/>
+                                      </p:to>
+                                    </p:set>
+                                    <p:animEffect transition="in" filter="fade">
+                                      <p:cBhvr>
+                                        <p:cTn id="18" dur="500"/>
+                                        <p:tgtEl>
+                                          <p:spTgt spid="1034"/>
+                                        </p:tgtEl>
+                                      </p:cBhvr>
+                                    </p:animEffect>
+                                  </p:childTnLst>
+                                </p:cTn>
+                              </p:par>
+                              <p:par>
+                                <p:cTn id="19" presetID="10" presetClass="entr" presetSubtype="0" fill="hold" nodeType="withEffect">
+                                  <p:stCondLst>
+                                    <p:cond delay="0"/>
+                                  </p:stCondLst>
+                                  <p:childTnLst>
+                                    <p:set>
+                                      <p:cBhvr>
+                                        <p:cTn id="20" dur="1" fill="hold">
+                                          <p:stCondLst>
+                                            <p:cond delay="0"/>
+                                          </p:stCondLst>
+                                        </p:cTn>
+                                        <p:tgtEl>
+                                          <p:spTgt spid="1036"/>
+                                        </p:tgtEl>
+                                        <p:attrNameLst>
+                                          <p:attrName>style.visibility</p:attrName>
+                                        </p:attrNameLst>
+                                      </p:cBhvr>
+                                      <p:to>
+                                        <p:strVal val="visible"/>
+                                      </p:to>
+                                    </p:set>
+                                    <p:animEffect transition="in" filter="fade">
+                                      <p:cBhvr>
+                                        <p:cTn id="21" dur="500"/>
+                                        <p:tgtEl>
+                                          <p:spTgt spid="1036"/>
+                                        </p:tgtEl>
+                                      </p:cBhvr>
+                                    </p:animEffect>
+                                  </p:childTnLst>
+                                </p:cTn>
+                              </p:par>
+                              <p:par>
+                                <p:cTn id="22" presetID="10" presetClass="entr" presetSubtype="0" fill="hold" grpId="0" nodeType="withEffect">
+                                  <p:stCondLst>
+                                    <p:cond delay="0"/>
+                                  </p:stCondLst>
+                                  <p:childTnLst>
+                                    <p:set>
+                                      <p:cBhvr>
+                                        <p:cTn id="23" dur="1" fill="hold">
+                                          <p:stCondLst>
+                                            <p:cond delay="0"/>
+                                          </p:stCondLst>
+                                        </p:cTn>
+                                        <p:tgtEl>
+                                          <p:spTgt spid="20"/>
+                                        </p:tgtEl>
+                                        <p:attrNameLst>
+                                          <p:attrName>style.visibility</p:attrName>
+                                        </p:attrNameLst>
+                                      </p:cBhvr>
+                                      <p:to>
+                                        <p:strVal val="visible"/>
+                                      </p:to>
+                                    </p:set>
+                                    <p:animEffect transition="in" filter="fade">
+                                      <p:cBhvr>
+                                        <p:cTn id="24" dur="500"/>
+                                        <p:tgtEl>
+                                          <p:spTgt spid="20"/>
+                                        </p:tgtEl>
+                                      </p:cBhvr>
+                                    </p:animEffect>
+                                  </p:childTnLst>
+                                </p:cTn>
+                              </p:par>
+                            </p:childTnLst>
+                          </p:cTn>
+                        </p:par>
+                      </p:childTnLst>
+                    </p:cTn>
+                  </p:par>
+                  <p:par>
+                    <p:cTn id="25" fill="hold">
+                      <p:stCondLst>
+                        <p:cond delay="indefinite"/>
+                      </p:stCondLst>
+                      <p:childTnLst>
+                        <p:par>
+                          <p:cTn id="26" fill="hold">
+                            <p:stCondLst>
+                              <p:cond delay="0"/>
+                            </p:stCondLst>
+                            <p:childTnLst>
+                              <p:par>
+                                <p:cTn id="27" presetID="10" presetClass="entr" presetSubtype="0" fill="hold" nodeType="clickEffect">
+                                  <p:stCondLst>
+                                    <p:cond delay="0"/>
+                                  </p:stCondLst>
+                                  <p:childTnLst>
+                                    <p:set>
+                                      <p:cBhvr>
+                                        <p:cTn id="28" dur="1" fill="hold">
+                                          <p:stCondLst>
+                                            <p:cond delay="0"/>
+                                          </p:stCondLst>
+                                        </p:cTn>
+                                        <p:tgtEl>
+                                          <p:spTgt spid="1030"/>
+                                        </p:tgtEl>
+                                        <p:attrNameLst>
+                                          <p:attrName>style.visibility</p:attrName>
+                                        </p:attrNameLst>
+                                      </p:cBhvr>
+                                      <p:to>
+                                        <p:strVal val="visible"/>
+                                      </p:to>
+                                    </p:set>
+                                    <p:animEffect transition="in" filter="fade">
+                                      <p:cBhvr>
+                                        <p:cTn id="29" dur="500"/>
+                                        <p:tgtEl>
+                                          <p:spTgt spid="1030"/>
+                                        </p:tgtEl>
+                                      </p:cBhvr>
+                                    </p:animEffect>
+                                  </p:childTnLst>
+                                </p:cTn>
+                              </p:par>
+                              <p:par>
+                                <p:cTn id="30" presetID="10" presetClass="entr" presetSubtype="0" fill="hold" grpId="0" nodeType="withEffect">
+                                  <p:stCondLst>
+                                    <p:cond delay="0"/>
+                                  </p:stCondLst>
+                                  <p:childTnLst>
+                                    <p:set>
+                                      <p:cBhvr>
+                                        <p:cTn id="31" dur="1" fill="hold">
+                                          <p:stCondLst>
+                                            <p:cond delay="0"/>
+                                          </p:stCondLst>
+                                        </p:cTn>
+                                        <p:tgtEl>
+                                          <p:spTgt spid="10"/>
+                                        </p:tgtEl>
+                                        <p:attrNameLst>
+                                          <p:attrName>style.visibility</p:attrName>
+                                        </p:attrNameLst>
+                                      </p:cBhvr>
+                                      <p:to>
+                                        <p:strVal val="visible"/>
+                                      </p:to>
+                                    </p:set>
+                                    <p:animEffect transition="in" filter="fade">
+                                      <p:cBhvr>
+                                        <p:cTn id="32" dur="500"/>
+                                        <p:tgtEl>
+                                          <p:spTgt spid="10"/>
+                                        </p:tgtEl>
+                                      </p:cBhvr>
+                                    </p:animEffect>
+                                  </p:childTnLst>
+                                </p:cTn>
+                              </p:par>
+                              <p:par>
+                                <p:cTn id="33" presetID="10" presetClass="entr" presetSubtype="0" fill="hold" grpId="0" nodeType="withEffect">
+                                  <p:stCondLst>
+                                    <p:cond delay="0"/>
+                                  </p:stCondLst>
+                                  <p:childTnLst>
+                                    <p:set>
+                                      <p:cBhvr>
+                                        <p:cTn id="34" dur="1" fill="hold">
+                                          <p:stCondLst>
+                                            <p:cond delay="0"/>
+                                          </p:stCondLst>
+                                        </p:cTn>
+                                        <p:tgtEl>
+                                          <p:spTgt spid="12"/>
+                                        </p:tgtEl>
+                                        <p:attrNameLst>
+                                          <p:attrName>style.visibility</p:attrName>
+                                        </p:attrNameLst>
+                                      </p:cBhvr>
+                                      <p:to>
+                                        <p:strVal val="visible"/>
+                                      </p:to>
+                                    </p:set>
+                                    <p:animEffect transition="in" filter="fade">
+                                      <p:cBhvr>
+                                        <p:cTn id="35" dur="500"/>
+                                        <p:tgtEl>
+                                          <p:spTgt spid="12"/>
+                                        </p:tgtEl>
+                                      </p:cBhvr>
+                                    </p:animEffect>
+                                  </p:childTnLst>
+                                </p:cTn>
+                              </p:par>
+                            </p:childTnLst>
+                          </p:cTn>
+                        </p:par>
+                      </p:childTnLst>
+                    </p:cTn>
+                  </p:par>
+                  <p:par>
+                    <p:cTn id="36" fill="hold">
+                      <p:stCondLst>
+                        <p:cond delay="indefinite"/>
+                      </p:stCondLst>
+                      <p:childTnLst>
+                        <p:par>
+                          <p:cTn id="37" fill="hold">
+                            <p:stCondLst>
+                              <p:cond delay="0"/>
+                            </p:stCondLst>
+                            <p:childTnLst>
+                              <p:par>
+                                <p:cTn id="38" presetID="10" presetClass="entr" presetSubtype="0" fill="hold" nodeType="clickEffect">
+                                  <p:stCondLst>
+                                    <p:cond delay="0"/>
+                                  </p:stCondLst>
+                                  <p:childTnLst>
+                                    <p:set>
+                                      <p:cBhvr>
+                                        <p:cTn id="39" dur="1" fill="hold">
+                                          <p:stCondLst>
+                                            <p:cond delay="0"/>
+                                          </p:stCondLst>
+                                        </p:cTn>
+                                        <p:tgtEl>
+                                          <p:spTgt spid="1026"/>
+                                        </p:tgtEl>
+                                        <p:attrNameLst>
+                                          <p:attrName>style.visibility</p:attrName>
+                                        </p:attrNameLst>
+                                      </p:cBhvr>
+                                      <p:to>
+                                        <p:strVal val="visible"/>
+                                      </p:to>
+                                    </p:set>
+                                    <p:animEffect transition="in" filter="fade">
+                                      <p:cBhvr>
+                                        <p:cTn id="40" dur="500"/>
+                                        <p:tgtEl>
+                                          <p:spTgt spid="1026"/>
+                                        </p:tgtEl>
+                                      </p:cBhvr>
+                                    </p:animEffect>
+                                  </p:childTnLst>
+                                </p:cTn>
+                              </p:par>
+                              <p:par>
+                                <p:cTn id="41" presetID="10" presetClass="entr" presetSubtype="0" fill="hold" grpId="0" nodeType="withEffect">
+                                  <p:stCondLst>
+                                    <p:cond delay="0"/>
+                                  </p:stCondLst>
+                                  <p:childTnLst>
+                                    <p:set>
+                                      <p:cBhvr>
+                                        <p:cTn id="42" dur="1" fill="hold">
+                                          <p:stCondLst>
+                                            <p:cond delay="0"/>
+                                          </p:stCondLst>
+                                        </p:cTn>
+                                        <p:tgtEl>
+                                          <p:spTgt spid="9"/>
+                                        </p:tgtEl>
+                                        <p:attrNameLst>
+                                          <p:attrName>style.visibility</p:attrName>
+                                        </p:attrNameLst>
+                                      </p:cBhvr>
+                                      <p:to>
+                                        <p:strVal val="visible"/>
+                                      </p:to>
+                                    </p:set>
+                                    <p:animEffect transition="in" filter="fade">
+                                      <p:cBhvr>
+                                        <p:cTn id="43" dur="500"/>
+                                        <p:tgtEl>
+                                          <p:spTgt spid="9"/>
+                                        </p:tgtEl>
+                                      </p:cBhvr>
+                                    </p:animEffect>
+                                  </p:childTnLst>
+                                </p:cTn>
+                              </p:par>
+                              <p:par>
+                                <p:cTn id="44" presetID="10" presetClass="entr" presetSubtype="0" fill="hold" grpId="0" nodeType="withEffect">
+                                  <p:stCondLst>
+                                    <p:cond delay="0"/>
+                                  </p:stCondLst>
+                                  <p:childTnLst>
+                                    <p:set>
+                                      <p:cBhvr>
+                                        <p:cTn id="45" dur="1" fill="hold">
+                                          <p:stCondLst>
+                                            <p:cond delay="0"/>
+                                          </p:stCondLst>
+                                        </p:cTn>
+                                        <p:tgtEl>
+                                          <p:spTgt spid="16"/>
+                                        </p:tgtEl>
+                                        <p:attrNameLst>
+                                          <p:attrName>style.visibility</p:attrName>
+                                        </p:attrNameLst>
+                                      </p:cBhvr>
+                                      <p:to>
+                                        <p:strVal val="visible"/>
+                                      </p:to>
+                                    </p:set>
+                                    <p:animEffect transition="in" filter="fade">
+                                      <p:cBhvr>
+                                        <p:cTn id="46" dur="500"/>
+                                        <p:tgtEl>
+                                          <p:spTgt spid="16"/>
+                                        </p:tgtEl>
+                                      </p:cBhvr>
+                                    </p:animEffect>
+                                  </p:childTnLst>
+                                </p:cTn>
+                              </p:par>
+                              <p:par>
+                                <p:cTn id="47" presetID="10" presetClass="entr" presetSubtype="0" fill="hold" grpId="0" nodeType="withEffect">
+                                  <p:stCondLst>
+                                    <p:cond delay="0"/>
+                                  </p:stCondLst>
+                                  <p:childTnLst>
+                                    <p:set>
+                                      <p:cBhvr>
+                                        <p:cTn id="48" dur="1" fill="hold">
+                                          <p:stCondLst>
+                                            <p:cond delay="0"/>
+                                          </p:stCondLst>
+                                        </p:cTn>
+                                        <p:tgtEl>
+                                          <p:spTgt spid="21"/>
+                                        </p:tgtEl>
+                                        <p:attrNameLst>
+                                          <p:attrName>style.visibility</p:attrName>
+                                        </p:attrNameLst>
+                                      </p:cBhvr>
+                                      <p:to>
+                                        <p:strVal val="visible"/>
+                                      </p:to>
+                                    </p:set>
+                                    <p:animEffect transition="in" filter="fade">
+                                      <p:cBhvr>
+                                        <p:cTn id="49" dur="500"/>
+                                        <p:tgtEl>
+                                          <p:spTgt spid="21"/>
+                                        </p:tgtEl>
+                                      </p:cBhvr>
+                                    </p:animEffect>
+                                  </p:childTnLst>
+                                </p:cTn>
+                              </p:par>
+                            </p:childTnLst>
+                          </p:cTn>
+                        </p:par>
+                      </p:childTnLst>
+                    </p:cTn>
+                  </p:par>
+                </p:childTnLst>
+              </p:cTn>
+              <p:prevCondLst>
+                <p:cond evt="onPrev" delay="0">
+                  <p:tgtEl>
+                    <p:sldTgt/>
+                  </p:tgtEl>
+                </p:cond>
+              </p:prevCondLst>
+              <p:nextCondLst>
+                <p:cond evt="onNext" delay="0">
+                  <p:tgtEl>
+                    <p:sldTgt/>
+                  </p:tgtEl>
+                </p:cond>
+              </p:nextCondLst>
+            </p:seq>
+          </p:childTnLst>
+        </p:cTn>
+      </p:par>
+    </p:tnLst>
+    <p:bldLst>
+      <p:bldP spid="9" grpId="0"/>
+      <p:bldP spid="10" grpId="0"/>
+      <p:bldP spid="13" grpId="0"/>
+      <p:bldP spid="12" grpId="0"/>
+      <p:bldP spid="16" grpId="0"/>
+      <p:bldP spid="20" grpId="0"/>
+      <p:bldP spid="21" grpId="0"/>
+    </p:bldLst>
+  </p:timing>
 </p:sld>
 </file>
 
@@ -7187,7 +13275,7 @@
                 <a:latin typeface="Euclid Circular B" panose="020B0504000000000000" pitchFamily="34" charset="0"/>
                 <a:ea typeface="Euclid Circular B" panose="020B0504000000000000" pitchFamily="34" charset="0"/>
               </a:rPr>
-              <a:t>: Tenants, packages, subscriptions</a:t>
+              <a:t>: Tenants, packages, subscriptions…</a:t>
             </a:r>
           </a:p>
           <a:p>
@@ -7196,7 +13284,7 @@
                 <a:latin typeface="Euclid Circular B" panose="020B0504000000000000" pitchFamily="34" charset="0"/>
                 <a:ea typeface="Euclid Circular B" panose="020B0504000000000000" pitchFamily="34" charset="0"/>
               </a:rPr>
-              <a:t>Audit Log Reports</a:t>
+              <a:t>Audit Logs</a:t>
             </a:r>
             <a:r>
               <a:rPr lang="en-US" dirty="0">
@@ -7281,6 +13369,524 @@
   <p:clrMapOvr>
     <a:masterClrMapping/>
   </p:clrMapOvr>
+  <p:timing>
+    <p:tnLst>
+      <p:par>
+        <p:cTn id="1" dur="indefinite" restart="never" nodeType="tmRoot">
+          <p:childTnLst>
+            <p:seq concurrent="1" nextAc="seek">
+              <p:cTn id="2" dur="indefinite" nodeType="mainSeq">
+                <p:childTnLst>
+                  <p:par>
+                    <p:cTn id="3" fill="hold">
+                      <p:stCondLst>
+                        <p:cond delay="indefinite"/>
+                      </p:stCondLst>
+                      <p:childTnLst>
+                        <p:par>
+                          <p:cTn id="4" fill="hold">
+                            <p:stCondLst>
+                              <p:cond delay="0"/>
+                            </p:stCondLst>
+                            <p:childTnLst>
+                              <p:par>
+                                <p:cTn id="5" presetID="10" presetClass="entr" presetSubtype="0" fill="hold" nodeType="clickEffect">
+                                  <p:stCondLst>
+                                    <p:cond delay="0"/>
+                                  </p:stCondLst>
+                                  <p:childTnLst>
+                                    <p:set>
+                                      <p:cBhvr>
+                                        <p:cTn id="6" dur="1" fill="hold">
+                                          <p:stCondLst>
+                                            <p:cond delay="0"/>
+                                          </p:stCondLst>
+                                        </p:cTn>
+                                        <p:tgtEl>
+                                          <p:spTgt spid="3">
+                                            <p:txEl>
+                                              <p:pRg st="0" end="0"/>
+                                            </p:txEl>
+                                          </p:spTgt>
+                                        </p:tgtEl>
+                                        <p:attrNameLst>
+                                          <p:attrName>style.visibility</p:attrName>
+                                        </p:attrNameLst>
+                                      </p:cBhvr>
+                                      <p:to>
+                                        <p:strVal val="visible"/>
+                                      </p:to>
+                                    </p:set>
+                                    <p:animEffect transition="in" filter="fade">
+                                      <p:cBhvr>
+                                        <p:cTn id="7" dur="500"/>
+                                        <p:tgtEl>
+                                          <p:spTgt spid="3">
+                                            <p:txEl>
+                                              <p:pRg st="0" end="0"/>
+                                            </p:txEl>
+                                          </p:spTgt>
+                                        </p:tgtEl>
+                                      </p:cBhvr>
+                                    </p:animEffect>
+                                  </p:childTnLst>
+                                </p:cTn>
+                              </p:par>
+                            </p:childTnLst>
+                          </p:cTn>
+                        </p:par>
+                      </p:childTnLst>
+                    </p:cTn>
+                  </p:par>
+                  <p:par>
+                    <p:cTn id="8" fill="hold">
+                      <p:stCondLst>
+                        <p:cond delay="indefinite"/>
+                      </p:stCondLst>
+                      <p:childTnLst>
+                        <p:par>
+                          <p:cTn id="9" fill="hold">
+                            <p:stCondLst>
+                              <p:cond delay="0"/>
+                            </p:stCondLst>
+                            <p:childTnLst>
+                              <p:par>
+                                <p:cTn id="10" presetID="10" presetClass="entr" presetSubtype="0" fill="hold" nodeType="clickEffect">
+                                  <p:stCondLst>
+                                    <p:cond delay="0"/>
+                                  </p:stCondLst>
+                                  <p:childTnLst>
+                                    <p:set>
+                                      <p:cBhvr>
+                                        <p:cTn id="11" dur="1" fill="hold">
+                                          <p:stCondLst>
+                                            <p:cond delay="0"/>
+                                          </p:stCondLst>
+                                        </p:cTn>
+                                        <p:tgtEl>
+                                          <p:spTgt spid="3">
+                                            <p:txEl>
+                                              <p:pRg st="2" end="2"/>
+                                            </p:txEl>
+                                          </p:spTgt>
+                                        </p:tgtEl>
+                                        <p:attrNameLst>
+                                          <p:attrName>style.visibility</p:attrName>
+                                        </p:attrNameLst>
+                                      </p:cBhvr>
+                                      <p:to>
+                                        <p:strVal val="visible"/>
+                                      </p:to>
+                                    </p:set>
+                                    <p:animEffect transition="in" filter="fade">
+                                      <p:cBhvr>
+                                        <p:cTn id="12" dur="500"/>
+                                        <p:tgtEl>
+                                          <p:spTgt spid="3">
+                                            <p:txEl>
+                                              <p:pRg st="2" end="2"/>
+                                            </p:txEl>
+                                          </p:spTgt>
+                                        </p:tgtEl>
+                                      </p:cBhvr>
+                                    </p:animEffect>
+                                  </p:childTnLst>
+                                </p:cTn>
+                              </p:par>
+                            </p:childTnLst>
+                          </p:cTn>
+                        </p:par>
+                      </p:childTnLst>
+                    </p:cTn>
+                  </p:par>
+                  <p:par>
+                    <p:cTn id="13" fill="hold">
+                      <p:stCondLst>
+                        <p:cond delay="indefinite"/>
+                      </p:stCondLst>
+                      <p:childTnLst>
+                        <p:par>
+                          <p:cTn id="14" fill="hold">
+                            <p:stCondLst>
+                              <p:cond delay="0"/>
+                            </p:stCondLst>
+                            <p:childTnLst>
+                              <p:par>
+                                <p:cTn id="15" presetID="10" presetClass="entr" presetSubtype="0" fill="hold" nodeType="clickEffect">
+                                  <p:stCondLst>
+                                    <p:cond delay="0"/>
+                                  </p:stCondLst>
+                                  <p:childTnLst>
+                                    <p:set>
+                                      <p:cBhvr>
+                                        <p:cTn id="16" dur="1" fill="hold">
+                                          <p:stCondLst>
+                                            <p:cond delay="0"/>
+                                          </p:stCondLst>
+                                        </p:cTn>
+                                        <p:tgtEl>
+                                          <p:spTgt spid="3">
+                                            <p:txEl>
+                                              <p:pRg st="3" end="3"/>
+                                            </p:txEl>
+                                          </p:spTgt>
+                                        </p:tgtEl>
+                                        <p:attrNameLst>
+                                          <p:attrName>style.visibility</p:attrName>
+                                        </p:attrNameLst>
+                                      </p:cBhvr>
+                                      <p:to>
+                                        <p:strVal val="visible"/>
+                                      </p:to>
+                                    </p:set>
+                                    <p:animEffect transition="in" filter="fade">
+                                      <p:cBhvr>
+                                        <p:cTn id="17" dur="500"/>
+                                        <p:tgtEl>
+                                          <p:spTgt spid="3">
+                                            <p:txEl>
+                                              <p:pRg st="3" end="3"/>
+                                            </p:txEl>
+                                          </p:spTgt>
+                                        </p:tgtEl>
+                                      </p:cBhvr>
+                                    </p:animEffect>
+                                  </p:childTnLst>
+                                </p:cTn>
+                              </p:par>
+                            </p:childTnLst>
+                          </p:cTn>
+                        </p:par>
+                      </p:childTnLst>
+                    </p:cTn>
+                  </p:par>
+                  <p:par>
+                    <p:cTn id="18" fill="hold">
+                      <p:stCondLst>
+                        <p:cond delay="indefinite"/>
+                      </p:stCondLst>
+                      <p:childTnLst>
+                        <p:par>
+                          <p:cTn id="19" fill="hold">
+                            <p:stCondLst>
+                              <p:cond delay="0"/>
+                            </p:stCondLst>
+                            <p:childTnLst>
+                              <p:par>
+                                <p:cTn id="20" presetID="10" presetClass="entr" presetSubtype="0" fill="hold" nodeType="clickEffect">
+                                  <p:stCondLst>
+                                    <p:cond delay="0"/>
+                                  </p:stCondLst>
+                                  <p:childTnLst>
+                                    <p:set>
+                                      <p:cBhvr>
+                                        <p:cTn id="21" dur="1" fill="hold">
+                                          <p:stCondLst>
+                                            <p:cond delay="0"/>
+                                          </p:stCondLst>
+                                        </p:cTn>
+                                        <p:tgtEl>
+                                          <p:spTgt spid="3">
+                                            <p:txEl>
+                                              <p:pRg st="4" end="4"/>
+                                            </p:txEl>
+                                          </p:spTgt>
+                                        </p:tgtEl>
+                                        <p:attrNameLst>
+                                          <p:attrName>style.visibility</p:attrName>
+                                        </p:attrNameLst>
+                                      </p:cBhvr>
+                                      <p:to>
+                                        <p:strVal val="visible"/>
+                                      </p:to>
+                                    </p:set>
+                                    <p:animEffect transition="in" filter="fade">
+                                      <p:cBhvr>
+                                        <p:cTn id="22" dur="500"/>
+                                        <p:tgtEl>
+                                          <p:spTgt spid="3">
+                                            <p:txEl>
+                                              <p:pRg st="4" end="4"/>
+                                            </p:txEl>
+                                          </p:spTgt>
+                                        </p:tgtEl>
+                                      </p:cBhvr>
+                                    </p:animEffect>
+                                  </p:childTnLst>
+                                </p:cTn>
+                              </p:par>
+                            </p:childTnLst>
+                          </p:cTn>
+                        </p:par>
+                      </p:childTnLst>
+                    </p:cTn>
+                  </p:par>
+                  <p:par>
+                    <p:cTn id="23" fill="hold">
+                      <p:stCondLst>
+                        <p:cond delay="indefinite"/>
+                      </p:stCondLst>
+                      <p:childTnLst>
+                        <p:par>
+                          <p:cTn id="24" fill="hold">
+                            <p:stCondLst>
+                              <p:cond delay="0"/>
+                            </p:stCondLst>
+                            <p:childTnLst>
+                              <p:par>
+                                <p:cTn id="25" presetID="10" presetClass="entr" presetSubtype="0" fill="hold" nodeType="clickEffect">
+                                  <p:stCondLst>
+                                    <p:cond delay="0"/>
+                                  </p:stCondLst>
+                                  <p:childTnLst>
+                                    <p:set>
+                                      <p:cBhvr>
+                                        <p:cTn id="26" dur="1" fill="hold">
+                                          <p:stCondLst>
+                                            <p:cond delay="0"/>
+                                          </p:stCondLst>
+                                        </p:cTn>
+                                        <p:tgtEl>
+                                          <p:spTgt spid="3">
+                                            <p:txEl>
+                                              <p:pRg st="5" end="5"/>
+                                            </p:txEl>
+                                          </p:spTgt>
+                                        </p:tgtEl>
+                                        <p:attrNameLst>
+                                          <p:attrName>style.visibility</p:attrName>
+                                        </p:attrNameLst>
+                                      </p:cBhvr>
+                                      <p:to>
+                                        <p:strVal val="visible"/>
+                                      </p:to>
+                                    </p:set>
+                                    <p:animEffect transition="in" filter="fade">
+                                      <p:cBhvr>
+                                        <p:cTn id="27" dur="500"/>
+                                        <p:tgtEl>
+                                          <p:spTgt spid="3">
+                                            <p:txEl>
+                                              <p:pRg st="5" end="5"/>
+                                            </p:txEl>
+                                          </p:spTgt>
+                                        </p:tgtEl>
+                                      </p:cBhvr>
+                                    </p:animEffect>
+                                  </p:childTnLst>
+                                </p:cTn>
+                              </p:par>
+                            </p:childTnLst>
+                          </p:cTn>
+                        </p:par>
+                      </p:childTnLst>
+                    </p:cTn>
+                  </p:par>
+                  <p:par>
+                    <p:cTn id="28" fill="hold">
+                      <p:stCondLst>
+                        <p:cond delay="indefinite"/>
+                      </p:stCondLst>
+                      <p:childTnLst>
+                        <p:par>
+                          <p:cTn id="29" fill="hold">
+                            <p:stCondLst>
+                              <p:cond delay="0"/>
+                            </p:stCondLst>
+                            <p:childTnLst>
+                              <p:par>
+                                <p:cTn id="30" presetID="10" presetClass="entr" presetSubtype="0" fill="hold" nodeType="clickEffect">
+                                  <p:stCondLst>
+                                    <p:cond delay="0"/>
+                                  </p:stCondLst>
+                                  <p:childTnLst>
+                                    <p:set>
+                                      <p:cBhvr>
+                                        <p:cTn id="31" dur="1" fill="hold">
+                                          <p:stCondLst>
+                                            <p:cond delay="0"/>
+                                          </p:stCondLst>
+                                        </p:cTn>
+                                        <p:tgtEl>
+                                          <p:spTgt spid="3">
+                                            <p:txEl>
+                                              <p:pRg st="6" end="6"/>
+                                            </p:txEl>
+                                          </p:spTgt>
+                                        </p:tgtEl>
+                                        <p:attrNameLst>
+                                          <p:attrName>style.visibility</p:attrName>
+                                        </p:attrNameLst>
+                                      </p:cBhvr>
+                                      <p:to>
+                                        <p:strVal val="visible"/>
+                                      </p:to>
+                                    </p:set>
+                                    <p:animEffect transition="in" filter="fade">
+                                      <p:cBhvr>
+                                        <p:cTn id="32" dur="500"/>
+                                        <p:tgtEl>
+                                          <p:spTgt spid="3">
+                                            <p:txEl>
+                                              <p:pRg st="6" end="6"/>
+                                            </p:txEl>
+                                          </p:spTgt>
+                                        </p:tgtEl>
+                                      </p:cBhvr>
+                                    </p:animEffect>
+                                  </p:childTnLst>
+                                </p:cTn>
+                              </p:par>
+                            </p:childTnLst>
+                          </p:cTn>
+                        </p:par>
+                      </p:childTnLst>
+                    </p:cTn>
+                  </p:par>
+                  <p:par>
+                    <p:cTn id="33" fill="hold">
+                      <p:stCondLst>
+                        <p:cond delay="indefinite"/>
+                      </p:stCondLst>
+                      <p:childTnLst>
+                        <p:par>
+                          <p:cTn id="34" fill="hold">
+                            <p:stCondLst>
+                              <p:cond delay="0"/>
+                            </p:stCondLst>
+                            <p:childTnLst>
+                              <p:par>
+                                <p:cTn id="35" presetID="10" presetClass="entr" presetSubtype="0" fill="hold" nodeType="clickEffect">
+                                  <p:stCondLst>
+                                    <p:cond delay="0"/>
+                                  </p:stCondLst>
+                                  <p:childTnLst>
+                                    <p:set>
+                                      <p:cBhvr>
+                                        <p:cTn id="36" dur="1" fill="hold">
+                                          <p:stCondLst>
+                                            <p:cond delay="0"/>
+                                          </p:stCondLst>
+                                        </p:cTn>
+                                        <p:tgtEl>
+                                          <p:spTgt spid="3">
+                                            <p:txEl>
+                                              <p:pRg st="7" end="7"/>
+                                            </p:txEl>
+                                          </p:spTgt>
+                                        </p:tgtEl>
+                                        <p:attrNameLst>
+                                          <p:attrName>style.visibility</p:attrName>
+                                        </p:attrNameLst>
+                                      </p:cBhvr>
+                                      <p:to>
+                                        <p:strVal val="visible"/>
+                                      </p:to>
+                                    </p:set>
+                                    <p:animEffect transition="in" filter="fade">
+                                      <p:cBhvr>
+                                        <p:cTn id="37" dur="500"/>
+                                        <p:tgtEl>
+                                          <p:spTgt spid="3">
+                                            <p:txEl>
+                                              <p:pRg st="7" end="7"/>
+                                            </p:txEl>
+                                          </p:spTgt>
+                                        </p:tgtEl>
+                                      </p:cBhvr>
+                                    </p:animEffect>
+                                  </p:childTnLst>
+                                </p:cTn>
+                              </p:par>
+                            </p:childTnLst>
+                          </p:cTn>
+                        </p:par>
+                      </p:childTnLst>
+                    </p:cTn>
+                  </p:par>
+                  <p:par>
+                    <p:cTn id="38" fill="hold">
+                      <p:stCondLst>
+                        <p:cond delay="indefinite"/>
+                      </p:stCondLst>
+                      <p:childTnLst>
+                        <p:par>
+                          <p:cTn id="39" fill="hold">
+                            <p:stCondLst>
+                              <p:cond delay="0"/>
+                            </p:stCondLst>
+                            <p:childTnLst>
+                              <p:par>
+                                <p:cTn id="40" presetID="10" presetClass="entr" presetSubtype="0" fill="hold" nodeType="clickEffect">
+                                  <p:stCondLst>
+                                    <p:cond delay="0"/>
+                                  </p:stCondLst>
+                                  <p:childTnLst>
+                                    <p:set>
+                                      <p:cBhvr>
+                                        <p:cTn id="41" dur="1" fill="hold">
+                                          <p:stCondLst>
+                                            <p:cond delay="0"/>
+                                          </p:stCondLst>
+                                        </p:cTn>
+                                        <p:tgtEl>
+                                          <p:spTgt spid="3">
+                                            <p:txEl>
+                                              <p:pRg st="9" end="9"/>
+                                            </p:txEl>
+                                          </p:spTgt>
+                                        </p:tgtEl>
+                                        <p:attrNameLst>
+                                          <p:attrName>style.visibility</p:attrName>
+                                        </p:attrNameLst>
+                                      </p:cBhvr>
+                                      <p:to>
+                                        <p:strVal val="visible"/>
+                                      </p:to>
+                                    </p:set>
+                                    <p:animEffect transition="in" filter="fade">
+                                      <p:cBhvr>
+                                        <p:cTn id="42" dur="500"/>
+                                        <p:tgtEl>
+                                          <p:spTgt spid="3">
+                                            <p:txEl>
+                                              <p:pRg st="9" end="9"/>
+                                            </p:txEl>
+                                          </p:spTgt>
+                                        </p:tgtEl>
+                                      </p:cBhvr>
+                                    </p:animEffect>
+                                  </p:childTnLst>
+                                </p:cTn>
+                              </p:par>
+                            </p:childTnLst>
+                          </p:cTn>
+                        </p:par>
+                      </p:childTnLst>
+                    </p:cTn>
+                  </p:par>
+                </p:childTnLst>
+              </p:cTn>
+              <p:prevCondLst>
+                <p:cond evt="onPrev" delay="0">
+                  <p:tgtEl>
+                    <p:sldTgt/>
+                  </p:tgtEl>
+                </p:cond>
+              </p:prevCondLst>
+              <p:nextCondLst>
+                <p:cond evt="onNext" delay="0">
+                  <p:tgtEl>
+                    <p:sldTgt/>
+                  </p:tgtEl>
+                </p:cond>
+              </p:nextCondLst>
+            </p:seq>
+          </p:childTnLst>
+        </p:cTn>
+      </p:par>
+    </p:tnLst>
+  </p:timing>
 </p:sld>
 </file>
 
@@ -7496,6 +14102,333 @@
   <p:clrMapOvr>
     <a:masterClrMapping/>
   </p:clrMapOvr>
+  <p:timing>
+    <p:tnLst>
+      <p:par>
+        <p:cTn id="1" dur="indefinite" restart="never" nodeType="tmRoot">
+          <p:childTnLst>
+            <p:seq concurrent="1" nextAc="seek">
+              <p:cTn id="2" dur="indefinite" nodeType="mainSeq">
+                <p:childTnLst>
+                  <p:par>
+                    <p:cTn id="3" fill="hold">
+                      <p:stCondLst>
+                        <p:cond delay="indefinite"/>
+                      </p:stCondLst>
+                      <p:childTnLst>
+                        <p:par>
+                          <p:cTn id="4" fill="hold">
+                            <p:stCondLst>
+                              <p:cond delay="0"/>
+                            </p:stCondLst>
+                            <p:childTnLst>
+                              <p:par>
+                                <p:cTn id="5" presetID="10" presetClass="entr" presetSubtype="0" fill="hold" nodeType="clickEffect">
+                                  <p:stCondLst>
+                                    <p:cond delay="0"/>
+                                  </p:stCondLst>
+                                  <p:childTnLst>
+                                    <p:set>
+                                      <p:cBhvr>
+                                        <p:cTn id="6" dur="1" fill="hold">
+                                          <p:stCondLst>
+                                            <p:cond delay="0"/>
+                                          </p:stCondLst>
+                                        </p:cTn>
+                                        <p:tgtEl>
+                                          <p:spTgt spid="3">
+                                            <p:txEl>
+                                              <p:pRg st="0" end="0"/>
+                                            </p:txEl>
+                                          </p:spTgt>
+                                        </p:tgtEl>
+                                        <p:attrNameLst>
+                                          <p:attrName>style.visibility</p:attrName>
+                                        </p:attrNameLst>
+                                      </p:cBhvr>
+                                      <p:to>
+                                        <p:strVal val="visible"/>
+                                      </p:to>
+                                    </p:set>
+                                    <p:animEffect transition="in" filter="fade">
+                                      <p:cBhvr>
+                                        <p:cTn id="7" dur="500"/>
+                                        <p:tgtEl>
+                                          <p:spTgt spid="3">
+                                            <p:txEl>
+                                              <p:pRg st="0" end="0"/>
+                                            </p:txEl>
+                                          </p:spTgt>
+                                        </p:tgtEl>
+                                      </p:cBhvr>
+                                    </p:animEffect>
+                                  </p:childTnLst>
+                                </p:cTn>
+                              </p:par>
+                            </p:childTnLst>
+                          </p:cTn>
+                        </p:par>
+                      </p:childTnLst>
+                    </p:cTn>
+                  </p:par>
+                  <p:par>
+                    <p:cTn id="8" fill="hold">
+                      <p:stCondLst>
+                        <p:cond delay="indefinite"/>
+                      </p:stCondLst>
+                      <p:childTnLst>
+                        <p:par>
+                          <p:cTn id="9" fill="hold">
+                            <p:stCondLst>
+                              <p:cond delay="0"/>
+                            </p:stCondLst>
+                            <p:childTnLst>
+                              <p:par>
+                                <p:cTn id="10" presetID="10" presetClass="entr" presetSubtype="0" fill="hold" nodeType="clickEffect">
+                                  <p:stCondLst>
+                                    <p:cond delay="0"/>
+                                  </p:stCondLst>
+                                  <p:childTnLst>
+                                    <p:set>
+                                      <p:cBhvr>
+                                        <p:cTn id="11" dur="1" fill="hold">
+                                          <p:stCondLst>
+                                            <p:cond delay="0"/>
+                                          </p:stCondLst>
+                                        </p:cTn>
+                                        <p:tgtEl>
+                                          <p:spTgt spid="3">
+                                            <p:txEl>
+                                              <p:pRg st="1" end="1"/>
+                                            </p:txEl>
+                                          </p:spTgt>
+                                        </p:tgtEl>
+                                        <p:attrNameLst>
+                                          <p:attrName>style.visibility</p:attrName>
+                                        </p:attrNameLst>
+                                      </p:cBhvr>
+                                      <p:to>
+                                        <p:strVal val="visible"/>
+                                      </p:to>
+                                    </p:set>
+                                    <p:animEffect transition="in" filter="fade">
+                                      <p:cBhvr>
+                                        <p:cTn id="12" dur="500"/>
+                                        <p:tgtEl>
+                                          <p:spTgt spid="3">
+                                            <p:txEl>
+                                              <p:pRg st="1" end="1"/>
+                                            </p:txEl>
+                                          </p:spTgt>
+                                        </p:tgtEl>
+                                      </p:cBhvr>
+                                    </p:animEffect>
+                                  </p:childTnLst>
+                                </p:cTn>
+                              </p:par>
+                            </p:childTnLst>
+                          </p:cTn>
+                        </p:par>
+                      </p:childTnLst>
+                    </p:cTn>
+                  </p:par>
+                  <p:par>
+                    <p:cTn id="13" fill="hold">
+                      <p:stCondLst>
+                        <p:cond delay="indefinite"/>
+                      </p:stCondLst>
+                      <p:childTnLst>
+                        <p:par>
+                          <p:cTn id="14" fill="hold">
+                            <p:stCondLst>
+                              <p:cond delay="0"/>
+                            </p:stCondLst>
+                            <p:childTnLst>
+                              <p:par>
+                                <p:cTn id="15" presetID="10" presetClass="entr" presetSubtype="0" fill="hold" nodeType="clickEffect">
+                                  <p:stCondLst>
+                                    <p:cond delay="0"/>
+                                  </p:stCondLst>
+                                  <p:childTnLst>
+                                    <p:set>
+                                      <p:cBhvr>
+                                        <p:cTn id="16" dur="1" fill="hold">
+                                          <p:stCondLst>
+                                            <p:cond delay="0"/>
+                                          </p:stCondLst>
+                                        </p:cTn>
+                                        <p:tgtEl>
+                                          <p:spTgt spid="3">
+                                            <p:txEl>
+                                              <p:pRg st="2" end="2"/>
+                                            </p:txEl>
+                                          </p:spTgt>
+                                        </p:tgtEl>
+                                        <p:attrNameLst>
+                                          <p:attrName>style.visibility</p:attrName>
+                                        </p:attrNameLst>
+                                      </p:cBhvr>
+                                      <p:to>
+                                        <p:strVal val="visible"/>
+                                      </p:to>
+                                    </p:set>
+                                    <p:animEffect transition="in" filter="fade">
+                                      <p:cBhvr>
+                                        <p:cTn id="17" dur="500"/>
+                                        <p:tgtEl>
+                                          <p:spTgt spid="3">
+                                            <p:txEl>
+                                              <p:pRg st="2" end="2"/>
+                                            </p:txEl>
+                                          </p:spTgt>
+                                        </p:tgtEl>
+                                      </p:cBhvr>
+                                    </p:animEffect>
+                                  </p:childTnLst>
+                                </p:cTn>
+                              </p:par>
+                            </p:childTnLst>
+                          </p:cTn>
+                        </p:par>
+                      </p:childTnLst>
+                    </p:cTn>
+                  </p:par>
+                  <p:par>
+                    <p:cTn id="18" fill="hold">
+                      <p:stCondLst>
+                        <p:cond delay="indefinite"/>
+                      </p:stCondLst>
+                      <p:childTnLst>
+                        <p:par>
+                          <p:cTn id="19" fill="hold">
+                            <p:stCondLst>
+                              <p:cond delay="0"/>
+                            </p:stCondLst>
+                            <p:childTnLst>
+                              <p:par>
+                                <p:cTn id="20" presetID="10" presetClass="entr" presetSubtype="0" fill="hold" nodeType="clickEffect">
+                                  <p:stCondLst>
+                                    <p:cond delay="0"/>
+                                  </p:stCondLst>
+                                  <p:childTnLst>
+                                    <p:set>
+                                      <p:cBhvr>
+                                        <p:cTn id="21" dur="1" fill="hold">
+                                          <p:stCondLst>
+                                            <p:cond delay="0"/>
+                                          </p:stCondLst>
+                                        </p:cTn>
+                                        <p:tgtEl>
+                                          <p:spTgt spid="3">
+                                            <p:txEl>
+                                              <p:pRg st="3" end="3"/>
+                                            </p:txEl>
+                                          </p:spTgt>
+                                        </p:tgtEl>
+                                        <p:attrNameLst>
+                                          <p:attrName>style.visibility</p:attrName>
+                                        </p:attrNameLst>
+                                      </p:cBhvr>
+                                      <p:to>
+                                        <p:strVal val="visible"/>
+                                      </p:to>
+                                    </p:set>
+                                    <p:animEffect transition="in" filter="fade">
+                                      <p:cBhvr>
+                                        <p:cTn id="22" dur="500"/>
+                                        <p:tgtEl>
+                                          <p:spTgt spid="3">
+                                            <p:txEl>
+                                              <p:pRg st="3" end="3"/>
+                                            </p:txEl>
+                                          </p:spTgt>
+                                        </p:tgtEl>
+                                      </p:cBhvr>
+                                    </p:animEffect>
+                                  </p:childTnLst>
+                                </p:cTn>
+                              </p:par>
+                            </p:childTnLst>
+                          </p:cTn>
+                        </p:par>
+                      </p:childTnLst>
+                    </p:cTn>
+                  </p:par>
+                  <p:par>
+                    <p:cTn id="23" fill="hold">
+                      <p:stCondLst>
+                        <p:cond delay="indefinite"/>
+                      </p:stCondLst>
+                      <p:childTnLst>
+                        <p:par>
+                          <p:cTn id="24" fill="hold">
+                            <p:stCondLst>
+                              <p:cond delay="0"/>
+                            </p:stCondLst>
+                            <p:childTnLst>
+                              <p:par>
+                                <p:cTn id="25" presetID="10" presetClass="entr" presetSubtype="0" fill="hold" nodeType="clickEffect">
+                                  <p:stCondLst>
+                                    <p:cond delay="0"/>
+                                  </p:stCondLst>
+                                  <p:childTnLst>
+                                    <p:set>
+                                      <p:cBhvr>
+                                        <p:cTn id="26" dur="1" fill="hold">
+                                          <p:stCondLst>
+                                            <p:cond delay="0"/>
+                                          </p:stCondLst>
+                                        </p:cTn>
+                                        <p:tgtEl>
+                                          <p:spTgt spid="9"/>
+                                        </p:tgtEl>
+                                        <p:attrNameLst>
+                                          <p:attrName>style.visibility</p:attrName>
+                                        </p:attrNameLst>
+                                      </p:cBhvr>
+                                      <p:to>
+                                        <p:strVal val="visible"/>
+                                      </p:to>
+                                    </p:set>
+                                    <p:animEffect transition="in" filter="fade">
+                                      <p:cBhvr>
+                                        <p:cTn id="27" dur="500"/>
+                                        <p:tgtEl>
+                                          <p:spTgt spid="9"/>
+                                        </p:tgtEl>
+                                      </p:cBhvr>
+                                    </p:animEffect>
+                                  </p:childTnLst>
+                                </p:cTn>
+                              </p:par>
+                            </p:childTnLst>
+                          </p:cTn>
+                        </p:par>
+                      </p:childTnLst>
+                    </p:cTn>
+                  </p:par>
+                </p:childTnLst>
+              </p:cTn>
+              <p:prevCondLst>
+                <p:cond evt="onPrev" delay="0">
+                  <p:tgtEl>
+                    <p:sldTgt/>
+                  </p:tgtEl>
+                </p:cond>
+              </p:prevCondLst>
+              <p:nextCondLst>
+                <p:cond evt="onNext" delay="0">
+                  <p:tgtEl>
+                    <p:sldTgt/>
+                  </p:tgtEl>
+                </p:cond>
+              </p:nextCondLst>
+            </p:seq>
+          </p:childTnLst>
+        </p:cTn>
+      </p:par>
+    </p:tnLst>
+  </p:timing>
 </p:sld>
 </file>
 

--- a/2022-07-20 Dotnet Foundation Summit 2022/ABP-DNF-Summit-2022.pptx
+++ b/2022-07-20 Dotnet Foundation Summit 2022/ABP-DNF-Summit-2022.pptx
@@ -276,7 +276,7 @@
           <a:p>
             <a:fld id="{2A14C9FE-EBC3-45D3-899C-58AAF4F8AF71}" type="datetimeFigureOut">
               <a:rPr lang="en-US" smtClean="0"/>
-              <a:t>11-Jul-22</a:t>
+              <a:t>12-Jul-22</a:t>
             </a:fld>
             <a:endParaRPr lang="en-US"/>
           </a:p>
@@ -474,7 +474,7 @@
           <a:p>
             <a:fld id="{2A14C9FE-EBC3-45D3-899C-58AAF4F8AF71}" type="datetimeFigureOut">
               <a:rPr lang="en-US" smtClean="0"/>
-              <a:t>11-Jul-22</a:t>
+              <a:t>12-Jul-22</a:t>
             </a:fld>
             <a:endParaRPr lang="en-US"/>
           </a:p>
@@ -682,7 +682,7 @@
           <a:p>
             <a:fld id="{2A14C9FE-EBC3-45D3-899C-58AAF4F8AF71}" type="datetimeFigureOut">
               <a:rPr lang="en-US" smtClean="0"/>
-              <a:t>11-Jul-22</a:t>
+              <a:t>12-Jul-22</a:t>
             </a:fld>
             <a:endParaRPr lang="en-US"/>
           </a:p>
@@ -880,7 +880,7 @@
           <a:p>
             <a:fld id="{2A14C9FE-EBC3-45D3-899C-58AAF4F8AF71}" type="datetimeFigureOut">
               <a:rPr lang="en-US" smtClean="0"/>
-              <a:t>11-Jul-22</a:t>
+              <a:t>12-Jul-22</a:t>
             </a:fld>
             <a:endParaRPr lang="en-US"/>
           </a:p>
@@ -1155,7 +1155,7 @@
           <a:p>
             <a:fld id="{2A14C9FE-EBC3-45D3-899C-58AAF4F8AF71}" type="datetimeFigureOut">
               <a:rPr lang="en-US" smtClean="0"/>
-              <a:t>11-Jul-22</a:t>
+              <a:t>12-Jul-22</a:t>
             </a:fld>
             <a:endParaRPr lang="en-US"/>
           </a:p>
@@ -1420,7 +1420,7 @@
           <a:p>
             <a:fld id="{2A14C9FE-EBC3-45D3-899C-58AAF4F8AF71}" type="datetimeFigureOut">
               <a:rPr lang="en-US" smtClean="0"/>
-              <a:t>11-Jul-22</a:t>
+              <a:t>12-Jul-22</a:t>
             </a:fld>
             <a:endParaRPr lang="en-US"/>
           </a:p>
@@ -1832,7 +1832,7 @@
           <a:p>
             <a:fld id="{2A14C9FE-EBC3-45D3-899C-58AAF4F8AF71}" type="datetimeFigureOut">
               <a:rPr lang="en-US" smtClean="0"/>
-              <a:t>11-Jul-22</a:t>
+              <a:t>12-Jul-22</a:t>
             </a:fld>
             <a:endParaRPr lang="en-US"/>
           </a:p>
@@ -1973,7 +1973,7 @@
           <a:p>
             <a:fld id="{2A14C9FE-EBC3-45D3-899C-58AAF4F8AF71}" type="datetimeFigureOut">
               <a:rPr lang="en-US" smtClean="0"/>
-              <a:t>11-Jul-22</a:t>
+              <a:t>12-Jul-22</a:t>
             </a:fld>
             <a:endParaRPr lang="en-US"/>
           </a:p>
@@ -2086,7 +2086,7 @@
           <a:p>
             <a:fld id="{2A14C9FE-EBC3-45D3-899C-58AAF4F8AF71}" type="datetimeFigureOut">
               <a:rPr lang="en-US" smtClean="0"/>
-              <a:t>11-Jul-22</a:t>
+              <a:t>12-Jul-22</a:t>
             </a:fld>
             <a:endParaRPr lang="en-US"/>
           </a:p>
@@ -2397,7 +2397,7 @@
           <a:p>
             <a:fld id="{2A14C9FE-EBC3-45D3-899C-58AAF4F8AF71}" type="datetimeFigureOut">
               <a:rPr lang="en-US" smtClean="0"/>
-              <a:t>11-Jul-22</a:t>
+              <a:t>12-Jul-22</a:t>
             </a:fld>
             <a:endParaRPr lang="en-US"/>
           </a:p>
@@ -2685,7 +2685,7 @@
           <a:p>
             <a:fld id="{2A14C9FE-EBC3-45D3-899C-58AAF4F8AF71}" type="datetimeFigureOut">
               <a:rPr lang="en-US" smtClean="0"/>
-              <a:t>11-Jul-22</a:t>
+              <a:t>12-Jul-22</a:t>
             </a:fld>
             <a:endParaRPr lang="en-US"/>
           </a:p>
@@ -2926,7 +2926,7 @@
           <a:p>
             <a:fld id="{2A14C9FE-EBC3-45D3-899C-58AAF4F8AF71}" type="datetimeFigureOut">
               <a:rPr lang="en-US" smtClean="0"/>
-              <a:t>11-Jul-22</a:t>
+              <a:t>12-Jul-22</a:t>
             </a:fld>
             <a:endParaRPr lang="en-US"/>
           </a:p>
@@ -8273,7 +8273,7 @@
         <p:spPr>
           <a:xfrm>
             <a:off x="838200" y="5455717"/>
-            <a:ext cx="8077981" cy="830997"/>
+            <a:ext cx="8491555" cy="830997"/>
           </a:xfrm>
           <a:prstGeom prst="rect">
             <a:avLst/>
@@ -8294,6 +8294,10 @@
               <a:rPr lang="en-US" sz="2400" u="sng" dirty="0"/>
             </a:br>
             <a:r>
+              <a:rPr lang="en-US" sz="2400" dirty="0"/>
+              <a:t>      </a:t>
+            </a:r>
+            <a:r>
               <a:rPr lang="en-US" sz="2400" b="1" dirty="0">
                 <a:solidFill>
                   <a:srgbClr val="0070C0"/>
@@ -8304,6 +8308,42 @@
           </a:p>
         </p:txBody>
       </p:sp>
+      <p:pic>
+        <p:nvPicPr>
+          <p:cNvPr id="5" name="Picture 4">
+            <a:extLst>
+              <a:ext uri="{FF2B5EF4-FFF2-40B4-BE49-F238E27FC236}">
+                <a16:creationId xmlns:a16="http://schemas.microsoft.com/office/drawing/2014/main" id="{7F29E475-3F76-9058-6C14-1C50B0EC5965}"/>
+              </a:ext>
+            </a:extLst>
+          </p:cNvPr>
+          <p:cNvPicPr>
+            <a:picLocks noChangeAspect="1"/>
+          </p:cNvPicPr>
+          <p:nvPr/>
+        </p:nvPicPr>
+        <p:blipFill>
+          <a:blip r:embed="rId4">
+            <a:extLst>
+              <a:ext uri="{28A0092B-C50C-407E-A947-70E740481C1C}">
+                <a14:useLocalDpi xmlns:a14="http://schemas.microsoft.com/office/drawing/2010/main" val="0"/>
+              </a:ext>
+            </a:extLst>
+          </a:blip>
+          <a:stretch>
+            <a:fillRect/>
+          </a:stretch>
+        </p:blipFill>
+        <p:spPr>
+          <a:xfrm>
+            <a:off x="924748" y="5918237"/>
+            <a:ext cx="318805" cy="318805"/>
+          </a:xfrm>
+          <a:prstGeom prst="rect">
+            <a:avLst/>
+          </a:prstGeom>
+        </p:spPr>
+      </p:pic>
     </p:spTree>
     <p:extLst>
       <p:ext uri="{BB962C8B-B14F-4D97-AF65-F5344CB8AC3E}">
@@ -8416,6 +8456,41 @@
                                         <p:cTn id="12" dur="500"/>
                                         <p:tgtEl>
                                           <p:spTgt spid="7"/>
+                                        </p:tgtEl>
+                                      </p:cBhvr>
+                                    </p:animEffect>
+                                  </p:childTnLst>
+                                </p:cTn>
+                              </p:par>
+                              <p:par>
+                                <p:cTn id="13" presetID="10" presetClass="entr" presetSubtype="0" fill="hold" nodeType="withEffect">
+                                  <p:stCondLst>
+                                    <p:cond delay="0"/>
+                                  </p:stCondLst>
+                                  <p:childTnLst>
+                                    <p:set>
+                                      <p:cBhvr>
+                                        <p:cTn id="14" dur="1" fill="hold">
+                                          <p:stCondLst>
+                                            <p:cond delay="0"/>
+                                          </p:stCondLst>
+                                        </p:cTn>
+                                        <p:tgtEl>
+                                          <p:spTgt spid="5"/>
+                                        </p:tgtEl>
+                                        <p:attrNameLst>
+                                          <p:attrName>style.visibility</p:attrName>
+                                        </p:attrNameLst>
+                                      </p:cBhvr>
+                                      <p:to>
+                                        <p:strVal val="visible"/>
+                                      </p:to>
+                                    </p:set>
+                                    <p:animEffect transition="in" filter="fade">
+                                      <p:cBhvr>
+                                        <p:cTn id="15" dur="500"/>
+                                        <p:tgtEl>
+                                          <p:spTgt spid="5"/>
                                         </p:tgtEl>
                                       </p:cBhvr>
                                     </p:animEffect>
@@ -8810,7 +8885,7 @@
         </p:spPr>
         <p:txBody>
           <a:bodyPr>
-            <a:normAutofit fontScale="92500" lnSpcReduction="10000"/>
+            <a:normAutofit lnSpcReduction="10000"/>
           </a:bodyPr>
           <a:lstStyle/>
           <a:p>
@@ -8903,22 +8978,6 @@
                 <a:ea typeface="Euclid Circular B" panose="020B0504000000000000" pitchFamily="34" charset="0"/>
               </a:rPr>
               <a:t>with navigation, header, footer, toolbars… or apply a pre-built UI theme.</a:t>
-            </a:r>
-          </a:p>
-          <a:p>
-            <a:r>
-              <a:rPr lang="en-US" sz="2000" b="1" dirty="0">
-                <a:latin typeface="Euclid Circular B" panose="020B0504000000000000" pitchFamily="34" charset="0"/>
-                <a:ea typeface="Euclid Circular B" panose="020B0504000000000000" pitchFamily="34" charset="0"/>
-              </a:rPr>
-              <a:t>Train</a:t>
-            </a:r>
-            <a:r>
-              <a:rPr lang="en-US" sz="2000" dirty="0">
-                <a:latin typeface="Euclid Circular B" panose="020B0504000000000000" pitchFamily="34" charset="0"/>
-                <a:ea typeface="Euclid Circular B" panose="020B0504000000000000" pitchFamily="34" charset="0"/>
-              </a:rPr>
-              <a:t> your developers how to use all these, or document..!</a:t>
             </a:r>
           </a:p>
           <a:p>
@@ -9521,7 +9580,7 @@
                                         <p:tgtEl>
                                           <p:spTgt spid="3">
                                             <p:txEl>
-                                              <p:pRg st="4" end="4"/>
+                                              <p:pRg st="5" end="5"/>
                                             </p:txEl>
                                           </p:spTgt>
                                         </p:tgtEl>
@@ -9539,68 +9598,7 @@
                                         <p:tgtEl>
                                           <p:spTgt spid="3">
                                             <p:txEl>
-                                              <p:pRg st="4" end="4"/>
-                                            </p:txEl>
-                                          </p:spTgt>
-                                        </p:tgtEl>
-                                      </p:cBhvr>
-                                    </p:animEffect>
-                                  </p:childTnLst>
-                                </p:cTn>
-                              </p:par>
-                            </p:childTnLst>
-                          </p:cTn>
-                        </p:par>
-                      </p:childTnLst>
-                    </p:cTn>
-                  </p:par>
-                  <p:par>
-                    <p:cTn id="41" fill="hold">
-                      <p:stCondLst>
-                        <p:cond delay="indefinite"/>
-                      </p:stCondLst>
-                      <p:childTnLst>
-                        <p:par>
-                          <p:cTn id="42" fill="hold">
-                            <p:stCondLst>
-                              <p:cond delay="0"/>
-                            </p:stCondLst>
-                            <p:childTnLst>
-                              <p:par>
-                                <p:cTn id="43" presetID="10" presetClass="entr" presetSubtype="0" fill="hold" nodeType="clickEffect">
-                                  <p:stCondLst>
-                                    <p:cond delay="0"/>
-                                  </p:stCondLst>
-                                  <p:childTnLst>
-                                    <p:set>
-                                      <p:cBhvr>
-                                        <p:cTn id="44" dur="1" fill="hold">
-                                          <p:stCondLst>
-                                            <p:cond delay="0"/>
-                                          </p:stCondLst>
-                                        </p:cTn>
-                                        <p:tgtEl>
-                                          <p:spTgt spid="3">
-                                            <p:txEl>
-                                              <p:pRg st="6" end="6"/>
-                                            </p:txEl>
-                                          </p:spTgt>
-                                        </p:tgtEl>
-                                        <p:attrNameLst>
-                                          <p:attrName>style.visibility</p:attrName>
-                                        </p:attrNameLst>
-                                      </p:cBhvr>
-                                      <p:to>
-                                        <p:strVal val="visible"/>
-                                      </p:to>
-                                    </p:set>
-                                    <p:animEffect transition="in" filter="fade">
-                                      <p:cBhvr>
-                                        <p:cTn id="45" dur="500"/>
-                                        <p:tgtEl>
-                                          <p:spTgt spid="3">
-                                            <p:txEl>
-                                              <p:pRg st="6" end="6"/>
+                                              <p:pRg st="5" end="5"/>
                                             </p:txEl>
                                           </p:spTgt>
                                         </p:tgtEl>
@@ -12157,8 +12155,8 @@
         </p:nvSpPr>
         <p:spPr>
           <a:xfrm>
-            <a:off x="4853906" y="3063236"/>
-            <a:ext cx="2320764" cy="369332"/>
+            <a:off x="5179912" y="3063236"/>
+            <a:ext cx="1698798" cy="369332"/>
           </a:xfrm>
           <a:prstGeom prst="rect">
             <a:avLst/>
@@ -12173,7 +12171,7 @@
           <a:p>
             <a:r>
               <a:rPr lang="en-US" dirty="0"/>
-              <a:t>10s of NuGet packages</a:t>
+              <a:t>NuGet packages</a:t>
             </a:r>
           </a:p>
         </p:txBody>
@@ -12481,13 +12479,24 @@
         </p:nvSpPr>
         <p:spPr>
           <a:xfrm>
-            <a:off x="8514851" y="3970598"/>
-            <a:ext cx="3328598" cy="1477328"/>
+            <a:off x="6966408" y="4571925"/>
+            <a:ext cx="4761101" cy="1200329"/>
           </a:xfrm>
           <a:prstGeom prst="rect">
             <a:avLst/>
           </a:prstGeom>
-          <a:noFill/>
+          <a:solidFill>
+            <a:schemeClr val="bg1">
+              <a:lumMod val="95000"/>
+            </a:schemeClr>
+          </a:solidFill>
+          <a:ln>
+            <a:solidFill>
+              <a:schemeClr val="bg1">
+                <a:lumMod val="85000"/>
+              </a:schemeClr>
+            </a:solidFill>
+          </a:ln>
         </p:spPr>
         <p:txBody>
           <a:bodyPr wrap="square" rtlCol="0">
@@ -12529,11 +12538,25 @@
             </a:pPr>
             <a:r>
               <a:rPr lang="en-US" b="1" dirty="0"/>
+              <a:t>8,5M</a:t>
+            </a:r>
+            <a:r>
+              <a:rPr lang="en-US" dirty="0"/>
+              <a:t> downloads on NuGet</a:t>
+            </a:r>
+          </a:p>
+          <a:p>
+            <a:pPr marL="285750" indent="-285750">
+              <a:buFont typeface="Arial" panose="020B0604020202020204" pitchFamily="34" charset="0"/>
+              <a:buChar char="•"/>
+            </a:pPr>
+            <a:r>
+              <a:rPr lang="en-US" b="1" dirty="0"/>
               <a:t>5,000</a:t>
             </a:r>
             <a:r>
               <a:rPr lang="en-US" dirty="0"/>
-              <a:t> issues, 1,200 PRs closed</a:t>
+              <a:t>+ issues, 1,200+ PRs closed</a:t>
             </a:r>
           </a:p>
         </p:txBody>
@@ -14576,7 +14599,7 @@
           <a:solidFill>
             <a:schemeClr val="bg1"/>
           </a:solidFill>
-          <a:ln>
+          <a:ln w="38100">
             <a:solidFill>
               <a:schemeClr val="tx1">
                 <a:lumMod val="50000"/>
@@ -14678,7 +14701,7 @@
           <a:solidFill>
             <a:srgbClr val="292D33"/>
           </a:solidFill>
-          <a:ln>
+          <a:ln w="38100">
             <a:solidFill>
               <a:schemeClr val="tx1">
                 <a:lumMod val="50000"/>
@@ -14781,12 +14804,9 @@
           <a:solidFill>
             <a:srgbClr val="586EC4"/>
           </a:solidFill>
-          <a:ln>
+          <a:ln w="38100">
             <a:solidFill>
-              <a:schemeClr val="tx1">
-                <a:lumMod val="50000"/>
-                <a:lumOff val="50000"/>
-              </a:schemeClr>
+              <a:srgbClr val="002060"/>
             </a:solidFill>
           </a:ln>
         </p:spPr>

--- a/2022-07-20 Dotnet Foundation Summit 2022/ABP-DNF-Summit-2022.pptx
+++ b/2022-07-20 Dotnet Foundation Summit 2022/ABP-DNF-Summit-2022.pptx
@@ -3373,7 +3373,12 @@
             <p:ph type="ctrTitle"/>
           </p:nvPr>
         </p:nvSpPr>
-        <p:spPr/>
+        <p:spPr>
+          <a:xfrm>
+            <a:off x="1524000" y="1838800"/>
+            <a:ext cx="9144000" cy="2387600"/>
+          </a:xfrm>
+        </p:spPr>
         <p:txBody>
           <a:bodyPr>
             <a:normAutofit/>
@@ -3381,7 +3386,7 @@
           <a:lstStyle/>
           <a:p>
             <a:r>
-              <a:rPr lang="en-US" sz="4000" b="1" dirty="0">
+              <a:rPr lang="en-US" sz="5400" b="1" dirty="0">
                 <a:solidFill>
                   <a:srgbClr val="292D33"/>
                 </a:solidFill>
@@ -3390,74 +3395,48 @@
               </a:rPr>
               <a:t>The ABP Framework</a:t>
             </a:r>
-          </a:p>
-        </p:txBody>
-      </p:sp>
-      <p:sp>
-        <p:nvSpPr>
-          <p:cNvPr id="3" name="Subtitle 2">
-            <a:extLst>
-              <a:ext uri="{FF2B5EF4-FFF2-40B4-BE49-F238E27FC236}">
-                <a16:creationId xmlns:a16="http://schemas.microsoft.com/office/drawing/2014/main" id="{265612B9-B745-46CB-8A20-997CA82E05E7}"/>
-              </a:ext>
-            </a:extLst>
-          </p:cNvPr>
-          <p:cNvSpPr>
-            <a:spLocks noGrp="1"/>
-          </p:cNvSpPr>
-          <p:nvPr>
-            <p:ph type="subTitle" idx="1"/>
-          </p:nvPr>
-        </p:nvSpPr>
-        <p:spPr/>
-        <p:txBody>
-          <a:bodyPr>
-            <a:normAutofit/>
-          </a:bodyPr>
-          <a:lstStyle/>
-          <a:p>
-            <a:r>
-              <a:rPr lang="en-US" sz="2800" dirty="0">
-                <a:latin typeface="Euclid Circular B" panose="020B0504000000000000" pitchFamily="34" charset="0"/>
-                <a:ea typeface="Euclid Circular B" panose="020B0504000000000000" pitchFamily="34" charset="0"/>
-              </a:rPr>
-              <a:t>Presenters:</a:t>
-            </a:r>
             <a:br>
-              <a:rPr lang="en-US" sz="2800" dirty="0">
+              <a:rPr lang="en-US" sz="5400" b="1" dirty="0">
+                <a:solidFill>
+                  <a:srgbClr val="292D33"/>
+                </a:solidFill>
                 <a:latin typeface="Euclid Circular B" panose="020B0504000000000000" pitchFamily="34" charset="0"/>
                 <a:ea typeface="Euclid Circular B" panose="020B0504000000000000" pitchFamily="34" charset="0"/>
               </a:rPr>
             </a:br>
             <a:r>
-              <a:rPr lang="en-US" sz="2800" dirty="0">
+              <a:rPr lang="en-US" sz="2800" i="1" dirty="0">
+                <a:solidFill>
+                  <a:srgbClr val="292D33"/>
+                </a:solidFill>
                 <a:latin typeface="Euclid Circular B" panose="020B0504000000000000" pitchFamily="34" charset="0"/>
                 <a:ea typeface="Euclid Circular B" panose="020B0504000000000000" pitchFamily="34" charset="0"/>
               </a:rPr>
-              <a:t>Halil İbrahim Kalkan &amp; </a:t>
-            </a:r>
-            <a:r>
-              <a:rPr lang="en-US" sz="2800" dirty="0" err="1">
+              <a:t>open-source web application framework</a:t>
+            </a:r>
+            <a:br>
+              <a:rPr lang="en-US" sz="2800" i="1" dirty="0">
+                <a:solidFill>
+                  <a:srgbClr val="292D33"/>
+                </a:solidFill>
                 <a:latin typeface="Euclid Circular B" panose="020B0504000000000000" pitchFamily="34" charset="0"/>
                 <a:ea typeface="Euclid Circular B" panose="020B0504000000000000" pitchFamily="34" charset="0"/>
               </a:rPr>
-              <a:t>Alper</a:t>
-            </a:r>
-            <a:r>
-              <a:rPr lang="en-US" sz="2800" dirty="0">
+            </a:br>
+            <a:r>
+              <a:rPr lang="en-US" sz="2800" i="1" dirty="0">
+                <a:solidFill>
+                  <a:srgbClr val="292D33"/>
+                </a:solidFill>
                 <a:latin typeface="Euclid Circular B" panose="020B0504000000000000" pitchFamily="34" charset="0"/>
                 <a:ea typeface="Euclid Circular B" panose="020B0504000000000000" pitchFamily="34" charset="0"/>
               </a:rPr>
-              <a:t> </a:t>
-            </a:r>
-            <a:r>
-              <a:rPr lang="en-US" sz="2800" dirty="0" err="1">
-                <a:latin typeface="Euclid Circular B" panose="020B0504000000000000" pitchFamily="34" charset="0"/>
-                <a:ea typeface="Euclid Circular B" panose="020B0504000000000000" pitchFamily="34" charset="0"/>
-              </a:rPr>
-              <a:t>Ebiçoğlu</a:t>
-            </a:r>
-            <a:endParaRPr lang="en-US" sz="2800" dirty="0">
+              <a:t>for ASP.NET Core</a:t>
+            </a:r>
+            <a:endParaRPr lang="en-US" sz="4000" i="1" dirty="0">
+              <a:solidFill>
+                <a:srgbClr val="292D33"/>
+              </a:solidFill>
               <a:latin typeface="Euclid Circular B" panose="020B0504000000000000" pitchFamily="34" charset="0"/>
               <a:ea typeface="Euclid Circular B" panose="020B0504000000000000" pitchFamily="34" charset="0"/>
             </a:endParaRPr>

--- a/2022-07-20 Dotnet Foundation Summit 2022/ABP-DNF-Summit-2022.pptx
+++ b/2022-07-20 Dotnet Foundation Summit 2022/ABP-DNF-Summit-2022.pptx
@@ -22,7 +22,6 @@
     <p:sldId id="272" r:id="rId16"/>
     <p:sldId id="273" r:id="rId17"/>
     <p:sldId id="274" r:id="rId18"/>
-    <p:sldId id="275" r:id="rId19"/>
   </p:sldIdLst>
   <p:sldSz cx="12192000" cy="6858000"/>
   <p:notesSz cx="6858000" cy="9144000"/>
@@ -8657,115 +8656,6 @@
     <p:extLst>
       <p:ext uri="{BB962C8B-B14F-4D97-AF65-F5344CB8AC3E}">
         <p14:creationId xmlns:p14="http://schemas.microsoft.com/office/powerpoint/2010/main" val="3099850905"/>
-      </p:ext>
-    </p:extLst>
-  </p:cSld>
-  <p:clrMapOvr>
-    <a:masterClrMapping/>
-  </p:clrMapOvr>
-</p:sld>
-</file>
-
-<file path=ppt/slides/slide18.xml><?xml version="1.0" encoding="utf-8"?>
-<p:sld xmlns:a="http://schemas.openxmlformats.org/drawingml/2006/main" xmlns:r="http://schemas.openxmlformats.org/officeDocument/2006/relationships" xmlns:p="http://schemas.openxmlformats.org/presentationml/2006/main">
-  <p:cSld>
-    <p:bg>
-      <p:bgPr>
-        <a:blipFill dpi="0" rotWithShape="1">
-          <a:blip r:embed="rId2">
-            <a:lum/>
-          </a:blip>
-          <a:srcRect/>
-          <a:stretch>
-            <a:fillRect/>
-          </a:stretch>
-        </a:blipFill>
-        <a:effectLst/>
-      </p:bgPr>
-    </p:bg>
-    <p:spTree>
-      <p:nvGrpSpPr>
-        <p:cNvPr id="1" name=""/>
-        <p:cNvGrpSpPr/>
-        <p:nvPr/>
-      </p:nvGrpSpPr>
-      <p:grpSpPr>
-        <a:xfrm>
-          <a:off x="0" y="0"/>
-          <a:ext cx="0" cy="0"/>
-          <a:chOff x="0" y="0"/>
-          <a:chExt cx="0" cy="0"/>
-        </a:xfrm>
-      </p:grpSpPr>
-      <p:sp>
-        <p:nvSpPr>
-          <p:cNvPr id="2" name="Title 1">
-            <a:extLst>
-              <a:ext uri="{FF2B5EF4-FFF2-40B4-BE49-F238E27FC236}">
-                <a16:creationId xmlns:a16="http://schemas.microsoft.com/office/drawing/2014/main" id="{55E11F08-6CA0-48F1-AD67-97430DDA07F0}"/>
-              </a:ext>
-            </a:extLst>
-          </p:cNvPr>
-          <p:cNvSpPr>
-            <a:spLocks noGrp="1"/>
-          </p:cNvSpPr>
-          <p:nvPr>
-            <p:ph type="title"/>
-          </p:nvPr>
-        </p:nvSpPr>
-        <p:spPr/>
-        <p:txBody>
-          <a:bodyPr/>
-          <a:lstStyle/>
-          <a:p>
-            <a:r>
-              <a:rPr lang="en-US" b="1" dirty="0">
-                <a:solidFill>
-                  <a:srgbClr val="292D33"/>
-                </a:solidFill>
-                <a:latin typeface="Euclid Circular B" panose="020B0504000000000000" pitchFamily="34" charset="0"/>
-                <a:ea typeface="Euclid Circular B" panose="020B0504000000000000" pitchFamily="34" charset="0"/>
-              </a:rPr>
-              <a:t>Topic title</a:t>
-            </a:r>
-          </a:p>
-        </p:txBody>
-      </p:sp>
-      <p:sp>
-        <p:nvSpPr>
-          <p:cNvPr id="3" name="Content Placeholder 2">
-            <a:extLst>
-              <a:ext uri="{FF2B5EF4-FFF2-40B4-BE49-F238E27FC236}">
-                <a16:creationId xmlns:a16="http://schemas.microsoft.com/office/drawing/2014/main" id="{891C7693-D3DF-4635-96F4-97F3B4136FDF}"/>
-              </a:ext>
-            </a:extLst>
-          </p:cNvPr>
-          <p:cNvSpPr>
-            <a:spLocks noGrp="1"/>
-          </p:cNvSpPr>
-          <p:nvPr>
-            <p:ph idx="1"/>
-          </p:nvPr>
-        </p:nvSpPr>
-        <p:spPr/>
-        <p:txBody>
-          <a:bodyPr/>
-          <a:lstStyle/>
-          <a:p>
-            <a:r>
-              <a:rPr lang="en-US" dirty="0">
-                <a:latin typeface="Euclid Circular B" panose="020B0504000000000000" pitchFamily="34" charset="0"/>
-                <a:ea typeface="Euclid Circular B" panose="020B0504000000000000" pitchFamily="34" charset="0"/>
-              </a:rPr>
-              <a:t>Content</a:t>
-            </a:r>
-          </a:p>
-        </p:txBody>
-      </p:sp>
-    </p:spTree>
-    <p:extLst>
-      <p:ext uri="{BB962C8B-B14F-4D97-AF65-F5344CB8AC3E}">
-        <p14:creationId xmlns:p14="http://schemas.microsoft.com/office/powerpoint/2010/main" val="3090259435"/>
       </p:ext>
     </p:extLst>
   </p:cSld>

--- a/2022-07-20 Dotnet Foundation Summit 2022/ABP-DNF-Summit-2022.pptx
+++ b/2022-07-20 Dotnet Foundation Summit 2022/ABP-DNF-Summit-2022.pptx
@@ -11,17 +11,16 @@
     <p:sldId id="259" r:id="rId5"/>
     <p:sldId id="260" r:id="rId6"/>
     <p:sldId id="261" r:id="rId7"/>
-    <p:sldId id="262" r:id="rId8"/>
-    <p:sldId id="264" r:id="rId9"/>
-    <p:sldId id="263" r:id="rId10"/>
-    <p:sldId id="266" r:id="rId11"/>
-    <p:sldId id="267" r:id="rId12"/>
-    <p:sldId id="269" r:id="rId13"/>
-    <p:sldId id="270" r:id="rId14"/>
-    <p:sldId id="271" r:id="rId15"/>
-    <p:sldId id="272" r:id="rId16"/>
+    <p:sldId id="264" r:id="rId8"/>
+    <p:sldId id="263" r:id="rId9"/>
+    <p:sldId id="267" r:id="rId10"/>
+    <p:sldId id="269" r:id="rId11"/>
+    <p:sldId id="270" r:id="rId12"/>
+    <p:sldId id="271" r:id="rId13"/>
+    <p:sldId id="272" r:id="rId14"/>
+    <p:sldId id="266" r:id="rId15"/>
+    <p:sldId id="274" r:id="rId16"/>
     <p:sldId id="273" r:id="rId17"/>
-    <p:sldId id="274" r:id="rId18"/>
   </p:sldIdLst>
   <p:sldSz cx="12192000" cy="6858000"/>
   <p:notesSz cx="6858000" cy="9144000"/>
@@ -3515,1296 +3514,6 @@
                 <a:latin typeface="Euclid Circular B" panose="020B0504000000000000" pitchFamily="34" charset="0"/>
                 <a:ea typeface="Euclid Circular B" panose="020B0504000000000000" pitchFamily="34" charset="0"/>
               </a:rPr>
-              <a:t>ABP.IO: Filling the Gap</a:t>
-            </a:r>
-          </a:p>
-        </p:txBody>
-      </p:sp>
-      <p:sp>
-        <p:nvSpPr>
-          <p:cNvPr id="7" name="Rectangle 6">
-            <a:extLst>
-              <a:ext uri="{FF2B5EF4-FFF2-40B4-BE49-F238E27FC236}">
-                <a16:creationId xmlns:a16="http://schemas.microsoft.com/office/drawing/2014/main" id="{0660B361-9F1B-9028-E9ED-EBDD0055314C}"/>
-              </a:ext>
-            </a:extLst>
-          </p:cNvPr>
-          <p:cNvSpPr/>
-          <p:nvPr/>
-        </p:nvSpPr>
-        <p:spPr>
-          <a:xfrm>
-            <a:off x="1879346" y="3296339"/>
-            <a:ext cx="7596577" cy="887809"/>
-          </a:xfrm>
-          <a:prstGeom prst="rect">
-            <a:avLst/>
-          </a:prstGeom>
-          <a:solidFill>
-            <a:schemeClr val="bg1"/>
-          </a:solidFill>
-          <a:ln>
-            <a:solidFill>
-              <a:schemeClr val="tx1">
-                <a:lumMod val="50000"/>
-                <a:lumOff val="50000"/>
-              </a:schemeClr>
-            </a:solidFill>
-          </a:ln>
-        </p:spPr>
-        <p:style>
-          <a:lnRef idx="2">
-            <a:schemeClr val="accent1">
-              <a:shade val="50000"/>
-            </a:schemeClr>
-          </a:lnRef>
-          <a:fillRef idx="1">
-            <a:schemeClr val="accent1"/>
-          </a:fillRef>
-          <a:effectRef idx="0">
-            <a:schemeClr val="accent1"/>
-          </a:effectRef>
-          <a:fontRef idx="minor">
-            <a:schemeClr val="lt1"/>
-          </a:fontRef>
-        </p:style>
-        <p:txBody>
-          <a:bodyPr rtlCol="0" anchor="ctr"/>
-          <a:lstStyle/>
-          <a:p>
-            <a:r>
-              <a:rPr lang="en-US" sz="3600" dirty="0">
-                <a:solidFill>
-                  <a:schemeClr val="bg2">
-                    <a:lumMod val="25000"/>
-                  </a:schemeClr>
-                </a:solidFill>
-              </a:rPr>
-              <a:t>ABP.IO Platform</a:t>
-            </a:r>
-            <a:endParaRPr lang="en-US" sz="2400" dirty="0">
-              <a:solidFill>
-                <a:schemeClr val="bg2">
-                  <a:lumMod val="25000"/>
-                </a:schemeClr>
-              </a:solidFill>
-            </a:endParaRPr>
-          </a:p>
-          <a:p>
-            <a:r>
-              <a:rPr lang="en-US" dirty="0">
-                <a:solidFill>
-                  <a:schemeClr val="bg2">
-                    <a:lumMod val="25000"/>
-                  </a:schemeClr>
-                </a:solidFill>
-              </a:rPr>
-              <a:t>Architecture &amp; Infrastructure for Real-World Business Applications</a:t>
-            </a:r>
-          </a:p>
-        </p:txBody>
-      </p:sp>
-      <p:sp>
-        <p:nvSpPr>
-          <p:cNvPr id="9" name="Rectangle 8">
-            <a:extLst>
-              <a:ext uri="{FF2B5EF4-FFF2-40B4-BE49-F238E27FC236}">
-                <a16:creationId xmlns:a16="http://schemas.microsoft.com/office/drawing/2014/main" id="{44694CC2-1367-3327-5952-11A442208198}"/>
-              </a:ext>
-            </a:extLst>
-          </p:cNvPr>
-          <p:cNvSpPr/>
-          <p:nvPr/>
-        </p:nvSpPr>
-        <p:spPr>
-          <a:xfrm>
-            <a:off x="1879346" y="4354086"/>
-            <a:ext cx="7596577" cy="887809"/>
-          </a:xfrm>
-          <a:prstGeom prst="rect">
-            <a:avLst/>
-          </a:prstGeom>
-          <a:solidFill>
-            <a:schemeClr val="bg1"/>
-          </a:solidFill>
-          <a:ln>
-            <a:solidFill>
-              <a:schemeClr val="tx1">
-                <a:lumMod val="50000"/>
-                <a:lumOff val="50000"/>
-              </a:schemeClr>
-            </a:solidFill>
-          </a:ln>
-        </p:spPr>
-        <p:style>
-          <a:lnRef idx="2">
-            <a:schemeClr val="accent1">
-              <a:shade val="50000"/>
-            </a:schemeClr>
-          </a:lnRef>
-          <a:fillRef idx="1">
-            <a:schemeClr val="accent1"/>
-          </a:fillRef>
-          <a:effectRef idx="0">
-            <a:schemeClr val="accent1"/>
-          </a:effectRef>
-          <a:fontRef idx="minor">
-            <a:schemeClr val="lt1"/>
-          </a:fontRef>
-        </p:style>
-        <p:txBody>
-          <a:bodyPr rtlCol="0" anchor="ctr"/>
-          <a:lstStyle/>
-          <a:p>
-            <a:r>
-              <a:rPr lang="en-US" sz="3600" dirty="0">
-                <a:solidFill>
-                  <a:schemeClr val="bg2">
-                    <a:lumMod val="25000"/>
-                  </a:schemeClr>
-                </a:solidFill>
-              </a:rPr>
-              <a:t>.NET Platform / ASP.NET Core</a:t>
-            </a:r>
-          </a:p>
-          <a:p>
-            <a:r>
-              <a:rPr lang="en-US" dirty="0">
-                <a:solidFill>
-                  <a:schemeClr val="bg2">
-                    <a:lumMod val="25000"/>
-                  </a:schemeClr>
-                </a:solidFill>
-              </a:rPr>
-              <a:t>Web Application &amp; HTTP Service Development Framework</a:t>
-            </a:r>
-          </a:p>
-        </p:txBody>
-      </p:sp>
-      <p:pic>
-        <p:nvPicPr>
-          <p:cNvPr id="10" name="Picture 9" descr="A picture containing text, transport, vector graphics&#10;&#10;Description automatically generated">
-            <a:extLst>
-              <a:ext uri="{FF2B5EF4-FFF2-40B4-BE49-F238E27FC236}">
-                <a16:creationId xmlns:a16="http://schemas.microsoft.com/office/drawing/2014/main" id="{12AA7779-DF7F-FB7A-6AFE-0174494CFEBB}"/>
-              </a:ext>
-            </a:extLst>
-          </p:cNvPr>
-          <p:cNvPicPr>
-            <a:picLocks noChangeAspect="1"/>
-          </p:cNvPicPr>
-          <p:nvPr/>
-        </p:nvPicPr>
-        <p:blipFill>
-          <a:blip r:embed="rId3">
-            <a:extLst>
-              <a:ext uri="{28A0092B-C50C-407E-A947-70E740481C1C}">
-                <a14:useLocalDpi xmlns:a14="http://schemas.microsoft.com/office/drawing/2010/main" val="0"/>
-              </a:ext>
-            </a:extLst>
-          </a:blip>
-          <a:stretch>
-            <a:fillRect/>
-          </a:stretch>
-        </p:blipFill>
-        <p:spPr>
-          <a:xfrm>
-            <a:off x="469160" y="3051140"/>
-            <a:ext cx="1690958" cy="1690958"/>
-          </a:xfrm>
-          <a:prstGeom prst="rect">
-            <a:avLst/>
-          </a:prstGeom>
-        </p:spPr>
-      </p:pic>
-      <p:pic>
-        <p:nvPicPr>
-          <p:cNvPr id="3074" name="Picture 2">
-            <a:extLst>
-              <a:ext uri="{FF2B5EF4-FFF2-40B4-BE49-F238E27FC236}">
-                <a16:creationId xmlns:a16="http://schemas.microsoft.com/office/drawing/2014/main" id="{FA6902EA-BFC9-3D18-7813-3C820945EE4D}"/>
-              </a:ext>
-            </a:extLst>
-          </p:cNvPr>
-          <p:cNvPicPr>
-            <a:picLocks noChangeAspect="1" noChangeArrowheads="1"/>
-          </p:cNvPicPr>
-          <p:nvPr/>
-        </p:nvPicPr>
-        <p:blipFill>
-          <a:blip r:embed="rId4">
-            <a:extLst>
-              <a:ext uri="{28A0092B-C50C-407E-A947-70E740481C1C}">
-                <a14:useLocalDpi xmlns:a14="http://schemas.microsoft.com/office/drawing/2010/main" val="0"/>
-              </a:ext>
-            </a:extLst>
-          </a:blip>
-          <a:srcRect/>
-          <a:stretch>
-            <a:fillRect/>
-          </a:stretch>
-        </p:blipFill>
-        <p:spPr bwMode="auto">
-          <a:xfrm>
-            <a:off x="901240" y="4411241"/>
-            <a:ext cx="821601" cy="821601"/>
-          </a:xfrm>
-          <a:prstGeom prst="rect">
-            <a:avLst/>
-          </a:prstGeom>
-          <a:noFill/>
-          <a:extLst>
-            <a:ext uri="{909E8E84-426E-40DD-AFC4-6F175D3DCCD1}">
-              <a14:hiddenFill xmlns:a14="http://schemas.microsoft.com/office/drawing/2010/main">
-                <a:solidFill>
-                  <a:srgbClr val="FFFFFF"/>
-                </a:solidFill>
-              </a14:hiddenFill>
-            </a:ext>
-          </a:extLst>
-        </p:spPr>
-      </p:pic>
-      <p:pic>
-        <p:nvPicPr>
-          <p:cNvPr id="12" name="Picture 11" descr="Shape&#10;&#10;Description automatically generated with low confidence">
-            <a:extLst>
-              <a:ext uri="{FF2B5EF4-FFF2-40B4-BE49-F238E27FC236}">
-                <a16:creationId xmlns:a16="http://schemas.microsoft.com/office/drawing/2014/main" id="{45B650B9-E6FD-EC71-564D-3BAA70ED8AAD}"/>
-              </a:ext>
-            </a:extLst>
-          </p:cNvPr>
-          <p:cNvPicPr>
-            <a:picLocks noChangeAspect="1"/>
-          </p:cNvPicPr>
-          <p:nvPr/>
-        </p:nvPicPr>
-        <p:blipFill>
-          <a:blip r:embed="rId5">
-            <a:extLst>
-              <a:ext uri="{28A0092B-C50C-407E-A947-70E740481C1C}">
-                <a14:useLocalDpi xmlns:a14="http://schemas.microsoft.com/office/drawing/2010/main" val="0"/>
-              </a:ext>
-            </a:extLst>
-          </a:blip>
-          <a:stretch>
-            <a:fillRect/>
-          </a:stretch>
-        </p:blipFill>
-        <p:spPr>
-          <a:xfrm>
-            <a:off x="901240" y="2274804"/>
-            <a:ext cx="821601" cy="821601"/>
-          </a:xfrm>
-          <a:prstGeom prst="rect">
-            <a:avLst/>
-          </a:prstGeom>
-        </p:spPr>
-      </p:pic>
-      <p:sp>
-        <p:nvSpPr>
-          <p:cNvPr id="14" name="Rectangle 13">
-            <a:extLst>
-              <a:ext uri="{FF2B5EF4-FFF2-40B4-BE49-F238E27FC236}">
-                <a16:creationId xmlns:a16="http://schemas.microsoft.com/office/drawing/2014/main" id="{5DD91C09-9480-C591-BFCA-376994E3AF19}"/>
-              </a:ext>
-            </a:extLst>
-          </p:cNvPr>
-          <p:cNvSpPr/>
-          <p:nvPr/>
-        </p:nvSpPr>
-        <p:spPr>
-          <a:xfrm>
-            <a:off x="1879346" y="2238592"/>
-            <a:ext cx="7596577" cy="887809"/>
-          </a:xfrm>
-          <a:prstGeom prst="rect">
-            <a:avLst/>
-          </a:prstGeom>
-          <a:solidFill>
-            <a:schemeClr val="bg1"/>
-          </a:solidFill>
-          <a:ln>
-            <a:solidFill>
-              <a:schemeClr val="tx1">
-                <a:lumMod val="50000"/>
-                <a:lumOff val="50000"/>
-              </a:schemeClr>
-            </a:solidFill>
-          </a:ln>
-        </p:spPr>
-        <p:style>
-          <a:lnRef idx="2">
-            <a:schemeClr val="accent1">
-              <a:shade val="50000"/>
-            </a:schemeClr>
-          </a:lnRef>
-          <a:fillRef idx="1">
-            <a:schemeClr val="accent1"/>
-          </a:fillRef>
-          <a:effectRef idx="0">
-            <a:schemeClr val="accent1"/>
-          </a:effectRef>
-          <a:fontRef idx="minor">
-            <a:schemeClr val="lt1"/>
-          </a:fontRef>
-        </p:style>
-        <p:txBody>
-          <a:bodyPr rtlCol="0" anchor="ctr"/>
-          <a:lstStyle/>
-          <a:p>
-            <a:r>
-              <a:rPr lang="en-US" sz="3600" dirty="0">
-                <a:solidFill>
-                  <a:schemeClr val="bg2">
-                    <a:lumMod val="25000"/>
-                  </a:schemeClr>
-                </a:solidFill>
-              </a:rPr>
-              <a:t>Your Application</a:t>
-            </a:r>
-            <a:endParaRPr lang="en-US" sz="2400" dirty="0">
-              <a:solidFill>
-                <a:schemeClr val="bg2">
-                  <a:lumMod val="25000"/>
-                </a:schemeClr>
-              </a:solidFill>
-            </a:endParaRPr>
-          </a:p>
-          <a:p>
-            <a:r>
-              <a:rPr lang="en-US" dirty="0">
-                <a:solidFill>
-                  <a:schemeClr val="bg2">
-                    <a:lumMod val="25000"/>
-                  </a:schemeClr>
-                </a:solidFill>
-              </a:rPr>
-              <a:t>Focus on your own business code!</a:t>
-            </a:r>
-          </a:p>
-        </p:txBody>
-      </p:sp>
-    </p:spTree>
-    <p:extLst>
-      <p:ext uri="{BB962C8B-B14F-4D97-AF65-F5344CB8AC3E}">
-        <p14:creationId xmlns:p14="http://schemas.microsoft.com/office/powerpoint/2010/main" val="2499641439"/>
-      </p:ext>
-    </p:extLst>
-  </p:cSld>
-  <p:clrMapOvr>
-    <a:masterClrMapping/>
-  </p:clrMapOvr>
-  <p:timing>
-    <p:tnLst>
-      <p:par>
-        <p:cTn id="1" dur="indefinite" restart="never" nodeType="tmRoot">
-          <p:childTnLst>
-            <p:seq concurrent="1" nextAc="seek">
-              <p:cTn id="2" dur="indefinite" nodeType="mainSeq">
-                <p:childTnLst>
-                  <p:par>
-                    <p:cTn id="3" fill="hold">
-                      <p:stCondLst>
-                        <p:cond delay="indefinite"/>
-                      </p:stCondLst>
-                      <p:childTnLst>
-                        <p:par>
-                          <p:cTn id="4" fill="hold">
-                            <p:stCondLst>
-                              <p:cond delay="0"/>
-                            </p:stCondLst>
-                            <p:childTnLst>
-                              <p:par>
-                                <p:cTn id="5" presetID="10" presetClass="entr" presetSubtype="0" fill="hold" grpId="0" nodeType="clickEffect">
-                                  <p:stCondLst>
-                                    <p:cond delay="0"/>
-                                  </p:stCondLst>
-                                  <p:childTnLst>
-                                    <p:set>
-                                      <p:cBhvr>
-                                        <p:cTn id="6" dur="1" fill="hold">
-                                          <p:stCondLst>
-                                            <p:cond delay="0"/>
-                                          </p:stCondLst>
-                                        </p:cTn>
-                                        <p:tgtEl>
-                                          <p:spTgt spid="9"/>
-                                        </p:tgtEl>
-                                        <p:attrNameLst>
-                                          <p:attrName>style.visibility</p:attrName>
-                                        </p:attrNameLst>
-                                      </p:cBhvr>
-                                      <p:to>
-                                        <p:strVal val="visible"/>
-                                      </p:to>
-                                    </p:set>
-                                    <p:animEffect transition="in" filter="fade">
-                                      <p:cBhvr>
-                                        <p:cTn id="7" dur="500"/>
-                                        <p:tgtEl>
-                                          <p:spTgt spid="9"/>
-                                        </p:tgtEl>
-                                      </p:cBhvr>
-                                    </p:animEffect>
-                                  </p:childTnLst>
-                                </p:cTn>
-                              </p:par>
-                              <p:par>
-                                <p:cTn id="8" presetID="10" presetClass="entr" presetSubtype="0" fill="hold" nodeType="withEffect">
-                                  <p:stCondLst>
-                                    <p:cond delay="0"/>
-                                  </p:stCondLst>
-                                  <p:childTnLst>
-                                    <p:set>
-                                      <p:cBhvr>
-                                        <p:cTn id="9" dur="1" fill="hold">
-                                          <p:stCondLst>
-                                            <p:cond delay="0"/>
-                                          </p:stCondLst>
-                                        </p:cTn>
-                                        <p:tgtEl>
-                                          <p:spTgt spid="3074"/>
-                                        </p:tgtEl>
-                                        <p:attrNameLst>
-                                          <p:attrName>style.visibility</p:attrName>
-                                        </p:attrNameLst>
-                                      </p:cBhvr>
-                                      <p:to>
-                                        <p:strVal val="visible"/>
-                                      </p:to>
-                                    </p:set>
-                                    <p:animEffect transition="in" filter="fade">
-                                      <p:cBhvr>
-                                        <p:cTn id="10" dur="500"/>
-                                        <p:tgtEl>
-                                          <p:spTgt spid="3074"/>
-                                        </p:tgtEl>
-                                      </p:cBhvr>
-                                    </p:animEffect>
-                                  </p:childTnLst>
-                                </p:cTn>
-                              </p:par>
-                            </p:childTnLst>
-                          </p:cTn>
-                        </p:par>
-                      </p:childTnLst>
-                    </p:cTn>
-                  </p:par>
-                  <p:par>
-                    <p:cTn id="11" fill="hold">
-                      <p:stCondLst>
-                        <p:cond delay="indefinite"/>
-                      </p:stCondLst>
-                      <p:childTnLst>
-                        <p:par>
-                          <p:cTn id="12" fill="hold">
-                            <p:stCondLst>
-                              <p:cond delay="0"/>
-                            </p:stCondLst>
-                            <p:childTnLst>
-                              <p:par>
-                                <p:cTn id="13" presetID="10" presetClass="entr" presetSubtype="0" fill="hold" grpId="0" nodeType="clickEffect">
-                                  <p:stCondLst>
-                                    <p:cond delay="0"/>
-                                  </p:stCondLst>
-                                  <p:childTnLst>
-                                    <p:set>
-                                      <p:cBhvr>
-                                        <p:cTn id="14" dur="1" fill="hold">
-                                          <p:stCondLst>
-                                            <p:cond delay="0"/>
-                                          </p:stCondLst>
-                                        </p:cTn>
-                                        <p:tgtEl>
-                                          <p:spTgt spid="7"/>
-                                        </p:tgtEl>
-                                        <p:attrNameLst>
-                                          <p:attrName>style.visibility</p:attrName>
-                                        </p:attrNameLst>
-                                      </p:cBhvr>
-                                      <p:to>
-                                        <p:strVal val="visible"/>
-                                      </p:to>
-                                    </p:set>
-                                    <p:animEffect transition="in" filter="fade">
-                                      <p:cBhvr>
-                                        <p:cTn id="15" dur="500"/>
-                                        <p:tgtEl>
-                                          <p:spTgt spid="7"/>
-                                        </p:tgtEl>
-                                      </p:cBhvr>
-                                    </p:animEffect>
-                                  </p:childTnLst>
-                                </p:cTn>
-                              </p:par>
-                              <p:par>
-                                <p:cTn id="16" presetID="10" presetClass="entr" presetSubtype="0" fill="hold" nodeType="withEffect">
-                                  <p:stCondLst>
-                                    <p:cond delay="0"/>
-                                  </p:stCondLst>
-                                  <p:childTnLst>
-                                    <p:set>
-                                      <p:cBhvr>
-                                        <p:cTn id="17" dur="1" fill="hold">
-                                          <p:stCondLst>
-                                            <p:cond delay="0"/>
-                                          </p:stCondLst>
-                                        </p:cTn>
-                                        <p:tgtEl>
-                                          <p:spTgt spid="10"/>
-                                        </p:tgtEl>
-                                        <p:attrNameLst>
-                                          <p:attrName>style.visibility</p:attrName>
-                                        </p:attrNameLst>
-                                      </p:cBhvr>
-                                      <p:to>
-                                        <p:strVal val="visible"/>
-                                      </p:to>
-                                    </p:set>
-                                    <p:animEffect transition="in" filter="fade">
-                                      <p:cBhvr>
-                                        <p:cTn id="18" dur="500"/>
-                                        <p:tgtEl>
-                                          <p:spTgt spid="10"/>
-                                        </p:tgtEl>
-                                      </p:cBhvr>
-                                    </p:animEffect>
-                                  </p:childTnLst>
-                                </p:cTn>
-                              </p:par>
-                            </p:childTnLst>
-                          </p:cTn>
-                        </p:par>
-                      </p:childTnLst>
-                    </p:cTn>
-                  </p:par>
-                  <p:par>
-                    <p:cTn id="19" fill="hold">
-                      <p:stCondLst>
-                        <p:cond delay="indefinite"/>
-                      </p:stCondLst>
-                      <p:childTnLst>
-                        <p:par>
-                          <p:cTn id="20" fill="hold">
-                            <p:stCondLst>
-                              <p:cond delay="0"/>
-                            </p:stCondLst>
-                            <p:childTnLst>
-                              <p:par>
-                                <p:cTn id="21" presetID="10" presetClass="entr" presetSubtype="0" fill="hold" nodeType="clickEffect">
-                                  <p:stCondLst>
-                                    <p:cond delay="0"/>
-                                  </p:stCondLst>
-                                  <p:childTnLst>
-                                    <p:set>
-                                      <p:cBhvr>
-                                        <p:cTn id="22" dur="1" fill="hold">
-                                          <p:stCondLst>
-                                            <p:cond delay="0"/>
-                                          </p:stCondLst>
-                                        </p:cTn>
-                                        <p:tgtEl>
-                                          <p:spTgt spid="12"/>
-                                        </p:tgtEl>
-                                        <p:attrNameLst>
-                                          <p:attrName>style.visibility</p:attrName>
-                                        </p:attrNameLst>
-                                      </p:cBhvr>
-                                      <p:to>
-                                        <p:strVal val="visible"/>
-                                      </p:to>
-                                    </p:set>
-                                    <p:animEffect transition="in" filter="fade">
-                                      <p:cBhvr>
-                                        <p:cTn id="23" dur="500"/>
-                                        <p:tgtEl>
-                                          <p:spTgt spid="12"/>
-                                        </p:tgtEl>
-                                      </p:cBhvr>
-                                    </p:animEffect>
-                                  </p:childTnLst>
-                                </p:cTn>
-                              </p:par>
-                              <p:par>
-                                <p:cTn id="24" presetID="10" presetClass="entr" presetSubtype="0" fill="hold" grpId="0" nodeType="withEffect">
-                                  <p:stCondLst>
-                                    <p:cond delay="0"/>
-                                  </p:stCondLst>
-                                  <p:childTnLst>
-                                    <p:set>
-                                      <p:cBhvr>
-                                        <p:cTn id="25" dur="1" fill="hold">
-                                          <p:stCondLst>
-                                            <p:cond delay="0"/>
-                                          </p:stCondLst>
-                                        </p:cTn>
-                                        <p:tgtEl>
-                                          <p:spTgt spid="14"/>
-                                        </p:tgtEl>
-                                        <p:attrNameLst>
-                                          <p:attrName>style.visibility</p:attrName>
-                                        </p:attrNameLst>
-                                      </p:cBhvr>
-                                      <p:to>
-                                        <p:strVal val="visible"/>
-                                      </p:to>
-                                    </p:set>
-                                    <p:animEffect transition="in" filter="fade">
-                                      <p:cBhvr>
-                                        <p:cTn id="26" dur="500"/>
-                                        <p:tgtEl>
-                                          <p:spTgt spid="14"/>
-                                        </p:tgtEl>
-                                      </p:cBhvr>
-                                    </p:animEffect>
-                                  </p:childTnLst>
-                                </p:cTn>
-                              </p:par>
-                            </p:childTnLst>
-                          </p:cTn>
-                        </p:par>
-                      </p:childTnLst>
-                    </p:cTn>
-                  </p:par>
-                </p:childTnLst>
-              </p:cTn>
-              <p:prevCondLst>
-                <p:cond evt="onPrev" delay="0">
-                  <p:tgtEl>
-                    <p:sldTgt/>
-                  </p:tgtEl>
-                </p:cond>
-              </p:prevCondLst>
-              <p:nextCondLst>
-                <p:cond evt="onNext" delay="0">
-                  <p:tgtEl>
-                    <p:sldTgt/>
-                  </p:tgtEl>
-                </p:cond>
-              </p:nextCondLst>
-            </p:seq>
-          </p:childTnLst>
-        </p:cTn>
-      </p:par>
-    </p:tnLst>
-    <p:bldLst>
-      <p:bldP spid="7" grpId="0" animBg="1"/>
-      <p:bldP spid="9" grpId="0" animBg="1"/>
-      <p:bldP spid="14" grpId="0" animBg="1"/>
-    </p:bldLst>
-  </p:timing>
-</p:sld>
-</file>
-
-<file path=ppt/slides/slide11.xml><?xml version="1.0" encoding="utf-8"?>
-<p:sld xmlns:a="http://schemas.openxmlformats.org/drawingml/2006/main" xmlns:r="http://schemas.openxmlformats.org/officeDocument/2006/relationships" xmlns:p="http://schemas.openxmlformats.org/presentationml/2006/main">
-  <p:cSld>
-    <p:bg>
-      <p:bgPr>
-        <a:blipFill dpi="0" rotWithShape="1">
-          <a:blip r:embed="rId2">
-            <a:lum/>
-          </a:blip>
-          <a:srcRect/>
-          <a:stretch>
-            <a:fillRect/>
-          </a:stretch>
-        </a:blipFill>
-        <a:effectLst/>
-      </p:bgPr>
-    </p:bg>
-    <p:spTree>
-      <p:nvGrpSpPr>
-        <p:cNvPr id="1" name=""/>
-        <p:cNvGrpSpPr/>
-        <p:nvPr/>
-      </p:nvGrpSpPr>
-      <p:grpSpPr>
-        <a:xfrm>
-          <a:off x="0" y="0"/>
-          <a:ext cx="0" cy="0"/>
-          <a:chOff x="0" y="0"/>
-          <a:chExt cx="0" cy="0"/>
-        </a:xfrm>
-      </p:grpSpPr>
-      <p:sp>
-        <p:nvSpPr>
-          <p:cNvPr id="2" name="Title 1">
-            <a:extLst>
-              <a:ext uri="{FF2B5EF4-FFF2-40B4-BE49-F238E27FC236}">
-                <a16:creationId xmlns:a16="http://schemas.microsoft.com/office/drawing/2014/main" id="{55E11F08-6CA0-48F1-AD67-97430DDA07F0}"/>
-              </a:ext>
-            </a:extLst>
-          </p:cNvPr>
-          <p:cNvSpPr>
-            <a:spLocks noGrp="1"/>
-          </p:cNvSpPr>
-          <p:nvPr>
-            <p:ph type="title"/>
-          </p:nvPr>
-        </p:nvSpPr>
-        <p:spPr/>
-        <p:txBody>
-          <a:bodyPr/>
-          <a:lstStyle/>
-          <a:p>
-            <a:r>
-              <a:rPr lang="en-US" b="1" dirty="0">
-                <a:solidFill>
-                  <a:srgbClr val="292D33"/>
-                </a:solidFill>
-                <a:latin typeface="Euclid Circular B" panose="020B0504000000000000" pitchFamily="34" charset="0"/>
-                <a:ea typeface="Euclid Circular B" panose="020B0504000000000000" pitchFamily="34" charset="0"/>
-              </a:rPr>
-              <a:t>The Architecture</a:t>
-            </a:r>
-          </a:p>
-        </p:txBody>
-      </p:sp>
-      <p:sp>
-        <p:nvSpPr>
-          <p:cNvPr id="6" name="Rectangle 5">
-            <a:extLst>
-              <a:ext uri="{FF2B5EF4-FFF2-40B4-BE49-F238E27FC236}">
-                <a16:creationId xmlns:a16="http://schemas.microsoft.com/office/drawing/2014/main" id="{68C47F0B-36A4-6770-DDCA-23A69FC784AA}"/>
-              </a:ext>
-            </a:extLst>
-          </p:cNvPr>
-          <p:cNvSpPr/>
-          <p:nvPr/>
-        </p:nvSpPr>
-        <p:spPr>
-          <a:xfrm>
-            <a:off x="1768186" y="2254045"/>
-            <a:ext cx="3936423" cy="1387968"/>
-          </a:xfrm>
-          <a:prstGeom prst="rect">
-            <a:avLst/>
-          </a:prstGeom>
-        </p:spPr>
-        <p:style>
-          <a:lnRef idx="0">
-            <a:schemeClr val="accent1"/>
-          </a:lnRef>
-          <a:fillRef idx="3">
-            <a:schemeClr val="accent1"/>
-          </a:fillRef>
-          <a:effectRef idx="3">
-            <a:schemeClr val="accent1"/>
-          </a:effectRef>
-          <a:fontRef idx="minor">
-            <a:schemeClr val="lt1"/>
-          </a:fontRef>
-        </p:style>
-        <p:txBody>
-          <a:bodyPr rtlCol="0" anchor="ctr"/>
-          <a:lstStyle/>
-          <a:p>
-            <a:pPr algn="ctr"/>
-            <a:r>
-              <a:rPr lang="en-US" sz="2800" dirty="0"/>
-              <a:t>Domain Driven Design</a:t>
-            </a:r>
-          </a:p>
-          <a:p>
-            <a:pPr algn="ctr"/>
-            <a:r>
-              <a:rPr lang="en-US" sz="2800" dirty="0"/>
-              <a:t>&amp; Layered Solution</a:t>
-            </a:r>
-          </a:p>
-        </p:txBody>
-      </p:sp>
-      <p:sp>
-        <p:nvSpPr>
-          <p:cNvPr id="7" name="Rectangle 6">
-            <a:extLst>
-              <a:ext uri="{FF2B5EF4-FFF2-40B4-BE49-F238E27FC236}">
-                <a16:creationId xmlns:a16="http://schemas.microsoft.com/office/drawing/2014/main" id="{D3B13FCF-22EA-1B45-90FD-C0C618DA42BE}"/>
-              </a:ext>
-            </a:extLst>
-          </p:cNvPr>
-          <p:cNvSpPr/>
-          <p:nvPr/>
-        </p:nvSpPr>
-        <p:spPr>
-          <a:xfrm>
-            <a:off x="6087341" y="2254045"/>
-            <a:ext cx="3936423" cy="1387968"/>
-          </a:xfrm>
-          <a:prstGeom prst="rect">
-            <a:avLst/>
-          </a:prstGeom>
-        </p:spPr>
-        <p:style>
-          <a:lnRef idx="0">
-            <a:schemeClr val="accent6"/>
-          </a:lnRef>
-          <a:fillRef idx="3">
-            <a:schemeClr val="accent6"/>
-          </a:fillRef>
-          <a:effectRef idx="3">
-            <a:schemeClr val="accent6"/>
-          </a:effectRef>
-          <a:fontRef idx="minor">
-            <a:schemeClr val="lt1"/>
-          </a:fontRef>
-        </p:style>
-        <p:txBody>
-          <a:bodyPr rtlCol="0" anchor="ctr"/>
-          <a:lstStyle/>
-          <a:p>
-            <a:pPr algn="ctr"/>
-            <a:r>
-              <a:rPr lang="en-US" sz="2800" dirty="0"/>
-              <a:t>Modular</a:t>
-            </a:r>
-          </a:p>
-        </p:txBody>
-      </p:sp>
-      <p:sp>
-        <p:nvSpPr>
-          <p:cNvPr id="8" name="Rectangle 7">
-            <a:extLst>
-              <a:ext uri="{FF2B5EF4-FFF2-40B4-BE49-F238E27FC236}">
-                <a16:creationId xmlns:a16="http://schemas.microsoft.com/office/drawing/2014/main" id="{E08255A3-188E-5FD3-00E2-82BFC2DBDF16}"/>
-              </a:ext>
-            </a:extLst>
-          </p:cNvPr>
-          <p:cNvSpPr/>
-          <p:nvPr/>
-        </p:nvSpPr>
-        <p:spPr>
-          <a:xfrm>
-            <a:off x="1768186" y="4022231"/>
-            <a:ext cx="3936423" cy="1387968"/>
-          </a:xfrm>
-          <a:prstGeom prst="rect">
-            <a:avLst/>
-          </a:prstGeom>
-        </p:spPr>
-        <p:style>
-          <a:lnRef idx="0">
-            <a:schemeClr val="accent2"/>
-          </a:lnRef>
-          <a:fillRef idx="3">
-            <a:schemeClr val="accent2"/>
-          </a:fillRef>
-          <a:effectRef idx="3">
-            <a:schemeClr val="accent2"/>
-          </a:effectRef>
-          <a:fontRef idx="minor">
-            <a:schemeClr val="lt1"/>
-          </a:fontRef>
-        </p:style>
-        <p:txBody>
-          <a:bodyPr rtlCol="0" anchor="ctr"/>
-          <a:lstStyle/>
-          <a:p>
-            <a:pPr algn="ctr"/>
-            <a:r>
-              <a:rPr lang="en-US" sz="2800" dirty="0"/>
-              <a:t>Multi-Tenancy</a:t>
-            </a:r>
-            <a:br>
-              <a:rPr lang="en-US" sz="2800" dirty="0"/>
-            </a:br>
-            <a:r>
-              <a:rPr lang="en-US" dirty="0"/>
-              <a:t>(SaaS infrastructure)</a:t>
-            </a:r>
-            <a:endParaRPr lang="en-US" sz="2800" dirty="0"/>
-          </a:p>
-        </p:txBody>
-      </p:sp>
-      <p:sp>
-        <p:nvSpPr>
-          <p:cNvPr id="9" name="Rectangle 8">
-            <a:extLst>
-              <a:ext uri="{FF2B5EF4-FFF2-40B4-BE49-F238E27FC236}">
-                <a16:creationId xmlns:a16="http://schemas.microsoft.com/office/drawing/2014/main" id="{0FE68719-61FF-22BC-0AF9-1AF7045F9477}"/>
-              </a:ext>
-            </a:extLst>
-          </p:cNvPr>
-          <p:cNvSpPr/>
-          <p:nvPr/>
-        </p:nvSpPr>
-        <p:spPr>
-          <a:xfrm>
-            <a:off x="6087341" y="4022231"/>
-            <a:ext cx="3936423" cy="1387968"/>
-          </a:xfrm>
-          <a:prstGeom prst="rect">
-            <a:avLst/>
-          </a:prstGeom>
-          <a:gradFill>
-            <a:gsLst>
-              <a:gs pos="0">
-                <a:srgbClr val="7030A0"/>
-              </a:gs>
-              <a:gs pos="50000">
-                <a:srgbClr val="512373"/>
-              </a:gs>
-              <a:gs pos="100000">
-                <a:srgbClr val="3F1C5A"/>
-              </a:gs>
-            </a:gsLst>
-          </a:gradFill>
-        </p:spPr>
-        <p:style>
-          <a:lnRef idx="0">
-            <a:schemeClr val="dk1"/>
-          </a:lnRef>
-          <a:fillRef idx="3">
-            <a:schemeClr val="dk1"/>
-          </a:fillRef>
-          <a:effectRef idx="3">
-            <a:schemeClr val="dk1"/>
-          </a:effectRef>
-          <a:fontRef idx="minor">
-            <a:schemeClr val="lt1"/>
-          </a:fontRef>
-        </p:style>
-        <p:txBody>
-          <a:bodyPr rtlCol="0" anchor="ctr"/>
-          <a:lstStyle/>
-          <a:p>
-            <a:pPr algn="ctr"/>
-            <a:r>
-              <a:rPr lang="en-US" sz="2800" dirty="0"/>
-              <a:t>Microservice</a:t>
-            </a:r>
-            <a:br>
-              <a:rPr lang="en-US" sz="2800" dirty="0"/>
-            </a:br>
-            <a:r>
-              <a:rPr lang="en-US" sz="2800" dirty="0"/>
-              <a:t>ready</a:t>
-            </a:r>
-          </a:p>
-        </p:txBody>
-      </p:sp>
-    </p:spTree>
-    <p:extLst>
-      <p:ext uri="{BB962C8B-B14F-4D97-AF65-F5344CB8AC3E}">
-        <p14:creationId xmlns:p14="http://schemas.microsoft.com/office/powerpoint/2010/main" val="1426089774"/>
-      </p:ext>
-    </p:extLst>
-  </p:cSld>
-  <p:clrMapOvr>
-    <a:masterClrMapping/>
-  </p:clrMapOvr>
-  <p:timing>
-    <p:tnLst>
-      <p:par>
-        <p:cTn id="1" dur="indefinite" restart="never" nodeType="tmRoot">
-          <p:childTnLst>
-            <p:seq concurrent="1" nextAc="seek">
-              <p:cTn id="2" dur="indefinite" nodeType="mainSeq">
-                <p:childTnLst>
-                  <p:par>
-                    <p:cTn id="3" fill="hold">
-                      <p:stCondLst>
-                        <p:cond delay="indefinite"/>
-                      </p:stCondLst>
-                      <p:childTnLst>
-                        <p:par>
-                          <p:cTn id="4" fill="hold">
-                            <p:stCondLst>
-                              <p:cond delay="0"/>
-                            </p:stCondLst>
-                            <p:childTnLst>
-                              <p:par>
-                                <p:cTn id="5" presetID="10" presetClass="entr" presetSubtype="0" fill="hold" grpId="0" nodeType="clickEffect">
-                                  <p:stCondLst>
-                                    <p:cond delay="0"/>
-                                  </p:stCondLst>
-                                  <p:childTnLst>
-                                    <p:set>
-                                      <p:cBhvr>
-                                        <p:cTn id="6" dur="1" fill="hold">
-                                          <p:stCondLst>
-                                            <p:cond delay="0"/>
-                                          </p:stCondLst>
-                                        </p:cTn>
-                                        <p:tgtEl>
-                                          <p:spTgt spid="6"/>
-                                        </p:tgtEl>
-                                        <p:attrNameLst>
-                                          <p:attrName>style.visibility</p:attrName>
-                                        </p:attrNameLst>
-                                      </p:cBhvr>
-                                      <p:to>
-                                        <p:strVal val="visible"/>
-                                      </p:to>
-                                    </p:set>
-                                    <p:animEffect transition="in" filter="fade">
-                                      <p:cBhvr>
-                                        <p:cTn id="7" dur="500"/>
-                                        <p:tgtEl>
-                                          <p:spTgt spid="6"/>
-                                        </p:tgtEl>
-                                      </p:cBhvr>
-                                    </p:animEffect>
-                                  </p:childTnLst>
-                                </p:cTn>
-                              </p:par>
-                            </p:childTnLst>
-                          </p:cTn>
-                        </p:par>
-                      </p:childTnLst>
-                    </p:cTn>
-                  </p:par>
-                  <p:par>
-                    <p:cTn id="8" fill="hold">
-                      <p:stCondLst>
-                        <p:cond delay="indefinite"/>
-                      </p:stCondLst>
-                      <p:childTnLst>
-                        <p:par>
-                          <p:cTn id="9" fill="hold">
-                            <p:stCondLst>
-                              <p:cond delay="0"/>
-                            </p:stCondLst>
-                            <p:childTnLst>
-                              <p:par>
-                                <p:cTn id="10" presetID="10" presetClass="entr" presetSubtype="0" fill="hold" grpId="0" nodeType="clickEffect">
-                                  <p:stCondLst>
-                                    <p:cond delay="0"/>
-                                  </p:stCondLst>
-                                  <p:childTnLst>
-                                    <p:set>
-                                      <p:cBhvr>
-                                        <p:cTn id="11" dur="1" fill="hold">
-                                          <p:stCondLst>
-                                            <p:cond delay="0"/>
-                                          </p:stCondLst>
-                                        </p:cTn>
-                                        <p:tgtEl>
-                                          <p:spTgt spid="7"/>
-                                        </p:tgtEl>
-                                        <p:attrNameLst>
-                                          <p:attrName>style.visibility</p:attrName>
-                                        </p:attrNameLst>
-                                      </p:cBhvr>
-                                      <p:to>
-                                        <p:strVal val="visible"/>
-                                      </p:to>
-                                    </p:set>
-                                    <p:animEffect transition="in" filter="fade">
-                                      <p:cBhvr>
-                                        <p:cTn id="12" dur="500"/>
-                                        <p:tgtEl>
-                                          <p:spTgt spid="7"/>
-                                        </p:tgtEl>
-                                      </p:cBhvr>
-                                    </p:animEffect>
-                                  </p:childTnLst>
-                                </p:cTn>
-                              </p:par>
-                            </p:childTnLst>
-                          </p:cTn>
-                        </p:par>
-                      </p:childTnLst>
-                    </p:cTn>
-                  </p:par>
-                  <p:par>
-                    <p:cTn id="13" fill="hold">
-                      <p:stCondLst>
-                        <p:cond delay="indefinite"/>
-                      </p:stCondLst>
-                      <p:childTnLst>
-                        <p:par>
-                          <p:cTn id="14" fill="hold">
-                            <p:stCondLst>
-                              <p:cond delay="0"/>
-                            </p:stCondLst>
-                            <p:childTnLst>
-                              <p:par>
-                                <p:cTn id="15" presetID="10" presetClass="entr" presetSubtype="0" fill="hold" grpId="0" nodeType="clickEffect">
-                                  <p:stCondLst>
-                                    <p:cond delay="0"/>
-                                  </p:stCondLst>
-                                  <p:childTnLst>
-                                    <p:set>
-                                      <p:cBhvr>
-                                        <p:cTn id="16" dur="1" fill="hold">
-                                          <p:stCondLst>
-                                            <p:cond delay="0"/>
-                                          </p:stCondLst>
-                                        </p:cTn>
-                                        <p:tgtEl>
-                                          <p:spTgt spid="8"/>
-                                        </p:tgtEl>
-                                        <p:attrNameLst>
-                                          <p:attrName>style.visibility</p:attrName>
-                                        </p:attrNameLst>
-                                      </p:cBhvr>
-                                      <p:to>
-                                        <p:strVal val="visible"/>
-                                      </p:to>
-                                    </p:set>
-                                    <p:animEffect transition="in" filter="fade">
-                                      <p:cBhvr>
-                                        <p:cTn id="17" dur="500"/>
-                                        <p:tgtEl>
-                                          <p:spTgt spid="8"/>
-                                        </p:tgtEl>
-                                      </p:cBhvr>
-                                    </p:animEffect>
-                                  </p:childTnLst>
-                                </p:cTn>
-                              </p:par>
-                            </p:childTnLst>
-                          </p:cTn>
-                        </p:par>
-                      </p:childTnLst>
-                    </p:cTn>
-                  </p:par>
-                  <p:par>
-                    <p:cTn id="18" fill="hold">
-                      <p:stCondLst>
-                        <p:cond delay="indefinite"/>
-                      </p:stCondLst>
-                      <p:childTnLst>
-                        <p:par>
-                          <p:cTn id="19" fill="hold">
-                            <p:stCondLst>
-                              <p:cond delay="0"/>
-                            </p:stCondLst>
-                            <p:childTnLst>
-                              <p:par>
-                                <p:cTn id="20" presetID="10" presetClass="entr" presetSubtype="0" fill="hold" grpId="0" nodeType="clickEffect">
-                                  <p:stCondLst>
-                                    <p:cond delay="0"/>
-                                  </p:stCondLst>
-                                  <p:childTnLst>
-                                    <p:set>
-                                      <p:cBhvr>
-                                        <p:cTn id="21" dur="1" fill="hold">
-                                          <p:stCondLst>
-                                            <p:cond delay="0"/>
-                                          </p:stCondLst>
-                                        </p:cTn>
-                                        <p:tgtEl>
-                                          <p:spTgt spid="9"/>
-                                        </p:tgtEl>
-                                        <p:attrNameLst>
-                                          <p:attrName>style.visibility</p:attrName>
-                                        </p:attrNameLst>
-                                      </p:cBhvr>
-                                      <p:to>
-                                        <p:strVal val="visible"/>
-                                      </p:to>
-                                    </p:set>
-                                    <p:animEffect transition="in" filter="fade">
-                                      <p:cBhvr>
-                                        <p:cTn id="22" dur="500"/>
-                                        <p:tgtEl>
-                                          <p:spTgt spid="9"/>
-                                        </p:tgtEl>
-                                      </p:cBhvr>
-                                    </p:animEffect>
-                                  </p:childTnLst>
-                                </p:cTn>
-                              </p:par>
-                            </p:childTnLst>
-                          </p:cTn>
-                        </p:par>
-                      </p:childTnLst>
-                    </p:cTn>
-                  </p:par>
-                </p:childTnLst>
-              </p:cTn>
-              <p:prevCondLst>
-                <p:cond evt="onPrev" delay="0">
-                  <p:tgtEl>
-                    <p:sldTgt/>
-                  </p:tgtEl>
-                </p:cond>
-              </p:prevCondLst>
-              <p:nextCondLst>
-                <p:cond evt="onNext" delay="0">
-                  <p:tgtEl>
-                    <p:sldTgt/>
-                  </p:tgtEl>
-                </p:cond>
-              </p:nextCondLst>
-            </p:seq>
-          </p:childTnLst>
-        </p:cTn>
-      </p:par>
-    </p:tnLst>
-    <p:bldLst>
-      <p:bldP spid="6" grpId="0" animBg="1"/>
-      <p:bldP spid="7" grpId="0" animBg="1"/>
-      <p:bldP spid="8" grpId="0" animBg="1"/>
-      <p:bldP spid="9" grpId="0" animBg="1"/>
-    </p:bldLst>
-  </p:timing>
-</p:sld>
-</file>
-
-<file path=ppt/slides/slide12.xml><?xml version="1.0" encoding="utf-8"?>
-<p:sld xmlns:a="http://schemas.openxmlformats.org/drawingml/2006/main" xmlns:r="http://schemas.openxmlformats.org/officeDocument/2006/relationships" xmlns:p="http://schemas.openxmlformats.org/presentationml/2006/main">
-  <p:cSld>
-    <p:bg>
-      <p:bgPr>
-        <a:blipFill dpi="0" rotWithShape="1">
-          <a:blip r:embed="rId2">
-            <a:lum/>
-          </a:blip>
-          <a:srcRect/>
-          <a:stretch>
-            <a:fillRect/>
-          </a:stretch>
-        </a:blipFill>
-        <a:effectLst/>
-      </p:bgPr>
-    </p:bg>
-    <p:spTree>
-      <p:nvGrpSpPr>
-        <p:cNvPr id="1" name=""/>
-        <p:cNvGrpSpPr/>
-        <p:nvPr/>
-      </p:nvGrpSpPr>
-      <p:grpSpPr>
-        <a:xfrm>
-          <a:off x="0" y="0"/>
-          <a:ext cx="0" cy="0"/>
-          <a:chOff x="0" y="0"/>
-          <a:chExt cx="0" cy="0"/>
-        </a:xfrm>
-      </p:grpSpPr>
-      <p:sp>
-        <p:nvSpPr>
-          <p:cNvPr id="2" name="Title 1">
-            <a:extLst>
-              <a:ext uri="{FF2B5EF4-FFF2-40B4-BE49-F238E27FC236}">
-                <a16:creationId xmlns:a16="http://schemas.microsoft.com/office/drawing/2014/main" id="{55E11F08-6CA0-48F1-AD67-97430DDA07F0}"/>
-              </a:ext>
-            </a:extLst>
-          </p:cNvPr>
-          <p:cNvSpPr>
-            <a:spLocks noGrp="1"/>
-          </p:cNvSpPr>
-          <p:nvPr>
-            <p:ph type="title"/>
-          </p:nvPr>
-        </p:nvSpPr>
-        <p:spPr/>
-        <p:txBody>
-          <a:bodyPr/>
-          <a:lstStyle/>
-          <a:p>
-            <a:r>
-              <a:rPr lang="en-US" b="1" dirty="0">
-                <a:solidFill>
-                  <a:srgbClr val="292D33"/>
-                </a:solidFill>
-                <a:latin typeface="Euclid Circular B" panose="020B0504000000000000" pitchFamily="34" charset="0"/>
-                <a:ea typeface="Euclid Circular B" panose="020B0504000000000000" pitchFamily="34" charset="0"/>
-              </a:rPr>
               <a:t>Don’t Repeat Yourself!</a:t>
             </a:r>
           </a:p>
@@ -7148,7 +5857,7 @@
 </p:sld>
 </file>
 
-<file path=ppt/slides/slide13.xml><?xml version="1.0" encoding="utf-8"?>
+<file path=ppt/slides/slide11.xml><?xml version="1.0" encoding="utf-8"?>
 <p:sld xmlns:a="http://schemas.openxmlformats.org/drawingml/2006/main" xmlns:r="http://schemas.openxmlformats.org/officeDocument/2006/relationships" xmlns:p="http://schemas.openxmlformats.org/presentationml/2006/main">
   <p:cSld>
     <p:bg>
@@ -7725,7 +6434,7 @@
 </p:sld>
 </file>
 
-<file path=ppt/slides/slide14.xml><?xml version="1.0" encoding="utf-8"?>
+<file path=ppt/slides/slide12.xml><?xml version="1.0" encoding="utf-8"?>
 <p:sld xmlns:a="http://schemas.openxmlformats.org/drawingml/2006/main" xmlns:r="http://schemas.openxmlformats.org/officeDocument/2006/relationships" xmlns:p="http://schemas.openxmlformats.org/presentationml/2006/main">
   <p:cSld>
     <p:bg>
@@ -7833,7 +6542,7 @@
 </p:sld>
 </file>
 
-<file path=ppt/slides/slide15.xml><?xml version="1.0" encoding="utf-8"?>
+<file path=ppt/slides/slide13.xml><?xml version="1.0" encoding="utf-8"?>
 <p:sld xmlns:a="http://schemas.openxmlformats.org/drawingml/2006/main" xmlns:r="http://schemas.openxmlformats.org/officeDocument/2006/relationships" xmlns:p="http://schemas.openxmlformats.org/presentationml/2006/main">
   <p:cSld>
     <p:bg>
@@ -8141,6 +6850,903 @@
 </p:sld>
 </file>
 
+<file path=ppt/slides/slide14.xml><?xml version="1.0" encoding="utf-8"?>
+<p:sld xmlns:a="http://schemas.openxmlformats.org/drawingml/2006/main" xmlns:r="http://schemas.openxmlformats.org/officeDocument/2006/relationships" xmlns:p="http://schemas.openxmlformats.org/presentationml/2006/main">
+  <p:cSld>
+    <p:bg>
+      <p:bgPr>
+        <a:blipFill dpi="0" rotWithShape="1">
+          <a:blip r:embed="rId2">
+            <a:lum/>
+          </a:blip>
+          <a:srcRect/>
+          <a:stretch>
+            <a:fillRect/>
+          </a:stretch>
+        </a:blipFill>
+        <a:effectLst/>
+      </p:bgPr>
+    </p:bg>
+    <p:spTree>
+      <p:nvGrpSpPr>
+        <p:cNvPr id="1" name=""/>
+        <p:cNvGrpSpPr/>
+        <p:nvPr/>
+      </p:nvGrpSpPr>
+      <p:grpSpPr>
+        <a:xfrm>
+          <a:off x="0" y="0"/>
+          <a:ext cx="0" cy="0"/>
+          <a:chOff x="0" y="0"/>
+          <a:chExt cx="0" cy="0"/>
+        </a:xfrm>
+      </p:grpSpPr>
+      <p:sp>
+        <p:nvSpPr>
+          <p:cNvPr id="2" name="Title 1">
+            <a:extLst>
+              <a:ext uri="{FF2B5EF4-FFF2-40B4-BE49-F238E27FC236}">
+                <a16:creationId xmlns:a16="http://schemas.microsoft.com/office/drawing/2014/main" id="{55E11F08-6CA0-48F1-AD67-97430DDA07F0}"/>
+              </a:ext>
+            </a:extLst>
+          </p:cNvPr>
+          <p:cNvSpPr>
+            <a:spLocks noGrp="1"/>
+          </p:cNvSpPr>
+          <p:nvPr>
+            <p:ph type="title"/>
+          </p:nvPr>
+        </p:nvSpPr>
+        <p:spPr/>
+        <p:txBody>
+          <a:bodyPr/>
+          <a:lstStyle/>
+          <a:p>
+            <a:r>
+              <a:rPr lang="en-US" b="1" dirty="0">
+                <a:solidFill>
+                  <a:srgbClr val="292D33"/>
+                </a:solidFill>
+                <a:latin typeface="Euclid Circular B" panose="020B0504000000000000" pitchFamily="34" charset="0"/>
+                <a:ea typeface="Euclid Circular B" panose="020B0504000000000000" pitchFamily="34" charset="0"/>
+              </a:rPr>
+              <a:t>ABP.IO: Filling the Gap</a:t>
+            </a:r>
+          </a:p>
+        </p:txBody>
+      </p:sp>
+      <p:sp>
+        <p:nvSpPr>
+          <p:cNvPr id="7" name="Rectangle 6">
+            <a:extLst>
+              <a:ext uri="{FF2B5EF4-FFF2-40B4-BE49-F238E27FC236}">
+                <a16:creationId xmlns:a16="http://schemas.microsoft.com/office/drawing/2014/main" id="{0660B361-9F1B-9028-E9ED-EBDD0055314C}"/>
+              </a:ext>
+            </a:extLst>
+          </p:cNvPr>
+          <p:cNvSpPr/>
+          <p:nvPr/>
+        </p:nvSpPr>
+        <p:spPr>
+          <a:xfrm>
+            <a:off x="1879346" y="3296339"/>
+            <a:ext cx="7596577" cy="887809"/>
+          </a:xfrm>
+          <a:prstGeom prst="rect">
+            <a:avLst/>
+          </a:prstGeom>
+          <a:solidFill>
+            <a:schemeClr val="bg1"/>
+          </a:solidFill>
+          <a:ln>
+            <a:solidFill>
+              <a:schemeClr val="tx1">
+                <a:lumMod val="50000"/>
+                <a:lumOff val="50000"/>
+              </a:schemeClr>
+            </a:solidFill>
+          </a:ln>
+        </p:spPr>
+        <p:style>
+          <a:lnRef idx="2">
+            <a:schemeClr val="accent1">
+              <a:shade val="50000"/>
+            </a:schemeClr>
+          </a:lnRef>
+          <a:fillRef idx="1">
+            <a:schemeClr val="accent1"/>
+          </a:fillRef>
+          <a:effectRef idx="0">
+            <a:schemeClr val="accent1"/>
+          </a:effectRef>
+          <a:fontRef idx="minor">
+            <a:schemeClr val="lt1"/>
+          </a:fontRef>
+        </p:style>
+        <p:txBody>
+          <a:bodyPr rtlCol="0" anchor="ctr"/>
+          <a:lstStyle/>
+          <a:p>
+            <a:r>
+              <a:rPr lang="en-US" sz="3600" dirty="0">
+                <a:solidFill>
+                  <a:schemeClr val="bg2">
+                    <a:lumMod val="25000"/>
+                  </a:schemeClr>
+                </a:solidFill>
+              </a:rPr>
+              <a:t>ABP.IO Platform</a:t>
+            </a:r>
+            <a:endParaRPr lang="en-US" sz="2400" dirty="0">
+              <a:solidFill>
+                <a:schemeClr val="bg2">
+                  <a:lumMod val="25000"/>
+                </a:schemeClr>
+              </a:solidFill>
+            </a:endParaRPr>
+          </a:p>
+          <a:p>
+            <a:r>
+              <a:rPr lang="en-US" dirty="0">
+                <a:solidFill>
+                  <a:schemeClr val="bg2">
+                    <a:lumMod val="25000"/>
+                  </a:schemeClr>
+                </a:solidFill>
+              </a:rPr>
+              <a:t>Architecture &amp; Infrastructure for Real-World Business Applications</a:t>
+            </a:r>
+          </a:p>
+        </p:txBody>
+      </p:sp>
+      <p:sp>
+        <p:nvSpPr>
+          <p:cNvPr id="9" name="Rectangle 8">
+            <a:extLst>
+              <a:ext uri="{FF2B5EF4-FFF2-40B4-BE49-F238E27FC236}">
+                <a16:creationId xmlns:a16="http://schemas.microsoft.com/office/drawing/2014/main" id="{44694CC2-1367-3327-5952-11A442208198}"/>
+              </a:ext>
+            </a:extLst>
+          </p:cNvPr>
+          <p:cNvSpPr/>
+          <p:nvPr/>
+        </p:nvSpPr>
+        <p:spPr>
+          <a:xfrm>
+            <a:off x="1879346" y="4354086"/>
+            <a:ext cx="7596577" cy="887809"/>
+          </a:xfrm>
+          <a:prstGeom prst="rect">
+            <a:avLst/>
+          </a:prstGeom>
+          <a:solidFill>
+            <a:schemeClr val="bg1"/>
+          </a:solidFill>
+          <a:ln>
+            <a:solidFill>
+              <a:schemeClr val="tx1">
+                <a:lumMod val="50000"/>
+                <a:lumOff val="50000"/>
+              </a:schemeClr>
+            </a:solidFill>
+          </a:ln>
+        </p:spPr>
+        <p:style>
+          <a:lnRef idx="2">
+            <a:schemeClr val="accent1">
+              <a:shade val="50000"/>
+            </a:schemeClr>
+          </a:lnRef>
+          <a:fillRef idx="1">
+            <a:schemeClr val="accent1"/>
+          </a:fillRef>
+          <a:effectRef idx="0">
+            <a:schemeClr val="accent1"/>
+          </a:effectRef>
+          <a:fontRef idx="minor">
+            <a:schemeClr val="lt1"/>
+          </a:fontRef>
+        </p:style>
+        <p:txBody>
+          <a:bodyPr rtlCol="0" anchor="ctr"/>
+          <a:lstStyle/>
+          <a:p>
+            <a:r>
+              <a:rPr lang="en-US" sz="3600" dirty="0">
+                <a:solidFill>
+                  <a:schemeClr val="bg2">
+                    <a:lumMod val="25000"/>
+                  </a:schemeClr>
+                </a:solidFill>
+              </a:rPr>
+              <a:t>.NET Platform / ASP.NET Core</a:t>
+            </a:r>
+          </a:p>
+          <a:p>
+            <a:r>
+              <a:rPr lang="en-US" dirty="0">
+                <a:solidFill>
+                  <a:schemeClr val="bg2">
+                    <a:lumMod val="25000"/>
+                  </a:schemeClr>
+                </a:solidFill>
+              </a:rPr>
+              <a:t>Web Application &amp; HTTP Service Development Framework</a:t>
+            </a:r>
+          </a:p>
+        </p:txBody>
+      </p:sp>
+      <p:pic>
+        <p:nvPicPr>
+          <p:cNvPr id="10" name="Picture 9" descr="A picture containing text, transport, vector graphics&#10;&#10;Description automatically generated">
+            <a:extLst>
+              <a:ext uri="{FF2B5EF4-FFF2-40B4-BE49-F238E27FC236}">
+                <a16:creationId xmlns:a16="http://schemas.microsoft.com/office/drawing/2014/main" id="{12AA7779-DF7F-FB7A-6AFE-0174494CFEBB}"/>
+              </a:ext>
+            </a:extLst>
+          </p:cNvPr>
+          <p:cNvPicPr>
+            <a:picLocks noChangeAspect="1"/>
+          </p:cNvPicPr>
+          <p:nvPr/>
+        </p:nvPicPr>
+        <p:blipFill>
+          <a:blip r:embed="rId3">
+            <a:extLst>
+              <a:ext uri="{28A0092B-C50C-407E-A947-70E740481C1C}">
+                <a14:useLocalDpi xmlns:a14="http://schemas.microsoft.com/office/drawing/2010/main" val="0"/>
+              </a:ext>
+            </a:extLst>
+          </a:blip>
+          <a:stretch>
+            <a:fillRect/>
+          </a:stretch>
+        </p:blipFill>
+        <p:spPr>
+          <a:xfrm>
+            <a:off x="469160" y="3051140"/>
+            <a:ext cx="1690958" cy="1690958"/>
+          </a:xfrm>
+          <a:prstGeom prst="rect">
+            <a:avLst/>
+          </a:prstGeom>
+        </p:spPr>
+      </p:pic>
+      <p:pic>
+        <p:nvPicPr>
+          <p:cNvPr id="3074" name="Picture 2">
+            <a:extLst>
+              <a:ext uri="{FF2B5EF4-FFF2-40B4-BE49-F238E27FC236}">
+                <a16:creationId xmlns:a16="http://schemas.microsoft.com/office/drawing/2014/main" id="{FA6902EA-BFC9-3D18-7813-3C820945EE4D}"/>
+              </a:ext>
+            </a:extLst>
+          </p:cNvPr>
+          <p:cNvPicPr>
+            <a:picLocks noChangeAspect="1" noChangeArrowheads="1"/>
+          </p:cNvPicPr>
+          <p:nvPr/>
+        </p:nvPicPr>
+        <p:blipFill>
+          <a:blip r:embed="rId4">
+            <a:extLst>
+              <a:ext uri="{28A0092B-C50C-407E-A947-70E740481C1C}">
+                <a14:useLocalDpi xmlns:a14="http://schemas.microsoft.com/office/drawing/2010/main" val="0"/>
+              </a:ext>
+            </a:extLst>
+          </a:blip>
+          <a:srcRect/>
+          <a:stretch>
+            <a:fillRect/>
+          </a:stretch>
+        </p:blipFill>
+        <p:spPr bwMode="auto">
+          <a:xfrm>
+            <a:off x="901240" y="4411241"/>
+            <a:ext cx="821601" cy="821601"/>
+          </a:xfrm>
+          <a:prstGeom prst="rect">
+            <a:avLst/>
+          </a:prstGeom>
+          <a:noFill/>
+          <a:extLst>
+            <a:ext uri="{909E8E84-426E-40DD-AFC4-6F175D3DCCD1}">
+              <a14:hiddenFill xmlns:a14="http://schemas.microsoft.com/office/drawing/2010/main">
+                <a:solidFill>
+                  <a:srgbClr val="FFFFFF"/>
+                </a:solidFill>
+              </a14:hiddenFill>
+            </a:ext>
+          </a:extLst>
+        </p:spPr>
+      </p:pic>
+      <p:pic>
+        <p:nvPicPr>
+          <p:cNvPr id="12" name="Picture 11" descr="Shape&#10;&#10;Description automatically generated with low confidence">
+            <a:extLst>
+              <a:ext uri="{FF2B5EF4-FFF2-40B4-BE49-F238E27FC236}">
+                <a16:creationId xmlns:a16="http://schemas.microsoft.com/office/drawing/2014/main" id="{45B650B9-E6FD-EC71-564D-3BAA70ED8AAD}"/>
+              </a:ext>
+            </a:extLst>
+          </p:cNvPr>
+          <p:cNvPicPr>
+            <a:picLocks noChangeAspect="1"/>
+          </p:cNvPicPr>
+          <p:nvPr/>
+        </p:nvPicPr>
+        <p:blipFill>
+          <a:blip r:embed="rId5">
+            <a:extLst>
+              <a:ext uri="{28A0092B-C50C-407E-A947-70E740481C1C}">
+                <a14:useLocalDpi xmlns:a14="http://schemas.microsoft.com/office/drawing/2010/main" val="0"/>
+              </a:ext>
+            </a:extLst>
+          </a:blip>
+          <a:stretch>
+            <a:fillRect/>
+          </a:stretch>
+        </p:blipFill>
+        <p:spPr>
+          <a:xfrm>
+            <a:off x="901240" y="2274804"/>
+            <a:ext cx="821601" cy="821601"/>
+          </a:xfrm>
+          <a:prstGeom prst="rect">
+            <a:avLst/>
+          </a:prstGeom>
+        </p:spPr>
+      </p:pic>
+      <p:sp>
+        <p:nvSpPr>
+          <p:cNvPr id="14" name="Rectangle 13">
+            <a:extLst>
+              <a:ext uri="{FF2B5EF4-FFF2-40B4-BE49-F238E27FC236}">
+                <a16:creationId xmlns:a16="http://schemas.microsoft.com/office/drawing/2014/main" id="{5DD91C09-9480-C591-BFCA-376994E3AF19}"/>
+              </a:ext>
+            </a:extLst>
+          </p:cNvPr>
+          <p:cNvSpPr/>
+          <p:nvPr/>
+        </p:nvSpPr>
+        <p:spPr>
+          <a:xfrm>
+            <a:off x="1879346" y="2238592"/>
+            <a:ext cx="7596577" cy="887809"/>
+          </a:xfrm>
+          <a:prstGeom prst="rect">
+            <a:avLst/>
+          </a:prstGeom>
+          <a:solidFill>
+            <a:schemeClr val="bg1"/>
+          </a:solidFill>
+          <a:ln>
+            <a:solidFill>
+              <a:schemeClr val="tx1">
+                <a:lumMod val="50000"/>
+                <a:lumOff val="50000"/>
+              </a:schemeClr>
+            </a:solidFill>
+          </a:ln>
+        </p:spPr>
+        <p:style>
+          <a:lnRef idx="2">
+            <a:schemeClr val="accent1">
+              <a:shade val="50000"/>
+            </a:schemeClr>
+          </a:lnRef>
+          <a:fillRef idx="1">
+            <a:schemeClr val="accent1"/>
+          </a:fillRef>
+          <a:effectRef idx="0">
+            <a:schemeClr val="accent1"/>
+          </a:effectRef>
+          <a:fontRef idx="minor">
+            <a:schemeClr val="lt1"/>
+          </a:fontRef>
+        </p:style>
+        <p:txBody>
+          <a:bodyPr rtlCol="0" anchor="ctr"/>
+          <a:lstStyle/>
+          <a:p>
+            <a:r>
+              <a:rPr lang="en-US" sz="3600" dirty="0">
+                <a:solidFill>
+                  <a:schemeClr val="bg2">
+                    <a:lumMod val="25000"/>
+                  </a:schemeClr>
+                </a:solidFill>
+              </a:rPr>
+              <a:t>Your Application</a:t>
+            </a:r>
+            <a:endParaRPr lang="en-US" sz="2400" dirty="0">
+              <a:solidFill>
+                <a:schemeClr val="bg2">
+                  <a:lumMod val="25000"/>
+                </a:schemeClr>
+              </a:solidFill>
+            </a:endParaRPr>
+          </a:p>
+          <a:p>
+            <a:r>
+              <a:rPr lang="en-US" dirty="0">
+                <a:solidFill>
+                  <a:schemeClr val="bg2">
+                    <a:lumMod val="25000"/>
+                  </a:schemeClr>
+                </a:solidFill>
+              </a:rPr>
+              <a:t>Focus on your own business code!</a:t>
+            </a:r>
+          </a:p>
+        </p:txBody>
+      </p:sp>
+    </p:spTree>
+    <p:extLst>
+      <p:ext uri="{BB962C8B-B14F-4D97-AF65-F5344CB8AC3E}">
+        <p14:creationId xmlns:p14="http://schemas.microsoft.com/office/powerpoint/2010/main" val="2499641439"/>
+      </p:ext>
+    </p:extLst>
+  </p:cSld>
+  <p:clrMapOvr>
+    <a:masterClrMapping/>
+  </p:clrMapOvr>
+  <p:timing>
+    <p:tnLst>
+      <p:par>
+        <p:cTn id="1" dur="indefinite" restart="never" nodeType="tmRoot">
+          <p:childTnLst>
+            <p:seq concurrent="1" nextAc="seek">
+              <p:cTn id="2" dur="indefinite" nodeType="mainSeq">
+                <p:childTnLst>
+                  <p:par>
+                    <p:cTn id="3" fill="hold">
+                      <p:stCondLst>
+                        <p:cond delay="indefinite"/>
+                      </p:stCondLst>
+                      <p:childTnLst>
+                        <p:par>
+                          <p:cTn id="4" fill="hold">
+                            <p:stCondLst>
+                              <p:cond delay="0"/>
+                            </p:stCondLst>
+                            <p:childTnLst>
+                              <p:par>
+                                <p:cTn id="5" presetID="10" presetClass="entr" presetSubtype="0" fill="hold" grpId="0" nodeType="clickEffect">
+                                  <p:stCondLst>
+                                    <p:cond delay="0"/>
+                                  </p:stCondLst>
+                                  <p:childTnLst>
+                                    <p:set>
+                                      <p:cBhvr>
+                                        <p:cTn id="6" dur="1" fill="hold">
+                                          <p:stCondLst>
+                                            <p:cond delay="0"/>
+                                          </p:stCondLst>
+                                        </p:cTn>
+                                        <p:tgtEl>
+                                          <p:spTgt spid="9"/>
+                                        </p:tgtEl>
+                                        <p:attrNameLst>
+                                          <p:attrName>style.visibility</p:attrName>
+                                        </p:attrNameLst>
+                                      </p:cBhvr>
+                                      <p:to>
+                                        <p:strVal val="visible"/>
+                                      </p:to>
+                                    </p:set>
+                                    <p:animEffect transition="in" filter="fade">
+                                      <p:cBhvr>
+                                        <p:cTn id="7" dur="500"/>
+                                        <p:tgtEl>
+                                          <p:spTgt spid="9"/>
+                                        </p:tgtEl>
+                                      </p:cBhvr>
+                                    </p:animEffect>
+                                  </p:childTnLst>
+                                </p:cTn>
+                              </p:par>
+                              <p:par>
+                                <p:cTn id="8" presetID="10" presetClass="entr" presetSubtype="0" fill="hold" nodeType="withEffect">
+                                  <p:stCondLst>
+                                    <p:cond delay="0"/>
+                                  </p:stCondLst>
+                                  <p:childTnLst>
+                                    <p:set>
+                                      <p:cBhvr>
+                                        <p:cTn id="9" dur="1" fill="hold">
+                                          <p:stCondLst>
+                                            <p:cond delay="0"/>
+                                          </p:stCondLst>
+                                        </p:cTn>
+                                        <p:tgtEl>
+                                          <p:spTgt spid="3074"/>
+                                        </p:tgtEl>
+                                        <p:attrNameLst>
+                                          <p:attrName>style.visibility</p:attrName>
+                                        </p:attrNameLst>
+                                      </p:cBhvr>
+                                      <p:to>
+                                        <p:strVal val="visible"/>
+                                      </p:to>
+                                    </p:set>
+                                    <p:animEffect transition="in" filter="fade">
+                                      <p:cBhvr>
+                                        <p:cTn id="10" dur="500"/>
+                                        <p:tgtEl>
+                                          <p:spTgt spid="3074"/>
+                                        </p:tgtEl>
+                                      </p:cBhvr>
+                                    </p:animEffect>
+                                  </p:childTnLst>
+                                </p:cTn>
+                              </p:par>
+                            </p:childTnLst>
+                          </p:cTn>
+                        </p:par>
+                      </p:childTnLst>
+                    </p:cTn>
+                  </p:par>
+                  <p:par>
+                    <p:cTn id="11" fill="hold">
+                      <p:stCondLst>
+                        <p:cond delay="indefinite"/>
+                      </p:stCondLst>
+                      <p:childTnLst>
+                        <p:par>
+                          <p:cTn id="12" fill="hold">
+                            <p:stCondLst>
+                              <p:cond delay="0"/>
+                            </p:stCondLst>
+                            <p:childTnLst>
+                              <p:par>
+                                <p:cTn id="13" presetID="10" presetClass="entr" presetSubtype="0" fill="hold" grpId="0" nodeType="clickEffect">
+                                  <p:stCondLst>
+                                    <p:cond delay="0"/>
+                                  </p:stCondLst>
+                                  <p:childTnLst>
+                                    <p:set>
+                                      <p:cBhvr>
+                                        <p:cTn id="14" dur="1" fill="hold">
+                                          <p:stCondLst>
+                                            <p:cond delay="0"/>
+                                          </p:stCondLst>
+                                        </p:cTn>
+                                        <p:tgtEl>
+                                          <p:spTgt spid="7"/>
+                                        </p:tgtEl>
+                                        <p:attrNameLst>
+                                          <p:attrName>style.visibility</p:attrName>
+                                        </p:attrNameLst>
+                                      </p:cBhvr>
+                                      <p:to>
+                                        <p:strVal val="visible"/>
+                                      </p:to>
+                                    </p:set>
+                                    <p:animEffect transition="in" filter="fade">
+                                      <p:cBhvr>
+                                        <p:cTn id="15" dur="500"/>
+                                        <p:tgtEl>
+                                          <p:spTgt spid="7"/>
+                                        </p:tgtEl>
+                                      </p:cBhvr>
+                                    </p:animEffect>
+                                  </p:childTnLst>
+                                </p:cTn>
+                              </p:par>
+                              <p:par>
+                                <p:cTn id="16" presetID="10" presetClass="entr" presetSubtype="0" fill="hold" nodeType="withEffect">
+                                  <p:stCondLst>
+                                    <p:cond delay="0"/>
+                                  </p:stCondLst>
+                                  <p:childTnLst>
+                                    <p:set>
+                                      <p:cBhvr>
+                                        <p:cTn id="17" dur="1" fill="hold">
+                                          <p:stCondLst>
+                                            <p:cond delay="0"/>
+                                          </p:stCondLst>
+                                        </p:cTn>
+                                        <p:tgtEl>
+                                          <p:spTgt spid="10"/>
+                                        </p:tgtEl>
+                                        <p:attrNameLst>
+                                          <p:attrName>style.visibility</p:attrName>
+                                        </p:attrNameLst>
+                                      </p:cBhvr>
+                                      <p:to>
+                                        <p:strVal val="visible"/>
+                                      </p:to>
+                                    </p:set>
+                                    <p:animEffect transition="in" filter="fade">
+                                      <p:cBhvr>
+                                        <p:cTn id="18" dur="500"/>
+                                        <p:tgtEl>
+                                          <p:spTgt spid="10"/>
+                                        </p:tgtEl>
+                                      </p:cBhvr>
+                                    </p:animEffect>
+                                  </p:childTnLst>
+                                </p:cTn>
+                              </p:par>
+                            </p:childTnLst>
+                          </p:cTn>
+                        </p:par>
+                      </p:childTnLst>
+                    </p:cTn>
+                  </p:par>
+                  <p:par>
+                    <p:cTn id="19" fill="hold">
+                      <p:stCondLst>
+                        <p:cond delay="indefinite"/>
+                      </p:stCondLst>
+                      <p:childTnLst>
+                        <p:par>
+                          <p:cTn id="20" fill="hold">
+                            <p:stCondLst>
+                              <p:cond delay="0"/>
+                            </p:stCondLst>
+                            <p:childTnLst>
+                              <p:par>
+                                <p:cTn id="21" presetID="10" presetClass="entr" presetSubtype="0" fill="hold" nodeType="clickEffect">
+                                  <p:stCondLst>
+                                    <p:cond delay="0"/>
+                                  </p:stCondLst>
+                                  <p:childTnLst>
+                                    <p:set>
+                                      <p:cBhvr>
+                                        <p:cTn id="22" dur="1" fill="hold">
+                                          <p:stCondLst>
+                                            <p:cond delay="0"/>
+                                          </p:stCondLst>
+                                        </p:cTn>
+                                        <p:tgtEl>
+                                          <p:spTgt spid="12"/>
+                                        </p:tgtEl>
+                                        <p:attrNameLst>
+                                          <p:attrName>style.visibility</p:attrName>
+                                        </p:attrNameLst>
+                                      </p:cBhvr>
+                                      <p:to>
+                                        <p:strVal val="visible"/>
+                                      </p:to>
+                                    </p:set>
+                                    <p:animEffect transition="in" filter="fade">
+                                      <p:cBhvr>
+                                        <p:cTn id="23" dur="500"/>
+                                        <p:tgtEl>
+                                          <p:spTgt spid="12"/>
+                                        </p:tgtEl>
+                                      </p:cBhvr>
+                                    </p:animEffect>
+                                  </p:childTnLst>
+                                </p:cTn>
+                              </p:par>
+                              <p:par>
+                                <p:cTn id="24" presetID="10" presetClass="entr" presetSubtype="0" fill="hold" grpId="0" nodeType="withEffect">
+                                  <p:stCondLst>
+                                    <p:cond delay="0"/>
+                                  </p:stCondLst>
+                                  <p:childTnLst>
+                                    <p:set>
+                                      <p:cBhvr>
+                                        <p:cTn id="25" dur="1" fill="hold">
+                                          <p:stCondLst>
+                                            <p:cond delay="0"/>
+                                          </p:stCondLst>
+                                        </p:cTn>
+                                        <p:tgtEl>
+                                          <p:spTgt spid="14"/>
+                                        </p:tgtEl>
+                                        <p:attrNameLst>
+                                          <p:attrName>style.visibility</p:attrName>
+                                        </p:attrNameLst>
+                                      </p:cBhvr>
+                                      <p:to>
+                                        <p:strVal val="visible"/>
+                                      </p:to>
+                                    </p:set>
+                                    <p:animEffect transition="in" filter="fade">
+                                      <p:cBhvr>
+                                        <p:cTn id="26" dur="500"/>
+                                        <p:tgtEl>
+                                          <p:spTgt spid="14"/>
+                                        </p:tgtEl>
+                                      </p:cBhvr>
+                                    </p:animEffect>
+                                  </p:childTnLst>
+                                </p:cTn>
+                              </p:par>
+                            </p:childTnLst>
+                          </p:cTn>
+                        </p:par>
+                      </p:childTnLst>
+                    </p:cTn>
+                  </p:par>
+                </p:childTnLst>
+              </p:cTn>
+              <p:prevCondLst>
+                <p:cond evt="onPrev" delay="0">
+                  <p:tgtEl>
+                    <p:sldTgt/>
+                  </p:tgtEl>
+                </p:cond>
+              </p:prevCondLst>
+              <p:nextCondLst>
+                <p:cond evt="onNext" delay="0">
+                  <p:tgtEl>
+                    <p:sldTgt/>
+                  </p:tgtEl>
+                </p:cond>
+              </p:nextCondLst>
+            </p:seq>
+          </p:childTnLst>
+        </p:cTn>
+      </p:par>
+    </p:tnLst>
+    <p:bldLst>
+      <p:bldP spid="7" grpId="0" animBg="1"/>
+      <p:bldP spid="9" grpId="0" animBg="1"/>
+      <p:bldP spid="14" grpId="0" animBg="1"/>
+    </p:bldLst>
+  </p:timing>
+</p:sld>
+</file>
+
+<file path=ppt/slides/slide15.xml><?xml version="1.0" encoding="utf-8"?>
+<p:sld xmlns:a="http://schemas.openxmlformats.org/drawingml/2006/main" xmlns:r="http://schemas.openxmlformats.org/officeDocument/2006/relationships" xmlns:p="http://schemas.openxmlformats.org/presentationml/2006/main">
+  <p:cSld>
+    <p:bg>
+      <p:bgPr>
+        <a:blipFill dpi="0" rotWithShape="1">
+          <a:blip r:embed="rId2">
+            <a:lum/>
+          </a:blip>
+          <a:srcRect/>
+          <a:stretch>
+            <a:fillRect/>
+          </a:stretch>
+        </a:blipFill>
+        <a:effectLst/>
+      </p:bgPr>
+    </p:bg>
+    <p:spTree>
+      <p:nvGrpSpPr>
+        <p:cNvPr id="1" name=""/>
+        <p:cNvGrpSpPr/>
+        <p:nvPr/>
+      </p:nvGrpSpPr>
+      <p:grpSpPr>
+        <a:xfrm>
+          <a:off x="0" y="0"/>
+          <a:ext cx="0" cy="0"/>
+          <a:chOff x="0" y="0"/>
+          <a:chExt cx="0" cy="0"/>
+        </a:xfrm>
+      </p:grpSpPr>
+      <p:sp>
+        <p:nvSpPr>
+          <p:cNvPr id="2" name="Title 1">
+            <a:extLst>
+              <a:ext uri="{FF2B5EF4-FFF2-40B4-BE49-F238E27FC236}">
+                <a16:creationId xmlns:a16="http://schemas.microsoft.com/office/drawing/2014/main" id="{55E11F08-6CA0-48F1-AD67-97430DDA07F0}"/>
+              </a:ext>
+            </a:extLst>
+          </p:cNvPr>
+          <p:cNvSpPr>
+            <a:spLocks noGrp="1"/>
+          </p:cNvSpPr>
+          <p:nvPr>
+            <p:ph type="title"/>
+          </p:nvPr>
+        </p:nvSpPr>
+        <p:spPr/>
+        <p:txBody>
+          <a:bodyPr/>
+          <a:lstStyle/>
+          <a:p>
+            <a:r>
+              <a:rPr lang="en-US" b="1" dirty="0">
+                <a:solidFill>
+                  <a:srgbClr val="292D33"/>
+                </a:solidFill>
+                <a:latin typeface="Euclid Circular B" panose="020B0504000000000000" pitchFamily="34" charset="0"/>
+                <a:ea typeface="Euclid Circular B" panose="020B0504000000000000" pitchFamily="34" charset="0"/>
+              </a:rPr>
+              <a:t>ABP in Action!</a:t>
+            </a:r>
+          </a:p>
+        </p:txBody>
+      </p:sp>
+      <p:sp>
+        <p:nvSpPr>
+          <p:cNvPr id="3" name="Content Placeholder 2">
+            <a:extLst>
+              <a:ext uri="{FF2B5EF4-FFF2-40B4-BE49-F238E27FC236}">
+                <a16:creationId xmlns:a16="http://schemas.microsoft.com/office/drawing/2014/main" id="{891C7693-D3DF-4635-96F4-97F3B4136FDF}"/>
+              </a:ext>
+            </a:extLst>
+          </p:cNvPr>
+          <p:cNvSpPr>
+            <a:spLocks noGrp="1"/>
+          </p:cNvSpPr>
+          <p:nvPr>
+            <p:ph idx="1"/>
+          </p:nvPr>
+        </p:nvSpPr>
+        <p:spPr>
+          <a:xfrm>
+            <a:off x="838200" y="2390115"/>
+            <a:ext cx="10515600" cy="3786848"/>
+          </a:xfrm>
+        </p:spPr>
+        <p:txBody>
+          <a:bodyPr>
+            <a:normAutofit/>
+          </a:bodyPr>
+          <a:lstStyle/>
+          <a:p>
+            <a:pPr marL="0" indent="0" algn="ctr">
+              <a:buNone/>
+            </a:pPr>
+            <a:r>
+              <a:rPr lang="en-US" sz="12000" dirty="0">
+                <a:latin typeface="Euclid Circular B" panose="020B0504000000000000" pitchFamily="34" charset="0"/>
+                <a:ea typeface="Euclid Circular B" panose="020B0504000000000000" pitchFamily="34" charset="0"/>
+              </a:rPr>
+              <a:t>DEMO</a:t>
+            </a:r>
+          </a:p>
+          <a:p>
+            <a:pPr marL="0" indent="0" algn="ctr">
+              <a:buNone/>
+            </a:pPr>
+            <a:r>
+              <a:rPr lang="en-US" sz="4800" dirty="0">
+                <a:latin typeface="Euclid Circular B" panose="020B0504000000000000" pitchFamily="34" charset="0"/>
+                <a:ea typeface="Euclid Circular B" panose="020B0504000000000000" pitchFamily="34" charset="0"/>
+              </a:rPr>
+              <a:t>by </a:t>
+            </a:r>
+            <a:r>
+              <a:rPr lang="en-US" sz="4800" dirty="0" err="1">
+                <a:latin typeface="Euclid Circular B" panose="020B0504000000000000" pitchFamily="34" charset="0"/>
+                <a:ea typeface="Euclid Circular B" panose="020B0504000000000000" pitchFamily="34" charset="0"/>
+              </a:rPr>
+              <a:t>Alper</a:t>
+            </a:r>
+            <a:r>
+              <a:rPr lang="en-US" sz="4800" dirty="0">
+                <a:latin typeface="Euclid Circular B" panose="020B0504000000000000" pitchFamily="34" charset="0"/>
+                <a:ea typeface="Euclid Circular B" panose="020B0504000000000000" pitchFamily="34" charset="0"/>
+              </a:rPr>
+              <a:t> </a:t>
+            </a:r>
+            <a:r>
+              <a:rPr lang="en-US" sz="4800" dirty="0" err="1">
+                <a:latin typeface="Euclid Circular B" panose="020B0504000000000000" pitchFamily="34" charset="0"/>
+                <a:ea typeface="Euclid Circular B" panose="020B0504000000000000" pitchFamily="34" charset="0"/>
+              </a:rPr>
+              <a:t>Ebiçoğlu</a:t>
+            </a:r>
+            <a:endParaRPr lang="en-US" sz="4800" dirty="0">
+              <a:latin typeface="Euclid Circular B" panose="020B0504000000000000" pitchFamily="34" charset="0"/>
+              <a:ea typeface="Euclid Circular B" panose="020B0504000000000000" pitchFamily="34" charset="0"/>
+            </a:endParaRPr>
+          </a:p>
+        </p:txBody>
+      </p:sp>
+    </p:spTree>
+    <p:extLst>
+      <p:ext uri="{BB962C8B-B14F-4D97-AF65-F5344CB8AC3E}">
+        <p14:creationId xmlns:p14="http://schemas.microsoft.com/office/powerpoint/2010/main" val="3099850905"/>
+      </p:ext>
+    </p:extLst>
+  </p:cSld>
+  <p:clrMapOvr>
+    <a:masterClrMapping/>
+  </p:clrMapOvr>
+</p:sld>
+</file>
+
 <file path=ppt/slides/slide16.xml><?xml version="1.0" encoding="utf-8"?>
 <p:sld xmlns:a="http://schemas.openxmlformats.org/drawingml/2006/main" xmlns:r="http://schemas.openxmlformats.org/officeDocument/2006/relationships" xmlns:p="http://schemas.openxmlformats.org/presentationml/2006/main">
   <p:cSld>
@@ -8506,162 +8112,6 @@
       <p:bldP spid="7" grpId="0"/>
     </p:bldLst>
   </p:timing>
-</p:sld>
-</file>
-
-<file path=ppt/slides/slide17.xml><?xml version="1.0" encoding="utf-8"?>
-<p:sld xmlns:a="http://schemas.openxmlformats.org/drawingml/2006/main" xmlns:r="http://schemas.openxmlformats.org/officeDocument/2006/relationships" xmlns:p="http://schemas.openxmlformats.org/presentationml/2006/main">
-  <p:cSld>
-    <p:bg>
-      <p:bgPr>
-        <a:blipFill dpi="0" rotWithShape="1">
-          <a:blip r:embed="rId2">
-            <a:lum/>
-          </a:blip>
-          <a:srcRect/>
-          <a:stretch>
-            <a:fillRect/>
-          </a:stretch>
-        </a:blipFill>
-        <a:effectLst/>
-      </p:bgPr>
-    </p:bg>
-    <p:spTree>
-      <p:nvGrpSpPr>
-        <p:cNvPr id="1" name=""/>
-        <p:cNvGrpSpPr/>
-        <p:nvPr/>
-      </p:nvGrpSpPr>
-      <p:grpSpPr>
-        <a:xfrm>
-          <a:off x="0" y="0"/>
-          <a:ext cx="0" cy="0"/>
-          <a:chOff x="0" y="0"/>
-          <a:chExt cx="0" cy="0"/>
-        </a:xfrm>
-      </p:grpSpPr>
-      <p:sp>
-        <p:nvSpPr>
-          <p:cNvPr id="2" name="Title 1">
-            <a:extLst>
-              <a:ext uri="{FF2B5EF4-FFF2-40B4-BE49-F238E27FC236}">
-                <a16:creationId xmlns:a16="http://schemas.microsoft.com/office/drawing/2014/main" id="{55E11F08-6CA0-48F1-AD67-97430DDA07F0}"/>
-              </a:ext>
-            </a:extLst>
-          </p:cNvPr>
-          <p:cNvSpPr>
-            <a:spLocks noGrp="1"/>
-          </p:cNvSpPr>
-          <p:nvPr>
-            <p:ph type="title"/>
-          </p:nvPr>
-        </p:nvSpPr>
-        <p:spPr/>
-        <p:txBody>
-          <a:bodyPr/>
-          <a:lstStyle/>
-          <a:p>
-            <a:r>
-              <a:rPr lang="en-US" b="1" dirty="0">
-                <a:solidFill>
-                  <a:srgbClr val="292D33"/>
-                </a:solidFill>
-                <a:latin typeface="Euclid Circular B" panose="020B0504000000000000" pitchFamily="34" charset="0"/>
-                <a:ea typeface="Euclid Circular B" panose="020B0504000000000000" pitchFamily="34" charset="0"/>
-              </a:rPr>
-              <a:t>ABP in Action!</a:t>
-            </a:r>
-          </a:p>
-        </p:txBody>
-      </p:sp>
-      <p:sp>
-        <p:nvSpPr>
-          <p:cNvPr id="3" name="Content Placeholder 2">
-            <a:extLst>
-              <a:ext uri="{FF2B5EF4-FFF2-40B4-BE49-F238E27FC236}">
-                <a16:creationId xmlns:a16="http://schemas.microsoft.com/office/drawing/2014/main" id="{891C7693-D3DF-4635-96F4-97F3B4136FDF}"/>
-              </a:ext>
-            </a:extLst>
-          </p:cNvPr>
-          <p:cNvSpPr>
-            <a:spLocks noGrp="1"/>
-          </p:cNvSpPr>
-          <p:nvPr>
-            <p:ph idx="1"/>
-          </p:nvPr>
-        </p:nvSpPr>
-        <p:spPr>
-          <a:xfrm>
-            <a:off x="838200" y="2390115"/>
-            <a:ext cx="10515600" cy="3786848"/>
-          </a:xfrm>
-        </p:spPr>
-        <p:txBody>
-          <a:bodyPr>
-            <a:normAutofit/>
-          </a:bodyPr>
-          <a:lstStyle/>
-          <a:p>
-            <a:pPr marL="0" indent="0" algn="ctr">
-              <a:buNone/>
-            </a:pPr>
-            <a:r>
-              <a:rPr lang="en-US" sz="12000" dirty="0">
-                <a:latin typeface="Euclid Circular B" panose="020B0504000000000000" pitchFamily="34" charset="0"/>
-                <a:ea typeface="Euclid Circular B" panose="020B0504000000000000" pitchFamily="34" charset="0"/>
-              </a:rPr>
-              <a:t>DEMO</a:t>
-            </a:r>
-          </a:p>
-          <a:p>
-            <a:pPr marL="0" indent="0" algn="ctr">
-              <a:buNone/>
-            </a:pPr>
-            <a:r>
-              <a:rPr lang="en-US" sz="4800" dirty="0">
-                <a:latin typeface="Euclid Circular B" panose="020B0504000000000000" pitchFamily="34" charset="0"/>
-                <a:ea typeface="Euclid Circular B" panose="020B0504000000000000" pitchFamily="34" charset="0"/>
-              </a:rPr>
-              <a:t>by </a:t>
-            </a:r>
-            <a:r>
-              <a:rPr lang="en-US" sz="4800" dirty="0" err="1">
-                <a:latin typeface="Euclid Circular B" panose="020B0504000000000000" pitchFamily="34" charset="0"/>
-                <a:ea typeface="Euclid Circular B" panose="020B0504000000000000" pitchFamily="34" charset="0"/>
-              </a:rPr>
-              <a:t>Alper</a:t>
-            </a:r>
-            <a:r>
-              <a:rPr lang="en-US" sz="4800" dirty="0">
-                <a:latin typeface="Euclid Circular B" panose="020B0504000000000000" pitchFamily="34" charset="0"/>
-                <a:ea typeface="Euclid Circular B" panose="020B0504000000000000" pitchFamily="34" charset="0"/>
-              </a:rPr>
-              <a:t> </a:t>
-            </a:r>
-            <a:r>
-              <a:rPr lang="en-US" sz="4800" dirty="0" err="1">
-                <a:latin typeface="Euclid Circular B" panose="020B0504000000000000" pitchFamily="34" charset="0"/>
-                <a:ea typeface="Euclid Circular B" panose="020B0504000000000000" pitchFamily="34" charset="0"/>
-              </a:rPr>
-              <a:t>Ebiçoğlu</a:t>
-            </a:r>
-            <a:endParaRPr lang="en-US" sz="4800" dirty="0">
-              <a:latin typeface="Euclid Circular B" panose="020B0504000000000000" pitchFamily="34" charset="0"/>
-              <a:ea typeface="Euclid Circular B" panose="020B0504000000000000" pitchFamily="34" charset="0"/>
-            </a:endParaRPr>
-          </a:p>
-        </p:txBody>
-      </p:sp>
-    </p:spTree>
-    <p:extLst>
-      <p:ext uri="{BB962C8B-B14F-4D97-AF65-F5344CB8AC3E}">
-        <p14:creationId xmlns:p14="http://schemas.microsoft.com/office/powerpoint/2010/main" val="3099850905"/>
-      </p:ext>
-    </p:extLst>
-  </p:cSld>
-  <p:clrMapOvr>
-    <a:masterClrMapping/>
-  </p:clrMapOvr>
 </p:sld>
 </file>
 
@@ -13069,7 +12519,7 @@
                 <a:latin typeface="Euclid Circular B" panose="020B0504000000000000" pitchFamily="34" charset="0"/>
                 <a:ea typeface="Euclid Circular B" panose="020B0504000000000000" pitchFamily="34" charset="0"/>
               </a:rPr>
-              <a:t>Generic Application Requirements</a:t>
+              <a:t>Evolution of ASP.NET Boilerplate</a:t>
             </a:r>
           </a:p>
         </p:txBody>
@@ -13092,169 +12542,129 @@
         </p:nvSpPr>
         <p:spPr>
           <a:xfrm>
-            <a:off x="838199" y="1825625"/>
-            <a:ext cx="11009243" cy="4351338"/>
+            <a:off x="838200" y="1825626"/>
+            <a:ext cx="10515600" cy="1871732"/>
           </a:xfrm>
         </p:spPr>
         <p:txBody>
           <a:bodyPr>
-            <a:normAutofit fontScale="92500" lnSpcReduction="20000"/>
+            <a:normAutofit/>
           </a:bodyPr>
           <a:lstStyle/>
           <a:p>
-            <a:pPr marL="0" indent="0">
-              <a:buNone/>
-            </a:pPr>
-            <a:r>
-              <a:rPr lang="en-US" dirty="0">
+            <a:r>
+              <a:rPr lang="en-US" sz="2400" b="1" dirty="0">
                 <a:latin typeface="Euclid Circular B" panose="020B0504000000000000" pitchFamily="34" charset="0"/>
                 <a:ea typeface="Euclid Circular B" panose="020B0504000000000000" pitchFamily="34" charset="0"/>
               </a:rPr>
-              <a:t>Most applications have common non-business related, generic application features</a:t>
-            </a:r>
-          </a:p>
-          <a:p>
-            <a:pPr marL="0" indent="0">
-              <a:buNone/>
-            </a:pPr>
-            <a:endParaRPr lang="en-US" dirty="0">
-              <a:latin typeface="Euclid Circular B" panose="020B0504000000000000" pitchFamily="34" charset="0"/>
-              <a:ea typeface="Euclid Circular B" panose="020B0504000000000000" pitchFamily="34" charset="0"/>
-            </a:endParaRPr>
-          </a:p>
-          <a:p>
-            <a:r>
-              <a:rPr lang="en-US" b="1" dirty="0">
+              <a:t>Microservices </a:t>
+            </a:r>
+            <a:r>
+              <a:rPr lang="en-US" sz="2400" dirty="0">
                 <a:latin typeface="Euclid Circular B" panose="020B0504000000000000" pitchFamily="34" charset="0"/>
                 <a:ea typeface="Euclid Circular B" panose="020B0504000000000000" pitchFamily="34" charset="0"/>
               </a:rPr>
-              <a:t>Account</a:t>
-            </a:r>
-            <a:r>
-              <a:rPr lang="en-US" dirty="0">
+              <a:t>(Distributed event bus, inter-microservice calls)</a:t>
+            </a:r>
+          </a:p>
+          <a:p>
+            <a:r>
+              <a:rPr lang="en-US" sz="2400" b="1" dirty="0">
                 <a:latin typeface="Euclid Circular B" panose="020B0504000000000000" pitchFamily="34" charset="0"/>
                 <a:ea typeface="Euclid Circular B" panose="020B0504000000000000" pitchFamily="34" charset="0"/>
               </a:rPr>
-              <a:t>: Login, register, two-factor auth, forgot password,…</a:t>
-            </a:r>
-          </a:p>
-          <a:p>
-            <a:r>
-              <a:rPr lang="en-US" b="1" dirty="0">
+              <a:t>Polyglot persistence </a:t>
+            </a:r>
+            <a:r>
+              <a:rPr lang="en-US" sz="2400" dirty="0">
                 <a:latin typeface="Euclid Circular B" panose="020B0504000000000000" pitchFamily="34" charset="0"/>
                 <a:ea typeface="Euclid Circular B" panose="020B0504000000000000" pitchFamily="34" charset="0"/>
               </a:rPr>
-              <a:t>Identity</a:t>
-            </a:r>
-            <a:r>
-              <a:rPr lang="en-US" dirty="0">
+              <a:t>(Built-in EF Core &amp; MongoDB support)</a:t>
+            </a:r>
+          </a:p>
+          <a:p>
+            <a:r>
+              <a:rPr lang="en-US" sz="2400" b="1" dirty="0">
                 <a:latin typeface="Euclid Circular B" panose="020B0504000000000000" pitchFamily="34" charset="0"/>
                 <a:ea typeface="Euclid Circular B" panose="020B0504000000000000" pitchFamily="34" charset="0"/>
               </a:rPr>
-              <a:t>: Users, roles, organization units, permissions,…</a:t>
-            </a:r>
-          </a:p>
-          <a:p>
-            <a:r>
-              <a:rPr lang="en-US" b="1" dirty="0">
+              <a:t>Complete modularity</a:t>
+            </a:r>
+            <a:r>
+              <a:rPr lang="en-US" sz="2400" dirty="0">
                 <a:latin typeface="Euclid Circular B" panose="020B0504000000000000" pitchFamily="34" charset="0"/>
                 <a:ea typeface="Euclid Circular B" panose="020B0504000000000000" pitchFamily="34" charset="0"/>
               </a:rPr>
-              <a:t>SaaS</a:t>
-            </a:r>
-            <a:r>
-              <a:rPr lang="en-US" dirty="0">
+              <a:t> (microservice-compatible modules)</a:t>
+            </a:r>
+          </a:p>
+          <a:p>
+            <a:r>
+              <a:rPr lang="en-US" sz="2400" dirty="0">
                 <a:latin typeface="Euclid Circular B" panose="020B0504000000000000" pitchFamily="34" charset="0"/>
                 <a:ea typeface="Euclid Circular B" panose="020B0504000000000000" pitchFamily="34" charset="0"/>
               </a:rPr>
-              <a:t>: Tenants, packages, subscriptions…</a:t>
-            </a:r>
-          </a:p>
-          <a:p>
-            <a:r>
-              <a:rPr lang="en-US" b="1" dirty="0">
+              <a:t>Introduction of </a:t>
+            </a:r>
+            <a:r>
+              <a:rPr lang="en-US" sz="2400" b="1" dirty="0">
                 <a:latin typeface="Euclid Circular B" panose="020B0504000000000000" pitchFamily="34" charset="0"/>
                 <a:ea typeface="Euclid Circular B" panose="020B0504000000000000" pitchFamily="34" charset="0"/>
               </a:rPr>
-              <a:t>Audit Logs</a:t>
-            </a:r>
-            <a:r>
-              <a:rPr lang="en-US" dirty="0">
+              <a:t>ASP.NET Core</a:t>
+            </a:r>
+            <a:r>
+              <a:rPr lang="en-US" sz="2400" dirty="0">
                 <a:latin typeface="Euclid Circular B" panose="020B0504000000000000" pitchFamily="34" charset="0"/>
                 <a:ea typeface="Euclid Circular B" panose="020B0504000000000000" pitchFamily="34" charset="0"/>
               </a:rPr>
-              <a:t>: Trace and report user interactions</a:t>
-            </a:r>
-          </a:p>
-          <a:p>
-            <a:r>
-              <a:rPr lang="en-US" b="1" dirty="0">
+              <a:t> &amp; </a:t>
+            </a:r>
+            <a:r>
+              <a:rPr lang="en-US" sz="2400" b="1" dirty="0">
                 <a:latin typeface="Euclid Circular B" panose="020B0504000000000000" pitchFamily="34" charset="0"/>
                 <a:ea typeface="Euclid Circular B" panose="020B0504000000000000" pitchFamily="34" charset="0"/>
               </a:rPr>
-              <a:t>GDPR</a:t>
-            </a:r>
-            <a:r>
-              <a:rPr lang="en-US" dirty="0">
-                <a:latin typeface="Euclid Circular B" panose="020B0504000000000000" pitchFamily="34" charset="0"/>
-                <a:ea typeface="Euclid Circular B" panose="020B0504000000000000" pitchFamily="34" charset="0"/>
-              </a:rPr>
-              <a:t>: Download, delete user data, cookie consent,…</a:t>
-            </a:r>
-          </a:p>
-          <a:p>
-            <a:r>
-              <a:rPr lang="en-US" b="1" dirty="0">
-                <a:latin typeface="Euclid Circular B" panose="020B0504000000000000" pitchFamily="34" charset="0"/>
-                <a:ea typeface="Euclid Circular B" panose="020B0504000000000000" pitchFamily="34" charset="0"/>
-              </a:rPr>
-              <a:t>Payment</a:t>
-            </a:r>
-            <a:r>
-              <a:rPr lang="en-US" dirty="0">
-                <a:latin typeface="Euclid Circular B" panose="020B0504000000000000" pitchFamily="34" charset="0"/>
-                <a:ea typeface="Euclid Circular B" panose="020B0504000000000000" pitchFamily="34" charset="0"/>
-              </a:rPr>
-              <a:t>: Gateway integrations, checkout, basket,…</a:t>
-            </a:r>
-          </a:p>
-          <a:p>
-            <a:pPr marL="0" indent="0">
-              <a:buNone/>
-            </a:pPr>
-            <a:endParaRPr lang="en-US" dirty="0">
-              <a:latin typeface="Euclid Circular B" panose="020B0504000000000000" pitchFamily="34" charset="0"/>
-              <a:ea typeface="Euclid Circular B" panose="020B0504000000000000" pitchFamily="34" charset="0"/>
-            </a:endParaRPr>
-          </a:p>
-          <a:p>
-            <a:pPr marL="0" indent="0" algn="ctr">
-              <a:buNone/>
-            </a:pPr>
-            <a:r>
-              <a:rPr lang="en-US" b="1" dirty="0">
-                <a:latin typeface="Euclid Circular B" panose="020B0504000000000000" pitchFamily="34" charset="0"/>
-                <a:ea typeface="Euclid Circular B" panose="020B0504000000000000" pitchFamily="34" charset="0"/>
-              </a:rPr>
-              <a:t>We need a system to support that kind of </a:t>
-            </a:r>
-            <a:r>
-              <a:rPr lang="en-US" b="1" dirty="0">
-                <a:solidFill>
-                  <a:srgbClr val="FF0000"/>
-                </a:solidFill>
-                <a:latin typeface="Euclid Circular B" panose="020B0504000000000000" pitchFamily="34" charset="0"/>
-                <a:ea typeface="Euclid Circular B" panose="020B0504000000000000" pitchFamily="34" charset="0"/>
-              </a:rPr>
-              <a:t>complex modularity</a:t>
+              <a:t>EF Core</a:t>
             </a:r>
           </a:p>
         </p:txBody>
       </p:sp>
+      <p:pic>
+        <p:nvPicPr>
+          <p:cNvPr id="9" name="Picture 8">
+            <a:extLst>
+              <a:ext uri="{FF2B5EF4-FFF2-40B4-BE49-F238E27FC236}">
+                <a16:creationId xmlns:a16="http://schemas.microsoft.com/office/drawing/2014/main" id="{A416D9A5-A3CC-C8D9-55F5-341CDCC6E250}"/>
+              </a:ext>
+            </a:extLst>
+          </p:cNvPr>
+          <p:cNvPicPr>
+            <a:picLocks noChangeAspect="1"/>
+          </p:cNvPicPr>
+          <p:nvPr/>
+        </p:nvPicPr>
+        <p:blipFill>
+          <a:blip r:embed="rId3"/>
+          <a:stretch>
+            <a:fillRect/>
+          </a:stretch>
+        </p:blipFill>
+        <p:spPr>
+          <a:xfrm>
+            <a:off x="2023880" y="3826473"/>
+            <a:ext cx="8144240" cy="2666402"/>
+          </a:xfrm>
+          <a:prstGeom prst="rect">
+            <a:avLst/>
+          </a:prstGeom>
+        </p:spPr>
+      </p:pic>
     </p:spTree>
     <p:extLst>
       <p:ext uri="{BB962C8B-B14F-4D97-AF65-F5344CB8AC3E}">
-        <p14:creationId xmlns:p14="http://schemas.microsoft.com/office/powerpoint/2010/main" val="3199207690"/>
+        <p14:creationId xmlns:p14="http://schemas.microsoft.com/office/powerpoint/2010/main" val="541461225"/>
       </p:ext>
     </p:extLst>
   </p:cSld>
@@ -13358,7 +12768,7 @@
                                         <p:tgtEl>
                                           <p:spTgt spid="3">
                                             <p:txEl>
-                                              <p:pRg st="2" end="2"/>
+                                              <p:pRg st="1" end="1"/>
                                             </p:txEl>
                                           </p:spTgt>
                                         </p:tgtEl>
@@ -13376,7 +12786,7 @@
                                         <p:tgtEl>
                                           <p:spTgt spid="3">
                                             <p:txEl>
-                                              <p:pRg st="2" end="2"/>
+                                              <p:pRg st="1" end="1"/>
                                             </p:txEl>
                                           </p:spTgt>
                                         </p:tgtEl>
@@ -13419,7 +12829,7 @@
                                         <p:tgtEl>
                                           <p:spTgt spid="3">
                                             <p:txEl>
-                                              <p:pRg st="3" end="3"/>
+                                              <p:pRg st="2" end="2"/>
                                             </p:txEl>
                                           </p:spTgt>
                                         </p:tgtEl>
@@ -13437,7 +12847,7 @@
                                         <p:tgtEl>
                                           <p:spTgt spid="3">
                                             <p:txEl>
-                                              <p:pRg st="3" end="3"/>
+                                              <p:pRg st="2" end="2"/>
                                             </p:txEl>
                                           </p:spTgt>
                                         </p:tgtEl>
@@ -13480,7 +12890,7 @@
                                         <p:tgtEl>
                                           <p:spTgt spid="3">
                                             <p:txEl>
-                                              <p:pRg st="4" end="4"/>
+                                              <p:pRg st="3" end="3"/>
                                             </p:txEl>
                                           </p:spTgt>
                                         </p:tgtEl>
@@ -13498,7 +12908,7 @@
                                         <p:tgtEl>
                                           <p:spTgt spid="3">
                                             <p:txEl>
-                                              <p:pRg st="4" end="4"/>
+                                              <p:pRg st="3" end="3"/>
                                             </p:txEl>
                                           </p:spTgt>
                                         </p:tgtEl>
@@ -13539,11 +12949,7 @@
                                           </p:stCondLst>
                                         </p:cTn>
                                         <p:tgtEl>
-                                          <p:spTgt spid="3">
-                                            <p:txEl>
-                                              <p:pRg st="5" end="5"/>
-                                            </p:txEl>
-                                          </p:spTgt>
+                                          <p:spTgt spid="9"/>
                                         </p:tgtEl>
                                         <p:attrNameLst>
                                           <p:attrName>style.visibility</p:attrName>
@@ -13557,194 +12963,7 @@
                                       <p:cBhvr>
                                         <p:cTn id="27" dur="500"/>
                                         <p:tgtEl>
-                                          <p:spTgt spid="3">
-                                            <p:txEl>
-                                              <p:pRg st="5" end="5"/>
-                                            </p:txEl>
-                                          </p:spTgt>
-                                        </p:tgtEl>
-                                      </p:cBhvr>
-                                    </p:animEffect>
-                                  </p:childTnLst>
-                                </p:cTn>
-                              </p:par>
-                            </p:childTnLst>
-                          </p:cTn>
-                        </p:par>
-                      </p:childTnLst>
-                    </p:cTn>
-                  </p:par>
-                  <p:par>
-                    <p:cTn id="28" fill="hold">
-                      <p:stCondLst>
-                        <p:cond delay="indefinite"/>
-                      </p:stCondLst>
-                      <p:childTnLst>
-                        <p:par>
-                          <p:cTn id="29" fill="hold">
-                            <p:stCondLst>
-                              <p:cond delay="0"/>
-                            </p:stCondLst>
-                            <p:childTnLst>
-                              <p:par>
-                                <p:cTn id="30" presetID="10" presetClass="entr" presetSubtype="0" fill="hold" nodeType="clickEffect">
-                                  <p:stCondLst>
-                                    <p:cond delay="0"/>
-                                  </p:stCondLst>
-                                  <p:childTnLst>
-                                    <p:set>
-                                      <p:cBhvr>
-                                        <p:cTn id="31" dur="1" fill="hold">
-                                          <p:stCondLst>
-                                            <p:cond delay="0"/>
-                                          </p:stCondLst>
-                                        </p:cTn>
-                                        <p:tgtEl>
-                                          <p:spTgt spid="3">
-                                            <p:txEl>
-                                              <p:pRg st="6" end="6"/>
-                                            </p:txEl>
-                                          </p:spTgt>
-                                        </p:tgtEl>
-                                        <p:attrNameLst>
-                                          <p:attrName>style.visibility</p:attrName>
-                                        </p:attrNameLst>
-                                      </p:cBhvr>
-                                      <p:to>
-                                        <p:strVal val="visible"/>
-                                      </p:to>
-                                    </p:set>
-                                    <p:animEffect transition="in" filter="fade">
-                                      <p:cBhvr>
-                                        <p:cTn id="32" dur="500"/>
-                                        <p:tgtEl>
-                                          <p:spTgt spid="3">
-                                            <p:txEl>
-                                              <p:pRg st="6" end="6"/>
-                                            </p:txEl>
-                                          </p:spTgt>
-                                        </p:tgtEl>
-                                      </p:cBhvr>
-                                    </p:animEffect>
-                                  </p:childTnLst>
-                                </p:cTn>
-                              </p:par>
-                            </p:childTnLst>
-                          </p:cTn>
-                        </p:par>
-                      </p:childTnLst>
-                    </p:cTn>
-                  </p:par>
-                  <p:par>
-                    <p:cTn id="33" fill="hold">
-                      <p:stCondLst>
-                        <p:cond delay="indefinite"/>
-                      </p:stCondLst>
-                      <p:childTnLst>
-                        <p:par>
-                          <p:cTn id="34" fill="hold">
-                            <p:stCondLst>
-                              <p:cond delay="0"/>
-                            </p:stCondLst>
-                            <p:childTnLst>
-                              <p:par>
-                                <p:cTn id="35" presetID="10" presetClass="entr" presetSubtype="0" fill="hold" nodeType="clickEffect">
-                                  <p:stCondLst>
-                                    <p:cond delay="0"/>
-                                  </p:stCondLst>
-                                  <p:childTnLst>
-                                    <p:set>
-                                      <p:cBhvr>
-                                        <p:cTn id="36" dur="1" fill="hold">
-                                          <p:stCondLst>
-                                            <p:cond delay="0"/>
-                                          </p:stCondLst>
-                                        </p:cTn>
-                                        <p:tgtEl>
-                                          <p:spTgt spid="3">
-                                            <p:txEl>
-                                              <p:pRg st="7" end="7"/>
-                                            </p:txEl>
-                                          </p:spTgt>
-                                        </p:tgtEl>
-                                        <p:attrNameLst>
-                                          <p:attrName>style.visibility</p:attrName>
-                                        </p:attrNameLst>
-                                      </p:cBhvr>
-                                      <p:to>
-                                        <p:strVal val="visible"/>
-                                      </p:to>
-                                    </p:set>
-                                    <p:animEffect transition="in" filter="fade">
-                                      <p:cBhvr>
-                                        <p:cTn id="37" dur="500"/>
-                                        <p:tgtEl>
-                                          <p:spTgt spid="3">
-                                            <p:txEl>
-                                              <p:pRg st="7" end="7"/>
-                                            </p:txEl>
-                                          </p:spTgt>
-                                        </p:tgtEl>
-                                      </p:cBhvr>
-                                    </p:animEffect>
-                                  </p:childTnLst>
-                                </p:cTn>
-                              </p:par>
-                            </p:childTnLst>
-                          </p:cTn>
-                        </p:par>
-                      </p:childTnLst>
-                    </p:cTn>
-                  </p:par>
-                  <p:par>
-                    <p:cTn id="38" fill="hold">
-                      <p:stCondLst>
-                        <p:cond delay="indefinite"/>
-                      </p:stCondLst>
-                      <p:childTnLst>
-                        <p:par>
-                          <p:cTn id="39" fill="hold">
-                            <p:stCondLst>
-                              <p:cond delay="0"/>
-                            </p:stCondLst>
-                            <p:childTnLst>
-                              <p:par>
-                                <p:cTn id="40" presetID="10" presetClass="entr" presetSubtype="0" fill="hold" nodeType="clickEffect">
-                                  <p:stCondLst>
-                                    <p:cond delay="0"/>
-                                  </p:stCondLst>
-                                  <p:childTnLst>
-                                    <p:set>
-                                      <p:cBhvr>
-                                        <p:cTn id="41" dur="1" fill="hold">
-                                          <p:stCondLst>
-                                            <p:cond delay="0"/>
-                                          </p:stCondLst>
-                                        </p:cTn>
-                                        <p:tgtEl>
-                                          <p:spTgt spid="3">
-                                            <p:txEl>
-                                              <p:pRg st="9" end="9"/>
-                                            </p:txEl>
-                                          </p:spTgt>
-                                        </p:tgtEl>
-                                        <p:attrNameLst>
-                                          <p:attrName>style.visibility</p:attrName>
-                                        </p:attrNameLst>
-                                      </p:cBhvr>
-                                      <p:to>
-                                        <p:strVal val="visible"/>
-                                      </p:to>
-                                    </p:set>
-                                    <p:animEffect transition="in" filter="fade">
-                                      <p:cBhvr>
-                                        <p:cTn id="42" dur="500"/>
-                                        <p:tgtEl>
-                                          <p:spTgt spid="3">
-                                            <p:txEl>
-                                              <p:pRg st="9" end="9"/>
-                                            </p:txEl>
-                                          </p:spTgt>
+                                          <p:spTgt spid="9"/>
                                         </p:tgtEl>
                                       </p:cBhvr>
                                     </p:animEffect>
@@ -13842,548 +13061,6 @@
                 <a:latin typeface="Euclid Circular B" panose="020B0504000000000000" pitchFamily="34" charset="0"/>
                 <a:ea typeface="Euclid Circular B" panose="020B0504000000000000" pitchFamily="34" charset="0"/>
               </a:rPr>
-              <a:t>Evolution of ASP.NET Boilerplate</a:t>
-            </a:r>
-          </a:p>
-        </p:txBody>
-      </p:sp>
-      <p:sp>
-        <p:nvSpPr>
-          <p:cNvPr id="3" name="Content Placeholder 2">
-            <a:extLst>
-              <a:ext uri="{FF2B5EF4-FFF2-40B4-BE49-F238E27FC236}">
-                <a16:creationId xmlns:a16="http://schemas.microsoft.com/office/drawing/2014/main" id="{891C7693-D3DF-4635-96F4-97F3B4136FDF}"/>
-              </a:ext>
-            </a:extLst>
-          </p:cNvPr>
-          <p:cNvSpPr>
-            <a:spLocks noGrp="1"/>
-          </p:cNvSpPr>
-          <p:nvPr>
-            <p:ph idx="1"/>
-          </p:nvPr>
-        </p:nvSpPr>
-        <p:spPr>
-          <a:xfrm>
-            <a:off x="838200" y="1825626"/>
-            <a:ext cx="10515600" cy="1871732"/>
-          </a:xfrm>
-        </p:spPr>
-        <p:txBody>
-          <a:bodyPr>
-            <a:normAutofit/>
-          </a:bodyPr>
-          <a:lstStyle/>
-          <a:p>
-            <a:r>
-              <a:rPr lang="en-US" sz="2400" b="1" dirty="0">
-                <a:latin typeface="Euclid Circular B" panose="020B0504000000000000" pitchFamily="34" charset="0"/>
-                <a:ea typeface="Euclid Circular B" panose="020B0504000000000000" pitchFamily="34" charset="0"/>
-              </a:rPr>
-              <a:t>Microservices </a:t>
-            </a:r>
-            <a:r>
-              <a:rPr lang="en-US" sz="2400" dirty="0">
-                <a:latin typeface="Euclid Circular B" panose="020B0504000000000000" pitchFamily="34" charset="0"/>
-                <a:ea typeface="Euclid Circular B" panose="020B0504000000000000" pitchFamily="34" charset="0"/>
-              </a:rPr>
-              <a:t>(Distributed event bus, inter-microservice calls)</a:t>
-            </a:r>
-          </a:p>
-          <a:p>
-            <a:r>
-              <a:rPr lang="en-US" sz="2400" b="1" dirty="0">
-                <a:latin typeface="Euclid Circular B" panose="020B0504000000000000" pitchFamily="34" charset="0"/>
-                <a:ea typeface="Euclid Circular B" panose="020B0504000000000000" pitchFamily="34" charset="0"/>
-              </a:rPr>
-              <a:t>Polyglot persistence </a:t>
-            </a:r>
-            <a:r>
-              <a:rPr lang="en-US" sz="2400" dirty="0">
-                <a:latin typeface="Euclid Circular B" panose="020B0504000000000000" pitchFamily="34" charset="0"/>
-                <a:ea typeface="Euclid Circular B" panose="020B0504000000000000" pitchFamily="34" charset="0"/>
-              </a:rPr>
-              <a:t>(Built-in EF Core &amp; MongoDB support)</a:t>
-            </a:r>
-          </a:p>
-          <a:p>
-            <a:r>
-              <a:rPr lang="en-US" sz="2400" b="1" dirty="0">
-                <a:latin typeface="Euclid Circular B" panose="020B0504000000000000" pitchFamily="34" charset="0"/>
-                <a:ea typeface="Euclid Circular B" panose="020B0504000000000000" pitchFamily="34" charset="0"/>
-              </a:rPr>
-              <a:t>Complete modularity</a:t>
-            </a:r>
-            <a:r>
-              <a:rPr lang="en-US" sz="2400" dirty="0">
-                <a:latin typeface="Euclid Circular B" panose="020B0504000000000000" pitchFamily="34" charset="0"/>
-                <a:ea typeface="Euclid Circular B" panose="020B0504000000000000" pitchFamily="34" charset="0"/>
-              </a:rPr>
-              <a:t> (microservice-compatible modules)</a:t>
-            </a:r>
-          </a:p>
-          <a:p>
-            <a:r>
-              <a:rPr lang="en-US" sz="2400" dirty="0">
-                <a:latin typeface="Euclid Circular B" panose="020B0504000000000000" pitchFamily="34" charset="0"/>
-                <a:ea typeface="Euclid Circular B" panose="020B0504000000000000" pitchFamily="34" charset="0"/>
-              </a:rPr>
-              <a:t>Introduction of </a:t>
-            </a:r>
-            <a:r>
-              <a:rPr lang="en-US" sz="2400" b="1" dirty="0">
-                <a:latin typeface="Euclid Circular B" panose="020B0504000000000000" pitchFamily="34" charset="0"/>
-                <a:ea typeface="Euclid Circular B" panose="020B0504000000000000" pitchFamily="34" charset="0"/>
-              </a:rPr>
-              <a:t>ASP.NET Core</a:t>
-            </a:r>
-            <a:r>
-              <a:rPr lang="en-US" sz="2400" dirty="0">
-                <a:latin typeface="Euclid Circular B" panose="020B0504000000000000" pitchFamily="34" charset="0"/>
-                <a:ea typeface="Euclid Circular B" panose="020B0504000000000000" pitchFamily="34" charset="0"/>
-              </a:rPr>
-              <a:t> &amp; </a:t>
-            </a:r>
-            <a:r>
-              <a:rPr lang="en-US" sz="2400" b="1" dirty="0">
-                <a:latin typeface="Euclid Circular B" panose="020B0504000000000000" pitchFamily="34" charset="0"/>
-                <a:ea typeface="Euclid Circular B" panose="020B0504000000000000" pitchFamily="34" charset="0"/>
-              </a:rPr>
-              <a:t>EF Core</a:t>
-            </a:r>
-          </a:p>
-        </p:txBody>
-      </p:sp>
-      <p:pic>
-        <p:nvPicPr>
-          <p:cNvPr id="9" name="Picture 8">
-            <a:extLst>
-              <a:ext uri="{FF2B5EF4-FFF2-40B4-BE49-F238E27FC236}">
-                <a16:creationId xmlns:a16="http://schemas.microsoft.com/office/drawing/2014/main" id="{A416D9A5-A3CC-C8D9-55F5-341CDCC6E250}"/>
-              </a:ext>
-            </a:extLst>
-          </p:cNvPr>
-          <p:cNvPicPr>
-            <a:picLocks noChangeAspect="1"/>
-          </p:cNvPicPr>
-          <p:nvPr/>
-        </p:nvPicPr>
-        <p:blipFill>
-          <a:blip r:embed="rId3"/>
-          <a:stretch>
-            <a:fillRect/>
-          </a:stretch>
-        </p:blipFill>
-        <p:spPr>
-          <a:xfrm>
-            <a:off x="2023880" y="3826473"/>
-            <a:ext cx="8144240" cy="2666402"/>
-          </a:xfrm>
-          <a:prstGeom prst="rect">
-            <a:avLst/>
-          </a:prstGeom>
-        </p:spPr>
-      </p:pic>
-    </p:spTree>
-    <p:extLst>
-      <p:ext uri="{BB962C8B-B14F-4D97-AF65-F5344CB8AC3E}">
-        <p14:creationId xmlns:p14="http://schemas.microsoft.com/office/powerpoint/2010/main" val="541461225"/>
-      </p:ext>
-    </p:extLst>
-  </p:cSld>
-  <p:clrMapOvr>
-    <a:masterClrMapping/>
-  </p:clrMapOvr>
-  <p:timing>
-    <p:tnLst>
-      <p:par>
-        <p:cTn id="1" dur="indefinite" restart="never" nodeType="tmRoot">
-          <p:childTnLst>
-            <p:seq concurrent="1" nextAc="seek">
-              <p:cTn id="2" dur="indefinite" nodeType="mainSeq">
-                <p:childTnLst>
-                  <p:par>
-                    <p:cTn id="3" fill="hold">
-                      <p:stCondLst>
-                        <p:cond delay="indefinite"/>
-                      </p:stCondLst>
-                      <p:childTnLst>
-                        <p:par>
-                          <p:cTn id="4" fill="hold">
-                            <p:stCondLst>
-                              <p:cond delay="0"/>
-                            </p:stCondLst>
-                            <p:childTnLst>
-                              <p:par>
-                                <p:cTn id="5" presetID="10" presetClass="entr" presetSubtype="0" fill="hold" nodeType="clickEffect">
-                                  <p:stCondLst>
-                                    <p:cond delay="0"/>
-                                  </p:stCondLst>
-                                  <p:childTnLst>
-                                    <p:set>
-                                      <p:cBhvr>
-                                        <p:cTn id="6" dur="1" fill="hold">
-                                          <p:stCondLst>
-                                            <p:cond delay="0"/>
-                                          </p:stCondLst>
-                                        </p:cTn>
-                                        <p:tgtEl>
-                                          <p:spTgt spid="3">
-                                            <p:txEl>
-                                              <p:pRg st="0" end="0"/>
-                                            </p:txEl>
-                                          </p:spTgt>
-                                        </p:tgtEl>
-                                        <p:attrNameLst>
-                                          <p:attrName>style.visibility</p:attrName>
-                                        </p:attrNameLst>
-                                      </p:cBhvr>
-                                      <p:to>
-                                        <p:strVal val="visible"/>
-                                      </p:to>
-                                    </p:set>
-                                    <p:animEffect transition="in" filter="fade">
-                                      <p:cBhvr>
-                                        <p:cTn id="7" dur="500"/>
-                                        <p:tgtEl>
-                                          <p:spTgt spid="3">
-                                            <p:txEl>
-                                              <p:pRg st="0" end="0"/>
-                                            </p:txEl>
-                                          </p:spTgt>
-                                        </p:tgtEl>
-                                      </p:cBhvr>
-                                    </p:animEffect>
-                                  </p:childTnLst>
-                                </p:cTn>
-                              </p:par>
-                            </p:childTnLst>
-                          </p:cTn>
-                        </p:par>
-                      </p:childTnLst>
-                    </p:cTn>
-                  </p:par>
-                  <p:par>
-                    <p:cTn id="8" fill="hold">
-                      <p:stCondLst>
-                        <p:cond delay="indefinite"/>
-                      </p:stCondLst>
-                      <p:childTnLst>
-                        <p:par>
-                          <p:cTn id="9" fill="hold">
-                            <p:stCondLst>
-                              <p:cond delay="0"/>
-                            </p:stCondLst>
-                            <p:childTnLst>
-                              <p:par>
-                                <p:cTn id="10" presetID="10" presetClass="entr" presetSubtype="0" fill="hold" nodeType="clickEffect">
-                                  <p:stCondLst>
-                                    <p:cond delay="0"/>
-                                  </p:stCondLst>
-                                  <p:childTnLst>
-                                    <p:set>
-                                      <p:cBhvr>
-                                        <p:cTn id="11" dur="1" fill="hold">
-                                          <p:stCondLst>
-                                            <p:cond delay="0"/>
-                                          </p:stCondLst>
-                                        </p:cTn>
-                                        <p:tgtEl>
-                                          <p:spTgt spid="3">
-                                            <p:txEl>
-                                              <p:pRg st="1" end="1"/>
-                                            </p:txEl>
-                                          </p:spTgt>
-                                        </p:tgtEl>
-                                        <p:attrNameLst>
-                                          <p:attrName>style.visibility</p:attrName>
-                                        </p:attrNameLst>
-                                      </p:cBhvr>
-                                      <p:to>
-                                        <p:strVal val="visible"/>
-                                      </p:to>
-                                    </p:set>
-                                    <p:animEffect transition="in" filter="fade">
-                                      <p:cBhvr>
-                                        <p:cTn id="12" dur="500"/>
-                                        <p:tgtEl>
-                                          <p:spTgt spid="3">
-                                            <p:txEl>
-                                              <p:pRg st="1" end="1"/>
-                                            </p:txEl>
-                                          </p:spTgt>
-                                        </p:tgtEl>
-                                      </p:cBhvr>
-                                    </p:animEffect>
-                                  </p:childTnLst>
-                                </p:cTn>
-                              </p:par>
-                            </p:childTnLst>
-                          </p:cTn>
-                        </p:par>
-                      </p:childTnLst>
-                    </p:cTn>
-                  </p:par>
-                  <p:par>
-                    <p:cTn id="13" fill="hold">
-                      <p:stCondLst>
-                        <p:cond delay="indefinite"/>
-                      </p:stCondLst>
-                      <p:childTnLst>
-                        <p:par>
-                          <p:cTn id="14" fill="hold">
-                            <p:stCondLst>
-                              <p:cond delay="0"/>
-                            </p:stCondLst>
-                            <p:childTnLst>
-                              <p:par>
-                                <p:cTn id="15" presetID="10" presetClass="entr" presetSubtype="0" fill="hold" nodeType="clickEffect">
-                                  <p:stCondLst>
-                                    <p:cond delay="0"/>
-                                  </p:stCondLst>
-                                  <p:childTnLst>
-                                    <p:set>
-                                      <p:cBhvr>
-                                        <p:cTn id="16" dur="1" fill="hold">
-                                          <p:stCondLst>
-                                            <p:cond delay="0"/>
-                                          </p:stCondLst>
-                                        </p:cTn>
-                                        <p:tgtEl>
-                                          <p:spTgt spid="3">
-                                            <p:txEl>
-                                              <p:pRg st="2" end="2"/>
-                                            </p:txEl>
-                                          </p:spTgt>
-                                        </p:tgtEl>
-                                        <p:attrNameLst>
-                                          <p:attrName>style.visibility</p:attrName>
-                                        </p:attrNameLst>
-                                      </p:cBhvr>
-                                      <p:to>
-                                        <p:strVal val="visible"/>
-                                      </p:to>
-                                    </p:set>
-                                    <p:animEffect transition="in" filter="fade">
-                                      <p:cBhvr>
-                                        <p:cTn id="17" dur="500"/>
-                                        <p:tgtEl>
-                                          <p:spTgt spid="3">
-                                            <p:txEl>
-                                              <p:pRg st="2" end="2"/>
-                                            </p:txEl>
-                                          </p:spTgt>
-                                        </p:tgtEl>
-                                      </p:cBhvr>
-                                    </p:animEffect>
-                                  </p:childTnLst>
-                                </p:cTn>
-                              </p:par>
-                            </p:childTnLst>
-                          </p:cTn>
-                        </p:par>
-                      </p:childTnLst>
-                    </p:cTn>
-                  </p:par>
-                  <p:par>
-                    <p:cTn id="18" fill="hold">
-                      <p:stCondLst>
-                        <p:cond delay="indefinite"/>
-                      </p:stCondLst>
-                      <p:childTnLst>
-                        <p:par>
-                          <p:cTn id="19" fill="hold">
-                            <p:stCondLst>
-                              <p:cond delay="0"/>
-                            </p:stCondLst>
-                            <p:childTnLst>
-                              <p:par>
-                                <p:cTn id="20" presetID="10" presetClass="entr" presetSubtype="0" fill="hold" nodeType="clickEffect">
-                                  <p:stCondLst>
-                                    <p:cond delay="0"/>
-                                  </p:stCondLst>
-                                  <p:childTnLst>
-                                    <p:set>
-                                      <p:cBhvr>
-                                        <p:cTn id="21" dur="1" fill="hold">
-                                          <p:stCondLst>
-                                            <p:cond delay="0"/>
-                                          </p:stCondLst>
-                                        </p:cTn>
-                                        <p:tgtEl>
-                                          <p:spTgt spid="3">
-                                            <p:txEl>
-                                              <p:pRg st="3" end="3"/>
-                                            </p:txEl>
-                                          </p:spTgt>
-                                        </p:tgtEl>
-                                        <p:attrNameLst>
-                                          <p:attrName>style.visibility</p:attrName>
-                                        </p:attrNameLst>
-                                      </p:cBhvr>
-                                      <p:to>
-                                        <p:strVal val="visible"/>
-                                      </p:to>
-                                    </p:set>
-                                    <p:animEffect transition="in" filter="fade">
-                                      <p:cBhvr>
-                                        <p:cTn id="22" dur="500"/>
-                                        <p:tgtEl>
-                                          <p:spTgt spid="3">
-                                            <p:txEl>
-                                              <p:pRg st="3" end="3"/>
-                                            </p:txEl>
-                                          </p:spTgt>
-                                        </p:tgtEl>
-                                      </p:cBhvr>
-                                    </p:animEffect>
-                                  </p:childTnLst>
-                                </p:cTn>
-                              </p:par>
-                            </p:childTnLst>
-                          </p:cTn>
-                        </p:par>
-                      </p:childTnLst>
-                    </p:cTn>
-                  </p:par>
-                  <p:par>
-                    <p:cTn id="23" fill="hold">
-                      <p:stCondLst>
-                        <p:cond delay="indefinite"/>
-                      </p:stCondLst>
-                      <p:childTnLst>
-                        <p:par>
-                          <p:cTn id="24" fill="hold">
-                            <p:stCondLst>
-                              <p:cond delay="0"/>
-                            </p:stCondLst>
-                            <p:childTnLst>
-                              <p:par>
-                                <p:cTn id="25" presetID="10" presetClass="entr" presetSubtype="0" fill="hold" nodeType="clickEffect">
-                                  <p:stCondLst>
-                                    <p:cond delay="0"/>
-                                  </p:stCondLst>
-                                  <p:childTnLst>
-                                    <p:set>
-                                      <p:cBhvr>
-                                        <p:cTn id="26" dur="1" fill="hold">
-                                          <p:stCondLst>
-                                            <p:cond delay="0"/>
-                                          </p:stCondLst>
-                                        </p:cTn>
-                                        <p:tgtEl>
-                                          <p:spTgt spid="9"/>
-                                        </p:tgtEl>
-                                        <p:attrNameLst>
-                                          <p:attrName>style.visibility</p:attrName>
-                                        </p:attrNameLst>
-                                      </p:cBhvr>
-                                      <p:to>
-                                        <p:strVal val="visible"/>
-                                      </p:to>
-                                    </p:set>
-                                    <p:animEffect transition="in" filter="fade">
-                                      <p:cBhvr>
-                                        <p:cTn id="27" dur="500"/>
-                                        <p:tgtEl>
-                                          <p:spTgt spid="9"/>
-                                        </p:tgtEl>
-                                      </p:cBhvr>
-                                    </p:animEffect>
-                                  </p:childTnLst>
-                                </p:cTn>
-                              </p:par>
-                            </p:childTnLst>
-                          </p:cTn>
-                        </p:par>
-                      </p:childTnLst>
-                    </p:cTn>
-                  </p:par>
-                </p:childTnLst>
-              </p:cTn>
-              <p:prevCondLst>
-                <p:cond evt="onPrev" delay="0">
-                  <p:tgtEl>
-                    <p:sldTgt/>
-                  </p:tgtEl>
-                </p:cond>
-              </p:prevCondLst>
-              <p:nextCondLst>
-                <p:cond evt="onNext" delay="0">
-                  <p:tgtEl>
-                    <p:sldTgt/>
-                  </p:tgtEl>
-                </p:cond>
-              </p:nextCondLst>
-            </p:seq>
-          </p:childTnLst>
-        </p:cTn>
-      </p:par>
-    </p:tnLst>
-  </p:timing>
-</p:sld>
-</file>
-
-<file path=ppt/slides/slide9.xml><?xml version="1.0" encoding="utf-8"?>
-<p:sld xmlns:a="http://schemas.openxmlformats.org/drawingml/2006/main" xmlns:r="http://schemas.openxmlformats.org/officeDocument/2006/relationships" xmlns:p="http://schemas.openxmlformats.org/presentationml/2006/main">
-  <p:cSld>
-    <p:bg>
-      <p:bgPr>
-        <a:blipFill dpi="0" rotWithShape="1">
-          <a:blip r:embed="rId2">
-            <a:lum/>
-          </a:blip>
-          <a:srcRect/>
-          <a:stretch>
-            <a:fillRect/>
-          </a:stretch>
-        </a:blipFill>
-        <a:effectLst/>
-      </p:bgPr>
-    </p:bg>
-    <p:spTree>
-      <p:nvGrpSpPr>
-        <p:cNvPr id="1" name=""/>
-        <p:cNvGrpSpPr/>
-        <p:nvPr/>
-      </p:nvGrpSpPr>
-      <p:grpSpPr>
-        <a:xfrm>
-          <a:off x="0" y="0"/>
-          <a:ext cx="0" cy="0"/>
-          <a:chOff x="0" y="0"/>
-          <a:chExt cx="0" cy="0"/>
-        </a:xfrm>
-      </p:grpSpPr>
-      <p:sp>
-        <p:nvSpPr>
-          <p:cNvPr id="2" name="Title 1">
-            <a:extLst>
-              <a:ext uri="{FF2B5EF4-FFF2-40B4-BE49-F238E27FC236}">
-                <a16:creationId xmlns:a16="http://schemas.microsoft.com/office/drawing/2014/main" id="{55E11F08-6CA0-48F1-AD67-97430DDA07F0}"/>
-              </a:ext>
-            </a:extLst>
-          </p:cNvPr>
-          <p:cNvSpPr>
-            <a:spLocks noGrp="1"/>
-          </p:cNvSpPr>
-          <p:nvPr>
-            <p:ph type="title"/>
-          </p:nvPr>
-        </p:nvSpPr>
-        <p:spPr/>
-        <p:txBody>
-          <a:bodyPr/>
-          <a:lstStyle/>
-          <a:p>
-            <a:r>
-              <a:rPr lang="en-US" b="1" dirty="0">
-                <a:solidFill>
-                  <a:srgbClr val="292D33"/>
-                </a:solidFill>
-                <a:latin typeface="Euclid Circular B" panose="020B0504000000000000" pitchFamily="34" charset="0"/>
-                <a:ea typeface="Euclid Circular B" panose="020B0504000000000000" pitchFamily="34" charset="0"/>
-              </a:rPr>
               <a:t>The </a:t>
             </a:r>
             <a:r>
@@ -19676,6 +18353,555 @@
       <p:bldP spid="68" grpId="0"/>
       <p:bldP spid="69" grpId="0"/>
       <p:bldP spid="70" grpId="0"/>
+    </p:bldLst>
+  </p:timing>
+</p:sld>
+</file>
+
+<file path=ppt/slides/slide9.xml><?xml version="1.0" encoding="utf-8"?>
+<p:sld xmlns:a="http://schemas.openxmlformats.org/drawingml/2006/main" xmlns:r="http://schemas.openxmlformats.org/officeDocument/2006/relationships" xmlns:p="http://schemas.openxmlformats.org/presentationml/2006/main">
+  <p:cSld>
+    <p:bg>
+      <p:bgPr>
+        <a:blipFill dpi="0" rotWithShape="1">
+          <a:blip r:embed="rId2">
+            <a:lum/>
+          </a:blip>
+          <a:srcRect/>
+          <a:stretch>
+            <a:fillRect/>
+          </a:stretch>
+        </a:blipFill>
+        <a:effectLst/>
+      </p:bgPr>
+    </p:bg>
+    <p:spTree>
+      <p:nvGrpSpPr>
+        <p:cNvPr id="1" name=""/>
+        <p:cNvGrpSpPr/>
+        <p:nvPr/>
+      </p:nvGrpSpPr>
+      <p:grpSpPr>
+        <a:xfrm>
+          <a:off x="0" y="0"/>
+          <a:ext cx="0" cy="0"/>
+          <a:chOff x="0" y="0"/>
+          <a:chExt cx="0" cy="0"/>
+        </a:xfrm>
+      </p:grpSpPr>
+      <p:sp>
+        <p:nvSpPr>
+          <p:cNvPr id="2" name="Title 1">
+            <a:extLst>
+              <a:ext uri="{FF2B5EF4-FFF2-40B4-BE49-F238E27FC236}">
+                <a16:creationId xmlns:a16="http://schemas.microsoft.com/office/drawing/2014/main" id="{55E11F08-6CA0-48F1-AD67-97430DDA07F0}"/>
+              </a:ext>
+            </a:extLst>
+          </p:cNvPr>
+          <p:cNvSpPr>
+            <a:spLocks noGrp="1"/>
+          </p:cNvSpPr>
+          <p:nvPr>
+            <p:ph type="title"/>
+          </p:nvPr>
+        </p:nvSpPr>
+        <p:spPr/>
+        <p:txBody>
+          <a:bodyPr/>
+          <a:lstStyle/>
+          <a:p>
+            <a:r>
+              <a:rPr lang="en-US" b="1" dirty="0">
+                <a:solidFill>
+                  <a:srgbClr val="292D33"/>
+                </a:solidFill>
+                <a:latin typeface="Euclid Circular B" panose="020B0504000000000000" pitchFamily="34" charset="0"/>
+                <a:ea typeface="Euclid Circular B" panose="020B0504000000000000" pitchFamily="34" charset="0"/>
+              </a:rPr>
+              <a:t>The Architecture</a:t>
+            </a:r>
+          </a:p>
+        </p:txBody>
+      </p:sp>
+      <p:sp>
+        <p:nvSpPr>
+          <p:cNvPr id="6" name="Rectangle 5">
+            <a:extLst>
+              <a:ext uri="{FF2B5EF4-FFF2-40B4-BE49-F238E27FC236}">
+                <a16:creationId xmlns:a16="http://schemas.microsoft.com/office/drawing/2014/main" id="{68C47F0B-36A4-6770-DDCA-23A69FC784AA}"/>
+              </a:ext>
+            </a:extLst>
+          </p:cNvPr>
+          <p:cNvSpPr/>
+          <p:nvPr/>
+        </p:nvSpPr>
+        <p:spPr>
+          <a:xfrm>
+            <a:off x="1768186" y="2254045"/>
+            <a:ext cx="3936423" cy="1387968"/>
+          </a:xfrm>
+          <a:prstGeom prst="rect">
+            <a:avLst/>
+          </a:prstGeom>
+        </p:spPr>
+        <p:style>
+          <a:lnRef idx="0">
+            <a:schemeClr val="accent1"/>
+          </a:lnRef>
+          <a:fillRef idx="3">
+            <a:schemeClr val="accent1"/>
+          </a:fillRef>
+          <a:effectRef idx="3">
+            <a:schemeClr val="accent1"/>
+          </a:effectRef>
+          <a:fontRef idx="minor">
+            <a:schemeClr val="lt1"/>
+          </a:fontRef>
+        </p:style>
+        <p:txBody>
+          <a:bodyPr rtlCol="0" anchor="ctr"/>
+          <a:lstStyle/>
+          <a:p>
+            <a:pPr algn="ctr"/>
+            <a:r>
+              <a:rPr lang="en-US" sz="2800" dirty="0"/>
+              <a:t>Domain Driven Design</a:t>
+            </a:r>
+          </a:p>
+          <a:p>
+            <a:pPr algn="ctr"/>
+            <a:r>
+              <a:rPr lang="en-US" sz="2800" dirty="0"/>
+              <a:t>&amp; Layered Solution</a:t>
+            </a:r>
+          </a:p>
+        </p:txBody>
+      </p:sp>
+      <p:sp>
+        <p:nvSpPr>
+          <p:cNvPr id="7" name="Rectangle 6">
+            <a:extLst>
+              <a:ext uri="{FF2B5EF4-FFF2-40B4-BE49-F238E27FC236}">
+                <a16:creationId xmlns:a16="http://schemas.microsoft.com/office/drawing/2014/main" id="{D3B13FCF-22EA-1B45-90FD-C0C618DA42BE}"/>
+              </a:ext>
+            </a:extLst>
+          </p:cNvPr>
+          <p:cNvSpPr/>
+          <p:nvPr/>
+        </p:nvSpPr>
+        <p:spPr>
+          <a:xfrm>
+            <a:off x="6087341" y="2254045"/>
+            <a:ext cx="3936423" cy="1387968"/>
+          </a:xfrm>
+          <a:prstGeom prst="rect">
+            <a:avLst/>
+          </a:prstGeom>
+        </p:spPr>
+        <p:style>
+          <a:lnRef idx="0">
+            <a:schemeClr val="accent6"/>
+          </a:lnRef>
+          <a:fillRef idx="3">
+            <a:schemeClr val="accent6"/>
+          </a:fillRef>
+          <a:effectRef idx="3">
+            <a:schemeClr val="accent6"/>
+          </a:effectRef>
+          <a:fontRef idx="minor">
+            <a:schemeClr val="lt1"/>
+          </a:fontRef>
+        </p:style>
+        <p:txBody>
+          <a:bodyPr rtlCol="0" anchor="ctr"/>
+          <a:lstStyle/>
+          <a:p>
+            <a:pPr algn="ctr"/>
+            <a:r>
+              <a:rPr lang="en-US" sz="2800" dirty="0"/>
+              <a:t>Modular</a:t>
+            </a:r>
+          </a:p>
+        </p:txBody>
+      </p:sp>
+      <p:sp>
+        <p:nvSpPr>
+          <p:cNvPr id="8" name="Rectangle 7">
+            <a:extLst>
+              <a:ext uri="{FF2B5EF4-FFF2-40B4-BE49-F238E27FC236}">
+                <a16:creationId xmlns:a16="http://schemas.microsoft.com/office/drawing/2014/main" id="{E08255A3-188E-5FD3-00E2-82BFC2DBDF16}"/>
+              </a:ext>
+            </a:extLst>
+          </p:cNvPr>
+          <p:cNvSpPr/>
+          <p:nvPr/>
+        </p:nvSpPr>
+        <p:spPr>
+          <a:xfrm>
+            <a:off x="1768186" y="4022231"/>
+            <a:ext cx="3936423" cy="1387968"/>
+          </a:xfrm>
+          <a:prstGeom prst="rect">
+            <a:avLst/>
+          </a:prstGeom>
+        </p:spPr>
+        <p:style>
+          <a:lnRef idx="0">
+            <a:schemeClr val="accent2"/>
+          </a:lnRef>
+          <a:fillRef idx="3">
+            <a:schemeClr val="accent2"/>
+          </a:fillRef>
+          <a:effectRef idx="3">
+            <a:schemeClr val="accent2"/>
+          </a:effectRef>
+          <a:fontRef idx="minor">
+            <a:schemeClr val="lt1"/>
+          </a:fontRef>
+        </p:style>
+        <p:txBody>
+          <a:bodyPr rtlCol="0" anchor="ctr"/>
+          <a:lstStyle/>
+          <a:p>
+            <a:pPr algn="ctr"/>
+            <a:r>
+              <a:rPr lang="en-US" sz="2800" dirty="0"/>
+              <a:t>Multi-Tenancy</a:t>
+            </a:r>
+            <a:br>
+              <a:rPr lang="en-US" sz="2800" dirty="0"/>
+            </a:br>
+            <a:r>
+              <a:rPr lang="en-US" dirty="0"/>
+              <a:t>(SaaS infrastructure)</a:t>
+            </a:r>
+            <a:endParaRPr lang="en-US" sz="2800" dirty="0"/>
+          </a:p>
+        </p:txBody>
+      </p:sp>
+      <p:sp>
+        <p:nvSpPr>
+          <p:cNvPr id="9" name="Rectangle 8">
+            <a:extLst>
+              <a:ext uri="{FF2B5EF4-FFF2-40B4-BE49-F238E27FC236}">
+                <a16:creationId xmlns:a16="http://schemas.microsoft.com/office/drawing/2014/main" id="{0FE68719-61FF-22BC-0AF9-1AF7045F9477}"/>
+              </a:ext>
+            </a:extLst>
+          </p:cNvPr>
+          <p:cNvSpPr/>
+          <p:nvPr/>
+        </p:nvSpPr>
+        <p:spPr>
+          <a:xfrm>
+            <a:off x="6087341" y="4022231"/>
+            <a:ext cx="3936423" cy="1387968"/>
+          </a:xfrm>
+          <a:prstGeom prst="rect">
+            <a:avLst/>
+          </a:prstGeom>
+          <a:gradFill>
+            <a:gsLst>
+              <a:gs pos="0">
+                <a:srgbClr val="7030A0"/>
+              </a:gs>
+              <a:gs pos="50000">
+                <a:srgbClr val="512373"/>
+              </a:gs>
+              <a:gs pos="100000">
+                <a:srgbClr val="3F1C5A"/>
+              </a:gs>
+            </a:gsLst>
+          </a:gradFill>
+        </p:spPr>
+        <p:style>
+          <a:lnRef idx="0">
+            <a:schemeClr val="dk1"/>
+          </a:lnRef>
+          <a:fillRef idx="3">
+            <a:schemeClr val="dk1"/>
+          </a:fillRef>
+          <a:effectRef idx="3">
+            <a:schemeClr val="dk1"/>
+          </a:effectRef>
+          <a:fontRef idx="minor">
+            <a:schemeClr val="lt1"/>
+          </a:fontRef>
+        </p:style>
+        <p:txBody>
+          <a:bodyPr rtlCol="0" anchor="ctr"/>
+          <a:lstStyle/>
+          <a:p>
+            <a:pPr algn="ctr"/>
+            <a:r>
+              <a:rPr lang="en-US" sz="2800" dirty="0"/>
+              <a:t>Microservice</a:t>
+            </a:r>
+            <a:br>
+              <a:rPr lang="en-US" sz="2800" dirty="0"/>
+            </a:br>
+            <a:r>
+              <a:rPr lang="en-US" sz="2800" dirty="0"/>
+              <a:t>ready</a:t>
+            </a:r>
+          </a:p>
+        </p:txBody>
+      </p:sp>
+    </p:spTree>
+    <p:extLst>
+      <p:ext uri="{BB962C8B-B14F-4D97-AF65-F5344CB8AC3E}">
+        <p14:creationId xmlns:p14="http://schemas.microsoft.com/office/powerpoint/2010/main" val="1426089774"/>
+      </p:ext>
+    </p:extLst>
+  </p:cSld>
+  <p:clrMapOvr>
+    <a:masterClrMapping/>
+  </p:clrMapOvr>
+  <p:timing>
+    <p:tnLst>
+      <p:par>
+        <p:cTn id="1" dur="indefinite" restart="never" nodeType="tmRoot">
+          <p:childTnLst>
+            <p:seq concurrent="1" nextAc="seek">
+              <p:cTn id="2" dur="indefinite" nodeType="mainSeq">
+                <p:childTnLst>
+                  <p:par>
+                    <p:cTn id="3" fill="hold">
+                      <p:stCondLst>
+                        <p:cond delay="indefinite"/>
+                      </p:stCondLst>
+                      <p:childTnLst>
+                        <p:par>
+                          <p:cTn id="4" fill="hold">
+                            <p:stCondLst>
+                              <p:cond delay="0"/>
+                            </p:stCondLst>
+                            <p:childTnLst>
+                              <p:par>
+                                <p:cTn id="5" presetID="10" presetClass="entr" presetSubtype="0" fill="hold" grpId="0" nodeType="clickEffect">
+                                  <p:stCondLst>
+                                    <p:cond delay="0"/>
+                                  </p:stCondLst>
+                                  <p:childTnLst>
+                                    <p:set>
+                                      <p:cBhvr>
+                                        <p:cTn id="6" dur="1" fill="hold">
+                                          <p:stCondLst>
+                                            <p:cond delay="0"/>
+                                          </p:stCondLst>
+                                        </p:cTn>
+                                        <p:tgtEl>
+                                          <p:spTgt spid="6"/>
+                                        </p:tgtEl>
+                                        <p:attrNameLst>
+                                          <p:attrName>style.visibility</p:attrName>
+                                        </p:attrNameLst>
+                                      </p:cBhvr>
+                                      <p:to>
+                                        <p:strVal val="visible"/>
+                                      </p:to>
+                                    </p:set>
+                                    <p:animEffect transition="in" filter="fade">
+                                      <p:cBhvr>
+                                        <p:cTn id="7" dur="500"/>
+                                        <p:tgtEl>
+                                          <p:spTgt spid="6"/>
+                                        </p:tgtEl>
+                                      </p:cBhvr>
+                                    </p:animEffect>
+                                  </p:childTnLst>
+                                </p:cTn>
+                              </p:par>
+                            </p:childTnLst>
+                          </p:cTn>
+                        </p:par>
+                      </p:childTnLst>
+                    </p:cTn>
+                  </p:par>
+                  <p:par>
+                    <p:cTn id="8" fill="hold">
+                      <p:stCondLst>
+                        <p:cond delay="indefinite"/>
+                      </p:stCondLst>
+                      <p:childTnLst>
+                        <p:par>
+                          <p:cTn id="9" fill="hold">
+                            <p:stCondLst>
+                              <p:cond delay="0"/>
+                            </p:stCondLst>
+                            <p:childTnLst>
+                              <p:par>
+                                <p:cTn id="10" presetID="10" presetClass="entr" presetSubtype="0" fill="hold" grpId="0" nodeType="clickEffect">
+                                  <p:stCondLst>
+                                    <p:cond delay="0"/>
+                                  </p:stCondLst>
+                                  <p:childTnLst>
+                                    <p:set>
+                                      <p:cBhvr>
+                                        <p:cTn id="11" dur="1" fill="hold">
+                                          <p:stCondLst>
+                                            <p:cond delay="0"/>
+                                          </p:stCondLst>
+                                        </p:cTn>
+                                        <p:tgtEl>
+                                          <p:spTgt spid="7"/>
+                                        </p:tgtEl>
+                                        <p:attrNameLst>
+                                          <p:attrName>style.visibility</p:attrName>
+                                        </p:attrNameLst>
+                                      </p:cBhvr>
+                                      <p:to>
+                                        <p:strVal val="visible"/>
+                                      </p:to>
+                                    </p:set>
+                                    <p:animEffect transition="in" filter="fade">
+                                      <p:cBhvr>
+                                        <p:cTn id="12" dur="500"/>
+                                        <p:tgtEl>
+                                          <p:spTgt spid="7"/>
+                                        </p:tgtEl>
+                                      </p:cBhvr>
+                                    </p:animEffect>
+                                  </p:childTnLst>
+                                </p:cTn>
+                              </p:par>
+                            </p:childTnLst>
+                          </p:cTn>
+                        </p:par>
+                      </p:childTnLst>
+                    </p:cTn>
+                  </p:par>
+                  <p:par>
+                    <p:cTn id="13" fill="hold">
+                      <p:stCondLst>
+                        <p:cond delay="indefinite"/>
+                      </p:stCondLst>
+                      <p:childTnLst>
+                        <p:par>
+                          <p:cTn id="14" fill="hold">
+                            <p:stCondLst>
+                              <p:cond delay="0"/>
+                            </p:stCondLst>
+                            <p:childTnLst>
+                              <p:par>
+                                <p:cTn id="15" presetID="10" presetClass="entr" presetSubtype="0" fill="hold" grpId="0" nodeType="clickEffect">
+                                  <p:stCondLst>
+                                    <p:cond delay="0"/>
+                                  </p:stCondLst>
+                                  <p:childTnLst>
+                                    <p:set>
+                                      <p:cBhvr>
+                                        <p:cTn id="16" dur="1" fill="hold">
+                                          <p:stCondLst>
+                                            <p:cond delay="0"/>
+                                          </p:stCondLst>
+                                        </p:cTn>
+                                        <p:tgtEl>
+                                          <p:spTgt spid="8"/>
+                                        </p:tgtEl>
+                                        <p:attrNameLst>
+                                          <p:attrName>style.visibility</p:attrName>
+                                        </p:attrNameLst>
+                                      </p:cBhvr>
+                                      <p:to>
+                                        <p:strVal val="visible"/>
+                                      </p:to>
+                                    </p:set>
+                                    <p:animEffect transition="in" filter="fade">
+                                      <p:cBhvr>
+                                        <p:cTn id="17" dur="500"/>
+                                        <p:tgtEl>
+                                          <p:spTgt spid="8"/>
+                                        </p:tgtEl>
+                                      </p:cBhvr>
+                                    </p:animEffect>
+                                  </p:childTnLst>
+                                </p:cTn>
+                              </p:par>
+                            </p:childTnLst>
+                          </p:cTn>
+                        </p:par>
+                      </p:childTnLst>
+                    </p:cTn>
+                  </p:par>
+                  <p:par>
+                    <p:cTn id="18" fill="hold">
+                      <p:stCondLst>
+                        <p:cond delay="indefinite"/>
+                      </p:stCondLst>
+                      <p:childTnLst>
+                        <p:par>
+                          <p:cTn id="19" fill="hold">
+                            <p:stCondLst>
+                              <p:cond delay="0"/>
+                            </p:stCondLst>
+                            <p:childTnLst>
+                              <p:par>
+                                <p:cTn id="20" presetID="10" presetClass="entr" presetSubtype="0" fill="hold" grpId="0" nodeType="clickEffect">
+                                  <p:stCondLst>
+                                    <p:cond delay="0"/>
+                                  </p:stCondLst>
+                                  <p:childTnLst>
+                                    <p:set>
+                                      <p:cBhvr>
+                                        <p:cTn id="21" dur="1" fill="hold">
+                                          <p:stCondLst>
+                                            <p:cond delay="0"/>
+                                          </p:stCondLst>
+                                        </p:cTn>
+                                        <p:tgtEl>
+                                          <p:spTgt spid="9"/>
+                                        </p:tgtEl>
+                                        <p:attrNameLst>
+                                          <p:attrName>style.visibility</p:attrName>
+                                        </p:attrNameLst>
+                                      </p:cBhvr>
+                                      <p:to>
+                                        <p:strVal val="visible"/>
+                                      </p:to>
+                                    </p:set>
+                                    <p:animEffect transition="in" filter="fade">
+                                      <p:cBhvr>
+                                        <p:cTn id="22" dur="500"/>
+                                        <p:tgtEl>
+                                          <p:spTgt spid="9"/>
+                                        </p:tgtEl>
+                                      </p:cBhvr>
+                                    </p:animEffect>
+                                  </p:childTnLst>
+                                </p:cTn>
+                              </p:par>
+                            </p:childTnLst>
+                          </p:cTn>
+                        </p:par>
+                      </p:childTnLst>
+                    </p:cTn>
+                  </p:par>
+                </p:childTnLst>
+              </p:cTn>
+              <p:prevCondLst>
+                <p:cond evt="onPrev" delay="0">
+                  <p:tgtEl>
+                    <p:sldTgt/>
+                  </p:tgtEl>
+                </p:cond>
+              </p:prevCondLst>
+              <p:nextCondLst>
+                <p:cond evt="onNext" delay="0">
+                  <p:tgtEl>
+                    <p:sldTgt/>
+                  </p:tgtEl>
+                </p:cond>
+              </p:nextCondLst>
+            </p:seq>
+          </p:childTnLst>
+        </p:cTn>
+      </p:par>
+    </p:tnLst>
+    <p:bldLst>
+      <p:bldP spid="6" grpId="0" animBg="1"/>
+      <p:bldP spid="7" grpId="0" animBg="1"/>
+      <p:bldP spid="8" grpId="0" animBg="1"/>
+      <p:bldP spid="9" grpId="0" animBg="1"/>
     </p:bldLst>
   </p:timing>
 </p:sld>

--- a/2022-07-20 Dotnet Foundation Summit 2022/ABP-DNF-Summit-2022.pptx
+++ b/2022-07-20 Dotnet Foundation Summit 2022/ABP-DNF-Summit-2022.pptx
@@ -274,7 +274,7 @@
           <a:p>
             <a:fld id="{2A14C9FE-EBC3-45D3-899C-58AAF4F8AF71}" type="datetimeFigureOut">
               <a:rPr lang="en-US" smtClean="0"/>
-              <a:t>12-Jul-22</a:t>
+              <a:t>14-Jul-22</a:t>
             </a:fld>
             <a:endParaRPr lang="en-US"/>
           </a:p>
@@ -472,7 +472,7 @@
           <a:p>
             <a:fld id="{2A14C9FE-EBC3-45D3-899C-58AAF4F8AF71}" type="datetimeFigureOut">
               <a:rPr lang="en-US" smtClean="0"/>
-              <a:t>12-Jul-22</a:t>
+              <a:t>14-Jul-22</a:t>
             </a:fld>
             <a:endParaRPr lang="en-US"/>
           </a:p>
@@ -680,7 +680,7 @@
           <a:p>
             <a:fld id="{2A14C9FE-EBC3-45D3-899C-58AAF4F8AF71}" type="datetimeFigureOut">
               <a:rPr lang="en-US" smtClean="0"/>
-              <a:t>12-Jul-22</a:t>
+              <a:t>14-Jul-22</a:t>
             </a:fld>
             <a:endParaRPr lang="en-US"/>
           </a:p>
@@ -878,7 +878,7 @@
           <a:p>
             <a:fld id="{2A14C9FE-EBC3-45D3-899C-58AAF4F8AF71}" type="datetimeFigureOut">
               <a:rPr lang="en-US" smtClean="0"/>
-              <a:t>12-Jul-22</a:t>
+              <a:t>14-Jul-22</a:t>
             </a:fld>
             <a:endParaRPr lang="en-US"/>
           </a:p>
@@ -1153,7 +1153,7 @@
           <a:p>
             <a:fld id="{2A14C9FE-EBC3-45D3-899C-58AAF4F8AF71}" type="datetimeFigureOut">
               <a:rPr lang="en-US" smtClean="0"/>
-              <a:t>12-Jul-22</a:t>
+              <a:t>14-Jul-22</a:t>
             </a:fld>
             <a:endParaRPr lang="en-US"/>
           </a:p>
@@ -1418,7 +1418,7 @@
           <a:p>
             <a:fld id="{2A14C9FE-EBC3-45D3-899C-58AAF4F8AF71}" type="datetimeFigureOut">
               <a:rPr lang="en-US" smtClean="0"/>
-              <a:t>12-Jul-22</a:t>
+              <a:t>14-Jul-22</a:t>
             </a:fld>
             <a:endParaRPr lang="en-US"/>
           </a:p>
@@ -1830,7 +1830,7 @@
           <a:p>
             <a:fld id="{2A14C9FE-EBC3-45D3-899C-58AAF4F8AF71}" type="datetimeFigureOut">
               <a:rPr lang="en-US" smtClean="0"/>
-              <a:t>12-Jul-22</a:t>
+              <a:t>14-Jul-22</a:t>
             </a:fld>
             <a:endParaRPr lang="en-US"/>
           </a:p>
@@ -1971,7 +1971,7 @@
           <a:p>
             <a:fld id="{2A14C9FE-EBC3-45D3-899C-58AAF4F8AF71}" type="datetimeFigureOut">
               <a:rPr lang="en-US" smtClean="0"/>
-              <a:t>12-Jul-22</a:t>
+              <a:t>14-Jul-22</a:t>
             </a:fld>
             <a:endParaRPr lang="en-US"/>
           </a:p>
@@ -2084,7 +2084,7 @@
           <a:p>
             <a:fld id="{2A14C9FE-EBC3-45D3-899C-58AAF4F8AF71}" type="datetimeFigureOut">
               <a:rPr lang="en-US" smtClean="0"/>
-              <a:t>12-Jul-22</a:t>
+              <a:t>14-Jul-22</a:t>
             </a:fld>
             <a:endParaRPr lang="en-US"/>
           </a:p>
@@ -2395,7 +2395,7 @@
           <a:p>
             <a:fld id="{2A14C9FE-EBC3-45D3-899C-58AAF4F8AF71}" type="datetimeFigureOut">
               <a:rPr lang="en-US" smtClean="0"/>
-              <a:t>12-Jul-22</a:t>
+              <a:t>14-Jul-22</a:t>
             </a:fld>
             <a:endParaRPr lang="en-US"/>
           </a:p>
@@ -2683,7 +2683,7 @@
           <a:p>
             <a:fld id="{2A14C9FE-EBC3-45D3-899C-58AAF4F8AF71}" type="datetimeFigureOut">
               <a:rPr lang="en-US" smtClean="0"/>
-              <a:t>12-Jul-22</a:t>
+              <a:t>14-Jul-22</a:t>
             </a:fld>
             <a:endParaRPr lang="en-US"/>
           </a:p>
@@ -2924,7 +2924,7 @@
           <a:p>
             <a:fld id="{2A14C9FE-EBC3-45D3-899C-58AAF4F8AF71}" type="datetimeFigureOut">
               <a:rPr lang="en-US" smtClean="0"/>
-              <a:t>12-Jul-22</a:t>
+              <a:t>14-Jul-22</a:t>
             </a:fld>
             <a:endParaRPr lang="en-US"/>
           </a:p>
@@ -12453,7 +12453,7 @@
       <p:bldP spid="12" grpId="0"/>
       <p:bldP spid="16" grpId="0"/>
       <p:bldP spid="20" grpId="0"/>
-      <p:bldP spid="21" grpId="0"/>
+      <p:bldP spid="21" grpId="0" animBg="1"/>
     </p:bldLst>
   </p:timing>
 </p:sld>

--- a/2022-07-20 Dotnet Foundation Summit 2022/ABP-DNF-Summit-2022.pptx
+++ b/2022-07-20 Dotnet Foundation Summit 2022/ABP-DNF-Summit-2022.pptx
@@ -274,7 +274,7 @@
           <a:p>
             <a:fld id="{2A14C9FE-EBC3-45D3-899C-58AAF4F8AF71}" type="datetimeFigureOut">
               <a:rPr lang="en-US" smtClean="0"/>
-              <a:t>14-Jul-22</a:t>
+              <a:t>16-Jul-22</a:t>
             </a:fld>
             <a:endParaRPr lang="en-US"/>
           </a:p>
@@ -472,7 +472,7 @@
           <a:p>
             <a:fld id="{2A14C9FE-EBC3-45D3-899C-58AAF4F8AF71}" type="datetimeFigureOut">
               <a:rPr lang="en-US" smtClean="0"/>
-              <a:t>14-Jul-22</a:t>
+              <a:t>16-Jul-22</a:t>
             </a:fld>
             <a:endParaRPr lang="en-US"/>
           </a:p>
@@ -680,7 +680,7 @@
           <a:p>
             <a:fld id="{2A14C9FE-EBC3-45D3-899C-58AAF4F8AF71}" type="datetimeFigureOut">
               <a:rPr lang="en-US" smtClean="0"/>
-              <a:t>14-Jul-22</a:t>
+              <a:t>16-Jul-22</a:t>
             </a:fld>
             <a:endParaRPr lang="en-US"/>
           </a:p>
@@ -878,7 +878,7 @@
           <a:p>
             <a:fld id="{2A14C9FE-EBC3-45D3-899C-58AAF4F8AF71}" type="datetimeFigureOut">
               <a:rPr lang="en-US" smtClean="0"/>
-              <a:t>14-Jul-22</a:t>
+              <a:t>16-Jul-22</a:t>
             </a:fld>
             <a:endParaRPr lang="en-US"/>
           </a:p>
@@ -1153,7 +1153,7 @@
           <a:p>
             <a:fld id="{2A14C9FE-EBC3-45D3-899C-58AAF4F8AF71}" type="datetimeFigureOut">
               <a:rPr lang="en-US" smtClean="0"/>
-              <a:t>14-Jul-22</a:t>
+              <a:t>16-Jul-22</a:t>
             </a:fld>
             <a:endParaRPr lang="en-US"/>
           </a:p>
@@ -1418,7 +1418,7 @@
           <a:p>
             <a:fld id="{2A14C9FE-EBC3-45D3-899C-58AAF4F8AF71}" type="datetimeFigureOut">
               <a:rPr lang="en-US" smtClean="0"/>
-              <a:t>14-Jul-22</a:t>
+              <a:t>16-Jul-22</a:t>
             </a:fld>
             <a:endParaRPr lang="en-US"/>
           </a:p>
@@ -1830,7 +1830,7 @@
           <a:p>
             <a:fld id="{2A14C9FE-EBC3-45D3-899C-58AAF4F8AF71}" type="datetimeFigureOut">
               <a:rPr lang="en-US" smtClean="0"/>
-              <a:t>14-Jul-22</a:t>
+              <a:t>16-Jul-22</a:t>
             </a:fld>
             <a:endParaRPr lang="en-US"/>
           </a:p>
@@ -1971,7 +1971,7 @@
           <a:p>
             <a:fld id="{2A14C9FE-EBC3-45D3-899C-58AAF4F8AF71}" type="datetimeFigureOut">
               <a:rPr lang="en-US" smtClean="0"/>
-              <a:t>14-Jul-22</a:t>
+              <a:t>16-Jul-22</a:t>
             </a:fld>
             <a:endParaRPr lang="en-US"/>
           </a:p>
@@ -2084,7 +2084,7 @@
           <a:p>
             <a:fld id="{2A14C9FE-EBC3-45D3-899C-58AAF4F8AF71}" type="datetimeFigureOut">
               <a:rPr lang="en-US" smtClean="0"/>
-              <a:t>14-Jul-22</a:t>
+              <a:t>16-Jul-22</a:t>
             </a:fld>
             <a:endParaRPr lang="en-US"/>
           </a:p>
@@ -2395,7 +2395,7 @@
           <a:p>
             <a:fld id="{2A14C9FE-EBC3-45D3-899C-58AAF4F8AF71}" type="datetimeFigureOut">
               <a:rPr lang="en-US" smtClean="0"/>
-              <a:t>14-Jul-22</a:t>
+              <a:t>16-Jul-22</a:t>
             </a:fld>
             <a:endParaRPr lang="en-US"/>
           </a:p>
@@ -2683,7 +2683,7 @@
           <a:p>
             <a:fld id="{2A14C9FE-EBC3-45D3-899C-58AAF4F8AF71}" type="datetimeFigureOut">
               <a:rPr lang="en-US" smtClean="0"/>
-              <a:t>14-Jul-22</a:t>
+              <a:t>16-Jul-22</a:t>
             </a:fld>
             <a:endParaRPr lang="en-US"/>
           </a:p>
@@ -2924,7 +2924,7 @@
           <a:p>
             <a:fld id="{2A14C9FE-EBC3-45D3-899C-58AAF4F8AF71}" type="datetimeFigureOut">
               <a:rPr lang="en-US" smtClean="0"/>
-              <a:t>14-Jul-22</a:t>
+              <a:t>16-Jul-22</a:t>
             </a:fld>
             <a:endParaRPr lang="en-US"/>
           </a:p>
@@ -8499,7 +8499,7 @@
                             </p:stCondLst>
                             <p:childTnLst>
                               <p:par>
-                                <p:cTn id="5" presetID="10" presetClass="entr" presetSubtype="0" fill="hold" nodeType="clickEffect">
+                                <p:cTn id="5" presetID="10" presetClass="entr" presetSubtype="0" fill="hold" grpId="0" nodeType="clickEffect">
                                   <p:stCondLst>
                                     <p:cond delay="0"/>
                                   </p:stCondLst>
@@ -8512,7 +8512,7 @@
                                           </p:stCondLst>
                                         </p:cTn>
                                         <p:tgtEl>
-                                          <p:spTgt spid="5"/>
+                                          <p:spTgt spid="8"/>
                                         </p:tgtEl>
                                         <p:attrNameLst>
                                           <p:attrName>style.visibility</p:attrName>
@@ -8526,7 +8526,42 @@
                                       <p:cBhvr>
                                         <p:cTn id="7" dur="500"/>
                                         <p:tgtEl>
-                                          <p:spTgt spid="5"/>
+                                          <p:spTgt spid="8"/>
+                                        </p:tgtEl>
+                                      </p:cBhvr>
+                                    </p:animEffect>
+                                  </p:childTnLst>
+                                </p:cTn>
+                              </p:par>
+                              <p:par>
+                                <p:cTn id="8" presetID="10" presetClass="entr" presetSubtype="0" fill="hold" nodeType="withEffect">
+                                  <p:stCondLst>
+                                    <p:cond delay="0"/>
+                                  </p:stCondLst>
+                                  <p:childTnLst>
+                                    <p:set>
+                                      <p:cBhvr>
+                                        <p:cTn id="9" dur="1" fill="hold">
+                                          <p:stCondLst>
+                                            <p:cond delay="0"/>
+                                          </p:stCondLst>
+                                        </p:cTn>
+                                        <p:tgtEl>
+                                          <p:spTgt spid="7"/>
+                                        </p:tgtEl>
+                                        <p:attrNameLst>
+                                          <p:attrName>style.visibility</p:attrName>
+                                        </p:attrNameLst>
+                                      </p:cBhvr>
+                                      <p:to>
+                                        <p:strVal val="visible"/>
+                                      </p:to>
+                                    </p:set>
+                                    <p:animEffect transition="in" filter="fade">
+                                      <p:cBhvr>
+                                        <p:cTn id="10" dur="500"/>
+                                        <p:tgtEl>
+                                          <p:spTgt spid="7"/>
                                         </p:tgtEl>
                                       </p:cBhvr>
                                     </p:animEffect>
@@ -8540,32 +8575,36 @@
                     </p:cTn>
                   </p:par>
                   <p:par>
-                    <p:cTn id="8" fill="hold">
+                    <p:cTn id="11" fill="hold">
                       <p:stCondLst>
                         <p:cond delay="indefinite"/>
                       </p:stCondLst>
                       <p:childTnLst>
                         <p:par>
-                          <p:cTn id="9" fill="hold">
+                          <p:cTn id="12" fill="hold">
                             <p:stCondLst>
                               <p:cond delay="0"/>
                             </p:stCondLst>
                             <p:childTnLst>
                               <p:par>
-                                <p:cTn id="10" presetID="10" presetClass="entr" presetSubtype="0" fill="hold" grpId="0" nodeType="clickEffect">
+                                <p:cTn id="13" presetID="10" presetClass="entr" presetSubtype="0" fill="hold" nodeType="clickEffect">
                                   <p:stCondLst>
                                     <p:cond delay="0"/>
                                   </p:stCondLst>
                                   <p:childTnLst>
                                     <p:set>
                                       <p:cBhvr>
-                                        <p:cTn id="11" dur="1" fill="hold">
+                                        <p:cTn id="14" dur="1" fill="hold">
                                           <p:stCondLst>
                                             <p:cond delay="0"/>
                                           </p:stCondLst>
                                         </p:cTn>
                                         <p:tgtEl>
-                                          <p:spTgt spid="8"/>
+                                          <p:spTgt spid="3">
+                                            <p:txEl>
+                                              <p:pRg st="0" end="0"/>
+                                            </p:txEl>
+                                          </p:spTgt>
                                         </p:tgtEl>
                                         <p:attrNameLst>
                                           <p:attrName>style.visibility</p:attrName>
@@ -8577,44 +8616,13 @@
                                     </p:set>
                                     <p:animEffect transition="in" filter="fade">
                                       <p:cBhvr>
-                                        <p:cTn id="12" dur="500"/>
-                                        <p:tgtEl>
-                                          <p:spTgt spid="8"/>
-                                        </p:tgtEl>
-                                      </p:cBhvr>
-                                    </p:animEffect>
-                                  </p:childTnLst>
-                                </p:cTn>
-                              </p:par>
-                              <p:par>
-                                <p:cTn id="13" presetID="10" presetClass="entr" presetSubtype="0" fill="hold" nodeType="withEffect">
-                                  <p:stCondLst>
-                                    <p:cond delay="0"/>
-                                  </p:stCondLst>
-                                  <p:childTnLst>
-                                    <p:set>
-                                      <p:cBhvr>
-                                        <p:cTn id="14" dur="1" fill="hold">
-                                          <p:stCondLst>
-                                            <p:cond delay="0"/>
-                                          </p:stCondLst>
-                                        </p:cTn>
-                                        <p:tgtEl>
-                                          <p:spTgt spid="7"/>
-                                        </p:tgtEl>
-                                        <p:attrNameLst>
-                                          <p:attrName>style.visibility</p:attrName>
-                                        </p:attrNameLst>
-                                      </p:cBhvr>
-                                      <p:to>
-                                        <p:strVal val="visible"/>
-                                      </p:to>
-                                    </p:set>
-                                    <p:animEffect transition="in" filter="fade">
-                                      <p:cBhvr>
                                         <p:cTn id="15" dur="500"/>
                                         <p:tgtEl>
-                                          <p:spTgt spid="7"/>
+                                          <p:spTgt spid="3">
+                                            <p:txEl>
+                                              <p:pRg st="0" end="0"/>
+                                            </p:txEl>
+                                          </p:spTgt>
                                         </p:tgtEl>
                                       </p:cBhvr>
                                     </p:animEffect>
@@ -8655,7 +8663,7 @@
                                         <p:tgtEl>
                                           <p:spTgt spid="3">
                                             <p:txEl>
-                                              <p:pRg st="0" end="0"/>
+                                              <p:pRg st="1" end="1"/>
                                             </p:txEl>
                                           </p:spTgt>
                                         </p:tgtEl>
@@ -8673,7 +8681,7 @@
                                         <p:tgtEl>
                                           <p:spTgt spid="3">
                                             <p:txEl>
-                                              <p:pRg st="0" end="0"/>
+                                              <p:pRg st="1" end="1"/>
                                             </p:txEl>
                                           </p:spTgt>
                                         </p:tgtEl>
@@ -8716,7 +8724,7 @@
                                         <p:tgtEl>
                                           <p:spTgt spid="3">
                                             <p:txEl>
-                                              <p:pRg st="1" end="1"/>
+                                              <p:pRg st="2" end="2"/>
                                             </p:txEl>
                                           </p:spTgt>
                                         </p:tgtEl>
@@ -8734,7 +8742,7 @@
                                         <p:tgtEl>
                                           <p:spTgt spid="3">
                                             <p:txEl>
-                                              <p:pRg st="1" end="1"/>
+                                              <p:pRg st="2" end="2"/>
                                             </p:txEl>
                                           </p:spTgt>
                                         </p:tgtEl>
@@ -8777,7 +8785,7 @@
                                         <p:tgtEl>
                                           <p:spTgt spid="3">
                                             <p:txEl>
-                                              <p:pRg st="2" end="2"/>
+                                              <p:pRg st="3" end="3"/>
                                             </p:txEl>
                                           </p:spTgt>
                                         </p:tgtEl>
@@ -8795,7 +8803,7 @@
                                         <p:tgtEl>
                                           <p:spTgt spid="3">
                                             <p:txEl>
-                                              <p:pRg st="2" end="2"/>
+                                              <p:pRg st="3" end="3"/>
                                             </p:txEl>
                                           </p:spTgt>
                                         </p:tgtEl>
@@ -8838,7 +8846,7 @@
                                         <p:tgtEl>
                                           <p:spTgt spid="3">
                                             <p:txEl>
-                                              <p:pRg st="3" end="3"/>
+                                              <p:pRg st="5" end="5"/>
                                             </p:txEl>
                                           </p:spTgt>
                                         </p:tgtEl>
@@ -8853,67 +8861,6 @@
                                     <p:animEffect transition="in" filter="fade">
                                       <p:cBhvr>
                                         <p:cTn id="35" dur="500"/>
-                                        <p:tgtEl>
-                                          <p:spTgt spid="3">
-                                            <p:txEl>
-                                              <p:pRg st="3" end="3"/>
-                                            </p:txEl>
-                                          </p:spTgt>
-                                        </p:tgtEl>
-                                      </p:cBhvr>
-                                    </p:animEffect>
-                                  </p:childTnLst>
-                                </p:cTn>
-                              </p:par>
-                            </p:childTnLst>
-                          </p:cTn>
-                        </p:par>
-                      </p:childTnLst>
-                    </p:cTn>
-                  </p:par>
-                  <p:par>
-                    <p:cTn id="36" fill="hold">
-                      <p:stCondLst>
-                        <p:cond delay="indefinite"/>
-                      </p:stCondLst>
-                      <p:childTnLst>
-                        <p:par>
-                          <p:cTn id="37" fill="hold">
-                            <p:stCondLst>
-                              <p:cond delay="0"/>
-                            </p:stCondLst>
-                            <p:childTnLst>
-                              <p:par>
-                                <p:cTn id="38" presetID="10" presetClass="entr" presetSubtype="0" fill="hold" nodeType="clickEffect">
-                                  <p:stCondLst>
-                                    <p:cond delay="0"/>
-                                  </p:stCondLst>
-                                  <p:childTnLst>
-                                    <p:set>
-                                      <p:cBhvr>
-                                        <p:cTn id="39" dur="1" fill="hold">
-                                          <p:stCondLst>
-                                            <p:cond delay="0"/>
-                                          </p:stCondLst>
-                                        </p:cTn>
-                                        <p:tgtEl>
-                                          <p:spTgt spid="3">
-                                            <p:txEl>
-                                              <p:pRg st="5" end="5"/>
-                                            </p:txEl>
-                                          </p:spTgt>
-                                        </p:tgtEl>
-                                        <p:attrNameLst>
-                                          <p:attrName>style.visibility</p:attrName>
-                                        </p:attrNameLst>
-                                      </p:cBhvr>
-                                      <p:to>
-                                        <p:strVal val="visible"/>
-                                      </p:to>
-                                    </p:set>
-                                    <p:animEffect transition="in" filter="fade">
-                                      <p:cBhvr>
-                                        <p:cTn id="40" dur="500"/>
                                         <p:tgtEl>
                                           <p:spTgt spid="3">
                                             <p:txEl>
@@ -10172,30 +10119,6 @@
               <a:t>from solutions to the template.</a:t>
             </a:r>
           </a:p>
-          <a:p>
-            <a:pPr lvl="1"/>
-            <a:r>
-              <a:rPr lang="en-US" dirty="0">
-                <a:latin typeface="Euclid Circular B" panose="020B0504000000000000" pitchFamily="34" charset="0"/>
-                <a:ea typeface="Euclid Circular B" panose="020B0504000000000000" pitchFamily="34" charset="0"/>
-              </a:rPr>
-              <a:t>Also apply the same fix and improvements to </a:t>
-            </a:r>
-            <a:r>
-              <a:rPr lang="en-US" b="1" dirty="0">
-                <a:latin typeface="Euclid Circular B" panose="020B0504000000000000" pitchFamily="34" charset="0"/>
-                <a:ea typeface="Euclid Circular B" panose="020B0504000000000000" pitchFamily="34" charset="0"/>
-              </a:rPr>
-              <a:t>all the solutions </a:t>
-            </a:r>
-            <a:r>
-              <a:rPr lang="en-US" dirty="0">
-                <a:latin typeface="Euclid Circular B" panose="020B0504000000000000" pitchFamily="34" charset="0"/>
-                <a:ea typeface="Euclid Circular B" panose="020B0504000000000000" pitchFamily="34" charset="0"/>
-              </a:rPr>
-              <a:t>created by that solution template!</a:t>
-            </a:r>
-          </a:p>
         </p:txBody>
       </p:sp>
     </p:spTree>
@@ -10324,67 +10247,6 @@
                                           <p:spTgt spid="3">
                                             <p:txEl>
                                               <p:pRg st="1" end="1"/>
-                                            </p:txEl>
-                                          </p:spTgt>
-                                        </p:tgtEl>
-                                      </p:cBhvr>
-                                    </p:animEffect>
-                                  </p:childTnLst>
-                                </p:cTn>
-                              </p:par>
-                            </p:childTnLst>
-                          </p:cTn>
-                        </p:par>
-                      </p:childTnLst>
-                    </p:cTn>
-                  </p:par>
-                  <p:par>
-                    <p:cTn id="13" fill="hold">
-                      <p:stCondLst>
-                        <p:cond delay="indefinite"/>
-                      </p:stCondLst>
-                      <p:childTnLst>
-                        <p:par>
-                          <p:cTn id="14" fill="hold">
-                            <p:stCondLst>
-                              <p:cond delay="0"/>
-                            </p:stCondLst>
-                            <p:childTnLst>
-                              <p:par>
-                                <p:cTn id="15" presetID="10" presetClass="entr" presetSubtype="0" fill="hold" nodeType="clickEffect">
-                                  <p:stCondLst>
-                                    <p:cond delay="0"/>
-                                  </p:stCondLst>
-                                  <p:childTnLst>
-                                    <p:set>
-                                      <p:cBhvr>
-                                        <p:cTn id="16" dur="1" fill="hold">
-                                          <p:stCondLst>
-                                            <p:cond delay="0"/>
-                                          </p:stCondLst>
-                                        </p:cTn>
-                                        <p:tgtEl>
-                                          <p:spTgt spid="3">
-                                            <p:txEl>
-                                              <p:pRg st="2" end="2"/>
-                                            </p:txEl>
-                                          </p:spTgt>
-                                        </p:tgtEl>
-                                        <p:attrNameLst>
-                                          <p:attrName>style.visibility</p:attrName>
-                                        </p:attrNameLst>
-                                      </p:cBhvr>
-                                      <p:to>
-                                        <p:strVal val="visible"/>
-                                      </p:to>
-                                    </p:set>
-                                    <p:animEffect transition="in" filter="fade">
-                                      <p:cBhvr>
-                                        <p:cTn id="17" dur="500"/>
-                                        <p:tgtEl>
-                                          <p:spTgt spid="3">
-                                            <p:txEl>
-                                              <p:pRg st="2" end="2"/>
                                             </p:txEl>
                                           </p:spTgt>
                                         </p:tgtEl>
@@ -10508,30 +10370,9 @@
         <p:spPr/>
         <p:txBody>
           <a:bodyPr>
-            <a:normAutofit fontScale="77500" lnSpcReduction="20000"/>
+            <a:normAutofit/>
           </a:bodyPr>
           <a:lstStyle/>
-          <a:p>
-            <a:pPr marL="0" indent="0">
-              <a:buNone/>
-            </a:pPr>
-            <a:r>
-              <a:rPr lang="en-US" sz="3900" b="1" u="sng" dirty="0">
-                <a:latin typeface="Euclid Circular B" panose="020B0504000000000000" pitchFamily="34" charset="0"/>
-                <a:ea typeface="Euclid Circular B" panose="020B0504000000000000" pitchFamily="34" charset="0"/>
-              </a:rPr>
-              <a:t>Duplications across different solutions</a:t>
-            </a:r>
-          </a:p>
-          <a:p>
-            <a:pPr marL="0" indent="0">
-              <a:buNone/>
-            </a:pPr>
-            <a:endParaRPr lang="en-US" sz="3900" b="1" u="sng" dirty="0">
-              <a:latin typeface="Euclid Circular B" panose="020B0504000000000000" pitchFamily="34" charset="0"/>
-              <a:ea typeface="Euclid Circular B" panose="020B0504000000000000" pitchFamily="34" charset="0"/>
-            </a:endParaRPr>
-          </a:p>
           <a:p>
             <a:r>
               <a:rPr lang="en-US" b="1" dirty="0">
@@ -10582,22 +10423,6 @@
                 <a:latin typeface="Euclid Circular B" panose="020B0504000000000000" pitchFamily="34" charset="0"/>
                 <a:ea typeface="Euclid Circular B" panose="020B0504000000000000" pitchFamily="34" charset="0"/>
               </a:rPr>
-              <a:t>Classes, conventions, code-parts </a:t>
-            </a:r>
-            <a:r>
-              <a:rPr lang="en-US" b="1" dirty="0">
-                <a:latin typeface="Euclid Circular B" panose="020B0504000000000000" pitchFamily="34" charset="0"/>
-                <a:ea typeface="Euclid Circular B" panose="020B0504000000000000" pitchFamily="34" charset="0"/>
-              </a:rPr>
-              <a:t>similar in every project</a:t>
-            </a:r>
-          </a:p>
-          <a:p>
-            <a:r>
-              <a:rPr lang="en-US" dirty="0">
-                <a:latin typeface="Euclid Circular B" panose="020B0504000000000000" pitchFamily="34" charset="0"/>
-                <a:ea typeface="Euclid Circular B" panose="020B0504000000000000" pitchFamily="34" charset="0"/>
-              </a:rPr>
               <a:t>Helpers, </a:t>
             </a:r>
             <a:r>
@@ -10636,57 +10461,6 @@
                 <a:ea typeface="Euclid Circular B" panose="020B0504000000000000" pitchFamily="34" charset="0"/>
               </a:rPr>
               <a:t>, like multi-tenancy, BLOB storing, email sending, event bus integration…</a:t>
-            </a:r>
-          </a:p>
-          <a:p>
-            <a:r>
-              <a:rPr lang="en-US" dirty="0">
-                <a:latin typeface="Euclid Circular B" panose="020B0504000000000000" pitchFamily="34" charset="0"/>
-                <a:ea typeface="Euclid Circular B" panose="020B0504000000000000" pitchFamily="34" charset="0"/>
-              </a:rPr>
-              <a:t>Generic </a:t>
-            </a:r>
-            <a:r>
-              <a:rPr lang="en-US" b="1" dirty="0">
-                <a:latin typeface="Euclid Circular B" panose="020B0504000000000000" pitchFamily="34" charset="0"/>
-                <a:ea typeface="Euclid Circular B" panose="020B0504000000000000" pitchFamily="34" charset="0"/>
-              </a:rPr>
-              <a:t>repositories</a:t>
-            </a:r>
-            <a:r>
-              <a:rPr lang="en-US" dirty="0">
-                <a:latin typeface="Euclid Circular B" panose="020B0504000000000000" pitchFamily="34" charset="0"/>
-                <a:ea typeface="Euclid Circular B" panose="020B0504000000000000" pitchFamily="34" charset="0"/>
-              </a:rPr>
-              <a:t>, base </a:t>
-            </a:r>
-            <a:r>
-              <a:rPr lang="en-US" b="1" dirty="0">
-                <a:latin typeface="Euclid Circular B" panose="020B0504000000000000" pitchFamily="34" charset="0"/>
-                <a:ea typeface="Euclid Circular B" panose="020B0504000000000000" pitchFamily="34" charset="0"/>
-              </a:rPr>
-              <a:t>entities</a:t>
-            </a:r>
-            <a:r>
-              <a:rPr lang="en-US" dirty="0">
-                <a:latin typeface="Euclid Circular B" panose="020B0504000000000000" pitchFamily="34" charset="0"/>
-                <a:ea typeface="Euclid Circular B" panose="020B0504000000000000" pitchFamily="34" charset="0"/>
-              </a:rPr>
-              <a:t>, </a:t>
-            </a:r>
-            <a:r>
-              <a:rPr lang="en-US" b="1" dirty="0">
-                <a:latin typeface="Euclid Circular B" panose="020B0504000000000000" pitchFamily="34" charset="0"/>
-                <a:ea typeface="Euclid Circular B" panose="020B0504000000000000" pitchFamily="34" charset="0"/>
-              </a:rPr>
-              <a:t>unit of work</a:t>
-            </a:r>
-            <a:r>
-              <a:rPr lang="en-US" dirty="0">
-                <a:latin typeface="Euclid Circular B" panose="020B0504000000000000" pitchFamily="34" charset="0"/>
-                <a:ea typeface="Euclid Circular B" panose="020B0504000000000000" pitchFamily="34" charset="0"/>
-              </a:rPr>
-              <a:t>,…</a:t>
             </a:r>
           </a:p>
           <a:p>
@@ -10846,7 +10620,7 @@
                                         <p:tgtEl>
                                           <p:spTgt spid="3">
                                             <p:txEl>
-                                              <p:pRg st="2" end="2"/>
+                                              <p:pRg st="1" end="1"/>
                                             </p:txEl>
                                           </p:spTgt>
                                         </p:tgtEl>
@@ -10864,7 +10638,7 @@
                                         <p:tgtEl>
                                           <p:spTgt spid="3">
                                             <p:txEl>
-                                              <p:pRg st="2" end="2"/>
+                                              <p:pRg st="1" end="1"/>
                                             </p:txEl>
                                           </p:spTgt>
                                         </p:tgtEl>
@@ -10907,7 +10681,7 @@
                                         <p:tgtEl>
                                           <p:spTgt spid="3">
                                             <p:txEl>
-                                              <p:pRg st="3" end="3"/>
+                                              <p:pRg st="2" end="2"/>
                                             </p:txEl>
                                           </p:spTgt>
                                         </p:tgtEl>
@@ -10925,7 +10699,7 @@
                                         <p:tgtEl>
                                           <p:spTgt spid="3">
                                             <p:txEl>
-                                              <p:pRg st="3" end="3"/>
+                                              <p:pRg st="2" end="2"/>
                                             </p:txEl>
                                           </p:spTgt>
                                         </p:tgtEl>
@@ -10987,189 +10761,6 @@
                                           <p:spTgt spid="3">
                                             <p:txEl>
                                               <p:pRg st="4" end="4"/>
-                                            </p:txEl>
-                                          </p:spTgt>
-                                        </p:tgtEl>
-                                      </p:cBhvr>
-                                    </p:animEffect>
-                                  </p:childTnLst>
-                                </p:cTn>
-                              </p:par>
-                            </p:childTnLst>
-                          </p:cTn>
-                        </p:par>
-                      </p:childTnLst>
-                    </p:cTn>
-                  </p:par>
-                  <p:par>
-                    <p:cTn id="23" fill="hold">
-                      <p:stCondLst>
-                        <p:cond delay="indefinite"/>
-                      </p:stCondLst>
-                      <p:childTnLst>
-                        <p:par>
-                          <p:cTn id="24" fill="hold">
-                            <p:stCondLst>
-                              <p:cond delay="0"/>
-                            </p:stCondLst>
-                            <p:childTnLst>
-                              <p:par>
-                                <p:cTn id="25" presetID="10" presetClass="entr" presetSubtype="0" fill="hold" nodeType="clickEffect">
-                                  <p:stCondLst>
-                                    <p:cond delay="0"/>
-                                  </p:stCondLst>
-                                  <p:childTnLst>
-                                    <p:set>
-                                      <p:cBhvr>
-                                        <p:cTn id="26" dur="1" fill="hold">
-                                          <p:stCondLst>
-                                            <p:cond delay="0"/>
-                                          </p:stCondLst>
-                                        </p:cTn>
-                                        <p:tgtEl>
-                                          <p:spTgt spid="3">
-                                            <p:txEl>
-                                              <p:pRg st="5" end="5"/>
-                                            </p:txEl>
-                                          </p:spTgt>
-                                        </p:tgtEl>
-                                        <p:attrNameLst>
-                                          <p:attrName>style.visibility</p:attrName>
-                                        </p:attrNameLst>
-                                      </p:cBhvr>
-                                      <p:to>
-                                        <p:strVal val="visible"/>
-                                      </p:to>
-                                    </p:set>
-                                    <p:animEffect transition="in" filter="fade">
-                                      <p:cBhvr>
-                                        <p:cTn id="27" dur="500"/>
-                                        <p:tgtEl>
-                                          <p:spTgt spid="3">
-                                            <p:txEl>
-                                              <p:pRg st="5" end="5"/>
-                                            </p:txEl>
-                                          </p:spTgt>
-                                        </p:tgtEl>
-                                      </p:cBhvr>
-                                    </p:animEffect>
-                                  </p:childTnLst>
-                                </p:cTn>
-                              </p:par>
-                            </p:childTnLst>
-                          </p:cTn>
-                        </p:par>
-                      </p:childTnLst>
-                    </p:cTn>
-                  </p:par>
-                  <p:par>
-                    <p:cTn id="28" fill="hold">
-                      <p:stCondLst>
-                        <p:cond delay="indefinite"/>
-                      </p:stCondLst>
-                      <p:childTnLst>
-                        <p:par>
-                          <p:cTn id="29" fill="hold">
-                            <p:stCondLst>
-                              <p:cond delay="0"/>
-                            </p:stCondLst>
-                            <p:childTnLst>
-                              <p:par>
-                                <p:cTn id="30" presetID="10" presetClass="entr" presetSubtype="0" fill="hold" nodeType="clickEffect">
-                                  <p:stCondLst>
-                                    <p:cond delay="0"/>
-                                  </p:stCondLst>
-                                  <p:childTnLst>
-                                    <p:set>
-                                      <p:cBhvr>
-                                        <p:cTn id="31" dur="1" fill="hold">
-                                          <p:stCondLst>
-                                            <p:cond delay="0"/>
-                                          </p:stCondLst>
-                                        </p:cTn>
-                                        <p:tgtEl>
-                                          <p:spTgt spid="3">
-                                            <p:txEl>
-                                              <p:pRg st="6" end="6"/>
-                                            </p:txEl>
-                                          </p:spTgt>
-                                        </p:tgtEl>
-                                        <p:attrNameLst>
-                                          <p:attrName>style.visibility</p:attrName>
-                                        </p:attrNameLst>
-                                      </p:cBhvr>
-                                      <p:to>
-                                        <p:strVal val="visible"/>
-                                      </p:to>
-                                    </p:set>
-                                    <p:animEffect transition="in" filter="fade">
-                                      <p:cBhvr>
-                                        <p:cTn id="32" dur="500"/>
-                                        <p:tgtEl>
-                                          <p:spTgt spid="3">
-                                            <p:txEl>
-                                              <p:pRg st="6" end="6"/>
-                                            </p:txEl>
-                                          </p:spTgt>
-                                        </p:tgtEl>
-                                      </p:cBhvr>
-                                    </p:animEffect>
-                                  </p:childTnLst>
-                                </p:cTn>
-                              </p:par>
-                            </p:childTnLst>
-                          </p:cTn>
-                        </p:par>
-                      </p:childTnLst>
-                    </p:cTn>
-                  </p:par>
-                  <p:par>
-                    <p:cTn id="33" fill="hold">
-                      <p:stCondLst>
-                        <p:cond delay="indefinite"/>
-                      </p:stCondLst>
-                      <p:childTnLst>
-                        <p:par>
-                          <p:cTn id="34" fill="hold">
-                            <p:stCondLst>
-                              <p:cond delay="0"/>
-                            </p:stCondLst>
-                            <p:childTnLst>
-                              <p:par>
-                                <p:cTn id="35" presetID="10" presetClass="entr" presetSubtype="0" fill="hold" nodeType="clickEffect">
-                                  <p:stCondLst>
-                                    <p:cond delay="0"/>
-                                  </p:stCondLst>
-                                  <p:childTnLst>
-                                    <p:set>
-                                      <p:cBhvr>
-                                        <p:cTn id="36" dur="1" fill="hold">
-                                          <p:stCondLst>
-                                            <p:cond delay="0"/>
-                                          </p:stCondLst>
-                                        </p:cTn>
-                                        <p:tgtEl>
-                                          <p:spTgt spid="3">
-                                            <p:txEl>
-                                              <p:pRg st="8" end="8"/>
-                                            </p:txEl>
-                                          </p:spTgt>
-                                        </p:tgtEl>
-                                        <p:attrNameLst>
-                                          <p:attrName>style.visibility</p:attrName>
-                                        </p:attrNameLst>
-                                      </p:cBhvr>
-                                      <p:to>
-                                        <p:strVal val="visible"/>
-                                      </p:to>
-                                    </p:set>
-                                    <p:animEffect transition="in" filter="fade">
-                                      <p:cBhvr>
-                                        <p:cTn id="37" dur="500"/>
-                                        <p:tgtEl>
-                                          <p:spTgt spid="3">
-                                            <p:txEl>
-                                              <p:pRg st="8" end="8"/>
                                             </p:txEl>
                                           </p:spTgt>
                                         </p:tgtEl>
@@ -11296,7 +10887,7 @@
         </p:blipFill>
         <p:spPr>
           <a:xfrm>
-            <a:off x="673542" y="2003644"/>
+            <a:off x="5161608" y="2243778"/>
             <a:ext cx="2819400" cy="1729426"/>
           </a:xfrm>
           <a:prstGeom prst="rect">
@@ -11340,7 +10931,7 @@
         </p:blipFill>
         <p:spPr bwMode="auto">
           <a:xfrm>
-            <a:off x="8514851" y="1683521"/>
+            <a:off x="636966" y="2241550"/>
             <a:ext cx="3048000" cy="1276350"/>
           </a:xfrm>
           <a:prstGeom prst="rect">
@@ -11372,7 +10963,7 @@
         </p:nvSpPr>
         <p:spPr>
           <a:xfrm>
-            <a:off x="8350193" y="2959871"/>
+            <a:off x="472308" y="3517900"/>
             <a:ext cx="3377316" cy="861774"/>
           </a:xfrm>
           <a:prstGeom prst="rect">
@@ -11442,7 +11033,7 @@
         </p:blipFill>
         <p:spPr bwMode="auto">
           <a:xfrm>
-            <a:off x="4782790" y="2368722"/>
+            <a:off x="9270856" y="2608856"/>
             <a:ext cx="2284178" cy="694514"/>
           </a:xfrm>
           <a:prstGeom prst="rect">
@@ -11474,7 +11065,7 @@
         </p:nvSpPr>
         <p:spPr>
           <a:xfrm>
-            <a:off x="5179912" y="3063236"/>
+            <a:off x="9667978" y="3303370"/>
             <a:ext cx="1698798" cy="369332"/>
           </a:xfrm>
           <a:prstGeom prst="rect">
@@ -11509,7 +11100,7 @@
         </p:nvSpPr>
         <p:spPr>
           <a:xfrm>
-            <a:off x="604015" y="3779656"/>
+            <a:off x="5092081" y="4019790"/>
             <a:ext cx="2961260" cy="400110"/>
           </a:xfrm>
           <a:prstGeom prst="rect">
@@ -11544,7 +11135,7 @@
         </p:nvSpPr>
         <p:spPr>
           <a:xfrm>
-            <a:off x="3660577" y="1794078"/>
+            <a:off x="8148643" y="2034212"/>
             <a:ext cx="950901" cy="1938992"/>
           </a:xfrm>
           <a:prstGeom prst="rect">
@@ -11583,7 +11174,7 @@
         </p:nvSpPr>
         <p:spPr>
           <a:xfrm>
-            <a:off x="7231626" y="1706729"/>
+            <a:off x="3846757" y="2138995"/>
             <a:ext cx="950901" cy="1938992"/>
           </a:xfrm>
           <a:prstGeom prst="rect">
@@ -11637,7 +11228,7 @@
         </p:blipFill>
         <p:spPr bwMode="auto">
           <a:xfrm>
-            <a:off x="1172160" y="4339065"/>
+            <a:off x="5861756" y="4466486"/>
             <a:ext cx="1332506" cy="344728"/>
           </a:xfrm>
           <a:prstGeom prst="rect">
@@ -11684,7 +11275,7 @@
         </p:blipFill>
         <p:spPr bwMode="auto">
           <a:xfrm>
-            <a:off x="953876" y="4771532"/>
+            <a:off x="5643472" y="4898953"/>
             <a:ext cx="1548309" cy="400558"/>
           </a:xfrm>
           <a:prstGeom prst="rect">
@@ -11731,7 +11322,7 @@
         </p:blipFill>
         <p:spPr bwMode="auto">
           <a:xfrm>
-            <a:off x="1172162" y="5227852"/>
+            <a:off x="5861758" y="5355273"/>
             <a:ext cx="1253987" cy="349026"/>
           </a:xfrm>
           <a:prstGeom prst="rect">
@@ -11763,7 +11354,7 @@
         </p:nvSpPr>
         <p:spPr>
           <a:xfrm>
-            <a:off x="1153776" y="5632640"/>
+            <a:off x="5843372" y="5760061"/>
             <a:ext cx="2137636" cy="400110"/>
           </a:xfrm>
           <a:prstGeom prst="rect">
@@ -11798,7 +11389,7 @@
         </p:nvSpPr>
         <p:spPr>
           <a:xfrm>
-            <a:off x="6966408" y="4571925"/>
+            <a:off x="472308" y="4923927"/>
             <a:ext cx="4761101" cy="1200329"/>
           </a:xfrm>
           <a:prstGeom prst="rect">
@@ -11980,33 +11571,15 @@
                                   </p:childTnLst>
                                 </p:cTn>
                               </p:par>
-                            </p:childTnLst>
-                          </p:cTn>
-                        </p:par>
-                      </p:childTnLst>
-                    </p:cTn>
-                  </p:par>
-                  <p:par>
-                    <p:cTn id="11" fill="hold">
-                      <p:stCondLst>
-                        <p:cond delay="indefinite"/>
-                      </p:stCondLst>
-                      <p:childTnLst>
-                        <p:par>
-                          <p:cTn id="12" fill="hold">
-                            <p:stCondLst>
-                              <p:cond delay="0"/>
-                            </p:stCondLst>
-                            <p:childTnLst>
                               <p:par>
-                                <p:cTn id="13" presetID="10" presetClass="entr" presetSubtype="0" fill="hold" nodeType="clickEffect">
+                                <p:cTn id="11" presetID="10" presetClass="entr" presetSubtype="0" fill="hold" nodeType="withEffect">
                                   <p:stCondLst>
                                     <p:cond delay="0"/>
                                   </p:stCondLst>
                                   <p:childTnLst>
                                     <p:set>
                                       <p:cBhvr>
-                                        <p:cTn id="14" dur="1" fill="hold">
+                                        <p:cTn id="12" dur="1" fill="hold">
                                           <p:stCondLst>
                                             <p:cond delay="0"/>
                                           </p:stCondLst>
@@ -12024,7 +11597,7 @@
                                     </p:set>
                                     <p:animEffect transition="in" filter="fade">
                                       <p:cBhvr>
-                                        <p:cTn id="15" dur="500"/>
+                                        <p:cTn id="13" dur="500"/>
                                         <p:tgtEl>
                                           <p:spTgt spid="1032"/>
                                         </p:tgtEl>
@@ -12034,14 +11607,14 @@
                                 </p:cTn>
                               </p:par>
                               <p:par>
-                                <p:cTn id="16" presetID="10" presetClass="entr" presetSubtype="0" fill="hold" nodeType="withEffect">
+                                <p:cTn id="14" presetID="10" presetClass="entr" presetSubtype="0" fill="hold" nodeType="withEffect">
                                   <p:stCondLst>
                                     <p:cond delay="0"/>
                                   </p:stCondLst>
                                   <p:childTnLst>
                                     <p:set>
                                       <p:cBhvr>
-                                        <p:cTn id="17" dur="1" fill="hold">
+                                        <p:cTn id="15" dur="1" fill="hold">
                                           <p:stCondLst>
                                             <p:cond delay="0"/>
                                           </p:stCondLst>
@@ -12059,7 +11632,7 @@
                                     </p:set>
                                     <p:animEffect transition="in" filter="fade">
                                       <p:cBhvr>
-                                        <p:cTn id="18" dur="500"/>
+                                        <p:cTn id="16" dur="500"/>
                                         <p:tgtEl>
                                           <p:spTgt spid="1034"/>
                                         </p:tgtEl>
@@ -12069,14 +11642,14 @@
                                 </p:cTn>
                               </p:par>
                               <p:par>
-                                <p:cTn id="19" presetID="10" presetClass="entr" presetSubtype="0" fill="hold" nodeType="withEffect">
+                                <p:cTn id="17" presetID="10" presetClass="entr" presetSubtype="0" fill="hold" nodeType="withEffect">
                                   <p:stCondLst>
                                     <p:cond delay="0"/>
                                   </p:stCondLst>
                                   <p:childTnLst>
                                     <p:set>
                                       <p:cBhvr>
-                                        <p:cTn id="20" dur="1" fill="hold">
+                                        <p:cTn id="18" dur="1" fill="hold">
                                           <p:stCondLst>
                                             <p:cond delay="0"/>
                                           </p:stCondLst>
@@ -12094,7 +11667,7 @@
                                     </p:set>
                                     <p:animEffect transition="in" filter="fade">
                                       <p:cBhvr>
-                                        <p:cTn id="21" dur="500"/>
+                                        <p:cTn id="19" dur="500"/>
                                         <p:tgtEl>
                                           <p:spTgt spid="1036"/>
                                         </p:tgtEl>
@@ -12104,14 +11677,14 @@
                                 </p:cTn>
                               </p:par>
                               <p:par>
-                                <p:cTn id="22" presetID="10" presetClass="entr" presetSubtype="0" fill="hold" grpId="0" nodeType="withEffect">
+                                <p:cTn id="20" presetID="10" presetClass="entr" presetSubtype="0" fill="hold" grpId="0" nodeType="withEffect">
                                   <p:stCondLst>
                                     <p:cond delay="0"/>
                                   </p:stCondLst>
                                   <p:childTnLst>
                                     <p:set>
                                       <p:cBhvr>
-                                        <p:cTn id="23" dur="1" fill="hold">
+                                        <p:cTn id="21" dur="1" fill="hold">
                                           <p:stCondLst>
                                             <p:cond delay="0"/>
                                           </p:stCondLst>
@@ -12129,9 +11702,44 @@
                                     </p:set>
                                     <p:animEffect transition="in" filter="fade">
                                       <p:cBhvr>
-                                        <p:cTn id="24" dur="500"/>
+                                        <p:cTn id="22" dur="500"/>
                                         <p:tgtEl>
                                           <p:spTgt spid="20"/>
+                                        </p:tgtEl>
+                                      </p:cBhvr>
+                                    </p:animEffect>
+                                  </p:childTnLst>
+                                </p:cTn>
+                              </p:par>
+                              <p:par>
+                                <p:cTn id="23" presetID="10" presetClass="entr" presetSubtype="0" fill="hold" grpId="0" nodeType="withEffect">
+                                  <p:stCondLst>
+                                    <p:cond delay="0"/>
+                                  </p:stCondLst>
+                                  <p:childTnLst>
+                                    <p:set>
+                                      <p:cBhvr>
+                                        <p:cTn id="24" dur="1" fill="hold">
+                                          <p:stCondLst>
+                                            <p:cond delay="0"/>
+                                          </p:stCondLst>
+                                        </p:cTn>
+                                        <p:tgtEl>
+                                          <p:spTgt spid="16"/>
+                                        </p:tgtEl>
+                                        <p:attrNameLst>
+                                          <p:attrName>style.visibility</p:attrName>
+                                        </p:attrNameLst>
+                                      </p:cBhvr>
+                                      <p:to>
+                                        <p:strVal val="visible"/>
+                                      </p:to>
+                                    </p:set>
+                                    <p:animEffect transition="in" filter="fade">
+                                      <p:cBhvr>
+                                        <p:cTn id="25" dur="500"/>
+                                        <p:tgtEl>
+                                          <p:spTgt spid="16"/>
                                         </p:tgtEl>
                                       </p:cBhvr>
                                     </p:animEffect>
@@ -12145,26 +11753,26 @@
                     </p:cTn>
                   </p:par>
                   <p:par>
-                    <p:cTn id="25" fill="hold">
+                    <p:cTn id="26" fill="hold">
                       <p:stCondLst>
                         <p:cond delay="indefinite"/>
                       </p:stCondLst>
                       <p:childTnLst>
                         <p:par>
-                          <p:cTn id="26" fill="hold">
+                          <p:cTn id="27" fill="hold">
                             <p:stCondLst>
                               <p:cond delay="0"/>
                             </p:stCondLst>
                             <p:childTnLst>
                               <p:par>
-                                <p:cTn id="27" presetID="10" presetClass="entr" presetSubtype="0" fill="hold" nodeType="clickEffect">
+                                <p:cTn id="28" presetID="10" presetClass="entr" presetSubtype="0" fill="hold" nodeType="clickEffect">
                                   <p:stCondLst>
                                     <p:cond delay="0"/>
                                   </p:stCondLst>
                                   <p:childTnLst>
                                     <p:set>
                                       <p:cBhvr>
-                                        <p:cTn id="28" dur="1" fill="hold">
+                                        <p:cTn id="29" dur="1" fill="hold">
                                           <p:stCondLst>
                                             <p:cond delay="0"/>
                                           </p:stCondLst>
@@ -12182,7 +11790,7 @@
                                     </p:set>
                                     <p:animEffect transition="in" filter="fade">
                                       <p:cBhvr>
-                                        <p:cTn id="29" dur="500"/>
+                                        <p:cTn id="30" dur="500"/>
                                         <p:tgtEl>
                                           <p:spTgt spid="1030"/>
                                         </p:tgtEl>
@@ -12192,14 +11800,14 @@
                                 </p:cTn>
                               </p:par>
                               <p:par>
-                                <p:cTn id="30" presetID="10" presetClass="entr" presetSubtype="0" fill="hold" grpId="0" nodeType="withEffect">
+                                <p:cTn id="31" presetID="10" presetClass="entr" presetSubtype="0" fill="hold" grpId="0" nodeType="withEffect">
                                   <p:stCondLst>
                                     <p:cond delay="0"/>
                                   </p:stCondLst>
                                   <p:childTnLst>
                                     <p:set>
                                       <p:cBhvr>
-                                        <p:cTn id="31" dur="1" fill="hold">
+                                        <p:cTn id="32" dur="1" fill="hold">
                                           <p:stCondLst>
                                             <p:cond delay="0"/>
                                           </p:stCondLst>
@@ -12217,7 +11825,7 @@
                                     </p:set>
                                     <p:animEffect transition="in" filter="fade">
                                       <p:cBhvr>
-                                        <p:cTn id="32" dur="500"/>
+                                        <p:cTn id="33" dur="500"/>
                                         <p:tgtEl>
                                           <p:spTgt spid="10"/>
                                         </p:tgtEl>
@@ -12227,14 +11835,14 @@
                                 </p:cTn>
                               </p:par>
                               <p:par>
-                                <p:cTn id="33" presetID="10" presetClass="entr" presetSubtype="0" fill="hold" grpId="0" nodeType="withEffect">
+                                <p:cTn id="34" presetID="10" presetClass="entr" presetSubtype="0" fill="hold" grpId="0" nodeType="withEffect">
                                   <p:stCondLst>
                                     <p:cond delay="0"/>
                                   </p:stCondLst>
                                   <p:childTnLst>
                                     <p:set>
                                       <p:cBhvr>
-                                        <p:cTn id="34" dur="1" fill="hold">
+                                        <p:cTn id="35" dur="1" fill="hold">
                                           <p:stCondLst>
                                             <p:cond delay="0"/>
                                           </p:stCondLst>
@@ -12252,7 +11860,7 @@
                                     </p:set>
                                     <p:animEffect transition="in" filter="fade">
                                       <p:cBhvr>
-                                        <p:cTn id="35" dur="500"/>
+                                        <p:cTn id="36" dur="500"/>
                                         <p:tgtEl>
                                           <p:spTgt spid="12"/>
                                         </p:tgtEl>
@@ -12268,32 +11876,32 @@
                     </p:cTn>
                   </p:par>
                   <p:par>
-                    <p:cTn id="36" fill="hold">
+                    <p:cTn id="37" fill="hold">
                       <p:stCondLst>
                         <p:cond delay="indefinite"/>
                       </p:stCondLst>
                       <p:childTnLst>
                         <p:par>
-                          <p:cTn id="37" fill="hold">
+                          <p:cTn id="38" fill="hold">
                             <p:stCondLst>
                               <p:cond delay="0"/>
                             </p:stCondLst>
                             <p:childTnLst>
                               <p:par>
-                                <p:cTn id="38" presetID="10" presetClass="entr" presetSubtype="0" fill="hold" nodeType="clickEffect">
+                                <p:cTn id="39" presetID="10" presetClass="entr" presetSubtype="0" fill="hold" grpId="0" nodeType="clickEffect">
                                   <p:stCondLst>
                                     <p:cond delay="0"/>
                                   </p:stCondLst>
                                   <p:childTnLst>
                                     <p:set>
                                       <p:cBhvr>
-                                        <p:cTn id="39" dur="1" fill="hold">
+                                        <p:cTn id="40" dur="1" fill="hold">
                                           <p:stCondLst>
                                             <p:cond delay="0"/>
                                           </p:stCondLst>
                                         </p:cTn>
                                         <p:tgtEl>
-                                          <p:spTgt spid="1026"/>
+                                          <p:spTgt spid="21"/>
                                         </p:tgtEl>
                                         <p:attrNameLst>
                                           <p:attrName>style.visibility</p:attrName>
@@ -12305,112 +11913,7 @@
                                     </p:set>
                                     <p:animEffect transition="in" filter="fade">
                                       <p:cBhvr>
-                                        <p:cTn id="40" dur="500"/>
-                                        <p:tgtEl>
-                                          <p:spTgt spid="1026"/>
-                                        </p:tgtEl>
-                                      </p:cBhvr>
-                                    </p:animEffect>
-                                  </p:childTnLst>
-                                </p:cTn>
-                              </p:par>
-                              <p:par>
-                                <p:cTn id="41" presetID="10" presetClass="entr" presetSubtype="0" fill="hold" grpId="0" nodeType="withEffect">
-                                  <p:stCondLst>
-                                    <p:cond delay="0"/>
-                                  </p:stCondLst>
-                                  <p:childTnLst>
-                                    <p:set>
-                                      <p:cBhvr>
-                                        <p:cTn id="42" dur="1" fill="hold">
-                                          <p:stCondLst>
-                                            <p:cond delay="0"/>
-                                          </p:stCondLst>
-                                        </p:cTn>
-                                        <p:tgtEl>
-                                          <p:spTgt spid="9"/>
-                                        </p:tgtEl>
-                                        <p:attrNameLst>
-                                          <p:attrName>style.visibility</p:attrName>
-                                        </p:attrNameLst>
-                                      </p:cBhvr>
-                                      <p:to>
-                                        <p:strVal val="visible"/>
-                                      </p:to>
-                                    </p:set>
-                                    <p:animEffect transition="in" filter="fade">
-                                      <p:cBhvr>
-                                        <p:cTn id="43" dur="500"/>
-                                        <p:tgtEl>
-                                          <p:spTgt spid="9"/>
-                                        </p:tgtEl>
-                                      </p:cBhvr>
-                                    </p:animEffect>
-                                  </p:childTnLst>
-                                </p:cTn>
-                              </p:par>
-                              <p:par>
-                                <p:cTn id="44" presetID="10" presetClass="entr" presetSubtype="0" fill="hold" grpId="0" nodeType="withEffect">
-                                  <p:stCondLst>
-                                    <p:cond delay="0"/>
-                                  </p:stCondLst>
-                                  <p:childTnLst>
-                                    <p:set>
-                                      <p:cBhvr>
-                                        <p:cTn id="45" dur="1" fill="hold">
-                                          <p:stCondLst>
-                                            <p:cond delay="0"/>
-                                          </p:stCondLst>
-                                        </p:cTn>
-                                        <p:tgtEl>
-                                          <p:spTgt spid="16"/>
-                                        </p:tgtEl>
-                                        <p:attrNameLst>
-                                          <p:attrName>style.visibility</p:attrName>
-                                        </p:attrNameLst>
-                                      </p:cBhvr>
-                                      <p:to>
-                                        <p:strVal val="visible"/>
-                                      </p:to>
-                                    </p:set>
-                                    <p:animEffect transition="in" filter="fade">
-                                      <p:cBhvr>
-                                        <p:cTn id="46" dur="500"/>
-                                        <p:tgtEl>
-                                          <p:spTgt spid="16"/>
-                                        </p:tgtEl>
-                                      </p:cBhvr>
-                                    </p:animEffect>
-                                  </p:childTnLst>
-                                </p:cTn>
-                              </p:par>
-                              <p:par>
-                                <p:cTn id="47" presetID="10" presetClass="entr" presetSubtype="0" fill="hold" grpId="0" nodeType="withEffect">
-                                  <p:stCondLst>
-                                    <p:cond delay="0"/>
-                                  </p:stCondLst>
-                                  <p:childTnLst>
-                                    <p:set>
-                                      <p:cBhvr>
-                                        <p:cTn id="48" dur="1" fill="hold">
-                                          <p:stCondLst>
-                                            <p:cond delay="0"/>
-                                          </p:stCondLst>
-                                        </p:cTn>
-                                        <p:tgtEl>
-                                          <p:spTgt spid="21"/>
-                                        </p:tgtEl>
-                                        <p:attrNameLst>
-                                          <p:attrName>style.visibility</p:attrName>
-                                        </p:attrNameLst>
-                                      </p:cBhvr>
-                                      <p:to>
-                                        <p:strVal val="visible"/>
-                                      </p:to>
-                                    </p:set>
-                                    <p:animEffect transition="in" filter="fade">
-                                      <p:cBhvr>
-                                        <p:cTn id="49" dur="500"/>
+                                        <p:cTn id="41" dur="500"/>
                                         <p:tgtEl>
                                           <p:spTgt spid="21"/>
                                         </p:tgtEl>
@@ -12447,7 +11950,6 @@
       </p:par>
     </p:tnLst>
     <p:bldLst>
-      <p:bldP spid="9" grpId="0"/>
       <p:bldP spid="10" grpId="0"/>
       <p:bldP spid="13" grpId="0"/>
       <p:bldP spid="12" grpId="0"/>

--- a/2022-07-20 Dotnet Foundation Summit 2022/ABP-DNF-Summit-2022.pptx
+++ b/2022-07-20 Dotnet Foundation Summit 2022/ABP-DNF-Summit-2022.pptx
@@ -12066,7 +12066,7 @@
                 <a:latin typeface="Euclid Circular B" panose="020B0504000000000000" pitchFamily="34" charset="0"/>
                 <a:ea typeface="Euclid Circular B" panose="020B0504000000000000" pitchFamily="34" charset="0"/>
               </a:rPr>
-              <a:t>(Distributed event bus, inter-microservice calls)</a:t>
+              <a:t>and distributed applications</a:t>
             </a:r>
           </a:p>
           <a:p>
@@ -12075,15 +12075,12 @@
                 <a:latin typeface="Euclid Circular B" panose="020B0504000000000000" pitchFamily="34" charset="0"/>
                 <a:ea typeface="Euclid Circular B" panose="020B0504000000000000" pitchFamily="34" charset="0"/>
               </a:rPr>
-              <a:t>Polyglot persistence </a:t>
-            </a:r>
-            <a:r>
-              <a:rPr lang="en-US" sz="2400" dirty="0">
-                <a:latin typeface="Euclid Circular B" panose="020B0504000000000000" pitchFamily="34" charset="0"/>
-                <a:ea typeface="Euclid Circular B" panose="020B0504000000000000" pitchFamily="34" charset="0"/>
-              </a:rPr>
-              <a:t>(Built-in EF Core &amp; MongoDB support)</a:t>
-            </a:r>
+              <a:t>Polyglot persistence</a:t>
+            </a:r>
+            <a:endParaRPr lang="en-US" sz="2400" dirty="0">
+              <a:latin typeface="Euclid Circular B" panose="020B0504000000000000" pitchFamily="34" charset="0"/>
+              <a:ea typeface="Euclid Circular B" panose="020B0504000000000000" pitchFamily="34" charset="0"/>
+            </a:endParaRPr>
           </a:p>
           <a:p>
             <a:r>
@@ -12093,21 +12090,32 @@
               </a:rPr>
               <a:t>Complete modularity</a:t>
             </a:r>
+            <a:endParaRPr lang="en-US" sz="2400" dirty="0">
+              <a:latin typeface="Euclid Circular B" panose="020B0504000000000000" pitchFamily="34" charset="0"/>
+              <a:ea typeface="Euclid Circular B" panose="020B0504000000000000" pitchFamily="34" charset="0"/>
+            </a:endParaRPr>
+          </a:p>
+          <a:p>
             <a:r>
               <a:rPr lang="en-US" sz="2400" dirty="0">
                 <a:latin typeface="Euclid Circular B" panose="020B0504000000000000" pitchFamily="34" charset="0"/>
                 <a:ea typeface="Euclid Circular B" panose="020B0504000000000000" pitchFamily="34" charset="0"/>
               </a:rPr>
-              <a:t> (microservice-compatible modules)</a:t>
-            </a:r>
-          </a:p>
-          <a:p>
+              <a:t>Introduction of, </a:t>
+            </a:r>
+            <a:r>
+              <a:rPr lang="en-US" sz="2400" b="1" dirty="0">
+                <a:latin typeface="Euclid Circular B" panose="020B0504000000000000" pitchFamily="34" charset="0"/>
+                <a:ea typeface="Euclid Circular B" panose="020B0504000000000000" pitchFamily="34" charset="0"/>
+              </a:rPr>
+              <a:t>.NET Core</a:t>
+            </a:r>
             <a:r>
               <a:rPr lang="en-US" sz="2400" dirty="0">
                 <a:latin typeface="Euclid Circular B" panose="020B0504000000000000" pitchFamily="34" charset="0"/>
                 <a:ea typeface="Euclid Circular B" panose="020B0504000000000000" pitchFamily="34" charset="0"/>
               </a:rPr>
-              <a:t>Introduction of </a:t>
+              <a:t>, </a:t>
             </a:r>
             <a:r>
               <a:rPr lang="en-US" sz="2400" b="1" dirty="0">
@@ -12135,10 +12143,10 @@
       </p:sp>
       <p:pic>
         <p:nvPicPr>
-          <p:cNvPr id="9" name="Picture 8">
-            <a:extLst>
-              <a:ext uri="{FF2B5EF4-FFF2-40B4-BE49-F238E27FC236}">
-                <a16:creationId xmlns:a16="http://schemas.microsoft.com/office/drawing/2014/main" id="{A416D9A5-A3CC-C8D9-55F5-341CDCC6E250}"/>
+          <p:cNvPr id="5" name="Picture 4">
+            <a:extLst>
+              <a:ext uri="{FF2B5EF4-FFF2-40B4-BE49-F238E27FC236}">
+                <a16:creationId xmlns:a16="http://schemas.microsoft.com/office/drawing/2014/main" id="{9BCEDC61-EEE5-5688-653D-F4FA834B0631}"/>
               </a:ext>
             </a:extLst>
           </p:cNvPr>
@@ -12155,8 +12163,38 @@
         </p:blipFill>
         <p:spPr>
           <a:xfrm>
-            <a:off x="2023880" y="3826473"/>
-            <a:ext cx="8144240" cy="2666402"/>
+            <a:off x="838200" y="3697358"/>
+            <a:ext cx="7702897" cy="1871732"/>
+          </a:xfrm>
+          <a:prstGeom prst="rect">
+            <a:avLst/>
+          </a:prstGeom>
+        </p:spPr>
+      </p:pic>
+      <p:pic>
+        <p:nvPicPr>
+          <p:cNvPr id="7" name="Picture 6">
+            <a:extLst>
+              <a:ext uri="{FF2B5EF4-FFF2-40B4-BE49-F238E27FC236}">
+                <a16:creationId xmlns:a16="http://schemas.microsoft.com/office/drawing/2014/main" id="{28C91FA0-C41E-F8DD-C2EC-E144FFD0CFE9}"/>
+              </a:ext>
+            </a:extLst>
+          </p:cNvPr>
+          <p:cNvPicPr>
+            <a:picLocks noChangeAspect="1"/>
+          </p:cNvPicPr>
+          <p:nvPr/>
+        </p:nvPicPr>
+        <p:blipFill>
+          <a:blip r:embed="rId4"/>
+          <a:stretch>
+            <a:fillRect/>
+          </a:stretch>
+        </p:blipFill>
+        <p:spPr>
+          <a:xfrm>
+            <a:off x="3515713" y="4823672"/>
+            <a:ext cx="6940255" cy="1602150"/>
           </a:xfrm>
           <a:prstGeom prst="rect">
             <a:avLst/>
@@ -12451,7 +12489,7 @@
                                           </p:stCondLst>
                                         </p:cTn>
                                         <p:tgtEl>
-                                          <p:spTgt spid="9"/>
+                                          <p:spTgt spid="5"/>
                                         </p:tgtEl>
                                         <p:attrNameLst>
                                           <p:attrName>style.visibility</p:attrName>
@@ -12465,7 +12503,42 @@
                                       <p:cBhvr>
                                         <p:cTn id="27" dur="500"/>
                                         <p:tgtEl>
-                                          <p:spTgt spid="9"/>
+                                          <p:spTgt spid="5"/>
+                                        </p:tgtEl>
+                                      </p:cBhvr>
+                                    </p:animEffect>
+                                  </p:childTnLst>
+                                </p:cTn>
+                              </p:par>
+                              <p:par>
+                                <p:cTn id="28" presetID="10" presetClass="entr" presetSubtype="0" fill="hold" nodeType="withEffect">
+                                  <p:stCondLst>
+                                    <p:cond delay="0"/>
+                                  </p:stCondLst>
+                                  <p:childTnLst>
+                                    <p:set>
+                                      <p:cBhvr>
+                                        <p:cTn id="29" dur="1" fill="hold">
+                                          <p:stCondLst>
+                                            <p:cond delay="0"/>
+                                          </p:stCondLst>
+                                        </p:cTn>
+                                        <p:tgtEl>
+                                          <p:spTgt spid="7"/>
+                                        </p:tgtEl>
+                                        <p:attrNameLst>
+                                          <p:attrName>style.visibility</p:attrName>
+                                        </p:attrNameLst>
+                                      </p:cBhvr>
+                                      <p:to>
+                                        <p:strVal val="visible"/>
+                                      </p:to>
+                                    </p:set>
+                                    <p:animEffect transition="in" filter="fade">
+                                      <p:cBhvr>
+                                        <p:cTn id="30" dur="500"/>
+                                        <p:tgtEl>
+                                          <p:spTgt spid="7"/>
                                         </p:tgtEl>
                                       </p:cBhvr>
                                     </p:animEffect>
@@ -12616,7 +12689,7 @@
         </p:blipFill>
         <p:spPr>
           <a:xfrm>
-            <a:off x="5601239" y="3362540"/>
+            <a:off x="5760261" y="3100155"/>
             <a:ext cx="1498572" cy="1498572"/>
           </a:xfrm>
           <a:prstGeom prst="rect">
@@ -12638,7 +12711,7 @@
         </p:nvSpPr>
         <p:spPr>
           <a:xfrm>
-            <a:off x="3847003" y="3203337"/>
+            <a:off x="4006025" y="2940952"/>
             <a:ext cx="1918066" cy="446634"/>
           </a:xfrm>
           <a:prstGeom prst="rect">
@@ -12718,7 +12791,7 @@
         </p:blipFill>
         <p:spPr>
           <a:xfrm>
-            <a:off x="3894707" y="3244091"/>
+            <a:off x="4053729" y="2981706"/>
             <a:ext cx="365125" cy="365125"/>
           </a:xfrm>
           <a:prstGeom prst="rect">
@@ -12740,7 +12813,7 @@
         </p:nvSpPr>
         <p:spPr>
           <a:xfrm>
-            <a:off x="6935983" y="3203337"/>
+            <a:off x="7095005" y="2940952"/>
             <a:ext cx="1991909" cy="446634"/>
           </a:xfrm>
           <a:prstGeom prst="rect">
@@ -12818,7 +12891,7 @@
         </p:blipFill>
         <p:spPr>
           <a:xfrm>
-            <a:off x="6994612" y="3250605"/>
+            <a:off x="7153634" y="2988220"/>
             <a:ext cx="358612" cy="358612"/>
           </a:xfrm>
           <a:prstGeom prst="rect">
@@ -12843,7 +12916,7 @@
         </p:nvSpPr>
         <p:spPr>
           <a:xfrm>
-            <a:off x="5378022" y="4637795"/>
+            <a:off x="5537044" y="4375410"/>
             <a:ext cx="1991909" cy="446634"/>
           </a:xfrm>
           <a:prstGeom prst="rect">
@@ -12918,7 +12991,7 @@
         </p:blipFill>
         <p:spPr>
           <a:xfrm>
-            <a:off x="5415141" y="4680225"/>
+            <a:off x="5574163" y="4417840"/>
             <a:ext cx="373380" cy="373380"/>
           </a:xfrm>
           <a:prstGeom prst="rect">
@@ -12954,7 +13027,7 @@
         </p:blipFill>
         <p:spPr>
           <a:xfrm>
-            <a:off x="5107580" y="1475491"/>
+            <a:off x="5266602" y="1213106"/>
             <a:ext cx="609524" cy="609524"/>
           </a:xfrm>
           <a:prstGeom prst="rect">
@@ -12990,7 +13063,7 @@
         </p:blipFill>
         <p:spPr>
           <a:xfrm>
-            <a:off x="4658853" y="1555890"/>
+            <a:off x="4817875" y="1293505"/>
             <a:ext cx="354457" cy="354457"/>
           </a:xfrm>
           <a:prstGeom prst="rect">
@@ -13012,7 +13085,7 @@
         </p:nvSpPr>
         <p:spPr>
           <a:xfrm>
-            <a:off x="4658853" y="1915860"/>
+            <a:off x="4817875" y="1653475"/>
             <a:ext cx="1129668" cy="584775"/>
           </a:xfrm>
           <a:prstGeom prst="rect">
@@ -13069,7 +13142,7 @@
         </p:blipFill>
         <p:spPr>
           <a:xfrm>
-            <a:off x="3179353" y="1814357"/>
+            <a:off x="3338375" y="1551972"/>
             <a:ext cx="429057" cy="429057"/>
           </a:xfrm>
           <a:prstGeom prst="rect">
@@ -13091,7 +13164,7 @@
         </p:nvSpPr>
         <p:spPr>
           <a:xfrm>
-            <a:off x="3533402" y="1752037"/>
+            <a:off x="3692424" y="1489652"/>
             <a:ext cx="1031181" cy="584775"/>
           </a:xfrm>
           <a:prstGeom prst="rect">
@@ -13147,7 +13220,7 @@
         </p:blipFill>
         <p:spPr>
           <a:xfrm>
-            <a:off x="2231933" y="2032653"/>
+            <a:off x="2390955" y="1770268"/>
             <a:ext cx="838986" cy="838986"/>
           </a:xfrm>
           <a:prstGeom prst="rect">
@@ -13169,7 +13242,7 @@
         </p:nvSpPr>
         <p:spPr>
           <a:xfrm>
-            <a:off x="2454516" y="2569953"/>
+            <a:off x="2613538" y="2307568"/>
             <a:ext cx="431528" cy="338554"/>
           </a:xfrm>
           <a:prstGeom prst="rect">
@@ -13204,7 +13277,7 @@
         </p:nvSpPr>
         <p:spPr>
           <a:xfrm>
-            <a:off x="2311922" y="4149340"/>
+            <a:off x="2470944" y="3886955"/>
             <a:ext cx="968022" cy="338554"/>
           </a:xfrm>
           <a:prstGeom prst="rect">
@@ -13239,7 +13312,7 @@
         </p:nvSpPr>
         <p:spPr>
           <a:xfrm>
-            <a:off x="1583508" y="3609216"/>
+            <a:off x="1742530" y="3346831"/>
             <a:ext cx="1382110" cy="338554"/>
           </a:xfrm>
           <a:prstGeom prst="rect">
@@ -13274,7 +13347,7 @@
         </p:nvSpPr>
         <p:spPr>
           <a:xfrm>
-            <a:off x="1583508" y="3034060"/>
+            <a:off x="1742530" y="2771675"/>
             <a:ext cx="1309974" cy="338554"/>
           </a:xfrm>
           <a:prstGeom prst="rect">
@@ -13309,7 +13382,7 @@
         </p:nvSpPr>
         <p:spPr>
           <a:xfrm>
-            <a:off x="3778094" y="4149340"/>
+            <a:off x="3937116" y="3886955"/>
             <a:ext cx="1320874" cy="338554"/>
           </a:xfrm>
           <a:prstGeom prst="rect">
@@ -13358,7 +13431,7 @@
         </p:blipFill>
         <p:spPr>
           <a:xfrm>
-            <a:off x="3488229" y="4169089"/>
+            <a:off x="3647251" y="3906704"/>
             <a:ext cx="318805" cy="318805"/>
           </a:xfrm>
           <a:prstGeom prst="rect">
@@ -13394,7 +13467,7 @@
         </p:blipFill>
         <p:spPr>
           <a:xfrm>
-            <a:off x="2060655" y="4168641"/>
+            <a:off x="2219677" y="3906256"/>
             <a:ext cx="327789" cy="327789"/>
           </a:xfrm>
           <a:prstGeom prst="rect">
@@ -13430,7 +13503,7 @@
         </p:blipFill>
         <p:spPr>
           <a:xfrm>
-            <a:off x="1344735" y="3052914"/>
+            <a:off x="1503757" y="2790529"/>
             <a:ext cx="304762" cy="304762"/>
           </a:xfrm>
           <a:prstGeom prst="rect">
@@ -13466,7 +13539,7 @@
         </p:blipFill>
         <p:spPr>
           <a:xfrm>
-            <a:off x="1346693" y="3597260"/>
+            <a:off x="1505715" y="3334875"/>
             <a:ext cx="338554" cy="338554"/>
           </a:xfrm>
           <a:prstGeom prst="rect">
@@ -13502,7 +13575,7 @@
         </p:blipFill>
         <p:spPr>
           <a:xfrm>
-            <a:off x="544898" y="4874311"/>
+            <a:off x="703920" y="4611926"/>
             <a:ext cx="1236768" cy="242504"/>
           </a:xfrm>
           <a:prstGeom prst="rect">
@@ -13524,7 +13597,7 @@
         </p:nvSpPr>
         <p:spPr>
           <a:xfrm>
-            <a:off x="640730" y="5238305"/>
+            <a:off x="799752" y="4975920"/>
             <a:ext cx="1422184" cy="369332"/>
           </a:xfrm>
           <a:prstGeom prst="rect">
@@ -13574,7 +13647,7 @@
         </p:blipFill>
         <p:spPr>
           <a:xfrm>
-            <a:off x="8225389" y="1871151"/>
+            <a:off x="8384411" y="1608766"/>
             <a:ext cx="429057" cy="429057"/>
           </a:xfrm>
           <a:prstGeom prst="rect">
@@ -13596,7 +13669,7 @@
         </p:nvSpPr>
         <p:spPr>
           <a:xfrm>
-            <a:off x="8579438" y="1808831"/>
+            <a:off x="8738460" y="1546446"/>
             <a:ext cx="1301575" cy="584775"/>
           </a:xfrm>
           <a:prstGeom prst="rect">
@@ -13638,7 +13711,7 @@
         </p:nvSpPr>
         <p:spPr>
           <a:xfrm>
-            <a:off x="10244576" y="3270662"/>
+            <a:off x="10403598" y="3008277"/>
             <a:ext cx="1242520" cy="338554"/>
           </a:xfrm>
           <a:prstGeom prst="rect">
@@ -13673,7 +13746,7 @@
         </p:nvSpPr>
         <p:spPr>
           <a:xfrm>
-            <a:off x="10246534" y="2573680"/>
+            <a:off x="10405556" y="2311295"/>
             <a:ext cx="1170385" cy="338554"/>
           </a:xfrm>
           <a:prstGeom prst="rect">
@@ -13722,7 +13795,7 @@
         </p:blipFill>
         <p:spPr>
           <a:xfrm>
-            <a:off x="9630217" y="3890678"/>
+            <a:off x="9789239" y="3628293"/>
             <a:ext cx="1364611" cy="304763"/>
           </a:xfrm>
           <a:prstGeom prst="rect">
@@ -13759,7 +13832,7 @@
         </p:blipFill>
         <p:spPr bwMode="auto">
           <a:xfrm>
-            <a:off x="9386044" y="4496430"/>
+            <a:off x="9545066" y="4234045"/>
             <a:ext cx="1501114" cy="309242"/>
           </a:xfrm>
           <a:prstGeom prst="rect">
@@ -13791,7 +13864,7 @@
         </p:nvSpPr>
         <p:spPr>
           <a:xfrm>
-            <a:off x="4208001" y="4957038"/>
+            <a:off x="4367023" y="4694653"/>
             <a:ext cx="728982" cy="338554"/>
           </a:xfrm>
           <a:prstGeom prst="rect">
@@ -13826,7 +13899,7 @@
         </p:nvSpPr>
         <p:spPr>
           <a:xfrm>
-            <a:off x="4535400" y="5527857"/>
+            <a:off x="4694422" y="5265472"/>
             <a:ext cx="806631" cy="338554"/>
           </a:xfrm>
           <a:prstGeom prst="rect">
@@ -13861,7 +13934,7 @@
         </p:nvSpPr>
         <p:spPr>
           <a:xfrm>
-            <a:off x="6063908" y="5648472"/>
+            <a:off x="6222930" y="5386087"/>
             <a:ext cx="897746" cy="584775"/>
           </a:xfrm>
           <a:prstGeom prst="rect">
@@ -13903,7 +13976,7 @@
         </p:nvSpPr>
         <p:spPr>
           <a:xfrm>
-            <a:off x="8065695" y="5141704"/>
+            <a:off x="8224717" y="4879319"/>
             <a:ext cx="808491" cy="338554"/>
           </a:xfrm>
           <a:prstGeom prst="rect">
@@ -13938,7 +14011,7 @@
         </p:nvSpPr>
         <p:spPr>
           <a:xfrm>
-            <a:off x="7299946" y="5607637"/>
+            <a:off x="7458968" y="5345252"/>
             <a:ext cx="548548" cy="338554"/>
           </a:xfrm>
           <a:prstGeom prst="rect">
@@ -13987,7 +14060,7 @@
         </p:blipFill>
         <p:spPr>
           <a:xfrm>
-            <a:off x="3905290" y="4941649"/>
+            <a:off x="4064312" y="4679264"/>
             <a:ext cx="369332" cy="369332"/>
           </a:xfrm>
           <a:prstGeom prst="rect">
@@ -14023,7 +14096,7 @@
         </p:blipFill>
         <p:spPr>
           <a:xfrm>
-            <a:off x="4254634" y="5527857"/>
+            <a:off x="4413656" y="5265472"/>
             <a:ext cx="369332" cy="369332"/>
           </a:xfrm>
           <a:prstGeom prst="rect">
@@ -14059,7 +14132,7 @@
         </p:blipFill>
         <p:spPr>
           <a:xfrm>
-            <a:off x="5542166" y="5660396"/>
+            <a:off x="5701188" y="5398011"/>
             <a:ext cx="555169" cy="555169"/>
           </a:xfrm>
           <a:prstGeom prst="rect">
@@ -14095,7 +14168,7 @@
         </p:blipFill>
         <p:spPr>
           <a:xfrm>
-            <a:off x="7099811" y="5645628"/>
+            <a:off x="7258833" y="5383243"/>
             <a:ext cx="245532" cy="245532"/>
           </a:xfrm>
           <a:prstGeom prst="rect">
@@ -14131,7 +14204,7 @@
         </p:blipFill>
         <p:spPr>
           <a:xfrm>
-            <a:off x="7764069" y="5118080"/>
+            <a:off x="7923091" y="4855695"/>
             <a:ext cx="369332" cy="369332"/>
           </a:xfrm>
           <a:prstGeom prst="rect">
@@ -14155,7 +14228,7 @@
         </p:nvCxnSpPr>
         <p:spPr>
           <a:xfrm flipH="1" flipV="1">
-            <a:off x="5769204" y="3638747"/>
+            <a:off x="5928226" y="3376362"/>
             <a:ext cx="275850" cy="184278"/>
           </a:xfrm>
           <a:prstGeom prst="straightConnector1">
@@ -14200,7 +14273,7 @@
         </p:nvCxnSpPr>
         <p:spPr>
           <a:xfrm>
-            <a:off x="6373976" y="4328491"/>
+            <a:off x="6532998" y="4066106"/>
             <a:ext cx="1" cy="309304"/>
           </a:xfrm>
           <a:prstGeom prst="straightConnector1">
@@ -14244,7 +14317,7 @@
         </p:nvCxnSpPr>
         <p:spPr>
           <a:xfrm flipV="1">
-            <a:off x="6655998" y="3649971"/>
+            <a:off x="6815020" y="3387586"/>
             <a:ext cx="305656" cy="180567"/>
           </a:xfrm>
           <a:prstGeom prst="straightConnector1">
@@ -14289,7 +14362,7 @@
         </p:nvCxnSpPr>
         <p:spPr>
           <a:xfrm flipV="1">
-            <a:off x="5223687" y="2500635"/>
+            <a:off x="5382709" y="2238250"/>
             <a:ext cx="0" cy="702702"/>
           </a:xfrm>
           <a:prstGeom prst="straightConnector1">
@@ -14334,7 +14407,7 @@
         </p:nvCxnSpPr>
         <p:spPr>
           <a:xfrm flipH="1" flipV="1">
-            <a:off x="4048993" y="2336812"/>
+            <a:off x="4208015" y="2074427"/>
             <a:ext cx="432423" cy="866524"/>
           </a:xfrm>
           <a:prstGeom prst="straightConnector1">
@@ -14378,7 +14451,7 @@
         </p:nvCxnSpPr>
         <p:spPr>
           <a:xfrm flipH="1" flipV="1">
-            <a:off x="2972450" y="2703968"/>
+            <a:off x="3131472" y="2441583"/>
             <a:ext cx="867115" cy="509636"/>
           </a:xfrm>
           <a:prstGeom prst="straightConnector1">
@@ -14423,7 +14496,7 @@
         </p:nvCxnSpPr>
         <p:spPr>
           <a:xfrm flipH="1" flipV="1">
-            <a:off x="2893482" y="3203337"/>
+            <a:off x="3052504" y="2940952"/>
             <a:ext cx="950524" cy="140911"/>
           </a:xfrm>
           <a:prstGeom prst="straightConnector1">
@@ -14468,7 +14541,7 @@
         </p:nvCxnSpPr>
         <p:spPr>
           <a:xfrm flipH="1">
-            <a:off x="2965618" y="3494671"/>
+            <a:off x="3124640" y="3232286"/>
             <a:ext cx="882956" cy="283822"/>
           </a:xfrm>
           <a:prstGeom prst="straightConnector1">
@@ -14513,7 +14586,7 @@
         </p:nvCxnSpPr>
         <p:spPr>
           <a:xfrm flipH="1">
-            <a:off x="2795933" y="3641908"/>
+            <a:off x="2954955" y="3379523"/>
             <a:ext cx="1061066" cy="507432"/>
           </a:xfrm>
           <a:prstGeom prst="straightConnector1">
@@ -14558,7 +14631,7 @@
         </p:nvCxnSpPr>
         <p:spPr>
           <a:xfrm>
-            <a:off x="4438531" y="3659320"/>
+            <a:off x="4597553" y="3396935"/>
             <a:ext cx="0" cy="490020"/>
           </a:xfrm>
           <a:prstGeom prst="straightConnector1">
@@ -14603,7 +14676,7 @@
         </p:nvCxnSpPr>
         <p:spPr>
           <a:xfrm rot="5400000">
-            <a:off x="1987831" y="4281730"/>
+            <a:off x="2146853" y="4019345"/>
             <a:ext cx="507669" cy="919997"/>
           </a:xfrm>
           <a:prstGeom prst="bentConnector2">
@@ -14648,7 +14721,7 @@
         </p:nvCxnSpPr>
         <p:spPr>
           <a:xfrm rot="5400000">
-            <a:off x="2009021" y="4541788"/>
+            <a:off x="2168043" y="4279403"/>
             <a:ext cx="935077" cy="827289"/>
           </a:xfrm>
           <a:prstGeom prst="bentConnector2">
@@ -14692,7 +14765,7 @@
         </p:nvCxnSpPr>
         <p:spPr>
           <a:xfrm flipH="1" flipV="1">
-            <a:off x="8645399" y="2362528"/>
+            <a:off x="8804421" y="2100143"/>
             <a:ext cx="5456" cy="849256"/>
           </a:xfrm>
           <a:prstGeom prst="straightConnector1">
@@ -14736,7 +14809,7 @@
         </p:nvCxnSpPr>
         <p:spPr>
           <a:xfrm flipV="1">
-            <a:off x="8927892" y="2744915"/>
+            <a:off x="9086914" y="2482530"/>
             <a:ext cx="1079869" cy="525747"/>
           </a:xfrm>
           <a:prstGeom prst="straightConnector1">
@@ -14781,7 +14854,7 @@
         </p:nvCxnSpPr>
         <p:spPr>
           <a:xfrm>
-            <a:off x="8927892" y="3426654"/>
+            <a:off x="9086914" y="3164269"/>
             <a:ext cx="1079869" cy="1329"/>
           </a:xfrm>
           <a:prstGeom prst="straightConnector1">
@@ -14826,7 +14899,7 @@
         </p:nvCxnSpPr>
         <p:spPr>
           <a:xfrm>
-            <a:off x="8921686" y="3595334"/>
+            <a:off x="9080708" y="3332949"/>
             <a:ext cx="708531" cy="447726"/>
           </a:xfrm>
           <a:prstGeom prst="straightConnector1">
@@ -14870,7 +14943,7 @@
         </p:nvCxnSpPr>
         <p:spPr>
           <a:xfrm>
-            <a:off x="8621526" y="3643810"/>
+            <a:off x="8780548" y="3381425"/>
             <a:ext cx="774541" cy="909290"/>
           </a:xfrm>
           <a:prstGeom prst="straightConnector1">
@@ -14915,7 +14988,7 @@
         </p:nvCxnSpPr>
         <p:spPr>
           <a:xfrm flipH="1">
-            <a:off x="4936983" y="4866915"/>
+            <a:off x="5096005" y="4604530"/>
             <a:ext cx="459304" cy="259400"/>
           </a:xfrm>
           <a:prstGeom prst="straightConnector1">
@@ -14960,7 +15033,7 @@
         </p:nvCxnSpPr>
         <p:spPr>
           <a:xfrm flipH="1">
-            <a:off x="4938716" y="5063861"/>
+            <a:off x="5097738" y="4801476"/>
             <a:ext cx="452317" cy="463996"/>
           </a:xfrm>
           <a:prstGeom prst="straightConnector1">
@@ -15005,7 +15078,7 @@
         </p:nvCxnSpPr>
         <p:spPr>
           <a:xfrm flipH="1">
-            <a:off x="5819751" y="5098280"/>
+            <a:off x="5978773" y="4835895"/>
             <a:ext cx="204760" cy="562116"/>
           </a:xfrm>
           <a:prstGeom prst="straightConnector1">
@@ -15050,7 +15123,7 @@
         </p:nvCxnSpPr>
         <p:spPr>
           <a:xfrm>
-            <a:off x="6815686" y="5084429"/>
+            <a:off x="6974708" y="4822044"/>
             <a:ext cx="406891" cy="561199"/>
           </a:xfrm>
           <a:prstGeom prst="straightConnector1">
@@ -15095,7 +15168,7 @@
         </p:nvCxnSpPr>
         <p:spPr>
           <a:xfrm>
-            <a:off x="7360504" y="5069999"/>
+            <a:off x="7519526" y="4807614"/>
             <a:ext cx="403565" cy="232747"/>
           </a:xfrm>
           <a:prstGeom prst="straightConnector1">
@@ -15151,7 +15224,7 @@
         </p:blipFill>
         <p:spPr>
           <a:xfrm>
-            <a:off x="10039856" y="2605081"/>
+            <a:off x="10198878" y="2342696"/>
             <a:ext cx="297467" cy="297467"/>
           </a:xfrm>
           <a:prstGeom prst="rect">
@@ -15187,7 +15260,7 @@
         </p:blipFill>
         <p:spPr>
           <a:xfrm>
-            <a:off x="9998575" y="3252440"/>
+            <a:off x="10157597" y="2990055"/>
             <a:ext cx="334900" cy="334900"/>
           </a:xfrm>
           <a:prstGeom prst="rect">
@@ -15195,6 +15268,98 @@
           </a:prstGeom>
         </p:spPr>
       </p:pic>
+      <p:pic>
+        <p:nvPicPr>
+          <p:cNvPr id="1026" name="Picture 2" descr="Mastering ABP Framework 2">
+            <a:extLst>
+              <a:ext uri="{FF2B5EF4-FFF2-40B4-BE49-F238E27FC236}">
+                <a16:creationId xmlns:a16="http://schemas.microsoft.com/office/drawing/2014/main" id="{42DAE789-90BB-204E-7F03-8F32D48F5B03}"/>
+              </a:ext>
+            </a:extLst>
+          </p:cNvPr>
+          <p:cNvPicPr>
+            <a:picLocks noChangeAspect="1" noChangeArrowheads="1"/>
+          </p:cNvPicPr>
+          <p:nvPr/>
+        </p:nvPicPr>
+        <p:blipFill>
+          <a:blip r:embed="rId25">
+            <a:extLst>
+              <a:ext uri="{28A0092B-C50C-407E-A947-70E740481C1C}">
+                <a14:useLocalDpi xmlns:a14="http://schemas.microsoft.com/office/drawing/2010/main" val="0"/>
+              </a:ext>
+            </a:extLst>
+          </a:blip>
+          <a:srcRect/>
+          <a:stretch>
+            <a:fillRect/>
+          </a:stretch>
+        </p:blipFill>
+        <p:spPr bwMode="auto">
+          <a:xfrm>
+            <a:off x="2874773" y="5147177"/>
+            <a:ext cx="1856741" cy="1671067"/>
+          </a:xfrm>
+          <a:prstGeom prst="rect">
+            <a:avLst/>
+          </a:prstGeom>
+          <a:noFill/>
+          <a:extLst>
+            <a:ext uri="{909E8E84-426E-40DD-AFC4-6F175D3DCCD1}">
+              <a14:hiddenFill xmlns:a14="http://schemas.microsoft.com/office/drawing/2010/main">
+                <a:solidFill>
+                  <a:srgbClr val="FFFFFF"/>
+                </a:solidFill>
+              </a14:hiddenFill>
+            </a:ext>
+          </a:extLst>
+        </p:spPr>
+      </p:pic>
+      <p:cxnSp>
+        <p:nvCxnSpPr>
+          <p:cNvPr id="4" name="Straight Arrow Connector 3">
+            <a:extLst>
+              <a:ext uri="{FF2B5EF4-FFF2-40B4-BE49-F238E27FC236}">
+                <a16:creationId xmlns:a16="http://schemas.microsoft.com/office/drawing/2014/main" id="{8B65B0BA-6306-8CF9-CC99-C9D3F8BCEA6E}"/>
+              </a:ext>
+            </a:extLst>
+          </p:cNvPr>
+          <p:cNvCxnSpPr>
+            <a:stCxn id="43" idx="2"/>
+            <a:endCxn id="1026" idx="0"/>
+          </p:cNvCxnSpPr>
+          <p:nvPr/>
+        </p:nvCxnSpPr>
+        <p:spPr>
+          <a:xfrm flipH="1">
+            <a:off x="3803144" y="4225509"/>
+            <a:ext cx="3510" cy="921668"/>
+          </a:xfrm>
+          <a:prstGeom prst="straightConnector1">
+            <a:avLst/>
+          </a:prstGeom>
+          <a:ln>
+            <a:solidFill>
+              <a:srgbClr val="002060"/>
+            </a:solidFill>
+            <a:tailEnd type="triangle"/>
+          </a:ln>
+        </p:spPr>
+        <p:style>
+          <a:lnRef idx="1">
+            <a:schemeClr val="accent1"/>
+          </a:lnRef>
+          <a:fillRef idx="0">
+            <a:schemeClr val="accent1"/>
+          </a:fillRef>
+          <a:effectRef idx="0">
+            <a:schemeClr val="accent1"/>
+          </a:effectRef>
+          <a:fontRef idx="minor">
+            <a:schemeClr val="tx1"/>
+          </a:fontRef>
+        </p:style>
+      </p:cxnSp>
     </p:spTree>
     <p:extLst>
       <p:ext uri="{BB962C8B-B14F-4D97-AF65-F5344CB8AC3E}">
@@ -16680,7 +16845,7 @@
                                           </p:stCondLst>
                                         </p:cTn>
                                         <p:tgtEl>
-                                          <p:spTgt spid="54"/>
+                                          <p:spTgt spid="4"/>
                                         </p:tgtEl>
                                         <p:attrNameLst>
                                           <p:attrName>style.visibility</p:attrName>
@@ -16694,7 +16859,7 @@
                                       <p:cBhvr>
                                         <p:cTn id="136" dur="500"/>
                                         <p:tgtEl>
-                                          <p:spTgt spid="54"/>
+                                          <p:spTgt spid="4"/>
                                         </p:tgtEl>
                                       </p:cBhvr>
                                     </p:animEffect>
@@ -16702,7 +16867,7 @@
                                 </p:cTn>
                               </p:par>
                               <p:par>
-                                <p:cTn id="137" presetID="10" presetClass="entr" presetSubtype="0" fill="hold" grpId="0" nodeType="withEffect">
+                                <p:cTn id="137" presetID="10" presetClass="entr" presetSubtype="0" fill="hold" nodeType="withEffect">
                                   <p:stCondLst>
                                     <p:cond delay="0"/>
                                   </p:stCondLst>
@@ -16715,7 +16880,7 @@
                                           </p:stCondLst>
                                         </p:cTn>
                                         <p:tgtEl>
-                                          <p:spTgt spid="55"/>
+                                          <p:spTgt spid="1026"/>
                                         </p:tgtEl>
                                         <p:attrNameLst>
                                           <p:attrName>style.visibility</p:attrName>
@@ -16729,42 +16894,7 @@
                                       <p:cBhvr>
                                         <p:cTn id="139" dur="500"/>
                                         <p:tgtEl>
-                                          <p:spTgt spid="55"/>
-                                        </p:tgtEl>
-                                      </p:cBhvr>
-                                    </p:animEffect>
-                                  </p:childTnLst>
-                                </p:cTn>
-                              </p:par>
-                              <p:par>
-                                <p:cTn id="140" presetID="10" presetClass="entr" presetSubtype="0" fill="hold" nodeType="withEffect">
-                                  <p:stCondLst>
-                                    <p:cond delay="0"/>
-                                  </p:stCondLst>
-                                  <p:childTnLst>
-                                    <p:set>
-                                      <p:cBhvr>
-                                        <p:cTn id="141" dur="1" fill="hold">
-                                          <p:stCondLst>
-                                            <p:cond delay="0"/>
-                                          </p:stCondLst>
-                                        </p:cTn>
-                                        <p:tgtEl>
-                                          <p:spTgt spid="125"/>
-                                        </p:tgtEl>
-                                        <p:attrNameLst>
-                                          <p:attrName>style.visibility</p:attrName>
-                                        </p:attrNameLst>
-                                      </p:cBhvr>
-                                      <p:to>
-                                        <p:strVal val="visible"/>
-                                      </p:to>
-                                    </p:set>
-                                    <p:animEffect transition="in" filter="fade">
-                                      <p:cBhvr>
-                                        <p:cTn id="142" dur="500"/>
-                                        <p:tgtEl>
-                                          <p:spTgt spid="125"/>
+                                          <p:spTgt spid="1026"/>
                                         </p:tgtEl>
                                       </p:cBhvr>
                                     </p:animEffect>
@@ -16778,32 +16908,67 @@
                     </p:cTn>
                   </p:par>
                   <p:par>
-                    <p:cTn id="143" fill="hold">
+                    <p:cTn id="140" fill="hold">
                       <p:stCondLst>
                         <p:cond delay="indefinite"/>
                       </p:stCondLst>
                       <p:childTnLst>
                         <p:par>
-                          <p:cTn id="144" fill="hold">
+                          <p:cTn id="141" fill="hold">
                             <p:stCondLst>
                               <p:cond delay="0"/>
                             </p:stCondLst>
                             <p:childTnLst>
                               <p:par>
-                                <p:cTn id="145" presetID="10" presetClass="entr" presetSubtype="0" fill="hold" grpId="0" nodeType="clickEffect">
+                                <p:cTn id="142" presetID="10" presetClass="entr" presetSubtype="0" fill="hold" nodeType="clickEffect">
                                   <p:stCondLst>
                                     <p:cond delay="0"/>
                                   </p:stCondLst>
                                   <p:childTnLst>
                                     <p:set>
                                       <p:cBhvr>
+                                        <p:cTn id="143" dur="1" fill="hold">
+                                          <p:stCondLst>
+                                            <p:cond delay="0"/>
+                                          </p:stCondLst>
+                                        </p:cTn>
+                                        <p:tgtEl>
+                                          <p:spTgt spid="54"/>
+                                        </p:tgtEl>
+                                        <p:attrNameLst>
+                                          <p:attrName>style.visibility</p:attrName>
+                                        </p:attrNameLst>
+                                      </p:cBhvr>
+                                      <p:to>
+                                        <p:strVal val="visible"/>
+                                      </p:to>
+                                    </p:set>
+                                    <p:animEffect transition="in" filter="fade">
+                                      <p:cBhvr>
+                                        <p:cTn id="144" dur="500"/>
+                                        <p:tgtEl>
+                                          <p:spTgt spid="54"/>
+                                        </p:tgtEl>
+                                      </p:cBhvr>
+                                    </p:animEffect>
+                                  </p:childTnLst>
+                                </p:cTn>
+                              </p:par>
+                              <p:par>
+                                <p:cTn id="145" presetID="10" presetClass="entr" presetSubtype="0" fill="hold" grpId="0" nodeType="withEffect">
+                                  <p:stCondLst>
+                                    <p:cond delay="0"/>
+                                  </p:stCondLst>
+                                  <p:childTnLst>
+                                    <p:set>
+                                      <p:cBhvr>
                                         <p:cTn id="146" dur="1" fill="hold">
                                           <p:stCondLst>
                                             <p:cond delay="0"/>
                                           </p:stCondLst>
                                         </p:cTn>
                                         <p:tgtEl>
-                                          <p:spTgt spid="57"/>
+                                          <p:spTgt spid="55"/>
                                         </p:tgtEl>
                                         <p:attrNameLst>
                                           <p:attrName>style.visibility</p:attrName>
@@ -16817,7 +16982,7 @@
                                       <p:cBhvr>
                                         <p:cTn id="147" dur="500"/>
                                         <p:tgtEl>
-                                          <p:spTgt spid="57"/>
+                                          <p:spTgt spid="55"/>
                                         </p:tgtEl>
                                       </p:cBhvr>
                                     </p:animEffect>
@@ -16838,7 +17003,7 @@
                                           </p:stCondLst>
                                         </p:cTn>
                                         <p:tgtEl>
-                                          <p:spTgt spid="166"/>
+                                          <p:spTgt spid="125"/>
                                         </p:tgtEl>
                                         <p:attrNameLst>
                                           <p:attrName>style.visibility</p:attrName>
@@ -16852,42 +17017,7 @@
                                       <p:cBhvr>
                                         <p:cTn id="150" dur="500"/>
                                         <p:tgtEl>
-                                          <p:spTgt spid="166"/>
-                                        </p:tgtEl>
-                                      </p:cBhvr>
-                                    </p:animEffect>
-                                  </p:childTnLst>
-                                </p:cTn>
-                              </p:par>
-                              <p:par>
-                                <p:cTn id="151" presetID="10" presetClass="entr" presetSubtype="0" fill="hold" nodeType="withEffect">
-                                  <p:stCondLst>
-                                    <p:cond delay="0"/>
-                                  </p:stCondLst>
-                                  <p:childTnLst>
-                                    <p:set>
-                                      <p:cBhvr>
-                                        <p:cTn id="152" dur="1" fill="hold">
-                                          <p:stCondLst>
-                                            <p:cond delay="0"/>
-                                          </p:stCondLst>
-                                        </p:cTn>
-                                        <p:tgtEl>
-                                          <p:spTgt spid="129"/>
-                                        </p:tgtEl>
-                                        <p:attrNameLst>
-                                          <p:attrName>style.visibility</p:attrName>
-                                        </p:attrNameLst>
-                                      </p:cBhvr>
-                                      <p:to>
-                                        <p:strVal val="visible"/>
-                                      </p:to>
-                                    </p:set>
-                                    <p:animEffect transition="in" filter="fade">
-                                      <p:cBhvr>
-                                        <p:cTn id="153" dur="500"/>
-                                        <p:tgtEl>
-                                          <p:spTgt spid="129"/>
+                                          <p:spTgt spid="125"/>
                                         </p:tgtEl>
                                       </p:cBhvr>
                                     </p:animEffect>
@@ -16901,32 +17031,67 @@
                     </p:cTn>
                   </p:par>
                   <p:par>
-                    <p:cTn id="154" fill="hold">
+                    <p:cTn id="151" fill="hold">
                       <p:stCondLst>
                         <p:cond delay="indefinite"/>
                       </p:stCondLst>
                       <p:childTnLst>
                         <p:par>
-                          <p:cTn id="155" fill="hold">
+                          <p:cTn id="152" fill="hold">
                             <p:stCondLst>
                               <p:cond delay="0"/>
                             </p:stCondLst>
                             <p:childTnLst>
                               <p:par>
-                                <p:cTn id="156" presetID="10" presetClass="entr" presetSubtype="0" fill="hold" grpId="0" nodeType="clickEffect">
+                                <p:cTn id="153" presetID="10" presetClass="entr" presetSubtype="0" fill="hold" grpId="0" nodeType="clickEffect">
                                   <p:stCondLst>
                                     <p:cond delay="0"/>
                                   </p:stCondLst>
                                   <p:childTnLst>
                                     <p:set>
                                       <p:cBhvr>
+                                        <p:cTn id="154" dur="1" fill="hold">
+                                          <p:stCondLst>
+                                            <p:cond delay="0"/>
+                                          </p:stCondLst>
+                                        </p:cTn>
+                                        <p:tgtEl>
+                                          <p:spTgt spid="57"/>
+                                        </p:tgtEl>
+                                        <p:attrNameLst>
+                                          <p:attrName>style.visibility</p:attrName>
+                                        </p:attrNameLst>
+                                      </p:cBhvr>
+                                      <p:to>
+                                        <p:strVal val="visible"/>
+                                      </p:to>
+                                    </p:set>
+                                    <p:animEffect transition="in" filter="fade">
+                                      <p:cBhvr>
+                                        <p:cTn id="155" dur="500"/>
+                                        <p:tgtEl>
+                                          <p:spTgt spid="57"/>
+                                        </p:tgtEl>
+                                      </p:cBhvr>
+                                    </p:animEffect>
+                                  </p:childTnLst>
+                                </p:cTn>
+                              </p:par>
+                              <p:par>
+                                <p:cTn id="156" presetID="10" presetClass="entr" presetSubtype="0" fill="hold" nodeType="withEffect">
+                                  <p:stCondLst>
+                                    <p:cond delay="0"/>
+                                  </p:stCondLst>
+                                  <p:childTnLst>
+                                    <p:set>
+                                      <p:cBhvr>
                                         <p:cTn id="157" dur="1" fill="hold">
                                           <p:stCondLst>
                                             <p:cond delay="0"/>
                                           </p:stCondLst>
                                         </p:cTn>
                                         <p:tgtEl>
-                                          <p:spTgt spid="56"/>
+                                          <p:spTgt spid="166"/>
                                         </p:tgtEl>
                                         <p:attrNameLst>
                                           <p:attrName>style.visibility</p:attrName>
@@ -16940,7 +17105,7 @@
                                       <p:cBhvr>
                                         <p:cTn id="158" dur="500"/>
                                         <p:tgtEl>
-                                          <p:spTgt spid="56"/>
+                                          <p:spTgt spid="166"/>
                                         </p:tgtEl>
                                       </p:cBhvr>
                                     </p:animEffect>
@@ -16961,7 +17126,7 @@
                                           </p:stCondLst>
                                         </p:cTn>
                                         <p:tgtEl>
-                                          <p:spTgt spid="168"/>
+                                          <p:spTgt spid="129"/>
                                         </p:tgtEl>
                                         <p:attrNameLst>
                                           <p:attrName>style.visibility</p:attrName>
@@ -16975,42 +17140,7 @@
                                       <p:cBhvr>
                                         <p:cTn id="161" dur="500"/>
                                         <p:tgtEl>
-                                          <p:spTgt spid="168"/>
-                                        </p:tgtEl>
-                                      </p:cBhvr>
-                                    </p:animEffect>
-                                  </p:childTnLst>
-                                </p:cTn>
-                              </p:par>
-                              <p:par>
-                                <p:cTn id="162" presetID="10" presetClass="entr" presetSubtype="0" fill="hold" nodeType="withEffect">
-                                  <p:stCondLst>
-                                    <p:cond delay="0"/>
-                                  </p:stCondLst>
-                                  <p:childTnLst>
-                                    <p:set>
-                                      <p:cBhvr>
-                                        <p:cTn id="163" dur="1" fill="hold">
-                                          <p:stCondLst>
-                                            <p:cond delay="0"/>
-                                          </p:stCondLst>
-                                        </p:cTn>
-                                        <p:tgtEl>
-                                          <p:spTgt spid="134"/>
-                                        </p:tgtEl>
-                                        <p:attrNameLst>
-                                          <p:attrName>style.visibility</p:attrName>
-                                        </p:attrNameLst>
-                                      </p:cBhvr>
-                                      <p:to>
-                                        <p:strVal val="visible"/>
-                                      </p:to>
-                                    </p:set>
-                                    <p:animEffect transition="in" filter="fade">
-                                      <p:cBhvr>
-                                        <p:cTn id="164" dur="500"/>
-                                        <p:tgtEl>
-                                          <p:spTgt spid="134"/>
+                                          <p:spTgt spid="129"/>
                                         </p:tgtEl>
                                       </p:cBhvr>
                                     </p:animEffect>
@@ -17024,32 +17154,67 @@
                     </p:cTn>
                   </p:par>
                   <p:par>
-                    <p:cTn id="165" fill="hold">
+                    <p:cTn id="162" fill="hold">
                       <p:stCondLst>
                         <p:cond delay="indefinite"/>
                       </p:stCondLst>
                       <p:childTnLst>
                         <p:par>
-                          <p:cTn id="166" fill="hold">
+                          <p:cTn id="163" fill="hold">
                             <p:stCondLst>
                               <p:cond delay="0"/>
                             </p:stCondLst>
                             <p:childTnLst>
                               <p:par>
-                                <p:cTn id="167" presetID="10" presetClass="entr" presetSubtype="0" fill="hold" nodeType="clickEffect">
+                                <p:cTn id="164" presetID="10" presetClass="entr" presetSubtype="0" fill="hold" grpId="0" nodeType="clickEffect">
                                   <p:stCondLst>
                                     <p:cond delay="0"/>
                                   </p:stCondLst>
                                   <p:childTnLst>
                                     <p:set>
                                       <p:cBhvr>
+                                        <p:cTn id="165" dur="1" fill="hold">
+                                          <p:stCondLst>
+                                            <p:cond delay="0"/>
+                                          </p:stCondLst>
+                                        </p:cTn>
+                                        <p:tgtEl>
+                                          <p:spTgt spid="56"/>
+                                        </p:tgtEl>
+                                        <p:attrNameLst>
+                                          <p:attrName>style.visibility</p:attrName>
+                                        </p:attrNameLst>
+                                      </p:cBhvr>
+                                      <p:to>
+                                        <p:strVal val="visible"/>
+                                      </p:to>
+                                    </p:set>
+                                    <p:animEffect transition="in" filter="fade">
+                                      <p:cBhvr>
+                                        <p:cTn id="166" dur="500"/>
+                                        <p:tgtEl>
+                                          <p:spTgt spid="56"/>
+                                        </p:tgtEl>
+                                      </p:cBhvr>
+                                    </p:animEffect>
+                                  </p:childTnLst>
+                                </p:cTn>
+                              </p:par>
+                              <p:par>
+                                <p:cTn id="167" presetID="10" presetClass="entr" presetSubtype="0" fill="hold" nodeType="withEffect">
+                                  <p:stCondLst>
+                                    <p:cond delay="0"/>
+                                  </p:stCondLst>
+                                  <p:childTnLst>
+                                    <p:set>
+                                      <p:cBhvr>
                                         <p:cTn id="168" dur="1" fill="hold">
                                           <p:stCondLst>
                                             <p:cond delay="0"/>
                                           </p:stCondLst>
                                         </p:cTn>
                                         <p:tgtEl>
-                                          <p:spTgt spid="61"/>
+                                          <p:spTgt spid="168"/>
                                         </p:tgtEl>
                                         <p:attrNameLst>
                                           <p:attrName>style.visibility</p:attrName>
@@ -17063,7 +17228,7 @@
                                       <p:cBhvr>
                                         <p:cTn id="169" dur="500"/>
                                         <p:tgtEl>
-                                          <p:spTgt spid="61"/>
+                                          <p:spTgt spid="168"/>
                                         </p:tgtEl>
                                       </p:cBhvr>
                                     </p:animEffect>
@@ -17084,7 +17249,7 @@
                                           </p:stCondLst>
                                         </p:cTn>
                                         <p:tgtEl>
-                                          <p:spTgt spid="137"/>
+                                          <p:spTgt spid="134"/>
                                         </p:tgtEl>
                                         <p:attrNameLst>
                                           <p:attrName>style.visibility</p:attrName>
@@ -17098,7 +17263,7 @@
                                       <p:cBhvr>
                                         <p:cTn id="172" dur="500"/>
                                         <p:tgtEl>
-                                          <p:spTgt spid="137"/>
+                                          <p:spTgt spid="134"/>
                                         </p:tgtEl>
                                       </p:cBhvr>
                                     </p:animEffect>
@@ -17137,7 +17302,7 @@
                                           </p:stCondLst>
                                         </p:cTn>
                                         <p:tgtEl>
-                                          <p:spTgt spid="2052"/>
+                                          <p:spTgt spid="61"/>
                                         </p:tgtEl>
                                         <p:attrNameLst>
                                           <p:attrName>style.visibility</p:attrName>
@@ -17151,7 +17316,7 @@
                                       <p:cBhvr>
                                         <p:cTn id="177" dur="500"/>
                                         <p:tgtEl>
-                                          <p:spTgt spid="2052"/>
+                                          <p:spTgt spid="61"/>
                                         </p:tgtEl>
                                       </p:cBhvr>
                                     </p:animEffect>
@@ -17172,7 +17337,7 @@
                                           </p:stCondLst>
                                         </p:cTn>
                                         <p:tgtEl>
-                                          <p:spTgt spid="141"/>
+                                          <p:spTgt spid="137"/>
                                         </p:tgtEl>
                                         <p:attrNameLst>
                                           <p:attrName>style.visibility</p:attrName>
@@ -17186,7 +17351,7 @@
                                       <p:cBhvr>
                                         <p:cTn id="180" dur="500"/>
                                         <p:tgtEl>
-                                          <p:spTgt spid="141"/>
+                                          <p:spTgt spid="137"/>
                                         </p:tgtEl>
                                       </p:cBhvr>
                                     </p:animEffect>
@@ -17212,7 +17377,7 @@
                             </p:stCondLst>
                             <p:childTnLst>
                               <p:par>
-                                <p:cTn id="183" presetID="10" presetClass="entr" presetSubtype="0" fill="hold" grpId="0" nodeType="clickEffect">
+                                <p:cTn id="183" presetID="10" presetClass="entr" presetSubtype="0" fill="hold" nodeType="clickEffect">
                                   <p:stCondLst>
                                     <p:cond delay="0"/>
                                   </p:stCondLst>
@@ -17225,7 +17390,7 @@
                                           </p:stCondLst>
                                         </p:cTn>
                                         <p:tgtEl>
-                                          <p:spTgt spid="66"/>
+                                          <p:spTgt spid="2052"/>
                                         </p:tgtEl>
                                         <p:attrNameLst>
                                           <p:attrName>style.visibility</p:attrName>
@@ -17239,7 +17404,7 @@
                                       <p:cBhvr>
                                         <p:cTn id="185" dur="500"/>
                                         <p:tgtEl>
-                                          <p:spTgt spid="66"/>
+                                          <p:spTgt spid="2052"/>
                                         </p:tgtEl>
                                       </p:cBhvr>
                                     </p:animEffect>
@@ -17260,7 +17425,7 @@
                                           </p:stCondLst>
                                         </p:cTn>
                                         <p:tgtEl>
-                                          <p:spTgt spid="65"/>
+                                          <p:spTgt spid="141"/>
                                         </p:tgtEl>
                                         <p:attrNameLst>
                                           <p:attrName>style.visibility</p:attrName>
@@ -17274,42 +17439,7 @@
                                       <p:cBhvr>
                                         <p:cTn id="188" dur="500"/>
                                         <p:tgtEl>
-                                          <p:spTgt spid="65"/>
-                                        </p:tgtEl>
-                                      </p:cBhvr>
-                                    </p:animEffect>
-                                  </p:childTnLst>
-                                </p:cTn>
-                              </p:par>
-                              <p:par>
-                                <p:cTn id="189" presetID="10" presetClass="entr" presetSubtype="0" fill="hold" nodeType="withEffect">
-                                  <p:stCondLst>
-                                    <p:cond delay="0"/>
-                                  </p:stCondLst>
-                                  <p:childTnLst>
-                                    <p:set>
-                                      <p:cBhvr>
-                                        <p:cTn id="190" dur="1" fill="hold">
-                                          <p:stCondLst>
-                                            <p:cond delay="0"/>
-                                          </p:stCondLst>
-                                        </p:cTn>
-                                        <p:tgtEl>
-                                          <p:spTgt spid="145"/>
-                                        </p:tgtEl>
-                                        <p:attrNameLst>
-                                          <p:attrName>style.visibility</p:attrName>
-                                        </p:attrNameLst>
-                                      </p:cBhvr>
-                                      <p:to>
-                                        <p:strVal val="visible"/>
-                                      </p:to>
-                                    </p:set>
-                                    <p:animEffect transition="in" filter="fade">
-                                      <p:cBhvr>
-                                        <p:cTn id="191" dur="500"/>
-                                        <p:tgtEl>
-                                          <p:spTgt spid="145"/>
+                                          <p:spTgt spid="141"/>
                                         </p:tgtEl>
                                       </p:cBhvr>
                                     </p:animEffect>
@@ -17323,32 +17453,67 @@
                     </p:cTn>
                   </p:par>
                   <p:par>
-                    <p:cTn id="192" fill="hold">
+                    <p:cTn id="189" fill="hold">
                       <p:stCondLst>
                         <p:cond delay="indefinite"/>
                       </p:stCondLst>
                       <p:childTnLst>
                         <p:par>
-                          <p:cTn id="193" fill="hold">
+                          <p:cTn id="190" fill="hold">
                             <p:stCondLst>
                               <p:cond delay="0"/>
                             </p:stCondLst>
                             <p:childTnLst>
                               <p:par>
-                                <p:cTn id="194" presetID="10" presetClass="entr" presetSubtype="0" fill="hold" grpId="0" nodeType="clickEffect">
+                                <p:cTn id="191" presetID="10" presetClass="entr" presetSubtype="0" fill="hold" grpId="0" nodeType="clickEffect">
                                   <p:stCondLst>
                                     <p:cond delay="0"/>
                                   </p:stCondLst>
                                   <p:childTnLst>
                                     <p:set>
                                       <p:cBhvr>
+                                        <p:cTn id="192" dur="1" fill="hold">
+                                          <p:stCondLst>
+                                            <p:cond delay="0"/>
+                                          </p:stCondLst>
+                                        </p:cTn>
+                                        <p:tgtEl>
+                                          <p:spTgt spid="66"/>
+                                        </p:tgtEl>
+                                        <p:attrNameLst>
+                                          <p:attrName>style.visibility</p:attrName>
+                                        </p:attrNameLst>
+                                      </p:cBhvr>
+                                      <p:to>
+                                        <p:strVal val="visible"/>
+                                      </p:to>
+                                    </p:set>
+                                    <p:animEffect transition="in" filter="fade">
+                                      <p:cBhvr>
+                                        <p:cTn id="193" dur="500"/>
+                                        <p:tgtEl>
+                                          <p:spTgt spid="66"/>
+                                        </p:tgtEl>
+                                      </p:cBhvr>
+                                    </p:animEffect>
+                                  </p:childTnLst>
+                                </p:cTn>
+                              </p:par>
+                              <p:par>
+                                <p:cTn id="194" presetID="10" presetClass="entr" presetSubtype="0" fill="hold" nodeType="withEffect">
+                                  <p:stCondLst>
+                                    <p:cond delay="0"/>
+                                  </p:stCondLst>
+                                  <p:childTnLst>
+                                    <p:set>
+                                      <p:cBhvr>
                                         <p:cTn id="195" dur="1" fill="hold">
                                           <p:stCondLst>
                                             <p:cond delay="0"/>
                                           </p:stCondLst>
                                         </p:cTn>
                                         <p:tgtEl>
-                                          <p:spTgt spid="67"/>
+                                          <p:spTgt spid="65"/>
                                         </p:tgtEl>
                                         <p:attrNameLst>
                                           <p:attrName>style.visibility</p:attrName>
@@ -17362,7 +17527,7 @@
                                       <p:cBhvr>
                                         <p:cTn id="196" dur="500"/>
                                         <p:tgtEl>
-                                          <p:spTgt spid="67"/>
+                                          <p:spTgt spid="65"/>
                                         </p:tgtEl>
                                       </p:cBhvr>
                                     </p:animEffect>
@@ -17383,7 +17548,7 @@
                                           </p:stCondLst>
                                         </p:cTn>
                                         <p:tgtEl>
-                                          <p:spTgt spid="72"/>
+                                          <p:spTgt spid="145"/>
                                         </p:tgtEl>
                                         <p:attrNameLst>
                                           <p:attrName>style.visibility</p:attrName>
@@ -17397,42 +17562,7 @@
                                       <p:cBhvr>
                                         <p:cTn id="199" dur="500"/>
                                         <p:tgtEl>
-                                          <p:spTgt spid="72"/>
-                                        </p:tgtEl>
-                                      </p:cBhvr>
-                                    </p:animEffect>
-                                  </p:childTnLst>
-                                </p:cTn>
-                              </p:par>
-                              <p:par>
-                                <p:cTn id="200" presetID="10" presetClass="entr" presetSubtype="0" fill="hold" nodeType="withEffect">
-                                  <p:stCondLst>
-                                    <p:cond delay="0"/>
-                                  </p:stCondLst>
-                                  <p:childTnLst>
-                                    <p:set>
-                                      <p:cBhvr>
-                                        <p:cTn id="201" dur="1" fill="hold">
-                                          <p:stCondLst>
-                                            <p:cond delay="0"/>
-                                          </p:stCondLst>
-                                        </p:cTn>
-                                        <p:tgtEl>
-                                          <p:spTgt spid="148"/>
-                                        </p:tgtEl>
-                                        <p:attrNameLst>
-                                          <p:attrName>style.visibility</p:attrName>
-                                        </p:attrNameLst>
-                                      </p:cBhvr>
-                                      <p:to>
-                                        <p:strVal val="visible"/>
-                                      </p:to>
-                                    </p:set>
-                                    <p:animEffect transition="in" filter="fade">
-                                      <p:cBhvr>
-                                        <p:cTn id="202" dur="500"/>
-                                        <p:tgtEl>
-                                          <p:spTgt spid="148"/>
+                                          <p:spTgt spid="145"/>
                                         </p:tgtEl>
                                       </p:cBhvr>
                                     </p:animEffect>
@@ -17446,32 +17576,67 @@
                     </p:cTn>
                   </p:par>
                   <p:par>
-                    <p:cTn id="203" fill="hold">
+                    <p:cTn id="200" fill="hold">
                       <p:stCondLst>
                         <p:cond delay="indefinite"/>
                       </p:stCondLst>
                       <p:childTnLst>
                         <p:par>
-                          <p:cTn id="204" fill="hold">
+                          <p:cTn id="201" fill="hold">
                             <p:stCondLst>
                               <p:cond delay="0"/>
                             </p:stCondLst>
                             <p:childTnLst>
                               <p:par>
-                                <p:cTn id="205" presetID="10" presetClass="entr" presetSubtype="0" fill="hold" grpId="0" nodeType="clickEffect">
+                                <p:cTn id="202" presetID="10" presetClass="entr" presetSubtype="0" fill="hold" grpId="0" nodeType="clickEffect">
                                   <p:stCondLst>
                                     <p:cond delay="0"/>
                                   </p:stCondLst>
                                   <p:childTnLst>
                                     <p:set>
                                       <p:cBhvr>
+                                        <p:cTn id="203" dur="1" fill="hold">
+                                          <p:stCondLst>
+                                            <p:cond delay="0"/>
+                                          </p:stCondLst>
+                                        </p:cTn>
+                                        <p:tgtEl>
+                                          <p:spTgt spid="67"/>
+                                        </p:tgtEl>
+                                        <p:attrNameLst>
+                                          <p:attrName>style.visibility</p:attrName>
+                                        </p:attrNameLst>
+                                      </p:cBhvr>
+                                      <p:to>
+                                        <p:strVal val="visible"/>
+                                      </p:to>
+                                    </p:set>
+                                    <p:animEffect transition="in" filter="fade">
+                                      <p:cBhvr>
+                                        <p:cTn id="204" dur="500"/>
+                                        <p:tgtEl>
+                                          <p:spTgt spid="67"/>
+                                        </p:tgtEl>
+                                      </p:cBhvr>
+                                    </p:animEffect>
+                                  </p:childTnLst>
+                                </p:cTn>
+                              </p:par>
+                              <p:par>
+                                <p:cTn id="205" presetID="10" presetClass="entr" presetSubtype="0" fill="hold" nodeType="withEffect">
+                                  <p:stCondLst>
+                                    <p:cond delay="0"/>
+                                  </p:stCondLst>
+                                  <p:childTnLst>
+                                    <p:set>
+                                      <p:cBhvr>
                                         <p:cTn id="206" dur="1" fill="hold">
                                           <p:stCondLst>
                                             <p:cond delay="0"/>
                                           </p:stCondLst>
                                         </p:cTn>
                                         <p:tgtEl>
-                                          <p:spTgt spid="68"/>
+                                          <p:spTgt spid="72"/>
                                         </p:tgtEl>
                                         <p:attrNameLst>
                                           <p:attrName>style.visibility</p:attrName>
@@ -17485,7 +17650,7 @@
                                       <p:cBhvr>
                                         <p:cTn id="207" dur="500"/>
                                         <p:tgtEl>
-                                          <p:spTgt spid="68"/>
+                                          <p:spTgt spid="72"/>
                                         </p:tgtEl>
                                       </p:cBhvr>
                                     </p:animEffect>
@@ -17506,7 +17671,7 @@
                                           </p:stCondLst>
                                         </p:cTn>
                                         <p:tgtEl>
-                                          <p:spTgt spid="74"/>
+                                          <p:spTgt spid="148"/>
                                         </p:tgtEl>
                                         <p:attrNameLst>
                                           <p:attrName>style.visibility</p:attrName>
@@ -17520,7 +17685,7 @@
                                       <p:cBhvr>
                                         <p:cTn id="210" dur="500"/>
                                         <p:tgtEl>
-                                          <p:spTgt spid="74"/>
+                                          <p:spTgt spid="148"/>
                                         </p:tgtEl>
                                       </p:cBhvr>
                                     </p:animEffect>
@@ -17528,7 +17693,7 @@
                                 </p:cTn>
                               </p:par>
                               <p:par>
-                                <p:cTn id="211" presetID="10" presetClass="entr" presetSubtype="0" fill="hold" nodeType="withEffect">
+                                <p:cTn id="211" presetID="10" presetClass="entr" presetSubtype="0" fill="hold" grpId="0" nodeType="withEffect">
                                   <p:stCondLst>
                                     <p:cond delay="0"/>
                                   </p:stCondLst>
@@ -17541,7 +17706,7 @@
                                           </p:stCondLst>
                                         </p:cTn>
                                         <p:tgtEl>
-                                          <p:spTgt spid="152"/>
+                                          <p:spTgt spid="68"/>
                                         </p:tgtEl>
                                         <p:attrNameLst>
                                           <p:attrName>style.visibility</p:attrName>
@@ -17554,6 +17719,76 @@
                                     <p:animEffect transition="in" filter="fade">
                                       <p:cBhvr>
                                         <p:cTn id="213" dur="500"/>
+                                        <p:tgtEl>
+                                          <p:spTgt spid="68"/>
+                                        </p:tgtEl>
+                                      </p:cBhvr>
+                                    </p:animEffect>
+                                  </p:childTnLst>
+                                </p:cTn>
+                              </p:par>
+                              <p:par>
+                                <p:cTn id="214" presetID="10" presetClass="entr" presetSubtype="0" fill="hold" nodeType="withEffect">
+                                  <p:stCondLst>
+                                    <p:cond delay="0"/>
+                                  </p:stCondLst>
+                                  <p:childTnLst>
+                                    <p:set>
+                                      <p:cBhvr>
+                                        <p:cTn id="215" dur="1" fill="hold">
+                                          <p:stCondLst>
+                                            <p:cond delay="0"/>
+                                          </p:stCondLst>
+                                        </p:cTn>
+                                        <p:tgtEl>
+                                          <p:spTgt spid="74"/>
+                                        </p:tgtEl>
+                                        <p:attrNameLst>
+                                          <p:attrName>style.visibility</p:attrName>
+                                        </p:attrNameLst>
+                                      </p:cBhvr>
+                                      <p:to>
+                                        <p:strVal val="visible"/>
+                                      </p:to>
+                                    </p:set>
+                                    <p:animEffect transition="in" filter="fade">
+                                      <p:cBhvr>
+                                        <p:cTn id="216" dur="500"/>
+                                        <p:tgtEl>
+                                          <p:spTgt spid="74"/>
+                                        </p:tgtEl>
+                                      </p:cBhvr>
+                                    </p:animEffect>
+                                  </p:childTnLst>
+                                </p:cTn>
+                              </p:par>
+                              <p:par>
+                                <p:cTn id="217" presetID="10" presetClass="entr" presetSubtype="0" fill="hold" nodeType="withEffect">
+                                  <p:stCondLst>
+                                    <p:cond delay="0"/>
+                                  </p:stCondLst>
+                                  <p:childTnLst>
+                                    <p:set>
+                                      <p:cBhvr>
+                                        <p:cTn id="218" dur="1" fill="hold">
+                                          <p:stCondLst>
+                                            <p:cond delay="0"/>
+                                          </p:stCondLst>
+                                        </p:cTn>
+                                        <p:tgtEl>
+                                          <p:spTgt spid="152"/>
+                                        </p:tgtEl>
+                                        <p:attrNameLst>
+                                          <p:attrName>style.visibility</p:attrName>
+                                        </p:attrNameLst>
+                                      </p:cBhvr>
+                                      <p:to>
+                                        <p:strVal val="visible"/>
+                                      </p:to>
+                                    </p:set>
+                                    <p:animEffect transition="in" filter="fade">
+                                      <p:cBhvr>
+                                        <p:cTn id="219" dur="500"/>
                                         <p:tgtEl>
                                           <p:spTgt spid="152"/>
                                         </p:tgtEl>
@@ -17569,26 +17804,26 @@
                     </p:cTn>
                   </p:par>
                   <p:par>
-                    <p:cTn id="214" fill="hold">
+                    <p:cTn id="220" fill="hold">
                       <p:stCondLst>
                         <p:cond delay="indefinite"/>
                       </p:stCondLst>
                       <p:childTnLst>
                         <p:par>
-                          <p:cTn id="215" fill="hold">
+                          <p:cTn id="221" fill="hold">
                             <p:stCondLst>
                               <p:cond delay="0"/>
                             </p:stCondLst>
                             <p:childTnLst>
                               <p:par>
-                                <p:cTn id="216" presetID="10" presetClass="entr" presetSubtype="0" fill="hold" grpId="0" nodeType="clickEffect">
+                                <p:cTn id="222" presetID="10" presetClass="entr" presetSubtype="0" fill="hold" grpId="0" nodeType="clickEffect">
                                   <p:stCondLst>
                                     <p:cond delay="0"/>
                                   </p:stCondLst>
                                   <p:childTnLst>
                                     <p:set>
                                       <p:cBhvr>
-                                        <p:cTn id="217" dur="1" fill="hold">
+                                        <p:cTn id="223" dur="1" fill="hold">
                                           <p:stCondLst>
                                             <p:cond delay="0"/>
                                           </p:stCondLst>
@@ -17606,7 +17841,7 @@
                                     </p:set>
                                     <p:animEffect transition="in" filter="fade">
                                       <p:cBhvr>
-                                        <p:cTn id="218" dur="500"/>
+                                        <p:cTn id="224" dur="500"/>
                                         <p:tgtEl>
                                           <p:spTgt spid="70"/>
                                         </p:tgtEl>
@@ -17616,14 +17851,14 @@
                                 </p:cTn>
                               </p:par>
                               <p:par>
-                                <p:cTn id="219" presetID="10" presetClass="entr" presetSubtype="0" fill="hold" nodeType="withEffect">
+                                <p:cTn id="225" presetID="10" presetClass="entr" presetSubtype="0" fill="hold" nodeType="withEffect">
                                   <p:stCondLst>
                                     <p:cond delay="0"/>
                                   </p:stCondLst>
                                   <p:childTnLst>
                                     <p:set>
                                       <p:cBhvr>
-                                        <p:cTn id="220" dur="1" fill="hold">
+                                        <p:cTn id="226" dur="1" fill="hold">
                                           <p:stCondLst>
                                             <p:cond delay="0"/>
                                           </p:stCondLst>
@@ -17641,7 +17876,7 @@
                                     </p:set>
                                     <p:animEffect transition="in" filter="fade">
                                       <p:cBhvr>
-                                        <p:cTn id="221" dur="500"/>
+                                        <p:cTn id="227" dur="500"/>
                                         <p:tgtEl>
                                           <p:spTgt spid="76"/>
                                         </p:tgtEl>
@@ -17651,14 +17886,14 @@
                                 </p:cTn>
                               </p:par>
                               <p:par>
-                                <p:cTn id="222" presetID="10" presetClass="entr" presetSubtype="0" fill="hold" nodeType="withEffect">
+                                <p:cTn id="228" presetID="10" presetClass="entr" presetSubtype="0" fill="hold" nodeType="withEffect">
                                   <p:stCondLst>
                                     <p:cond delay="0"/>
                                   </p:stCondLst>
                                   <p:childTnLst>
                                     <p:set>
                                       <p:cBhvr>
-                                        <p:cTn id="223" dur="1" fill="hold">
+                                        <p:cTn id="229" dur="1" fill="hold">
                                           <p:stCondLst>
                                             <p:cond delay="0"/>
                                           </p:stCondLst>
@@ -17676,7 +17911,7 @@
                                     </p:set>
                                     <p:animEffect transition="in" filter="fade">
                                       <p:cBhvr>
-                                        <p:cTn id="224" dur="500"/>
+                                        <p:cTn id="230" dur="500"/>
                                         <p:tgtEl>
                                           <p:spTgt spid="156"/>
                                         </p:tgtEl>
@@ -17692,26 +17927,26 @@
                     </p:cTn>
                   </p:par>
                   <p:par>
-                    <p:cTn id="225" fill="hold">
+                    <p:cTn id="231" fill="hold">
                       <p:stCondLst>
                         <p:cond delay="indefinite"/>
                       </p:stCondLst>
                       <p:childTnLst>
                         <p:par>
-                          <p:cTn id="226" fill="hold">
+                          <p:cTn id="232" fill="hold">
                             <p:stCondLst>
                               <p:cond delay="0"/>
                             </p:stCondLst>
                             <p:childTnLst>
                               <p:par>
-                                <p:cTn id="227" presetID="10" presetClass="entr" presetSubtype="0" fill="hold" grpId="0" nodeType="clickEffect">
+                                <p:cTn id="233" presetID="10" presetClass="entr" presetSubtype="0" fill="hold" grpId="0" nodeType="clickEffect">
                                   <p:stCondLst>
                                     <p:cond delay="0"/>
                                   </p:stCondLst>
                                   <p:childTnLst>
                                     <p:set>
                                       <p:cBhvr>
-                                        <p:cTn id="228" dur="1" fill="hold">
+                                        <p:cTn id="234" dur="1" fill="hold">
                                           <p:stCondLst>
                                             <p:cond delay="0"/>
                                           </p:stCondLst>
@@ -17729,7 +17964,7 @@
                                     </p:set>
                                     <p:animEffect transition="in" filter="fade">
                                       <p:cBhvr>
-                                        <p:cTn id="229" dur="500"/>
+                                        <p:cTn id="235" dur="500"/>
                                         <p:tgtEl>
                                           <p:spTgt spid="69"/>
                                         </p:tgtEl>
@@ -17739,14 +17974,14 @@
                                 </p:cTn>
                               </p:par>
                               <p:par>
-                                <p:cTn id="230" presetID="10" presetClass="entr" presetSubtype="0" fill="hold" nodeType="withEffect">
+                                <p:cTn id="236" presetID="10" presetClass="entr" presetSubtype="0" fill="hold" nodeType="withEffect">
                                   <p:stCondLst>
                                     <p:cond delay="0"/>
                                   </p:stCondLst>
                                   <p:childTnLst>
                                     <p:set>
                                       <p:cBhvr>
-                                        <p:cTn id="231" dur="1" fill="hold">
+                                        <p:cTn id="237" dur="1" fill="hold">
                                           <p:stCondLst>
                                             <p:cond delay="0"/>
                                           </p:stCondLst>
@@ -17764,7 +17999,7 @@
                                     </p:set>
                                     <p:animEffect transition="in" filter="fade">
                                       <p:cBhvr>
-                                        <p:cTn id="232" dur="500"/>
+                                        <p:cTn id="238" dur="500"/>
                                         <p:tgtEl>
                                           <p:spTgt spid="78"/>
                                         </p:tgtEl>
@@ -17774,14 +18009,14 @@
                                 </p:cTn>
                               </p:par>
                               <p:par>
-                                <p:cTn id="233" presetID="10" presetClass="entr" presetSubtype="0" fill="hold" nodeType="withEffect">
+                                <p:cTn id="239" presetID="10" presetClass="entr" presetSubtype="0" fill="hold" nodeType="withEffect">
                                   <p:stCondLst>
                                     <p:cond delay="0"/>
                                   </p:stCondLst>
                                   <p:childTnLst>
                                     <p:set>
                                       <p:cBhvr>
-                                        <p:cTn id="234" dur="1" fill="hold">
+                                        <p:cTn id="240" dur="1" fill="hold">
                                           <p:stCondLst>
                                             <p:cond delay="0"/>
                                           </p:stCondLst>
@@ -17799,7 +18034,7 @@
                                     </p:set>
                                     <p:animEffect transition="in" filter="fade">
                                       <p:cBhvr>
-                                        <p:cTn id="235" dur="500"/>
+                                        <p:cTn id="241" dur="500"/>
                                         <p:tgtEl>
                                           <p:spTgt spid="160"/>
                                         </p:tgtEl>

--- a/2022-07-20 Dotnet Foundation Summit 2022/ABP-DNF-Summit-2022.pptx
+++ b/2022-07-20 Dotnet Foundation Summit 2022/ABP-DNF-Summit-2022.pptx
@@ -274,7 +274,7 @@
           <a:p>
             <a:fld id="{2A14C9FE-EBC3-45D3-899C-58AAF4F8AF71}" type="datetimeFigureOut">
               <a:rPr lang="en-US" smtClean="0"/>
-              <a:t>16-Jul-22</a:t>
+              <a:t>17-Jul-22</a:t>
             </a:fld>
             <a:endParaRPr lang="en-US"/>
           </a:p>
@@ -472,7 +472,7 @@
           <a:p>
             <a:fld id="{2A14C9FE-EBC3-45D3-899C-58AAF4F8AF71}" type="datetimeFigureOut">
               <a:rPr lang="en-US" smtClean="0"/>
-              <a:t>16-Jul-22</a:t>
+              <a:t>17-Jul-22</a:t>
             </a:fld>
             <a:endParaRPr lang="en-US"/>
           </a:p>
@@ -680,7 +680,7 @@
           <a:p>
             <a:fld id="{2A14C9FE-EBC3-45D3-899C-58AAF4F8AF71}" type="datetimeFigureOut">
               <a:rPr lang="en-US" smtClean="0"/>
-              <a:t>16-Jul-22</a:t>
+              <a:t>17-Jul-22</a:t>
             </a:fld>
             <a:endParaRPr lang="en-US"/>
           </a:p>
@@ -878,7 +878,7 @@
           <a:p>
             <a:fld id="{2A14C9FE-EBC3-45D3-899C-58AAF4F8AF71}" type="datetimeFigureOut">
               <a:rPr lang="en-US" smtClean="0"/>
-              <a:t>16-Jul-22</a:t>
+              <a:t>17-Jul-22</a:t>
             </a:fld>
             <a:endParaRPr lang="en-US"/>
           </a:p>
@@ -1153,7 +1153,7 @@
           <a:p>
             <a:fld id="{2A14C9FE-EBC3-45D3-899C-58AAF4F8AF71}" type="datetimeFigureOut">
               <a:rPr lang="en-US" smtClean="0"/>
-              <a:t>16-Jul-22</a:t>
+              <a:t>17-Jul-22</a:t>
             </a:fld>
             <a:endParaRPr lang="en-US"/>
           </a:p>
@@ -1418,7 +1418,7 @@
           <a:p>
             <a:fld id="{2A14C9FE-EBC3-45D3-899C-58AAF4F8AF71}" type="datetimeFigureOut">
               <a:rPr lang="en-US" smtClean="0"/>
-              <a:t>16-Jul-22</a:t>
+              <a:t>17-Jul-22</a:t>
             </a:fld>
             <a:endParaRPr lang="en-US"/>
           </a:p>
@@ -1830,7 +1830,7 @@
           <a:p>
             <a:fld id="{2A14C9FE-EBC3-45D3-899C-58AAF4F8AF71}" type="datetimeFigureOut">
               <a:rPr lang="en-US" smtClean="0"/>
-              <a:t>16-Jul-22</a:t>
+              <a:t>17-Jul-22</a:t>
             </a:fld>
             <a:endParaRPr lang="en-US"/>
           </a:p>
@@ -1971,7 +1971,7 @@
           <a:p>
             <a:fld id="{2A14C9FE-EBC3-45D3-899C-58AAF4F8AF71}" type="datetimeFigureOut">
               <a:rPr lang="en-US" smtClean="0"/>
-              <a:t>16-Jul-22</a:t>
+              <a:t>17-Jul-22</a:t>
             </a:fld>
             <a:endParaRPr lang="en-US"/>
           </a:p>
@@ -2084,7 +2084,7 @@
           <a:p>
             <a:fld id="{2A14C9FE-EBC3-45D3-899C-58AAF4F8AF71}" type="datetimeFigureOut">
               <a:rPr lang="en-US" smtClean="0"/>
-              <a:t>16-Jul-22</a:t>
+              <a:t>17-Jul-22</a:t>
             </a:fld>
             <a:endParaRPr lang="en-US"/>
           </a:p>
@@ -2395,7 +2395,7 @@
           <a:p>
             <a:fld id="{2A14C9FE-EBC3-45D3-899C-58AAF4F8AF71}" type="datetimeFigureOut">
               <a:rPr lang="en-US" smtClean="0"/>
-              <a:t>16-Jul-22</a:t>
+              <a:t>17-Jul-22</a:t>
             </a:fld>
             <a:endParaRPr lang="en-US"/>
           </a:p>
@@ -2683,7 +2683,7 @@
           <a:p>
             <a:fld id="{2A14C9FE-EBC3-45D3-899C-58AAF4F8AF71}" type="datetimeFigureOut">
               <a:rPr lang="en-US" smtClean="0"/>
-              <a:t>16-Jul-22</a:t>
+              <a:t>17-Jul-22</a:t>
             </a:fld>
             <a:endParaRPr lang="en-US"/>
           </a:p>
@@ -2924,7 +2924,7 @@
           <a:p>
             <a:fld id="{2A14C9FE-EBC3-45D3-899C-58AAF4F8AF71}" type="datetimeFigureOut">
               <a:rPr lang="en-US" smtClean="0"/>
-              <a:t>16-Jul-22</a:t>
+              <a:t>17-Jul-22</a:t>
             </a:fld>
             <a:endParaRPr lang="en-US"/>
           </a:p>
@@ -5917,7 +5917,7 @@
                 <a:latin typeface="Euclid Circular B" panose="020B0504000000000000" pitchFamily="34" charset="0"/>
                 <a:ea typeface="Euclid Circular B" panose="020B0504000000000000" pitchFamily="34" charset="0"/>
               </a:rPr>
-              <a:t>Tag Helpers / Dynamic Forms</a:t>
+              <a:t>MVC Tag Helpers / Dynamic Forms</a:t>
             </a:r>
           </a:p>
         </p:txBody>
@@ -6224,39 +6224,21 @@
                                   </p:childTnLst>
                                 </p:cTn>
                               </p:par>
-                            </p:childTnLst>
-                          </p:cTn>
-                        </p:par>
-                      </p:childTnLst>
-                    </p:cTn>
-                  </p:par>
-                  <p:par>
-                    <p:cTn id="8" fill="hold">
-                      <p:stCondLst>
-                        <p:cond delay="indefinite"/>
-                      </p:stCondLst>
-                      <p:childTnLst>
-                        <p:par>
-                          <p:cTn id="9" fill="hold">
-                            <p:stCondLst>
-                              <p:cond delay="0"/>
-                            </p:stCondLst>
-                            <p:childTnLst>
                               <p:par>
-                                <p:cTn id="10" presetID="10" presetClass="entr" presetSubtype="0" fill="hold" nodeType="clickEffect">
+                                <p:cTn id="8" presetID="10" presetClass="entr" presetSubtype="0" fill="hold" nodeType="withEffect">
                                   <p:stCondLst>
                                     <p:cond delay="0"/>
                                   </p:stCondLst>
                                   <p:childTnLst>
                                     <p:set>
                                       <p:cBhvr>
-                                        <p:cTn id="11" dur="1" fill="hold">
+                                        <p:cTn id="9" dur="1" fill="hold">
                                           <p:stCondLst>
                                             <p:cond delay="0"/>
                                           </p:stCondLst>
                                         </p:cTn>
                                         <p:tgtEl>
-                                          <p:spTgt spid="9"/>
+                                          <p:spTgt spid="7"/>
                                         </p:tgtEl>
                                         <p:attrNameLst>
                                           <p:attrName>style.visibility</p:attrName>
@@ -6268,48 +6250,30 @@
                                     </p:set>
                                     <p:animEffect transition="in" filter="fade">
                                       <p:cBhvr>
-                                        <p:cTn id="12" dur="500"/>
-                                        <p:tgtEl>
-                                          <p:spTgt spid="9"/>
+                                        <p:cTn id="10" dur="500"/>
+                                        <p:tgtEl>
+                                          <p:spTgt spid="7"/>
                                         </p:tgtEl>
                                       </p:cBhvr>
                                     </p:animEffect>
                                   </p:childTnLst>
                                 </p:cTn>
                               </p:par>
-                            </p:childTnLst>
-                          </p:cTn>
-                        </p:par>
-                      </p:childTnLst>
-                    </p:cTn>
-                  </p:par>
-                  <p:par>
-                    <p:cTn id="13" fill="hold">
-                      <p:stCondLst>
-                        <p:cond delay="indefinite"/>
-                      </p:stCondLst>
-                      <p:childTnLst>
-                        <p:par>
-                          <p:cTn id="14" fill="hold">
-                            <p:stCondLst>
-                              <p:cond delay="0"/>
-                            </p:stCondLst>
-                            <p:childTnLst>
                               <p:par>
-                                <p:cTn id="15" presetID="10" presetClass="entr" presetSubtype="0" fill="hold" nodeType="clickEffect">
+                                <p:cTn id="11" presetID="10" presetClass="entr" presetSubtype="0" fill="hold" nodeType="withEffect">
                                   <p:stCondLst>
                                     <p:cond delay="0"/>
                                   </p:stCondLst>
                                   <p:childTnLst>
                                     <p:set>
                                       <p:cBhvr>
-                                        <p:cTn id="16" dur="1" fill="hold">
+                                        <p:cTn id="12" dur="1" fill="hold">
                                           <p:stCondLst>
                                             <p:cond delay="0"/>
                                           </p:stCondLst>
                                         </p:cTn>
                                         <p:tgtEl>
-                                          <p:spTgt spid="7"/>
+                                          <p:spTgt spid="8"/>
                                         </p:tgtEl>
                                         <p:attrNameLst>
                                           <p:attrName>style.visibility</p:attrName>
@@ -6321,9 +6285,9 @@
                                     </p:set>
                                     <p:animEffect transition="in" filter="fade">
                                       <p:cBhvr>
-                                        <p:cTn id="17" dur="500"/>
-                                        <p:tgtEl>
-                                          <p:spTgt spid="7"/>
+                                        <p:cTn id="13" dur="500"/>
+                                        <p:tgtEl>
+                                          <p:spTgt spid="8"/>
                                         </p:tgtEl>
                                       </p:cBhvr>
                                     </p:animEffect>
@@ -6331,20 +6295,20 @@
                                 </p:cTn>
                               </p:par>
                               <p:par>
-                                <p:cTn id="18" presetID="10" presetClass="entr" presetSubtype="0" fill="hold" nodeType="withEffect">
+                                <p:cTn id="14" presetID="10" presetClass="entr" presetSubtype="0" fill="hold" nodeType="withEffect">
                                   <p:stCondLst>
                                     <p:cond delay="0"/>
                                   </p:stCondLst>
                                   <p:childTnLst>
                                     <p:set>
                                       <p:cBhvr>
-                                        <p:cTn id="19" dur="1" fill="hold">
+                                        <p:cTn id="15" dur="1" fill="hold">
                                           <p:stCondLst>
                                             <p:cond delay="0"/>
                                           </p:stCondLst>
                                         </p:cTn>
                                         <p:tgtEl>
-                                          <p:spTgt spid="8"/>
+                                          <p:spTgt spid="9"/>
                                         </p:tgtEl>
                                         <p:attrNameLst>
                                           <p:attrName>style.visibility</p:attrName>
@@ -6356,9 +6320,9 @@
                                     </p:set>
                                     <p:animEffect transition="in" filter="fade">
                                       <p:cBhvr>
-                                        <p:cTn id="20" dur="500"/>
-                                        <p:tgtEl>
-                                          <p:spTgt spid="8"/>
+                                        <p:cTn id="16" dur="500"/>
+                                        <p:tgtEl>
+                                          <p:spTgt spid="9"/>
                                         </p:tgtEl>
                                       </p:cBhvr>
                                     </p:animEffect>
@@ -6366,14 +6330,14 @@
                                 </p:cTn>
                               </p:par>
                               <p:par>
-                                <p:cTn id="21" presetID="10" presetClass="entr" presetSubtype="0" fill="hold" grpId="0" nodeType="withEffect">
+                                <p:cTn id="17" presetID="10" presetClass="entr" presetSubtype="0" fill="hold" grpId="0" nodeType="withEffect">
                                   <p:stCondLst>
                                     <p:cond delay="0"/>
                                   </p:stCondLst>
                                   <p:childTnLst>
                                     <p:set>
                                       <p:cBhvr>
-                                        <p:cTn id="22" dur="1" fill="hold">
+                                        <p:cTn id="18" dur="1" fill="hold">
                                           <p:stCondLst>
                                             <p:cond delay="0"/>
                                           </p:stCondLst>
@@ -6391,7 +6355,7 @@
                                     </p:set>
                                     <p:animEffect transition="in" filter="fade">
                                       <p:cBhvr>
-                                        <p:cTn id="23" dur="500"/>
+                                        <p:cTn id="19" dur="500"/>
                                         <p:tgtEl>
                                           <p:spTgt spid="10"/>
                                         </p:tgtEl>

--- a/2022-07-20 Dotnet Foundation Summit 2022/ABP-DNF-Summit-2022.pptx
+++ b/2022-07-20 Dotnet Foundation Summit 2022/ABP-DNF-Summit-2022.pptx
@@ -16,10 +16,10 @@
     <p:sldId id="267" r:id="rId10"/>
     <p:sldId id="269" r:id="rId11"/>
     <p:sldId id="270" r:id="rId12"/>
-    <p:sldId id="271" r:id="rId13"/>
-    <p:sldId id="272" r:id="rId14"/>
-    <p:sldId id="266" r:id="rId15"/>
-    <p:sldId id="274" r:id="rId16"/>
+    <p:sldId id="272" r:id="rId13"/>
+    <p:sldId id="266" r:id="rId14"/>
+    <p:sldId id="274" r:id="rId15"/>
+    <p:sldId id="271" r:id="rId16"/>
     <p:sldId id="273" r:id="rId17"/>
   </p:sldIdLst>
   <p:sldSz cx="12192000" cy="6858000"/>
@@ -6458,114 +6458,6 @@
                 <a:latin typeface="Euclid Circular B" panose="020B0504000000000000" pitchFamily="34" charset="0"/>
                 <a:ea typeface="Euclid Circular B" panose="020B0504000000000000" pitchFamily="34" charset="0"/>
               </a:rPr>
-              <a:t>UI Theming</a:t>
-            </a:r>
-          </a:p>
-        </p:txBody>
-      </p:sp>
-      <p:pic>
-        <p:nvPicPr>
-          <p:cNvPr id="7" name="Picture 6">
-            <a:extLst>
-              <a:ext uri="{FF2B5EF4-FFF2-40B4-BE49-F238E27FC236}">
-                <a16:creationId xmlns:a16="http://schemas.microsoft.com/office/drawing/2014/main" id="{92911D15-FFCC-D8AF-935E-2C07671E5850}"/>
-              </a:ext>
-            </a:extLst>
-          </p:cNvPr>
-          <p:cNvPicPr>
-            <a:picLocks noChangeAspect="1"/>
-          </p:cNvPicPr>
-          <p:nvPr/>
-        </p:nvPicPr>
-        <p:blipFill>
-          <a:blip r:embed="rId3"/>
-          <a:stretch>
-            <a:fillRect/>
-          </a:stretch>
-        </p:blipFill>
-        <p:spPr>
-          <a:xfrm>
-            <a:off x="964948" y="1509619"/>
-            <a:ext cx="7845680" cy="4740592"/>
-          </a:xfrm>
-          <a:prstGeom prst="rect">
-            <a:avLst/>
-          </a:prstGeom>
-        </p:spPr>
-      </p:pic>
-    </p:spTree>
-    <p:extLst>
-      <p:ext uri="{BB962C8B-B14F-4D97-AF65-F5344CB8AC3E}">
-        <p14:creationId xmlns:p14="http://schemas.microsoft.com/office/powerpoint/2010/main" val="3722396271"/>
-      </p:ext>
-    </p:extLst>
-  </p:cSld>
-  <p:clrMapOvr>
-    <a:masterClrMapping/>
-  </p:clrMapOvr>
-</p:sld>
-</file>
-
-<file path=ppt/slides/slide13.xml><?xml version="1.0" encoding="utf-8"?>
-<p:sld xmlns:a="http://schemas.openxmlformats.org/drawingml/2006/main" xmlns:r="http://schemas.openxmlformats.org/officeDocument/2006/relationships" xmlns:p="http://schemas.openxmlformats.org/presentationml/2006/main">
-  <p:cSld>
-    <p:bg>
-      <p:bgPr>
-        <a:blipFill dpi="0" rotWithShape="1">
-          <a:blip r:embed="rId2">
-            <a:lum/>
-          </a:blip>
-          <a:srcRect/>
-          <a:stretch>
-            <a:fillRect/>
-          </a:stretch>
-        </a:blipFill>
-        <a:effectLst/>
-      </p:bgPr>
-    </p:bg>
-    <p:spTree>
-      <p:nvGrpSpPr>
-        <p:cNvPr id="1" name=""/>
-        <p:cNvGrpSpPr/>
-        <p:nvPr/>
-      </p:nvGrpSpPr>
-      <p:grpSpPr>
-        <a:xfrm>
-          <a:off x="0" y="0"/>
-          <a:ext cx="0" cy="0"/>
-          <a:chOff x="0" y="0"/>
-          <a:chExt cx="0" cy="0"/>
-        </a:xfrm>
-      </p:grpSpPr>
-      <p:sp>
-        <p:nvSpPr>
-          <p:cNvPr id="2" name="Title 1">
-            <a:extLst>
-              <a:ext uri="{FF2B5EF4-FFF2-40B4-BE49-F238E27FC236}">
-                <a16:creationId xmlns:a16="http://schemas.microsoft.com/office/drawing/2014/main" id="{55E11F08-6CA0-48F1-AD67-97430DDA07F0}"/>
-              </a:ext>
-            </a:extLst>
-          </p:cNvPr>
-          <p:cNvSpPr>
-            <a:spLocks noGrp="1"/>
-          </p:cNvSpPr>
-          <p:nvPr>
-            <p:ph type="title"/>
-          </p:nvPr>
-        </p:nvSpPr>
-        <p:spPr/>
-        <p:txBody>
-          <a:bodyPr/>
-          <a:lstStyle/>
-          <a:p>
-            <a:r>
-              <a:rPr lang="en-US" b="1" dirty="0">
-                <a:solidFill>
-                  <a:srgbClr val="292D33"/>
-                </a:solidFill>
-                <a:latin typeface="Euclid Circular B" panose="020B0504000000000000" pitchFamily="34" charset="0"/>
-                <a:ea typeface="Euclid Circular B" panose="020B0504000000000000" pitchFamily="34" charset="0"/>
-              </a:rPr>
               <a:t>UI / Database Options</a:t>
             </a:r>
           </a:p>
@@ -6814,7 +6706,7 @@
 </p:sld>
 </file>
 
-<file path=ppt/slides/slide14.xml><?xml version="1.0" encoding="utf-8"?>
+<file path=ppt/slides/slide13.xml><?xml version="1.0" encoding="utf-8"?>
 <p:sld xmlns:a="http://schemas.openxmlformats.org/drawingml/2006/main" xmlns:r="http://schemas.openxmlformats.org/officeDocument/2006/relationships" xmlns:p="http://schemas.openxmlformats.org/presentationml/2006/main">
   <p:cSld>
     <p:bg>
@@ -7555,6 +7447,162 @@
 </p:sld>
 </file>
 
+<file path=ppt/slides/slide14.xml><?xml version="1.0" encoding="utf-8"?>
+<p:sld xmlns:a="http://schemas.openxmlformats.org/drawingml/2006/main" xmlns:r="http://schemas.openxmlformats.org/officeDocument/2006/relationships" xmlns:p="http://schemas.openxmlformats.org/presentationml/2006/main">
+  <p:cSld>
+    <p:bg>
+      <p:bgPr>
+        <a:blipFill dpi="0" rotWithShape="1">
+          <a:blip r:embed="rId2">
+            <a:lum/>
+          </a:blip>
+          <a:srcRect/>
+          <a:stretch>
+            <a:fillRect/>
+          </a:stretch>
+        </a:blipFill>
+        <a:effectLst/>
+      </p:bgPr>
+    </p:bg>
+    <p:spTree>
+      <p:nvGrpSpPr>
+        <p:cNvPr id="1" name=""/>
+        <p:cNvGrpSpPr/>
+        <p:nvPr/>
+      </p:nvGrpSpPr>
+      <p:grpSpPr>
+        <a:xfrm>
+          <a:off x="0" y="0"/>
+          <a:ext cx="0" cy="0"/>
+          <a:chOff x="0" y="0"/>
+          <a:chExt cx="0" cy="0"/>
+        </a:xfrm>
+      </p:grpSpPr>
+      <p:sp>
+        <p:nvSpPr>
+          <p:cNvPr id="2" name="Title 1">
+            <a:extLst>
+              <a:ext uri="{FF2B5EF4-FFF2-40B4-BE49-F238E27FC236}">
+                <a16:creationId xmlns:a16="http://schemas.microsoft.com/office/drawing/2014/main" id="{55E11F08-6CA0-48F1-AD67-97430DDA07F0}"/>
+              </a:ext>
+            </a:extLst>
+          </p:cNvPr>
+          <p:cNvSpPr>
+            <a:spLocks noGrp="1"/>
+          </p:cNvSpPr>
+          <p:nvPr>
+            <p:ph type="title"/>
+          </p:nvPr>
+        </p:nvSpPr>
+        <p:spPr/>
+        <p:txBody>
+          <a:bodyPr/>
+          <a:lstStyle/>
+          <a:p>
+            <a:r>
+              <a:rPr lang="en-US" b="1" dirty="0">
+                <a:solidFill>
+                  <a:srgbClr val="292D33"/>
+                </a:solidFill>
+                <a:latin typeface="Euclid Circular B" panose="020B0504000000000000" pitchFamily="34" charset="0"/>
+                <a:ea typeface="Euclid Circular B" panose="020B0504000000000000" pitchFamily="34" charset="0"/>
+              </a:rPr>
+              <a:t>ABP in Action!</a:t>
+            </a:r>
+          </a:p>
+        </p:txBody>
+      </p:sp>
+      <p:sp>
+        <p:nvSpPr>
+          <p:cNvPr id="3" name="Content Placeholder 2">
+            <a:extLst>
+              <a:ext uri="{FF2B5EF4-FFF2-40B4-BE49-F238E27FC236}">
+                <a16:creationId xmlns:a16="http://schemas.microsoft.com/office/drawing/2014/main" id="{891C7693-D3DF-4635-96F4-97F3B4136FDF}"/>
+              </a:ext>
+            </a:extLst>
+          </p:cNvPr>
+          <p:cNvSpPr>
+            <a:spLocks noGrp="1"/>
+          </p:cNvSpPr>
+          <p:nvPr>
+            <p:ph idx="1"/>
+          </p:nvPr>
+        </p:nvSpPr>
+        <p:spPr>
+          <a:xfrm>
+            <a:off x="838200" y="2390115"/>
+            <a:ext cx="10515600" cy="3786848"/>
+          </a:xfrm>
+        </p:spPr>
+        <p:txBody>
+          <a:bodyPr>
+            <a:normAutofit/>
+          </a:bodyPr>
+          <a:lstStyle/>
+          <a:p>
+            <a:pPr marL="0" indent="0" algn="ctr">
+              <a:buNone/>
+            </a:pPr>
+            <a:r>
+              <a:rPr lang="en-US" sz="12000" dirty="0">
+                <a:latin typeface="Euclid Circular B" panose="020B0504000000000000" pitchFamily="34" charset="0"/>
+                <a:ea typeface="Euclid Circular B" panose="020B0504000000000000" pitchFamily="34" charset="0"/>
+              </a:rPr>
+              <a:t>DEMO</a:t>
+            </a:r>
+          </a:p>
+          <a:p>
+            <a:pPr marL="0" indent="0" algn="ctr">
+              <a:buNone/>
+            </a:pPr>
+            <a:r>
+              <a:rPr lang="en-US" sz="4800" dirty="0">
+                <a:latin typeface="Euclid Circular B" panose="020B0504000000000000" pitchFamily="34" charset="0"/>
+                <a:ea typeface="Euclid Circular B" panose="020B0504000000000000" pitchFamily="34" charset="0"/>
+              </a:rPr>
+              <a:t>by </a:t>
+            </a:r>
+            <a:r>
+              <a:rPr lang="en-US" sz="4800" dirty="0" err="1">
+                <a:latin typeface="Euclid Circular B" panose="020B0504000000000000" pitchFamily="34" charset="0"/>
+                <a:ea typeface="Euclid Circular B" panose="020B0504000000000000" pitchFamily="34" charset="0"/>
+              </a:rPr>
+              <a:t>Alper</a:t>
+            </a:r>
+            <a:r>
+              <a:rPr lang="en-US" sz="4800" dirty="0">
+                <a:latin typeface="Euclid Circular B" panose="020B0504000000000000" pitchFamily="34" charset="0"/>
+                <a:ea typeface="Euclid Circular B" panose="020B0504000000000000" pitchFamily="34" charset="0"/>
+              </a:rPr>
+              <a:t> </a:t>
+            </a:r>
+            <a:r>
+              <a:rPr lang="en-US" sz="4800" dirty="0" err="1">
+                <a:latin typeface="Euclid Circular B" panose="020B0504000000000000" pitchFamily="34" charset="0"/>
+                <a:ea typeface="Euclid Circular B" panose="020B0504000000000000" pitchFamily="34" charset="0"/>
+              </a:rPr>
+              <a:t>Ebiçoğlu</a:t>
+            </a:r>
+            <a:endParaRPr lang="en-US" sz="4800" dirty="0">
+              <a:latin typeface="Euclid Circular B" panose="020B0504000000000000" pitchFamily="34" charset="0"/>
+              <a:ea typeface="Euclid Circular B" panose="020B0504000000000000" pitchFamily="34" charset="0"/>
+            </a:endParaRPr>
+          </a:p>
+        </p:txBody>
+      </p:sp>
+    </p:spTree>
+    <p:extLst>
+      <p:ext uri="{BB962C8B-B14F-4D97-AF65-F5344CB8AC3E}">
+        <p14:creationId xmlns:p14="http://schemas.microsoft.com/office/powerpoint/2010/main" val="3099850905"/>
+      </p:ext>
+    </p:extLst>
+  </p:cSld>
+  <p:clrMapOvr>
+    <a:masterClrMapping/>
+  </p:clrMapOvr>
+</p:sld>
+</file>
+
 <file path=ppt/slides/slide15.xml><?xml version="1.0" encoding="utf-8"?>
 <p:sld xmlns:a="http://schemas.openxmlformats.org/drawingml/2006/main" xmlns:r="http://schemas.openxmlformats.org/officeDocument/2006/relationships" xmlns:p="http://schemas.openxmlformats.org/presentationml/2006/main">
   <p:cSld>
@@ -7615,93 +7663,45 @@
                 <a:latin typeface="Euclid Circular B" panose="020B0504000000000000" pitchFamily="34" charset="0"/>
                 <a:ea typeface="Euclid Circular B" panose="020B0504000000000000" pitchFamily="34" charset="0"/>
               </a:rPr>
-              <a:t>ABP in Action!</a:t>
+              <a:t>UI Theming</a:t>
             </a:r>
           </a:p>
         </p:txBody>
       </p:sp>
-      <p:sp>
-        <p:nvSpPr>
-          <p:cNvPr id="3" name="Content Placeholder 2">
-            <a:extLst>
-              <a:ext uri="{FF2B5EF4-FFF2-40B4-BE49-F238E27FC236}">
-                <a16:creationId xmlns:a16="http://schemas.microsoft.com/office/drawing/2014/main" id="{891C7693-D3DF-4635-96F4-97F3B4136FDF}"/>
-              </a:ext>
-            </a:extLst>
-          </p:cNvPr>
-          <p:cNvSpPr>
-            <a:spLocks noGrp="1"/>
-          </p:cNvSpPr>
-          <p:nvPr>
-            <p:ph idx="1"/>
-          </p:nvPr>
-        </p:nvSpPr>
+      <p:pic>
+        <p:nvPicPr>
+          <p:cNvPr id="7" name="Picture 6">
+            <a:extLst>
+              <a:ext uri="{FF2B5EF4-FFF2-40B4-BE49-F238E27FC236}">
+                <a16:creationId xmlns:a16="http://schemas.microsoft.com/office/drawing/2014/main" id="{92911D15-FFCC-D8AF-935E-2C07671E5850}"/>
+              </a:ext>
+            </a:extLst>
+          </p:cNvPr>
+          <p:cNvPicPr>
+            <a:picLocks noChangeAspect="1"/>
+          </p:cNvPicPr>
+          <p:nvPr/>
+        </p:nvPicPr>
+        <p:blipFill>
+          <a:blip r:embed="rId3"/>
+          <a:stretch>
+            <a:fillRect/>
+          </a:stretch>
+        </p:blipFill>
         <p:spPr>
           <a:xfrm>
-            <a:off x="838200" y="2390115"/>
-            <a:ext cx="10515600" cy="3786848"/>
+            <a:off x="964948" y="1509619"/>
+            <a:ext cx="7845680" cy="4740592"/>
           </a:xfrm>
+          <a:prstGeom prst="rect">
+            <a:avLst/>
+          </a:prstGeom>
         </p:spPr>
-        <p:txBody>
-          <a:bodyPr>
-            <a:normAutofit/>
-          </a:bodyPr>
-          <a:lstStyle/>
-          <a:p>
-            <a:pPr marL="0" indent="0" algn="ctr">
-              <a:buNone/>
-            </a:pPr>
-            <a:r>
-              <a:rPr lang="en-US" sz="12000" dirty="0">
-                <a:latin typeface="Euclid Circular B" panose="020B0504000000000000" pitchFamily="34" charset="0"/>
-                <a:ea typeface="Euclid Circular B" panose="020B0504000000000000" pitchFamily="34" charset="0"/>
-              </a:rPr>
-              <a:t>DEMO</a:t>
-            </a:r>
-          </a:p>
-          <a:p>
-            <a:pPr marL="0" indent="0" algn="ctr">
-              <a:buNone/>
-            </a:pPr>
-            <a:r>
-              <a:rPr lang="en-US" sz="4800" dirty="0">
-                <a:latin typeface="Euclid Circular B" panose="020B0504000000000000" pitchFamily="34" charset="0"/>
-                <a:ea typeface="Euclid Circular B" panose="020B0504000000000000" pitchFamily="34" charset="0"/>
-              </a:rPr>
-              <a:t>by </a:t>
-            </a:r>
-            <a:r>
-              <a:rPr lang="en-US" sz="4800" dirty="0" err="1">
-                <a:latin typeface="Euclid Circular B" panose="020B0504000000000000" pitchFamily="34" charset="0"/>
-                <a:ea typeface="Euclid Circular B" panose="020B0504000000000000" pitchFamily="34" charset="0"/>
-              </a:rPr>
-              <a:t>Alper</a:t>
-            </a:r>
-            <a:r>
-              <a:rPr lang="en-US" sz="4800" dirty="0">
-                <a:latin typeface="Euclid Circular B" panose="020B0504000000000000" pitchFamily="34" charset="0"/>
-                <a:ea typeface="Euclid Circular B" panose="020B0504000000000000" pitchFamily="34" charset="0"/>
-              </a:rPr>
-              <a:t> </a:t>
-            </a:r>
-            <a:r>
-              <a:rPr lang="en-US" sz="4800" dirty="0" err="1">
-                <a:latin typeface="Euclid Circular B" panose="020B0504000000000000" pitchFamily="34" charset="0"/>
-                <a:ea typeface="Euclid Circular B" panose="020B0504000000000000" pitchFamily="34" charset="0"/>
-              </a:rPr>
-              <a:t>Ebiçoğlu</a:t>
-            </a:r>
-            <a:endParaRPr lang="en-US" sz="4800" dirty="0">
-              <a:latin typeface="Euclid Circular B" panose="020B0504000000000000" pitchFamily="34" charset="0"/>
-              <a:ea typeface="Euclid Circular B" panose="020B0504000000000000" pitchFamily="34" charset="0"/>
-            </a:endParaRPr>
-          </a:p>
-        </p:txBody>
-      </p:sp>
+      </p:pic>
     </p:spTree>
     <p:extLst>
       <p:ext uri="{BB962C8B-B14F-4D97-AF65-F5344CB8AC3E}">
-        <p14:creationId xmlns:p14="http://schemas.microsoft.com/office/powerpoint/2010/main" val="3099850905"/>
+        <p14:creationId xmlns:p14="http://schemas.microsoft.com/office/powerpoint/2010/main" val="3722396271"/>
       </p:ext>
     </p:extLst>
   </p:cSld>

--- a/2022-07-20 Dotnet Foundation Summit 2022/ABP-DNF-Summit-2022.pptx
+++ b/2022-07-20 Dotnet Foundation Summit 2022/ABP-DNF-Summit-2022.pptx
@@ -274,7 +274,7 @@
           <a:p>
             <a:fld id="{2A14C9FE-EBC3-45D3-899C-58AAF4F8AF71}" type="datetimeFigureOut">
               <a:rPr lang="en-US" smtClean="0"/>
-              <a:t>17-Jul-22</a:t>
+              <a:t>19-Jul-22</a:t>
             </a:fld>
             <a:endParaRPr lang="en-US"/>
           </a:p>
@@ -472,7 +472,7 @@
           <a:p>
             <a:fld id="{2A14C9FE-EBC3-45D3-899C-58AAF4F8AF71}" type="datetimeFigureOut">
               <a:rPr lang="en-US" smtClean="0"/>
-              <a:t>17-Jul-22</a:t>
+              <a:t>19-Jul-22</a:t>
             </a:fld>
             <a:endParaRPr lang="en-US"/>
           </a:p>
@@ -680,7 +680,7 @@
           <a:p>
             <a:fld id="{2A14C9FE-EBC3-45D3-899C-58AAF4F8AF71}" type="datetimeFigureOut">
               <a:rPr lang="en-US" smtClean="0"/>
-              <a:t>17-Jul-22</a:t>
+              <a:t>19-Jul-22</a:t>
             </a:fld>
             <a:endParaRPr lang="en-US"/>
           </a:p>
@@ -878,7 +878,7 @@
           <a:p>
             <a:fld id="{2A14C9FE-EBC3-45D3-899C-58AAF4F8AF71}" type="datetimeFigureOut">
               <a:rPr lang="en-US" smtClean="0"/>
-              <a:t>17-Jul-22</a:t>
+              <a:t>19-Jul-22</a:t>
             </a:fld>
             <a:endParaRPr lang="en-US"/>
           </a:p>
@@ -1153,7 +1153,7 @@
           <a:p>
             <a:fld id="{2A14C9FE-EBC3-45D3-899C-58AAF4F8AF71}" type="datetimeFigureOut">
               <a:rPr lang="en-US" smtClean="0"/>
-              <a:t>17-Jul-22</a:t>
+              <a:t>19-Jul-22</a:t>
             </a:fld>
             <a:endParaRPr lang="en-US"/>
           </a:p>
@@ -1418,7 +1418,7 @@
           <a:p>
             <a:fld id="{2A14C9FE-EBC3-45D3-899C-58AAF4F8AF71}" type="datetimeFigureOut">
               <a:rPr lang="en-US" smtClean="0"/>
-              <a:t>17-Jul-22</a:t>
+              <a:t>19-Jul-22</a:t>
             </a:fld>
             <a:endParaRPr lang="en-US"/>
           </a:p>
@@ -1830,7 +1830,7 @@
           <a:p>
             <a:fld id="{2A14C9FE-EBC3-45D3-899C-58AAF4F8AF71}" type="datetimeFigureOut">
               <a:rPr lang="en-US" smtClean="0"/>
-              <a:t>17-Jul-22</a:t>
+              <a:t>19-Jul-22</a:t>
             </a:fld>
             <a:endParaRPr lang="en-US"/>
           </a:p>
@@ -1971,7 +1971,7 @@
           <a:p>
             <a:fld id="{2A14C9FE-EBC3-45D3-899C-58AAF4F8AF71}" type="datetimeFigureOut">
               <a:rPr lang="en-US" smtClean="0"/>
-              <a:t>17-Jul-22</a:t>
+              <a:t>19-Jul-22</a:t>
             </a:fld>
             <a:endParaRPr lang="en-US"/>
           </a:p>
@@ -2084,7 +2084,7 @@
           <a:p>
             <a:fld id="{2A14C9FE-EBC3-45D3-899C-58AAF4F8AF71}" type="datetimeFigureOut">
               <a:rPr lang="en-US" smtClean="0"/>
-              <a:t>17-Jul-22</a:t>
+              <a:t>19-Jul-22</a:t>
             </a:fld>
             <a:endParaRPr lang="en-US"/>
           </a:p>
@@ -2395,7 +2395,7 @@
           <a:p>
             <a:fld id="{2A14C9FE-EBC3-45D3-899C-58AAF4F8AF71}" type="datetimeFigureOut">
               <a:rPr lang="en-US" smtClean="0"/>
-              <a:t>17-Jul-22</a:t>
+              <a:t>19-Jul-22</a:t>
             </a:fld>
             <a:endParaRPr lang="en-US"/>
           </a:p>
@@ -2683,7 +2683,7 @@
           <a:p>
             <a:fld id="{2A14C9FE-EBC3-45D3-899C-58AAF4F8AF71}" type="datetimeFigureOut">
               <a:rPr lang="en-US" smtClean="0"/>
-              <a:t>17-Jul-22</a:t>
+              <a:t>19-Jul-22</a:t>
             </a:fld>
             <a:endParaRPr lang="en-US"/>
           </a:p>
@@ -2924,7 +2924,7 @@
           <a:p>
             <a:fld id="{2A14C9FE-EBC3-45D3-899C-58AAF4F8AF71}" type="datetimeFigureOut">
               <a:rPr lang="en-US" smtClean="0"/>
-              <a:t>17-Jul-22</a:t>
+              <a:t>19-Jul-22</a:t>
             </a:fld>
             <a:endParaRPr lang="en-US"/>
           </a:p>
@@ -3403,7 +3403,7 @@
               </a:rPr>
             </a:br>
             <a:r>
-              <a:rPr lang="en-US" sz="2800" i="1" dirty="0">
+              <a:rPr lang="en-US" sz="2800" dirty="0">
                 <a:solidFill>
                   <a:srgbClr val="292D33"/>
                 </a:solidFill>
@@ -3413,7 +3413,7 @@
               <a:t>open-source web application framework</a:t>
             </a:r>
             <a:br>
-              <a:rPr lang="en-US" sz="2800" i="1" dirty="0">
+              <a:rPr lang="en-US" sz="2800" dirty="0">
                 <a:solidFill>
                   <a:srgbClr val="292D33"/>
                 </a:solidFill>
@@ -3422,7 +3422,7 @@
               </a:rPr>
             </a:br>
             <a:r>
-              <a:rPr lang="en-US" sz="2800" i="1" dirty="0">
+              <a:rPr lang="en-US" sz="2800" dirty="0">
                 <a:solidFill>
                   <a:srgbClr val="292D33"/>
                 </a:solidFill>
@@ -3431,7 +3431,7 @@
               </a:rPr>
               <a:t>for ASP.NET Core</a:t>
             </a:r>
-            <a:endParaRPr lang="en-US" sz="4000" i="1" dirty="0">
+            <a:endParaRPr lang="en-US" sz="4000" dirty="0">
               <a:solidFill>
                 <a:srgbClr val="292D33"/>
               </a:solidFill>
@@ -4425,7 +4425,7 @@
           </a:prstGeom>
           <a:ln w="38100">
             <a:solidFill>
-              <a:schemeClr val="accent3"/>
+              <a:srgbClr val="7030A0"/>
             </a:solidFill>
             <a:headEnd type="none"/>
             <a:tailEnd type="triangle"/>
@@ -4471,7 +4471,7 @@
           </a:prstGeom>
           <a:ln w="38100">
             <a:solidFill>
-              <a:schemeClr val="accent3"/>
+              <a:srgbClr val="7030A0"/>
             </a:solidFill>
             <a:headEnd type="none"/>
             <a:tailEnd type="triangle"/>
@@ -4517,7 +4517,7 @@
           </a:prstGeom>
           <a:ln w="38100">
             <a:solidFill>
-              <a:schemeClr val="accent3"/>
+              <a:srgbClr val="7030A0"/>
             </a:solidFill>
             <a:headEnd type="none"/>
             <a:tailEnd type="triangle"/>
@@ -4565,7 +4565,7 @@
           </a:prstGeom>
           <a:ln w="38100">
             <a:solidFill>
-              <a:schemeClr val="accent3"/>
+              <a:srgbClr val="7030A0"/>
             </a:solidFill>
             <a:headEnd type="none"/>
             <a:tailEnd type="triangle"/>
@@ -4611,7 +4611,7 @@
           </a:prstGeom>
           <a:ln w="38100">
             <a:solidFill>
-              <a:schemeClr val="accent3"/>
+              <a:srgbClr val="7030A0"/>
             </a:solidFill>
             <a:headEnd type="none"/>
             <a:tailEnd type="triangle"/>
@@ -4657,7 +4657,7 @@
           </a:prstGeom>
           <a:ln w="38100">
             <a:solidFill>
-              <a:schemeClr val="accent3"/>
+              <a:srgbClr val="7030A0"/>
             </a:solidFill>
             <a:headEnd type="none"/>
             <a:tailEnd type="triangle"/>
@@ -4705,7 +4705,7 @@
           </a:prstGeom>
           <a:ln w="38100">
             <a:solidFill>
-              <a:schemeClr val="accent3"/>
+              <a:srgbClr val="7030A0"/>
             </a:solidFill>
             <a:headEnd type="none"/>
             <a:tailEnd type="triangle"/>
@@ -4753,7 +4753,7 @@
           </a:prstGeom>
           <a:ln w="38100">
             <a:solidFill>
-              <a:schemeClr val="accent3"/>
+              <a:srgbClr val="7030A0"/>
             </a:solidFill>
             <a:headEnd type="none"/>
             <a:tailEnd type="triangle"/>
@@ -4801,7 +4801,7 @@
           </a:prstGeom>
           <a:ln w="38100">
             <a:solidFill>
-              <a:schemeClr val="accent3"/>
+              <a:srgbClr val="7030A0"/>
             </a:solidFill>
             <a:headEnd type="none"/>
             <a:tailEnd type="triangle"/>
@@ -4847,7 +4847,7 @@
           </a:prstGeom>
           <a:ln w="38100">
             <a:solidFill>
-              <a:schemeClr val="accent3"/>
+              <a:srgbClr val="7030A0"/>
             </a:solidFill>
             <a:headEnd type="none"/>
             <a:tailEnd type="triangle"/>
@@ -6785,8 +6785,8 @@
         </p:nvSpPr>
         <p:spPr>
           <a:xfrm>
-            <a:off x="1879346" y="3296339"/>
-            <a:ext cx="7596577" cy="887809"/>
+            <a:off x="1879346" y="3258631"/>
+            <a:ext cx="6576497" cy="887809"/>
           </a:xfrm>
           <a:prstGeom prst="rect">
             <a:avLst/>
@@ -6869,8 +6869,8 @@
         </p:nvSpPr>
         <p:spPr>
           <a:xfrm>
-            <a:off x="1879346" y="4354086"/>
-            <a:ext cx="7596577" cy="887809"/>
+            <a:off x="1879347" y="4580331"/>
+            <a:ext cx="8348736" cy="887809"/>
           </a:xfrm>
           <a:prstGeom prst="rect">
             <a:avLst/>
@@ -6960,7 +6960,7 @@
         </p:blipFill>
         <p:spPr>
           <a:xfrm>
-            <a:off x="469160" y="3051140"/>
+            <a:off x="469160" y="3004008"/>
             <a:ext cx="1690958" cy="1690958"/>
           </a:xfrm>
           <a:prstGeom prst="rect">
@@ -6997,7 +6997,7 @@
         </p:blipFill>
         <p:spPr bwMode="auto">
           <a:xfrm>
-            <a:off x="901240" y="4411241"/>
+            <a:off x="901240" y="4609205"/>
             <a:ext cx="821601" cy="821601"/>
           </a:xfrm>
           <a:prstGeom prst="rect">
@@ -7043,7 +7043,7 @@
         </p:blipFill>
         <p:spPr>
           <a:xfrm>
-            <a:off x="901240" y="2274804"/>
+            <a:off x="901240" y="1973143"/>
             <a:ext cx="821601" cy="821601"/>
           </a:xfrm>
           <a:prstGeom prst="rect">
@@ -7065,8 +7065,8 @@
         </p:nvSpPr>
         <p:spPr>
           <a:xfrm>
-            <a:off x="1879346" y="2238592"/>
-            <a:ext cx="7596577" cy="887809"/>
+            <a:off x="1879346" y="1936931"/>
+            <a:ext cx="8348737" cy="887809"/>
           </a:xfrm>
           <a:prstGeom prst="rect">
             <a:avLst/>
@@ -7135,6 +7135,139 @@
           </a:p>
         </p:txBody>
       </p:sp>
+      <p:cxnSp>
+        <p:nvCxnSpPr>
+          <p:cNvPr id="4" name="Straight Arrow Connector 3">
+            <a:extLst>
+              <a:ext uri="{FF2B5EF4-FFF2-40B4-BE49-F238E27FC236}">
+                <a16:creationId xmlns:a16="http://schemas.microsoft.com/office/drawing/2014/main" id="{A8260446-70DD-FCED-2A78-5FB7B35F5C5D}"/>
+              </a:ext>
+            </a:extLst>
+          </p:cNvPr>
+          <p:cNvCxnSpPr>
+            <a:cxnSpLocks/>
+            <a:endCxn id="9" idx="0"/>
+          </p:cNvCxnSpPr>
+          <p:nvPr/>
+        </p:nvCxnSpPr>
+        <p:spPr>
+          <a:xfrm>
+            <a:off x="6053714" y="4146440"/>
+            <a:ext cx="1" cy="433891"/>
+          </a:xfrm>
+          <a:prstGeom prst="straightConnector1">
+            <a:avLst/>
+          </a:prstGeom>
+          <a:ln w="63500">
+            <a:solidFill>
+              <a:schemeClr val="tx1"/>
+            </a:solidFill>
+            <a:tailEnd type="triangle"/>
+          </a:ln>
+        </p:spPr>
+        <p:style>
+          <a:lnRef idx="1">
+            <a:schemeClr val="accent1"/>
+          </a:lnRef>
+          <a:fillRef idx="0">
+            <a:schemeClr val="accent1"/>
+          </a:fillRef>
+          <a:effectRef idx="0">
+            <a:schemeClr val="accent1"/>
+          </a:effectRef>
+          <a:fontRef idx="minor">
+            <a:schemeClr val="tx1"/>
+          </a:fontRef>
+        </p:style>
+      </p:cxnSp>
+      <p:cxnSp>
+        <p:nvCxnSpPr>
+          <p:cNvPr id="15" name="Straight Arrow Connector 14">
+            <a:extLst>
+              <a:ext uri="{FF2B5EF4-FFF2-40B4-BE49-F238E27FC236}">
+                <a16:creationId xmlns:a16="http://schemas.microsoft.com/office/drawing/2014/main" id="{6B826973-238D-900E-71C5-EEEBEF3F90BC}"/>
+              </a:ext>
+            </a:extLst>
+          </p:cNvPr>
+          <p:cNvCxnSpPr>
+            <a:cxnSpLocks/>
+          </p:cNvCxnSpPr>
+          <p:nvPr/>
+        </p:nvCxnSpPr>
+        <p:spPr>
+          <a:xfrm>
+            <a:off x="6053714" y="2824740"/>
+            <a:ext cx="0" cy="433891"/>
+          </a:xfrm>
+          <a:prstGeom prst="straightConnector1">
+            <a:avLst/>
+          </a:prstGeom>
+          <a:ln w="63500">
+            <a:solidFill>
+              <a:schemeClr val="tx1"/>
+            </a:solidFill>
+            <a:tailEnd type="triangle"/>
+          </a:ln>
+        </p:spPr>
+        <p:style>
+          <a:lnRef idx="1">
+            <a:schemeClr val="accent1"/>
+          </a:lnRef>
+          <a:fillRef idx="0">
+            <a:schemeClr val="accent1"/>
+          </a:fillRef>
+          <a:effectRef idx="0">
+            <a:schemeClr val="accent1"/>
+          </a:effectRef>
+          <a:fontRef idx="minor">
+            <a:schemeClr val="tx1"/>
+          </a:fontRef>
+        </p:style>
+      </p:cxnSp>
+      <p:cxnSp>
+        <p:nvCxnSpPr>
+          <p:cNvPr id="16" name="Straight Arrow Connector 15">
+            <a:extLst>
+              <a:ext uri="{FF2B5EF4-FFF2-40B4-BE49-F238E27FC236}">
+                <a16:creationId xmlns:a16="http://schemas.microsoft.com/office/drawing/2014/main" id="{493ADB26-BFAF-5224-4C21-1CD2E146F9B1}"/>
+              </a:ext>
+            </a:extLst>
+          </p:cNvPr>
+          <p:cNvCxnSpPr>
+            <a:cxnSpLocks/>
+          </p:cNvCxnSpPr>
+          <p:nvPr/>
+        </p:nvCxnSpPr>
+        <p:spPr>
+          <a:xfrm>
+            <a:off x="9298107" y="2824740"/>
+            <a:ext cx="0" cy="1755591"/>
+          </a:xfrm>
+          <a:prstGeom prst="straightConnector1">
+            <a:avLst/>
+          </a:prstGeom>
+          <a:ln w="63500">
+            <a:solidFill>
+              <a:schemeClr val="tx1"/>
+            </a:solidFill>
+            <a:tailEnd type="triangle"/>
+          </a:ln>
+        </p:spPr>
+        <p:style>
+          <a:lnRef idx="1">
+            <a:schemeClr val="accent1"/>
+          </a:lnRef>
+          <a:fillRef idx="0">
+            <a:schemeClr val="accent1"/>
+          </a:fillRef>
+          <a:effectRef idx="0">
+            <a:schemeClr val="accent1"/>
+          </a:effectRef>
+          <a:fontRef idx="minor">
+            <a:schemeClr val="tx1"/>
+          </a:fontRef>
+        </p:style>
+      </p:cxnSp>
     </p:spTree>
     <p:extLst>
       <p:ext uri="{BB962C8B-B14F-4D97-AF65-F5344CB8AC3E}">
@@ -7302,7 +7435,7 @@
                                           </p:stCondLst>
                                         </p:cTn>
                                         <p:tgtEl>
-                                          <p:spTgt spid="10"/>
+                                          <p:spTgt spid="4"/>
                                         </p:tgtEl>
                                         <p:attrNameLst>
                                           <p:attrName>style.visibility</p:attrName>
@@ -7315,6 +7448,41 @@
                                     <p:animEffect transition="in" filter="fade">
                                       <p:cBhvr>
                                         <p:cTn id="18" dur="500"/>
+                                        <p:tgtEl>
+                                          <p:spTgt spid="4"/>
+                                        </p:tgtEl>
+                                      </p:cBhvr>
+                                    </p:animEffect>
+                                  </p:childTnLst>
+                                </p:cTn>
+                              </p:par>
+                              <p:par>
+                                <p:cTn id="19" presetID="10" presetClass="entr" presetSubtype="0" fill="hold" nodeType="withEffect">
+                                  <p:stCondLst>
+                                    <p:cond delay="0"/>
+                                  </p:stCondLst>
+                                  <p:childTnLst>
+                                    <p:set>
+                                      <p:cBhvr>
+                                        <p:cTn id="20" dur="1" fill="hold">
+                                          <p:stCondLst>
+                                            <p:cond delay="0"/>
+                                          </p:stCondLst>
+                                        </p:cTn>
+                                        <p:tgtEl>
+                                          <p:spTgt spid="10"/>
+                                        </p:tgtEl>
+                                        <p:attrNameLst>
+                                          <p:attrName>style.visibility</p:attrName>
+                                        </p:attrNameLst>
+                                      </p:cBhvr>
+                                      <p:to>
+                                        <p:strVal val="visible"/>
+                                      </p:to>
+                                    </p:set>
+                                    <p:animEffect transition="in" filter="fade">
+                                      <p:cBhvr>
+                                        <p:cTn id="21" dur="500"/>
                                         <p:tgtEl>
                                           <p:spTgt spid="10"/>
                                         </p:tgtEl>
@@ -7330,26 +7498,26 @@
                     </p:cTn>
                   </p:par>
                   <p:par>
-                    <p:cTn id="19" fill="hold">
+                    <p:cTn id="22" fill="hold">
                       <p:stCondLst>
                         <p:cond delay="indefinite"/>
                       </p:stCondLst>
                       <p:childTnLst>
                         <p:par>
-                          <p:cTn id="20" fill="hold">
+                          <p:cTn id="23" fill="hold">
                             <p:stCondLst>
                               <p:cond delay="0"/>
                             </p:stCondLst>
                             <p:childTnLst>
                               <p:par>
-                                <p:cTn id="21" presetID="10" presetClass="entr" presetSubtype="0" fill="hold" nodeType="clickEffect">
+                                <p:cTn id="24" presetID="10" presetClass="entr" presetSubtype="0" fill="hold" nodeType="clickEffect">
                                   <p:stCondLst>
                                     <p:cond delay="0"/>
                                   </p:stCondLst>
                                   <p:childTnLst>
                                     <p:set>
                                       <p:cBhvr>
-                                        <p:cTn id="22" dur="1" fill="hold">
+                                        <p:cTn id="25" dur="1" fill="hold">
                                           <p:stCondLst>
                                             <p:cond delay="0"/>
                                           </p:stCondLst>
@@ -7367,7 +7535,7 @@
                                     </p:set>
                                     <p:animEffect transition="in" filter="fade">
                                       <p:cBhvr>
-                                        <p:cTn id="23" dur="500"/>
+                                        <p:cTn id="26" dur="500"/>
                                         <p:tgtEl>
                                           <p:spTgt spid="12"/>
                                         </p:tgtEl>
@@ -7377,14 +7545,14 @@
                                 </p:cTn>
                               </p:par>
                               <p:par>
-                                <p:cTn id="24" presetID="10" presetClass="entr" presetSubtype="0" fill="hold" grpId="0" nodeType="withEffect">
+                                <p:cTn id="27" presetID="10" presetClass="entr" presetSubtype="0" fill="hold" grpId="0" nodeType="withEffect">
                                   <p:stCondLst>
                                     <p:cond delay="0"/>
                                   </p:stCondLst>
                                   <p:childTnLst>
                                     <p:set>
                                       <p:cBhvr>
-                                        <p:cTn id="25" dur="1" fill="hold">
+                                        <p:cTn id="28" dur="1" fill="hold">
                                           <p:stCondLst>
                                             <p:cond delay="0"/>
                                           </p:stCondLst>
@@ -7402,9 +7570,79 @@
                                     </p:set>
                                     <p:animEffect transition="in" filter="fade">
                                       <p:cBhvr>
-                                        <p:cTn id="26" dur="500"/>
+                                        <p:cTn id="29" dur="500"/>
                                         <p:tgtEl>
                                           <p:spTgt spid="14"/>
+                                        </p:tgtEl>
+                                      </p:cBhvr>
+                                    </p:animEffect>
+                                  </p:childTnLst>
+                                </p:cTn>
+                              </p:par>
+                              <p:par>
+                                <p:cTn id="30" presetID="10" presetClass="entr" presetSubtype="0" fill="hold" nodeType="withEffect">
+                                  <p:stCondLst>
+                                    <p:cond delay="0"/>
+                                  </p:stCondLst>
+                                  <p:childTnLst>
+                                    <p:set>
+                                      <p:cBhvr>
+                                        <p:cTn id="31" dur="1" fill="hold">
+                                          <p:stCondLst>
+                                            <p:cond delay="0"/>
+                                          </p:stCondLst>
+                                        </p:cTn>
+                                        <p:tgtEl>
+                                          <p:spTgt spid="15"/>
+                                        </p:tgtEl>
+                                        <p:attrNameLst>
+                                          <p:attrName>style.visibility</p:attrName>
+                                        </p:attrNameLst>
+                                      </p:cBhvr>
+                                      <p:to>
+                                        <p:strVal val="visible"/>
+                                      </p:to>
+                                    </p:set>
+                                    <p:animEffect transition="in" filter="fade">
+                                      <p:cBhvr>
+                                        <p:cTn id="32" dur="500"/>
+                                        <p:tgtEl>
+                                          <p:spTgt spid="15"/>
+                                        </p:tgtEl>
+                                      </p:cBhvr>
+                                    </p:animEffect>
+                                  </p:childTnLst>
+                                </p:cTn>
+                              </p:par>
+                              <p:par>
+                                <p:cTn id="33" presetID="10" presetClass="entr" presetSubtype="0" fill="hold" nodeType="withEffect">
+                                  <p:stCondLst>
+                                    <p:cond delay="0"/>
+                                  </p:stCondLst>
+                                  <p:childTnLst>
+                                    <p:set>
+                                      <p:cBhvr>
+                                        <p:cTn id="34" dur="1" fill="hold">
+                                          <p:stCondLst>
+                                            <p:cond delay="0"/>
+                                          </p:stCondLst>
+                                        </p:cTn>
+                                        <p:tgtEl>
+                                          <p:spTgt spid="16"/>
+                                        </p:tgtEl>
+                                        <p:attrNameLst>
+                                          <p:attrName>style.visibility</p:attrName>
+                                        </p:attrNameLst>
+                                      </p:cBhvr>
+                                      <p:to>
+                                        <p:strVal val="visible"/>
+                                      </p:to>
+                                    </p:set>
+                                    <p:animEffect transition="in" filter="fade">
+                                      <p:cBhvr>
+                                        <p:cTn id="35" dur="500"/>
+                                        <p:tgtEl>
+                                          <p:spTgt spid="16"/>
                                         </p:tgtEl>
                                       </p:cBhvr>
                                     </p:animEffect>
